--- a/Presentaties/Iteratie 2/SWOP Presentatie 2 Inhoud.pptx
+++ b/Presentaties/Iteratie 2/SWOP Presentatie 2 Inhoud.pptx
@@ -7,22 +7,19 @@
   <p:sldIdLst>
     <p:sldId id="256" r:id="rId2"/>
     <p:sldId id="257" r:id="rId3"/>
-    <p:sldId id="263" r:id="rId4"/>
-    <p:sldId id="264" r:id="rId5"/>
-    <p:sldId id="265" r:id="rId6"/>
-    <p:sldId id="258" r:id="rId7"/>
-    <p:sldId id="272" r:id="rId8"/>
-    <p:sldId id="266" r:id="rId9"/>
-    <p:sldId id="273" r:id="rId10"/>
-    <p:sldId id="268" r:id="rId11"/>
-    <p:sldId id="267" r:id="rId12"/>
-    <p:sldId id="259" r:id="rId13"/>
-    <p:sldId id="270" r:id="rId14"/>
-    <p:sldId id="274" r:id="rId15"/>
-    <p:sldId id="260" r:id="rId16"/>
-    <p:sldId id="261" r:id="rId17"/>
-    <p:sldId id="262" r:id="rId18"/>
-    <p:sldId id="275" r:id="rId19"/>
+    <p:sldId id="258" r:id="rId4"/>
+    <p:sldId id="267" r:id="rId5"/>
+    <p:sldId id="276" r:id="rId6"/>
+    <p:sldId id="277" r:id="rId7"/>
+    <p:sldId id="278" r:id="rId8"/>
+    <p:sldId id="279" r:id="rId9"/>
+    <p:sldId id="259" r:id="rId10"/>
+    <p:sldId id="270" r:id="rId11"/>
+    <p:sldId id="274" r:id="rId12"/>
+    <p:sldId id="260" r:id="rId13"/>
+    <p:sldId id="261" r:id="rId14"/>
+    <p:sldId id="262" r:id="rId15"/>
+    <p:sldId id="275" r:id="rId16"/>
   </p:sldIdLst>
   <p:sldSz cx="9144000" cy="6858000" type="screen4x3"/>
   <p:notesSz cx="6858000" cy="9144000"/>
@@ -123,7 +120,7 @@
   </p:defaultTextStyle>
   <p:extLst>
     <p:ext uri="{EFAFB233-063F-42B5-8137-9DF3F51BA10A}">
-      <p15:sldGuideLst xmlns:p15="http://schemas.microsoft.com/office/powerpoint/2012/main">
+      <p15:sldGuideLst xmlns:p15="http://schemas.microsoft.com/office/powerpoint/2012/main" xmlns="">
         <p15:guide id="1" orient="horz" pos="2160">
           <p15:clr>
             <a:srgbClr val="A4A3A4"/>
@@ -322,7 +319,7 @@
             <a:fld id="{0F5E03E0-8FDD-4F94-8780-E28EA23ED5EC}" type="datetimeFigureOut">
               <a:rPr lang="nl-BE" smtClean="0"/>
               <a:pPr/>
-              <a:t>17/04/2016</a:t>
+              <a:t>19/04/2016</a:t>
             </a:fld>
             <a:endParaRPr lang="nl-BE"/>
           </a:p>
@@ -365,7 +362,7 @@
             <a:fld id="{91663F60-0288-4BD7-9F87-79CFFEA98662}" type="slidenum">
               <a:rPr lang="nl-BE" smtClean="0"/>
               <a:pPr/>
-              <a:t>‹#›</a:t>
+              <a:t>‹nr.›</a:t>
             </a:fld>
             <a:endParaRPr lang="nl-BE"/>
           </a:p>
@@ -497,7 +494,7 @@
             <a:fld id="{0F5E03E0-8FDD-4F94-8780-E28EA23ED5EC}" type="datetimeFigureOut">
               <a:rPr lang="nl-BE" smtClean="0"/>
               <a:pPr/>
-              <a:t>17/04/2016</a:t>
+              <a:t>19/04/2016</a:t>
             </a:fld>
             <a:endParaRPr lang="nl-BE"/>
           </a:p>
@@ -540,7 +537,7 @@
             <a:fld id="{91663F60-0288-4BD7-9F87-79CFFEA98662}" type="slidenum">
               <a:rPr lang="nl-BE" smtClean="0"/>
               <a:pPr/>
-              <a:t>‹#›</a:t>
+              <a:t>‹nr.›</a:t>
             </a:fld>
             <a:endParaRPr lang="nl-BE"/>
           </a:p>
@@ -682,7 +679,7 @@
             <a:fld id="{0F5E03E0-8FDD-4F94-8780-E28EA23ED5EC}" type="datetimeFigureOut">
               <a:rPr lang="nl-BE" smtClean="0"/>
               <a:pPr/>
-              <a:t>17/04/2016</a:t>
+              <a:t>19/04/2016</a:t>
             </a:fld>
             <a:endParaRPr lang="nl-BE"/>
           </a:p>
@@ -725,7 +722,7 @@
             <a:fld id="{91663F60-0288-4BD7-9F87-79CFFEA98662}" type="slidenum">
               <a:rPr lang="nl-BE" smtClean="0"/>
               <a:pPr/>
-              <a:t>‹#›</a:t>
+              <a:t>‹nr.›</a:t>
             </a:fld>
             <a:endParaRPr lang="nl-BE"/>
           </a:p>
@@ -857,7 +854,7 @@
             <a:fld id="{0F5E03E0-8FDD-4F94-8780-E28EA23ED5EC}" type="datetimeFigureOut">
               <a:rPr lang="nl-BE" smtClean="0"/>
               <a:pPr/>
-              <a:t>17/04/2016</a:t>
+              <a:t>19/04/2016</a:t>
             </a:fld>
             <a:endParaRPr lang="nl-BE"/>
           </a:p>
@@ -900,7 +897,7 @@
             <a:fld id="{91663F60-0288-4BD7-9F87-79CFFEA98662}" type="slidenum">
               <a:rPr lang="nl-BE" smtClean="0"/>
               <a:pPr/>
-              <a:t>‹#›</a:t>
+              <a:t>‹nr.›</a:t>
             </a:fld>
             <a:endParaRPr lang="nl-BE"/>
           </a:p>
@@ -1108,7 +1105,7 @@
             <a:fld id="{0F5E03E0-8FDD-4F94-8780-E28EA23ED5EC}" type="datetimeFigureOut">
               <a:rPr lang="nl-BE" smtClean="0"/>
               <a:pPr/>
-              <a:t>17/04/2016</a:t>
+              <a:t>19/04/2016</a:t>
             </a:fld>
             <a:endParaRPr lang="nl-BE"/>
           </a:p>
@@ -1151,7 +1148,7 @@
             <a:fld id="{91663F60-0288-4BD7-9F87-79CFFEA98662}" type="slidenum">
               <a:rPr lang="nl-BE" smtClean="0"/>
               <a:pPr/>
-              <a:t>‹#›</a:t>
+              <a:t>‹nr.›</a:t>
             </a:fld>
             <a:endParaRPr lang="nl-BE"/>
           </a:p>
@@ -1401,7 +1398,7 @@
             <a:fld id="{0F5E03E0-8FDD-4F94-8780-E28EA23ED5EC}" type="datetimeFigureOut">
               <a:rPr lang="nl-BE" smtClean="0"/>
               <a:pPr/>
-              <a:t>17/04/2016</a:t>
+              <a:t>19/04/2016</a:t>
             </a:fld>
             <a:endParaRPr lang="nl-BE"/>
           </a:p>
@@ -1444,7 +1441,7 @@
             <a:fld id="{91663F60-0288-4BD7-9F87-79CFFEA98662}" type="slidenum">
               <a:rPr lang="nl-BE" smtClean="0"/>
               <a:pPr/>
-              <a:t>‹#›</a:t>
+              <a:t>‹nr.›</a:t>
             </a:fld>
             <a:endParaRPr lang="nl-BE"/>
           </a:p>
@@ -1828,7 +1825,7 @@
             <a:fld id="{0F5E03E0-8FDD-4F94-8780-E28EA23ED5EC}" type="datetimeFigureOut">
               <a:rPr lang="nl-BE" smtClean="0"/>
               <a:pPr/>
-              <a:t>17/04/2016</a:t>
+              <a:t>19/04/2016</a:t>
             </a:fld>
             <a:endParaRPr lang="nl-BE"/>
           </a:p>
@@ -1871,7 +1868,7 @@
             <a:fld id="{91663F60-0288-4BD7-9F87-79CFFEA98662}" type="slidenum">
               <a:rPr lang="nl-BE" smtClean="0"/>
               <a:pPr/>
-              <a:t>‹#›</a:t>
+              <a:t>‹nr.›</a:t>
             </a:fld>
             <a:endParaRPr lang="nl-BE"/>
           </a:p>
@@ -1951,7 +1948,7 @@
             <a:fld id="{0F5E03E0-8FDD-4F94-8780-E28EA23ED5EC}" type="datetimeFigureOut">
               <a:rPr lang="nl-BE" smtClean="0"/>
               <a:pPr/>
-              <a:t>17/04/2016</a:t>
+              <a:t>19/04/2016</a:t>
             </a:fld>
             <a:endParaRPr lang="nl-BE"/>
           </a:p>
@@ -1994,7 +1991,7 @@
             <a:fld id="{91663F60-0288-4BD7-9F87-79CFFEA98662}" type="slidenum">
               <a:rPr lang="nl-BE" smtClean="0"/>
               <a:pPr/>
-              <a:t>‹#›</a:t>
+              <a:t>‹nr.›</a:t>
             </a:fld>
             <a:endParaRPr lang="nl-BE"/>
           </a:p>
@@ -2051,7 +2048,7 @@
             <a:fld id="{0F5E03E0-8FDD-4F94-8780-E28EA23ED5EC}" type="datetimeFigureOut">
               <a:rPr lang="nl-BE" smtClean="0"/>
               <a:pPr/>
-              <a:t>17/04/2016</a:t>
+              <a:t>19/04/2016</a:t>
             </a:fld>
             <a:endParaRPr lang="nl-BE"/>
           </a:p>
@@ -2094,7 +2091,7 @@
             <a:fld id="{91663F60-0288-4BD7-9F87-79CFFEA98662}" type="slidenum">
               <a:rPr lang="nl-BE" smtClean="0"/>
               <a:pPr/>
-              <a:t>‹#›</a:t>
+              <a:t>‹nr.›</a:t>
             </a:fld>
             <a:endParaRPr lang="nl-BE"/>
           </a:p>
@@ -2333,7 +2330,7 @@
             <a:fld id="{0F5E03E0-8FDD-4F94-8780-E28EA23ED5EC}" type="datetimeFigureOut">
               <a:rPr lang="nl-BE" smtClean="0"/>
               <a:pPr/>
-              <a:t>17/04/2016</a:t>
+              <a:t>19/04/2016</a:t>
             </a:fld>
             <a:endParaRPr lang="nl-BE"/>
           </a:p>
@@ -2376,7 +2373,7 @@
             <a:fld id="{91663F60-0288-4BD7-9F87-79CFFEA98662}" type="slidenum">
               <a:rPr lang="nl-BE" smtClean="0"/>
               <a:pPr/>
-              <a:t>‹#›</a:t>
+              <a:t>‹nr.›</a:t>
             </a:fld>
             <a:endParaRPr lang="nl-BE"/>
           </a:p>
@@ -2591,7 +2588,7 @@
             <a:fld id="{0F5E03E0-8FDD-4F94-8780-E28EA23ED5EC}" type="datetimeFigureOut">
               <a:rPr lang="nl-BE" smtClean="0"/>
               <a:pPr/>
-              <a:t>17/04/2016</a:t>
+              <a:t>19/04/2016</a:t>
             </a:fld>
             <a:endParaRPr lang="nl-BE"/>
           </a:p>
@@ -2634,7 +2631,7 @@
             <a:fld id="{91663F60-0288-4BD7-9F87-79CFFEA98662}" type="slidenum">
               <a:rPr lang="nl-BE" smtClean="0"/>
               <a:pPr/>
-              <a:t>‹#›</a:t>
+              <a:t>‹nr.›</a:t>
             </a:fld>
             <a:endParaRPr lang="nl-BE"/>
           </a:p>
@@ -2833,7 +2830,7 @@
             <a:fld id="{0F5E03E0-8FDD-4F94-8780-E28EA23ED5EC}" type="datetimeFigureOut">
               <a:rPr lang="nl-BE" smtClean="0"/>
               <a:pPr/>
-              <a:t>17/04/2016</a:t>
+              <a:t>19/04/2016</a:t>
             </a:fld>
             <a:endParaRPr lang="nl-BE"/>
           </a:p>
@@ -2912,7 +2909,7 @@
             <a:fld id="{91663F60-0288-4BD7-9F87-79CFFEA98662}" type="slidenum">
               <a:rPr lang="nl-BE" smtClean="0"/>
               <a:pPr/>
-              <a:t>‹#›</a:t>
+              <a:t>‹nr.›</a:t>
             </a:fld>
             <a:endParaRPr lang="nl-BE"/>
           </a:p>
@@ -3532,20 +3529,7 @@
                 </a:effectLst>
                 <a:latin typeface="Sitka Text" pitchFamily="2" charset="0"/>
               </a:rPr>
-              <a:t>Presentatie: Iteratie </a:t>
-            </a:r>
-            <a:r>
-              <a:rPr lang="nl-BE" sz="2700" cap="small" dirty="0" smtClean="0">
-                <a:effectLst>
-                  <a:outerShdw blurRad="50800" dist="38100" dir="5400000" algn="t" rotWithShape="0">
-                    <a:prstClr val="black">
-                      <a:alpha val="40000"/>
-                    </a:prstClr>
-                  </a:outerShdw>
-                </a:effectLst>
-                <a:latin typeface="Sitka Text" pitchFamily="2" charset="0"/>
-              </a:rPr>
-              <a:t>2</a:t>
+              <a:t>Presentatie: Iteratie 2</a:t>
             </a:r>
             <a:endParaRPr lang="en-GB" sz="2700" cap="small" dirty="0">
               <a:effectLst>
@@ -3618,6 +3602,27 @@
           <a:lstStyle/>
           <a:p>
             <a:r>
+              <a:rPr lang="nl-BE" sz="3600" cap="small" dirty="0" err="1" smtClean="0">
+                <a:ln w="18415" cmpd="sng">
+                  <a:solidFill>
+                    <a:schemeClr val="tx1">
+                      <a:alpha val="0"/>
+                    </a:schemeClr>
+                  </a:solidFill>
+                  <a:prstDash val="solid"/>
+                </a:ln>
+                <a:effectLst>
+                  <a:outerShdw blurRad="25400" dir="3600000" algn="tl" rotWithShape="0">
+                    <a:srgbClr val="000000">
+                      <a:alpha val="70000"/>
+                    </a:srgbClr>
+                  </a:outerShdw>
+                </a:effectLst>
+                <a:latin typeface="Sitka Text" pitchFamily="2" charset="0"/>
+              </a:rPr>
+              <a:t>Possible</a:t>
+            </a:r>
+            <a:r>
               <a:rPr lang="nl-BE" sz="3600" cap="small" dirty="0" smtClean="0">
                 <a:ln w="18415" cmpd="sng">
                   <a:solidFill>
@@ -3636,7 +3641,7 @@
                 </a:effectLst>
                 <a:latin typeface="Sitka Text" pitchFamily="2" charset="0"/>
               </a:rPr>
-              <a:t>Services </a:t>
+              <a:t> </a:t>
             </a:r>
             <a:r>
               <a:rPr lang="nl-BE" sz="3600" cap="small" dirty="0" err="1" smtClean="0">
@@ -3657,49 +3662,7 @@
                 </a:effectLst>
                 <a:latin typeface="Sitka Text" pitchFamily="2" charset="0"/>
               </a:rPr>
-              <a:t>to</a:t>
-            </a:r>
-            <a:r>
-              <a:rPr lang="nl-BE" sz="3600" cap="small" dirty="0" smtClean="0">
-                <a:ln w="18415" cmpd="sng">
-                  <a:solidFill>
-                    <a:schemeClr val="tx1">
-                      <a:alpha val="0"/>
-                    </a:schemeClr>
-                  </a:solidFill>
-                  <a:prstDash val="solid"/>
-                </a:ln>
-                <a:effectLst>
-                  <a:outerShdw blurRad="25400" dir="3600000" algn="tl" rotWithShape="0">
-                    <a:srgbClr val="000000">
-                      <a:alpha val="70000"/>
-                    </a:srgbClr>
-                  </a:outerShdw>
-                </a:effectLst>
-                <a:latin typeface="Sitka Text" pitchFamily="2" charset="0"/>
-              </a:rPr>
-              <a:t> keep track of </a:t>
-            </a:r>
-            <a:r>
-              <a:rPr lang="nl-BE" sz="3600" cap="small" dirty="0" err="1" smtClean="0">
-                <a:ln w="18415" cmpd="sng">
-                  <a:solidFill>
-                    <a:schemeClr val="tx1">
-                      <a:alpha val="0"/>
-                    </a:schemeClr>
-                  </a:solidFill>
-                  <a:prstDash val="solid"/>
-                </a:ln>
-                <a:effectLst>
-                  <a:outerShdw blurRad="25400" dir="3600000" algn="tl" rotWithShape="0">
-                    <a:srgbClr val="000000">
-                      <a:alpha val="70000"/>
-                    </a:srgbClr>
-                  </a:outerShdw>
-                </a:effectLst>
-                <a:latin typeface="Sitka Text" pitchFamily="2" charset="0"/>
-              </a:rPr>
-              <a:t>lists</a:t>
+              <a:t>improvements</a:t>
             </a:r>
             <a:endParaRPr lang="nl-BE" sz="3600" cap="small" dirty="0">
               <a:ln w="18415" cmpd="sng">
@@ -3732,85 +3695,174 @@
             <p:ph idx="1"/>
           </p:nvPr>
         </p:nvSpPr>
-        <p:spPr>
-          <a:xfrm>
-            <a:off x="518864" y="1883965"/>
-            <a:ext cx="8229600" cy="3849291"/>
-          </a:xfrm>
-        </p:spPr>
+        <p:spPr/>
         <p:txBody>
           <a:bodyPr>
             <a:normAutofit/>
           </a:bodyPr>
           <a:lstStyle/>
           <a:p>
-            <a:pPr marL="0" indent="0"/>
-            <a:r>
-              <a:rPr lang="nl-BE" sz="2800" dirty="0" smtClean="0">
-                <a:latin typeface="Sitka Display" pitchFamily="2" charset="0"/>
-              </a:rPr>
-              <a:t>   Services bevatten functies om:</a:t>
+            <a:r>
+              <a:rPr lang="nl-BE" sz="2400" dirty="0" smtClean="0">
+                <a:latin typeface="Sitka Display" pitchFamily="2" charset="0"/>
+              </a:rPr>
+              <a:t>Klassen voor </a:t>
+            </a:r>
+            <a:r>
+              <a:rPr lang="nl-BE" sz="2400" dirty="0" err="1" smtClean="0">
+                <a:latin typeface="Sitka Display" pitchFamily="2" charset="0"/>
+              </a:rPr>
+              <a:t>Admin</a:t>
+            </a:r>
+            <a:r>
+              <a:rPr lang="nl-BE" sz="2400" dirty="0" smtClean="0">
+                <a:latin typeface="Sitka Display" pitchFamily="2" charset="0"/>
+              </a:rPr>
+              <a:t>, </a:t>
+            </a:r>
+            <a:r>
+              <a:rPr lang="nl-BE" sz="2400" dirty="0" err="1" smtClean="0">
+                <a:latin typeface="Sitka Display" pitchFamily="2" charset="0"/>
+              </a:rPr>
+              <a:t>Issuer</a:t>
+            </a:r>
+            <a:r>
+              <a:rPr lang="nl-BE" sz="2400" dirty="0" smtClean="0">
+                <a:latin typeface="Sitka Display" pitchFamily="2" charset="0"/>
+              </a:rPr>
+              <a:t> &amp; Developer zijn overbodig</a:t>
             </a:r>
           </a:p>
           <a:p>
             <a:pPr lvl="1"/>
             <a:r>
+              <a:rPr lang="nl-BE" sz="2000" dirty="0" smtClean="0">
+                <a:latin typeface="Sitka Display" pitchFamily="2" charset="0"/>
+              </a:rPr>
+              <a:t>Functionaliteit in controller</a:t>
+            </a:r>
+          </a:p>
+          <a:p>
+            <a:endParaRPr lang="nl-BE" sz="2400" dirty="0"/>
+          </a:p>
+          <a:p>
+            <a:r>
               <a:rPr lang="nl-BE" sz="2400" dirty="0" smtClean="0">
                 <a:latin typeface="Sitka Display" pitchFamily="2" charset="0"/>
               </a:rPr>
-              <a:t>Lijsten opvragen (specifieke criteria)</a:t>
-            </a:r>
-          </a:p>
-          <a:p>
-            <a:pPr lvl="1"/>
-            <a:r>
-              <a:rPr lang="nl-BE" sz="2400" dirty="0" smtClean="0">
-                <a:latin typeface="Sitka Display" pitchFamily="2" charset="0"/>
-              </a:rPr>
-              <a:t>Lijsten bewerken (enkel mogelijk door service)</a:t>
-            </a:r>
-          </a:p>
-          <a:p>
-            <a:pPr lvl="1"/>
-            <a:r>
-              <a:rPr lang="nl-BE" sz="2400" dirty="0" smtClean="0">
-                <a:latin typeface="Sitka Display" pitchFamily="2" charset="0"/>
-              </a:rPr>
-              <a:t>Alsook communicatie met buitenwereld mogelijk te maken</a:t>
-            </a:r>
-          </a:p>
-          <a:p>
-            <a:endParaRPr lang="nl-BE" dirty="0"/>
-          </a:p>
-          <a:p>
-            <a:r>
-              <a:rPr lang="nl-BE" sz="2800" dirty="0" smtClean="0">
-                <a:latin typeface="Sitka Display" pitchFamily="2" charset="0"/>
-              </a:rPr>
-              <a:t>Lijsten gebruikt door services zijn </a:t>
-            </a:r>
-            <a:r>
-              <a:rPr lang="nl-BE" sz="2800" b="1" dirty="0" err="1" smtClean="0">
-                <a:latin typeface="Sitka Display" pitchFamily="2" charset="0"/>
-              </a:rPr>
-              <a:t>unmodifiable</a:t>
-            </a:r>
-            <a:endParaRPr lang="nl-BE" sz="2800" b="1" dirty="0" smtClean="0">
+              <a:t>Vermijden dat tags van elkaar afweten</a:t>
+            </a:r>
+            <a:endParaRPr lang="nl-BE" sz="2400" dirty="0">
               <a:latin typeface="Sitka Display" pitchFamily="2" charset="0"/>
             </a:endParaRPr>
           </a:p>
           <a:p>
-            <a:pPr marL="0" indent="0">
-              <a:buNone/>
-            </a:pPr>
-            <a:endParaRPr lang="nl-BE" dirty="0" smtClean="0"/>
+            <a:pPr lvl="1"/>
+            <a:r>
+              <a:rPr lang="nl-BE" sz="2000" dirty="0" smtClean="0">
+                <a:latin typeface="Sitka Display" pitchFamily="2" charset="0"/>
+              </a:rPr>
+              <a:t>Nieuwe klasse voor </a:t>
+            </a:r>
+            <a:r>
+              <a:rPr lang="nl-BE" sz="2000" dirty="0" err="1" smtClean="0">
+                <a:latin typeface="Sitka Display" pitchFamily="2" charset="0"/>
+              </a:rPr>
+              <a:t>overgangfunctionaliteit</a:t>
+            </a:r>
+            <a:endParaRPr lang="nl-BE" sz="2000" dirty="0" smtClean="0">
+              <a:latin typeface="Sitka Display" pitchFamily="2" charset="0"/>
+            </a:endParaRPr>
+          </a:p>
+          <a:p>
+            <a:endParaRPr lang="nl-BE" sz="2400" dirty="0"/>
+          </a:p>
+          <a:p>
+            <a:r>
+              <a:rPr lang="nl-BE" sz="2400" dirty="0" smtClean="0">
+                <a:latin typeface="Sitka Display" pitchFamily="2" charset="0"/>
+              </a:rPr>
+              <a:t>Opzoeken van </a:t>
+            </a:r>
+            <a:r>
+              <a:rPr lang="nl-BE" sz="2400" dirty="0" err="1" smtClean="0">
+                <a:latin typeface="Sitka Display" pitchFamily="2" charset="0"/>
+              </a:rPr>
+              <a:t>bugreport</a:t>
+            </a:r>
+            <a:r>
+              <a:rPr lang="nl-BE" sz="2400" dirty="0" smtClean="0">
+                <a:latin typeface="Sitka Display" pitchFamily="2" charset="0"/>
+              </a:rPr>
+              <a:t> implementeren m.b.v. </a:t>
+            </a:r>
+            <a:r>
+              <a:rPr lang="nl-BE" sz="2400" dirty="0" err="1" smtClean="0">
+                <a:latin typeface="Sitka Display" pitchFamily="2" charset="0"/>
+              </a:rPr>
+              <a:t>strategy</a:t>
+            </a:r>
+            <a:r>
+              <a:rPr lang="nl-BE" sz="2400" dirty="0" smtClean="0">
+                <a:latin typeface="Sitka Display" pitchFamily="2" charset="0"/>
+              </a:rPr>
+              <a:t> </a:t>
+            </a:r>
+            <a:r>
+              <a:rPr lang="nl-BE" sz="2400" dirty="0" err="1" smtClean="0">
+                <a:latin typeface="Sitka Display" pitchFamily="2" charset="0"/>
+              </a:rPr>
+              <a:t>pattern</a:t>
+            </a:r>
+            <a:endParaRPr lang="nl-BE" sz="2400" dirty="0" smtClean="0">
+              <a:latin typeface="Sitka Display" pitchFamily="2" charset="0"/>
+            </a:endParaRPr>
+          </a:p>
+          <a:p>
+            <a:pPr lvl="1"/>
+            <a:r>
+              <a:rPr lang="nl-BE" sz="2000" dirty="0" smtClean="0">
+                <a:latin typeface="Sitka Display" pitchFamily="2" charset="0"/>
+              </a:rPr>
+              <a:t>Interface “</a:t>
+            </a:r>
+            <a:r>
+              <a:rPr lang="nl-BE" sz="2000" dirty="0" err="1" smtClean="0">
+                <a:latin typeface="Sitka Display" pitchFamily="2" charset="0"/>
+              </a:rPr>
+              <a:t>ISearch</a:t>
+            </a:r>
+            <a:r>
+              <a:rPr lang="nl-BE" sz="2000" dirty="0" smtClean="0">
+                <a:latin typeface="Sitka Display" pitchFamily="2" charset="0"/>
+              </a:rPr>
+              <a:t>”</a:t>
+            </a:r>
+          </a:p>
+          <a:p>
+            <a:pPr lvl="1"/>
+            <a:r>
+              <a:rPr lang="nl-BE" sz="2000" dirty="0" smtClean="0">
+                <a:latin typeface="Sitka Display" pitchFamily="2" charset="0"/>
+              </a:rPr>
+              <a:t>Resulteert in lagere koppeling in </a:t>
+            </a:r>
+            <a:r>
+              <a:rPr lang="nl-BE" sz="2000" dirty="0" err="1" smtClean="0">
+                <a:latin typeface="Sitka Display" pitchFamily="2" charset="0"/>
+              </a:rPr>
+              <a:t>BugReportService</a:t>
+            </a:r>
+            <a:endParaRPr lang="nl-BE" sz="2000" dirty="0" smtClean="0">
+              <a:latin typeface="Sitka Display" pitchFamily="2" charset="0"/>
+            </a:endParaRPr>
           </a:p>
         </p:txBody>
       </p:sp>
     </p:spTree>
     <p:extLst>
       <p:ext uri="{BB962C8B-B14F-4D97-AF65-F5344CB8AC3E}">
-        <p14:creationId xmlns:p14="http://schemas.microsoft.com/office/powerpoint/2010/main" val="1617670185"/>
+        <p14:creationId xmlns:p14="http://schemas.microsoft.com/office/powerpoint/2010/main" val="674970378"/>
       </p:ext>
     </p:extLst>
   </p:cSld>
@@ -3883,7 +3935,7 @@
                 </a:effectLst>
                 <a:latin typeface="Sitka Text" pitchFamily="2" charset="0"/>
               </a:rPr>
-              <a:t>Usage</a:t>
+              <a:t>Testing</a:t>
             </a:r>
             <a:r>
               <a:rPr lang="nl-BE" sz="3600" cap="small" dirty="0" smtClean="0">
@@ -3904,70 +3956,7 @@
                 </a:effectLst>
                 <a:latin typeface="Sitka Text" pitchFamily="2" charset="0"/>
               </a:rPr>
-              <a:t> of </a:t>
-            </a:r>
-            <a:r>
-              <a:rPr lang="nl-BE" sz="3600" cap="small" dirty="0" err="1" smtClean="0">
-                <a:ln w="18415" cmpd="sng">
-                  <a:solidFill>
-                    <a:schemeClr val="tx1">
-                      <a:alpha val="0"/>
-                    </a:schemeClr>
-                  </a:solidFill>
-                  <a:prstDash val="solid"/>
-                </a:ln>
-                <a:effectLst>
-                  <a:outerShdw blurRad="25400" dir="3600000" algn="tl" rotWithShape="0">
-                    <a:srgbClr val="000000">
-                      <a:alpha val="70000"/>
-                    </a:srgbClr>
-                  </a:outerShdw>
-                </a:effectLst>
-                <a:latin typeface="Sitka Text" pitchFamily="2" charset="0"/>
-              </a:rPr>
-              <a:t>the</a:t>
-            </a:r>
-            <a:r>
-              <a:rPr lang="nl-BE" sz="3600" cap="small" dirty="0" smtClean="0">
-                <a:ln w="18415" cmpd="sng">
-                  <a:solidFill>
-                    <a:schemeClr val="tx1">
-                      <a:alpha val="0"/>
-                    </a:schemeClr>
-                  </a:solidFill>
-                  <a:prstDash val="solid"/>
-                </a:ln>
-                <a:effectLst>
-                  <a:outerShdw blurRad="25400" dir="3600000" algn="tl" rotWithShape="0">
-                    <a:srgbClr val="000000">
-                      <a:alpha val="70000"/>
-                    </a:srgbClr>
-                  </a:outerShdw>
-                </a:effectLst>
-                <a:latin typeface="Sitka Text" pitchFamily="2" charset="0"/>
-              </a:rPr>
-              <a:t> domain </a:t>
-            </a:r>
-            <a:r>
-              <a:rPr lang="nl-BE" sz="3600" cap="small" dirty="0" err="1" smtClean="0">
-                <a:ln w="18415" cmpd="sng">
-                  <a:solidFill>
-                    <a:schemeClr val="tx1">
-                      <a:alpha val="0"/>
-                    </a:schemeClr>
-                  </a:solidFill>
-                  <a:prstDash val="solid"/>
-                </a:ln>
-                <a:effectLst>
-                  <a:outerShdw blurRad="25400" dir="3600000" algn="tl" rotWithShape="0">
-                    <a:srgbClr val="000000">
-                      <a:alpha val="70000"/>
-                    </a:srgbClr>
-                  </a:outerShdw>
-                </a:effectLst>
-                <a:latin typeface="Sitka Text" pitchFamily="2" charset="0"/>
-              </a:rPr>
-              <a:t>layer</a:t>
+              <a:t> approach</a:t>
             </a:r>
             <a:endParaRPr lang="nl-BE" sz="3600" cap="small" dirty="0">
               <a:ln w="18415" cmpd="sng">
@@ -3990,211 +3979,55 @@
           </a:p>
         </p:txBody>
       </p:sp>
-      <p:pic>
-        <p:nvPicPr>
-          <p:cNvPr id="3074" name="Picture 2" descr="C:\Users\Laurens\Documents\IntelliJ Projects\SWOP2016\presentatie\Diagram Images\Puntje 2\AssignmentServices.png"/>
-          <p:cNvPicPr>
-            <a:picLocks noChangeAspect="1" noChangeArrowheads="1"/>
-          </p:cNvPicPr>
-          <p:nvPr/>
-        </p:nvPicPr>
-        <p:blipFill>
-          <a:blip r:embed="rId2" cstate="print">
-            <a:clrChange>
-              <a:clrFrom>
-                <a:srgbClr val="FFFFFF"/>
-              </a:clrFrom>
-              <a:clrTo>
-                <a:srgbClr val="FFFFFF">
-                  <a:alpha val="0"/>
-                </a:srgbClr>
-              </a:clrTo>
-            </a:clrChange>
-            <a:extLst>
-              <a:ext uri="{28A0092B-C50C-407E-A947-70E740481C1C}">
-                <a14:useLocalDpi xmlns:a14="http://schemas.microsoft.com/office/drawing/2010/main" val="0"/>
-              </a:ext>
-            </a:extLst>
-          </a:blip>
-          <a:srcRect/>
-          <a:stretch>
-            <a:fillRect/>
-          </a:stretch>
-        </p:blipFill>
-        <p:spPr bwMode="auto">
-          <a:xfrm>
-            <a:off x="2682799" y="1225704"/>
-            <a:ext cx="6482161" cy="5615136"/>
-          </a:xfrm>
-          <a:prstGeom prst="rect">
-            <a:avLst/>
-          </a:prstGeom>
-          <a:noFill/>
-          <a:extLst>
-            <a:ext uri="{909E8E84-426E-40DD-AFC4-6F175D3DCCD1}">
-              <a14:hiddenFill xmlns:a14="http://schemas.microsoft.com/office/drawing/2010/main">
-                <a:solidFill>
-                  <a:srgbClr val="FFFFFF"/>
-                </a:solidFill>
-              </a14:hiddenFill>
-            </a:ext>
-          </a:extLst>
-        </p:spPr>
-      </p:pic>
-      <p:sp>
-        <p:nvSpPr>
-          <p:cNvPr id="5" name="Tekstvak 2"/>
-          <p:cNvSpPr txBox="1"/>
-          <p:nvPr/>
-        </p:nvSpPr>
-        <p:spPr>
-          <a:xfrm>
-            <a:off x="251520" y="3745999"/>
-            <a:ext cx="3312368" cy="2635329"/>
-          </a:xfrm>
-          <a:prstGeom prst="roundRect">
-            <a:avLst>
-              <a:gd name="adj" fmla="val 4768"/>
-            </a:avLst>
-          </a:prstGeom>
-          <a:noFill/>
-          <a:ln w="6350"/>
-          <a:effectLst/>
-        </p:spPr>
-        <p:style>
-          <a:lnRef idx="2">
-            <a:schemeClr val="dk1"/>
-          </a:lnRef>
-          <a:fillRef idx="1">
-            <a:schemeClr val="lt1"/>
-          </a:fillRef>
-          <a:effectRef idx="0">
-            <a:schemeClr val="dk1"/>
-          </a:effectRef>
-          <a:fontRef idx="minor">
-            <a:schemeClr val="dk1"/>
-          </a:fontRef>
-        </p:style>
-        <p:txBody>
-          <a:bodyPr wrap="square" rtlCol="0">
-            <a:spAutoFit/>
+      <p:sp>
+        <p:nvSpPr>
+          <p:cNvPr id="3" name="Tijdelijke aanduiding voor inhoud 2"/>
+          <p:cNvSpPr>
+            <a:spLocks noGrp="1"/>
+          </p:cNvSpPr>
+          <p:nvPr>
+            <p:ph idx="1"/>
+          </p:nvPr>
+        </p:nvSpPr>
+        <p:spPr/>
+        <p:txBody>
+          <a:bodyPr>
+            <a:normAutofit/>
           </a:bodyPr>
           <a:lstStyle/>
           <a:p>
-            <a:pPr>
-              <a:buFont typeface="Arial" pitchFamily="34" charset="0"/>
-              <a:buChar char="•"/>
+            <a:pPr marL="0" indent="0">
+              <a:buNone/>
             </a:pPr>
             <a:r>
-              <a:rPr lang="nl-BE" dirty="0" smtClean="0"/>
-              <a:t> </a:t>
-            </a:r>
-            <a:r>
-              <a:rPr lang="nl-BE" dirty="0" smtClean="0">
-                <a:latin typeface="Sitka Display" pitchFamily="2" charset="0"/>
-                <a:sym typeface="Wingdings" panose="05000000000000000000" pitchFamily="2" charset="2"/>
-              </a:rPr>
-              <a:t>Toekennen van Tags d.m.v</a:t>
-            </a:r>
-            <a:br>
-              <a:rPr lang="nl-BE" dirty="0" smtClean="0">
-                <a:latin typeface="Sitka Display" pitchFamily="2" charset="0"/>
-                <a:sym typeface="Wingdings" panose="05000000000000000000" pitchFamily="2" charset="2"/>
-              </a:rPr>
-            </a:br>
-            <a:r>
-              <a:rPr lang="nl-BE" dirty="0" smtClean="0">
-                <a:latin typeface="Sitka Display" pitchFamily="2" charset="0"/>
-                <a:sym typeface="Wingdings" panose="05000000000000000000" pitchFamily="2" charset="2"/>
-              </a:rPr>
-              <a:t>TagAssignmentService</a:t>
-            </a:r>
-          </a:p>
-          <a:p>
-            <a:pPr>
-              <a:buFont typeface="Arial" pitchFamily="34" charset="0"/>
-              <a:buChar char="•"/>
-            </a:pPr>
-            <a:endParaRPr lang="nl-BE" dirty="0" smtClean="0">
+              <a:rPr lang="nl-BE" sz="2800" b="1" cap="small" dirty="0" smtClean="0">
+                <a:latin typeface="Sitka Display" pitchFamily="2" charset="0"/>
+              </a:rPr>
+              <a:t>Geef </a:t>
+            </a:r>
+            <a:r>
+              <a:rPr lang="nl-BE" sz="2800" b="1" cap="small" dirty="0" err="1" smtClean="0">
+                <a:latin typeface="Sitka Display" pitchFamily="2" charset="0"/>
+              </a:rPr>
+              <a:t>coverage</a:t>
+            </a:r>
+            <a:r>
+              <a:rPr lang="nl-BE" sz="2800" b="1" cap="small" dirty="0" smtClean="0">
+                <a:latin typeface="Sitka Display" pitchFamily="2" charset="0"/>
+              </a:rPr>
+              <a:t> + korte samenvatting van werkwijze in iteratie 1</a:t>
+            </a:r>
+            <a:endParaRPr lang="nl-BE" sz="2400" dirty="0">
               <a:latin typeface="Sitka Display" pitchFamily="2" charset="0"/>
               <a:sym typeface="Wingdings" panose="05000000000000000000" pitchFamily="2" charset="2"/>
             </a:endParaRPr>
           </a:p>
-          <a:p>
-            <a:pPr>
-              <a:buFont typeface="Arial" pitchFamily="34" charset="0"/>
-              <a:buChar char="•"/>
-            </a:pPr>
-            <a:r>
-              <a:rPr lang="nl-BE" dirty="0" smtClean="0">
-                <a:latin typeface="Sitka Display" pitchFamily="2" charset="0"/>
-                <a:sym typeface="Wingdings" panose="05000000000000000000" pitchFamily="2" charset="2"/>
-              </a:rPr>
-              <a:t> Toewijzen van developer d.m.v.</a:t>
-            </a:r>
-            <a:br>
-              <a:rPr lang="nl-BE" dirty="0" smtClean="0">
-                <a:latin typeface="Sitka Display" pitchFamily="2" charset="0"/>
-                <a:sym typeface="Wingdings" panose="05000000000000000000" pitchFamily="2" charset="2"/>
-              </a:rPr>
-            </a:br>
-            <a:r>
-              <a:rPr lang="nl-BE" dirty="0" smtClean="0">
-                <a:latin typeface="Sitka Display" pitchFamily="2" charset="0"/>
-                <a:sym typeface="Wingdings" panose="05000000000000000000" pitchFamily="2" charset="2"/>
-              </a:rPr>
-              <a:t>DeveloperAssignmentService</a:t>
-            </a:r>
-          </a:p>
-          <a:p>
-            <a:pPr>
-              <a:buFont typeface="Arial" pitchFamily="34" charset="0"/>
-              <a:buChar char="•"/>
-            </a:pPr>
-            <a:endParaRPr lang="nl-BE" dirty="0" smtClean="0">
-              <a:latin typeface="Sitka Display" pitchFamily="2" charset="0"/>
-              <a:sym typeface="Wingdings" panose="05000000000000000000" pitchFamily="2" charset="2"/>
-            </a:endParaRPr>
-          </a:p>
-          <a:p>
-            <a:pPr>
-              <a:buFont typeface="Arial" pitchFamily="34" charset="0"/>
-              <a:buChar char="•"/>
-            </a:pPr>
-            <a:r>
-              <a:rPr lang="nl-BE" dirty="0" smtClean="0">
-                <a:latin typeface="Sitka Display" pitchFamily="2" charset="0"/>
-                <a:sym typeface="Wingdings" panose="05000000000000000000" pitchFamily="2" charset="2"/>
-              </a:rPr>
-              <a:t> Nieuwe klasse voor speciale functies</a:t>
-            </a:r>
-            <a:br>
-              <a:rPr lang="nl-BE" dirty="0" smtClean="0">
-                <a:latin typeface="Sitka Display" pitchFamily="2" charset="0"/>
-                <a:sym typeface="Wingdings" panose="05000000000000000000" pitchFamily="2" charset="2"/>
-              </a:rPr>
-            </a:br>
-            <a:r>
-              <a:rPr lang="nl-BE" dirty="0" smtClean="0">
-                <a:latin typeface="Sitka Display" pitchFamily="2" charset="0"/>
-                <a:sym typeface="Wingdings" panose="05000000000000000000" pitchFamily="2" charset="2"/>
-              </a:rPr>
-              <a:t> </a:t>
-            </a:r>
-            <a:r>
-              <a:rPr lang="nl-BE" b="1" dirty="0" smtClean="0">
-                <a:latin typeface="Sitka Display" pitchFamily="2" charset="0"/>
-                <a:sym typeface="Wingdings" panose="05000000000000000000" pitchFamily="2" charset="2"/>
-              </a:rPr>
-              <a:t>pure fabrication</a:t>
-            </a:r>
-          </a:p>
         </p:txBody>
       </p:sp>
     </p:spTree>
     <p:extLst>
       <p:ext uri="{BB962C8B-B14F-4D97-AF65-F5344CB8AC3E}">
-        <p14:creationId xmlns:p14="http://schemas.microsoft.com/office/powerpoint/2010/main" val="4089071672"/>
+        <p14:creationId xmlns:p14="http://schemas.microsoft.com/office/powerpoint/2010/main" val="996989477"/>
       </p:ext>
     </p:extLst>
   </p:cSld>
@@ -4244,7 +4077,7 @@
         <p:spPr/>
         <p:txBody>
           <a:bodyPr>
-            <a:normAutofit fontScale="90000"/>
+            <a:normAutofit/>
           </a:bodyPr>
           <a:lstStyle/>
           <a:p>
@@ -4267,7 +4100,7 @@
                 </a:effectLst>
                 <a:latin typeface="Sitka Text" pitchFamily="2" charset="0"/>
               </a:rPr>
-              <a:t>Extensibility</a:t>
+              <a:t>Testing</a:t>
             </a:r>
             <a:r>
               <a:rPr lang="nl-BE" sz="3600" cap="small" dirty="0" smtClean="0">
@@ -4288,227 +4121,7 @@
                 </a:effectLst>
                 <a:latin typeface="Sitka Text" pitchFamily="2" charset="0"/>
               </a:rPr>
-              <a:t> of system: Controller </a:t>
-            </a:r>
-            <a:r>
-              <a:rPr lang="nl-BE" sz="3600" cap="small" dirty="0" err="1" smtClean="0">
-                <a:ln w="18415" cmpd="sng">
-                  <a:solidFill>
-                    <a:schemeClr val="tx1">
-                      <a:alpha val="0"/>
-                    </a:schemeClr>
-                  </a:solidFill>
-                  <a:prstDash val="solid"/>
-                </a:ln>
-                <a:effectLst>
-                  <a:outerShdw blurRad="25400" dir="3600000" algn="tl" rotWithShape="0">
-                    <a:srgbClr val="000000">
-                      <a:alpha val="70000"/>
-                    </a:srgbClr>
-                  </a:outerShdw>
-                </a:effectLst>
-                <a:latin typeface="Sitka Text" pitchFamily="2" charset="0"/>
-              </a:rPr>
-              <a:t>layer</a:t>
-            </a:r>
-            <a:endParaRPr lang="nl-BE" sz="3600" cap="small" dirty="0">
-              <a:ln w="18415" cmpd="sng">
-                <a:solidFill>
-                  <a:schemeClr val="tx1">
-                    <a:alpha val="0"/>
-                  </a:schemeClr>
-                </a:solidFill>
-                <a:prstDash val="solid"/>
-              </a:ln>
-              <a:effectLst>
-                <a:outerShdw blurRad="25400" dir="3600000" algn="tl" rotWithShape="0">
-                  <a:srgbClr val="000000">
-                    <a:alpha val="70000"/>
-                  </a:srgbClr>
-                </a:outerShdw>
-              </a:effectLst>
-              <a:latin typeface="Sitka Text" pitchFamily="2" charset="0"/>
-            </a:endParaRPr>
-          </a:p>
-        </p:txBody>
-      </p:sp>
-      <p:sp>
-        <p:nvSpPr>
-          <p:cNvPr id="3" name="Tijdelijke aanduiding voor inhoud 2"/>
-          <p:cNvSpPr>
-            <a:spLocks noGrp="1"/>
-          </p:cNvSpPr>
-          <p:nvPr>
-            <p:ph idx="1"/>
-          </p:nvPr>
-        </p:nvSpPr>
-        <p:spPr>
-          <a:xfrm>
-            <a:off x="539552" y="1844824"/>
-            <a:ext cx="8229600" cy="4525963"/>
-          </a:xfrm>
-        </p:spPr>
-        <p:txBody>
-          <a:bodyPr>
-            <a:normAutofit/>
-          </a:bodyPr>
-          <a:lstStyle/>
-          <a:p>
-            <a:r>
-              <a:rPr lang="nl-BE" sz="2400" dirty="0" smtClean="0">
-                <a:latin typeface="Sitka Display" pitchFamily="2" charset="0"/>
-              </a:rPr>
-              <a:t>Flexibel toevoegen van </a:t>
-            </a:r>
-            <a:r>
-              <a:rPr lang="nl-BE" sz="2400" dirty="0" err="1" smtClean="0">
-                <a:latin typeface="Sitka Display" pitchFamily="2" charset="0"/>
-              </a:rPr>
-              <a:t>use</a:t>
-            </a:r>
-            <a:r>
-              <a:rPr lang="nl-BE" sz="2400" dirty="0" smtClean="0">
-                <a:latin typeface="Sitka Display" pitchFamily="2" charset="0"/>
-              </a:rPr>
-              <a:t> cases</a:t>
-            </a:r>
-          </a:p>
-          <a:p>
-            <a:r>
-              <a:rPr lang="nl-BE" sz="2400" dirty="0" smtClean="0">
-                <a:latin typeface="Sitka Display" pitchFamily="2" charset="0"/>
-              </a:rPr>
-              <a:t>User type toevoegen gaat eenvoudig</a:t>
-            </a:r>
-          </a:p>
-          <a:p>
-            <a:r>
-              <a:rPr lang="nl-BE" sz="2400" dirty="0" smtClean="0">
-                <a:latin typeface="Sitka Display" pitchFamily="2" charset="0"/>
-              </a:rPr>
-              <a:t>UI is onafhankelijk van </a:t>
-            </a:r>
-            <a:r>
-              <a:rPr lang="nl-BE" sz="2400" dirty="0" err="1" smtClean="0">
-                <a:latin typeface="Sitka Display" pitchFamily="2" charset="0"/>
-              </a:rPr>
-              <a:t>domeinlaag</a:t>
-            </a:r>
-            <a:endParaRPr lang="nl-BE" sz="2400" dirty="0" smtClean="0">
-              <a:latin typeface="Sitka Display" pitchFamily="2" charset="0"/>
-            </a:endParaRPr>
-          </a:p>
-          <a:p>
-            <a:r>
-              <a:rPr lang="nl-BE" sz="2400" dirty="0" smtClean="0">
-                <a:latin typeface="Sitka Display" pitchFamily="2" charset="0"/>
-              </a:rPr>
-              <a:t>Interface voor initializer maakt nieuwe beginsituaties eenvoudig te implementeren</a:t>
-            </a:r>
-          </a:p>
-          <a:p>
-            <a:r>
-              <a:rPr lang="nl-BE" sz="2400" dirty="0" smtClean="0">
-                <a:latin typeface="Sitka Display" pitchFamily="2" charset="0"/>
-              </a:rPr>
-              <a:t>Eenvoudig om nieuwe tags toe te voegen</a:t>
-            </a:r>
-          </a:p>
-          <a:p>
-            <a:r>
-              <a:rPr lang="nl-BE" sz="2400" dirty="0" smtClean="0">
-                <a:latin typeface="Sitka Display" pitchFamily="2" charset="0"/>
-              </a:rPr>
-              <a:t>Subsystems en Bugreports zijn onafhankelijk van Projects</a:t>
-            </a:r>
-          </a:p>
-          <a:p>
-            <a:endParaRPr lang="nl-BE" sz="2400" dirty="0" smtClean="0">
-              <a:latin typeface="Sitka Display" pitchFamily="2" charset="0"/>
-            </a:endParaRPr>
-          </a:p>
-          <a:p>
-            <a:endParaRPr lang="nl-BE" sz="2400" dirty="0"/>
-          </a:p>
-        </p:txBody>
-      </p:sp>
-    </p:spTree>
-    <p:extLst>
-      <p:ext uri="{BB962C8B-B14F-4D97-AF65-F5344CB8AC3E}">
-        <p14:creationId xmlns:p14="http://schemas.microsoft.com/office/powerpoint/2010/main" val="2444210159"/>
-      </p:ext>
-    </p:extLst>
-  </p:cSld>
-  <p:clrMapOvr>
-    <a:masterClrMapping/>
-  </p:clrMapOvr>
-  <p:transition>
-    <p:fade/>
-  </p:transition>
-  <p:timing>
-    <p:tnLst>
-      <p:par>
-        <p:cTn id="1" dur="indefinite" restart="never" nodeType="tmRoot"/>
-      </p:par>
-    </p:tnLst>
-  </p:timing>
-</p:sld>
-</file>
-
-<file path=ppt/slides/slide13.xml><?xml version="1.0" encoding="utf-8"?>
-<p:sld xmlns:a="http://schemas.openxmlformats.org/drawingml/2006/main" xmlns:r="http://schemas.openxmlformats.org/officeDocument/2006/relationships" xmlns:p="http://schemas.openxmlformats.org/presentationml/2006/main">
-  <p:cSld>
-    <p:spTree>
-      <p:nvGrpSpPr>
-        <p:cNvPr id="1" name=""/>
-        <p:cNvGrpSpPr/>
-        <p:nvPr/>
-      </p:nvGrpSpPr>
-      <p:grpSpPr>
-        <a:xfrm>
-          <a:off x="0" y="0"/>
-          <a:ext cx="0" cy="0"/>
-          <a:chOff x="0" y="0"/>
-          <a:chExt cx="0" cy="0"/>
-        </a:xfrm>
-      </p:grpSpPr>
-      <p:sp>
-        <p:nvSpPr>
-          <p:cNvPr id="2" name="Titel 1"/>
-          <p:cNvSpPr>
-            <a:spLocks noGrp="1"/>
-          </p:cNvSpPr>
-          <p:nvPr>
-            <p:ph type="title"/>
-          </p:nvPr>
-        </p:nvSpPr>
-        <p:spPr/>
-        <p:txBody>
-          <a:bodyPr>
-            <a:normAutofit/>
-          </a:bodyPr>
-          <a:lstStyle/>
-          <a:p>
-            <a:r>
-              <a:rPr lang="nl-BE" sz="3600" cap="small" dirty="0" err="1" smtClean="0">
-                <a:ln w="18415" cmpd="sng">
-                  <a:solidFill>
-                    <a:schemeClr val="tx1">
-                      <a:alpha val="0"/>
-                    </a:schemeClr>
-                  </a:solidFill>
-                  <a:prstDash val="solid"/>
-                </a:ln>
-                <a:effectLst>
-                  <a:outerShdw blurRad="25400" dir="3600000" algn="tl" rotWithShape="0">
-                    <a:srgbClr val="000000">
-                      <a:alpha val="70000"/>
-                    </a:srgbClr>
-                  </a:outerShdw>
-                </a:effectLst>
-                <a:latin typeface="Sitka Text" pitchFamily="2" charset="0"/>
-              </a:rPr>
-              <a:t>Possible</a:t>
+              <a:t> </a:t>
             </a:r>
             <a:r>
               <a:rPr lang="nl-BE" sz="3600" cap="small" dirty="0" smtClean="0">
@@ -4529,596 +4142,7 @@
                 </a:effectLst>
                 <a:latin typeface="Sitka Text" pitchFamily="2" charset="0"/>
               </a:rPr>
-              <a:t> </a:t>
-            </a:r>
-            <a:r>
-              <a:rPr lang="nl-BE" sz="3600" cap="small" dirty="0" err="1" smtClean="0">
-                <a:ln w="18415" cmpd="sng">
-                  <a:solidFill>
-                    <a:schemeClr val="tx1">
-                      <a:alpha val="0"/>
-                    </a:schemeClr>
-                  </a:solidFill>
-                  <a:prstDash val="solid"/>
-                </a:ln>
-                <a:effectLst>
-                  <a:outerShdw blurRad="25400" dir="3600000" algn="tl" rotWithShape="0">
-                    <a:srgbClr val="000000">
-                      <a:alpha val="70000"/>
-                    </a:srgbClr>
-                  </a:outerShdw>
-                </a:effectLst>
-                <a:latin typeface="Sitka Text" pitchFamily="2" charset="0"/>
-              </a:rPr>
-              <a:t>improvements</a:t>
-            </a:r>
-            <a:endParaRPr lang="nl-BE" sz="3600" cap="small" dirty="0">
-              <a:ln w="18415" cmpd="sng">
-                <a:solidFill>
-                  <a:schemeClr val="tx1">
-                    <a:alpha val="0"/>
-                  </a:schemeClr>
-                </a:solidFill>
-                <a:prstDash val="solid"/>
-              </a:ln>
-              <a:effectLst>
-                <a:outerShdw blurRad="25400" dir="3600000" algn="tl" rotWithShape="0">
-                  <a:srgbClr val="000000">
-                    <a:alpha val="70000"/>
-                  </a:srgbClr>
-                </a:outerShdw>
-              </a:effectLst>
-              <a:latin typeface="Sitka Text" pitchFamily="2" charset="0"/>
-            </a:endParaRPr>
-          </a:p>
-        </p:txBody>
-      </p:sp>
-      <p:sp>
-        <p:nvSpPr>
-          <p:cNvPr id="3" name="Tijdelijke aanduiding voor inhoud 2"/>
-          <p:cNvSpPr>
-            <a:spLocks noGrp="1"/>
-          </p:cNvSpPr>
-          <p:nvPr>
-            <p:ph idx="1"/>
-          </p:nvPr>
-        </p:nvSpPr>
-        <p:spPr/>
-        <p:txBody>
-          <a:bodyPr>
-            <a:normAutofit/>
-          </a:bodyPr>
-          <a:lstStyle/>
-          <a:p>
-            <a:r>
-              <a:rPr lang="nl-BE" sz="2400" dirty="0" smtClean="0">
-                <a:latin typeface="Sitka Display" pitchFamily="2" charset="0"/>
-              </a:rPr>
-              <a:t>Klassen voor </a:t>
-            </a:r>
-            <a:r>
-              <a:rPr lang="nl-BE" sz="2400" dirty="0" err="1" smtClean="0">
-                <a:latin typeface="Sitka Display" pitchFamily="2" charset="0"/>
-              </a:rPr>
-              <a:t>Admin</a:t>
-            </a:r>
-            <a:r>
-              <a:rPr lang="nl-BE" sz="2400" dirty="0" smtClean="0">
-                <a:latin typeface="Sitka Display" pitchFamily="2" charset="0"/>
-              </a:rPr>
-              <a:t>, </a:t>
-            </a:r>
-            <a:r>
-              <a:rPr lang="nl-BE" sz="2400" dirty="0" err="1" smtClean="0">
-                <a:latin typeface="Sitka Display" pitchFamily="2" charset="0"/>
-              </a:rPr>
-              <a:t>Issuer</a:t>
-            </a:r>
-            <a:r>
-              <a:rPr lang="nl-BE" sz="2400" dirty="0" smtClean="0">
-                <a:latin typeface="Sitka Display" pitchFamily="2" charset="0"/>
-              </a:rPr>
-              <a:t> &amp; Developer zijn overbodig</a:t>
-            </a:r>
-          </a:p>
-          <a:p>
-            <a:pPr lvl="1"/>
-            <a:r>
-              <a:rPr lang="nl-BE" sz="2000" dirty="0" smtClean="0">
-                <a:latin typeface="Sitka Display" pitchFamily="2" charset="0"/>
-              </a:rPr>
-              <a:t>Functionaliteit in controller</a:t>
-            </a:r>
-          </a:p>
-          <a:p>
-            <a:endParaRPr lang="nl-BE" sz="2400" dirty="0"/>
-          </a:p>
-          <a:p>
-            <a:r>
-              <a:rPr lang="nl-BE" sz="2400" dirty="0" smtClean="0">
-                <a:latin typeface="Sitka Display" pitchFamily="2" charset="0"/>
-              </a:rPr>
-              <a:t>Vermijden dat tags van elkaar afweten</a:t>
-            </a:r>
-            <a:endParaRPr lang="nl-BE" sz="2400" dirty="0">
-              <a:latin typeface="Sitka Display" pitchFamily="2" charset="0"/>
-            </a:endParaRPr>
-          </a:p>
-          <a:p>
-            <a:pPr lvl="1"/>
-            <a:r>
-              <a:rPr lang="nl-BE" sz="2000" dirty="0" smtClean="0">
-                <a:latin typeface="Sitka Display" pitchFamily="2" charset="0"/>
-              </a:rPr>
-              <a:t>Nieuwe klasse voor </a:t>
-            </a:r>
-            <a:r>
-              <a:rPr lang="nl-BE" sz="2000" dirty="0" err="1" smtClean="0">
-                <a:latin typeface="Sitka Display" pitchFamily="2" charset="0"/>
-              </a:rPr>
-              <a:t>overgangfunctionaliteit</a:t>
-            </a:r>
-            <a:endParaRPr lang="nl-BE" sz="2000" dirty="0" smtClean="0">
-              <a:latin typeface="Sitka Display" pitchFamily="2" charset="0"/>
-            </a:endParaRPr>
-          </a:p>
-          <a:p>
-            <a:endParaRPr lang="nl-BE" sz="2400" dirty="0"/>
-          </a:p>
-          <a:p>
-            <a:r>
-              <a:rPr lang="nl-BE" sz="2400" dirty="0" smtClean="0">
-                <a:latin typeface="Sitka Display" pitchFamily="2" charset="0"/>
-              </a:rPr>
-              <a:t>Opzoeken van </a:t>
-            </a:r>
-            <a:r>
-              <a:rPr lang="nl-BE" sz="2400" dirty="0" err="1" smtClean="0">
-                <a:latin typeface="Sitka Display" pitchFamily="2" charset="0"/>
-              </a:rPr>
-              <a:t>bugreport</a:t>
-            </a:r>
-            <a:r>
-              <a:rPr lang="nl-BE" sz="2400" dirty="0" smtClean="0">
-                <a:latin typeface="Sitka Display" pitchFamily="2" charset="0"/>
-              </a:rPr>
-              <a:t> implementeren m.b.v. </a:t>
-            </a:r>
-            <a:r>
-              <a:rPr lang="nl-BE" sz="2400" dirty="0" err="1" smtClean="0">
-                <a:latin typeface="Sitka Display" pitchFamily="2" charset="0"/>
-              </a:rPr>
-              <a:t>strategy</a:t>
-            </a:r>
-            <a:r>
-              <a:rPr lang="nl-BE" sz="2400" dirty="0" smtClean="0">
-                <a:latin typeface="Sitka Display" pitchFamily="2" charset="0"/>
-              </a:rPr>
-              <a:t> </a:t>
-            </a:r>
-            <a:r>
-              <a:rPr lang="nl-BE" sz="2400" dirty="0" err="1" smtClean="0">
-                <a:latin typeface="Sitka Display" pitchFamily="2" charset="0"/>
-              </a:rPr>
-              <a:t>pattern</a:t>
-            </a:r>
-            <a:endParaRPr lang="nl-BE" sz="2400" dirty="0" smtClean="0">
-              <a:latin typeface="Sitka Display" pitchFamily="2" charset="0"/>
-            </a:endParaRPr>
-          </a:p>
-          <a:p>
-            <a:pPr lvl="1"/>
-            <a:r>
-              <a:rPr lang="nl-BE" sz="2000" dirty="0" smtClean="0">
-                <a:latin typeface="Sitka Display" pitchFamily="2" charset="0"/>
-              </a:rPr>
-              <a:t>Interface “</a:t>
-            </a:r>
-            <a:r>
-              <a:rPr lang="nl-BE" sz="2000" dirty="0" err="1" smtClean="0">
-                <a:latin typeface="Sitka Display" pitchFamily="2" charset="0"/>
-              </a:rPr>
-              <a:t>ISearch</a:t>
-            </a:r>
-            <a:r>
-              <a:rPr lang="nl-BE" sz="2000" dirty="0" smtClean="0">
-                <a:latin typeface="Sitka Display" pitchFamily="2" charset="0"/>
-              </a:rPr>
-              <a:t>”</a:t>
-            </a:r>
-          </a:p>
-          <a:p>
-            <a:pPr lvl="1"/>
-            <a:r>
-              <a:rPr lang="nl-BE" sz="2000" dirty="0" smtClean="0">
-                <a:latin typeface="Sitka Display" pitchFamily="2" charset="0"/>
-              </a:rPr>
-              <a:t>Resulteert in lagere koppeling in </a:t>
-            </a:r>
-            <a:r>
-              <a:rPr lang="nl-BE" sz="2000" dirty="0" err="1" smtClean="0">
-                <a:latin typeface="Sitka Display" pitchFamily="2" charset="0"/>
-              </a:rPr>
-              <a:t>BugReportService</a:t>
-            </a:r>
-            <a:endParaRPr lang="nl-BE" sz="2000" dirty="0" smtClean="0">
-              <a:latin typeface="Sitka Display" pitchFamily="2" charset="0"/>
-            </a:endParaRPr>
-          </a:p>
-        </p:txBody>
-      </p:sp>
-    </p:spTree>
-    <p:extLst>
-      <p:ext uri="{BB962C8B-B14F-4D97-AF65-F5344CB8AC3E}">
-        <p14:creationId xmlns:p14="http://schemas.microsoft.com/office/powerpoint/2010/main" val="674970378"/>
-      </p:ext>
-    </p:extLst>
-  </p:cSld>
-  <p:clrMapOvr>
-    <a:masterClrMapping/>
-  </p:clrMapOvr>
-  <p:transition>
-    <p:fade/>
-  </p:transition>
-  <p:timing>
-    <p:tnLst>
-      <p:par>
-        <p:cTn id="1" dur="indefinite" restart="never" nodeType="tmRoot"/>
-      </p:par>
-    </p:tnLst>
-  </p:timing>
-</p:sld>
-</file>
-
-<file path=ppt/slides/slide14.xml><?xml version="1.0" encoding="utf-8"?>
-<p:sld xmlns:a="http://schemas.openxmlformats.org/drawingml/2006/main" xmlns:r="http://schemas.openxmlformats.org/officeDocument/2006/relationships" xmlns:p="http://schemas.openxmlformats.org/presentationml/2006/main">
-  <p:cSld>
-    <p:spTree>
-      <p:nvGrpSpPr>
-        <p:cNvPr id="1" name=""/>
-        <p:cNvGrpSpPr/>
-        <p:nvPr/>
-      </p:nvGrpSpPr>
-      <p:grpSpPr>
-        <a:xfrm>
-          <a:off x="0" y="0"/>
-          <a:ext cx="0" cy="0"/>
-          <a:chOff x="0" y="0"/>
-          <a:chExt cx="0" cy="0"/>
-        </a:xfrm>
-      </p:grpSpPr>
-      <p:sp>
-        <p:nvSpPr>
-          <p:cNvPr id="2" name="Titel 1"/>
-          <p:cNvSpPr>
-            <a:spLocks noGrp="1"/>
-          </p:cNvSpPr>
-          <p:nvPr>
-            <p:ph type="title"/>
-          </p:nvPr>
-        </p:nvSpPr>
-        <p:spPr/>
-        <p:txBody>
-          <a:bodyPr>
-            <a:normAutofit/>
-          </a:bodyPr>
-          <a:lstStyle/>
-          <a:p>
-            <a:r>
-              <a:rPr lang="nl-BE" sz="3600" cap="small" dirty="0" err="1" smtClean="0">
-                <a:ln w="18415" cmpd="sng">
-                  <a:solidFill>
-                    <a:schemeClr val="tx1">
-                      <a:alpha val="0"/>
-                    </a:schemeClr>
-                  </a:solidFill>
-                  <a:prstDash val="solid"/>
-                </a:ln>
-                <a:effectLst>
-                  <a:outerShdw blurRad="25400" dir="3600000" algn="tl" rotWithShape="0">
-                    <a:srgbClr val="000000">
-                      <a:alpha val="70000"/>
-                    </a:srgbClr>
-                  </a:outerShdw>
-                </a:effectLst>
-                <a:latin typeface="Sitka Text" pitchFamily="2" charset="0"/>
-              </a:rPr>
-              <a:t>Testing</a:t>
-            </a:r>
-            <a:r>
-              <a:rPr lang="nl-BE" sz="3600" cap="small" dirty="0" smtClean="0">
-                <a:ln w="18415" cmpd="sng">
-                  <a:solidFill>
-                    <a:schemeClr val="tx1">
-                      <a:alpha val="0"/>
-                    </a:schemeClr>
-                  </a:solidFill>
-                  <a:prstDash val="solid"/>
-                </a:ln>
-                <a:effectLst>
-                  <a:outerShdw blurRad="25400" dir="3600000" algn="tl" rotWithShape="0">
-                    <a:srgbClr val="000000">
-                      <a:alpha val="70000"/>
-                    </a:srgbClr>
-                  </a:outerShdw>
-                </a:effectLst>
-                <a:latin typeface="Sitka Text" pitchFamily="2" charset="0"/>
-              </a:rPr>
-              <a:t> approach</a:t>
-            </a:r>
-            <a:endParaRPr lang="nl-BE" sz="3600" cap="small" dirty="0">
-              <a:ln w="18415" cmpd="sng">
-                <a:solidFill>
-                  <a:schemeClr val="tx1">
-                    <a:alpha val="0"/>
-                  </a:schemeClr>
-                </a:solidFill>
-                <a:prstDash val="solid"/>
-              </a:ln>
-              <a:effectLst>
-                <a:outerShdw blurRad="25400" dir="3600000" algn="tl" rotWithShape="0">
-                  <a:srgbClr val="000000">
-                    <a:alpha val="70000"/>
-                  </a:srgbClr>
-                </a:outerShdw>
-              </a:effectLst>
-              <a:latin typeface="Sitka Text" pitchFamily="2" charset="0"/>
-            </a:endParaRPr>
-          </a:p>
-        </p:txBody>
-      </p:sp>
-      <p:sp>
-        <p:nvSpPr>
-          <p:cNvPr id="3" name="Tijdelijke aanduiding voor inhoud 2"/>
-          <p:cNvSpPr>
-            <a:spLocks noGrp="1"/>
-          </p:cNvSpPr>
-          <p:nvPr>
-            <p:ph idx="1"/>
-          </p:nvPr>
-        </p:nvSpPr>
-        <p:spPr/>
-        <p:txBody>
-          <a:bodyPr>
-            <a:normAutofit/>
-          </a:bodyPr>
-          <a:lstStyle/>
-          <a:p>
-            <a:pPr marL="0" indent="0">
-              <a:buNone/>
-            </a:pPr>
-            <a:r>
-              <a:rPr lang="nl-BE" sz="2800" b="1" cap="small" dirty="0" smtClean="0">
-                <a:latin typeface="Sitka Display" pitchFamily="2" charset="0"/>
-              </a:rPr>
-              <a:t>Twee mogelijkheden:</a:t>
-            </a:r>
-          </a:p>
-          <a:p>
-            <a:pPr marL="457200" indent="-457200">
-              <a:buFont typeface="+mj-lt"/>
-              <a:buAutoNum type="arabicPeriod"/>
-            </a:pPr>
-            <a:r>
-              <a:rPr lang="nl-BE" sz="2400" dirty="0" smtClean="0">
-                <a:latin typeface="Sitka Display" pitchFamily="2" charset="0"/>
-              </a:rPr>
-              <a:t>Test schrijven voor elke klasse in zelfde package</a:t>
-            </a:r>
-          </a:p>
-          <a:p>
-            <a:pPr marL="457200" indent="-457200">
-              <a:buFont typeface="+mj-lt"/>
-              <a:buAutoNum type="arabicPeriod"/>
-            </a:pPr>
-            <a:endParaRPr lang="nl-BE" sz="2400" dirty="0"/>
-          </a:p>
-          <a:p>
-            <a:pPr marL="457200" indent="-457200">
-              <a:buFont typeface="+mj-lt"/>
-              <a:buAutoNum type="arabicPeriod"/>
-            </a:pPr>
-            <a:r>
-              <a:rPr lang="nl-BE" sz="2400" dirty="0" smtClean="0">
-                <a:latin typeface="Sitka Display" pitchFamily="2" charset="0"/>
-              </a:rPr>
-              <a:t>Via een hogere laag een lagere laag testen</a:t>
-            </a:r>
-          </a:p>
-          <a:p>
-            <a:pPr lvl="1" indent="-342900">
-              <a:buFont typeface="Wingdings"/>
-              <a:buChar char="à"/>
-            </a:pPr>
-            <a:r>
-              <a:rPr lang="nl-BE" sz="2000" dirty="0" smtClean="0">
-                <a:latin typeface="Sitka Display" pitchFamily="2" charset="0"/>
-                <a:sym typeface="Wingdings" panose="05000000000000000000" pitchFamily="2" charset="2"/>
-              </a:rPr>
-              <a:t>Noodzakelijk wegens </a:t>
-            </a:r>
-            <a:r>
-              <a:rPr lang="nl-BE" sz="2000" dirty="0" err="1" smtClean="0">
-                <a:latin typeface="Sitka Display" pitchFamily="2" charset="0"/>
-                <a:sym typeface="Wingdings" panose="05000000000000000000" pitchFamily="2" charset="2"/>
-              </a:rPr>
-              <a:t>visibility</a:t>
-            </a:r>
-            <a:r>
-              <a:rPr lang="nl-BE" sz="2000" dirty="0" smtClean="0">
-                <a:latin typeface="Sitka Display" pitchFamily="2" charset="0"/>
-                <a:sym typeface="Wingdings" panose="05000000000000000000" pitchFamily="2" charset="2"/>
-              </a:rPr>
-              <a:t> constraints</a:t>
-            </a:r>
-          </a:p>
-          <a:p>
-            <a:pPr lvl="1" indent="-342900">
-              <a:buFont typeface="Wingdings"/>
-              <a:buChar char="à"/>
-            </a:pPr>
-            <a:r>
-              <a:rPr lang="nl-BE" sz="2000" dirty="0" smtClean="0">
-                <a:latin typeface="Sitka Display" pitchFamily="2" charset="0"/>
-                <a:sym typeface="Wingdings" panose="05000000000000000000" pitchFamily="2" charset="2"/>
-              </a:rPr>
-              <a:t>Moeilijker wegens gelaagde hiërarchie</a:t>
-            </a:r>
-          </a:p>
-          <a:p>
-            <a:pPr marL="0" indent="0">
-              <a:buNone/>
-            </a:pPr>
-            <a:endParaRPr lang="nl-BE" sz="2400" dirty="0">
-              <a:sym typeface="Wingdings" panose="05000000000000000000" pitchFamily="2" charset="2"/>
-            </a:endParaRPr>
-          </a:p>
-          <a:p>
-            <a:pPr marL="0" indent="0">
-              <a:buNone/>
-            </a:pPr>
-            <a:r>
-              <a:rPr lang="nl-BE" sz="2800" b="1" cap="small" dirty="0" smtClean="0">
-                <a:latin typeface="Sitka Display" pitchFamily="2" charset="0"/>
-                <a:sym typeface="Wingdings" panose="05000000000000000000" pitchFamily="2" charset="2"/>
-              </a:rPr>
-              <a:t>Test strategie voor use cases:</a:t>
-            </a:r>
-          </a:p>
-          <a:p>
-            <a:r>
-              <a:rPr lang="nl-BE" sz="2400" dirty="0" err="1" smtClean="0">
-                <a:latin typeface="Sitka Display" pitchFamily="2" charset="0"/>
-                <a:sym typeface="Wingdings" panose="05000000000000000000" pitchFamily="2" charset="2"/>
-              </a:rPr>
-              <a:t>TestUI</a:t>
-            </a:r>
-            <a:r>
-              <a:rPr lang="nl-BE" sz="2400" dirty="0" smtClean="0">
-                <a:latin typeface="Sitka Display" pitchFamily="2" charset="0"/>
-                <a:sym typeface="Wingdings" panose="05000000000000000000" pitchFamily="2" charset="2"/>
-              </a:rPr>
-              <a:t>  IUI  vaste waarden voor elke </a:t>
-            </a:r>
-            <a:r>
-              <a:rPr lang="nl-BE" sz="2400" dirty="0" err="1" smtClean="0">
-                <a:latin typeface="Sitka Display" pitchFamily="2" charset="0"/>
-                <a:sym typeface="Wingdings" panose="05000000000000000000" pitchFamily="2" charset="2"/>
-              </a:rPr>
-              <a:t>use</a:t>
-            </a:r>
-            <a:r>
-              <a:rPr lang="nl-BE" sz="2400" dirty="0" smtClean="0">
-                <a:latin typeface="Sitka Display" pitchFamily="2" charset="0"/>
-                <a:sym typeface="Wingdings" panose="05000000000000000000" pitchFamily="2" charset="2"/>
-              </a:rPr>
-              <a:t> case  testen</a:t>
-            </a:r>
-            <a:endParaRPr lang="nl-BE" sz="2400" dirty="0">
-              <a:latin typeface="Sitka Display" pitchFamily="2" charset="0"/>
-              <a:sym typeface="Wingdings" panose="05000000000000000000" pitchFamily="2" charset="2"/>
-            </a:endParaRPr>
-          </a:p>
-        </p:txBody>
-      </p:sp>
-    </p:spTree>
-    <p:extLst>
-      <p:ext uri="{BB962C8B-B14F-4D97-AF65-F5344CB8AC3E}">
-        <p14:creationId xmlns:p14="http://schemas.microsoft.com/office/powerpoint/2010/main" val="996989477"/>
-      </p:ext>
-    </p:extLst>
-  </p:cSld>
-  <p:clrMapOvr>
-    <a:masterClrMapping/>
-  </p:clrMapOvr>
-  <p:transition>
-    <p:fade/>
-  </p:transition>
-  <p:timing>
-    <p:tnLst>
-      <p:par>
-        <p:cTn id="1" dur="indefinite" restart="never" nodeType="tmRoot"/>
-      </p:par>
-    </p:tnLst>
-  </p:timing>
-</p:sld>
-</file>
-
-<file path=ppt/slides/slide15.xml><?xml version="1.0" encoding="utf-8"?>
-<p:sld xmlns:a="http://schemas.openxmlformats.org/drawingml/2006/main" xmlns:r="http://schemas.openxmlformats.org/officeDocument/2006/relationships" xmlns:p="http://schemas.openxmlformats.org/presentationml/2006/main">
-  <p:cSld>
-    <p:spTree>
-      <p:nvGrpSpPr>
-        <p:cNvPr id="1" name=""/>
-        <p:cNvGrpSpPr/>
-        <p:nvPr/>
-      </p:nvGrpSpPr>
-      <p:grpSpPr>
-        <a:xfrm>
-          <a:off x="0" y="0"/>
-          <a:ext cx="0" cy="0"/>
-          <a:chOff x="0" y="0"/>
-          <a:chExt cx="0" cy="0"/>
-        </a:xfrm>
-      </p:grpSpPr>
-      <p:sp>
-        <p:nvSpPr>
-          <p:cNvPr id="2" name="Titel 1"/>
-          <p:cNvSpPr>
-            <a:spLocks noGrp="1"/>
-          </p:cNvSpPr>
-          <p:nvPr>
-            <p:ph type="title"/>
-          </p:nvPr>
-        </p:nvSpPr>
-        <p:spPr/>
-        <p:txBody>
-          <a:bodyPr>
-            <a:normAutofit/>
-          </a:bodyPr>
-          <a:lstStyle/>
-          <a:p>
-            <a:r>
-              <a:rPr lang="nl-BE" sz="3600" cap="small" dirty="0" err="1" smtClean="0">
-                <a:ln w="18415" cmpd="sng">
-                  <a:solidFill>
-                    <a:schemeClr val="tx1">
-                      <a:alpha val="0"/>
-                    </a:schemeClr>
-                  </a:solidFill>
-                  <a:prstDash val="solid"/>
-                </a:ln>
-                <a:effectLst>
-                  <a:outerShdw blurRad="25400" dir="3600000" algn="tl" rotWithShape="0">
-                    <a:srgbClr val="000000">
-                      <a:alpha val="70000"/>
-                    </a:srgbClr>
-                  </a:outerShdw>
-                </a:effectLst>
-                <a:latin typeface="Sitka Text" pitchFamily="2" charset="0"/>
-              </a:rPr>
-              <a:t>Testing</a:t>
-            </a:r>
-            <a:r>
-              <a:rPr lang="nl-BE" sz="3600" cap="small" dirty="0" smtClean="0">
-                <a:ln w="18415" cmpd="sng">
-                  <a:solidFill>
-                    <a:schemeClr val="tx1">
-                      <a:alpha val="0"/>
-                    </a:schemeClr>
-                  </a:solidFill>
-                  <a:prstDash val="solid"/>
-                </a:ln>
-                <a:effectLst>
-                  <a:outerShdw blurRad="25400" dir="3600000" algn="tl" rotWithShape="0">
-                    <a:srgbClr val="000000">
-                      <a:alpha val="70000"/>
-                    </a:srgbClr>
-                  </a:outerShdw>
-                </a:effectLst>
-                <a:latin typeface="Sitka Text" pitchFamily="2" charset="0"/>
-              </a:rPr>
-              <a:t> approach</a:t>
+              <a:t>approach TODO UPDATE (screenshot)</a:t>
             </a:r>
             <a:endParaRPr lang="nl-BE" sz="3600" cap="small" dirty="0">
               <a:ln w="18415" cmpd="sng">
@@ -5206,7 +4230,7 @@
 </p:sld>
 </file>
 
-<file path=ppt/slides/slide16.xml><?xml version="1.0" encoding="utf-8"?>
+<file path=ppt/slides/slide13.xml><?xml version="1.0" encoding="utf-8"?>
 <p:sld xmlns:a="http://schemas.openxmlformats.org/drawingml/2006/main" xmlns:r="http://schemas.openxmlformats.org/officeDocument/2006/relationships" xmlns:p="http://schemas.openxmlformats.org/presentationml/2006/main">
   <p:cSld>
     <p:spTree>
@@ -5344,7 +4368,7 @@
 </p:sld>
 </file>
 
-<file path=ppt/slides/slide17.xml><?xml version="1.0" encoding="utf-8"?>
+<file path=ppt/slides/slide14.xml><?xml version="1.0" encoding="utf-8"?>
 <p:sld xmlns:a="http://schemas.openxmlformats.org/drawingml/2006/main" xmlns:r="http://schemas.openxmlformats.org/officeDocument/2006/relationships" xmlns:p="http://schemas.openxmlformats.org/presentationml/2006/main">
   <p:cSld>
     <p:spTree>
@@ -5397,7 +4421,28 @@
                 </a:effectLst>
                 <a:latin typeface="Sitka Text" pitchFamily="2" charset="0"/>
               </a:rPr>
-              <a:t>Project management (in uren)</a:t>
+              <a:t>Project management (in uren</a:t>
+            </a:r>
+            <a:r>
+              <a:rPr lang="nl-BE" sz="3600" cap="small" dirty="0" smtClean="0">
+                <a:ln w="18415" cmpd="sng">
+                  <a:solidFill>
+                    <a:schemeClr val="tx1">
+                      <a:alpha val="0"/>
+                    </a:schemeClr>
+                  </a:solidFill>
+                  <a:prstDash val="solid"/>
+                </a:ln>
+                <a:effectLst>
+                  <a:outerShdw blurRad="25400" dir="3600000" algn="tl" rotWithShape="0">
+                    <a:srgbClr val="000000">
+                      <a:alpha val="70000"/>
+                    </a:srgbClr>
+                  </a:outerShdw>
+                </a:effectLst>
+                <a:latin typeface="Sitka Text" pitchFamily="2" charset="0"/>
+              </a:rPr>
+              <a:t>) TODO UPDATE</a:t>
             </a:r>
             <a:endParaRPr lang="nl-BE" sz="3600" cap="small" dirty="0">
               <a:ln w="18415" cmpd="sng">
@@ -5512,25 +4557,7 @@
                 </a:effectLst>
                 <a:latin typeface="Sitka Banner" pitchFamily="2" charset="0"/>
               </a:rPr>
-              <a:t> </a:t>
-            </a:r>
-            <a:r>
-              <a:rPr lang="nl-BE" sz="2400" dirty="0" smtClean="0">
-                <a:solidFill>
-                  <a:schemeClr val="accent4">
-                    <a:lumMod val="50000"/>
-                  </a:schemeClr>
-                </a:solidFill>
-                <a:effectLst>
-                  <a:outerShdw blurRad="76200" dist="38100" dir="5400000" algn="t" rotWithShape="0">
-                    <a:prstClr val="black">
-                      <a:alpha val="27000"/>
-                    </a:prstClr>
-                  </a:outerShdw>
-                </a:effectLst>
-                <a:latin typeface="Sitka Banner" pitchFamily="2" charset="0"/>
-              </a:rPr>
-              <a:t>	Individual Work: 	Study: </a:t>
+              <a:t> 	Individual Work: 	Study: </a:t>
             </a:r>
             <a:endParaRPr lang="nl-BE" sz="2400" dirty="0">
               <a:solidFill>
@@ -5624,8 +4651,24 @@
                 </a:effectLst>
                 <a:latin typeface="Sitka Banner" pitchFamily="2" charset="0"/>
               </a:rPr>
-              <a:t> </a:t>
-            </a:r>
+              <a:t> 	Individual Work: 	Study: </a:t>
+            </a:r>
+          </a:p>
+          <a:p>
+            <a:pPr marL="0" indent="0">
+              <a:buNone/>
+            </a:pPr>
+            <a:r>
+              <a:rPr lang="nl-BE" sz="2700" b="1" cap="small" dirty="0" smtClean="0">
+                <a:latin typeface="Sitka Display" pitchFamily="2" charset="0"/>
+              </a:rPr>
+              <a:t>Tom Houben</a:t>
+            </a:r>
+          </a:p>
+          <a:p>
+            <a:pPr marL="0" indent="0">
+              <a:buNone/>
+            </a:pPr>
             <a:r>
               <a:rPr lang="nl-BE" sz="2400" dirty="0" smtClean="0">
                 <a:solidFill>
@@ -5642,24 +4685,26 @@
                 </a:effectLst>
                 <a:latin typeface="Sitka Banner" pitchFamily="2" charset="0"/>
               </a:rPr>
-              <a:t>	Individual Work: 	Study: </a:t>
-            </a:r>
-          </a:p>
-          <a:p>
-            <a:pPr marL="0" indent="0">
-              <a:buNone/>
-            </a:pPr>
-            <a:r>
-              <a:rPr lang="nl-BE" sz="2700" b="1" cap="small" dirty="0" smtClean="0">
-                <a:latin typeface="Sitka Display" pitchFamily="2" charset="0"/>
-              </a:rPr>
-              <a:t>Tom Houben</a:t>
-            </a:r>
-          </a:p>
-          <a:p>
-            <a:pPr marL="0" indent="0">
-              <a:buNone/>
-            </a:pPr>
+              <a:t>Group work:  </a:t>
+            </a:r>
+            <a:r>
+              <a:rPr lang="nl-BE" sz="2400" dirty="0">
+                <a:solidFill>
+                  <a:schemeClr val="accent4">
+                    <a:lumMod val="50000"/>
+                  </a:schemeClr>
+                </a:solidFill>
+                <a:effectLst>
+                  <a:outerShdw blurRad="76200" dist="38100" dir="5400000" algn="t" rotWithShape="0">
+                    <a:prstClr val="black">
+                      <a:alpha val="27000"/>
+                    </a:prstClr>
+                  </a:outerShdw>
+                </a:effectLst>
+                <a:latin typeface="Sitka Banner" pitchFamily="2" charset="0"/>
+              </a:rPr>
+              <a:t>	</a:t>
+            </a:r>
             <a:r>
               <a:rPr lang="nl-BE" sz="2400" dirty="0" smtClean="0">
                 <a:solidFill>
@@ -5676,7 +4721,50 @@
                 </a:effectLst>
                 <a:latin typeface="Sitka Banner" pitchFamily="2" charset="0"/>
               </a:rPr>
-              <a:t>Group work:  </a:t>
+              <a:t>	Individual Work: 	Study: </a:t>
+            </a:r>
+          </a:p>
+          <a:p>
+            <a:pPr marL="0" indent="0">
+              <a:buNone/>
+            </a:pPr>
+            <a:r>
+              <a:rPr lang="nl-BE" sz="2700" b="1" cap="small" dirty="0" smtClean="0">
+                <a:latin typeface="Sitka Display" pitchFamily="2" charset="0"/>
+              </a:rPr>
+              <a:t>Tri </a:t>
+            </a:r>
+            <a:r>
+              <a:rPr lang="nl-BE" sz="2700" b="1" cap="small" dirty="0" err="1" smtClean="0">
+                <a:latin typeface="Sitka Display" pitchFamily="2" charset="0"/>
+              </a:rPr>
+              <a:t>Tran</a:t>
+            </a:r>
+            <a:endParaRPr lang="nl-BE" sz="2700" b="1" cap="small" dirty="0" smtClean="0">
+              <a:latin typeface="Sitka Display" pitchFamily="2" charset="0"/>
+            </a:endParaRPr>
+          </a:p>
+          <a:p>
+            <a:pPr marL="0" indent="0">
+              <a:buNone/>
+            </a:pPr>
+            <a:r>
+              <a:rPr lang="nl-BE" sz="2400" dirty="0" smtClean="0">
+                <a:solidFill>
+                  <a:schemeClr val="accent4">
+                    <a:lumMod val="50000"/>
+                  </a:schemeClr>
+                </a:solidFill>
+                <a:effectLst>
+                  <a:outerShdw blurRad="76200" dist="38100" dir="5400000" algn="t" rotWithShape="0">
+                    <a:prstClr val="black">
+                      <a:alpha val="27000"/>
+                    </a:prstClr>
+                  </a:outerShdw>
+                </a:effectLst>
+                <a:latin typeface="Sitka Banner" pitchFamily="2" charset="0"/>
+              </a:rPr>
+              <a:t>Group work: </a:t>
             </a:r>
             <a:r>
               <a:rPr lang="nl-BE" sz="2400" dirty="0">
@@ -5712,104 +4800,7 @@
                 </a:effectLst>
                 <a:latin typeface="Sitka Banner" pitchFamily="2" charset="0"/>
               </a:rPr>
-              <a:t>	Individual Work: 	Study: </a:t>
-            </a:r>
-          </a:p>
-          <a:p>
-            <a:pPr marL="0" indent="0">
-              <a:buNone/>
-            </a:pPr>
-            <a:r>
-              <a:rPr lang="nl-BE" sz="2700" b="1" cap="small" dirty="0" smtClean="0">
-                <a:latin typeface="Sitka Display" pitchFamily="2" charset="0"/>
-              </a:rPr>
-              <a:t>Tri </a:t>
-            </a:r>
-            <a:r>
-              <a:rPr lang="nl-BE" sz="2700" b="1" cap="small" dirty="0" err="1" smtClean="0">
-                <a:latin typeface="Sitka Display" pitchFamily="2" charset="0"/>
-              </a:rPr>
-              <a:t>Tran</a:t>
-            </a:r>
-            <a:endParaRPr lang="nl-BE" sz="2700" b="1" cap="small" dirty="0" smtClean="0">
-              <a:latin typeface="Sitka Display" pitchFamily="2" charset="0"/>
-            </a:endParaRPr>
-          </a:p>
-          <a:p>
-            <a:pPr marL="0" indent="0">
-              <a:buNone/>
-            </a:pPr>
-            <a:r>
-              <a:rPr lang="nl-BE" sz="2400" dirty="0" smtClean="0">
-                <a:solidFill>
-                  <a:schemeClr val="accent4">
-                    <a:lumMod val="50000"/>
-                  </a:schemeClr>
-                </a:solidFill>
-                <a:effectLst>
-                  <a:outerShdw blurRad="76200" dist="38100" dir="5400000" algn="t" rotWithShape="0">
-                    <a:prstClr val="black">
-                      <a:alpha val="27000"/>
-                    </a:prstClr>
-                  </a:outerShdw>
-                </a:effectLst>
-                <a:latin typeface="Sitka Banner" pitchFamily="2" charset="0"/>
-              </a:rPr>
-              <a:t>Group work: </a:t>
-            </a:r>
-            <a:r>
-              <a:rPr lang="nl-BE" sz="2400" dirty="0">
-                <a:solidFill>
-                  <a:schemeClr val="accent4">
-                    <a:lumMod val="50000"/>
-                  </a:schemeClr>
-                </a:solidFill>
-                <a:effectLst>
-                  <a:outerShdw blurRad="76200" dist="38100" dir="5400000" algn="t" rotWithShape="0">
-                    <a:prstClr val="black">
-                      <a:alpha val="27000"/>
-                    </a:prstClr>
-                  </a:outerShdw>
-                </a:effectLst>
-                <a:latin typeface="Sitka Banner" pitchFamily="2" charset="0"/>
-              </a:rPr>
-              <a:t>	</a:t>
-            </a:r>
-            <a:r>
-              <a:rPr lang="nl-BE" sz="2400" dirty="0" smtClean="0">
-                <a:solidFill>
-                  <a:schemeClr val="accent4">
-                    <a:lumMod val="50000"/>
-                  </a:schemeClr>
-                </a:solidFill>
-                <a:effectLst>
-                  <a:outerShdw blurRad="76200" dist="38100" dir="5400000" algn="t" rotWithShape="0">
-                    <a:prstClr val="black">
-                      <a:alpha val="27000"/>
-                    </a:prstClr>
-                  </a:outerShdw>
-                </a:effectLst>
-                <a:latin typeface="Sitka Banner" pitchFamily="2" charset="0"/>
-              </a:rPr>
-              <a:t> </a:t>
-            </a:r>
-            <a:r>
-              <a:rPr lang="nl-BE" sz="2400" dirty="0" smtClean="0">
-                <a:solidFill>
-                  <a:schemeClr val="accent4">
-                    <a:lumMod val="50000"/>
-                  </a:schemeClr>
-                </a:solidFill>
-                <a:effectLst>
-                  <a:outerShdw blurRad="76200" dist="38100" dir="5400000" algn="t" rotWithShape="0">
-                    <a:prstClr val="black">
-                      <a:alpha val="27000"/>
-                    </a:prstClr>
-                  </a:outerShdw>
-                </a:effectLst>
-                <a:latin typeface="Sitka Banner" pitchFamily="2" charset="0"/>
-              </a:rPr>
-              <a:t>	Individual Work: 	Study: </a:t>
+              <a:t> 	Individual Work: 	Study: </a:t>
             </a:r>
           </a:p>
           <a:p>
@@ -5843,7 +4834,7 @@
 </p:sld>
 </file>
 
-<file path=ppt/slides/slide18.xml><?xml version="1.0" encoding="utf-8"?>
+<file path=ppt/slides/slide15.xml><?xml version="1.0" encoding="utf-8"?>
 <p:sld xmlns:a="http://schemas.openxmlformats.org/drawingml/2006/main" xmlns:r="http://schemas.openxmlformats.org/officeDocument/2006/relationships" xmlns:p="http://schemas.openxmlformats.org/presentationml/2006/main">
   <p:cSld>
     <p:spTree>
@@ -5870,7 +4861,7 @@
             <p:ph idx="1"/>
             <p:extLst>
               <p:ext uri="{D42A27DB-BD31-4B8C-83A1-F6EECF244321}">
-                <p14:modId xmlns:p14="http://schemas.microsoft.com/office/powerpoint/2010/main" val="2688866271"/>
+                <p14:modId xmlns:p14="http://schemas.microsoft.com/office/powerpoint/2010/main" val="1687304960"/>
               </p:ext>
             </p:extLst>
           </p:nvPr>
@@ -5889,28 +4880,28 @@
                 <a:gridCol w="2057400">
                   <a:extLst>
                     <a:ext uri="{9D8B030D-6E8A-4147-A177-3AD203B41FA5}">
-                      <a16:colId xmlns:a16="http://schemas.microsoft.com/office/drawing/2014/main" val="4022630451"/>
+                      <a16:colId xmlns:a16="http://schemas.microsoft.com/office/drawing/2014/main" xmlns="" val="4022630451"/>
                     </a:ext>
                   </a:extLst>
                 </a:gridCol>
                 <a:gridCol w="2057400">
                   <a:extLst>
                     <a:ext uri="{9D8B030D-6E8A-4147-A177-3AD203B41FA5}">
-                      <a16:colId xmlns:a16="http://schemas.microsoft.com/office/drawing/2014/main" val="1276862258"/>
+                      <a16:colId xmlns:a16="http://schemas.microsoft.com/office/drawing/2014/main" xmlns="" val="1276862258"/>
                     </a:ext>
                   </a:extLst>
                 </a:gridCol>
                 <a:gridCol w="2057400">
                   <a:extLst>
                     <a:ext uri="{9D8B030D-6E8A-4147-A177-3AD203B41FA5}">
-                      <a16:colId xmlns:a16="http://schemas.microsoft.com/office/drawing/2014/main" val="670422697"/>
+                      <a16:colId xmlns:a16="http://schemas.microsoft.com/office/drawing/2014/main" xmlns="" val="670422697"/>
                     </a:ext>
                   </a:extLst>
                 </a:gridCol>
                 <a:gridCol w="2057400">
                   <a:extLst>
                     <a:ext uri="{9D8B030D-6E8A-4147-A177-3AD203B41FA5}">
-                      <a16:colId xmlns:a16="http://schemas.microsoft.com/office/drawing/2014/main" val="3836214712"/>
+                      <a16:colId xmlns:a16="http://schemas.microsoft.com/office/drawing/2014/main" xmlns="" val="3836214712"/>
                     </a:ext>
                   </a:extLst>
                 </a:gridCol>
@@ -5982,7 +4973,7 @@
                 </a:tc>
                 <a:extLst>
                   <a:ext uri="{0D108BD9-81ED-4DB2-BD59-A6C34878D82A}">
-                    <a16:rowId xmlns:a16="http://schemas.microsoft.com/office/drawing/2014/main" val="2789307922"/>
+                    <a16:rowId xmlns:a16="http://schemas.microsoft.com/office/drawing/2014/main" xmlns="" val="2789307922"/>
                   </a:ext>
                 </a:extLst>
               </a:tr>
@@ -6076,6 +5067,22 @@
                     <a:bodyPr/>
                     <a:lstStyle/>
                     <a:p>
+                      <a:r>
+                        <a:rPr lang="en-GB" cap="small" dirty="0" smtClean="0"/>
+                        <a:t>TODO</a:t>
+                      </a:r>
+                      <a:r>
+                        <a:rPr lang="en-GB" cap="small" baseline="0" dirty="0" smtClean="0"/>
+                        <a:t> INVULLEN (</a:t>
+                      </a:r>
+                      <a:r>
+                        <a:rPr lang="en-GB" cap="small" baseline="0" dirty="0" err="1" smtClean="0"/>
+                        <a:t>Doorschuiven</a:t>
+                      </a:r>
+                      <a:r>
+                        <a:rPr lang="en-GB" cap="small" baseline="0" smtClean="0"/>
+                        <a:t>)</a:t>
+                      </a:r>
                       <a:endParaRPr lang="en-GB" cap="small" dirty="0"/>
                     </a:p>
                   </a:txBody>
@@ -6083,7 +5090,7 @@
                 </a:tc>
                 <a:extLst>
                   <a:ext uri="{0D108BD9-81ED-4DB2-BD59-A6C34878D82A}">
-                    <a16:rowId xmlns:a16="http://schemas.microsoft.com/office/drawing/2014/main" val="3498730236"/>
+                    <a16:rowId xmlns:a16="http://schemas.microsoft.com/office/drawing/2014/main" xmlns="" val="3498730236"/>
                   </a:ext>
                 </a:extLst>
               </a:tr>
@@ -6154,7 +5161,7 @@
                 </a:tc>
                 <a:extLst>
                   <a:ext uri="{0D108BD9-81ED-4DB2-BD59-A6C34878D82A}">
-                    <a16:rowId xmlns:a16="http://schemas.microsoft.com/office/drawing/2014/main" val="4013628509"/>
+                    <a16:rowId xmlns:a16="http://schemas.microsoft.com/office/drawing/2014/main" xmlns="" val="4013628509"/>
                   </a:ext>
                 </a:extLst>
               </a:tr>
@@ -6229,7 +5236,7 @@
                 </a:tc>
                 <a:extLst>
                   <a:ext uri="{0D108BD9-81ED-4DB2-BD59-A6C34878D82A}">
-                    <a16:rowId xmlns:a16="http://schemas.microsoft.com/office/drawing/2014/main" val="1545046261"/>
+                    <a16:rowId xmlns:a16="http://schemas.microsoft.com/office/drawing/2014/main" xmlns="" val="1545046261"/>
                   </a:ext>
                 </a:extLst>
               </a:tr>
@@ -6475,7 +5482,7 @@
         <p:spPr>
           <a:xfrm>
             <a:off x="5148064" y="2549728"/>
-            <a:ext cx="3744000" cy="2103408"/>
+            <a:ext cx="3744000" cy="1505903"/>
           </a:xfrm>
           <a:prstGeom prst="roundRect">
             <a:avLst>
@@ -6511,16 +5518,22 @@
               <a:buChar char="•"/>
             </a:pPr>
             <a:r>
-              <a:rPr lang="nl-BE" dirty="0" err="1" smtClean="0">
-                <a:latin typeface="Sitka Display" pitchFamily="2" charset="0"/>
-              </a:rPr>
-              <a:t>Main</a:t>
-            </a:r>
-            <a:r>
-              <a:rPr lang="nl-BE" dirty="0" smtClean="0">
-                <a:latin typeface="Sitka Display" pitchFamily="2" charset="0"/>
-              </a:rPr>
-              <a:t>/UI laag</a:t>
+              <a:rPr lang="nl-BE" b="1" dirty="0" smtClean="0">
+                <a:latin typeface="Sitka Display" pitchFamily="2" charset="0"/>
+              </a:rPr>
+              <a:t>Algemeen voor alle delen: eerst </a:t>
+            </a:r>
+            <a:r>
+              <a:rPr lang="nl-BE" b="1" dirty="0" err="1" smtClean="0">
+                <a:latin typeface="Sitka Display" pitchFamily="2" charset="0"/>
+              </a:rPr>
+              <a:t>recap</a:t>
+            </a:r>
+            <a:r>
+              <a:rPr lang="nl-BE" b="1" dirty="0" smtClean="0">
+                <a:latin typeface="Sitka Display" pitchFamily="2" charset="0"/>
+              </a:rPr>
+              <a:t> van deel 1 (KORT)</a:t>
             </a:r>
           </a:p>
           <a:p>
@@ -6529,10 +5542,10 @@
               <a:buChar char="•"/>
             </a:pPr>
             <a:r>
-              <a:rPr lang="nl-BE" dirty="0" smtClean="0">
-                <a:latin typeface="Sitka Display" pitchFamily="2" charset="0"/>
-              </a:rPr>
-              <a:t>Controller laag</a:t>
+              <a:rPr lang="nl-BE" b="1" dirty="0" smtClean="0">
+                <a:latin typeface="Sitka Display" pitchFamily="2" charset="0"/>
+              </a:rPr>
+              <a:t>// Laurens //</a:t>
             </a:r>
           </a:p>
           <a:p>
@@ -6544,7 +5557,19 @@
               <a:rPr lang="nl-BE" dirty="0" smtClean="0">
                 <a:latin typeface="Sitka Display" pitchFamily="2" charset="0"/>
               </a:rPr>
-              <a:t>Service laag</a:t>
+              <a:t>Extra laag met </a:t>
+            </a:r>
+            <a:r>
+              <a:rPr lang="nl-BE" dirty="0" err="1" smtClean="0">
+                <a:latin typeface="Sitka Display" pitchFamily="2" charset="0"/>
+              </a:rPr>
+              <a:t>use</a:t>
+            </a:r>
+            <a:r>
+              <a:rPr lang="nl-BE" dirty="0" smtClean="0">
+                <a:latin typeface="Sitka Display" pitchFamily="2" charset="0"/>
+              </a:rPr>
+              <a:t> cases</a:t>
             </a:r>
           </a:p>
           <a:p>
@@ -6558,40 +5583,13 @@
               </a:rPr>
               <a:t>Domeinlaag</a:t>
             </a:r>
-            <a:endParaRPr lang="nl-BE" dirty="0" smtClean="0">
-              <a:latin typeface="Sitka Display" pitchFamily="2" charset="0"/>
-            </a:endParaRPr>
-          </a:p>
-          <a:p>
+            <a:r>
+              <a:rPr lang="nl-BE" dirty="0" smtClean="0">
+                <a:latin typeface="Sitka Display" pitchFamily="2" charset="0"/>
+              </a:rPr>
+              <a:t>: meer packages</a:t>
+            </a:r>
             <a:endParaRPr lang="nl-BE" dirty="0">
-              <a:latin typeface="Sitka Display" pitchFamily="2" charset="0"/>
-            </a:endParaRPr>
-          </a:p>
-          <a:p>
-            <a:r>
-              <a:rPr lang="nl-BE" b="1" dirty="0" smtClean="0">
-                <a:latin typeface="Sitka Display" pitchFamily="2" charset="0"/>
-              </a:rPr>
-              <a:t>Geen directe verbinding tussen</a:t>
-            </a:r>
-            <a:br>
-              <a:rPr lang="nl-BE" b="1" dirty="0" smtClean="0">
-                <a:latin typeface="Sitka Display" pitchFamily="2" charset="0"/>
-              </a:rPr>
-            </a:br>
-            <a:r>
-              <a:rPr lang="nl-BE" b="1" dirty="0" smtClean="0">
-                <a:latin typeface="Sitka Display" pitchFamily="2" charset="0"/>
-              </a:rPr>
-              <a:t>UI en </a:t>
-            </a:r>
-            <a:r>
-              <a:rPr lang="nl-BE" b="1" dirty="0" err="1" smtClean="0">
-                <a:latin typeface="Sitka Display" pitchFamily="2" charset="0"/>
-              </a:rPr>
-              <a:t>Domeinlaag</a:t>
-            </a:r>
-            <a:endParaRPr lang="nl-BE" b="1" dirty="0">
               <a:latin typeface="Sitka Display" pitchFamily="2" charset="0"/>
             </a:endParaRPr>
           </a:p>
@@ -6647,12 +5645,7 @@
             <p:ph type="title"/>
           </p:nvPr>
         </p:nvSpPr>
-        <p:spPr>
-          <a:xfrm>
-            <a:off x="457200" y="-27384"/>
-            <a:ext cx="8229600" cy="1143000"/>
-          </a:xfrm>
-        </p:spPr>
+        <p:spPr/>
         <p:txBody>
           <a:bodyPr>
             <a:normAutofit/>
@@ -6678,7 +5671,70 @@
                 </a:effectLst>
                 <a:latin typeface="Sitka Text" pitchFamily="2" charset="0"/>
               </a:rPr>
-              <a:t>High Level Design</a:t>
+              <a:t>More </a:t>
+            </a:r>
+            <a:r>
+              <a:rPr lang="nl-BE" sz="3600" cap="small" dirty="0" err="1" smtClean="0">
+                <a:ln w="18415" cmpd="sng">
+                  <a:solidFill>
+                    <a:schemeClr val="tx1">
+                      <a:alpha val="0"/>
+                    </a:schemeClr>
+                  </a:solidFill>
+                  <a:prstDash val="solid"/>
+                </a:ln>
+                <a:effectLst>
+                  <a:outerShdw blurRad="25400" dir="3600000" algn="tl" rotWithShape="0">
+                    <a:srgbClr val="000000">
+                      <a:alpha val="70000"/>
+                    </a:srgbClr>
+                  </a:outerShdw>
+                </a:effectLst>
+                <a:latin typeface="Sitka Text" pitchFamily="2" charset="0"/>
+              </a:rPr>
+              <a:t>detailed</a:t>
+            </a:r>
+            <a:r>
+              <a:rPr lang="nl-BE" sz="3600" cap="small" dirty="0" smtClean="0">
+                <a:ln w="18415" cmpd="sng">
+                  <a:solidFill>
+                    <a:schemeClr val="tx1">
+                      <a:alpha val="0"/>
+                    </a:schemeClr>
+                  </a:solidFill>
+                  <a:prstDash val="solid"/>
+                </a:ln>
+                <a:effectLst>
+                  <a:outerShdw blurRad="25400" dir="3600000" algn="tl" rotWithShape="0">
+                    <a:srgbClr val="000000">
+                      <a:alpha val="70000"/>
+                    </a:srgbClr>
+                  </a:outerShdw>
+                </a:effectLst>
+                <a:latin typeface="Sitka Text" pitchFamily="2" charset="0"/>
+              </a:rPr>
+              <a:t> </a:t>
+            </a:r>
+            <a:r>
+              <a:rPr lang="nl-BE" sz="3600" cap="small" dirty="0" err="1" smtClean="0">
+                <a:ln w="18415" cmpd="sng">
+                  <a:solidFill>
+                    <a:schemeClr val="tx1">
+                      <a:alpha val="0"/>
+                    </a:schemeClr>
+                  </a:solidFill>
+                  <a:prstDash val="solid"/>
+                </a:ln>
+                <a:effectLst>
+                  <a:outerShdw blurRad="25400" dir="3600000" algn="tl" rotWithShape="0">
+                    <a:srgbClr val="000000">
+                      <a:alpha val="70000"/>
+                    </a:srgbClr>
+                  </a:outerShdw>
+                </a:effectLst>
+                <a:latin typeface="Sitka Text" pitchFamily="2" charset="0"/>
+              </a:rPr>
+              <a:t>parts</a:t>
             </a:r>
             <a:endParaRPr lang="nl-BE" sz="3600" cap="small" dirty="0">
               <a:ln w="18415" cmpd="sng">
@@ -6701,148 +5757,244 @@
           </a:p>
         </p:txBody>
       </p:sp>
-      <p:pic>
-        <p:nvPicPr>
-          <p:cNvPr id="1026" name="Picture 2" descr="C:\Users\Laurens\Documents\IntelliJ Projects\SWOP2016\presentatie\Diagram Images\UML Global Design.png"/>
-          <p:cNvPicPr>
-            <a:picLocks noChangeAspect="1" noChangeArrowheads="1"/>
-          </p:cNvPicPr>
-          <p:nvPr/>
-        </p:nvPicPr>
-        <p:blipFill>
-          <a:blip r:embed="rId2" cstate="print">
-            <a:clrChange>
-              <a:clrFrom>
-                <a:srgbClr val="FFFFFF"/>
-              </a:clrFrom>
-              <a:clrTo>
-                <a:srgbClr val="FFFFFF">
-                  <a:alpha val="0"/>
-                </a:srgbClr>
-              </a:clrTo>
-            </a:clrChange>
-          </a:blip>
-          <a:stretch>
-            <a:fillRect/>
-          </a:stretch>
-        </p:blipFill>
-        <p:spPr bwMode="auto">
-          <a:xfrm>
-            <a:off x="68262" y="1053227"/>
-            <a:ext cx="9075738" cy="5618767"/>
-          </a:xfrm>
-          <a:prstGeom prst="rect">
-            <a:avLst/>
-          </a:prstGeom>
-          <a:noFill/>
-          <a:extLst>
-            <a:ext uri="{909E8E84-426E-40DD-AFC4-6F175D3DCCD1}">
-              <a14:hiddenFill xmlns:a14="http://schemas.microsoft.com/office/drawing/2010/main">
-                <a:solidFill>
-                  <a:srgbClr val="FFFFFF"/>
-                </a:solidFill>
-              </a14:hiddenFill>
-            </a:ext>
-          </a:extLst>
-        </p:spPr>
-      </p:pic>
-      <p:sp>
-        <p:nvSpPr>
-          <p:cNvPr id="5" name="Tekstvak 2"/>
-          <p:cNvSpPr txBox="1"/>
-          <p:nvPr/>
+      <p:sp>
+        <p:nvSpPr>
+          <p:cNvPr id="3" name="Tijdelijke aanduiding voor inhoud 2"/>
+          <p:cNvSpPr>
+            <a:spLocks noGrp="1"/>
+          </p:cNvSpPr>
+          <p:nvPr>
+            <p:ph idx="1"/>
+          </p:nvPr>
         </p:nvSpPr>
         <p:spPr>
           <a:xfrm>
-            <a:off x="5148064" y="2420888"/>
-            <a:ext cx="3744416" cy="1505903"/>
+            <a:off x="662880" y="1600200"/>
+            <a:ext cx="8229600" cy="4525963"/>
           </a:xfrm>
-          <a:prstGeom prst="roundRect">
-            <a:avLst>
-              <a:gd name="adj" fmla="val 4768"/>
-            </a:avLst>
-          </a:prstGeom>
-          <a:noFill/>
-          <a:ln w="6350"/>
-          <a:effectLst/>
         </p:spPr>
-        <p:style>
-          <a:lnRef idx="2">
-            <a:schemeClr val="dk1"/>
-          </a:lnRef>
-          <a:fillRef idx="1">
-            <a:schemeClr val="lt1"/>
-          </a:fillRef>
-          <a:effectRef idx="0">
-            <a:schemeClr val="dk1"/>
-          </a:effectRef>
-          <a:fontRef idx="minor">
-            <a:schemeClr val="dk1"/>
-          </a:fontRef>
-        </p:style>
-        <p:txBody>
-          <a:bodyPr wrap="square" rtlCol="0">
-            <a:spAutoFit/>
+        <p:txBody>
+          <a:bodyPr>
+            <a:normAutofit/>
           </a:bodyPr>
           <a:lstStyle/>
           <a:p>
-            <a:pPr algn="just"/>
-            <a:r>
-              <a:rPr lang="nl-BE" b="1" dirty="0" smtClean="0">
-                <a:latin typeface="Sitka Display" pitchFamily="2" charset="0"/>
-              </a:rPr>
-              <a:t>GRASP</a:t>
-            </a:r>
-          </a:p>
-          <a:p>
-            <a:r>
-              <a:rPr lang="nl-BE" dirty="0" smtClean="0">
-                <a:latin typeface="Sitka Display" pitchFamily="2" charset="0"/>
-              </a:rPr>
-              <a:t>Gelaagde structuur </a:t>
-            </a:r>
-            <a:r>
-              <a:rPr lang="nl-BE" dirty="0" smtClean="0">
-                <a:latin typeface="Sitka Display" pitchFamily="2" charset="0"/>
-                <a:sym typeface="Wingdings" panose="05000000000000000000" pitchFamily="2" charset="2"/>
-              </a:rPr>
-              <a:t> lage koppeling</a:t>
-            </a:r>
-          </a:p>
-          <a:p>
-            <a:endParaRPr lang="nl-BE" dirty="0" smtClean="0">
+            <a:pPr marL="0" indent="0">
+              <a:buNone/>
+            </a:pPr>
+            <a:r>
+              <a:rPr lang="nl-BE" sz="2800" dirty="0" smtClean="0">
+                <a:latin typeface="Sitka Display" pitchFamily="2" charset="0"/>
+              </a:rPr>
+              <a:t>Services niet meer uitleggen</a:t>
+            </a:r>
+          </a:p>
+          <a:p>
+            <a:pPr marL="0" indent="0">
+              <a:buNone/>
+            </a:pPr>
+            <a:r>
+              <a:rPr lang="nl-BE" sz="2800" dirty="0" smtClean="0">
+                <a:latin typeface="Sitka Display" pitchFamily="2" charset="0"/>
+              </a:rPr>
+              <a:t>Uitleg over structuur van </a:t>
+            </a:r>
+            <a:r>
+              <a:rPr lang="nl-BE" sz="2800" dirty="0" err="1" smtClean="0">
+                <a:latin typeface="Sitka Display" pitchFamily="2" charset="0"/>
+              </a:rPr>
+              <a:t>use</a:t>
+            </a:r>
+            <a:r>
+              <a:rPr lang="nl-BE" sz="2800" dirty="0" smtClean="0">
+                <a:latin typeface="Sitka Display" pitchFamily="2" charset="0"/>
+              </a:rPr>
+              <a:t> cases (bij </a:t>
+            </a:r>
+            <a:r>
+              <a:rPr lang="nl-BE" sz="2800" dirty="0" err="1" smtClean="0">
+                <a:latin typeface="Sitka Display" pitchFamily="2" charset="0"/>
+              </a:rPr>
+              <a:t>extensibility</a:t>
+            </a:r>
+            <a:r>
+              <a:rPr lang="nl-BE" sz="2800" dirty="0" smtClean="0">
+                <a:latin typeface="Sitka Display" pitchFamily="2" charset="0"/>
+              </a:rPr>
+              <a:t> </a:t>
+            </a:r>
+            <a:r>
+              <a:rPr lang="nl-BE" sz="2800" dirty="0" err="1" smtClean="0">
+                <a:latin typeface="Sitka Display" pitchFamily="2" charset="0"/>
+              </a:rPr>
+              <a:t>use</a:t>
+            </a:r>
+            <a:r>
+              <a:rPr lang="nl-BE" sz="2800" dirty="0" smtClean="0">
+                <a:latin typeface="Sitka Display" pitchFamily="2" charset="0"/>
+              </a:rPr>
+              <a:t> case toevoegen op </a:t>
+            </a:r>
+            <a:r>
+              <a:rPr lang="nl-BE" sz="2800" dirty="0" err="1" smtClean="0">
+                <a:latin typeface="Sitka Display" pitchFamily="2" charset="0"/>
+              </a:rPr>
+              <a:t>uml</a:t>
+            </a:r>
+            <a:r>
+              <a:rPr lang="nl-BE" sz="2800" dirty="0" smtClean="0">
+                <a:latin typeface="Sitka Display" pitchFamily="2" charset="0"/>
+              </a:rPr>
+              <a:t>) + eerste deel van </a:t>
+            </a:r>
+            <a:r>
+              <a:rPr lang="nl-BE" sz="2800" dirty="0" err="1" smtClean="0">
+                <a:latin typeface="Sitka Display" pitchFamily="2" charset="0"/>
+              </a:rPr>
+              <a:t>use</a:t>
+            </a:r>
+            <a:r>
+              <a:rPr lang="nl-BE" sz="2800" dirty="0" smtClean="0">
+                <a:latin typeface="Sitka Display" pitchFamily="2" charset="0"/>
+              </a:rPr>
+              <a:t> case SD laten zien tot run() + dikke BMW</a:t>
+            </a:r>
+          </a:p>
+          <a:p>
+            <a:pPr marL="0" indent="0">
+              <a:buNone/>
+            </a:pPr>
+            <a:r>
+              <a:rPr lang="nl-BE" sz="2800" dirty="0" smtClean="0">
+                <a:latin typeface="Sitka Display" pitchFamily="2" charset="0"/>
+              </a:rPr>
+              <a:t>Uitleg over design </a:t>
+            </a:r>
+            <a:r>
+              <a:rPr lang="nl-BE" sz="2800" dirty="0" err="1" smtClean="0">
+                <a:latin typeface="Sitka Display" pitchFamily="2" charset="0"/>
+              </a:rPr>
+              <a:t>patterns</a:t>
+            </a:r>
+            <a:r>
+              <a:rPr lang="nl-BE" sz="2800" dirty="0" smtClean="0">
+                <a:latin typeface="Sitka Display" pitchFamily="2" charset="0"/>
+              </a:rPr>
+              <a:t>: </a:t>
+            </a:r>
+            <a:r>
+              <a:rPr lang="nl-BE" sz="2800" dirty="0" err="1" smtClean="0">
+                <a:latin typeface="Sitka Display" pitchFamily="2" charset="0"/>
+              </a:rPr>
+              <a:t>Observer</a:t>
+            </a:r>
+            <a:r>
+              <a:rPr lang="nl-BE" sz="2800" dirty="0" smtClean="0">
+                <a:latin typeface="Sitka Display" pitchFamily="2" charset="0"/>
+              </a:rPr>
+              <a:t>, Memento, Stat</a:t>
+            </a:r>
+          </a:p>
+          <a:p>
+            <a:pPr marL="0" indent="0">
+              <a:buNone/>
+            </a:pPr>
+            <a:endParaRPr lang="nl-BE" sz="2800" dirty="0">
               <a:latin typeface="Sitka Display" pitchFamily="2" charset="0"/>
-              <a:sym typeface="Wingdings" panose="05000000000000000000" pitchFamily="2" charset="2"/>
             </a:endParaRPr>
           </a:p>
           <a:p>
-            <a:r>
-              <a:rPr lang="nl-BE" dirty="0" smtClean="0">
-                <a:latin typeface="Sitka Display" pitchFamily="2" charset="0"/>
-                <a:sym typeface="Wingdings" panose="05000000000000000000" pitchFamily="2" charset="2"/>
-              </a:rPr>
-              <a:t>Bovenste lagen gebruiken methoden</a:t>
-            </a:r>
-            <a:br>
-              <a:rPr lang="nl-BE" dirty="0" smtClean="0">
-                <a:latin typeface="Sitka Display" pitchFamily="2" charset="0"/>
-                <a:sym typeface="Wingdings" panose="05000000000000000000" pitchFamily="2" charset="2"/>
-              </a:rPr>
-            </a:br>
-            <a:r>
-              <a:rPr lang="nl-BE" dirty="0" smtClean="0">
-                <a:latin typeface="Sitka Display" pitchFamily="2" charset="0"/>
-                <a:sym typeface="Wingdings" panose="05000000000000000000" pitchFamily="2" charset="2"/>
-              </a:rPr>
-              <a:t>aangeboden door lagere lagen</a:t>
-            </a:r>
+            <a:pPr marL="0" indent="0">
+              <a:buNone/>
+            </a:pPr>
+            <a:r>
+              <a:rPr lang="nl-BE" sz="2800" dirty="0" smtClean="0">
+                <a:latin typeface="Sitka Display" pitchFamily="2" charset="0"/>
+              </a:rPr>
+              <a:t>Tonen en uitleggen van </a:t>
+            </a:r>
+            <a:r>
+              <a:rPr lang="nl-BE" sz="2800" dirty="0" err="1" smtClean="0">
+                <a:latin typeface="Sitka Display" pitchFamily="2" charset="0"/>
+              </a:rPr>
+              <a:t>sequence</a:t>
+            </a:r>
+            <a:r>
+              <a:rPr lang="nl-BE" sz="2800" dirty="0" smtClean="0">
+                <a:latin typeface="Sitka Display" pitchFamily="2" charset="0"/>
+              </a:rPr>
+              <a:t> </a:t>
+            </a:r>
+            <a:r>
+              <a:rPr lang="nl-BE" sz="2800" dirty="0" err="1" smtClean="0">
+                <a:latin typeface="Sitka Display" pitchFamily="2" charset="0"/>
+              </a:rPr>
+              <a:t>diagrams</a:t>
+            </a:r>
+            <a:r>
+              <a:rPr lang="nl-BE" sz="2800" dirty="0" smtClean="0">
+                <a:latin typeface="Sitka Display" pitchFamily="2" charset="0"/>
+              </a:rPr>
+              <a:t> voor de meest complexe </a:t>
+            </a:r>
+            <a:r>
+              <a:rPr lang="nl-BE" sz="2800" dirty="0" err="1" smtClean="0">
+                <a:latin typeface="Sitka Display" pitchFamily="2" charset="0"/>
+              </a:rPr>
+              <a:t>use</a:t>
+            </a:r>
+            <a:r>
+              <a:rPr lang="nl-BE" sz="2800" dirty="0" smtClean="0">
+                <a:latin typeface="Sitka Display" pitchFamily="2" charset="0"/>
+              </a:rPr>
+              <a:t> cases, bij voorkeur met link voor design </a:t>
+            </a:r>
+            <a:r>
+              <a:rPr lang="nl-BE" sz="2800" dirty="0" err="1" smtClean="0">
+                <a:latin typeface="Sitka Display" pitchFamily="2" charset="0"/>
+              </a:rPr>
+              <a:t>patterns</a:t>
+            </a:r>
+            <a:endParaRPr lang="nl-BE" sz="2800" dirty="0" smtClean="0">
+              <a:latin typeface="Sitka Display" pitchFamily="2" charset="0"/>
+            </a:endParaRPr>
+          </a:p>
+          <a:p>
+            <a:pPr marL="0" indent="0">
+              <a:buNone/>
+            </a:pPr>
+            <a:endParaRPr lang="nl-BE" sz="2800" dirty="0" smtClean="0">
+              <a:latin typeface="Sitka Display" pitchFamily="2" charset="0"/>
+            </a:endParaRPr>
+          </a:p>
+          <a:p>
+            <a:pPr marL="0" indent="0">
+              <a:buNone/>
+            </a:pPr>
+            <a:endParaRPr lang="nl-BE" sz="2800" dirty="0">
+              <a:latin typeface="Sitka Display" pitchFamily="2" charset="0"/>
+            </a:endParaRPr>
+          </a:p>
+          <a:p>
+            <a:pPr marL="0" indent="0">
+              <a:buNone/>
+            </a:pPr>
+            <a:endParaRPr lang="nl-BE" sz="2400" dirty="0" smtClean="0">
+              <a:latin typeface="Sitka Display" pitchFamily="2" charset="0"/>
+            </a:endParaRPr>
+          </a:p>
+          <a:p>
+            <a:pPr marL="0" indent="0">
+              <a:buNone/>
+            </a:pPr>
+            <a:endParaRPr lang="nl-BE" sz="2800" dirty="0"/>
           </a:p>
         </p:txBody>
       </p:sp>
     </p:spTree>
     <p:extLst>
       <p:ext uri="{BB962C8B-B14F-4D97-AF65-F5344CB8AC3E}">
-        <p14:creationId xmlns:p14="http://schemas.microsoft.com/office/powerpoint/2010/main" val="3969713707"/>
+        <p14:creationId xmlns:p14="http://schemas.microsoft.com/office/powerpoint/2010/main" val="983478496"/>
       </p:ext>
     </p:extLst>
   </p:cSld>
@@ -6889,18 +6041,34 @@
             <p:ph type="title"/>
           </p:nvPr>
         </p:nvSpPr>
-        <p:spPr>
-          <a:xfrm>
-            <a:off x="457200" y="-27384"/>
-            <a:ext cx="8229600" cy="1143000"/>
-          </a:xfrm>
-        </p:spPr>
+        <p:spPr/>
         <p:txBody>
           <a:bodyPr>
             <a:normAutofit/>
           </a:bodyPr>
           <a:lstStyle/>
           <a:p>
+            <a:r>
+              <a:rPr lang="nl-BE" sz="3600" cap="small" dirty="0" err="1" smtClean="0">
+                <a:ln w="18415" cmpd="sng">
+                  <a:solidFill>
+                    <a:schemeClr val="tx1">
+                      <a:alpha val="0"/>
+                    </a:schemeClr>
+                  </a:solidFill>
+                  <a:prstDash val="solid"/>
+                </a:ln>
+                <a:effectLst>
+                  <a:outerShdw blurRad="25400" dir="3600000" algn="tl" rotWithShape="0">
+                    <a:srgbClr val="000000">
+                      <a:alpha val="70000"/>
+                    </a:srgbClr>
+                  </a:outerShdw>
+                </a:effectLst>
+                <a:latin typeface="Sitka Text" pitchFamily="2" charset="0"/>
+              </a:rPr>
+              <a:t>Usage</a:t>
+            </a:r>
             <a:r>
               <a:rPr lang="nl-BE" sz="3600" cap="small" dirty="0" smtClean="0">
                 <a:ln w="18415" cmpd="sng">
@@ -6920,7 +6088,70 @@
                 </a:effectLst>
                 <a:latin typeface="Sitka Text" pitchFamily="2" charset="0"/>
               </a:rPr>
-              <a:t>High Level Design</a:t>
+              <a:t> of </a:t>
+            </a:r>
+            <a:r>
+              <a:rPr lang="nl-BE" sz="3600" cap="small" dirty="0" err="1" smtClean="0">
+                <a:ln w="18415" cmpd="sng">
+                  <a:solidFill>
+                    <a:schemeClr val="tx1">
+                      <a:alpha val="0"/>
+                    </a:schemeClr>
+                  </a:solidFill>
+                  <a:prstDash val="solid"/>
+                </a:ln>
+                <a:effectLst>
+                  <a:outerShdw blurRad="25400" dir="3600000" algn="tl" rotWithShape="0">
+                    <a:srgbClr val="000000">
+                      <a:alpha val="70000"/>
+                    </a:srgbClr>
+                  </a:outerShdw>
+                </a:effectLst>
+                <a:latin typeface="Sitka Text" pitchFamily="2" charset="0"/>
+              </a:rPr>
+              <a:t>the</a:t>
+            </a:r>
+            <a:r>
+              <a:rPr lang="nl-BE" sz="3600" cap="small" dirty="0" smtClean="0">
+                <a:ln w="18415" cmpd="sng">
+                  <a:solidFill>
+                    <a:schemeClr val="tx1">
+                      <a:alpha val="0"/>
+                    </a:schemeClr>
+                  </a:solidFill>
+                  <a:prstDash val="solid"/>
+                </a:ln>
+                <a:effectLst>
+                  <a:outerShdw blurRad="25400" dir="3600000" algn="tl" rotWithShape="0">
+                    <a:srgbClr val="000000">
+                      <a:alpha val="70000"/>
+                    </a:srgbClr>
+                  </a:outerShdw>
+                </a:effectLst>
+                <a:latin typeface="Sitka Text" pitchFamily="2" charset="0"/>
+              </a:rPr>
+              <a:t> domain </a:t>
+            </a:r>
+            <a:r>
+              <a:rPr lang="nl-BE" sz="3600" cap="small" dirty="0" err="1" smtClean="0">
+                <a:ln w="18415" cmpd="sng">
+                  <a:solidFill>
+                    <a:schemeClr val="tx1">
+                      <a:alpha val="0"/>
+                    </a:schemeClr>
+                  </a:solidFill>
+                  <a:prstDash val="solid"/>
+                </a:ln>
+                <a:effectLst>
+                  <a:outerShdw blurRad="25400" dir="3600000" algn="tl" rotWithShape="0">
+                    <a:srgbClr val="000000">
+                      <a:alpha val="70000"/>
+                    </a:srgbClr>
+                  </a:outerShdw>
+                </a:effectLst>
+                <a:latin typeface="Sitka Text" pitchFamily="2" charset="0"/>
+              </a:rPr>
+              <a:t>layer</a:t>
             </a:r>
             <a:endParaRPr lang="nl-BE" sz="3600" cap="small" dirty="0">
               <a:ln w="18415" cmpd="sng">
@@ -6945,7 +6176,7 @@
       </p:sp>
       <p:pic>
         <p:nvPicPr>
-          <p:cNvPr id="1026" name="Picture 2" descr="C:\Users\Laurens\Documents\IntelliJ Projects\SWOP2016\presentatie\Diagram Images\UML Global Design.png"/>
+          <p:cNvPr id="3074" name="Picture 2" descr="C:\Users\Laurens\Documents\IntelliJ Projects\SWOP2016\presentatie\Diagram Images\Puntje 2\AssignmentServices.png"/>
           <p:cNvPicPr>
             <a:picLocks noChangeAspect="1" noChangeArrowheads="1"/>
           </p:cNvPicPr>
@@ -6963,15 +6194,21 @@
                 </a:srgbClr>
               </a:clrTo>
             </a:clrChange>
+            <a:extLst>
+              <a:ext uri="{28A0092B-C50C-407E-A947-70E740481C1C}">
+                <a14:useLocalDpi xmlns:a14="http://schemas.microsoft.com/office/drawing/2010/main" val="0"/>
+              </a:ext>
+            </a:extLst>
           </a:blip>
+          <a:srcRect/>
           <a:stretch>
             <a:fillRect/>
           </a:stretch>
         </p:blipFill>
         <p:spPr bwMode="auto">
           <a:xfrm>
-            <a:off x="68262" y="1053227"/>
-            <a:ext cx="9075738" cy="5618767"/>
+            <a:off x="2682799" y="1225704"/>
+            <a:ext cx="6482161" cy="5615136"/>
           </a:xfrm>
           <a:prstGeom prst="rect">
             <a:avLst/>
@@ -6996,8 +6233,8 @@
         </p:nvSpPr>
         <p:spPr>
           <a:xfrm>
-            <a:off x="5148064" y="2582520"/>
-            <a:ext cx="3744416" cy="2070616"/>
+            <a:off x="251520" y="3745999"/>
+            <a:ext cx="3312368" cy="941189"/>
           </a:xfrm>
           <a:prstGeom prst="roundRect">
             <a:avLst>
@@ -7028,85 +6265,119 @@
           </a:bodyPr>
           <a:lstStyle/>
           <a:p>
-            <a:pPr algn="just"/>
+            <a:pPr>
+              <a:buFont typeface="Arial" pitchFamily="34" charset="0"/>
+              <a:buChar char="•"/>
+            </a:pPr>
+            <a:r>
+              <a:rPr lang="nl-BE" dirty="0" smtClean="0"/>
+              <a:t> </a:t>
+            </a:r>
+            <a:r>
+              <a:rPr lang="nl-BE" dirty="0" smtClean="0">
+                <a:latin typeface="Sitka Display" pitchFamily="2" charset="0"/>
+                <a:sym typeface="Wingdings" panose="05000000000000000000" pitchFamily="2" charset="2"/>
+              </a:rPr>
+              <a:t>Deze slide gebruiken als </a:t>
+            </a:r>
+            <a:r>
+              <a:rPr lang="nl-BE" dirty="0" err="1" smtClean="0">
+                <a:latin typeface="Sitka Display" pitchFamily="2" charset="0"/>
+                <a:sym typeface="Wingdings" panose="05000000000000000000" pitchFamily="2" charset="2"/>
+              </a:rPr>
+              <a:t>recap</a:t>
+            </a:r>
+            <a:r>
+              <a:rPr lang="nl-BE" dirty="0" smtClean="0">
+                <a:latin typeface="Sitka Display" pitchFamily="2" charset="0"/>
+                <a:sym typeface="Wingdings" panose="05000000000000000000" pitchFamily="2" charset="2"/>
+              </a:rPr>
+              <a:t> voor tag implementatie</a:t>
+            </a:r>
+          </a:p>
+          <a:p>
+            <a:pPr>
+              <a:buFont typeface="Arial" pitchFamily="34" charset="0"/>
+              <a:buChar char="•"/>
+            </a:pPr>
             <a:r>
               <a:rPr lang="nl-BE" b="1" dirty="0" smtClean="0">
                 <a:latin typeface="Sitka Display" pitchFamily="2" charset="0"/>
                 <a:sym typeface="Wingdings" panose="05000000000000000000" pitchFamily="2" charset="2"/>
               </a:rPr>
-              <a:t>Initialisatie</a:t>
-            </a:r>
-          </a:p>
-          <a:p>
-            <a:pPr algn="just"/>
-            <a:r>
-              <a:rPr lang="nl-BE" dirty="0" err="1" smtClean="0">
+              <a:t>Hierna: uitleg over state </a:t>
+            </a:r>
+            <a:r>
+              <a:rPr lang="nl-BE" b="1" dirty="0" err="1" smtClean="0">
                 <a:latin typeface="Sitka Display" pitchFamily="2" charset="0"/>
                 <a:sym typeface="Wingdings" panose="05000000000000000000" pitchFamily="2" charset="2"/>
               </a:rPr>
-              <a:t>Initializer</a:t>
-            </a:r>
-            <a:r>
-              <a:rPr lang="nl-BE" dirty="0" smtClean="0">
+              <a:t>pattern</a:t>
+            </a:r>
+            <a:r>
+              <a:rPr lang="nl-BE" b="1" dirty="0" smtClean="0">
                 <a:latin typeface="Sitka Display" pitchFamily="2" charset="0"/>
                 <a:sym typeface="Wingdings" panose="05000000000000000000" pitchFamily="2" charset="2"/>
               </a:rPr>
-              <a:t> voorziet initiële gegevensstructuren</a:t>
-            </a:r>
-          </a:p>
-          <a:p>
-            <a:pPr algn="just"/>
-            <a:r>
-              <a:rPr lang="nl-BE" dirty="0" smtClean="0">
-                <a:latin typeface="Sitka Display" pitchFamily="2" charset="0"/>
-                <a:sym typeface="Wingdings" panose="05000000000000000000" pitchFamily="2" charset="2"/>
-              </a:rPr>
-              <a:t>Logincontroller om user in te loggen</a:t>
-            </a:r>
-          </a:p>
-          <a:p>
-            <a:pPr algn="just"/>
-            <a:r>
-              <a:rPr lang="nl-BE" dirty="0" smtClean="0">
-                <a:latin typeface="Sitka Display" pitchFamily="2" charset="0"/>
-                <a:sym typeface="Wingdings" panose="05000000000000000000" pitchFamily="2" charset="2"/>
-              </a:rPr>
-              <a:t>     gepaste usercontroller aanmaken</a:t>
-            </a:r>
-          </a:p>
-          <a:p>
-            <a:pPr algn="just"/>
-            <a:endParaRPr lang="nl-BE" dirty="0" smtClean="0">
+              <a:t> voor tag</a:t>
+            </a:r>
+            <a:endParaRPr lang="nl-BE" b="1" dirty="0" smtClean="0">
               <a:latin typeface="Sitka Display" pitchFamily="2" charset="0"/>
               <a:sym typeface="Wingdings" panose="05000000000000000000" pitchFamily="2" charset="2"/>
             </a:endParaRPr>
           </a:p>
-          <a:p>
-            <a:pPr algn="just"/>
-            <a:r>
-              <a:rPr lang="nl-BE" dirty="0" smtClean="0">
-                <a:latin typeface="Sitka Display" pitchFamily="2" charset="0"/>
-                <a:sym typeface="Wingdings" panose="05000000000000000000" pitchFamily="2" charset="2"/>
-              </a:rPr>
-              <a:t>Type usercontroller per soort user</a:t>
-            </a:r>
-          </a:p>
-          <a:p>
-            <a:pPr algn="just"/>
-            <a:r>
-              <a:rPr lang="nl-BE" dirty="0" smtClean="0">
-                <a:latin typeface="Sitka Display" pitchFamily="2" charset="0"/>
-                <a:sym typeface="Wingdings" panose="05000000000000000000" pitchFamily="2" charset="2"/>
-              </a:rPr>
-              <a:t>      rechten beheren</a:t>
-            </a:r>
+        </p:txBody>
+      </p:sp>
+      <p:sp>
+        <p:nvSpPr>
+          <p:cNvPr id="3" name="Rechthoek 2"/>
+          <p:cNvSpPr/>
+          <p:nvPr/>
+        </p:nvSpPr>
+        <p:spPr>
+          <a:xfrm>
+            <a:off x="2483768" y="2852936"/>
+            <a:ext cx="1368152" cy="792088"/>
+          </a:xfrm>
+          <a:prstGeom prst="rect">
+            <a:avLst/>
+          </a:prstGeom>
+          <a:noFill/>
+          <a:ln w="76200">
+            <a:solidFill>
+              <a:srgbClr val="FF0000"/>
+            </a:solidFill>
+          </a:ln>
+        </p:spPr>
+        <p:style>
+          <a:lnRef idx="2">
+            <a:schemeClr val="accent2">
+              <a:shade val="50000"/>
+            </a:schemeClr>
+          </a:lnRef>
+          <a:fillRef idx="1">
+            <a:schemeClr val="accent2"/>
+          </a:fillRef>
+          <a:effectRef idx="0">
+            <a:schemeClr val="accent2"/>
+          </a:effectRef>
+          <a:fontRef idx="minor">
+            <a:schemeClr val="lt1"/>
+          </a:fontRef>
+        </p:style>
+        <p:txBody>
+          <a:bodyPr rtlCol="0" anchor="ctr"/>
+          <a:lstStyle/>
+          <a:p>
+            <a:pPr algn="ctr"/>
+            <a:endParaRPr lang="nl-BE"/>
           </a:p>
         </p:txBody>
       </p:sp>
     </p:spTree>
     <p:extLst>
       <p:ext uri="{BB962C8B-B14F-4D97-AF65-F5344CB8AC3E}">
-        <p14:creationId xmlns:p14="http://schemas.microsoft.com/office/powerpoint/2010/main" val="3380860586"/>
+        <p14:creationId xmlns:p14="http://schemas.microsoft.com/office/powerpoint/2010/main" val="4089071672"/>
       </p:ext>
     </p:extLst>
   </p:cSld>
@@ -7153,205 +6424,50 @@
             <p:ph type="title"/>
           </p:nvPr>
         </p:nvSpPr>
-        <p:spPr>
-          <a:xfrm>
-            <a:off x="457200" y="-27384"/>
-            <a:ext cx="8229600" cy="1143000"/>
-          </a:xfrm>
-        </p:spPr>
-        <p:txBody>
-          <a:bodyPr>
-            <a:normAutofit/>
-          </a:bodyPr>
+        <p:spPr/>
+        <p:txBody>
+          <a:bodyPr/>
           <a:lstStyle/>
           <a:p>
             <a:r>
-              <a:rPr lang="nl-BE" sz="3600" cap="small" dirty="0" smtClean="0">
-                <a:ln w="18415" cmpd="sng">
-                  <a:solidFill>
-                    <a:schemeClr val="tx1">
-                      <a:alpha val="0"/>
-                    </a:schemeClr>
-                  </a:solidFill>
-                  <a:prstDash val="solid"/>
-                </a:ln>
-                <a:effectLst>
-                  <a:outerShdw blurRad="25400" dir="3600000" algn="tl" rotWithShape="0">
-                    <a:srgbClr val="000000">
-                      <a:alpha val="70000"/>
-                    </a:srgbClr>
-                  </a:outerShdw>
-                </a:effectLst>
-                <a:latin typeface="Sitka Text" pitchFamily="2" charset="0"/>
-              </a:rPr>
-              <a:t>High Level Design</a:t>
-            </a:r>
-            <a:endParaRPr lang="nl-BE" sz="3600" cap="small" dirty="0">
-              <a:ln w="18415" cmpd="sng">
-                <a:solidFill>
-                  <a:schemeClr val="tx1">
-                    <a:alpha val="0"/>
-                  </a:schemeClr>
-                </a:solidFill>
-                <a:prstDash val="solid"/>
-              </a:ln>
-              <a:effectLst>
-                <a:outerShdw blurRad="25400" dir="3600000" algn="tl" rotWithShape="0">
-                  <a:srgbClr val="000000">
-                    <a:alpha val="70000"/>
-                  </a:srgbClr>
-                </a:outerShdw>
-              </a:effectLst>
-              <a:latin typeface="Sitka Text" pitchFamily="2" charset="0"/>
-            </a:endParaRPr>
-          </a:p>
-        </p:txBody>
-      </p:sp>
-      <p:pic>
-        <p:nvPicPr>
-          <p:cNvPr id="1026" name="Picture 2" descr="C:\Users\Laurens\Documents\IntelliJ Projects\SWOP2016\presentatie\Diagram Images\UML Global Design.png"/>
-          <p:cNvPicPr>
-            <a:picLocks noChangeAspect="1" noChangeArrowheads="1"/>
-          </p:cNvPicPr>
-          <p:nvPr/>
-        </p:nvPicPr>
-        <p:blipFill>
-          <a:blip r:embed="rId2" cstate="print">
-            <a:clrChange>
-              <a:clrFrom>
-                <a:srgbClr val="FFFFFF"/>
-              </a:clrFrom>
-              <a:clrTo>
-                <a:srgbClr val="FFFFFF">
-                  <a:alpha val="0"/>
-                </a:srgbClr>
-              </a:clrTo>
-            </a:clrChange>
-          </a:blip>
-          <a:stretch>
-            <a:fillRect/>
-          </a:stretch>
-        </p:blipFill>
-        <p:spPr bwMode="auto">
-          <a:xfrm>
-            <a:off x="68262" y="1053227"/>
-            <a:ext cx="9075738" cy="5618767"/>
-          </a:xfrm>
-          <a:prstGeom prst="rect">
-            <a:avLst/>
-          </a:prstGeom>
-          <a:noFill/>
-          <a:extLst>
-            <a:ext uri="{909E8E84-426E-40DD-AFC4-6F175D3DCCD1}">
-              <a14:hiddenFill xmlns:a14="http://schemas.microsoft.com/office/drawing/2010/main">
-                <a:solidFill>
-                  <a:srgbClr val="FFFFFF"/>
-                </a:solidFill>
-              </a14:hiddenFill>
-            </a:ext>
-          </a:extLst>
-        </p:spPr>
-      </p:pic>
-      <p:sp>
-        <p:nvSpPr>
-          <p:cNvPr id="5" name="Tekstvak 2"/>
-          <p:cNvSpPr txBox="1"/>
-          <p:nvPr/>
-        </p:nvSpPr>
-        <p:spPr>
-          <a:xfrm>
-            <a:off x="5148064" y="2420888"/>
-            <a:ext cx="3744416" cy="2070616"/>
-          </a:xfrm>
-          <a:prstGeom prst="roundRect">
-            <a:avLst>
-              <a:gd name="adj" fmla="val 4768"/>
-            </a:avLst>
-          </a:prstGeom>
-          <a:noFill/>
-          <a:ln w="6350"/>
-          <a:effectLst/>
-        </p:spPr>
-        <p:style>
-          <a:lnRef idx="2">
-            <a:schemeClr val="dk1"/>
-          </a:lnRef>
-          <a:fillRef idx="1">
-            <a:schemeClr val="lt1"/>
-          </a:fillRef>
-          <a:effectRef idx="0">
-            <a:schemeClr val="dk1"/>
-          </a:effectRef>
-          <a:fontRef idx="minor">
-            <a:schemeClr val="dk1"/>
-          </a:fontRef>
-        </p:style>
-        <p:txBody>
-          <a:bodyPr wrap="square" rtlCol="0">
-            <a:spAutoFit/>
-          </a:bodyPr>
+              <a:rPr lang="nl-BE" dirty="0" err="1" smtClean="0"/>
+              <a:t>Insert</a:t>
+            </a:r>
+            <a:r>
+              <a:rPr lang="nl-BE" dirty="0" smtClean="0"/>
+              <a:t> uitleg over state </a:t>
+            </a:r>
+            <a:r>
+              <a:rPr lang="nl-BE" dirty="0" err="1" smtClean="0"/>
+              <a:t>here</a:t>
+            </a:r>
+            <a:endParaRPr lang="nl-BE" dirty="0"/>
+          </a:p>
+        </p:txBody>
+      </p:sp>
+      <p:sp>
+        <p:nvSpPr>
+          <p:cNvPr id="3" name="Tijdelijke aanduiding voor inhoud 2"/>
+          <p:cNvSpPr>
+            <a:spLocks noGrp="1"/>
+          </p:cNvSpPr>
+          <p:nvPr>
+            <p:ph idx="1"/>
+          </p:nvPr>
+        </p:nvSpPr>
+        <p:spPr/>
+        <p:txBody>
+          <a:bodyPr/>
           <a:lstStyle/>
           <a:p>
-            <a:r>
-              <a:rPr lang="nl-BE" b="1" dirty="0" smtClean="0">
-                <a:latin typeface="Sitka Display" pitchFamily="2" charset="0"/>
-                <a:sym typeface="Wingdings" panose="05000000000000000000" pitchFamily="2" charset="2"/>
-              </a:rPr>
-              <a:t>Services</a:t>
-            </a:r>
-          </a:p>
-          <a:p>
-            <a:r>
-              <a:rPr lang="nl-BE" dirty="0" smtClean="0">
-                <a:latin typeface="Sitka Display" pitchFamily="2" charset="0"/>
-                <a:sym typeface="Wingdings" panose="05000000000000000000" pitchFamily="2" charset="2"/>
-              </a:rPr>
-              <a:t>Behandelen informatierequests waar</a:t>
-            </a:r>
-            <a:br>
-              <a:rPr lang="nl-BE" dirty="0" smtClean="0">
-                <a:latin typeface="Sitka Display" pitchFamily="2" charset="0"/>
-                <a:sym typeface="Wingdings" panose="05000000000000000000" pitchFamily="2" charset="2"/>
-              </a:rPr>
-            </a:br>
-            <a:r>
-              <a:rPr lang="nl-BE" dirty="0" smtClean="0">
-                <a:latin typeface="Sitka Display" pitchFamily="2" charset="0"/>
-                <a:sym typeface="Wingdings" panose="05000000000000000000" pitchFamily="2" charset="2"/>
-              </a:rPr>
-              <a:t>meerdere classes bij betrokken zijn</a:t>
-            </a:r>
-          </a:p>
-          <a:p>
-            <a:r>
-              <a:rPr lang="nl-BE" dirty="0" smtClean="0">
-                <a:latin typeface="Sitka Display" pitchFamily="2" charset="0"/>
-                <a:sym typeface="Wingdings" panose="05000000000000000000" pitchFamily="2" charset="2"/>
-              </a:rPr>
-              <a:t>     hoge cohesie, lage koppeling</a:t>
-            </a:r>
-          </a:p>
-          <a:p>
-            <a:endParaRPr lang="nl-BE" dirty="0" smtClean="0">
-              <a:latin typeface="Sitka Display" pitchFamily="2" charset="0"/>
-              <a:sym typeface="Wingdings" panose="05000000000000000000" pitchFamily="2" charset="2"/>
-            </a:endParaRPr>
-          </a:p>
-          <a:p>
-            <a:r>
-              <a:rPr lang="nl-BE" dirty="0" smtClean="0">
-                <a:latin typeface="Sitka Display" pitchFamily="2" charset="0"/>
-                <a:sym typeface="Wingdings" panose="05000000000000000000" pitchFamily="2" charset="2"/>
-              </a:rPr>
-              <a:t>Domein + services: bescherming tegen foutief gebruik</a:t>
-            </a:r>
+            <a:endParaRPr lang="nl-BE"/>
           </a:p>
         </p:txBody>
       </p:sp>
     </p:spTree>
     <p:extLst>
       <p:ext uri="{BB962C8B-B14F-4D97-AF65-F5344CB8AC3E}">
-        <p14:creationId xmlns:p14="http://schemas.microsoft.com/office/powerpoint/2010/main" val="1739918512"/>
+        <p14:creationId xmlns:p14="http://schemas.microsoft.com/office/powerpoint/2010/main" val="2544111520"/>
       </p:ext>
     </p:extLst>
   </p:cSld>
@@ -7361,13 +6477,6 @@
   <p:transition>
     <p:fade/>
   </p:transition>
-  <p:timing>
-    <p:tnLst>
-      <p:par>
-        <p:cTn id="1" dur="indefinite" restart="never" nodeType="tmRoot"/>
-      </p:par>
-    </p:tnLst>
-  </p:timing>
 </p:sld>
 </file>
 
@@ -7401,112 +6510,23 @@
         <p:spPr/>
         <p:txBody>
           <a:bodyPr>
-            <a:normAutofit/>
+            <a:normAutofit fontScale="90000"/>
           </a:bodyPr>
           <a:lstStyle/>
           <a:p>
             <a:r>
-              <a:rPr lang="nl-BE" sz="3600" cap="small" dirty="0" smtClean="0">
-                <a:ln w="18415" cmpd="sng">
-                  <a:solidFill>
-                    <a:schemeClr val="tx1">
-                      <a:alpha val="0"/>
-                    </a:schemeClr>
-                  </a:solidFill>
-                  <a:prstDash val="solid"/>
-                </a:ln>
-                <a:effectLst>
-                  <a:outerShdw blurRad="25400" dir="3600000" algn="tl" rotWithShape="0">
-                    <a:srgbClr val="000000">
-                      <a:alpha val="70000"/>
-                    </a:srgbClr>
-                  </a:outerShdw>
-                </a:effectLst>
-                <a:latin typeface="Sitka Text" pitchFamily="2" charset="0"/>
-              </a:rPr>
-              <a:t>More </a:t>
-            </a:r>
-            <a:r>
-              <a:rPr lang="nl-BE" sz="3600" cap="small" dirty="0" err="1" smtClean="0">
-                <a:ln w="18415" cmpd="sng">
-                  <a:solidFill>
-                    <a:schemeClr val="tx1">
-                      <a:alpha val="0"/>
-                    </a:schemeClr>
-                  </a:solidFill>
-                  <a:prstDash val="solid"/>
-                </a:ln>
-                <a:effectLst>
-                  <a:outerShdw blurRad="25400" dir="3600000" algn="tl" rotWithShape="0">
-                    <a:srgbClr val="000000">
-                      <a:alpha val="70000"/>
-                    </a:srgbClr>
-                  </a:outerShdw>
-                </a:effectLst>
-                <a:latin typeface="Sitka Text" pitchFamily="2" charset="0"/>
-              </a:rPr>
-              <a:t>detailed</a:t>
-            </a:r>
-            <a:r>
-              <a:rPr lang="nl-BE" sz="3600" cap="small" dirty="0" smtClean="0">
-                <a:ln w="18415" cmpd="sng">
-                  <a:solidFill>
-                    <a:schemeClr val="tx1">
-                      <a:alpha val="0"/>
-                    </a:schemeClr>
-                  </a:solidFill>
-                  <a:prstDash val="solid"/>
-                </a:ln>
-                <a:effectLst>
-                  <a:outerShdw blurRad="25400" dir="3600000" algn="tl" rotWithShape="0">
-                    <a:srgbClr val="000000">
-                      <a:alpha val="70000"/>
-                    </a:srgbClr>
-                  </a:outerShdw>
-                </a:effectLst>
-                <a:latin typeface="Sitka Text" pitchFamily="2" charset="0"/>
-              </a:rPr>
-              <a:t> </a:t>
-            </a:r>
-            <a:r>
-              <a:rPr lang="nl-BE" sz="3600" cap="small" dirty="0" err="1" smtClean="0">
-                <a:ln w="18415" cmpd="sng">
-                  <a:solidFill>
-                    <a:schemeClr val="tx1">
-                      <a:alpha val="0"/>
-                    </a:schemeClr>
-                  </a:solidFill>
-                  <a:prstDash val="solid"/>
-                </a:ln>
-                <a:effectLst>
-                  <a:outerShdw blurRad="25400" dir="3600000" algn="tl" rotWithShape="0">
-                    <a:srgbClr val="000000">
-                      <a:alpha val="70000"/>
-                    </a:srgbClr>
-                  </a:outerShdw>
-                </a:effectLst>
-                <a:latin typeface="Sitka Text" pitchFamily="2" charset="0"/>
-              </a:rPr>
-              <a:t>parts</a:t>
-            </a:r>
-            <a:endParaRPr lang="nl-BE" sz="3600" cap="small" dirty="0">
-              <a:ln w="18415" cmpd="sng">
-                <a:solidFill>
-                  <a:schemeClr val="tx1">
-                    <a:alpha val="0"/>
-                  </a:schemeClr>
-                </a:solidFill>
-                <a:prstDash val="solid"/>
-              </a:ln>
-              <a:effectLst>
-                <a:outerShdw blurRad="25400" dir="3600000" algn="tl" rotWithShape="0">
-                  <a:srgbClr val="000000">
-                    <a:alpha val="70000"/>
-                  </a:srgbClr>
-                </a:outerShdw>
-              </a:effectLst>
-              <a:latin typeface="Sitka Text" pitchFamily="2" charset="0"/>
-            </a:endParaRPr>
+              <a:rPr lang="nl-BE" dirty="0" err="1" smtClean="0"/>
+              <a:t>Insert</a:t>
+            </a:r>
+            <a:r>
+              <a:rPr lang="nl-BE" dirty="0" smtClean="0"/>
+              <a:t> heel korte uitleg over </a:t>
+            </a:r>
+            <a:r>
+              <a:rPr lang="nl-BE" dirty="0" err="1" smtClean="0"/>
+              <a:t>milestones</a:t>
+            </a:r>
+            <a:endParaRPr lang="nl-BE" dirty="0"/>
           </a:p>
         </p:txBody>
       </p:sp>
@@ -7520,184 +6540,19 @@
             <p:ph idx="1"/>
           </p:nvPr>
         </p:nvSpPr>
-        <p:spPr>
-          <a:xfrm>
-            <a:off x="662880" y="1600200"/>
-            <a:ext cx="8229600" cy="4525963"/>
-          </a:xfrm>
-        </p:spPr>
-        <p:txBody>
-          <a:bodyPr>
-            <a:normAutofit/>
-          </a:bodyPr>
+        <p:spPr/>
+        <p:txBody>
+          <a:bodyPr/>
           <a:lstStyle/>
           <a:p>
-            <a:pPr marL="0" indent="0">
-              <a:buNone/>
-            </a:pPr>
-            <a:r>
-              <a:rPr lang="nl-BE" sz="2800" dirty="0" smtClean="0">
-                <a:latin typeface="Sitka Display" pitchFamily="2" charset="0"/>
-              </a:rPr>
-              <a:t>Belangrijke domeinklassen </a:t>
-            </a:r>
-          </a:p>
-          <a:p>
-            <a:pPr marL="0" indent="0">
-              <a:buNone/>
-            </a:pPr>
-            <a:r>
-              <a:rPr lang="nl-BE" sz="2800" dirty="0" smtClean="0">
-                <a:latin typeface="Sitka Display" pitchFamily="2" charset="0"/>
-              </a:rPr>
-              <a:t>bevatten </a:t>
-            </a:r>
-            <a:r>
-              <a:rPr lang="nl-BE" sz="2800" b="1" dirty="0" smtClean="0">
-                <a:latin typeface="Sitka Display" pitchFamily="2" charset="0"/>
-              </a:rPr>
-              <a:t>services</a:t>
-            </a:r>
-            <a:r>
-              <a:rPr lang="nl-BE" sz="2800" dirty="0" smtClean="0">
-                <a:latin typeface="Sitka Display" pitchFamily="2" charset="0"/>
-              </a:rPr>
-              <a:t>.</a:t>
-            </a:r>
-          </a:p>
-          <a:p>
-            <a:pPr marL="0" indent="0">
-              <a:buNone/>
-            </a:pPr>
-            <a:endParaRPr lang="nl-BE" sz="2800" dirty="0"/>
-          </a:p>
-          <a:p>
-            <a:pPr marL="0" indent="0">
-              <a:buNone/>
-            </a:pPr>
-            <a:r>
-              <a:rPr lang="nl-BE" sz="2800" b="1" cap="small" dirty="0" smtClean="0">
-                <a:latin typeface="Sitka Display" pitchFamily="2" charset="0"/>
-              </a:rPr>
-              <a:t>UserService</a:t>
-            </a:r>
-            <a:r>
-              <a:rPr lang="nl-BE" sz="2400" b="1" cap="small" dirty="0" smtClean="0">
-                <a:latin typeface="Sitka Display" pitchFamily="2" charset="0"/>
-              </a:rPr>
-              <a:t>:</a:t>
-            </a:r>
-          </a:p>
-          <a:p>
-            <a:r>
-              <a:rPr lang="nl-BE" sz="2800" dirty="0" smtClean="0">
-                <a:latin typeface="Sitka Display" pitchFamily="2" charset="0"/>
-              </a:rPr>
-              <a:t>Bevat </a:t>
-            </a:r>
-            <a:r>
-              <a:rPr lang="nl-BE" sz="2800" dirty="0" err="1" smtClean="0">
-                <a:latin typeface="Sitka Display" pitchFamily="2" charset="0"/>
-              </a:rPr>
-              <a:t>creator</a:t>
-            </a:r>
-            <a:r>
-              <a:rPr lang="nl-BE" sz="2800" dirty="0" smtClean="0">
-                <a:latin typeface="Sitka Display" pitchFamily="2" charset="0"/>
-              </a:rPr>
-              <a:t> voor users</a:t>
-            </a:r>
-          </a:p>
-          <a:p>
-            <a:pPr lvl="1"/>
-            <a:r>
-              <a:rPr lang="nl-BE" sz="2400" dirty="0" smtClean="0">
-                <a:latin typeface="Sitka Display" pitchFamily="2" charset="0"/>
-              </a:rPr>
-              <a:t>Controle op unieke username</a:t>
-            </a:r>
-          </a:p>
-          <a:p>
-            <a:pPr lvl="1"/>
-            <a:r>
-              <a:rPr lang="nl-BE" sz="2400" dirty="0" smtClean="0">
-                <a:latin typeface="Sitka Display" pitchFamily="2" charset="0"/>
-              </a:rPr>
-              <a:t>Bevat default </a:t>
-            </a:r>
-            <a:r>
-              <a:rPr lang="nl-BE" sz="2400" dirty="0" err="1" smtClean="0">
-                <a:latin typeface="Sitka Display" pitchFamily="2" charset="0"/>
-              </a:rPr>
-              <a:t>constructor</a:t>
-            </a:r>
-            <a:endParaRPr lang="nl-BE" sz="2400" dirty="0" smtClean="0">
-              <a:latin typeface="Sitka Display" pitchFamily="2" charset="0"/>
-            </a:endParaRPr>
-          </a:p>
-          <a:p>
-            <a:pPr marL="0" indent="0">
-              <a:buNone/>
-            </a:pPr>
-            <a:endParaRPr lang="nl-BE" sz="2800" dirty="0"/>
-          </a:p>
-        </p:txBody>
-      </p:sp>
-      <p:pic>
-        <p:nvPicPr>
-          <p:cNvPr id="1026" name="Picture 2" descr="C:\Users\Laurens\Documents\IntelliJ Projects\SWOP2016\presentatie\Diagram Images\Puntje 2\UserService.png"/>
-          <p:cNvPicPr>
-            <a:picLocks noChangeAspect="1" noChangeArrowheads="1"/>
-          </p:cNvPicPr>
-          <p:nvPr/>
-        </p:nvPicPr>
-        <p:blipFill>
-          <a:blip r:embed="rId2" cstate="print">
-            <a:clrChange>
-              <a:clrFrom>
-                <a:srgbClr val="FFFFFF"/>
-              </a:clrFrom>
-              <a:clrTo>
-                <a:srgbClr val="FFFFFF">
-                  <a:alpha val="0"/>
-                </a:srgbClr>
-              </a:clrTo>
-            </a:clrChange>
-            <a:extLst>
-              <a:ext uri="{28A0092B-C50C-407E-A947-70E740481C1C}">
-                <a14:useLocalDpi xmlns:a14="http://schemas.microsoft.com/office/drawing/2010/main" val="0"/>
-              </a:ext>
-            </a:extLst>
-          </a:blip>
-          <a:srcRect/>
-          <a:stretch>
-            <a:fillRect/>
-          </a:stretch>
-        </p:blipFill>
-        <p:spPr bwMode="auto">
-          <a:xfrm>
-            <a:off x="6353200" y="1556792"/>
-            <a:ext cx="1675184" cy="4248808"/>
-          </a:xfrm>
-          <a:prstGeom prst="rect">
-            <a:avLst/>
-          </a:prstGeom>
-          <a:noFill/>
-          <a:extLst>
-            <a:ext uri="{909E8E84-426E-40DD-AFC4-6F175D3DCCD1}">
-              <a14:hiddenFill xmlns:a14="http://schemas.microsoft.com/office/drawing/2010/main">
-                <a:solidFill>
-                  <a:srgbClr val="FFFFFF"/>
-                </a:solidFill>
-              </a14:hiddenFill>
-            </a:ext>
-          </a:extLst>
-        </p:spPr>
-      </p:pic>
+            <a:endParaRPr lang="nl-BE"/>
+          </a:p>
+        </p:txBody>
+      </p:sp>
     </p:spTree>
     <p:extLst>
       <p:ext uri="{BB962C8B-B14F-4D97-AF65-F5344CB8AC3E}">
-        <p14:creationId xmlns:p14="http://schemas.microsoft.com/office/powerpoint/2010/main" val="983478496"/>
+        <p14:creationId xmlns:p14="http://schemas.microsoft.com/office/powerpoint/2010/main" val="378156031"/>
       </p:ext>
     </p:extLst>
   </p:cSld>
@@ -7707,13 +6562,6 @@
   <p:transition>
     <p:fade/>
   </p:transition>
-  <p:timing>
-    <p:tnLst>
-      <p:par>
-        <p:cTn id="1" dur="indefinite" restart="never" nodeType="tmRoot"/>
-      </p:par>
-    </p:tnLst>
-  </p:timing>
 </p:sld>
 </file>
 
@@ -7734,61 +6582,52 @@
           <a:chExt cx="0" cy="0"/>
         </a:xfrm>
       </p:grpSpPr>
-      <p:pic>
-        <p:nvPicPr>
-          <p:cNvPr id="1026" name="Picture 2" descr="C:\Users\Laurens\Documents\IntelliJ Projects\SWOP2016\diagrams\sequence diagrams\SWOP1 Use Case 2.png"/>
-          <p:cNvPicPr>
-            <a:picLocks noChangeAspect="1" noChangeArrowheads="1"/>
-          </p:cNvPicPr>
-          <p:nvPr/>
-        </p:nvPicPr>
-        <p:blipFill>
-          <a:blip r:embed="rId2" cstate="print">
-            <a:clrChange>
-              <a:clrFrom>
-                <a:srgbClr val="FFFFFF"/>
-              </a:clrFrom>
-              <a:clrTo>
-                <a:srgbClr val="FFFFFF">
-                  <a:alpha val="0"/>
-                </a:srgbClr>
-              </a:clrTo>
-            </a:clrChange>
-            <a:extLst>
-              <a:ext uri="{28A0092B-C50C-407E-A947-70E740481C1C}">
-                <a14:useLocalDpi xmlns:a14="http://schemas.microsoft.com/office/drawing/2010/main" val="0"/>
-              </a:ext>
-            </a:extLst>
-          </a:blip>
-          <a:srcRect/>
-          <a:stretch>
-            <a:fillRect/>
-          </a:stretch>
-        </p:blipFill>
-        <p:spPr bwMode="auto">
-          <a:xfrm>
-            <a:off x="0" y="188640"/>
-            <a:ext cx="9144000" cy="6442843"/>
-          </a:xfrm>
-          <a:prstGeom prst="rect">
-            <a:avLst/>
-          </a:prstGeom>
-          <a:noFill/>
-          <a:extLst>
-            <a:ext uri="{909E8E84-426E-40DD-AFC4-6F175D3DCCD1}">
-              <a14:hiddenFill xmlns:a14="http://schemas.microsoft.com/office/drawing/2010/main">
-                <a:solidFill>
-                  <a:srgbClr val="FFFFFF"/>
-                </a:solidFill>
-              </a14:hiddenFill>
-            </a:ext>
-          </a:extLst>
-        </p:spPr>
-      </p:pic>
+      <p:sp>
+        <p:nvSpPr>
+          <p:cNvPr id="2" name="Titel 1"/>
+          <p:cNvSpPr>
+            <a:spLocks noGrp="1"/>
+          </p:cNvSpPr>
+          <p:nvPr>
+            <p:ph type="title"/>
+          </p:nvPr>
+        </p:nvSpPr>
+        <p:spPr/>
+        <p:txBody>
+          <a:bodyPr/>
+          <a:lstStyle/>
+          <a:p>
+            <a:r>
+              <a:rPr lang="nl-BE" dirty="0" smtClean="0"/>
+              <a:t>Uitleg memento</a:t>
+            </a:r>
+            <a:endParaRPr lang="nl-BE" dirty="0"/>
+          </a:p>
+        </p:txBody>
+      </p:sp>
+      <p:sp>
+        <p:nvSpPr>
+          <p:cNvPr id="3" name="Tijdelijke aanduiding voor inhoud 2"/>
+          <p:cNvSpPr>
+            <a:spLocks noGrp="1"/>
+          </p:cNvSpPr>
+          <p:nvPr>
+            <p:ph idx="1"/>
+          </p:nvPr>
+        </p:nvSpPr>
+        <p:spPr/>
+        <p:txBody>
+          <a:bodyPr/>
+          <a:lstStyle/>
+          <a:p>
+            <a:endParaRPr lang="nl-BE"/>
+          </a:p>
+        </p:txBody>
+      </p:sp>
     </p:spTree>
     <p:extLst>
       <p:ext uri="{BB962C8B-B14F-4D97-AF65-F5344CB8AC3E}">
-        <p14:creationId xmlns:p14="http://schemas.microsoft.com/office/powerpoint/2010/main" val="3099093902"/>
+        <p14:creationId xmlns:p14="http://schemas.microsoft.com/office/powerpoint/2010/main" val="1968202226"/>
       </p:ext>
     </p:extLst>
   </p:cSld>
@@ -7798,13 +6637,6 @@
   <p:transition>
     <p:fade/>
   </p:transition>
-  <p:timing>
-    <p:tnLst>
-      <p:par>
-        <p:cTn id="1" dur="indefinite" restart="never" nodeType="tmRoot"/>
-      </p:par>
-    </p:tnLst>
-  </p:timing>
 </p:sld>
 </file>
 
@@ -7837,201 +6669,44 @@
         </p:nvSpPr>
         <p:spPr/>
         <p:txBody>
-          <a:bodyPr>
-            <a:normAutofit/>
-          </a:bodyPr>
+          <a:bodyPr/>
           <a:lstStyle/>
           <a:p>
             <a:r>
-              <a:rPr lang="nl-BE" sz="3600" cap="small" dirty="0" err="1" smtClean="0">
-                <a:ln w="18415" cmpd="sng">
-                  <a:solidFill>
-                    <a:schemeClr val="tx1">
-                      <a:alpha val="0"/>
-                    </a:schemeClr>
-                  </a:solidFill>
-                  <a:prstDash val="solid"/>
-                </a:ln>
-                <a:effectLst>
-                  <a:outerShdw blurRad="25400" dir="3600000" algn="tl" rotWithShape="0">
-                    <a:srgbClr val="000000">
-                      <a:alpha val="70000"/>
-                    </a:srgbClr>
-                  </a:outerShdw>
-                </a:effectLst>
-                <a:latin typeface="Sitka Text" pitchFamily="2" charset="0"/>
-              </a:rPr>
-              <a:t>BugReportService</a:t>
-            </a:r>
-            <a:r>
-              <a:rPr lang="nl-BE" sz="3600" cap="small" dirty="0" smtClean="0">
-                <a:ln w="18415" cmpd="sng">
-                  <a:solidFill>
-                    <a:schemeClr val="tx1">
-                      <a:alpha val="0"/>
-                    </a:schemeClr>
-                  </a:solidFill>
-                  <a:prstDash val="solid"/>
-                </a:ln>
-                <a:effectLst>
-                  <a:outerShdw blurRad="25400" dir="3600000" algn="tl" rotWithShape="0">
-                    <a:srgbClr val="000000">
-                      <a:alpha val="70000"/>
-                    </a:srgbClr>
-                  </a:outerShdw>
-                </a:effectLst>
-                <a:latin typeface="Sitka Text" pitchFamily="2" charset="0"/>
-              </a:rPr>
-              <a:t> &amp; </a:t>
-            </a:r>
-            <a:r>
-              <a:rPr lang="nl-BE" sz="3600" cap="small" dirty="0" err="1" smtClean="0">
-                <a:ln w="18415" cmpd="sng">
-                  <a:solidFill>
-                    <a:schemeClr val="tx1">
-                      <a:alpha val="0"/>
-                    </a:schemeClr>
-                  </a:solidFill>
-                  <a:prstDash val="solid"/>
-                </a:ln>
-                <a:effectLst>
-                  <a:outerShdw blurRad="25400" dir="3600000" algn="tl" rotWithShape="0">
-                    <a:srgbClr val="000000">
-                      <a:alpha val="70000"/>
-                    </a:srgbClr>
-                  </a:outerShdw>
-                </a:effectLst>
-                <a:latin typeface="Sitka Text" pitchFamily="2" charset="0"/>
-              </a:rPr>
-              <a:t>ProjectService</a:t>
-            </a:r>
-            <a:endParaRPr lang="nl-BE" sz="3600" cap="small" dirty="0">
-              <a:ln w="18415" cmpd="sng">
-                <a:solidFill>
-                  <a:schemeClr val="tx1">
-                    <a:alpha val="0"/>
-                  </a:schemeClr>
-                </a:solidFill>
-                <a:prstDash val="solid"/>
-              </a:ln>
-              <a:effectLst>
-                <a:outerShdw blurRad="25400" dir="3600000" algn="tl" rotWithShape="0">
-                  <a:srgbClr val="000000">
-                    <a:alpha val="70000"/>
-                  </a:srgbClr>
-                </a:outerShdw>
-              </a:effectLst>
-              <a:latin typeface="Sitka Text" pitchFamily="2" charset="0"/>
-            </a:endParaRPr>
-          </a:p>
-        </p:txBody>
-      </p:sp>
-      <p:pic>
-        <p:nvPicPr>
-          <p:cNvPr id="2050" name="Picture 2" descr="C:\Users\Laurens\Documents\IntelliJ Projects\SWOP2016\presentatie\Diagram Images\Puntje 2\BugReportServices.png"/>
-          <p:cNvPicPr>
-            <a:picLocks noChangeAspect="1" noChangeArrowheads="1"/>
-          </p:cNvPicPr>
-          <p:nvPr/>
-        </p:nvPicPr>
-        <p:blipFill>
-          <a:blip r:embed="rId2" cstate="print">
-            <a:clrChange>
-              <a:clrFrom>
-                <a:srgbClr val="FFFFFF"/>
-              </a:clrFrom>
-              <a:clrTo>
-                <a:srgbClr val="FFFFFF">
-                  <a:alpha val="0"/>
-                </a:srgbClr>
-              </a:clrTo>
-            </a:clrChange>
-            <a:extLst>
-              <a:ext uri="{28A0092B-C50C-407E-A947-70E740481C1C}">
-                <a14:useLocalDpi xmlns:a14="http://schemas.microsoft.com/office/drawing/2010/main" val="0"/>
-              </a:ext>
-            </a:extLst>
-          </a:blip>
-          <a:srcRect/>
-          <a:stretch>
-            <a:fillRect/>
-          </a:stretch>
-        </p:blipFill>
-        <p:spPr bwMode="auto">
-          <a:xfrm>
-            <a:off x="4355976" y="1161278"/>
-            <a:ext cx="4788024" cy="5662376"/>
-          </a:xfrm>
-          <a:prstGeom prst="rect">
-            <a:avLst/>
-          </a:prstGeom>
-          <a:noFill/>
-          <a:extLst>
-            <a:ext uri="{909E8E84-426E-40DD-AFC4-6F175D3DCCD1}">
-              <a14:hiddenFill xmlns:a14="http://schemas.microsoft.com/office/drawing/2010/main">
-                <a:solidFill>
-                  <a:srgbClr val="FFFFFF"/>
-                </a:solidFill>
-              </a14:hiddenFill>
-            </a:ext>
-          </a:extLst>
-        </p:spPr>
-      </p:pic>
-      <p:pic>
-        <p:nvPicPr>
-          <p:cNvPr id="2052" name="Picture 4" descr="C:\Users\Laurens\Documents\IntelliJ Projects\SWOP2016\presentatie\Diagram Images\Puntje 2\ProjectService.png"/>
-          <p:cNvPicPr>
-            <a:picLocks noChangeAspect="1" noChangeArrowheads="1"/>
-          </p:cNvPicPr>
-          <p:nvPr/>
-        </p:nvPicPr>
-        <p:blipFill>
-          <a:blip r:embed="rId3" cstate="print">
-            <a:clrChange>
-              <a:clrFrom>
-                <a:srgbClr val="FFFFFF"/>
-              </a:clrFrom>
-              <a:clrTo>
-                <a:srgbClr val="FFFFFF">
-                  <a:alpha val="0"/>
-                </a:srgbClr>
-              </a:clrTo>
-            </a:clrChange>
-            <a:extLst>
-              <a:ext uri="{28A0092B-C50C-407E-A947-70E740481C1C}">
-                <a14:useLocalDpi xmlns:a14="http://schemas.microsoft.com/office/drawing/2010/main" val="0"/>
-              </a:ext>
-            </a:extLst>
-          </a:blip>
-          <a:srcRect/>
-          <a:stretch>
-            <a:fillRect/>
-          </a:stretch>
-        </p:blipFill>
-        <p:spPr bwMode="auto">
-          <a:xfrm>
-            <a:off x="0" y="1233488"/>
-            <a:ext cx="3317875" cy="5624512"/>
-          </a:xfrm>
-          <a:prstGeom prst="rect">
-            <a:avLst/>
-          </a:prstGeom>
-          <a:noFill/>
-          <a:extLst>
-            <a:ext uri="{909E8E84-426E-40DD-AFC4-6F175D3DCCD1}">
-              <a14:hiddenFill xmlns:a14="http://schemas.microsoft.com/office/drawing/2010/main">
-                <a:solidFill>
-                  <a:srgbClr val="FFFFFF"/>
-                </a:solidFill>
-              </a14:hiddenFill>
-            </a:ext>
-          </a:extLst>
-        </p:spPr>
-      </p:pic>
+              <a:rPr lang="nl-BE" dirty="0" smtClean="0"/>
+              <a:t>Uitleg </a:t>
+            </a:r>
+            <a:r>
+              <a:rPr lang="nl-BE" dirty="0" err="1" smtClean="0"/>
+              <a:t>Observer</a:t>
+            </a:r>
+            <a:endParaRPr lang="nl-BE" dirty="0"/>
+          </a:p>
+        </p:txBody>
+      </p:sp>
+      <p:sp>
+        <p:nvSpPr>
+          <p:cNvPr id="3" name="Tijdelijke aanduiding voor inhoud 2"/>
+          <p:cNvSpPr>
+            <a:spLocks noGrp="1"/>
+          </p:cNvSpPr>
+          <p:nvPr>
+            <p:ph idx="1"/>
+          </p:nvPr>
+        </p:nvSpPr>
+        <p:spPr/>
+        <p:txBody>
+          <a:bodyPr/>
+          <a:lstStyle/>
+          <a:p>
+            <a:endParaRPr lang="nl-BE"/>
+          </a:p>
+        </p:txBody>
+      </p:sp>
     </p:spTree>
     <p:extLst>
       <p:ext uri="{BB962C8B-B14F-4D97-AF65-F5344CB8AC3E}">
-        <p14:creationId xmlns:p14="http://schemas.microsoft.com/office/powerpoint/2010/main" val="2616626412"/>
+        <p14:creationId xmlns:p14="http://schemas.microsoft.com/office/powerpoint/2010/main" val="1319242908"/>
       </p:ext>
     </p:extLst>
   </p:cSld>
@@ -8041,13 +6716,6 @@
   <p:transition>
     <p:fade/>
   </p:transition>
-  <p:timing>
-    <p:tnLst>
-      <p:par>
-        <p:cTn id="1" dur="indefinite" restart="never" nodeType="tmRoot"/>
-      </p:par>
-    </p:tnLst>
-  </p:timing>
 </p:sld>
 </file>
 
@@ -8068,108 +6736,211 @@
           <a:chExt cx="0" cy="0"/>
         </a:xfrm>
       </p:grpSpPr>
-      <p:pic>
-        <p:nvPicPr>
-          <p:cNvPr id="2050" name="Picture 2" descr="C:\Users\Laurens\Documents\IntelliJ Projects\SWOP2016\diagrams\sequence diagrams\SWOP1 Use Case 7.png"/>
-          <p:cNvPicPr>
-            <a:picLocks noChangeAspect="1" noChangeArrowheads="1"/>
-          </p:cNvPicPr>
-          <p:nvPr/>
-        </p:nvPicPr>
-        <p:blipFill rotWithShape="1">
-          <a:blip r:embed="rId2" cstate="print">
-            <a:clrChange>
-              <a:clrFrom>
-                <a:srgbClr val="FFFFFF"/>
-              </a:clrFrom>
-              <a:clrTo>
-                <a:srgbClr val="FFFFFF">
-                  <a:alpha val="0"/>
-                </a:srgbClr>
-              </a:clrTo>
-            </a:clrChange>
-            <a:extLst>
-              <a:ext uri="{28A0092B-C50C-407E-A947-70E740481C1C}">
-                <a14:useLocalDpi xmlns:a14="http://schemas.microsoft.com/office/drawing/2010/main" val="0"/>
-              </a:ext>
-            </a:extLst>
-          </a:blip>
-          <a:srcRect t="38731" b="23368"/>
-          <a:stretch/>
-        </p:blipFill>
-        <p:spPr bwMode="auto">
+      <p:sp>
+        <p:nvSpPr>
+          <p:cNvPr id="2" name="Titel 1"/>
+          <p:cNvSpPr>
+            <a:spLocks noGrp="1"/>
+          </p:cNvSpPr>
+          <p:nvPr>
+            <p:ph type="title"/>
+          </p:nvPr>
+        </p:nvSpPr>
+        <p:spPr/>
+        <p:txBody>
+          <a:bodyPr>
+            <a:normAutofit/>
+          </a:bodyPr>
+          <a:lstStyle/>
+          <a:p>
+            <a:r>
+              <a:rPr lang="nl-BE" sz="3600" cap="small" dirty="0" err="1" smtClean="0">
+                <a:ln w="18415" cmpd="sng">
+                  <a:solidFill>
+                    <a:schemeClr val="tx1">
+                      <a:alpha val="0"/>
+                    </a:schemeClr>
+                  </a:solidFill>
+                  <a:prstDash val="solid"/>
+                </a:ln>
+                <a:effectLst>
+                  <a:outerShdw blurRad="25400" dir="3600000" algn="tl" rotWithShape="0">
+                    <a:srgbClr val="000000">
+                      <a:alpha val="70000"/>
+                    </a:srgbClr>
+                  </a:outerShdw>
+                </a:effectLst>
+                <a:latin typeface="Sitka Text" pitchFamily="2" charset="0"/>
+              </a:rPr>
+              <a:t>Extensibility</a:t>
+            </a:r>
+            <a:r>
+              <a:rPr lang="nl-BE" sz="3600" cap="small" dirty="0" smtClean="0">
+                <a:ln w="18415" cmpd="sng">
+                  <a:solidFill>
+                    <a:schemeClr val="tx1">
+                      <a:alpha val="0"/>
+                    </a:schemeClr>
+                  </a:solidFill>
+                  <a:prstDash val="solid"/>
+                </a:ln>
+                <a:effectLst>
+                  <a:outerShdw blurRad="25400" dir="3600000" algn="tl" rotWithShape="0">
+                    <a:srgbClr val="000000">
+                      <a:alpha val="70000"/>
+                    </a:srgbClr>
+                  </a:outerShdw>
+                </a:effectLst>
+                <a:latin typeface="Sitka Text" pitchFamily="2" charset="0"/>
+              </a:rPr>
+              <a:t> of system: </a:t>
+            </a:r>
+            <a:r>
+              <a:rPr lang="nl-BE" sz="3600" cap="small" dirty="0" smtClean="0">
+                <a:ln w="18415" cmpd="sng">
+                  <a:solidFill>
+                    <a:schemeClr val="tx1">
+                      <a:alpha val="0"/>
+                    </a:schemeClr>
+                  </a:solidFill>
+                  <a:prstDash val="solid"/>
+                </a:ln>
+                <a:effectLst>
+                  <a:outerShdw blurRad="25400" dir="3600000" algn="tl" rotWithShape="0">
+                    <a:srgbClr val="000000">
+                      <a:alpha val="70000"/>
+                    </a:srgbClr>
+                  </a:outerShdw>
+                </a:effectLst>
+                <a:latin typeface="Sitka Text" pitchFamily="2" charset="0"/>
+              </a:rPr>
+              <a:t>USE CASES ZIJN AWESOME</a:t>
+            </a:r>
+            <a:endParaRPr lang="nl-BE" sz="3600" cap="small" dirty="0">
+              <a:ln w="18415" cmpd="sng">
+                <a:solidFill>
+                  <a:schemeClr val="tx1">
+                    <a:alpha val="0"/>
+                  </a:schemeClr>
+                </a:solidFill>
+                <a:prstDash val="solid"/>
+              </a:ln>
+              <a:effectLst>
+                <a:outerShdw blurRad="25400" dir="3600000" algn="tl" rotWithShape="0">
+                  <a:srgbClr val="000000">
+                    <a:alpha val="70000"/>
+                  </a:srgbClr>
+                </a:outerShdw>
+              </a:effectLst>
+              <a:latin typeface="Sitka Text" pitchFamily="2" charset="0"/>
+            </a:endParaRPr>
+          </a:p>
+        </p:txBody>
+      </p:sp>
+      <p:sp>
+        <p:nvSpPr>
+          <p:cNvPr id="3" name="Tijdelijke aanduiding voor inhoud 2"/>
+          <p:cNvSpPr>
+            <a:spLocks noGrp="1"/>
+          </p:cNvSpPr>
+          <p:nvPr>
+            <p:ph idx="1"/>
+          </p:nvPr>
+        </p:nvSpPr>
+        <p:spPr>
           <a:xfrm>
-            <a:off x="323528" y="763861"/>
-            <a:ext cx="8437563" cy="5905499"/>
+            <a:off x="539552" y="1844824"/>
+            <a:ext cx="8229600" cy="4525963"/>
           </a:xfrm>
-          <a:prstGeom prst="rect">
-            <a:avLst/>
-          </a:prstGeom>
-          <a:noFill/>
-          <a:extLst>
-            <a:ext uri="{909E8E84-426E-40DD-AFC4-6F175D3DCCD1}">
-              <a14:hiddenFill xmlns:a14="http://schemas.microsoft.com/office/drawing/2010/main">
-                <a:solidFill>
-                  <a:srgbClr val="FFFFFF"/>
-                </a:solidFill>
-              </a14:hiddenFill>
-            </a:ext>
-          </a:extLst>
         </p:spPr>
-      </p:pic>
-      <p:pic>
-        <p:nvPicPr>
-          <p:cNvPr id="2051" name="Picture 3" descr="C:\Users\Laurens\Documents\IntelliJ Projects\SWOP2016\diagrams\sequence diagrams\SWOP1 Use Case 7.png"/>
-          <p:cNvPicPr>
-            <a:picLocks noChangeAspect="1" noChangeArrowheads="1"/>
-          </p:cNvPicPr>
-          <p:nvPr/>
-        </p:nvPicPr>
-        <p:blipFill rotWithShape="1">
-          <a:blip r:embed="rId2" cstate="print">
-            <a:clrChange>
-              <a:clrFrom>
-                <a:srgbClr val="FFFFFF"/>
-              </a:clrFrom>
-              <a:clrTo>
-                <a:srgbClr val="FFFFFF">
-                  <a:alpha val="0"/>
-                </a:srgbClr>
-              </a:clrTo>
-            </a:clrChange>
-            <a:extLst>
-              <a:ext uri="{28A0092B-C50C-407E-A947-70E740481C1C}">
-                <a14:useLocalDpi xmlns:a14="http://schemas.microsoft.com/office/drawing/2010/main" val="0"/>
-              </a:ext>
-            </a:extLst>
-          </a:blip>
-          <a:srcRect b="96726"/>
-          <a:stretch/>
-        </p:blipFill>
-        <p:spPr bwMode="auto">
-          <a:xfrm>
-            <a:off x="323526" y="260648"/>
-            <a:ext cx="8437563" cy="510108"/>
-          </a:xfrm>
-          <a:prstGeom prst="rect">
-            <a:avLst/>
-          </a:prstGeom>
-          <a:noFill/>
-          <a:extLst>
-            <a:ext uri="{909E8E84-426E-40DD-AFC4-6F175D3DCCD1}">
-              <a14:hiddenFill xmlns:a14="http://schemas.microsoft.com/office/drawing/2010/main">
-                <a:solidFill>
-                  <a:srgbClr val="FFFFFF"/>
-                </a:solidFill>
-              </a14:hiddenFill>
-            </a:ext>
-          </a:extLst>
-        </p:spPr>
-      </p:pic>
+        <p:txBody>
+          <a:bodyPr>
+            <a:normAutofit/>
+          </a:bodyPr>
+          <a:lstStyle/>
+          <a:p>
+            <a:r>
+              <a:rPr lang="nl-BE" sz="2400" dirty="0" smtClean="0">
+                <a:latin typeface="Sitka Display" pitchFamily="2" charset="0"/>
+              </a:rPr>
+              <a:t>Flexibel toevoegen van </a:t>
+            </a:r>
+            <a:r>
+              <a:rPr lang="nl-BE" sz="2400" dirty="0" err="1" smtClean="0">
+                <a:latin typeface="Sitka Display" pitchFamily="2" charset="0"/>
+              </a:rPr>
+              <a:t>use</a:t>
+            </a:r>
+            <a:r>
+              <a:rPr lang="nl-BE" sz="2400" dirty="0" smtClean="0">
+                <a:latin typeface="Sitka Display" pitchFamily="2" charset="0"/>
+              </a:rPr>
+              <a:t> cases</a:t>
+            </a:r>
+          </a:p>
+          <a:p>
+            <a:r>
+              <a:rPr lang="nl-BE" sz="2400" dirty="0" smtClean="0">
+                <a:latin typeface="Sitka Display" pitchFamily="2" charset="0"/>
+              </a:rPr>
+              <a:t>User type toevoegen gaat eenvoudig</a:t>
+            </a:r>
+          </a:p>
+          <a:p>
+            <a:r>
+              <a:rPr lang="nl-BE" sz="2400" dirty="0" smtClean="0">
+                <a:latin typeface="Sitka Display" pitchFamily="2" charset="0"/>
+              </a:rPr>
+              <a:t>UI is onafhankelijk van </a:t>
+            </a:r>
+            <a:r>
+              <a:rPr lang="nl-BE" sz="2400" dirty="0" err="1" smtClean="0">
+                <a:latin typeface="Sitka Display" pitchFamily="2" charset="0"/>
+              </a:rPr>
+              <a:t>domeinlaag</a:t>
+            </a:r>
+            <a:endParaRPr lang="nl-BE" sz="2400" dirty="0" smtClean="0">
+              <a:latin typeface="Sitka Display" pitchFamily="2" charset="0"/>
+            </a:endParaRPr>
+          </a:p>
+          <a:p>
+            <a:r>
+              <a:rPr lang="nl-BE" sz="2400" dirty="0" smtClean="0">
+                <a:latin typeface="Sitka Display" pitchFamily="2" charset="0"/>
+              </a:rPr>
+              <a:t>Interface voor initializer maakt nieuwe beginsituaties eenvoudig te implementeren</a:t>
+            </a:r>
+          </a:p>
+          <a:p>
+            <a:r>
+              <a:rPr lang="nl-BE" sz="2400" dirty="0" smtClean="0">
+                <a:latin typeface="Sitka Display" pitchFamily="2" charset="0"/>
+              </a:rPr>
+              <a:t>Eenvoudig om nieuwe tags toe te voegen</a:t>
+            </a:r>
+          </a:p>
+          <a:p>
+            <a:r>
+              <a:rPr lang="nl-BE" sz="2400" dirty="0" smtClean="0">
+                <a:latin typeface="Sitka Display" pitchFamily="2" charset="0"/>
+              </a:rPr>
+              <a:t>Subsystems en Bugreports zijn onafhankelijk van Projects</a:t>
+            </a:r>
+          </a:p>
+          <a:p>
+            <a:endParaRPr lang="nl-BE" sz="2400" dirty="0" smtClean="0">
+              <a:latin typeface="Sitka Display" pitchFamily="2" charset="0"/>
+            </a:endParaRPr>
+          </a:p>
+          <a:p>
+            <a:endParaRPr lang="nl-BE" sz="2400" dirty="0"/>
+          </a:p>
+        </p:txBody>
+      </p:sp>
     </p:spTree>
     <p:extLst>
       <p:ext uri="{BB962C8B-B14F-4D97-AF65-F5344CB8AC3E}">
-        <p14:creationId xmlns:p14="http://schemas.microsoft.com/office/powerpoint/2010/main" val="4023666941"/>
+        <p14:creationId xmlns:p14="http://schemas.microsoft.com/office/powerpoint/2010/main" val="2444210159"/>
       </p:ext>
     </p:extLst>
   </p:cSld>

--- a/Presentaties/Iteratie 2/SWOP Presentatie 2 Inhoud.pptx
+++ b/Presentaties/Iteratie 2/SWOP Presentatie 2 Inhoud.pptx
@@ -120,7 +120,7 @@
   </p:defaultTextStyle>
   <p:extLst>
     <p:ext uri="{EFAFB233-063F-42B5-8137-9DF3F51BA10A}">
-      <p15:sldGuideLst xmlns:p15="http://schemas.microsoft.com/office/powerpoint/2012/main" xmlns="">
+      <p15:sldGuideLst xmlns="" xmlns:p15="http://schemas.microsoft.com/office/powerpoint/2012/main">
         <p15:guide id="1" orient="horz" pos="2160">
           <p15:clr>
             <a:srgbClr val="A4A3A4"/>
@@ -362,7 +362,7 @@
             <a:fld id="{91663F60-0288-4BD7-9F87-79CFFEA98662}" type="slidenum">
               <a:rPr lang="nl-BE" smtClean="0"/>
               <a:pPr/>
-              <a:t>‹nr.›</a:t>
+              <a:t>‹Nr.›</a:t>
             </a:fld>
             <a:endParaRPr lang="nl-BE"/>
           </a:p>
@@ -371,7 +371,7 @@
     </p:spTree>
     <p:extLst>
       <p:ext uri="{BB962C8B-B14F-4D97-AF65-F5344CB8AC3E}">
-        <p14:creationId xmlns:p14="http://schemas.microsoft.com/office/powerpoint/2010/main" val="3963083300"/>
+        <p14:creationId xmlns:p14="http://schemas.microsoft.com/office/powerpoint/2010/main" xmlns="" val="3963083300"/>
       </p:ext>
     </p:extLst>
   </p:cSld>
@@ -537,7 +537,7 @@
             <a:fld id="{91663F60-0288-4BD7-9F87-79CFFEA98662}" type="slidenum">
               <a:rPr lang="nl-BE" smtClean="0"/>
               <a:pPr/>
-              <a:t>‹nr.›</a:t>
+              <a:t>‹Nr.›</a:t>
             </a:fld>
             <a:endParaRPr lang="nl-BE"/>
           </a:p>
@@ -546,7 +546,7 @@
     </p:spTree>
     <p:extLst>
       <p:ext uri="{BB962C8B-B14F-4D97-AF65-F5344CB8AC3E}">
-        <p14:creationId xmlns:p14="http://schemas.microsoft.com/office/powerpoint/2010/main" val="1367293728"/>
+        <p14:creationId xmlns:p14="http://schemas.microsoft.com/office/powerpoint/2010/main" xmlns="" val="1367293728"/>
       </p:ext>
     </p:extLst>
   </p:cSld>
@@ -722,7 +722,7 @@
             <a:fld id="{91663F60-0288-4BD7-9F87-79CFFEA98662}" type="slidenum">
               <a:rPr lang="nl-BE" smtClean="0"/>
               <a:pPr/>
-              <a:t>‹nr.›</a:t>
+              <a:t>‹Nr.›</a:t>
             </a:fld>
             <a:endParaRPr lang="nl-BE"/>
           </a:p>
@@ -731,7 +731,7 @@
     </p:spTree>
     <p:extLst>
       <p:ext uri="{BB962C8B-B14F-4D97-AF65-F5344CB8AC3E}">
-        <p14:creationId xmlns:p14="http://schemas.microsoft.com/office/powerpoint/2010/main" val="3320721104"/>
+        <p14:creationId xmlns:p14="http://schemas.microsoft.com/office/powerpoint/2010/main" xmlns="" val="3320721104"/>
       </p:ext>
     </p:extLst>
   </p:cSld>
@@ -897,7 +897,7 @@
             <a:fld id="{91663F60-0288-4BD7-9F87-79CFFEA98662}" type="slidenum">
               <a:rPr lang="nl-BE" smtClean="0"/>
               <a:pPr/>
-              <a:t>‹nr.›</a:t>
+              <a:t>‹Nr.›</a:t>
             </a:fld>
             <a:endParaRPr lang="nl-BE"/>
           </a:p>
@@ -906,7 +906,7 @@
     </p:spTree>
     <p:extLst>
       <p:ext uri="{BB962C8B-B14F-4D97-AF65-F5344CB8AC3E}">
-        <p14:creationId xmlns:p14="http://schemas.microsoft.com/office/powerpoint/2010/main" val="1971972017"/>
+        <p14:creationId xmlns:p14="http://schemas.microsoft.com/office/powerpoint/2010/main" xmlns="" val="1971972017"/>
       </p:ext>
     </p:extLst>
   </p:cSld>
@@ -1148,7 +1148,7 @@
             <a:fld id="{91663F60-0288-4BD7-9F87-79CFFEA98662}" type="slidenum">
               <a:rPr lang="nl-BE" smtClean="0"/>
               <a:pPr/>
-              <a:t>‹nr.›</a:t>
+              <a:t>‹Nr.›</a:t>
             </a:fld>
             <a:endParaRPr lang="nl-BE"/>
           </a:p>
@@ -1157,7 +1157,7 @@
     </p:spTree>
     <p:extLst>
       <p:ext uri="{BB962C8B-B14F-4D97-AF65-F5344CB8AC3E}">
-        <p14:creationId xmlns:p14="http://schemas.microsoft.com/office/powerpoint/2010/main" val="1541596771"/>
+        <p14:creationId xmlns:p14="http://schemas.microsoft.com/office/powerpoint/2010/main" xmlns="" val="1541596771"/>
       </p:ext>
     </p:extLst>
   </p:cSld>
@@ -1441,7 +1441,7 @@
             <a:fld id="{91663F60-0288-4BD7-9F87-79CFFEA98662}" type="slidenum">
               <a:rPr lang="nl-BE" smtClean="0"/>
               <a:pPr/>
-              <a:t>‹nr.›</a:t>
+              <a:t>‹Nr.›</a:t>
             </a:fld>
             <a:endParaRPr lang="nl-BE"/>
           </a:p>
@@ -1450,7 +1450,7 @@
     </p:spTree>
     <p:extLst>
       <p:ext uri="{BB962C8B-B14F-4D97-AF65-F5344CB8AC3E}">
-        <p14:creationId xmlns:p14="http://schemas.microsoft.com/office/powerpoint/2010/main" val="1047982118"/>
+        <p14:creationId xmlns:p14="http://schemas.microsoft.com/office/powerpoint/2010/main" xmlns="" val="1047982118"/>
       </p:ext>
     </p:extLst>
   </p:cSld>
@@ -1868,7 +1868,7 @@
             <a:fld id="{91663F60-0288-4BD7-9F87-79CFFEA98662}" type="slidenum">
               <a:rPr lang="nl-BE" smtClean="0"/>
               <a:pPr/>
-              <a:t>‹nr.›</a:t>
+              <a:t>‹Nr.›</a:t>
             </a:fld>
             <a:endParaRPr lang="nl-BE"/>
           </a:p>
@@ -1877,7 +1877,7 @@
     </p:spTree>
     <p:extLst>
       <p:ext uri="{BB962C8B-B14F-4D97-AF65-F5344CB8AC3E}">
-        <p14:creationId xmlns:p14="http://schemas.microsoft.com/office/powerpoint/2010/main" val="2185725893"/>
+        <p14:creationId xmlns:p14="http://schemas.microsoft.com/office/powerpoint/2010/main" xmlns="" val="2185725893"/>
       </p:ext>
     </p:extLst>
   </p:cSld>
@@ -1991,7 +1991,7 @@
             <a:fld id="{91663F60-0288-4BD7-9F87-79CFFEA98662}" type="slidenum">
               <a:rPr lang="nl-BE" smtClean="0"/>
               <a:pPr/>
-              <a:t>‹nr.›</a:t>
+              <a:t>‹Nr.›</a:t>
             </a:fld>
             <a:endParaRPr lang="nl-BE"/>
           </a:p>
@@ -2000,7 +2000,7 @@
     </p:spTree>
     <p:extLst>
       <p:ext uri="{BB962C8B-B14F-4D97-AF65-F5344CB8AC3E}">
-        <p14:creationId xmlns:p14="http://schemas.microsoft.com/office/powerpoint/2010/main" val="1565659618"/>
+        <p14:creationId xmlns:p14="http://schemas.microsoft.com/office/powerpoint/2010/main" xmlns="" val="1565659618"/>
       </p:ext>
     </p:extLst>
   </p:cSld>
@@ -2091,7 +2091,7 @@
             <a:fld id="{91663F60-0288-4BD7-9F87-79CFFEA98662}" type="slidenum">
               <a:rPr lang="nl-BE" smtClean="0"/>
               <a:pPr/>
-              <a:t>‹nr.›</a:t>
+              <a:t>‹Nr.›</a:t>
             </a:fld>
             <a:endParaRPr lang="nl-BE"/>
           </a:p>
@@ -2100,7 +2100,7 @@
     </p:spTree>
     <p:extLst>
       <p:ext uri="{BB962C8B-B14F-4D97-AF65-F5344CB8AC3E}">
-        <p14:creationId xmlns:p14="http://schemas.microsoft.com/office/powerpoint/2010/main" val="2302775655"/>
+        <p14:creationId xmlns:p14="http://schemas.microsoft.com/office/powerpoint/2010/main" xmlns="" val="2302775655"/>
       </p:ext>
     </p:extLst>
   </p:cSld>
@@ -2373,7 +2373,7 @@
             <a:fld id="{91663F60-0288-4BD7-9F87-79CFFEA98662}" type="slidenum">
               <a:rPr lang="nl-BE" smtClean="0"/>
               <a:pPr/>
-              <a:t>‹nr.›</a:t>
+              <a:t>‹Nr.›</a:t>
             </a:fld>
             <a:endParaRPr lang="nl-BE"/>
           </a:p>
@@ -2382,7 +2382,7 @@
     </p:spTree>
     <p:extLst>
       <p:ext uri="{BB962C8B-B14F-4D97-AF65-F5344CB8AC3E}">
-        <p14:creationId xmlns:p14="http://schemas.microsoft.com/office/powerpoint/2010/main" val="2384358470"/>
+        <p14:creationId xmlns:p14="http://schemas.microsoft.com/office/powerpoint/2010/main" xmlns="" val="2384358470"/>
       </p:ext>
     </p:extLst>
   </p:cSld>
@@ -2631,7 +2631,7 @@
             <a:fld id="{91663F60-0288-4BD7-9F87-79CFFEA98662}" type="slidenum">
               <a:rPr lang="nl-BE" smtClean="0"/>
               <a:pPr/>
-              <a:t>‹nr.›</a:t>
+              <a:t>‹Nr.›</a:t>
             </a:fld>
             <a:endParaRPr lang="nl-BE"/>
           </a:p>
@@ -2640,7 +2640,7 @@
     </p:spTree>
     <p:extLst>
       <p:ext uri="{BB962C8B-B14F-4D97-AF65-F5344CB8AC3E}">
-        <p14:creationId xmlns:p14="http://schemas.microsoft.com/office/powerpoint/2010/main" val="221485852"/>
+        <p14:creationId xmlns:p14="http://schemas.microsoft.com/office/powerpoint/2010/main" xmlns="" val="221485852"/>
       </p:ext>
     </p:extLst>
   </p:cSld>
@@ -2909,7 +2909,7 @@
             <a:fld id="{91663F60-0288-4BD7-9F87-79CFFEA98662}" type="slidenum">
               <a:rPr lang="nl-BE" smtClean="0"/>
               <a:pPr/>
-              <a:t>‹nr.›</a:t>
+              <a:t>‹Nr.›</a:t>
             </a:fld>
             <a:endParaRPr lang="nl-BE"/>
           </a:p>
@@ -2918,7 +2918,7 @@
     </p:spTree>
     <p:extLst>
       <p:ext uri="{BB962C8B-B14F-4D97-AF65-F5344CB8AC3E}">
-        <p14:creationId xmlns:p14="http://schemas.microsoft.com/office/powerpoint/2010/main" val="2268232388"/>
+        <p14:creationId xmlns:p14="http://schemas.microsoft.com/office/powerpoint/2010/main" xmlns="" val="2268232388"/>
       </p:ext>
     </p:extLst>
   </p:cSld>
@@ -3547,7 +3547,7 @@
     </p:spTree>
     <p:extLst>
       <p:ext uri="{BB962C8B-B14F-4D97-AF65-F5344CB8AC3E}">
-        <p14:creationId xmlns:p14="http://schemas.microsoft.com/office/powerpoint/2010/main" val="1089514898"/>
+        <p14:creationId xmlns:p14="http://schemas.microsoft.com/office/powerpoint/2010/main" xmlns="" val="1089514898"/>
       </p:ext>
     </p:extLst>
   </p:cSld>
@@ -3706,69 +3706,7 @@
               <a:rPr lang="nl-BE" sz="2400" dirty="0" smtClean="0">
                 <a:latin typeface="Sitka Display" pitchFamily="2" charset="0"/>
               </a:rPr>
-              <a:t>Klassen voor </a:t>
-            </a:r>
-            <a:r>
-              <a:rPr lang="nl-BE" sz="2400" dirty="0" err="1" smtClean="0">
-                <a:latin typeface="Sitka Display" pitchFamily="2" charset="0"/>
-              </a:rPr>
-              <a:t>Admin</a:t>
-            </a:r>
-            <a:r>
-              <a:rPr lang="nl-BE" sz="2400" dirty="0" smtClean="0">
-                <a:latin typeface="Sitka Display" pitchFamily="2" charset="0"/>
-              </a:rPr>
-              <a:t>, </a:t>
-            </a:r>
-            <a:r>
-              <a:rPr lang="nl-BE" sz="2400" dirty="0" err="1" smtClean="0">
-                <a:latin typeface="Sitka Display" pitchFamily="2" charset="0"/>
-              </a:rPr>
-              <a:t>Issuer</a:t>
-            </a:r>
-            <a:r>
-              <a:rPr lang="nl-BE" sz="2400" dirty="0" smtClean="0">
-                <a:latin typeface="Sitka Display" pitchFamily="2" charset="0"/>
-              </a:rPr>
-              <a:t> &amp; Developer zijn overbodig</a:t>
-            </a:r>
-          </a:p>
-          <a:p>
-            <a:pPr lvl="1"/>
-            <a:r>
-              <a:rPr lang="nl-BE" sz="2000" dirty="0" smtClean="0">
-                <a:latin typeface="Sitka Display" pitchFamily="2" charset="0"/>
-              </a:rPr>
-              <a:t>Functionaliteit in controller</a:t>
-            </a:r>
-          </a:p>
-          <a:p>
-            <a:endParaRPr lang="nl-BE" sz="2400" dirty="0"/>
-          </a:p>
-          <a:p>
-            <a:r>
-              <a:rPr lang="nl-BE" sz="2400" dirty="0" smtClean="0">
-                <a:latin typeface="Sitka Display" pitchFamily="2" charset="0"/>
-              </a:rPr>
-              <a:t>Vermijden dat tags van elkaar afweten</a:t>
-            </a:r>
-            <a:endParaRPr lang="nl-BE" sz="2400" dirty="0">
-              <a:latin typeface="Sitka Display" pitchFamily="2" charset="0"/>
-            </a:endParaRPr>
-          </a:p>
-          <a:p>
-            <a:pPr lvl="1"/>
-            <a:r>
-              <a:rPr lang="nl-BE" sz="2000" dirty="0" smtClean="0">
-                <a:latin typeface="Sitka Display" pitchFamily="2" charset="0"/>
-              </a:rPr>
-              <a:t>Nieuwe klasse voor </a:t>
-            </a:r>
-            <a:r>
-              <a:rPr lang="nl-BE" sz="2000" dirty="0" err="1" smtClean="0">
-                <a:latin typeface="Sitka Display" pitchFamily="2" charset="0"/>
-              </a:rPr>
-              <a:t>overgangfunctionaliteit</a:t>
+              <a:t>MailboxService creates Observers</a:t>
             </a:r>
             <a:endParaRPr lang="nl-BE" sz="2000" dirty="0" smtClean="0">
               <a:latin typeface="Sitka Display" pitchFamily="2" charset="0"/>
@@ -3782,87 +3720,32 @@
               <a:rPr lang="nl-BE" sz="2400" dirty="0" smtClean="0">
                 <a:latin typeface="Sitka Display" pitchFamily="2" charset="0"/>
               </a:rPr>
-              <a:t>Opzoeken van </a:t>
-            </a:r>
-            <a:r>
-              <a:rPr lang="nl-BE" sz="2400" dirty="0" err="1" smtClean="0">
-                <a:latin typeface="Sitka Display" pitchFamily="2" charset="0"/>
-              </a:rPr>
-              <a:t>bugreport</a:t>
-            </a:r>
-            <a:r>
-              <a:rPr lang="nl-BE" sz="2400" dirty="0" smtClean="0">
-                <a:latin typeface="Sitka Display" pitchFamily="2" charset="0"/>
-              </a:rPr>
-              <a:t> implementeren m.b.v. </a:t>
-            </a:r>
-            <a:r>
-              <a:rPr lang="nl-BE" sz="2400" dirty="0" err="1" smtClean="0">
-                <a:latin typeface="Sitka Display" pitchFamily="2" charset="0"/>
-              </a:rPr>
-              <a:t>strategy</a:t>
-            </a:r>
-            <a:r>
-              <a:rPr lang="nl-BE" sz="2400" dirty="0" smtClean="0">
-                <a:latin typeface="Sitka Display" pitchFamily="2" charset="0"/>
-              </a:rPr>
-              <a:t> </a:t>
-            </a:r>
-            <a:r>
-              <a:rPr lang="nl-BE" sz="2400" dirty="0" err="1" smtClean="0">
-                <a:latin typeface="Sitka Display" pitchFamily="2" charset="0"/>
-              </a:rPr>
-              <a:t>pattern</a:t>
-            </a:r>
-            <a:endParaRPr lang="nl-BE" sz="2400" dirty="0" smtClean="0">
-              <a:latin typeface="Sitka Display" pitchFamily="2" charset="0"/>
-            </a:endParaRPr>
-          </a:p>
-          <a:p>
-            <a:pPr lvl="1"/>
-            <a:r>
-              <a:rPr lang="nl-BE" sz="2000" dirty="0" smtClean="0">
-                <a:latin typeface="Sitka Display" pitchFamily="2" charset="0"/>
-              </a:rPr>
-              <a:t>Interface “</a:t>
-            </a:r>
-            <a:r>
-              <a:rPr lang="nl-BE" sz="2000" dirty="0" err="1" smtClean="0">
-                <a:latin typeface="Sitka Display" pitchFamily="2" charset="0"/>
-              </a:rPr>
-              <a:t>ISearch</a:t>
-            </a:r>
-            <a:r>
-              <a:rPr lang="nl-BE" sz="2000" dirty="0" smtClean="0">
-                <a:latin typeface="Sitka Display" pitchFamily="2" charset="0"/>
-              </a:rPr>
-              <a:t>”</a:t>
-            </a:r>
-          </a:p>
-          <a:p>
-            <a:pPr lvl="1"/>
-            <a:r>
-              <a:rPr lang="nl-BE" sz="2000" dirty="0" smtClean="0">
-                <a:latin typeface="Sitka Display" pitchFamily="2" charset="0"/>
-              </a:rPr>
-              <a:t>Resulteert in lagere koppeling in </a:t>
-            </a:r>
-            <a:r>
-              <a:rPr lang="nl-BE" sz="2000" dirty="0" err="1" smtClean="0">
-                <a:latin typeface="Sitka Display" pitchFamily="2" charset="0"/>
-              </a:rPr>
-              <a:t>BugReportService</a:t>
+              <a:t>Milestone improvements in the code and structure</a:t>
             </a:r>
             <a:endParaRPr lang="nl-BE" sz="2000" dirty="0" smtClean="0">
               <a:latin typeface="Sitka Display" pitchFamily="2" charset="0"/>
             </a:endParaRPr>
           </a:p>
+          <a:p>
+            <a:endParaRPr lang="nl-BE" sz="2400" dirty="0"/>
+          </a:p>
+          <a:p>
+            <a:r>
+              <a:rPr lang="nl-BE" sz="2400" dirty="0" smtClean="0">
+                <a:latin typeface="Sitka Display" pitchFamily="2" charset="0"/>
+              </a:rPr>
+              <a:t>Setters &amp; Getters</a:t>
+            </a:r>
+            <a:endParaRPr lang="nl-BE" sz="2000" dirty="0" smtClean="0">
+              <a:latin typeface="Sitka Display" pitchFamily="2" charset="0"/>
+            </a:endParaRPr>
+          </a:p>
         </p:txBody>
       </p:sp>
     </p:spTree>
     <p:extLst>
       <p:ext uri="{BB962C8B-B14F-4D97-AF65-F5344CB8AC3E}">
-        <p14:creationId xmlns:p14="http://schemas.microsoft.com/office/powerpoint/2010/main" val="674970378"/>
+        <p14:creationId xmlns:p14="http://schemas.microsoft.com/office/powerpoint/2010/main" xmlns="" val="674970378"/>
       </p:ext>
     </p:extLst>
   </p:cSld>
@@ -4027,7 +3910,7 @@
     </p:spTree>
     <p:extLst>
       <p:ext uri="{BB962C8B-B14F-4D97-AF65-F5344CB8AC3E}">
-        <p14:creationId xmlns:p14="http://schemas.microsoft.com/office/powerpoint/2010/main" val="996989477"/>
+        <p14:creationId xmlns:p14="http://schemas.microsoft.com/office/powerpoint/2010/main" xmlns="" val="996989477"/>
       </p:ext>
     </p:extLst>
   </p:cSld>
@@ -4077,7 +3960,7 @@
         <p:spPr/>
         <p:txBody>
           <a:bodyPr>
-            <a:normAutofit/>
+            <a:normAutofit fontScale="90000"/>
           </a:bodyPr>
           <a:lstStyle/>
           <a:p>
@@ -4121,28 +4004,7 @@
                 </a:effectLst>
                 <a:latin typeface="Sitka Text" pitchFamily="2" charset="0"/>
               </a:rPr>
-              <a:t> </a:t>
-            </a:r>
-            <a:r>
-              <a:rPr lang="nl-BE" sz="3600" cap="small" dirty="0" smtClean="0">
-                <a:ln w="18415" cmpd="sng">
-                  <a:solidFill>
-                    <a:schemeClr val="tx1">
-                      <a:alpha val="0"/>
-                    </a:schemeClr>
-                  </a:solidFill>
-                  <a:prstDash val="solid"/>
-                </a:ln>
-                <a:effectLst>
-                  <a:outerShdw blurRad="25400" dir="3600000" algn="tl" rotWithShape="0">
-                    <a:srgbClr val="000000">
-                      <a:alpha val="70000"/>
-                    </a:srgbClr>
-                  </a:outerShdw>
-                </a:effectLst>
-                <a:latin typeface="Sitka Text" pitchFamily="2" charset="0"/>
-              </a:rPr>
-              <a:t>approach TODO UPDATE (screenshot)</a:t>
+              <a:t> approach TODO UPDATE (screenshot)</a:t>
             </a:r>
             <a:endParaRPr lang="nl-BE" sz="3600" cap="small" dirty="0">
               <a:ln w="18415" cmpd="sng">
@@ -4176,10 +4038,10 @@
           </p:nvPr>
         </p:nvPicPr>
         <p:blipFill>
-          <a:blip r:embed="rId2">
+          <a:blip r:embed="rId2" cstate="print">
             <a:extLst>
               <a:ext uri="{28A0092B-C50C-407E-A947-70E740481C1C}">
-                <a14:useLocalDpi xmlns:a14="http://schemas.microsoft.com/office/drawing/2010/main" val="0"/>
+                <a14:useLocalDpi xmlns:a14="http://schemas.microsoft.com/office/drawing/2010/main" xmlns="" val="0"/>
               </a:ext>
             </a:extLst>
           </a:blip>
@@ -4210,7 +4072,7 @@
     </p:spTree>
     <p:extLst>
       <p:ext uri="{BB962C8B-B14F-4D97-AF65-F5344CB8AC3E}">
-        <p14:creationId xmlns:p14="http://schemas.microsoft.com/office/powerpoint/2010/main" val="3176464878"/>
+        <p14:creationId xmlns:p14="http://schemas.microsoft.com/office/powerpoint/2010/main" xmlns="" val="3176464878"/>
       </p:ext>
     </p:extLst>
   </p:cSld>
@@ -4315,10 +4177,10 @@
           <p:nvPr/>
         </p:nvPicPr>
         <p:blipFill rotWithShape="1">
-          <a:blip r:embed="rId2">
+          <a:blip r:embed="rId2" cstate="print">
             <a:extLst>
               <a:ext uri="{28A0092B-C50C-407E-A947-70E740481C1C}">
-                <a14:useLocalDpi xmlns:a14="http://schemas.microsoft.com/office/drawing/2010/main" val="0"/>
+                <a14:useLocalDpi xmlns:a14="http://schemas.microsoft.com/office/drawing/2010/main" xmlns="" val="0"/>
               </a:ext>
             </a:extLst>
           </a:blip>
@@ -4336,7 +4198,7 @@
           <a:noFill/>
           <a:extLst>
             <a:ext uri="{909E8E84-426E-40DD-AFC4-6F175D3DCCD1}">
-              <a14:hiddenFill xmlns:a14="http://schemas.microsoft.com/office/drawing/2010/main">
+              <a14:hiddenFill xmlns:a14="http://schemas.microsoft.com/office/drawing/2010/main" xmlns="">
                 <a:solidFill>
                   <a:srgbClr val="FFFFFF"/>
                 </a:solidFill>
@@ -4348,7 +4210,7 @@
     </p:spTree>
     <p:extLst>
       <p:ext uri="{BB962C8B-B14F-4D97-AF65-F5344CB8AC3E}">
-        <p14:creationId xmlns:p14="http://schemas.microsoft.com/office/powerpoint/2010/main" val="3405605565"/>
+        <p14:creationId xmlns:p14="http://schemas.microsoft.com/office/powerpoint/2010/main" xmlns="" val="3405605565"/>
       </p:ext>
     </p:extLst>
   </p:cSld>
@@ -4398,7 +4260,7 @@
         <p:spPr/>
         <p:txBody>
           <a:bodyPr>
-            <a:normAutofit/>
+            <a:normAutofit fontScale="90000"/>
           </a:bodyPr>
           <a:lstStyle/>
           <a:p>
@@ -4421,28 +4283,7 @@
                 </a:effectLst>
                 <a:latin typeface="Sitka Text" pitchFamily="2" charset="0"/>
               </a:rPr>
-              <a:t>Project management (in uren</a:t>
-            </a:r>
-            <a:r>
-              <a:rPr lang="nl-BE" sz="3600" cap="small" dirty="0" smtClean="0">
-                <a:ln w="18415" cmpd="sng">
-                  <a:solidFill>
-                    <a:schemeClr val="tx1">
-                      <a:alpha val="0"/>
-                    </a:schemeClr>
-                  </a:solidFill>
-                  <a:prstDash val="solid"/>
-                </a:ln>
-                <a:effectLst>
-                  <a:outerShdw blurRad="25400" dir="3600000" algn="tl" rotWithShape="0">
-                    <a:srgbClr val="000000">
-                      <a:alpha val="70000"/>
-                    </a:srgbClr>
-                  </a:outerShdw>
-                </a:effectLst>
-                <a:latin typeface="Sitka Text" pitchFamily="2" charset="0"/>
-              </a:rPr>
-              <a:t>) TODO UPDATE</a:t>
+              <a:t>Project management (in uren) TODO UPDATE</a:t>
             </a:r>
             <a:endParaRPr lang="nl-BE" sz="3600" cap="small" dirty="0">
               <a:ln w="18415" cmpd="sng">
@@ -4814,7 +4655,7 @@
     </p:spTree>
     <p:extLst>
       <p:ext uri="{BB962C8B-B14F-4D97-AF65-F5344CB8AC3E}">
-        <p14:creationId xmlns:p14="http://schemas.microsoft.com/office/powerpoint/2010/main" val="1581702792"/>
+        <p14:creationId xmlns:p14="http://schemas.microsoft.com/office/powerpoint/2010/main" xmlns="" val="1581702792"/>
       </p:ext>
     </p:extLst>
   </p:cSld>
@@ -4861,7 +4702,7 @@
             <p:ph idx="1"/>
             <p:extLst>
               <p:ext uri="{D42A27DB-BD31-4B8C-83A1-F6EECF244321}">
-                <p14:modId xmlns:p14="http://schemas.microsoft.com/office/powerpoint/2010/main" val="1687304960"/>
+                <p14:modId xmlns:p14="http://schemas.microsoft.com/office/powerpoint/2010/main" xmlns="" val="1687304960"/>
               </p:ext>
             </p:extLst>
           </p:nvPr>
@@ -4880,28 +4721,28 @@
                 <a:gridCol w="2057400">
                   <a:extLst>
                     <a:ext uri="{9D8B030D-6E8A-4147-A177-3AD203B41FA5}">
-                      <a16:colId xmlns:a16="http://schemas.microsoft.com/office/drawing/2014/main" xmlns="" val="4022630451"/>
+                      <a16:colId xmlns="" xmlns:a16="http://schemas.microsoft.com/office/drawing/2014/main" val="4022630451"/>
                     </a:ext>
                   </a:extLst>
                 </a:gridCol>
                 <a:gridCol w="2057400">
                   <a:extLst>
                     <a:ext uri="{9D8B030D-6E8A-4147-A177-3AD203B41FA5}">
-                      <a16:colId xmlns:a16="http://schemas.microsoft.com/office/drawing/2014/main" xmlns="" val="1276862258"/>
+                      <a16:colId xmlns="" xmlns:a16="http://schemas.microsoft.com/office/drawing/2014/main" val="1276862258"/>
                     </a:ext>
                   </a:extLst>
                 </a:gridCol>
                 <a:gridCol w="2057400">
                   <a:extLst>
                     <a:ext uri="{9D8B030D-6E8A-4147-A177-3AD203B41FA5}">
-                      <a16:colId xmlns:a16="http://schemas.microsoft.com/office/drawing/2014/main" xmlns="" val="670422697"/>
+                      <a16:colId xmlns="" xmlns:a16="http://schemas.microsoft.com/office/drawing/2014/main" val="670422697"/>
                     </a:ext>
                   </a:extLst>
                 </a:gridCol>
                 <a:gridCol w="2057400">
                   <a:extLst>
                     <a:ext uri="{9D8B030D-6E8A-4147-A177-3AD203B41FA5}">
-                      <a16:colId xmlns:a16="http://schemas.microsoft.com/office/drawing/2014/main" xmlns="" val="3836214712"/>
+                      <a16:colId xmlns="" xmlns:a16="http://schemas.microsoft.com/office/drawing/2014/main" val="3836214712"/>
                     </a:ext>
                   </a:extLst>
                 </a:gridCol>
@@ -4973,7 +4814,7 @@
                 </a:tc>
                 <a:extLst>
                   <a:ext uri="{0D108BD9-81ED-4DB2-BD59-A6C34878D82A}">
-                    <a16:rowId xmlns:a16="http://schemas.microsoft.com/office/drawing/2014/main" xmlns="" val="2789307922"/>
+                    <a16:rowId xmlns="" xmlns:a16="http://schemas.microsoft.com/office/drawing/2014/main" val="2789307922"/>
                   </a:ext>
                 </a:extLst>
               </a:tr>
@@ -5090,7 +4931,7 @@
                 </a:tc>
                 <a:extLst>
                   <a:ext uri="{0D108BD9-81ED-4DB2-BD59-A6C34878D82A}">
-                    <a16:rowId xmlns:a16="http://schemas.microsoft.com/office/drawing/2014/main" xmlns="" val="3498730236"/>
+                    <a16:rowId xmlns="" xmlns:a16="http://schemas.microsoft.com/office/drawing/2014/main" val="3498730236"/>
                   </a:ext>
                 </a:extLst>
               </a:tr>
@@ -5161,7 +5002,7 @@
                 </a:tc>
                 <a:extLst>
                   <a:ext uri="{0D108BD9-81ED-4DB2-BD59-A6C34878D82A}">
-                    <a16:rowId xmlns:a16="http://schemas.microsoft.com/office/drawing/2014/main" xmlns="" val="4013628509"/>
+                    <a16:rowId xmlns="" xmlns:a16="http://schemas.microsoft.com/office/drawing/2014/main" val="4013628509"/>
                   </a:ext>
                 </a:extLst>
               </a:tr>
@@ -5236,7 +5077,7 @@
                 </a:tc>
                 <a:extLst>
                   <a:ext uri="{0D108BD9-81ED-4DB2-BD59-A6C34878D82A}">
-                    <a16:rowId xmlns:a16="http://schemas.microsoft.com/office/drawing/2014/main" xmlns="" val="1545046261"/>
+                    <a16:rowId xmlns="" xmlns:a16="http://schemas.microsoft.com/office/drawing/2014/main" val="1545046261"/>
                   </a:ext>
                 </a:extLst>
               </a:tr>
@@ -5327,7 +5168,7 @@
     </p:spTree>
     <p:extLst>
       <p:ext uri="{BB962C8B-B14F-4D97-AF65-F5344CB8AC3E}">
-        <p14:creationId xmlns:p14="http://schemas.microsoft.com/office/powerpoint/2010/main" val="152465229"/>
+        <p14:creationId xmlns:p14="http://schemas.microsoft.com/office/powerpoint/2010/main" xmlns="" val="152465229"/>
       </p:ext>
     </p:extLst>
   </p:cSld>
@@ -5464,7 +5305,7 @@
           <a:noFill/>
           <a:extLst>
             <a:ext uri="{909E8E84-426E-40DD-AFC4-6F175D3DCCD1}">
-              <a14:hiddenFill xmlns:a14="http://schemas.microsoft.com/office/drawing/2010/main">
+              <a14:hiddenFill xmlns:a14="http://schemas.microsoft.com/office/drawing/2010/main" xmlns="">
                 <a:solidFill>
                   <a:srgbClr val="FFFFFF"/>
                 </a:solidFill>
@@ -5598,7 +5439,7 @@
     </p:spTree>
     <p:extLst>
       <p:ext uri="{BB962C8B-B14F-4D97-AF65-F5344CB8AC3E}">
-        <p14:creationId xmlns:p14="http://schemas.microsoft.com/office/powerpoint/2010/main" val="439526893"/>
+        <p14:creationId xmlns:p14="http://schemas.microsoft.com/office/powerpoint/2010/main" xmlns="" val="439526893"/>
       </p:ext>
     </p:extLst>
   </p:cSld>
@@ -5994,7 +5835,7 @@
     </p:spTree>
     <p:extLst>
       <p:ext uri="{BB962C8B-B14F-4D97-AF65-F5344CB8AC3E}">
-        <p14:creationId xmlns:p14="http://schemas.microsoft.com/office/powerpoint/2010/main" val="983478496"/>
+        <p14:creationId xmlns:p14="http://schemas.microsoft.com/office/powerpoint/2010/main" xmlns="" val="983478496"/>
       </p:ext>
     </p:extLst>
   </p:cSld>
@@ -6196,7 +6037,7 @@
             </a:clrChange>
             <a:extLst>
               <a:ext uri="{28A0092B-C50C-407E-A947-70E740481C1C}">
-                <a14:useLocalDpi xmlns:a14="http://schemas.microsoft.com/office/drawing/2010/main" val="0"/>
+                <a14:useLocalDpi xmlns:a14="http://schemas.microsoft.com/office/drawing/2010/main" xmlns="" val="0"/>
               </a:ext>
             </a:extLst>
           </a:blip>
@@ -6216,7 +6057,7 @@
           <a:noFill/>
           <a:extLst>
             <a:ext uri="{909E8E84-426E-40DD-AFC4-6F175D3DCCD1}">
-              <a14:hiddenFill xmlns:a14="http://schemas.microsoft.com/office/drawing/2010/main">
+              <a14:hiddenFill xmlns:a14="http://schemas.microsoft.com/office/drawing/2010/main" xmlns="">
                 <a:solidFill>
                   <a:srgbClr val="FFFFFF"/>
                 </a:solidFill>
@@ -6321,10 +6162,6 @@
               </a:rPr>
               <a:t> voor tag</a:t>
             </a:r>
-            <a:endParaRPr lang="nl-BE" b="1" dirty="0" smtClean="0">
-              <a:latin typeface="Sitka Display" pitchFamily="2" charset="0"/>
-              <a:sym typeface="Wingdings" panose="05000000000000000000" pitchFamily="2" charset="2"/>
-            </a:endParaRPr>
           </a:p>
         </p:txBody>
       </p:sp>
@@ -6377,7 +6214,7 @@
     </p:spTree>
     <p:extLst>
       <p:ext uri="{BB962C8B-B14F-4D97-AF65-F5344CB8AC3E}">
-        <p14:creationId xmlns:p14="http://schemas.microsoft.com/office/powerpoint/2010/main" val="4089071672"/>
+        <p14:creationId xmlns:p14="http://schemas.microsoft.com/office/powerpoint/2010/main" xmlns="" val="4089071672"/>
       </p:ext>
     </p:extLst>
   </p:cSld>
@@ -6467,7 +6304,7 @@
     </p:spTree>
     <p:extLst>
       <p:ext uri="{BB962C8B-B14F-4D97-AF65-F5344CB8AC3E}">
-        <p14:creationId xmlns:p14="http://schemas.microsoft.com/office/powerpoint/2010/main" val="2544111520"/>
+        <p14:creationId xmlns:p14="http://schemas.microsoft.com/office/powerpoint/2010/main" xmlns="" val="2544111520"/>
       </p:ext>
     </p:extLst>
   </p:cSld>
@@ -6552,7 +6389,7 @@
     </p:spTree>
     <p:extLst>
       <p:ext uri="{BB962C8B-B14F-4D97-AF65-F5344CB8AC3E}">
-        <p14:creationId xmlns:p14="http://schemas.microsoft.com/office/powerpoint/2010/main" val="378156031"/>
+        <p14:creationId xmlns:p14="http://schemas.microsoft.com/office/powerpoint/2010/main" xmlns="" val="378156031"/>
       </p:ext>
     </p:extLst>
   </p:cSld>
@@ -6627,7 +6464,7 @@
     </p:spTree>
     <p:extLst>
       <p:ext uri="{BB962C8B-B14F-4D97-AF65-F5344CB8AC3E}">
-        <p14:creationId xmlns:p14="http://schemas.microsoft.com/office/powerpoint/2010/main" val="1968202226"/>
+        <p14:creationId xmlns:p14="http://schemas.microsoft.com/office/powerpoint/2010/main" xmlns="" val="1968202226"/>
       </p:ext>
     </p:extLst>
   </p:cSld>
@@ -6706,7 +6543,7 @@
     </p:spTree>
     <p:extLst>
       <p:ext uri="{BB962C8B-B14F-4D97-AF65-F5344CB8AC3E}">
-        <p14:creationId xmlns:p14="http://schemas.microsoft.com/office/powerpoint/2010/main" val="1319242908"/>
+        <p14:creationId xmlns:p14="http://schemas.microsoft.com/office/powerpoint/2010/main" xmlns="" val="1319242908"/>
       </p:ext>
     </p:extLst>
   </p:cSld>
@@ -6754,27 +6591,6 @@
           <a:lstStyle/>
           <a:p>
             <a:r>
-              <a:rPr lang="nl-BE" sz="3600" cap="small" dirty="0" err="1" smtClean="0">
-                <a:ln w="18415" cmpd="sng">
-                  <a:solidFill>
-                    <a:schemeClr val="tx1">
-                      <a:alpha val="0"/>
-                    </a:schemeClr>
-                  </a:solidFill>
-                  <a:prstDash val="solid"/>
-                </a:ln>
-                <a:effectLst>
-                  <a:outerShdw blurRad="25400" dir="3600000" algn="tl" rotWithShape="0">
-                    <a:srgbClr val="000000">
-                      <a:alpha val="70000"/>
-                    </a:srgbClr>
-                  </a:outerShdw>
-                </a:effectLst>
-                <a:latin typeface="Sitka Text" pitchFamily="2" charset="0"/>
-              </a:rPr>
-              <a:t>Extensibility</a:t>
-            </a:r>
-            <a:r>
               <a:rPr lang="nl-BE" sz="3600" cap="small" dirty="0" smtClean="0">
                 <a:ln w="18415" cmpd="sng">
                   <a:solidFill>
@@ -6793,7 +6609,7 @@
                 </a:effectLst>
                 <a:latin typeface="Sitka Text" pitchFamily="2" charset="0"/>
               </a:rPr>
-              <a:t> of system: </a:t>
+              <a:t>Extensibility of </a:t>
             </a:r>
             <a:r>
               <a:rPr lang="nl-BE" sz="3600" cap="small" dirty="0" smtClean="0">
@@ -6814,7 +6630,7 @@
                 </a:effectLst>
                 <a:latin typeface="Sitka Text" pitchFamily="2" charset="0"/>
               </a:rPr>
-              <a:t>USE CASES ZIJN AWESOME</a:t>
+              <a:t>the system:</a:t>
             </a:r>
             <a:endParaRPr lang="nl-BE" sz="3600" cap="small" dirty="0">
               <a:ln w="18415" cmpd="sng">
@@ -6860,87 +6676,100 @@
           <a:lstStyle/>
           <a:p>
             <a:r>
-              <a:rPr lang="nl-BE" sz="2400" dirty="0" smtClean="0">
+              <a:rPr lang="en-US" sz="2400" dirty="0" smtClean="0">
                 <a:latin typeface="Sitka Display" pitchFamily="2" charset="0"/>
               </a:rPr>
-              <a:t>Flexibel toevoegen van </a:t>
-            </a:r>
-            <a:r>
-              <a:rPr lang="nl-BE" sz="2400" dirty="0" err="1" smtClean="0">
+              <a:t>It’s easier to add use cases than last time</a:t>
+            </a:r>
+          </a:p>
+          <a:p>
+            <a:r>
+              <a:rPr lang="en-US" sz="2400" dirty="0" smtClean="0">
                 <a:latin typeface="Sitka Display" pitchFamily="2" charset="0"/>
               </a:rPr>
-              <a:t>use</a:t>
-            </a:r>
-            <a:r>
-              <a:rPr lang="nl-BE" sz="2400" dirty="0" smtClean="0">
+              <a:t>UI is still completely independent </a:t>
+            </a:r>
+          </a:p>
+          <a:p>
+            <a:r>
+              <a:rPr lang="en-US" sz="2400" dirty="0" smtClean="0">
                 <a:latin typeface="Sitka Display" pitchFamily="2" charset="0"/>
               </a:rPr>
-              <a:t> cases</a:t>
-            </a:r>
-          </a:p>
-          <a:p>
-            <a:r>
-              <a:rPr lang="nl-BE" sz="2400" dirty="0" smtClean="0">
+              <a:t>Interface for the </a:t>
+            </a:r>
+            <a:r>
+              <a:rPr lang="en-US" sz="2400" dirty="0" err="1" smtClean="0">
                 <a:latin typeface="Sitka Display" pitchFamily="2" charset="0"/>
               </a:rPr>
-              <a:t>User type toevoegen gaat eenvoudig</a:t>
-            </a:r>
-          </a:p>
-          <a:p>
-            <a:r>
-              <a:rPr lang="nl-BE" sz="2400" dirty="0" smtClean="0">
+              <a:t>I</a:t>
+            </a:r>
+            <a:r>
+              <a:rPr lang="en-US" sz="2400" dirty="0" err="1" smtClean="0">
                 <a:latin typeface="Sitka Display" pitchFamily="2" charset="0"/>
               </a:rPr>
-              <a:t>UI is onafhankelijk van </a:t>
-            </a:r>
-            <a:r>
-              <a:rPr lang="nl-BE" sz="2400" dirty="0" err="1" smtClean="0">
-                <a:latin typeface="Sitka Display" pitchFamily="2" charset="0"/>
-              </a:rPr>
-              <a:t>domeinlaag</a:t>
-            </a:r>
-            <a:endParaRPr lang="nl-BE" sz="2400" dirty="0" smtClean="0">
+              <a:t>nitializer</a:t>
+            </a:r>
+            <a:endParaRPr lang="en-US" sz="2400" dirty="0" smtClean="0">
               <a:latin typeface="Sitka Display" pitchFamily="2" charset="0"/>
             </a:endParaRPr>
           </a:p>
           <a:p>
             <a:r>
-              <a:rPr lang="nl-BE" sz="2400" dirty="0" smtClean="0">
+              <a:rPr lang="en-US" sz="2400" dirty="0" smtClean="0">
                 <a:latin typeface="Sitka Display" pitchFamily="2" charset="0"/>
               </a:rPr>
-              <a:t>Interface voor initializer maakt nieuwe beginsituaties eenvoudig te implementeren</a:t>
-            </a:r>
-          </a:p>
-          <a:p>
-            <a:r>
-              <a:rPr lang="nl-BE" sz="2400" dirty="0" smtClean="0">
+              <a:t>Adding constraints concerning tag</a:t>
+            </a:r>
+          </a:p>
+          <a:p>
+            <a:r>
+              <a:rPr lang="en-US" sz="2400" dirty="0" smtClean="0">
                 <a:latin typeface="Sitka Display" pitchFamily="2" charset="0"/>
               </a:rPr>
-              <a:t>Eenvoudig om nieuwe tags toe te voegen</a:t>
-            </a:r>
-          </a:p>
-          <a:p>
-            <a:r>
-              <a:rPr lang="nl-BE" sz="2400" dirty="0" smtClean="0">
+              <a:t>Adding new registration types = adding new observers</a:t>
+            </a:r>
+          </a:p>
+          <a:p>
+            <a:r>
+              <a:rPr lang="en-US" sz="2400" dirty="0" smtClean="0">
                 <a:latin typeface="Sitka Display" pitchFamily="2" charset="0"/>
               </a:rPr>
-              <a:t>Subsystems en Bugreports zijn onafhankelijk van Projects</a:t>
-            </a:r>
-          </a:p>
-          <a:p>
-            <a:endParaRPr lang="nl-BE" sz="2400" dirty="0" smtClean="0">
+              <a:t>Search methods for bug reports</a:t>
+            </a:r>
+          </a:p>
+          <a:p>
+            <a:r>
+              <a:rPr lang="en-US" sz="2400" dirty="0" smtClean="0">
+                <a:latin typeface="Sitka Display" pitchFamily="2" charset="0"/>
+              </a:rPr>
+              <a:t>Adding new objects that could be undone</a:t>
+            </a:r>
+          </a:p>
+          <a:p>
+            <a:endParaRPr lang="en-US" sz="2400" dirty="0" smtClean="0">
               <a:latin typeface="Sitka Display" pitchFamily="2" charset="0"/>
             </a:endParaRPr>
           </a:p>
           <a:p>
-            <a:endParaRPr lang="nl-BE" sz="2400" dirty="0"/>
+            <a:r>
+              <a:rPr lang="en-US" sz="2400" dirty="0" smtClean="0">
+                <a:latin typeface="Sitka Display" pitchFamily="2" charset="0"/>
+              </a:rPr>
+              <a:t>It was easy to implement the changes from iteration 2 -&gt; great extensibility of our code from iteration 1</a:t>
+            </a:r>
+            <a:endParaRPr lang="en-US" sz="2400" dirty="0" smtClean="0">
+              <a:latin typeface="Sitka Display" pitchFamily="2" charset="0"/>
+            </a:endParaRPr>
+          </a:p>
+          <a:p>
+            <a:endParaRPr lang="en-US" sz="2400" dirty="0"/>
           </a:p>
         </p:txBody>
       </p:sp>
     </p:spTree>
     <p:extLst>
       <p:ext uri="{BB962C8B-B14F-4D97-AF65-F5344CB8AC3E}">
-        <p14:creationId xmlns:p14="http://schemas.microsoft.com/office/powerpoint/2010/main" val="2444210159"/>
+        <p14:creationId xmlns:p14="http://schemas.microsoft.com/office/powerpoint/2010/main" xmlns="" val="2444210159"/>
       </p:ext>
     </p:extLst>
   </p:cSld>

--- a/Presentaties/Iteratie 2/SWOP Presentatie 2 Inhoud.pptx
+++ b/Presentaties/Iteratie 2/SWOP Presentatie 2 Inhoud.pptx
@@ -11,8 +11,8 @@
     <p:sldId id="267" r:id="rId5"/>
     <p:sldId id="276" r:id="rId6"/>
     <p:sldId id="277" r:id="rId7"/>
-    <p:sldId id="278" r:id="rId8"/>
-    <p:sldId id="279" r:id="rId9"/>
+    <p:sldId id="279" r:id="rId8"/>
+    <p:sldId id="278" r:id="rId9"/>
     <p:sldId id="259" r:id="rId10"/>
     <p:sldId id="270" r:id="rId11"/>
     <p:sldId id="274" r:id="rId12"/>
@@ -120,7 +120,7 @@
   </p:defaultTextStyle>
   <p:extLst>
     <p:ext uri="{EFAFB233-063F-42B5-8137-9DF3F51BA10A}">
-      <p15:sldGuideLst xmlns="" xmlns:p15="http://schemas.microsoft.com/office/powerpoint/2012/main">
+      <p15:sldGuideLst xmlns:p15="http://schemas.microsoft.com/office/powerpoint/2012/main">
         <p15:guide id="1" orient="horz" pos="2160">
           <p15:clr>
             <a:srgbClr val="A4A3A4"/>
@@ -362,7 +362,7 @@
             <a:fld id="{91663F60-0288-4BD7-9F87-79CFFEA98662}" type="slidenum">
               <a:rPr lang="nl-BE" smtClean="0"/>
               <a:pPr/>
-              <a:t>‹Nr.›</a:t>
+              <a:t>‹#›</a:t>
             </a:fld>
             <a:endParaRPr lang="nl-BE"/>
           </a:p>
@@ -371,7 +371,7 @@
     </p:spTree>
     <p:extLst>
       <p:ext uri="{BB962C8B-B14F-4D97-AF65-F5344CB8AC3E}">
-        <p14:creationId xmlns:p14="http://schemas.microsoft.com/office/powerpoint/2010/main" xmlns="" val="3963083300"/>
+        <p14:creationId xmlns:p14="http://schemas.microsoft.com/office/powerpoint/2010/main" val="3963083300"/>
       </p:ext>
     </p:extLst>
   </p:cSld>
@@ -537,7 +537,7 @@
             <a:fld id="{91663F60-0288-4BD7-9F87-79CFFEA98662}" type="slidenum">
               <a:rPr lang="nl-BE" smtClean="0"/>
               <a:pPr/>
-              <a:t>‹Nr.›</a:t>
+              <a:t>‹#›</a:t>
             </a:fld>
             <a:endParaRPr lang="nl-BE"/>
           </a:p>
@@ -546,7 +546,7 @@
     </p:spTree>
     <p:extLst>
       <p:ext uri="{BB962C8B-B14F-4D97-AF65-F5344CB8AC3E}">
-        <p14:creationId xmlns:p14="http://schemas.microsoft.com/office/powerpoint/2010/main" xmlns="" val="1367293728"/>
+        <p14:creationId xmlns:p14="http://schemas.microsoft.com/office/powerpoint/2010/main" val="1367293728"/>
       </p:ext>
     </p:extLst>
   </p:cSld>
@@ -722,7 +722,7 @@
             <a:fld id="{91663F60-0288-4BD7-9F87-79CFFEA98662}" type="slidenum">
               <a:rPr lang="nl-BE" smtClean="0"/>
               <a:pPr/>
-              <a:t>‹Nr.›</a:t>
+              <a:t>‹#›</a:t>
             </a:fld>
             <a:endParaRPr lang="nl-BE"/>
           </a:p>
@@ -731,7 +731,7 @@
     </p:spTree>
     <p:extLst>
       <p:ext uri="{BB962C8B-B14F-4D97-AF65-F5344CB8AC3E}">
-        <p14:creationId xmlns:p14="http://schemas.microsoft.com/office/powerpoint/2010/main" xmlns="" val="3320721104"/>
+        <p14:creationId xmlns:p14="http://schemas.microsoft.com/office/powerpoint/2010/main" val="3320721104"/>
       </p:ext>
     </p:extLst>
   </p:cSld>
@@ -897,7 +897,7 @@
             <a:fld id="{91663F60-0288-4BD7-9F87-79CFFEA98662}" type="slidenum">
               <a:rPr lang="nl-BE" smtClean="0"/>
               <a:pPr/>
-              <a:t>‹Nr.›</a:t>
+              <a:t>‹#›</a:t>
             </a:fld>
             <a:endParaRPr lang="nl-BE"/>
           </a:p>
@@ -906,7 +906,7 @@
     </p:spTree>
     <p:extLst>
       <p:ext uri="{BB962C8B-B14F-4D97-AF65-F5344CB8AC3E}">
-        <p14:creationId xmlns:p14="http://schemas.microsoft.com/office/powerpoint/2010/main" xmlns="" val="1971972017"/>
+        <p14:creationId xmlns:p14="http://schemas.microsoft.com/office/powerpoint/2010/main" val="1971972017"/>
       </p:ext>
     </p:extLst>
   </p:cSld>
@@ -1148,7 +1148,7 @@
             <a:fld id="{91663F60-0288-4BD7-9F87-79CFFEA98662}" type="slidenum">
               <a:rPr lang="nl-BE" smtClean="0"/>
               <a:pPr/>
-              <a:t>‹Nr.›</a:t>
+              <a:t>‹#›</a:t>
             </a:fld>
             <a:endParaRPr lang="nl-BE"/>
           </a:p>
@@ -1157,7 +1157,7 @@
     </p:spTree>
     <p:extLst>
       <p:ext uri="{BB962C8B-B14F-4D97-AF65-F5344CB8AC3E}">
-        <p14:creationId xmlns:p14="http://schemas.microsoft.com/office/powerpoint/2010/main" xmlns="" val="1541596771"/>
+        <p14:creationId xmlns:p14="http://schemas.microsoft.com/office/powerpoint/2010/main" val="1541596771"/>
       </p:ext>
     </p:extLst>
   </p:cSld>
@@ -1441,7 +1441,7 @@
             <a:fld id="{91663F60-0288-4BD7-9F87-79CFFEA98662}" type="slidenum">
               <a:rPr lang="nl-BE" smtClean="0"/>
               <a:pPr/>
-              <a:t>‹Nr.›</a:t>
+              <a:t>‹#›</a:t>
             </a:fld>
             <a:endParaRPr lang="nl-BE"/>
           </a:p>
@@ -1450,7 +1450,7 @@
     </p:spTree>
     <p:extLst>
       <p:ext uri="{BB962C8B-B14F-4D97-AF65-F5344CB8AC3E}">
-        <p14:creationId xmlns:p14="http://schemas.microsoft.com/office/powerpoint/2010/main" xmlns="" val="1047982118"/>
+        <p14:creationId xmlns:p14="http://schemas.microsoft.com/office/powerpoint/2010/main" val="1047982118"/>
       </p:ext>
     </p:extLst>
   </p:cSld>
@@ -1868,7 +1868,7 @@
             <a:fld id="{91663F60-0288-4BD7-9F87-79CFFEA98662}" type="slidenum">
               <a:rPr lang="nl-BE" smtClean="0"/>
               <a:pPr/>
-              <a:t>‹Nr.›</a:t>
+              <a:t>‹#›</a:t>
             </a:fld>
             <a:endParaRPr lang="nl-BE"/>
           </a:p>
@@ -1877,7 +1877,7 @@
     </p:spTree>
     <p:extLst>
       <p:ext uri="{BB962C8B-B14F-4D97-AF65-F5344CB8AC3E}">
-        <p14:creationId xmlns:p14="http://schemas.microsoft.com/office/powerpoint/2010/main" xmlns="" val="2185725893"/>
+        <p14:creationId xmlns:p14="http://schemas.microsoft.com/office/powerpoint/2010/main" val="2185725893"/>
       </p:ext>
     </p:extLst>
   </p:cSld>
@@ -1991,7 +1991,7 @@
             <a:fld id="{91663F60-0288-4BD7-9F87-79CFFEA98662}" type="slidenum">
               <a:rPr lang="nl-BE" smtClean="0"/>
               <a:pPr/>
-              <a:t>‹Nr.›</a:t>
+              <a:t>‹#›</a:t>
             </a:fld>
             <a:endParaRPr lang="nl-BE"/>
           </a:p>
@@ -2000,7 +2000,7 @@
     </p:spTree>
     <p:extLst>
       <p:ext uri="{BB962C8B-B14F-4D97-AF65-F5344CB8AC3E}">
-        <p14:creationId xmlns:p14="http://schemas.microsoft.com/office/powerpoint/2010/main" xmlns="" val="1565659618"/>
+        <p14:creationId xmlns:p14="http://schemas.microsoft.com/office/powerpoint/2010/main" val="1565659618"/>
       </p:ext>
     </p:extLst>
   </p:cSld>
@@ -2091,7 +2091,7 @@
             <a:fld id="{91663F60-0288-4BD7-9F87-79CFFEA98662}" type="slidenum">
               <a:rPr lang="nl-BE" smtClean="0"/>
               <a:pPr/>
-              <a:t>‹Nr.›</a:t>
+              <a:t>‹#›</a:t>
             </a:fld>
             <a:endParaRPr lang="nl-BE"/>
           </a:p>
@@ -2100,7 +2100,7 @@
     </p:spTree>
     <p:extLst>
       <p:ext uri="{BB962C8B-B14F-4D97-AF65-F5344CB8AC3E}">
-        <p14:creationId xmlns:p14="http://schemas.microsoft.com/office/powerpoint/2010/main" xmlns="" val="2302775655"/>
+        <p14:creationId xmlns:p14="http://schemas.microsoft.com/office/powerpoint/2010/main" val="2302775655"/>
       </p:ext>
     </p:extLst>
   </p:cSld>
@@ -2373,7 +2373,7 @@
             <a:fld id="{91663F60-0288-4BD7-9F87-79CFFEA98662}" type="slidenum">
               <a:rPr lang="nl-BE" smtClean="0"/>
               <a:pPr/>
-              <a:t>‹Nr.›</a:t>
+              <a:t>‹#›</a:t>
             </a:fld>
             <a:endParaRPr lang="nl-BE"/>
           </a:p>
@@ -2382,7 +2382,7 @@
     </p:spTree>
     <p:extLst>
       <p:ext uri="{BB962C8B-B14F-4D97-AF65-F5344CB8AC3E}">
-        <p14:creationId xmlns:p14="http://schemas.microsoft.com/office/powerpoint/2010/main" xmlns="" val="2384358470"/>
+        <p14:creationId xmlns:p14="http://schemas.microsoft.com/office/powerpoint/2010/main" val="2384358470"/>
       </p:ext>
     </p:extLst>
   </p:cSld>
@@ -2631,7 +2631,7 @@
             <a:fld id="{91663F60-0288-4BD7-9F87-79CFFEA98662}" type="slidenum">
               <a:rPr lang="nl-BE" smtClean="0"/>
               <a:pPr/>
-              <a:t>‹Nr.›</a:t>
+              <a:t>‹#›</a:t>
             </a:fld>
             <a:endParaRPr lang="nl-BE"/>
           </a:p>
@@ -2640,7 +2640,7 @@
     </p:spTree>
     <p:extLst>
       <p:ext uri="{BB962C8B-B14F-4D97-AF65-F5344CB8AC3E}">
-        <p14:creationId xmlns:p14="http://schemas.microsoft.com/office/powerpoint/2010/main" xmlns="" val="221485852"/>
+        <p14:creationId xmlns:p14="http://schemas.microsoft.com/office/powerpoint/2010/main" val="221485852"/>
       </p:ext>
     </p:extLst>
   </p:cSld>
@@ -2909,7 +2909,7 @@
             <a:fld id="{91663F60-0288-4BD7-9F87-79CFFEA98662}" type="slidenum">
               <a:rPr lang="nl-BE" smtClean="0"/>
               <a:pPr/>
-              <a:t>‹Nr.›</a:t>
+              <a:t>‹#›</a:t>
             </a:fld>
             <a:endParaRPr lang="nl-BE"/>
           </a:p>
@@ -2918,7 +2918,7 @@
     </p:spTree>
     <p:extLst>
       <p:ext uri="{BB962C8B-B14F-4D97-AF65-F5344CB8AC3E}">
-        <p14:creationId xmlns:p14="http://schemas.microsoft.com/office/powerpoint/2010/main" xmlns="" val="2268232388"/>
+        <p14:creationId xmlns:p14="http://schemas.microsoft.com/office/powerpoint/2010/main" val="2268232388"/>
       </p:ext>
     </p:extLst>
   </p:cSld>
@@ -3547,7 +3547,7 @@
     </p:spTree>
     <p:extLst>
       <p:ext uri="{BB962C8B-B14F-4D97-AF65-F5344CB8AC3E}">
-        <p14:creationId xmlns:p14="http://schemas.microsoft.com/office/powerpoint/2010/main" xmlns="" val="1089514898"/>
+        <p14:creationId xmlns:p14="http://schemas.microsoft.com/office/powerpoint/2010/main" val="1089514898"/>
       </p:ext>
     </p:extLst>
   </p:cSld>
@@ -3745,7 +3745,7 @@
     </p:spTree>
     <p:extLst>
       <p:ext uri="{BB962C8B-B14F-4D97-AF65-F5344CB8AC3E}">
-        <p14:creationId xmlns:p14="http://schemas.microsoft.com/office/powerpoint/2010/main" xmlns="" val="674970378"/>
+        <p14:creationId xmlns:p14="http://schemas.microsoft.com/office/powerpoint/2010/main" val="674970378"/>
       </p:ext>
     </p:extLst>
   </p:cSld>
@@ -3910,7 +3910,7 @@
     </p:spTree>
     <p:extLst>
       <p:ext uri="{BB962C8B-B14F-4D97-AF65-F5344CB8AC3E}">
-        <p14:creationId xmlns:p14="http://schemas.microsoft.com/office/powerpoint/2010/main" xmlns="" val="996989477"/>
+        <p14:creationId xmlns:p14="http://schemas.microsoft.com/office/powerpoint/2010/main" val="996989477"/>
       </p:ext>
     </p:extLst>
   </p:cSld>
@@ -3960,31 +3960,10 @@
         <p:spPr/>
         <p:txBody>
           <a:bodyPr>
-            <a:normAutofit fontScale="90000"/>
+            <a:normAutofit/>
           </a:bodyPr>
           <a:lstStyle/>
           <a:p>
-            <a:r>
-              <a:rPr lang="nl-BE" sz="3600" cap="small" dirty="0" err="1" smtClean="0">
-                <a:ln w="18415" cmpd="sng">
-                  <a:solidFill>
-                    <a:schemeClr val="tx1">
-                      <a:alpha val="0"/>
-                    </a:schemeClr>
-                  </a:solidFill>
-                  <a:prstDash val="solid"/>
-                </a:ln>
-                <a:effectLst>
-                  <a:outerShdw blurRad="25400" dir="3600000" algn="tl" rotWithShape="0">
-                    <a:srgbClr val="000000">
-                      <a:alpha val="70000"/>
-                    </a:srgbClr>
-                  </a:outerShdw>
-                </a:effectLst>
-                <a:latin typeface="Sitka Text" pitchFamily="2" charset="0"/>
-              </a:rPr>
-              <a:t>Testing</a:t>
-            </a:r>
             <a:r>
               <a:rPr lang="nl-BE" sz="3600" cap="small" dirty="0" smtClean="0">
                 <a:ln w="18415" cmpd="sng">
@@ -4004,7 +3983,28 @@
                 </a:effectLst>
                 <a:latin typeface="Sitka Text" pitchFamily="2" charset="0"/>
               </a:rPr>
-              <a:t> approach TODO UPDATE (screenshot)</a:t>
+              <a:t>Testing </a:t>
+            </a:r>
+            <a:r>
+              <a:rPr lang="nl-BE" sz="3600" cap="small" dirty="0" smtClean="0">
+                <a:ln w="18415" cmpd="sng">
+                  <a:solidFill>
+                    <a:schemeClr val="tx1">
+                      <a:alpha val="0"/>
+                    </a:schemeClr>
+                  </a:solidFill>
+                  <a:prstDash val="solid"/>
+                </a:ln>
+                <a:effectLst>
+                  <a:outerShdw blurRad="25400" dir="3600000" algn="tl" rotWithShape="0">
+                    <a:srgbClr val="000000">
+                      <a:alpha val="70000"/>
+                    </a:srgbClr>
+                  </a:outerShdw>
+                </a:effectLst>
+                <a:latin typeface="Sitka Text" pitchFamily="2" charset="0"/>
+              </a:rPr>
+              <a:t>approach</a:t>
             </a:r>
             <a:endParaRPr lang="nl-BE" sz="3600" cap="small" dirty="0">
               <a:ln w="18415" cmpd="sng">
@@ -4029,7 +4029,7 @@
       </p:sp>
       <p:pic>
         <p:nvPicPr>
-          <p:cNvPr id="4" name="Content Placeholder 3"/>
+          <p:cNvPr id="7" name="Content Placeholder 6"/>
           <p:cNvPicPr>
             <a:picLocks noGrp="1" noChangeAspect="1"/>
           </p:cNvPicPr>
@@ -4038,10 +4038,10 @@
           </p:nvPr>
         </p:nvPicPr>
         <p:blipFill>
-          <a:blip r:embed="rId2" cstate="print">
+          <a:blip r:embed="rId2">
             <a:extLst>
               <a:ext uri="{28A0092B-C50C-407E-A947-70E740481C1C}">
-                <a14:useLocalDpi xmlns:a14="http://schemas.microsoft.com/office/drawing/2010/main" xmlns="" val="0"/>
+                <a14:useLocalDpi xmlns:a14="http://schemas.microsoft.com/office/drawing/2010/main" val="0"/>
               </a:ext>
             </a:extLst>
           </a:blip>
@@ -4051,28 +4051,15 @@
         </p:blipFill>
         <p:spPr>
           <a:xfrm>
-            <a:off x="126294" y="1268760"/>
-            <a:ext cx="8891411" cy="5400600"/>
+            <a:off x="324176" y="1484784"/>
+            <a:ext cx="8495647" cy="4896544"/>
           </a:xfrm>
-          <a:prstGeom prst="rect">
-            <a:avLst/>
-          </a:prstGeom>
-          <a:ln>
-            <a:noFill/>
-          </a:ln>
-          <a:effectLst>
-            <a:outerShdw blurRad="292100" dist="139700" dir="2700000" algn="tl" rotWithShape="0">
-              <a:srgbClr val="333333">
-                <a:alpha val="65000"/>
-              </a:srgbClr>
-            </a:outerShdw>
-          </a:effectLst>
         </p:spPr>
       </p:pic>
     </p:spTree>
     <p:extLst>
       <p:ext uri="{BB962C8B-B14F-4D97-AF65-F5344CB8AC3E}">
-        <p14:creationId xmlns:p14="http://schemas.microsoft.com/office/powerpoint/2010/main" xmlns="" val="3176464878"/>
+        <p14:creationId xmlns:p14="http://schemas.microsoft.com/office/powerpoint/2010/main" val="3176464878"/>
       </p:ext>
     </p:extLst>
   </p:cSld>
@@ -4180,7 +4167,7 @@
           <a:blip r:embed="rId2" cstate="print">
             <a:extLst>
               <a:ext uri="{28A0092B-C50C-407E-A947-70E740481C1C}">
-                <a14:useLocalDpi xmlns:a14="http://schemas.microsoft.com/office/drawing/2010/main" xmlns="" val="0"/>
+                <a14:useLocalDpi xmlns:a14="http://schemas.microsoft.com/office/drawing/2010/main" val="0"/>
               </a:ext>
             </a:extLst>
           </a:blip>
@@ -4198,7 +4185,7 @@
           <a:noFill/>
           <a:extLst>
             <a:ext uri="{909E8E84-426E-40DD-AFC4-6F175D3DCCD1}">
-              <a14:hiddenFill xmlns:a14="http://schemas.microsoft.com/office/drawing/2010/main" xmlns="">
+              <a14:hiddenFill xmlns:a14="http://schemas.microsoft.com/office/drawing/2010/main">
                 <a:solidFill>
                   <a:srgbClr val="FFFFFF"/>
                 </a:solidFill>
@@ -4210,7 +4197,7 @@
     </p:spTree>
     <p:extLst>
       <p:ext uri="{BB962C8B-B14F-4D97-AF65-F5344CB8AC3E}">
-        <p14:creationId xmlns:p14="http://schemas.microsoft.com/office/powerpoint/2010/main" xmlns="" val="3405605565"/>
+        <p14:creationId xmlns:p14="http://schemas.microsoft.com/office/powerpoint/2010/main" val="3405605565"/>
       </p:ext>
     </p:extLst>
   </p:cSld>
@@ -4641,8 +4628,77 @@
                 </a:effectLst>
                 <a:latin typeface="Sitka Banner" pitchFamily="2" charset="0"/>
               </a:rPr>
-              <a:t> 	Individual Work: 	Study: </a:t>
-            </a:r>
+              <a:t> </a:t>
+            </a:r>
+            <a:r>
+              <a:rPr lang="nl-BE" sz="2400" dirty="0" smtClean="0">
+                <a:solidFill>
+                  <a:schemeClr val="accent4">
+                    <a:lumMod val="50000"/>
+                  </a:schemeClr>
+                </a:solidFill>
+                <a:effectLst>
+                  <a:outerShdw blurRad="76200" dist="38100" dir="5400000" algn="t" rotWithShape="0">
+                    <a:prstClr val="black">
+                      <a:alpha val="27000"/>
+                    </a:prstClr>
+                  </a:outerShdw>
+                </a:effectLst>
+                <a:latin typeface="Sitka Banner" pitchFamily="2" charset="0"/>
+              </a:rPr>
+              <a:t>31h</a:t>
+            </a:r>
+            <a:r>
+              <a:rPr lang="nl-BE" sz="2400" dirty="0" smtClean="0">
+                <a:solidFill>
+                  <a:schemeClr val="accent4">
+                    <a:lumMod val="50000"/>
+                  </a:schemeClr>
+                </a:solidFill>
+                <a:effectLst>
+                  <a:outerShdw blurRad="76200" dist="38100" dir="5400000" algn="t" rotWithShape="0">
+                    <a:prstClr val="black">
+                      <a:alpha val="27000"/>
+                    </a:prstClr>
+                  </a:outerShdw>
+                </a:effectLst>
+                <a:latin typeface="Sitka Banner" pitchFamily="2" charset="0"/>
+              </a:rPr>
+              <a:t>	Individual Work: 	</a:t>
+            </a:r>
+            <a:r>
+              <a:rPr lang="nl-BE" sz="2400" dirty="0" smtClean="0">
+                <a:solidFill>
+                  <a:schemeClr val="accent4">
+                    <a:lumMod val="50000"/>
+                  </a:schemeClr>
+                </a:solidFill>
+                <a:effectLst>
+                  <a:outerShdw blurRad="76200" dist="38100" dir="5400000" algn="t" rotWithShape="0">
+                    <a:prstClr val="black">
+                      <a:alpha val="27000"/>
+                    </a:prstClr>
+                  </a:outerShdw>
+                </a:effectLst>
+                <a:latin typeface="Sitka Banner" pitchFamily="2" charset="0"/>
+              </a:rPr>
+              <a:t>Study:  </a:t>
+            </a:r>
+            <a:endParaRPr lang="nl-BE" sz="2400" dirty="0" smtClean="0">
+              <a:solidFill>
+                <a:schemeClr val="accent4">
+                  <a:lumMod val="50000"/>
+                </a:schemeClr>
+              </a:solidFill>
+              <a:effectLst>
+                <a:outerShdw blurRad="76200" dist="38100" dir="5400000" algn="t" rotWithShape="0">
+                  <a:prstClr val="black">
+                    <a:alpha val="27000"/>
+                  </a:prstClr>
+                </a:outerShdw>
+              </a:effectLst>
+              <a:latin typeface="Sitka Banner" pitchFamily="2" charset="0"/>
+            </a:endParaRPr>
           </a:p>
           <a:p>
             <a:pPr marL="0" indent="0">
@@ -4655,7 +4711,7 @@
     </p:spTree>
     <p:extLst>
       <p:ext uri="{BB962C8B-B14F-4D97-AF65-F5344CB8AC3E}">
-        <p14:creationId xmlns:p14="http://schemas.microsoft.com/office/powerpoint/2010/main" xmlns="" val="1581702792"/>
+        <p14:creationId xmlns:p14="http://schemas.microsoft.com/office/powerpoint/2010/main" val="1581702792"/>
       </p:ext>
     </p:extLst>
   </p:cSld>
@@ -4702,7 +4758,7 @@
             <p:ph idx="1"/>
             <p:extLst>
               <p:ext uri="{D42A27DB-BD31-4B8C-83A1-F6EECF244321}">
-                <p14:modId xmlns:p14="http://schemas.microsoft.com/office/powerpoint/2010/main" xmlns="" val="1687304960"/>
+                <p14:modId xmlns:p14="http://schemas.microsoft.com/office/powerpoint/2010/main" val="3072315139"/>
               </p:ext>
             </p:extLst>
           </p:nvPr>
@@ -4721,28 +4777,28 @@
                 <a:gridCol w="2057400">
                   <a:extLst>
                     <a:ext uri="{9D8B030D-6E8A-4147-A177-3AD203B41FA5}">
-                      <a16:colId xmlns="" xmlns:a16="http://schemas.microsoft.com/office/drawing/2014/main" val="4022630451"/>
+                      <a16:colId xmlns:a16="http://schemas.microsoft.com/office/drawing/2014/main" val="4022630451"/>
                     </a:ext>
                   </a:extLst>
                 </a:gridCol>
                 <a:gridCol w="2057400">
                   <a:extLst>
                     <a:ext uri="{9D8B030D-6E8A-4147-A177-3AD203B41FA5}">
-                      <a16:colId xmlns="" xmlns:a16="http://schemas.microsoft.com/office/drawing/2014/main" val="1276862258"/>
+                      <a16:colId xmlns:a16="http://schemas.microsoft.com/office/drawing/2014/main" val="1276862258"/>
                     </a:ext>
                   </a:extLst>
                 </a:gridCol>
                 <a:gridCol w="2057400">
                   <a:extLst>
                     <a:ext uri="{9D8B030D-6E8A-4147-A177-3AD203B41FA5}">
-                      <a16:colId xmlns="" xmlns:a16="http://schemas.microsoft.com/office/drawing/2014/main" val="670422697"/>
+                      <a16:colId xmlns:a16="http://schemas.microsoft.com/office/drawing/2014/main" val="670422697"/>
                     </a:ext>
                   </a:extLst>
                 </a:gridCol>
                 <a:gridCol w="2057400">
                   <a:extLst>
                     <a:ext uri="{9D8B030D-6E8A-4147-A177-3AD203B41FA5}">
-                      <a16:colId xmlns="" xmlns:a16="http://schemas.microsoft.com/office/drawing/2014/main" val="3836214712"/>
+                      <a16:colId xmlns:a16="http://schemas.microsoft.com/office/drawing/2014/main" val="3836214712"/>
                     </a:ext>
                   </a:extLst>
                 </a:gridCol>
@@ -4814,7 +4870,7 @@
                 </a:tc>
                 <a:extLst>
                   <a:ext uri="{0D108BD9-81ED-4DB2-BD59-A6C34878D82A}">
-                    <a16:rowId xmlns="" xmlns:a16="http://schemas.microsoft.com/office/drawing/2014/main" val="2789307922"/>
+                    <a16:rowId xmlns:a16="http://schemas.microsoft.com/office/drawing/2014/main" val="2789307922"/>
                   </a:ext>
                 </a:extLst>
               </a:tr>
@@ -4914,24 +4970,27 @@
                       </a:r>
                       <a:r>
                         <a:rPr lang="en-GB" cap="small" baseline="0" dirty="0" smtClean="0"/>
-                        <a:t> INVULLEN (</a:t>
+                        <a:t> </a:t>
+                      </a:r>
+                      <a:r>
+                        <a:rPr lang="en-GB" cap="small" baseline="0" dirty="0" smtClean="0"/>
+                        <a:t>INVULLEN (</a:t>
                       </a:r>
                       <a:r>
                         <a:rPr lang="en-GB" cap="small" baseline="0" dirty="0" err="1" smtClean="0"/>
                         <a:t>Doorschuiven</a:t>
                       </a:r>
                       <a:r>
-                        <a:rPr lang="en-GB" cap="small" baseline="0" smtClean="0"/>
+                        <a:rPr lang="en-GB" cap="small" baseline="0" dirty="0" smtClean="0"/>
                         <a:t>)</a:t>
                       </a:r>
-                      <a:endParaRPr lang="en-GB" cap="small" dirty="0"/>
                     </a:p>
                   </a:txBody>
                   <a:tcPr/>
                 </a:tc>
                 <a:extLst>
                   <a:ext uri="{0D108BD9-81ED-4DB2-BD59-A6C34878D82A}">
-                    <a16:rowId xmlns="" xmlns:a16="http://schemas.microsoft.com/office/drawing/2014/main" val="3498730236"/>
+                    <a16:rowId xmlns:a16="http://schemas.microsoft.com/office/drawing/2014/main" val="3498730236"/>
                   </a:ext>
                 </a:extLst>
               </a:tr>
@@ -5002,7 +5061,7 @@
                 </a:tc>
                 <a:extLst>
                   <a:ext uri="{0D108BD9-81ED-4DB2-BD59-A6C34878D82A}">
-                    <a16:rowId xmlns="" xmlns:a16="http://schemas.microsoft.com/office/drawing/2014/main" val="4013628509"/>
+                    <a16:rowId xmlns:a16="http://schemas.microsoft.com/office/drawing/2014/main" val="4013628509"/>
                   </a:ext>
                 </a:extLst>
               </a:tr>
@@ -5077,7 +5136,7 @@
                 </a:tc>
                 <a:extLst>
                   <a:ext uri="{0D108BD9-81ED-4DB2-BD59-A6C34878D82A}">
-                    <a16:rowId xmlns="" xmlns:a16="http://schemas.microsoft.com/office/drawing/2014/main" val="1545046261"/>
+                    <a16:rowId xmlns:a16="http://schemas.microsoft.com/office/drawing/2014/main" val="1545046261"/>
                   </a:ext>
                 </a:extLst>
               </a:tr>
@@ -5168,7 +5227,7 @@
     </p:spTree>
     <p:extLst>
       <p:ext uri="{BB962C8B-B14F-4D97-AF65-F5344CB8AC3E}">
-        <p14:creationId xmlns:p14="http://schemas.microsoft.com/office/powerpoint/2010/main" xmlns="" val="152465229"/>
+        <p14:creationId xmlns:p14="http://schemas.microsoft.com/office/powerpoint/2010/main" val="152465229"/>
       </p:ext>
     </p:extLst>
   </p:cSld>
@@ -5305,7 +5364,7 @@
           <a:noFill/>
           <a:extLst>
             <a:ext uri="{909E8E84-426E-40DD-AFC4-6F175D3DCCD1}">
-              <a14:hiddenFill xmlns:a14="http://schemas.microsoft.com/office/drawing/2010/main" xmlns="">
+              <a14:hiddenFill xmlns:a14="http://schemas.microsoft.com/office/drawing/2010/main">
                 <a:solidFill>
                   <a:srgbClr val="FFFFFF"/>
                 </a:solidFill>
@@ -5439,7 +5498,7 @@
     </p:spTree>
     <p:extLst>
       <p:ext uri="{BB962C8B-B14F-4D97-AF65-F5344CB8AC3E}">
-        <p14:creationId xmlns:p14="http://schemas.microsoft.com/office/powerpoint/2010/main" xmlns="" val="439526893"/>
+        <p14:creationId xmlns:p14="http://schemas.microsoft.com/office/powerpoint/2010/main" val="439526893"/>
       </p:ext>
     </p:extLst>
   </p:cSld>
@@ -5616,7 +5675,7 @@
         </p:spPr>
         <p:txBody>
           <a:bodyPr>
-            <a:normAutofit/>
+            <a:normAutofit lnSpcReduction="10000"/>
           </a:bodyPr>
           <a:lstStyle/>
           <a:p>
@@ -5709,32 +5768,17 @@
               <a:rPr lang="nl-BE" sz="2800" dirty="0" smtClean="0">
                 <a:latin typeface="Sitka Display" pitchFamily="2" charset="0"/>
               </a:rPr>
-              <a:t>Uitleg over design </a:t>
-            </a:r>
-            <a:r>
-              <a:rPr lang="nl-BE" sz="2800" dirty="0" err="1" smtClean="0">
-                <a:latin typeface="Sitka Display" pitchFamily="2" charset="0"/>
-              </a:rPr>
-              <a:t>patterns</a:t>
+              <a:t>Uitleg over design patterns: Observer, Memento, </a:t>
             </a:r>
             <a:r>
               <a:rPr lang="nl-BE" sz="2800" dirty="0" smtClean="0">
                 <a:latin typeface="Sitka Display" pitchFamily="2" charset="0"/>
               </a:rPr>
-              <a:t>: </a:t>
-            </a:r>
-            <a:r>
-              <a:rPr lang="nl-BE" sz="2800" dirty="0" err="1" smtClean="0">
-                <a:latin typeface="Sitka Display" pitchFamily="2" charset="0"/>
-              </a:rPr>
-              <a:t>Observer</a:t>
-            </a:r>
-            <a:r>
-              <a:rPr lang="nl-BE" sz="2800" dirty="0" smtClean="0">
-                <a:latin typeface="Sitka Display" pitchFamily="2" charset="0"/>
-              </a:rPr>
-              <a:t>, Memento, Stat</a:t>
-            </a:r>
+              <a:t>Stat + Strat ?</a:t>
+            </a:r>
+            <a:endParaRPr lang="nl-BE" sz="2800" dirty="0" smtClean="0">
+              <a:latin typeface="Sitka Display" pitchFamily="2" charset="0"/>
+            </a:endParaRPr>
           </a:p>
           <a:p>
             <a:pPr marL="0" indent="0">
@@ -5835,7 +5879,7 @@
     </p:spTree>
     <p:extLst>
       <p:ext uri="{BB962C8B-B14F-4D97-AF65-F5344CB8AC3E}">
-        <p14:creationId xmlns:p14="http://schemas.microsoft.com/office/powerpoint/2010/main" xmlns="" val="983478496"/>
+        <p14:creationId xmlns:p14="http://schemas.microsoft.com/office/powerpoint/2010/main" val="983478496"/>
       </p:ext>
     </p:extLst>
   </p:cSld>
@@ -6037,7 +6081,7 @@
             </a:clrChange>
             <a:extLst>
               <a:ext uri="{28A0092B-C50C-407E-A947-70E740481C1C}">
-                <a14:useLocalDpi xmlns:a14="http://schemas.microsoft.com/office/drawing/2010/main" xmlns="" val="0"/>
+                <a14:useLocalDpi xmlns:a14="http://schemas.microsoft.com/office/drawing/2010/main" val="0"/>
               </a:ext>
             </a:extLst>
           </a:blip>
@@ -6057,7 +6101,7 @@
           <a:noFill/>
           <a:extLst>
             <a:ext uri="{909E8E84-426E-40DD-AFC4-6F175D3DCCD1}">
-              <a14:hiddenFill xmlns:a14="http://schemas.microsoft.com/office/drawing/2010/main" xmlns="">
+              <a14:hiddenFill xmlns:a14="http://schemas.microsoft.com/office/drawing/2010/main">
                 <a:solidFill>
                   <a:srgbClr val="FFFFFF"/>
                 </a:solidFill>
@@ -6214,7 +6258,7 @@
     </p:spTree>
     <p:extLst>
       <p:ext uri="{BB962C8B-B14F-4D97-AF65-F5344CB8AC3E}">
-        <p14:creationId xmlns:p14="http://schemas.microsoft.com/office/powerpoint/2010/main" xmlns="" val="4089071672"/>
+        <p14:creationId xmlns:p14="http://schemas.microsoft.com/office/powerpoint/2010/main" val="4089071672"/>
       </p:ext>
     </p:extLst>
   </p:cSld>
@@ -6304,7 +6348,7 @@
     </p:spTree>
     <p:extLst>
       <p:ext uri="{BB962C8B-B14F-4D97-AF65-F5344CB8AC3E}">
-        <p14:creationId xmlns:p14="http://schemas.microsoft.com/office/powerpoint/2010/main" xmlns="" val="2544111520"/>
+        <p14:creationId xmlns:p14="http://schemas.microsoft.com/office/powerpoint/2010/main" val="2544111520"/>
       </p:ext>
     </p:extLst>
   </p:cSld>
@@ -6389,7 +6433,7 @@
     </p:spTree>
     <p:extLst>
       <p:ext uri="{BB962C8B-B14F-4D97-AF65-F5344CB8AC3E}">
-        <p14:creationId xmlns:p14="http://schemas.microsoft.com/office/powerpoint/2010/main" xmlns="" val="378156031"/>
+        <p14:creationId xmlns:p14="http://schemas.microsoft.com/office/powerpoint/2010/main" val="378156031"/>
       </p:ext>
     </p:extLst>
   </p:cSld>
@@ -6436,35 +6480,45 @@
           <a:p>
             <a:r>
               <a:rPr lang="nl-BE" dirty="0" smtClean="0"/>
-              <a:t>Uitleg memento</a:t>
+              <a:t>Mailbox system</a:t>
             </a:r>
             <a:endParaRPr lang="nl-BE" dirty="0"/>
           </a:p>
         </p:txBody>
       </p:sp>
-      <p:sp>
-        <p:nvSpPr>
-          <p:cNvPr id="3" name="Tijdelijke aanduiding voor inhoud 2"/>
-          <p:cNvSpPr>
-            <a:spLocks noGrp="1"/>
-          </p:cNvSpPr>
+      <p:pic>
+        <p:nvPicPr>
+          <p:cNvPr id="6" name="Content Placeholder 5"/>
+          <p:cNvPicPr>
+            <a:picLocks noGrp="1" noChangeAspect="1"/>
+          </p:cNvPicPr>
           <p:nvPr>
             <p:ph idx="1"/>
           </p:nvPr>
-        </p:nvSpPr>
-        <p:spPr/>
-        <p:txBody>
-          <a:bodyPr/>
-          <a:lstStyle/>
-          <a:p>
-            <a:endParaRPr lang="nl-BE"/>
-          </a:p>
-        </p:txBody>
-      </p:sp>
+        </p:nvPicPr>
+        <p:blipFill>
+          <a:blip r:embed="rId2">
+            <a:extLst>
+              <a:ext uri="{28A0092B-C50C-407E-A947-70E740481C1C}">
+                <a14:useLocalDpi xmlns:a14="http://schemas.microsoft.com/office/drawing/2010/main" val="0"/>
+              </a:ext>
+            </a:extLst>
+          </a:blip>
+          <a:stretch>
+            <a:fillRect/>
+          </a:stretch>
+        </p:blipFill>
+        <p:spPr>
+          <a:xfrm>
+            <a:off x="1043608" y="1268760"/>
+            <a:ext cx="6840760" cy="5555696"/>
+          </a:xfrm>
+        </p:spPr>
+      </p:pic>
     </p:spTree>
     <p:extLst>
       <p:ext uri="{BB962C8B-B14F-4D97-AF65-F5344CB8AC3E}">
-        <p14:creationId xmlns:p14="http://schemas.microsoft.com/office/powerpoint/2010/main" xmlns="" val="1968202226"/>
+        <p14:creationId xmlns:p14="http://schemas.microsoft.com/office/powerpoint/2010/main" val="1319242908"/>
       </p:ext>
     </p:extLst>
   </p:cSld>
@@ -6511,39 +6565,45 @@
           <a:p>
             <a:r>
               <a:rPr lang="nl-BE" dirty="0" smtClean="0"/>
-              <a:t>Uitleg </a:t>
-            </a:r>
-            <a:r>
-              <a:rPr lang="nl-BE" dirty="0" err="1" smtClean="0"/>
-              <a:t>Observer</a:t>
+              <a:t>Undo mechanism</a:t>
             </a:r>
             <a:endParaRPr lang="nl-BE" dirty="0"/>
           </a:p>
         </p:txBody>
       </p:sp>
-      <p:sp>
-        <p:nvSpPr>
-          <p:cNvPr id="3" name="Tijdelijke aanduiding voor inhoud 2"/>
-          <p:cNvSpPr>
-            <a:spLocks noGrp="1"/>
-          </p:cNvSpPr>
+      <p:pic>
+        <p:nvPicPr>
+          <p:cNvPr id="4" name="Content Placeholder 3"/>
+          <p:cNvPicPr>
+            <a:picLocks noGrp="1" noChangeAspect="1"/>
+          </p:cNvPicPr>
           <p:nvPr>
             <p:ph idx="1"/>
           </p:nvPr>
-        </p:nvSpPr>
-        <p:spPr/>
-        <p:txBody>
-          <a:bodyPr/>
-          <a:lstStyle/>
-          <a:p>
-            <a:endParaRPr lang="nl-BE"/>
-          </a:p>
-        </p:txBody>
-      </p:sp>
+        </p:nvPicPr>
+        <p:blipFill>
+          <a:blip r:embed="rId2">
+            <a:extLst>
+              <a:ext uri="{28A0092B-C50C-407E-A947-70E740481C1C}">
+                <a14:useLocalDpi xmlns:a14="http://schemas.microsoft.com/office/drawing/2010/main" val="0"/>
+              </a:ext>
+            </a:extLst>
+          </a:blip>
+          <a:stretch>
+            <a:fillRect/>
+          </a:stretch>
+        </p:blipFill>
+        <p:spPr>
+          <a:xfrm>
+            <a:off x="1259632" y="1196752"/>
+            <a:ext cx="6336704" cy="5553417"/>
+          </a:xfrm>
+        </p:spPr>
+      </p:pic>
     </p:spTree>
     <p:extLst>
       <p:ext uri="{BB962C8B-B14F-4D97-AF65-F5344CB8AC3E}">
-        <p14:creationId xmlns:p14="http://schemas.microsoft.com/office/powerpoint/2010/main" xmlns="" val="1319242908"/>
+        <p14:creationId xmlns:p14="http://schemas.microsoft.com/office/powerpoint/2010/main" val="1968202226"/>
       </p:ext>
     </p:extLst>
   </p:cSld>
@@ -6609,28 +6669,7 @@
                 </a:effectLst>
                 <a:latin typeface="Sitka Text" pitchFamily="2" charset="0"/>
               </a:rPr>
-              <a:t>Extensibility of </a:t>
-            </a:r>
-            <a:r>
-              <a:rPr lang="nl-BE" sz="3600" cap="small" dirty="0" smtClean="0">
-                <a:ln w="18415" cmpd="sng">
-                  <a:solidFill>
-                    <a:schemeClr val="tx1">
-                      <a:alpha val="0"/>
-                    </a:schemeClr>
-                  </a:solidFill>
-                  <a:prstDash val="solid"/>
-                </a:ln>
-                <a:effectLst>
-                  <a:outerShdw blurRad="25400" dir="3600000" algn="tl" rotWithShape="0">
-                    <a:srgbClr val="000000">
-                      <a:alpha val="70000"/>
-                    </a:srgbClr>
-                  </a:outerShdw>
-                </a:effectLst>
-                <a:latin typeface="Sitka Text" pitchFamily="2" charset="0"/>
-              </a:rPr>
-              <a:t>the system:</a:t>
+              <a:t>Extensibility of the system:</a:t>
             </a:r>
             <a:endParaRPr lang="nl-BE" sz="3600" cap="small" dirty="0">
               <a:ln w="18415" cmpd="sng">
@@ -6701,13 +6740,7 @@
               <a:rPr lang="en-US" sz="2400" dirty="0" err="1" smtClean="0">
                 <a:latin typeface="Sitka Display" pitchFamily="2" charset="0"/>
               </a:rPr>
-              <a:t>I</a:t>
-            </a:r>
-            <a:r>
-              <a:rPr lang="en-US" sz="2400" dirty="0" err="1" smtClean="0">
-                <a:latin typeface="Sitka Display" pitchFamily="2" charset="0"/>
-              </a:rPr>
-              <a:t>nitializer</a:t>
+              <a:t>Initializer</a:t>
             </a:r>
             <a:endParaRPr lang="en-US" sz="2400" dirty="0" smtClean="0">
               <a:latin typeface="Sitka Display" pitchFamily="2" charset="0"/>
@@ -6757,9 +6790,6 @@
               </a:rPr>
               <a:t>It was easy to implement the changes from iteration 2 -&gt; great extensibility of our code from iteration 1</a:t>
             </a:r>
-            <a:endParaRPr lang="en-US" sz="2400" dirty="0" smtClean="0">
-              <a:latin typeface="Sitka Display" pitchFamily="2" charset="0"/>
-            </a:endParaRPr>
           </a:p>
           <a:p>
             <a:endParaRPr lang="en-US" sz="2400" dirty="0"/>
@@ -6769,7 +6799,7 @@
     </p:spTree>
     <p:extLst>
       <p:ext uri="{BB962C8B-B14F-4D97-AF65-F5344CB8AC3E}">
-        <p14:creationId xmlns:p14="http://schemas.microsoft.com/office/powerpoint/2010/main" xmlns="" val="2444210159"/>
+        <p14:creationId xmlns:p14="http://schemas.microsoft.com/office/powerpoint/2010/main" val="2444210159"/>
       </p:ext>
     </p:extLst>
   </p:cSld>

--- a/Presentaties/Iteratie 2/SWOP Presentatie 2 Inhoud.pptx
+++ b/Presentaties/Iteratie 2/SWOP Presentatie 2 Inhoud.pptx
@@ -8,18 +8,21 @@
     <p:sldId id="256" r:id="rId2"/>
     <p:sldId id="257" r:id="rId3"/>
     <p:sldId id="258" r:id="rId4"/>
-    <p:sldId id="267" r:id="rId5"/>
-    <p:sldId id="276" r:id="rId6"/>
-    <p:sldId id="277" r:id="rId7"/>
-    <p:sldId id="279" r:id="rId8"/>
-    <p:sldId id="278" r:id="rId9"/>
-    <p:sldId id="259" r:id="rId10"/>
-    <p:sldId id="270" r:id="rId11"/>
-    <p:sldId id="274" r:id="rId12"/>
-    <p:sldId id="260" r:id="rId13"/>
-    <p:sldId id="261" r:id="rId14"/>
-    <p:sldId id="262" r:id="rId15"/>
-    <p:sldId id="275" r:id="rId16"/>
+    <p:sldId id="280" r:id="rId5"/>
+    <p:sldId id="281" r:id="rId6"/>
+    <p:sldId id="282" r:id="rId7"/>
+    <p:sldId id="283" r:id="rId8"/>
+    <p:sldId id="284" r:id="rId9"/>
+    <p:sldId id="277" r:id="rId10"/>
+    <p:sldId id="279" r:id="rId11"/>
+    <p:sldId id="278" r:id="rId12"/>
+    <p:sldId id="259" r:id="rId13"/>
+    <p:sldId id="270" r:id="rId14"/>
+    <p:sldId id="274" r:id="rId15"/>
+    <p:sldId id="260" r:id="rId16"/>
+    <p:sldId id="261" r:id="rId17"/>
+    <p:sldId id="262" r:id="rId18"/>
+    <p:sldId id="275" r:id="rId19"/>
   </p:sldIdLst>
   <p:sldSz cx="9144000" cy="6858000" type="screen4x3"/>
   <p:notesSz cx="6858000" cy="9144000"/>
@@ -319,7 +322,7 @@
             <a:fld id="{0F5E03E0-8FDD-4F94-8780-E28EA23ED5EC}" type="datetimeFigureOut">
               <a:rPr lang="nl-BE" smtClean="0"/>
               <a:pPr/>
-              <a:t>19/04/2016</a:t>
+              <a:t>19/04/16</a:t>
             </a:fld>
             <a:endParaRPr lang="nl-BE"/>
           </a:p>
@@ -362,7 +365,7 @@
             <a:fld id="{91663F60-0288-4BD7-9F87-79CFFEA98662}" type="slidenum">
               <a:rPr lang="nl-BE" smtClean="0"/>
               <a:pPr/>
-              <a:t>‹#›</a:t>
+              <a:t>‹nr.›</a:t>
             </a:fld>
             <a:endParaRPr lang="nl-BE"/>
           </a:p>
@@ -494,7 +497,7 @@
             <a:fld id="{0F5E03E0-8FDD-4F94-8780-E28EA23ED5EC}" type="datetimeFigureOut">
               <a:rPr lang="nl-BE" smtClean="0"/>
               <a:pPr/>
-              <a:t>19/04/2016</a:t>
+              <a:t>19/04/16</a:t>
             </a:fld>
             <a:endParaRPr lang="nl-BE"/>
           </a:p>
@@ -537,7 +540,7 @@
             <a:fld id="{91663F60-0288-4BD7-9F87-79CFFEA98662}" type="slidenum">
               <a:rPr lang="nl-BE" smtClean="0"/>
               <a:pPr/>
-              <a:t>‹#›</a:t>
+              <a:t>‹nr.›</a:t>
             </a:fld>
             <a:endParaRPr lang="nl-BE"/>
           </a:p>
@@ -679,7 +682,7 @@
             <a:fld id="{0F5E03E0-8FDD-4F94-8780-E28EA23ED5EC}" type="datetimeFigureOut">
               <a:rPr lang="nl-BE" smtClean="0"/>
               <a:pPr/>
-              <a:t>19/04/2016</a:t>
+              <a:t>19/04/16</a:t>
             </a:fld>
             <a:endParaRPr lang="nl-BE"/>
           </a:p>
@@ -722,7 +725,7 @@
             <a:fld id="{91663F60-0288-4BD7-9F87-79CFFEA98662}" type="slidenum">
               <a:rPr lang="nl-BE" smtClean="0"/>
               <a:pPr/>
-              <a:t>‹#›</a:t>
+              <a:t>‹nr.›</a:t>
             </a:fld>
             <a:endParaRPr lang="nl-BE"/>
           </a:p>
@@ -854,7 +857,7 @@
             <a:fld id="{0F5E03E0-8FDD-4F94-8780-E28EA23ED5EC}" type="datetimeFigureOut">
               <a:rPr lang="nl-BE" smtClean="0"/>
               <a:pPr/>
-              <a:t>19/04/2016</a:t>
+              <a:t>19/04/16</a:t>
             </a:fld>
             <a:endParaRPr lang="nl-BE"/>
           </a:p>
@@ -897,7 +900,7 @@
             <a:fld id="{91663F60-0288-4BD7-9F87-79CFFEA98662}" type="slidenum">
               <a:rPr lang="nl-BE" smtClean="0"/>
               <a:pPr/>
-              <a:t>‹#›</a:t>
+              <a:t>‹nr.›</a:t>
             </a:fld>
             <a:endParaRPr lang="nl-BE"/>
           </a:p>
@@ -1105,7 +1108,7 @@
             <a:fld id="{0F5E03E0-8FDD-4F94-8780-E28EA23ED5EC}" type="datetimeFigureOut">
               <a:rPr lang="nl-BE" smtClean="0"/>
               <a:pPr/>
-              <a:t>19/04/2016</a:t>
+              <a:t>19/04/16</a:t>
             </a:fld>
             <a:endParaRPr lang="nl-BE"/>
           </a:p>
@@ -1148,7 +1151,7 @@
             <a:fld id="{91663F60-0288-4BD7-9F87-79CFFEA98662}" type="slidenum">
               <a:rPr lang="nl-BE" smtClean="0"/>
               <a:pPr/>
-              <a:t>‹#›</a:t>
+              <a:t>‹nr.›</a:t>
             </a:fld>
             <a:endParaRPr lang="nl-BE"/>
           </a:p>
@@ -1398,7 +1401,7 @@
             <a:fld id="{0F5E03E0-8FDD-4F94-8780-E28EA23ED5EC}" type="datetimeFigureOut">
               <a:rPr lang="nl-BE" smtClean="0"/>
               <a:pPr/>
-              <a:t>19/04/2016</a:t>
+              <a:t>19/04/16</a:t>
             </a:fld>
             <a:endParaRPr lang="nl-BE"/>
           </a:p>
@@ -1441,7 +1444,7 @@
             <a:fld id="{91663F60-0288-4BD7-9F87-79CFFEA98662}" type="slidenum">
               <a:rPr lang="nl-BE" smtClean="0"/>
               <a:pPr/>
-              <a:t>‹#›</a:t>
+              <a:t>‹nr.›</a:t>
             </a:fld>
             <a:endParaRPr lang="nl-BE"/>
           </a:p>
@@ -1825,7 +1828,7 @@
             <a:fld id="{0F5E03E0-8FDD-4F94-8780-E28EA23ED5EC}" type="datetimeFigureOut">
               <a:rPr lang="nl-BE" smtClean="0"/>
               <a:pPr/>
-              <a:t>19/04/2016</a:t>
+              <a:t>19/04/16</a:t>
             </a:fld>
             <a:endParaRPr lang="nl-BE"/>
           </a:p>
@@ -1868,7 +1871,7 @@
             <a:fld id="{91663F60-0288-4BD7-9F87-79CFFEA98662}" type="slidenum">
               <a:rPr lang="nl-BE" smtClean="0"/>
               <a:pPr/>
-              <a:t>‹#›</a:t>
+              <a:t>‹nr.›</a:t>
             </a:fld>
             <a:endParaRPr lang="nl-BE"/>
           </a:p>
@@ -1948,7 +1951,7 @@
             <a:fld id="{0F5E03E0-8FDD-4F94-8780-E28EA23ED5EC}" type="datetimeFigureOut">
               <a:rPr lang="nl-BE" smtClean="0"/>
               <a:pPr/>
-              <a:t>19/04/2016</a:t>
+              <a:t>19/04/16</a:t>
             </a:fld>
             <a:endParaRPr lang="nl-BE"/>
           </a:p>
@@ -1991,7 +1994,7 @@
             <a:fld id="{91663F60-0288-4BD7-9F87-79CFFEA98662}" type="slidenum">
               <a:rPr lang="nl-BE" smtClean="0"/>
               <a:pPr/>
-              <a:t>‹#›</a:t>
+              <a:t>‹nr.›</a:t>
             </a:fld>
             <a:endParaRPr lang="nl-BE"/>
           </a:p>
@@ -2048,7 +2051,7 @@
             <a:fld id="{0F5E03E0-8FDD-4F94-8780-E28EA23ED5EC}" type="datetimeFigureOut">
               <a:rPr lang="nl-BE" smtClean="0"/>
               <a:pPr/>
-              <a:t>19/04/2016</a:t>
+              <a:t>19/04/16</a:t>
             </a:fld>
             <a:endParaRPr lang="nl-BE"/>
           </a:p>
@@ -2091,7 +2094,7 @@
             <a:fld id="{91663F60-0288-4BD7-9F87-79CFFEA98662}" type="slidenum">
               <a:rPr lang="nl-BE" smtClean="0"/>
               <a:pPr/>
-              <a:t>‹#›</a:t>
+              <a:t>‹nr.›</a:t>
             </a:fld>
             <a:endParaRPr lang="nl-BE"/>
           </a:p>
@@ -2330,7 +2333,7 @@
             <a:fld id="{0F5E03E0-8FDD-4F94-8780-E28EA23ED5EC}" type="datetimeFigureOut">
               <a:rPr lang="nl-BE" smtClean="0"/>
               <a:pPr/>
-              <a:t>19/04/2016</a:t>
+              <a:t>19/04/16</a:t>
             </a:fld>
             <a:endParaRPr lang="nl-BE"/>
           </a:p>
@@ -2373,7 +2376,7 @@
             <a:fld id="{91663F60-0288-4BD7-9F87-79CFFEA98662}" type="slidenum">
               <a:rPr lang="nl-BE" smtClean="0"/>
               <a:pPr/>
-              <a:t>‹#›</a:t>
+              <a:t>‹nr.›</a:t>
             </a:fld>
             <a:endParaRPr lang="nl-BE"/>
           </a:p>
@@ -2588,7 +2591,7 @@
             <a:fld id="{0F5E03E0-8FDD-4F94-8780-E28EA23ED5EC}" type="datetimeFigureOut">
               <a:rPr lang="nl-BE" smtClean="0"/>
               <a:pPr/>
-              <a:t>19/04/2016</a:t>
+              <a:t>19/04/16</a:t>
             </a:fld>
             <a:endParaRPr lang="nl-BE"/>
           </a:p>
@@ -2631,7 +2634,7 @@
             <a:fld id="{91663F60-0288-4BD7-9F87-79CFFEA98662}" type="slidenum">
               <a:rPr lang="nl-BE" smtClean="0"/>
               <a:pPr/>
-              <a:t>‹#›</a:t>
+              <a:t>‹nr.›</a:t>
             </a:fld>
             <a:endParaRPr lang="nl-BE"/>
           </a:p>
@@ -2830,7 +2833,7 @@
             <a:fld id="{0F5E03E0-8FDD-4F94-8780-E28EA23ED5EC}" type="datetimeFigureOut">
               <a:rPr lang="nl-BE" smtClean="0"/>
               <a:pPr/>
-              <a:t>19/04/2016</a:t>
+              <a:t>19/04/16</a:t>
             </a:fld>
             <a:endParaRPr lang="nl-BE"/>
           </a:p>
@@ -2909,7 +2912,7 @@
             <a:fld id="{91663F60-0288-4BD7-9F87-79CFFEA98662}" type="slidenum">
               <a:rPr lang="nl-BE" smtClean="0"/>
               <a:pPr/>
-              <a:t>‹#›</a:t>
+              <a:t>‹nr.›</a:t>
             </a:fld>
             <a:endParaRPr lang="nl-BE"/>
           </a:p>
@@ -3596,6 +3599,379 @@
         </p:nvSpPr>
         <p:spPr/>
         <p:txBody>
+          <a:bodyPr/>
+          <a:lstStyle/>
+          <a:p>
+            <a:r>
+              <a:rPr lang="nl-BE" dirty="0" smtClean="0"/>
+              <a:t>Mailbox system</a:t>
+            </a:r>
+            <a:endParaRPr lang="nl-BE" dirty="0"/>
+          </a:p>
+        </p:txBody>
+      </p:sp>
+      <p:pic>
+        <p:nvPicPr>
+          <p:cNvPr id="6" name="Content Placeholder 5"/>
+          <p:cNvPicPr>
+            <a:picLocks noGrp="1" noChangeAspect="1"/>
+          </p:cNvPicPr>
+          <p:nvPr>
+            <p:ph idx="1"/>
+          </p:nvPr>
+        </p:nvPicPr>
+        <p:blipFill>
+          <a:blip r:embed="rId2">
+            <a:extLst>
+              <a:ext uri="{28A0092B-C50C-407E-A947-70E740481C1C}">
+                <a14:useLocalDpi xmlns:a14="http://schemas.microsoft.com/office/drawing/2010/main" val="0"/>
+              </a:ext>
+            </a:extLst>
+          </a:blip>
+          <a:stretch>
+            <a:fillRect/>
+          </a:stretch>
+        </p:blipFill>
+        <p:spPr>
+          <a:xfrm>
+            <a:off x="1043608" y="1268760"/>
+            <a:ext cx="6840760" cy="5555696"/>
+          </a:xfrm>
+        </p:spPr>
+      </p:pic>
+    </p:spTree>
+    <p:extLst>
+      <p:ext uri="{BB962C8B-B14F-4D97-AF65-F5344CB8AC3E}">
+        <p14:creationId xmlns:p14="http://schemas.microsoft.com/office/powerpoint/2010/main" val="1319242908"/>
+      </p:ext>
+    </p:extLst>
+  </p:cSld>
+  <p:clrMapOvr>
+    <a:masterClrMapping/>
+  </p:clrMapOvr>
+  <p:transition>
+    <p:fade/>
+  </p:transition>
+</p:sld>
+</file>
+
+<file path=ppt/slides/slide11.xml><?xml version="1.0" encoding="utf-8"?>
+<p:sld xmlns:a="http://schemas.openxmlformats.org/drawingml/2006/main" xmlns:r="http://schemas.openxmlformats.org/officeDocument/2006/relationships" xmlns:p="http://schemas.openxmlformats.org/presentationml/2006/main">
+  <p:cSld>
+    <p:spTree>
+      <p:nvGrpSpPr>
+        <p:cNvPr id="1" name=""/>
+        <p:cNvGrpSpPr/>
+        <p:nvPr/>
+      </p:nvGrpSpPr>
+      <p:grpSpPr>
+        <a:xfrm>
+          <a:off x="0" y="0"/>
+          <a:ext cx="0" cy="0"/>
+          <a:chOff x="0" y="0"/>
+          <a:chExt cx="0" cy="0"/>
+        </a:xfrm>
+      </p:grpSpPr>
+      <p:sp>
+        <p:nvSpPr>
+          <p:cNvPr id="2" name="Titel 1"/>
+          <p:cNvSpPr>
+            <a:spLocks noGrp="1"/>
+          </p:cNvSpPr>
+          <p:nvPr>
+            <p:ph type="title"/>
+          </p:nvPr>
+        </p:nvSpPr>
+        <p:spPr/>
+        <p:txBody>
+          <a:bodyPr/>
+          <a:lstStyle/>
+          <a:p>
+            <a:r>
+              <a:rPr lang="nl-BE" dirty="0" smtClean="0"/>
+              <a:t>Undo mechanism</a:t>
+            </a:r>
+            <a:endParaRPr lang="nl-BE" dirty="0"/>
+          </a:p>
+        </p:txBody>
+      </p:sp>
+      <p:pic>
+        <p:nvPicPr>
+          <p:cNvPr id="4" name="Content Placeholder 3"/>
+          <p:cNvPicPr>
+            <a:picLocks noGrp="1" noChangeAspect="1"/>
+          </p:cNvPicPr>
+          <p:nvPr>
+            <p:ph idx="1"/>
+          </p:nvPr>
+        </p:nvPicPr>
+        <p:blipFill>
+          <a:blip r:embed="rId2">
+            <a:extLst>
+              <a:ext uri="{28A0092B-C50C-407E-A947-70E740481C1C}">
+                <a14:useLocalDpi xmlns:a14="http://schemas.microsoft.com/office/drawing/2010/main" val="0"/>
+              </a:ext>
+            </a:extLst>
+          </a:blip>
+          <a:stretch>
+            <a:fillRect/>
+          </a:stretch>
+        </p:blipFill>
+        <p:spPr>
+          <a:xfrm>
+            <a:off x="1259632" y="1196752"/>
+            <a:ext cx="6336704" cy="5553417"/>
+          </a:xfrm>
+        </p:spPr>
+      </p:pic>
+    </p:spTree>
+    <p:extLst>
+      <p:ext uri="{BB962C8B-B14F-4D97-AF65-F5344CB8AC3E}">
+        <p14:creationId xmlns:p14="http://schemas.microsoft.com/office/powerpoint/2010/main" val="1968202226"/>
+      </p:ext>
+    </p:extLst>
+  </p:cSld>
+  <p:clrMapOvr>
+    <a:masterClrMapping/>
+  </p:clrMapOvr>
+  <p:transition>
+    <p:fade/>
+  </p:transition>
+</p:sld>
+</file>
+
+<file path=ppt/slides/slide12.xml><?xml version="1.0" encoding="utf-8"?>
+<p:sld xmlns:a="http://schemas.openxmlformats.org/drawingml/2006/main" xmlns:r="http://schemas.openxmlformats.org/officeDocument/2006/relationships" xmlns:p="http://schemas.openxmlformats.org/presentationml/2006/main">
+  <p:cSld>
+    <p:spTree>
+      <p:nvGrpSpPr>
+        <p:cNvPr id="1" name=""/>
+        <p:cNvGrpSpPr/>
+        <p:nvPr/>
+      </p:nvGrpSpPr>
+      <p:grpSpPr>
+        <a:xfrm>
+          <a:off x="0" y="0"/>
+          <a:ext cx="0" cy="0"/>
+          <a:chOff x="0" y="0"/>
+          <a:chExt cx="0" cy="0"/>
+        </a:xfrm>
+      </p:grpSpPr>
+      <p:sp>
+        <p:nvSpPr>
+          <p:cNvPr id="2" name="Titel 1"/>
+          <p:cNvSpPr>
+            <a:spLocks noGrp="1"/>
+          </p:cNvSpPr>
+          <p:nvPr>
+            <p:ph type="title"/>
+          </p:nvPr>
+        </p:nvSpPr>
+        <p:spPr/>
+        <p:txBody>
+          <a:bodyPr>
+            <a:normAutofit/>
+          </a:bodyPr>
+          <a:lstStyle/>
+          <a:p>
+            <a:r>
+              <a:rPr lang="nl-BE" sz="3600" cap="small" dirty="0" smtClean="0">
+                <a:ln w="18415" cmpd="sng">
+                  <a:solidFill>
+                    <a:schemeClr val="tx1">
+                      <a:alpha val="0"/>
+                    </a:schemeClr>
+                  </a:solidFill>
+                  <a:prstDash val="solid"/>
+                </a:ln>
+                <a:effectLst>
+                  <a:outerShdw blurRad="25400" dir="3600000" algn="tl" rotWithShape="0">
+                    <a:srgbClr val="000000">
+                      <a:alpha val="70000"/>
+                    </a:srgbClr>
+                  </a:outerShdw>
+                </a:effectLst>
+                <a:latin typeface="Sitka Text" pitchFamily="2" charset="0"/>
+              </a:rPr>
+              <a:t>Extensibility of the system:</a:t>
+            </a:r>
+            <a:endParaRPr lang="nl-BE" sz="3600" cap="small" dirty="0">
+              <a:ln w="18415" cmpd="sng">
+                <a:solidFill>
+                  <a:schemeClr val="tx1">
+                    <a:alpha val="0"/>
+                  </a:schemeClr>
+                </a:solidFill>
+                <a:prstDash val="solid"/>
+              </a:ln>
+              <a:effectLst>
+                <a:outerShdw blurRad="25400" dir="3600000" algn="tl" rotWithShape="0">
+                  <a:srgbClr val="000000">
+                    <a:alpha val="70000"/>
+                  </a:srgbClr>
+                </a:outerShdw>
+              </a:effectLst>
+              <a:latin typeface="Sitka Text" pitchFamily="2" charset="0"/>
+            </a:endParaRPr>
+          </a:p>
+        </p:txBody>
+      </p:sp>
+      <p:sp>
+        <p:nvSpPr>
+          <p:cNvPr id="3" name="Tijdelijke aanduiding voor inhoud 2"/>
+          <p:cNvSpPr>
+            <a:spLocks noGrp="1"/>
+          </p:cNvSpPr>
+          <p:nvPr>
+            <p:ph idx="1"/>
+          </p:nvPr>
+        </p:nvSpPr>
+        <p:spPr>
+          <a:xfrm>
+            <a:off x="539552" y="1844824"/>
+            <a:ext cx="8229600" cy="4525963"/>
+          </a:xfrm>
+        </p:spPr>
+        <p:txBody>
+          <a:bodyPr>
+            <a:normAutofit/>
+          </a:bodyPr>
+          <a:lstStyle/>
+          <a:p>
+            <a:r>
+              <a:rPr lang="en-US" sz="2400" dirty="0" smtClean="0">
+                <a:latin typeface="Sitka Display" pitchFamily="2" charset="0"/>
+              </a:rPr>
+              <a:t>It’s easier to add use cases than last time</a:t>
+            </a:r>
+          </a:p>
+          <a:p>
+            <a:r>
+              <a:rPr lang="en-US" sz="2400" dirty="0" smtClean="0">
+                <a:latin typeface="Sitka Display" pitchFamily="2" charset="0"/>
+              </a:rPr>
+              <a:t>UI is still completely independent </a:t>
+            </a:r>
+          </a:p>
+          <a:p>
+            <a:r>
+              <a:rPr lang="en-US" sz="2400" dirty="0" smtClean="0">
+                <a:latin typeface="Sitka Display" pitchFamily="2" charset="0"/>
+              </a:rPr>
+              <a:t>Interface for the </a:t>
+            </a:r>
+            <a:r>
+              <a:rPr lang="en-US" sz="2400" dirty="0" err="1" smtClean="0">
+                <a:latin typeface="Sitka Display" pitchFamily="2" charset="0"/>
+              </a:rPr>
+              <a:t>Initializer</a:t>
+            </a:r>
+            <a:endParaRPr lang="en-US" sz="2400" dirty="0" smtClean="0">
+              <a:latin typeface="Sitka Display" pitchFamily="2" charset="0"/>
+            </a:endParaRPr>
+          </a:p>
+          <a:p>
+            <a:r>
+              <a:rPr lang="en-US" sz="2400" dirty="0" smtClean="0">
+                <a:latin typeface="Sitka Display" pitchFamily="2" charset="0"/>
+              </a:rPr>
+              <a:t>Adding constraints concerning tag</a:t>
+            </a:r>
+          </a:p>
+          <a:p>
+            <a:r>
+              <a:rPr lang="en-US" sz="2400" dirty="0" smtClean="0">
+                <a:latin typeface="Sitka Display" pitchFamily="2" charset="0"/>
+              </a:rPr>
+              <a:t>Adding new registration types = adding new observers</a:t>
+            </a:r>
+          </a:p>
+          <a:p>
+            <a:r>
+              <a:rPr lang="en-US" sz="2400" dirty="0" smtClean="0">
+                <a:latin typeface="Sitka Display" pitchFamily="2" charset="0"/>
+              </a:rPr>
+              <a:t>Search methods for bug reports</a:t>
+            </a:r>
+          </a:p>
+          <a:p>
+            <a:r>
+              <a:rPr lang="en-US" sz="2400" dirty="0" smtClean="0">
+                <a:latin typeface="Sitka Display" pitchFamily="2" charset="0"/>
+              </a:rPr>
+              <a:t>Adding new objects that could be undone</a:t>
+            </a:r>
+          </a:p>
+          <a:p>
+            <a:endParaRPr lang="en-US" sz="2400" dirty="0" smtClean="0">
+              <a:latin typeface="Sitka Display" pitchFamily="2" charset="0"/>
+            </a:endParaRPr>
+          </a:p>
+          <a:p>
+            <a:r>
+              <a:rPr lang="en-US" sz="2400" dirty="0" smtClean="0">
+                <a:latin typeface="Sitka Display" pitchFamily="2" charset="0"/>
+              </a:rPr>
+              <a:t>It was easy to implement the changes from iteration 2 -&gt; great extensibility of our code from iteration 1</a:t>
+            </a:r>
+          </a:p>
+          <a:p>
+            <a:endParaRPr lang="en-US" sz="2400" dirty="0"/>
+          </a:p>
+        </p:txBody>
+      </p:sp>
+    </p:spTree>
+    <p:extLst>
+      <p:ext uri="{BB962C8B-B14F-4D97-AF65-F5344CB8AC3E}">
+        <p14:creationId xmlns:p14="http://schemas.microsoft.com/office/powerpoint/2010/main" val="2444210159"/>
+      </p:ext>
+    </p:extLst>
+  </p:cSld>
+  <p:clrMapOvr>
+    <a:masterClrMapping/>
+  </p:clrMapOvr>
+  <p:transition>
+    <p:fade/>
+  </p:transition>
+  <p:timing>
+    <p:tnLst>
+      <p:par>
+        <p:cTn id="1" dur="indefinite" restart="never" nodeType="tmRoot"/>
+      </p:par>
+    </p:tnLst>
+  </p:timing>
+</p:sld>
+</file>
+
+<file path=ppt/slides/slide13.xml><?xml version="1.0" encoding="utf-8"?>
+<p:sld xmlns:a="http://schemas.openxmlformats.org/drawingml/2006/main" xmlns:r="http://schemas.openxmlformats.org/officeDocument/2006/relationships" xmlns:p="http://schemas.openxmlformats.org/presentationml/2006/main">
+  <p:cSld>
+    <p:spTree>
+      <p:nvGrpSpPr>
+        <p:cNvPr id="1" name=""/>
+        <p:cNvGrpSpPr/>
+        <p:nvPr/>
+      </p:nvGrpSpPr>
+      <p:grpSpPr>
+        <a:xfrm>
+          <a:off x="0" y="0"/>
+          <a:ext cx="0" cy="0"/>
+          <a:chOff x="0" y="0"/>
+          <a:chExt cx="0" cy="0"/>
+        </a:xfrm>
+      </p:grpSpPr>
+      <p:sp>
+        <p:nvSpPr>
+          <p:cNvPr id="2" name="Titel 1"/>
+          <p:cNvSpPr>
+            <a:spLocks noGrp="1"/>
+          </p:cNvSpPr>
+          <p:nvPr>
+            <p:ph type="title"/>
+          </p:nvPr>
+        </p:nvSpPr>
+        <p:spPr/>
+        <p:txBody>
           <a:bodyPr>
             <a:normAutofit/>
           </a:bodyPr>
@@ -3765,7 +4141,7 @@
 </p:sld>
 </file>
 
-<file path=ppt/slides/slide11.xml><?xml version="1.0" encoding="utf-8"?>
+<file path=ppt/slides/slide14.xml><?xml version="1.0" encoding="utf-8"?>
 <p:sld xmlns:a="http://schemas.openxmlformats.org/drawingml/2006/main" xmlns:r="http://schemas.openxmlformats.org/officeDocument/2006/relationships" xmlns:p="http://schemas.openxmlformats.org/presentationml/2006/main">
   <p:cSld>
     <p:spTree>
@@ -3930,7 +4306,7 @@
 </p:sld>
 </file>
 
-<file path=ppt/slides/slide12.xml><?xml version="1.0" encoding="utf-8"?>
+<file path=ppt/slides/slide15.xml><?xml version="1.0" encoding="utf-8"?>
 <p:sld xmlns:a="http://schemas.openxmlformats.org/drawingml/2006/main" xmlns:r="http://schemas.openxmlformats.org/officeDocument/2006/relationships" xmlns:p="http://schemas.openxmlformats.org/presentationml/2006/main">
   <p:cSld>
     <p:spTree>
@@ -3983,28 +4359,7 @@
                 </a:effectLst>
                 <a:latin typeface="Sitka Text" pitchFamily="2" charset="0"/>
               </a:rPr>
-              <a:t>Testing </a:t>
-            </a:r>
-            <a:r>
-              <a:rPr lang="nl-BE" sz="3600" cap="small" dirty="0" smtClean="0">
-                <a:ln w="18415" cmpd="sng">
-                  <a:solidFill>
-                    <a:schemeClr val="tx1">
-                      <a:alpha val="0"/>
-                    </a:schemeClr>
-                  </a:solidFill>
-                  <a:prstDash val="solid"/>
-                </a:ln>
-                <a:effectLst>
-                  <a:outerShdw blurRad="25400" dir="3600000" algn="tl" rotWithShape="0">
-                    <a:srgbClr val="000000">
-                      <a:alpha val="70000"/>
-                    </a:srgbClr>
-                  </a:outerShdw>
-                </a:effectLst>
-                <a:latin typeface="Sitka Text" pitchFamily="2" charset="0"/>
-              </a:rPr>
-              <a:t>approach</a:t>
+              <a:t>Testing approach</a:t>
             </a:r>
             <a:endParaRPr lang="nl-BE" sz="3600" cap="small" dirty="0">
               <a:ln w="18415" cmpd="sng">
@@ -4079,7 +4434,7 @@
 </p:sld>
 </file>
 
-<file path=ppt/slides/slide13.xml><?xml version="1.0" encoding="utf-8"?>
+<file path=ppt/slides/slide16.xml><?xml version="1.0" encoding="utf-8"?>
 <p:sld xmlns:a="http://schemas.openxmlformats.org/drawingml/2006/main" xmlns:r="http://schemas.openxmlformats.org/officeDocument/2006/relationships" xmlns:p="http://schemas.openxmlformats.org/presentationml/2006/main">
   <p:cSld>
     <p:spTree>
@@ -4217,7 +4572,7 @@
 </p:sld>
 </file>
 
-<file path=ppt/slides/slide14.xml><?xml version="1.0" encoding="utf-8"?>
+<file path=ppt/slides/slide17.xml><?xml version="1.0" encoding="utf-8"?>
 <p:sld xmlns:a="http://schemas.openxmlformats.org/drawingml/2006/main" xmlns:r="http://schemas.openxmlformats.org/officeDocument/2006/relationships" xmlns:p="http://schemas.openxmlformats.org/presentationml/2006/main">
   <p:cSld>
     <p:spTree>
@@ -4628,77 +4983,8 @@
                 </a:effectLst>
                 <a:latin typeface="Sitka Banner" pitchFamily="2" charset="0"/>
               </a:rPr>
-              <a:t> </a:t>
-            </a:r>
-            <a:r>
-              <a:rPr lang="nl-BE" sz="2400" dirty="0" smtClean="0">
-                <a:solidFill>
-                  <a:schemeClr val="accent4">
-                    <a:lumMod val="50000"/>
-                  </a:schemeClr>
-                </a:solidFill>
-                <a:effectLst>
-                  <a:outerShdw blurRad="76200" dist="38100" dir="5400000" algn="t" rotWithShape="0">
-                    <a:prstClr val="black">
-                      <a:alpha val="27000"/>
-                    </a:prstClr>
-                  </a:outerShdw>
-                </a:effectLst>
-                <a:latin typeface="Sitka Banner" pitchFamily="2" charset="0"/>
-              </a:rPr>
-              <a:t>31h</a:t>
-            </a:r>
-            <a:r>
-              <a:rPr lang="nl-BE" sz="2400" dirty="0" smtClean="0">
-                <a:solidFill>
-                  <a:schemeClr val="accent4">
-                    <a:lumMod val="50000"/>
-                  </a:schemeClr>
-                </a:solidFill>
-                <a:effectLst>
-                  <a:outerShdw blurRad="76200" dist="38100" dir="5400000" algn="t" rotWithShape="0">
-                    <a:prstClr val="black">
-                      <a:alpha val="27000"/>
-                    </a:prstClr>
-                  </a:outerShdw>
-                </a:effectLst>
-                <a:latin typeface="Sitka Banner" pitchFamily="2" charset="0"/>
-              </a:rPr>
-              <a:t>	Individual Work: 	</a:t>
-            </a:r>
-            <a:r>
-              <a:rPr lang="nl-BE" sz="2400" dirty="0" smtClean="0">
-                <a:solidFill>
-                  <a:schemeClr val="accent4">
-                    <a:lumMod val="50000"/>
-                  </a:schemeClr>
-                </a:solidFill>
-                <a:effectLst>
-                  <a:outerShdw blurRad="76200" dist="38100" dir="5400000" algn="t" rotWithShape="0">
-                    <a:prstClr val="black">
-                      <a:alpha val="27000"/>
-                    </a:prstClr>
-                  </a:outerShdw>
-                </a:effectLst>
-                <a:latin typeface="Sitka Banner" pitchFamily="2" charset="0"/>
-              </a:rPr>
-              <a:t>Study:  </a:t>
-            </a:r>
-            <a:endParaRPr lang="nl-BE" sz="2400" dirty="0" smtClean="0">
-              <a:solidFill>
-                <a:schemeClr val="accent4">
-                  <a:lumMod val="50000"/>
-                </a:schemeClr>
-              </a:solidFill>
-              <a:effectLst>
-                <a:outerShdw blurRad="76200" dist="38100" dir="5400000" algn="t" rotWithShape="0">
-                  <a:prstClr val="black">
-                    <a:alpha val="27000"/>
-                  </a:prstClr>
-                </a:outerShdw>
-              </a:effectLst>
-              <a:latin typeface="Sitka Banner" pitchFamily="2" charset="0"/>
-            </a:endParaRPr>
+              <a:t> 31h	Individual Work: 	Study:  </a:t>
+            </a:r>
           </a:p>
           <a:p>
             <a:pPr marL="0" indent="0">
@@ -4731,7 +5017,7 @@
 </p:sld>
 </file>
 
-<file path=ppt/slides/slide15.xml><?xml version="1.0" encoding="utf-8"?>
+<file path=ppt/slides/slide18.xml><?xml version="1.0" encoding="utf-8"?>
 <p:sld xmlns:a="http://schemas.openxmlformats.org/drawingml/2006/main" xmlns:r="http://schemas.openxmlformats.org/officeDocument/2006/relationships" xmlns:p="http://schemas.openxmlformats.org/presentationml/2006/main">
   <p:cSld>
     <p:spTree>
@@ -4777,28 +5063,28 @@
                 <a:gridCol w="2057400">
                   <a:extLst>
                     <a:ext uri="{9D8B030D-6E8A-4147-A177-3AD203B41FA5}">
-                      <a16:colId xmlns:a16="http://schemas.microsoft.com/office/drawing/2014/main" val="4022630451"/>
+                      <a16:colId xmlns:a16="http://schemas.microsoft.com/office/drawing/2014/main" xmlns="" val="4022630451"/>
                     </a:ext>
                   </a:extLst>
                 </a:gridCol>
                 <a:gridCol w="2057400">
                   <a:extLst>
                     <a:ext uri="{9D8B030D-6E8A-4147-A177-3AD203B41FA5}">
-                      <a16:colId xmlns:a16="http://schemas.microsoft.com/office/drawing/2014/main" val="1276862258"/>
+                      <a16:colId xmlns:a16="http://schemas.microsoft.com/office/drawing/2014/main" xmlns="" val="1276862258"/>
                     </a:ext>
                   </a:extLst>
                 </a:gridCol>
                 <a:gridCol w="2057400">
                   <a:extLst>
                     <a:ext uri="{9D8B030D-6E8A-4147-A177-3AD203B41FA5}">
-                      <a16:colId xmlns:a16="http://schemas.microsoft.com/office/drawing/2014/main" val="670422697"/>
+                      <a16:colId xmlns:a16="http://schemas.microsoft.com/office/drawing/2014/main" xmlns="" val="670422697"/>
                     </a:ext>
                   </a:extLst>
                 </a:gridCol>
                 <a:gridCol w="2057400">
                   <a:extLst>
                     <a:ext uri="{9D8B030D-6E8A-4147-A177-3AD203B41FA5}">
-                      <a16:colId xmlns:a16="http://schemas.microsoft.com/office/drawing/2014/main" val="3836214712"/>
+                      <a16:colId xmlns:a16="http://schemas.microsoft.com/office/drawing/2014/main" xmlns="" val="3836214712"/>
                     </a:ext>
                   </a:extLst>
                 </a:gridCol>
@@ -4870,7 +5156,7 @@
                 </a:tc>
                 <a:extLst>
                   <a:ext uri="{0D108BD9-81ED-4DB2-BD59-A6C34878D82A}">
-                    <a16:rowId xmlns:a16="http://schemas.microsoft.com/office/drawing/2014/main" val="2789307922"/>
+                    <a16:rowId xmlns:a16="http://schemas.microsoft.com/office/drawing/2014/main" xmlns="" val="2789307922"/>
                   </a:ext>
                 </a:extLst>
               </a:tr>
@@ -4970,11 +5256,7 @@
                       </a:r>
                       <a:r>
                         <a:rPr lang="en-GB" cap="small" baseline="0" dirty="0" smtClean="0"/>
-                        <a:t> </a:t>
-                      </a:r>
-                      <a:r>
-                        <a:rPr lang="en-GB" cap="small" baseline="0" dirty="0" smtClean="0"/>
-                        <a:t>INVULLEN (</a:t>
+                        <a:t> INVULLEN (</a:t>
                       </a:r>
                       <a:r>
                         <a:rPr lang="en-GB" cap="small" baseline="0" dirty="0" err="1" smtClean="0"/>
@@ -4990,7 +5272,7 @@
                 </a:tc>
                 <a:extLst>
                   <a:ext uri="{0D108BD9-81ED-4DB2-BD59-A6C34878D82A}">
-                    <a16:rowId xmlns:a16="http://schemas.microsoft.com/office/drawing/2014/main" val="3498730236"/>
+                    <a16:rowId xmlns:a16="http://schemas.microsoft.com/office/drawing/2014/main" xmlns="" val="3498730236"/>
                   </a:ext>
                 </a:extLst>
               </a:tr>
@@ -5061,7 +5343,7 @@
                 </a:tc>
                 <a:extLst>
                   <a:ext uri="{0D108BD9-81ED-4DB2-BD59-A6C34878D82A}">
-                    <a16:rowId xmlns:a16="http://schemas.microsoft.com/office/drawing/2014/main" val="4013628509"/>
+                    <a16:rowId xmlns:a16="http://schemas.microsoft.com/office/drawing/2014/main" xmlns="" val="4013628509"/>
                   </a:ext>
                 </a:extLst>
               </a:tr>
@@ -5136,7 +5418,7 @@
                 </a:tc>
                 <a:extLst>
                   <a:ext uri="{0D108BD9-81ED-4DB2-BD59-A6C34878D82A}">
-                    <a16:rowId xmlns:a16="http://schemas.microsoft.com/office/drawing/2014/main" val="1545046261"/>
+                    <a16:rowId xmlns:a16="http://schemas.microsoft.com/office/drawing/2014/main" xmlns="" val="1545046261"/>
                   </a:ext>
                 </a:extLst>
               </a:tr>
@@ -5768,17 +6050,8 @@
               <a:rPr lang="nl-BE" sz="2800" dirty="0" smtClean="0">
                 <a:latin typeface="Sitka Display" pitchFamily="2" charset="0"/>
               </a:rPr>
-              <a:t>Uitleg over design patterns: Observer, Memento, </a:t>
-            </a:r>
-            <a:r>
-              <a:rPr lang="nl-BE" sz="2800" dirty="0" smtClean="0">
-                <a:latin typeface="Sitka Display" pitchFamily="2" charset="0"/>
-              </a:rPr>
-              <a:t>Stat + Strat ?</a:t>
-            </a:r>
-            <a:endParaRPr lang="nl-BE" sz="2800" dirty="0" smtClean="0">
-              <a:latin typeface="Sitka Display" pitchFamily="2" charset="0"/>
-            </a:endParaRPr>
+              <a:t>Uitleg over design patterns: Observer, Memento, Stat + Strat ?</a:t>
+            </a:r>
           </a:p>
           <a:p>
             <a:pPr marL="0" indent="0">
@@ -5918,7 +6191,7 @@
       </p:grpSpPr>
       <p:sp>
         <p:nvSpPr>
-          <p:cNvPr id="2" name="Titel 1"/>
+          <p:cNvPr id="4" name="Titel 3"/>
           <p:cNvSpPr>
             <a:spLocks noGrp="1"/>
           </p:cNvSpPr>
@@ -5934,7 +6207,7 @@
           <a:lstStyle/>
           <a:p>
             <a:r>
-              <a:rPr lang="nl-BE" sz="3600" cap="small" dirty="0" err="1" smtClean="0">
+              <a:rPr lang="nl-NL" sz="3600" cap="small" dirty="0">
                 <a:ln w="18415" cmpd="sng">
                   <a:solidFill>
                     <a:schemeClr val="tx1">
@@ -5952,10 +6225,10 @@
                 </a:effectLst>
                 <a:latin typeface="Sitka Text" pitchFamily="2" charset="0"/>
               </a:rPr>
-              <a:t>Usage</a:t>
-            </a:r>
-            <a:r>
-              <a:rPr lang="nl-BE" sz="3600" cap="small" dirty="0" smtClean="0">
+              <a:t>State </a:t>
+            </a:r>
+            <a:r>
+              <a:rPr lang="nl-NL" sz="3600" cap="small" dirty="0" err="1">
                 <a:ln w="18415" cmpd="sng">
                   <a:solidFill>
                     <a:schemeClr val="tx1">
@@ -5973,72 +6246,9 @@
                 </a:effectLst>
                 <a:latin typeface="Sitka Text" pitchFamily="2" charset="0"/>
               </a:rPr>
-              <a:t> of </a:t>
-            </a:r>
-            <a:r>
-              <a:rPr lang="nl-BE" sz="3600" cap="small" dirty="0" err="1" smtClean="0">
-                <a:ln w="18415" cmpd="sng">
-                  <a:solidFill>
-                    <a:schemeClr val="tx1">
-                      <a:alpha val="0"/>
-                    </a:schemeClr>
-                  </a:solidFill>
-                  <a:prstDash val="solid"/>
-                </a:ln>
-                <a:effectLst>
-                  <a:outerShdw blurRad="25400" dir="3600000" algn="tl" rotWithShape="0">
-                    <a:srgbClr val="000000">
-                      <a:alpha val="70000"/>
-                    </a:srgbClr>
-                  </a:outerShdw>
-                </a:effectLst>
-                <a:latin typeface="Sitka Text" pitchFamily="2" charset="0"/>
-              </a:rPr>
-              <a:t>the</a:t>
-            </a:r>
-            <a:r>
-              <a:rPr lang="nl-BE" sz="3600" cap="small" dirty="0" smtClean="0">
-                <a:ln w="18415" cmpd="sng">
-                  <a:solidFill>
-                    <a:schemeClr val="tx1">
-                      <a:alpha val="0"/>
-                    </a:schemeClr>
-                  </a:solidFill>
-                  <a:prstDash val="solid"/>
-                </a:ln>
-                <a:effectLst>
-                  <a:outerShdw blurRad="25400" dir="3600000" algn="tl" rotWithShape="0">
-                    <a:srgbClr val="000000">
-                      <a:alpha val="70000"/>
-                    </a:srgbClr>
-                  </a:outerShdw>
-                </a:effectLst>
-                <a:latin typeface="Sitka Text" pitchFamily="2" charset="0"/>
-              </a:rPr>
-              <a:t> domain </a:t>
-            </a:r>
-            <a:r>
-              <a:rPr lang="nl-BE" sz="3600" cap="small" dirty="0" err="1" smtClean="0">
-                <a:ln w="18415" cmpd="sng">
-                  <a:solidFill>
-                    <a:schemeClr val="tx1">
-                      <a:alpha val="0"/>
-                    </a:schemeClr>
-                  </a:solidFill>
-                  <a:prstDash val="solid"/>
-                </a:ln>
-                <a:effectLst>
-                  <a:outerShdw blurRad="25400" dir="3600000" algn="tl" rotWithShape="0">
-                    <a:srgbClr val="000000">
-                      <a:alpha val="70000"/>
-                    </a:srgbClr>
-                  </a:outerShdw>
-                </a:effectLst>
-                <a:latin typeface="Sitka Text" pitchFamily="2" charset="0"/>
-              </a:rPr>
-              <a:t>layer</a:t>
-            </a:r>
-            <a:endParaRPr lang="nl-BE" sz="3600" cap="small" dirty="0">
+              <a:t>Pattern</a:t>
+            </a:r>
+            <a:endParaRPr lang="nl-NL" sz="3600" cap="small" dirty="0">
               <a:ln w="18415" cmpd="sng">
                 <a:solidFill>
                   <a:schemeClr val="tx1">
@@ -6059,76 +6269,21 @@
           </a:p>
         </p:txBody>
       </p:sp>
-      <p:pic>
-        <p:nvPicPr>
-          <p:cNvPr id="3074" name="Picture 2" descr="C:\Users\Laurens\Documents\IntelliJ Projects\SWOP2016\presentatie\Diagram Images\Puntje 2\AssignmentServices.png"/>
-          <p:cNvPicPr>
-            <a:picLocks noChangeAspect="1" noChangeArrowheads="1"/>
-          </p:cNvPicPr>
+      <p:sp>
+        <p:nvSpPr>
+          <p:cNvPr id="6" name="Tekstvak 5"/>
+          <p:cNvSpPr txBox="1"/>
           <p:nvPr/>
-        </p:nvPicPr>
-        <p:blipFill>
-          <a:blip r:embed="rId2" cstate="print">
-            <a:clrChange>
-              <a:clrFrom>
-                <a:srgbClr val="FFFFFF"/>
-              </a:clrFrom>
-              <a:clrTo>
-                <a:srgbClr val="FFFFFF">
-                  <a:alpha val="0"/>
-                </a:srgbClr>
-              </a:clrTo>
-            </a:clrChange>
-            <a:extLst>
-              <a:ext uri="{28A0092B-C50C-407E-A947-70E740481C1C}">
-                <a14:useLocalDpi xmlns:a14="http://schemas.microsoft.com/office/drawing/2010/main" val="0"/>
-              </a:ext>
-            </a:extLst>
-          </a:blip>
-          <a:srcRect/>
-          <a:stretch>
-            <a:fillRect/>
-          </a:stretch>
-        </p:blipFill>
-        <p:spPr bwMode="auto">
+        </p:nvSpPr>
+        <p:spPr>
           <a:xfrm>
-            <a:off x="2682799" y="1225704"/>
-            <a:ext cx="6482161" cy="5615136"/>
+            <a:off x="3484364" y="2775347"/>
+            <a:ext cx="2175272" cy="461665"/>
           </a:xfrm>
           <a:prstGeom prst="rect">
             <a:avLst/>
           </a:prstGeom>
           <a:noFill/>
-          <a:extLst>
-            <a:ext uri="{909E8E84-426E-40DD-AFC4-6F175D3DCCD1}">
-              <a14:hiddenFill xmlns:a14="http://schemas.microsoft.com/office/drawing/2010/main">
-                <a:solidFill>
-                  <a:srgbClr val="FFFFFF"/>
-                </a:solidFill>
-              </a14:hiddenFill>
-            </a:ext>
-          </a:extLst>
-        </p:spPr>
-      </p:pic>
-      <p:sp>
-        <p:nvSpPr>
-          <p:cNvPr id="5" name="Tekstvak 2"/>
-          <p:cNvSpPr txBox="1"/>
-          <p:nvPr/>
-        </p:nvSpPr>
-        <p:spPr>
-          <a:xfrm>
-            <a:off x="251520" y="3745999"/>
-            <a:ext cx="3312368" cy="941189"/>
-          </a:xfrm>
-          <a:prstGeom prst="roundRect">
-            <a:avLst>
-              <a:gd name="adj" fmla="val 4768"/>
-            </a:avLst>
-          </a:prstGeom>
-          <a:noFill/>
-          <a:ln w="6350"/>
-          <a:effectLst/>
         </p:spPr>
         <p:style>
           <a:lnRef idx="2">
@@ -6150,115 +6305,56 @@
           </a:bodyPr>
           <a:lstStyle/>
           <a:p>
-            <a:pPr>
-              <a:buFont typeface="Arial" pitchFamily="34" charset="0"/>
-              <a:buChar char="•"/>
-            </a:pPr>
-            <a:r>
-              <a:rPr lang="nl-BE" dirty="0" smtClean="0"/>
-              <a:t> </a:t>
-            </a:r>
-            <a:r>
-              <a:rPr lang="nl-BE" dirty="0" smtClean="0">
-                <a:latin typeface="Sitka Display" pitchFamily="2" charset="0"/>
-                <a:sym typeface="Wingdings" panose="05000000000000000000" pitchFamily="2" charset="2"/>
-              </a:rPr>
-              <a:t>Deze slide gebruiken als </a:t>
-            </a:r>
-            <a:r>
-              <a:rPr lang="nl-BE" dirty="0" err="1" smtClean="0">
-                <a:latin typeface="Sitka Display" pitchFamily="2" charset="0"/>
-                <a:sym typeface="Wingdings" panose="05000000000000000000" pitchFamily="2" charset="2"/>
-              </a:rPr>
-              <a:t>recap</a:t>
-            </a:r>
-            <a:r>
-              <a:rPr lang="nl-BE" dirty="0" smtClean="0">
-                <a:latin typeface="Sitka Display" pitchFamily="2" charset="0"/>
-                <a:sym typeface="Wingdings" panose="05000000000000000000" pitchFamily="2" charset="2"/>
-              </a:rPr>
-              <a:t> voor tag implementatie</a:t>
-            </a:r>
-          </a:p>
-          <a:p>
-            <a:pPr>
-              <a:buFont typeface="Arial" pitchFamily="34" charset="0"/>
-              <a:buChar char="•"/>
-            </a:pPr>
-            <a:r>
-              <a:rPr lang="nl-BE" b="1" dirty="0" smtClean="0">
-                <a:latin typeface="Sitka Display" pitchFamily="2" charset="0"/>
-                <a:sym typeface="Wingdings" panose="05000000000000000000" pitchFamily="2" charset="2"/>
-              </a:rPr>
-              <a:t>Hierna: uitleg over state </a:t>
-            </a:r>
-            <a:r>
-              <a:rPr lang="nl-BE" b="1" dirty="0" err="1" smtClean="0">
-                <a:latin typeface="Sitka Display" pitchFamily="2" charset="0"/>
-                <a:sym typeface="Wingdings" panose="05000000000000000000" pitchFamily="2" charset="2"/>
-              </a:rPr>
-              <a:t>pattern</a:t>
-            </a:r>
-            <a:r>
-              <a:rPr lang="nl-BE" b="1" dirty="0" smtClean="0">
-                <a:latin typeface="Sitka Display" pitchFamily="2" charset="0"/>
-                <a:sym typeface="Wingdings" panose="05000000000000000000" pitchFamily="2" charset="2"/>
-              </a:rPr>
-              <a:t> voor tag</a:t>
-            </a:r>
-          </a:p>
-        </p:txBody>
-      </p:sp>
-      <p:sp>
-        <p:nvSpPr>
-          <p:cNvPr id="3" name="Rechthoek 2"/>
-          <p:cNvSpPr/>
+            <a:pPr algn="ctr"/>
+            <a:r>
+              <a:rPr lang="nl-NL" sz="2400" b="1" dirty="0"/>
+              <a:t>Tags zijn STATES</a:t>
+            </a:r>
+          </a:p>
+        </p:txBody>
+      </p:sp>
+      <p:sp>
+        <p:nvSpPr>
+          <p:cNvPr id="7" name="Tekstvak 6"/>
+          <p:cNvSpPr txBox="1"/>
           <p:nvPr/>
         </p:nvSpPr>
         <p:spPr>
           <a:xfrm>
-            <a:off x="2483768" y="2852936"/>
-            <a:ext cx="1368152" cy="792088"/>
+            <a:off x="2487810" y="4050507"/>
+            <a:ext cx="4168378" cy="646331"/>
           </a:xfrm>
           <a:prstGeom prst="rect">
             <a:avLst/>
           </a:prstGeom>
           <a:noFill/>
-          <a:ln w="76200">
-            <a:solidFill>
-              <a:srgbClr val="FF0000"/>
-            </a:solidFill>
-          </a:ln>
         </p:spPr>
-        <p:style>
-          <a:lnRef idx="2">
-            <a:schemeClr val="accent2">
-              <a:shade val="50000"/>
-            </a:schemeClr>
-          </a:lnRef>
-          <a:fillRef idx="1">
-            <a:schemeClr val="accent2"/>
-          </a:fillRef>
-          <a:effectRef idx="0">
-            <a:schemeClr val="accent2"/>
-          </a:effectRef>
-          <a:fontRef idx="minor">
-            <a:schemeClr val="lt1"/>
-          </a:fontRef>
-        </p:style>
-        <p:txBody>
-          <a:bodyPr rtlCol="0" anchor="ctr"/>
+        <p:txBody>
+          <a:bodyPr wrap="square" rtlCol="0">
+            <a:spAutoFit/>
+          </a:bodyPr>
           <a:lstStyle/>
           <a:p>
             <a:pPr algn="ctr"/>
-            <a:endParaRPr lang="nl-BE"/>
+            <a:r>
+              <a:rPr lang="nl-NL" dirty="0"/>
+              <a:t>Het gedrag van </a:t>
+            </a:r>
+            <a:r>
+              <a:rPr lang="nl-NL" dirty="0" err="1"/>
+              <a:t>Bugreport</a:t>
+            </a:r>
+            <a:r>
+              <a:rPr lang="nl-NL" dirty="0"/>
+              <a:t> is afhankelijk van de tag die toegekend is.</a:t>
+            </a:r>
           </a:p>
         </p:txBody>
       </p:sp>
     </p:spTree>
     <p:extLst>
       <p:ext uri="{BB962C8B-B14F-4D97-AF65-F5344CB8AC3E}">
-        <p14:creationId xmlns:p14="http://schemas.microsoft.com/office/powerpoint/2010/main" val="4089071672"/>
+        <p14:creationId xmlns:p14="http://schemas.microsoft.com/office/powerpoint/2010/main" val="467284758"/>
       </p:ext>
     </p:extLst>
   </p:cSld>
@@ -6268,13 +6364,6 @@
   <p:transition>
     <p:fade/>
   </p:transition>
-  <p:timing>
-    <p:tnLst>
-      <p:par>
-        <p:cTn id="1" dur="indefinite" restart="never" nodeType="tmRoot"/>
-      </p:par>
-    </p:tnLst>
-  </p:timing>
 </p:sld>
 </file>
 
@@ -6307,48 +6396,143 @@
         </p:nvSpPr>
         <p:spPr/>
         <p:txBody>
-          <a:bodyPr/>
+          <a:bodyPr>
+            <a:normAutofit/>
+          </a:bodyPr>
           <a:lstStyle/>
           <a:p>
             <a:r>
-              <a:rPr lang="nl-BE" dirty="0" err="1" smtClean="0"/>
-              <a:t>Insert</a:t>
-            </a:r>
-            <a:r>
-              <a:rPr lang="nl-BE" dirty="0" smtClean="0"/>
-              <a:t> uitleg over state </a:t>
-            </a:r>
-            <a:r>
-              <a:rPr lang="nl-BE" dirty="0" err="1" smtClean="0"/>
-              <a:t>here</a:t>
-            </a:r>
-            <a:endParaRPr lang="nl-BE" dirty="0"/>
-          </a:p>
-        </p:txBody>
-      </p:sp>
-      <p:sp>
-        <p:nvSpPr>
-          <p:cNvPr id="3" name="Tijdelijke aanduiding voor inhoud 2"/>
-          <p:cNvSpPr>
-            <a:spLocks noGrp="1"/>
-          </p:cNvSpPr>
-          <p:nvPr>
-            <p:ph idx="1"/>
-          </p:nvPr>
-        </p:nvSpPr>
-        <p:spPr/>
-        <p:txBody>
-          <a:bodyPr/>
+              <a:rPr lang="nl-BE" sz="3600" cap="small" dirty="0" smtClean="0">
+                <a:ln w="18415" cmpd="sng">
+                  <a:solidFill>
+                    <a:schemeClr val="tx1">
+                      <a:alpha val="0"/>
+                    </a:schemeClr>
+                  </a:solidFill>
+                  <a:prstDash val="solid"/>
+                </a:ln>
+                <a:effectLst>
+                  <a:outerShdw blurRad="25400" dir="3600000" algn="tl" rotWithShape="0">
+                    <a:srgbClr val="000000">
+                      <a:alpha val="70000"/>
+                    </a:srgbClr>
+                  </a:outerShdw>
+                </a:effectLst>
+                <a:latin typeface="Sitka Text" pitchFamily="2" charset="0"/>
+              </a:rPr>
+              <a:t>Usage of the domain layer</a:t>
+            </a:r>
+            <a:endParaRPr lang="nl-BE" sz="3600" cap="small" dirty="0">
+              <a:ln w="18415" cmpd="sng">
+                <a:solidFill>
+                  <a:schemeClr val="tx1">
+                    <a:alpha val="0"/>
+                  </a:schemeClr>
+                </a:solidFill>
+                <a:prstDash val="solid"/>
+              </a:ln>
+              <a:effectLst>
+                <a:outerShdw blurRad="25400" dir="3600000" algn="tl" rotWithShape="0">
+                  <a:srgbClr val="000000">
+                    <a:alpha val="70000"/>
+                  </a:srgbClr>
+                </a:outerShdw>
+              </a:effectLst>
+              <a:latin typeface="Sitka Text" pitchFamily="2" charset="0"/>
+            </a:endParaRPr>
+          </a:p>
+        </p:txBody>
+      </p:sp>
+      <p:pic>
+        <p:nvPicPr>
+          <p:cNvPr id="6" name="Afbeelding 5"/>
+          <p:cNvPicPr>
+            <a:picLocks noChangeAspect="1"/>
+          </p:cNvPicPr>
+          <p:nvPr/>
+        </p:nvPicPr>
+        <p:blipFill>
+          <a:blip r:embed="rId2">
+            <a:clrChange>
+              <a:clrFrom>
+                <a:srgbClr val="FFFFFF"/>
+              </a:clrFrom>
+              <a:clrTo>
+                <a:srgbClr val="FFFFFF">
+                  <a:alpha val="0"/>
+                </a:srgbClr>
+              </a:clrTo>
+            </a:clrChange>
+            <a:extLst>
+              <a:ext uri="{28A0092B-C50C-407E-A947-70E740481C1C}">
+                <a14:useLocalDpi xmlns:a14="http://schemas.microsoft.com/office/drawing/2010/main" val="0"/>
+              </a:ext>
+            </a:extLst>
+          </a:blip>
+          <a:stretch>
+            <a:fillRect/>
+          </a:stretch>
+        </p:blipFill>
+        <p:spPr>
+          <a:xfrm>
+            <a:off x="1489119" y="1170722"/>
+            <a:ext cx="6165761" cy="5687278"/>
+          </a:xfrm>
+          <a:prstGeom prst="rect">
+            <a:avLst/>
+          </a:prstGeom>
+        </p:spPr>
+      </p:pic>
+      <p:sp>
+        <p:nvSpPr>
+          <p:cNvPr id="7" name="Rechthoek 6"/>
+          <p:cNvSpPr/>
+          <p:nvPr/>
+        </p:nvSpPr>
+        <p:spPr>
+          <a:xfrm>
+            <a:off x="2339752" y="3284984"/>
+            <a:ext cx="1656184" cy="576064"/>
+          </a:xfrm>
+          <a:prstGeom prst="rect">
+            <a:avLst/>
+          </a:prstGeom>
+          <a:noFill/>
+          <a:ln>
+            <a:solidFill>
+              <a:srgbClr val="FF0000"/>
+            </a:solidFill>
+          </a:ln>
+        </p:spPr>
+        <p:style>
+          <a:lnRef idx="2">
+            <a:schemeClr val="accent1">
+              <a:shade val="50000"/>
+            </a:schemeClr>
+          </a:lnRef>
+          <a:fillRef idx="1">
+            <a:schemeClr val="accent1"/>
+          </a:fillRef>
+          <a:effectRef idx="0">
+            <a:schemeClr val="accent1"/>
+          </a:effectRef>
+          <a:fontRef idx="minor">
+            <a:schemeClr val="lt1"/>
+          </a:fontRef>
+        </p:style>
+        <p:txBody>
+          <a:bodyPr rtlCol="0" anchor="ctr"/>
           <a:lstStyle/>
           <a:p>
-            <a:endParaRPr lang="nl-BE"/>
+            <a:pPr algn="ctr"/>
+            <a:endParaRPr lang="nl-NL"/>
           </a:p>
         </p:txBody>
       </p:sp>
     </p:spTree>
     <p:extLst>
       <p:ext uri="{BB962C8B-B14F-4D97-AF65-F5344CB8AC3E}">
-        <p14:creationId xmlns:p14="http://schemas.microsoft.com/office/powerpoint/2010/main" val="2544111520"/>
+        <p14:creationId xmlns:p14="http://schemas.microsoft.com/office/powerpoint/2010/main" val="307230627"/>
       </p:ext>
     </p:extLst>
   </p:cSld>
@@ -6358,6 +6542,13 @@
   <p:transition>
     <p:fade/>
   </p:transition>
+  <p:timing>
+    <p:tnLst>
+      <p:par>
+        <p:cTn id="1" dur="indefinite" restart="never" nodeType="tmRoot"/>
+      </p:par>
+    </p:tnLst>
+  </p:timing>
 </p:sld>
 </file>
 
@@ -6390,50 +6581,177 @@
         </p:nvSpPr>
         <p:spPr/>
         <p:txBody>
-          <a:bodyPr>
-            <a:normAutofit fontScale="90000"/>
+          <a:bodyPr/>
+          <a:lstStyle/>
+          <a:p>
+            <a:r>
+              <a:rPr lang="nl-BE" sz="3600" cap="small" dirty="0">
+                <a:ln w="18415" cmpd="sng">
+                  <a:solidFill>
+                    <a:schemeClr val="tx1">
+                      <a:alpha val="0"/>
+                    </a:schemeClr>
+                  </a:solidFill>
+                  <a:prstDash val="solid"/>
+                </a:ln>
+                <a:effectLst>
+                  <a:outerShdw blurRad="25400" dir="3600000" algn="tl" rotWithShape="0">
+                    <a:srgbClr val="000000">
+                      <a:alpha val="70000"/>
+                    </a:srgbClr>
+                  </a:outerShdw>
+                </a:effectLst>
+                <a:latin typeface="Sitka Text" pitchFamily="2" charset="0"/>
+              </a:rPr>
+              <a:t>State</a:t>
+            </a:r>
+            <a:r>
+              <a:rPr lang="nl-BE" dirty="0" smtClean="0"/>
+              <a:t> </a:t>
+            </a:r>
+            <a:r>
+              <a:rPr lang="nl-BE" sz="3600" cap="small" dirty="0">
+                <a:ln w="18415" cmpd="sng">
+                  <a:solidFill>
+                    <a:schemeClr val="tx1">
+                      <a:alpha val="0"/>
+                    </a:schemeClr>
+                  </a:solidFill>
+                  <a:prstDash val="solid"/>
+                </a:ln>
+                <a:effectLst>
+                  <a:outerShdw blurRad="25400" dir="3600000" algn="tl" rotWithShape="0">
+                    <a:srgbClr val="000000">
+                      <a:alpha val="70000"/>
+                    </a:srgbClr>
+                  </a:outerShdw>
+                </a:effectLst>
+                <a:latin typeface="Sitka Text" pitchFamily="2" charset="0"/>
+              </a:rPr>
+              <a:t>pattern: Abstract</a:t>
+            </a:r>
+          </a:p>
+        </p:txBody>
+      </p:sp>
+      <p:pic>
+        <p:nvPicPr>
+          <p:cNvPr id="4" name="Tijdelijke aanduiding voor inhoud 3"/>
+          <p:cNvPicPr>
+            <a:picLocks noGrp="1" noChangeAspect="1"/>
+          </p:cNvPicPr>
+          <p:nvPr>
+            <p:ph idx="1"/>
+          </p:nvPr>
+        </p:nvPicPr>
+        <p:blipFill>
+          <a:blip r:embed="rId2">
+            <a:clrChange>
+              <a:clrFrom>
+                <a:srgbClr val="FFFFFF"/>
+              </a:clrFrom>
+              <a:clrTo>
+                <a:srgbClr val="FFFFFF">
+                  <a:alpha val="0"/>
+                </a:srgbClr>
+              </a:clrTo>
+            </a:clrChange>
+            <a:extLst>
+              <a:ext uri="{28A0092B-C50C-407E-A947-70E740481C1C}">
+                <a14:useLocalDpi xmlns:a14="http://schemas.microsoft.com/office/drawing/2010/main" val="0"/>
+              </a:ext>
+            </a:extLst>
+          </a:blip>
+          <a:stretch>
+            <a:fillRect/>
+          </a:stretch>
+        </p:blipFill>
+        <p:spPr>
+          <a:xfrm>
+            <a:off x="99368" y="3842113"/>
+            <a:ext cx="8937128" cy="1819135"/>
+          </a:xfrm>
+        </p:spPr>
+      </p:pic>
+      <p:sp>
+        <p:nvSpPr>
+          <p:cNvPr id="5" name="Tekstvak 4"/>
+          <p:cNvSpPr txBox="1"/>
+          <p:nvPr/>
+        </p:nvSpPr>
+        <p:spPr>
+          <a:xfrm>
+            <a:off x="2339752" y="2420888"/>
+            <a:ext cx="4237891" cy="369332"/>
+          </a:xfrm>
+          <a:prstGeom prst="rect">
+            <a:avLst/>
+          </a:prstGeom>
+          <a:noFill/>
+        </p:spPr>
+        <p:style>
+          <a:lnRef idx="2">
+            <a:schemeClr val="dk1"/>
+          </a:lnRef>
+          <a:fillRef idx="1">
+            <a:schemeClr val="lt1"/>
+          </a:fillRef>
+          <a:effectRef idx="0">
+            <a:schemeClr val="dk1"/>
+          </a:effectRef>
+          <a:fontRef idx="minor">
+            <a:schemeClr val="dk1"/>
+          </a:fontRef>
+        </p:style>
+        <p:txBody>
+          <a:bodyPr wrap="none" rtlCol="0">
+            <a:spAutoFit/>
           </a:bodyPr>
           <a:lstStyle/>
           <a:p>
             <a:r>
-              <a:rPr lang="nl-BE" dirty="0" err="1" smtClean="0"/>
-              <a:t>Insert</a:t>
-            </a:r>
-            <a:r>
-              <a:rPr lang="nl-BE" dirty="0" smtClean="0"/>
-              <a:t> heel korte uitleg over </a:t>
-            </a:r>
-            <a:r>
-              <a:rPr lang="nl-BE" dirty="0" err="1" smtClean="0"/>
-              <a:t>milestones</a:t>
-            </a:r>
-            <a:endParaRPr lang="nl-BE" dirty="0"/>
-          </a:p>
-        </p:txBody>
-      </p:sp>
-      <p:sp>
-        <p:nvSpPr>
-          <p:cNvPr id="3" name="Tijdelijke aanduiding voor inhoud 2"/>
-          <p:cNvSpPr>
-            <a:spLocks noGrp="1"/>
-          </p:cNvSpPr>
-          <p:nvPr>
-            <p:ph idx="1"/>
-          </p:nvPr>
-        </p:nvSpPr>
-        <p:spPr/>
-        <p:txBody>
-          <a:bodyPr/>
-          <a:lstStyle/>
-          <a:p>
-            <a:endParaRPr lang="nl-BE"/>
+              <a:rPr lang="nl-NL" dirty="0" err="1" smtClean="0"/>
+              <a:t>BugReport</a:t>
+            </a:r>
+            <a:r>
+              <a:rPr lang="nl-NL" dirty="0" smtClean="0"/>
+              <a:t> calls Tag </a:t>
+            </a:r>
+            <a:r>
+              <a:rPr lang="nl-NL" dirty="0" err="1" smtClean="0"/>
+              <a:t>to</a:t>
+            </a:r>
+            <a:r>
+              <a:rPr lang="nl-NL" dirty="0" smtClean="0"/>
+              <a:t> </a:t>
+            </a:r>
+            <a:r>
+              <a:rPr lang="nl-NL" dirty="0" err="1" smtClean="0"/>
+              <a:t>execute</a:t>
+            </a:r>
+            <a:r>
+              <a:rPr lang="nl-NL" dirty="0" smtClean="0"/>
+              <a:t> </a:t>
+            </a:r>
+            <a:r>
+              <a:rPr lang="nl-NL" dirty="0" err="1" smtClean="0"/>
+              <a:t>the</a:t>
+            </a:r>
+            <a:r>
+              <a:rPr lang="nl-NL" dirty="0" smtClean="0"/>
+              <a:t> </a:t>
+            </a:r>
+            <a:r>
+              <a:rPr lang="nl-NL" dirty="0" err="1" smtClean="0"/>
+              <a:t>function</a:t>
+            </a:r>
+            <a:endParaRPr lang="nl-NL" dirty="0"/>
           </a:p>
         </p:txBody>
       </p:sp>
     </p:spTree>
     <p:extLst>
       <p:ext uri="{BB962C8B-B14F-4D97-AF65-F5344CB8AC3E}">
-        <p14:creationId xmlns:p14="http://schemas.microsoft.com/office/powerpoint/2010/main" val="378156031"/>
+        <p14:creationId xmlns:p14="http://schemas.microsoft.com/office/powerpoint/2010/main" val="1074460601"/>
       </p:ext>
     </p:extLst>
   </p:cSld>
@@ -6475,20 +6793,319 @@
         </p:nvSpPr>
         <p:spPr/>
         <p:txBody>
-          <a:bodyPr/>
+          <a:bodyPr>
+            <a:normAutofit/>
+          </a:bodyPr>
           <a:lstStyle/>
           <a:p>
             <a:r>
-              <a:rPr lang="nl-BE" dirty="0" smtClean="0"/>
-              <a:t>Mailbox system</a:t>
-            </a:r>
-            <a:endParaRPr lang="nl-BE" dirty="0"/>
+              <a:rPr lang="nl-BE" sz="3600" cap="small" dirty="0">
+                <a:ln w="18415" cmpd="sng">
+                  <a:solidFill>
+                    <a:schemeClr val="tx1">
+                      <a:alpha val="0"/>
+                    </a:schemeClr>
+                  </a:solidFill>
+                  <a:prstDash val="solid"/>
+                </a:ln>
+                <a:effectLst>
+                  <a:outerShdw blurRad="25400" dir="3600000" algn="tl" rotWithShape="0">
+                    <a:srgbClr val="000000">
+                      <a:alpha val="70000"/>
+                    </a:srgbClr>
+                  </a:outerShdw>
+                </a:effectLst>
+                <a:latin typeface="Sitka Text" pitchFamily="2" charset="0"/>
+              </a:rPr>
+              <a:t>State pattern: Concrete Example</a:t>
+            </a:r>
+          </a:p>
+        </p:txBody>
+      </p:sp>
+      <p:sp>
+        <p:nvSpPr>
+          <p:cNvPr id="5" name="Tekstvak 4"/>
+          <p:cNvSpPr txBox="1"/>
+          <p:nvPr/>
+        </p:nvSpPr>
+        <p:spPr>
+          <a:xfrm>
+            <a:off x="786408" y="1556792"/>
+            <a:ext cx="3456383" cy="923330"/>
+          </a:xfrm>
+          <a:prstGeom prst="rect">
+            <a:avLst/>
+          </a:prstGeom>
+          <a:noFill/>
+          <a:ln>
+            <a:noFill/>
+          </a:ln>
+        </p:spPr>
+        <p:style>
+          <a:lnRef idx="2">
+            <a:schemeClr val="dk1"/>
+          </a:lnRef>
+          <a:fillRef idx="1">
+            <a:schemeClr val="lt1"/>
+          </a:fillRef>
+          <a:effectRef idx="0">
+            <a:schemeClr val="dk1"/>
+          </a:effectRef>
+          <a:fontRef idx="minor">
+            <a:schemeClr val="dk1"/>
+          </a:fontRef>
+        </p:style>
+        <p:txBody>
+          <a:bodyPr wrap="square" rtlCol="0">
+            <a:spAutoFit/>
+          </a:bodyPr>
+          <a:lstStyle/>
+          <a:p>
+            <a:r>
+              <a:rPr lang="is-IS" i="1" dirty="0" smtClean="0">
+                <a:solidFill>
+                  <a:schemeClr val="tx1">
+                    <a:lumMod val="50000"/>
+                    <a:lumOff val="50000"/>
+                  </a:schemeClr>
+                </a:solidFill>
+              </a:rPr>
+              <a:t>“…</a:t>
+            </a:r>
+            <a:r>
+              <a:rPr lang="nl-NL" i="1" dirty="0" err="1" smtClean="0">
+                <a:solidFill>
+                  <a:schemeClr val="tx1">
+                    <a:lumMod val="50000"/>
+                    <a:lumOff val="50000"/>
+                  </a:schemeClr>
+                </a:solidFill>
+              </a:rPr>
+              <a:t>after</a:t>
+            </a:r>
+            <a:r>
+              <a:rPr lang="nl-NL" i="1" dirty="0" smtClean="0">
+                <a:solidFill>
+                  <a:schemeClr val="tx1">
+                    <a:lumMod val="50000"/>
+                    <a:lumOff val="50000"/>
+                  </a:schemeClr>
+                </a:solidFill>
+              </a:rPr>
+              <a:t> </a:t>
+            </a:r>
+            <a:r>
+              <a:rPr lang="nl-NL" i="1" dirty="0" err="1">
+                <a:solidFill>
+                  <a:schemeClr val="tx1">
+                    <a:lumMod val="50000"/>
+                    <a:lumOff val="50000"/>
+                  </a:schemeClr>
+                </a:solidFill>
+              </a:rPr>
+              <a:t>the</a:t>
+            </a:r>
+            <a:r>
+              <a:rPr lang="nl-NL" i="1" dirty="0">
+                <a:solidFill>
+                  <a:schemeClr val="tx1">
+                    <a:lumMod val="50000"/>
+                    <a:lumOff val="50000"/>
+                  </a:schemeClr>
+                </a:solidFill>
+              </a:rPr>
+              <a:t> first patch, </a:t>
+            </a:r>
+            <a:r>
+              <a:rPr lang="nl-NL" i="1" dirty="0" err="1">
+                <a:solidFill>
+                  <a:schemeClr val="tx1">
+                    <a:lumMod val="50000"/>
+                    <a:lumOff val="50000"/>
+                  </a:schemeClr>
+                </a:solidFill>
+              </a:rPr>
+              <a:t>the</a:t>
+            </a:r>
+            <a:r>
+              <a:rPr lang="nl-NL" i="1" dirty="0">
+                <a:solidFill>
+                  <a:schemeClr val="tx1">
+                    <a:lumMod val="50000"/>
+                    <a:lumOff val="50000"/>
+                  </a:schemeClr>
+                </a:solidFill>
+              </a:rPr>
+              <a:t> tag of </a:t>
+            </a:r>
+            <a:r>
+              <a:rPr lang="nl-NL" i="1" dirty="0" err="1">
+                <a:solidFill>
+                  <a:schemeClr val="tx1">
+                    <a:lumMod val="50000"/>
+                    <a:lumOff val="50000"/>
+                  </a:schemeClr>
+                </a:solidFill>
+              </a:rPr>
+              <a:t>the</a:t>
+            </a:r>
+            <a:r>
+              <a:rPr lang="nl-NL" i="1" dirty="0">
+                <a:solidFill>
+                  <a:schemeClr val="tx1">
+                    <a:lumMod val="50000"/>
+                    <a:lumOff val="50000"/>
+                  </a:schemeClr>
+                </a:solidFill>
+              </a:rPr>
+              <a:t> bug report at </a:t>
+            </a:r>
+            <a:r>
+              <a:rPr lang="nl-NL" i="1" dirty="0" err="1">
+                <a:solidFill>
+                  <a:schemeClr val="tx1">
+                    <a:lumMod val="50000"/>
+                    <a:lumOff val="50000"/>
+                  </a:schemeClr>
+                </a:solidFill>
+              </a:rPr>
+              <a:t>stake</a:t>
+            </a:r>
+            <a:r>
+              <a:rPr lang="nl-NL" i="1" dirty="0">
+                <a:solidFill>
+                  <a:schemeClr val="tx1">
+                    <a:lumMod val="50000"/>
+                    <a:lumOff val="50000"/>
+                  </a:schemeClr>
+                </a:solidFill>
+              </a:rPr>
+              <a:t> </a:t>
+            </a:r>
+            <a:r>
+              <a:rPr lang="nl-NL" i="1" dirty="0" err="1">
+                <a:solidFill>
+                  <a:schemeClr val="tx1">
+                    <a:lumMod val="50000"/>
+                    <a:lumOff val="50000"/>
+                  </a:schemeClr>
+                </a:solidFill>
+              </a:rPr>
+              <a:t>transitions</a:t>
+            </a:r>
+            <a:r>
+              <a:rPr lang="nl-NL" i="1" dirty="0">
+                <a:solidFill>
+                  <a:schemeClr val="tx1">
+                    <a:lumMod val="50000"/>
+                    <a:lumOff val="50000"/>
+                  </a:schemeClr>
+                </a:solidFill>
+              </a:rPr>
+              <a:t> </a:t>
+            </a:r>
+            <a:r>
+              <a:rPr lang="nl-NL" i="1" dirty="0" err="1">
+                <a:solidFill>
+                  <a:schemeClr val="tx1">
+                    <a:lumMod val="50000"/>
+                    <a:lumOff val="50000"/>
+                  </a:schemeClr>
+                </a:solidFill>
+              </a:rPr>
+              <a:t>from</a:t>
+            </a:r>
+            <a:r>
+              <a:rPr lang="nl-NL" i="1" dirty="0">
+                <a:solidFill>
+                  <a:schemeClr val="tx1">
+                    <a:lumMod val="50000"/>
+                    <a:lumOff val="50000"/>
+                  </a:schemeClr>
+                </a:solidFill>
+              </a:rPr>
+              <a:t> </a:t>
+            </a:r>
+            <a:r>
+              <a:rPr lang="nl-NL" i="1" dirty="0" err="1">
+                <a:solidFill>
+                  <a:schemeClr val="tx1">
+                    <a:lumMod val="50000"/>
+                    <a:lumOff val="50000"/>
+                  </a:schemeClr>
+                </a:solidFill>
+              </a:rPr>
+              <a:t>Assigned</a:t>
+            </a:r>
+            <a:r>
+              <a:rPr lang="nl-NL" i="1" dirty="0">
+                <a:solidFill>
+                  <a:schemeClr val="tx1">
+                    <a:lumMod val="50000"/>
+                    <a:lumOff val="50000"/>
+                  </a:schemeClr>
+                </a:solidFill>
+              </a:rPr>
+              <a:t> </a:t>
+            </a:r>
+            <a:r>
+              <a:rPr lang="nl-NL" i="1" dirty="0" err="1">
+                <a:solidFill>
+                  <a:schemeClr val="tx1">
+                    <a:lumMod val="50000"/>
+                    <a:lumOff val="50000"/>
+                  </a:schemeClr>
+                </a:solidFill>
+              </a:rPr>
+              <a:t>to</a:t>
+            </a:r>
+            <a:r>
+              <a:rPr lang="nl-NL" i="1" dirty="0">
+                <a:solidFill>
+                  <a:schemeClr val="tx1">
+                    <a:lumMod val="50000"/>
+                    <a:lumOff val="50000"/>
+                  </a:schemeClr>
+                </a:solidFill>
+              </a:rPr>
+              <a:t> </a:t>
+            </a:r>
+            <a:r>
+              <a:rPr lang="nl-NL" i="1" dirty="0" err="1" smtClean="0">
+                <a:solidFill>
+                  <a:schemeClr val="tx1">
+                    <a:lumMod val="50000"/>
+                    <a:lumOff val="50000"/>
+                  </a:schemeClr>
+                </a:solidFill>
+              </a:rPr>
+              <a:t>UnderReview</a:t>
+            </a:r>
+            <a:r>
+              <a:rPr lang="nl-NL" i="1" dirty="0" smtClean="0">
+                <a:solidFill>
+                  <a:schemeClr val="tx1">
+                    <a:lumMod val="50000"/>
+                    <a:lumOff val="50000"/>
+                  </a:schemeClr>
+                </a:solidFill>
+              </a:rPr>
+              <a:t>.”</a:t>
+            </a:r>
+            <a:endParaRPr lang="nl-NL" i="1" dirty="0">
+              <a:solidFill>
+                <a:schemeClr val="tx1">
+                  <a:lumMod val="50000"/>
+                  <a:lumOff val="50000"/>
+                </a:schemeClr>
+              </a:solidFill>
+            </a:endParaRPr>
           </a:p>
         </p:txBody>
       </p:sp>
       <p:pic>
         <p:nvPicPr>
-          <p:cNvPr id="6" name="Content Placeholder 5"/>
+          <p:cNvPr id="6" name="Tijdelijke aanduiding voor inhoud 5"/>
           <p:cNvPicPr>
             <a:picLocks noGrp="1" noChangeAspect="1"/>
           </p:cNvPicPr>
@@ -6498,6 +7115,16 @@
         </p:nvPicPr>
         <p:blipFill>
           <a:blip r:embed="rId2">
+            <a:clrChange>
+              <a:clrFrom>
+                <a:srgbClr val="FFFFFF"/>
+              </a:clrFrom>
+              <a:clrTo>
+                <a:srgbClr val="FFFFFF">
+                  <a:alpha val="0"/>
+                </a:srgbClr>
+              </a:clrTo>
+            </a:clrChange>
             <a:extLst>
               <a:ext uri="{28A0092B-C50C-407E-A947-70E740481C1C}">
                 <a14:useLocalDpi xmlns:a14="http://schemas.microsoft.com/office/drawing/2010/main" val="0"/>
@@ -6510,15 +7137,505 @@
         </p:blipFill>
         <p:spPr>
           <a:xfrm>
-            <a:off x="1043608" y="1268760"/>
-            <a:ext cx="6840760" cy="5555696"/>
+            <a:off x="457200" y="3140968"/>
+            <a:ext cx="8229600" cy="3117855"/>
           </a:xfrm>
         </p:spPr>
       </p:pic>
+      <p:sp>
+        <p:nvSpPr>
+          <p:cNvPr id="7" name="Tekstvak 6"/>
+          <p:cNvSpPr txBox="1"/>
+          <p:nvPr/>
+        </p:nvSpPr>
+        <p:spPr>
+          <a:xfrm>
+            <a:off x="457200" y="3140968"/>
+            <a:ext cx="658416" cy="360000"/>
+          </a:xfrm>
+          <a:prstGeom prst="rect">
+            <a:avLst/>
+          </a:prstGeom>
+          <a:solidFill>
+            <a:schemeClr val="tx2">
+              <a:lumMod val="60000"/>
+              <a:lumOff val="40000"/>
+            </a:schemeClr>
+          </a:solidFill>
+          <a:ln>
+            <a:noFill/>
+          </a:ln>
+        </p:spPr>
+        <p:txBody>
+          <a:bodyPr wrap="square" rtlCol="0">
+            <a:spAutoFit/>
+          </a:bodyPr>
+          <a:lstStyle/>
+          <a:p>
+            <a:pPr algn="ctr"/>
+            <a:r>
+              <a:rPr lang="nl-NL" sz="900" dirty="0" smtClean="0"/>
+              <a:t>:User</a:t>
+            </a:r>
+            <a:endParaRPr lang="nl-NL" sz="900" dirty="0"/>
+          </a:p>
+        </p:txBody>
+      </p:sp>
+      <p:sp>
+        <p:nvSpPr>
+          <p:cNvPr id="8" name="Tekstvak 7"/>
+          <p:cNvSpPr txBox="1"/>
+          <p:nvPr/>
+        </p:nvSpPr>
+        <p:spPr>
+          <a:xfrm>
+            <a:off x="4860032" y="1339820"/>
+            <a:ext cx="3384377" cy="1477328"/>
+          </a:xfrm>
+          <a:prstGeom prst="rect">
+            <a:avLst/>
+          </a:prstGeom>
+          <a:noFill/>
+        </p:spPr>
+        <p:txBody>
+          <a:bodyPr wrap="square" rtlCol="0">
+            <a:spAutoFit/>
+          </a:bodyPr>
+          <a:lstStyle/>
+          <a:p>
+            <a:r>
+              <a:rPr lang="nl-NL" i="1" dirty="0" smtClean="0">
+                <a:solidFill>
+                  <a:schemeClr val="tx1">
+                    <a:lumMod val="50000"/>
+                    <a:lumOff val="50000"/>
+                  </a:schemeClr>
+                </a:solidFill>
+              </a:rPr>
+              <a:t>“</a:t>
+            </a:r>
+            <a:r>
+              <a:rPr lang="nl-NL" i="1" dirty="0" err="1" smtClean="0">
+                <a:solidFill>
+                  <a:schemeClr val="tx1">
+                    <a:lumMod val="50000"/>
+                    <a:lumOff val="50000"/>
+                  </a:schemeClr>
+                </a:solidFill>
+              </a:rPr>
+              <a:t>When</a:t>
+            </a:r>
+            <a:r>
+              <a:rPr lang="nl-NL" i="1" dirty="0" smtClean="0">
+                <a:solidFill>
+                  <a:schemeClr val="tx1">
+                    <a:lumMod val="50000"/>
+                    <a:lumOff val="50000"/>
+                  </a:schemeClr>
+                </a:solidFill>
+              </a:rPr>
+              <a:t> </a:t>
+            </a:r>
+            <a:r>
+              <a:rPr lang="nl-NL" i="1" dirty="0">
+                <a:solidFill>
+                  <a:schemeClr val="tx1">
+                    <a:lumMod val="50000"/>
+                    <a:lumOff val="50000"/>
+                  </a:schemeClr>
+                </a:solidFill>
+              </a:rPr>
+              <a:t>a bug report is </a:t>
+            </a:r>
+            <a:r>
+              <a:rPr lang="nl-NL" i="1" dirty="0" err="1">
+                <a:solidFill>
+                  <a:schemeClr val="tx1">
+                    <a:lumMod val="50000"/>
+                    <a:lumOff val="50000"/>
+                  </a:schemeClr>
+                </a:solidFill>
+              </a:rPr>
+              <a:t>created</a:t>
+            </a:r>
+            <a:r>
+              <a:rPr lang="nl-NL" i="1" dirty="0">
+                <a:solidFill>
+                  <a:schemeClr val="tx1">
+                    <a:lumMod val="50000"/>
+                    <a:lumOff val="50000"/>
+                  </a:schemeClr>
+                </a:solidFill>
+              </a:rPr>
+              <a:t>, </a:t>
+            </a:r>
+            <a:r>
+              <a:rPr lang="nl-NL" i="1" dirty="0" err="1">
+                <a:solidFill>
+                  <a:schemeClr val="tx1">
+                    <a:lumMod val="50000"/>
+                    <a:lumOff val="50000"/>
+                  </a:schemeClr>
+                </a:solidFill>
+              </a:rPr>
+              <a:t>it</a:t>
+            </a:r>
+            <a:r>
+              <a:rPr lang="nl-NL" i="1" dirty="0">
+                <a:solidFill>
+                  <a:schemeClr val="tx1">
+                    <a:lumMod val="50000"/>
+                    <a:lumOff val="50000"/>
+                  </a:schemeClr>
+                </a:solidFill>
+              </a:rPr>
+              <a:t> </a:t>
+            </a:r>
+            <a:r>
+              <a:rPr lang="nl-NL" i="1" dirty="0" err="1">
+                <a:solidFill>
+                  <a:schemeClr val="tx1">
+                    <a:lumMod val="50000"/>
+                    <a:lumOff val="50000"/>
+                  </a:schemeClr>
+                </a:solidFill>
+              </a:rPr>
+              <a:t>can</a:t>
+            </a:r>
+            <a:r>
+              <a:rPr lang="nl-NL" i="1" dirty="0">
+                <a:solidFill>
+                  <a:schemeClr val="tx1">
+                    <a:lumMod val="50000"/>
+                    <a:lumOff val="50000"/>
+                  </a:schemeClr>
+                </a:solidFill>
+              </a:rPr>
+              <a:t> </a:t>
+            </a:r>
+            <a:r>
+              <a:rPr lang="nl-NL" i="1" dirty="0" err="1">
+                <a:solidFill>
+                  <a:schemeClr val="tx1">
+                    <a:lumMod val="50000"/>
+                    <a:lumOff val="50000"/>
+                  </a:schemeClr>
+                </a:solidFill>
+              </a:rPr>
+              <a:t>be</a:t>
+            </a:r>
+            <a:r>
+              <a:rPr lang="nl-NL" i="1" dirty="0">
+                <a:solidFill>
+                  <a:schemeClr val="tx1">
+                    <a:lumMod val="50000"/>
+                    <a:lumOff val="50000"/>
+                  </a:schemeClr>
+                </a:solidFill>
+              </a:rPr>
+              <a:t> </a:t>
+            </a:r>
+            <a:r>
+              <a:rPr lang="nl-NL" i="1" dirty="0" err="1">
+                <a:solidFill>
+                  <a:schemeClr val="tx1">
+                    <a:lumMod val="50000"/>
+                    <a:lumOff val="50000"/>
+                  </a:schemeClr>
+                </a:solidFill>
+              </a:rPr>
+              <a:t>marked</a:t>
+            </a:r>
+            <a:r>
+              <a:rPr lang="nl-NL" i="1" dirty="0">
+                <a:solidFill>
+                  <a:schemeClr val="tx1">
+                    <a:lumMod val="50000"/>
+                    <a:lumOff val="50000"/>
+                  </a:schemeClr>
+                </a:solidFill>
+              </a:rPr>
+              <a:t> as private</a:t>
+            </a:r>
+            <a:r>
+              <a:rPr lang="nl-NL" i="1" dirty="0" smtClean="0">
+                <a:solidFill>
+                  <a:schemeClr val="tx1">
+                    <a:lumMod val="50000"/>
+                    <a:lumOff val="50000"/>
+                  </a:schemeClr>
+                </a:solidFill>
+              </a:rPr>
+              <a:t>. </a:t>
+            </a:r>
+            <a:r>
+              <a:rPr lang="is-IS" i="1" dirty="0" smtClean="0">
+                <a:solidFill>
+                  <a:schemeClr val="tx1">
+                    <a:lumMod val="50000"/>
+                    <a:lumOff val="50000"/>
+                  </a:schemeClr>
+                </a:solidFill>
+              </a:rPr>
+              <a:t>… </a:t>
+            </a:r>
+            <a:r>
+              <a:rPr lang="nl-NL" i="1" dirty="0" err="1">
+                <a:solidFill>
+                  <a:schemeClr val="tx1">
+                    <a:lumMod val="50000"/>
+                    <a:lumOff val="50000"/>
+                  </a:schemeClr>
+                </a:solidFill>
+              </a:rPr>
+              <a:t>Once</a:t>
+            </a:r>
+            <a:r>
+              <a:rPr lang="nl-NL" i="1" dirty="0">
+                <a:solidFill>
+                  <a:schemeClr val="tx1">
+                    <a:lumMod val="50000"/>
+                    <a:lumOff val="50000"/>
+                  </a:schemeClr>
+                </a:solidFill>
+              </a:rPr>
+              <a:t> </a:t>
+            </a:r>
+            <a:r>
+              <a:rPr lang="nl-NL" i="1" dirty="0" err="1">
+                <a:solidFill>
+                  <a:schemeClr val="tx1">
+                    <a:lumMod val="50000"/>
+                    <a:lumOff val="50000"/>
+                  </a:schemeClr>
+                </a:solidFill>
+              </a:rPr>
+              <a:t>the</a:t>
+            </a:r>
+            <a:r>
+              <a:rPr lang="nl-NL" i="1" dirty="0">
+                <a:solidFill>
+                  <a:schemeClr val="tx1">
+                    <a:lumMod val="50000"/>
+                    <a:lumOff val="50000"/>
+                  </a:schemeClr>
+                </a:solidFill>
+              </a:rPr>
+              <a:t> first patch is </a:t>
+            </a:r>
+            <a:r>
+              <a:rPr lang="nl-NL" i="1" dirty="0" err="1">
+                <a:solidFill>
+                  <a:schemeClr val="tx1">
+                    <a:lumMod val="50000"/>
+                    <a:lumOff val="50000"/>
+                  </a:schemeClr>
+                </a:solidFill>
+              </a:rPr>
+              <a:t>submitted</a:t>
+            </a:r>
+            <a:r>
+              <a:rPr lang="nl-NL" i="1" dirty="0">
+                <a:solidFill>
+                  <a:schemeClr val="tx1">
+                    <a:lumMod val="50000"/>
+                    <a:lumOff val="50000"/>
+                  </a:schemeClr>
+                </a:solidFill>
+              </a:rPr>
+              <a:t> </a:t>
+            </a:r>
+            <a:r>
+              <a:rPr lang="nl-NL" i="1" dirty="0" err="1">
+                <a:solidFill>
+                  <a:schemeClr val="tx1">
+                    <a:lumMod val="50000"/>
+                    <a:lumOff val="50000"/>
+                  </a:schemeClr>
+                </a:solidFill>
+              </a:rPr>
+              <a:t>for</a:t>
+            </a:r>
+            <a:r>
+              <a:rPr lang="nl-NL" i="1" dirty="0">
+                <a:solidFill>
+                  <a:schemeClr val="tx1">
+                    <a:lumMod val="50000"/>
+                    <a:lumOff val="50000"/>
+                  </a:schemeClr>
+                </a:solidFill>
+              </a:rPr>
+              <a:t> </a:t>
+            </a:r>
+            <a:r>
+              <a:rPr lang="nl-NL" i="1" dirty="0" err="1">
+                <a:solidFill>
+                  <a:schemeClr val="tx1">
+                    <a:lumMod val="50000"/>
+                    <a:lumOff val="50000"/>
+                  </a:schemeClr>
+                </a:solidFill>
+              </a:rPr>
+              <a:t>the</a:t>
+            </a:r>
+            <a:r>
+              <a:rPr lang="nl-NL" i="1" dirty="0">
+                <a:solidFill>
+                  <a:schemeClr val="tx1">
+                    <a:lumMod val="50000"/>
+                    <a:lumOff val="50000"/>
+                  </a:schemeClr>
+                </a:solidFill>
+              </a:rPr>
+              <a:t> bug report, </a:t>
+            </a:r>
+            <a:r>
+              <a:rPr lang="nl-NL" i="1" dirty="0" err="1">
+                <a:solidFill>
+                  <a:schemeClr val="tx1">
+                    <a:lumMod val="50000"/>
+                    <a:lumOff val="50000"/>
+                  </a:schemeClr>
+                </a:solidFill>
+              </a:rPr>
+              <a:t>it</a:t>
+            </a:r>
+            <a:r>
+              <a:rPr lang="nl-NL" i="1" dirty="0">
+                <a:solidFill>
+                  <a:schemeClr val="tx1">
+                    <a:lumMod val="50000"/>
+                    <a:lumOff val="50000"/>
+                  </a:schemeClr>
+                </a:solidFill>
+              </a:rPr>
+              <a:t> is </a:t>
+            </a:r>
+            <a:r>
+              <a:rPr lang="nl-NL" i="1" dirty="0" err="1">
+                <a:solidFill>
+                  <a:schemeClr val="tx1">
+                    <a:lumMod val="50000"/>
+                    <a:lumOff val="50000"/>
+                  </a:schemeClr>
+                </a:solidFill>
+              </a:rPr>
+              <a:t>visible</a:t>
+            </a:r>
+            <a:r>
+              <a:rPr lang="nl-NL" i="1" dirty="0">
+                <a:solidFill>
+                  <a:schemeClr val="tx1">
+                    <a:lumMod val="50000"/>
+                    <a:lumOff val="50000"/>
+                  </a:schemeClr>
+                </a:solidFill>
+              </a:rPr>
+              <a:t> </a:t>
+            </a:r>
+            <a:r>
+              <a:rPr lang="nl-NL" i="1" dirty="0" err="1">
+                <a:solidFill>
+                  <a:schemeClr val="tx1">
+                    <a:lumMod val="50000"/>
+                    <a:lumOff val="50000"/>
+                  </a:schemeClr>
+                </a:solidFill>
+              </a:rPr>
+              <a:t>for</a:t>
+            </a:r>
+            <a:r>
+              <a:rPr lang="nl-NL" i="1" dirty="0">
+                <a:solidFill>
+                  <a:schemeClr val="tx1">
+                    <a:lumMod val="50000"/>
+                    <a:lumOff val="50000"/>
+                  </a:schemeClr>
+                </a:solidFill>
+              </a:rPr>
+              <a:t> </a:t>
+            </a:r>
+            <a:r>
+              <a:rPr lang="nl-NL" i="1" dirty="0" err="1">
+                <a:solidFill>
+                  <a:schemeClr val="tx1">
+                    <a:lumMod val="50000"/>
+                    <a:lumOff val="50000"/>
+                  </a:schemeClr>
+                </a:solidFill>
+              </a:rPr>
+              <a:t>all</a:t>
+            </a:r>
+            <a:r>
+              <a:rPr lang="nl-NL" i="1" dirty="0">
+                <a:solidFill>
+                  <a:schemeClr val="tx1">
+                    <a:lumMod val="50000"/>
+                    <a:lumOff val="50000"/>
+                  </a:schemeClr>
+                </a:solidFill>
+              </a:rPr>
+              <a:t> </a:t>
+            </a:r>
+            <a:r>
+              <a:rPr lang="nl-NL" i="1" dirty="0" err="1">
+                <a:solidFill>
+                  <a:schemeClr val="tx1">
+                    <a:lumMod val="50000"/>
+                    <a:lumOff val="50000"/>
+                  </a:schemeClr>
+                </a:solidFill>
+              </a:rPr>
+              <a:t>the</a:t>
+            </a:r>
+            <a:r>
+              <a:rPr lang="nl-NL" i="1" dirty="0">
+                <a:solidFill>
+                  <a:schemeClr val="tx1">
+                    <a:lumMod val="50000"/>
+                    <a:lumOff val="50000"/>
+                  </a:schemeClr>
+                </a:solidFill>
+              </a:rPr>
+              <a:t> users of </a:t>
+            </a:r>
+            <a:r>
+              <a:rPr lang="nl-NL" i="1" dirty="0" err="1">
+                <a:solidFill>
+                  <a:schemeClr val="tx1">
+                    <a:lumMod val="50000"/>
+                    <a:lumOff val="50000"/>
+                  </a:schemeClr>
+                </a:solidFill>
+              </a:rPr>
+              <a:t>BugTrap</a:t>
+            </a:r>
+            <a:r>
+              <a:rPr lang="nl-NL" i="1" dirty="0" smtClean="0">
+                <a:solidFill>
+                  <a:schemeClr val="tx1">
+                    <a:lumMod val="50000"/>
+                    <a:lumOff val="50000"/>
+                  </a:schemeClr>
+                </a:solidFill>
+              </a:rPr>
+              <a:t>.”</a:t>
+            </a:r>
+            <a:endParaRPr lang="nl-NL" i="1" dirty="0">
+              <a:solidFill>
+                <a:schemeClr val="tx1">
+                  <a:lumMod val="50000"/>
+                  <a:lumOff val="50000"/>
+                </a:schemeClr>
+              </a:solidFill>
+            </a:endParaRPr>
+          </a:p>
+        </p:txBody>
+      </p:sp>
     </p:spTree>
     <p:extLst>
       <p:ext uri="{BB962C8B-B14F-4D97-AF65-F5344CB8AC3E}">
-        <p14:creationId xmlns:p14="http://schemas.microsoft.com/office/powerpoint/2010/main" val="1319242908"/>
+        <p14:creationId xmlns:p14="http://schemas.microsoft.com/office/powerpoint/2010/main" val="269333384"/>
       </p:ext>
     </p:extLst>
   </p:cSld>
@@ -6560,29 +7677,399 @@
         </p:nvSpPr>
         <p:spPr/>
         <p:txBody>
-          <a:bodyPr/>
+          <a:bodyPr>
+            <a:normAutofit/>
+          </a:bodyPr>
           <a:lstStyle/>
           <a:p>
             <a:r>
-              <a:rPr lang="nl-BE" dirty="0" smtClean="0"/>
-              <a:t>Undo mechanism</a:t>
-            </a:r>
-            <a:endParaRPr lang="nl-BE" dirty="0"/>
+              <a:rPr lang="nl-NL" sz="3600" cap="small" dirty="0">
+                <a:ln w="18415" cmpd="sng">
+                  <a:solidFill>
+                    <a:schemeClr val="tx1">
+                      <a:alpha val="0"/>
+                    </a:schemeClr>
+                  </a:solidFill>
+                  <a:prstDash val="solid"/>
+                </a:ln>
+                <a:effectLst>
+                  <a:outerShdw blurRad="25400" dir="3600000" algn="tl" rotWithShape="0">
+                    <a:srgbClr val="000000">
+                      <a:alpha val="70000"/>
+                    </a:srgbClr>
+                  </a:outerShdw>
+                </a:effectLst>
+                <a:latin typeface="Sitka Text" pitchFamily="2" charset="0"/>
+              </a:rPr>
+              <a:t>Tag specifieke informatie</a:t>
+            </a:r>
+          </a:p>
+        </p:txBody>
+      </p:sp>
+      <p:sp>
+        <p:nvSpPr>
+          <p:cNvPr id="5" name="Tekstvak 4"/>
+          <p:cNvSpPr txBox="1"/>
+          <p:nvPr/>
+        </p:nvSpPr>
+        <p:spPr>
+          <a:xfrm>
+            <a:off x="5156224" y="1568559"/>
+            <a:ext cx="3525441" cy="1477328"/>
+          </a:xfrm>
+          <a:prstGeom prst="rect">
+            <a:avLst/>
+          </a:prstGeom>
+          <a:noFill/>
+        </p:spPr>
+        <p:txBody>
+          <a:bodyPr wrap="square" rtlCol="0">
+            <a:spAutoFit/>
+          </a:bodyPr>
+          <a:lstStyle/>
+          <a:p>
+            <a:r>
+              <a:rPr lang="nl-NL" i="1" dirty="0">
+                <a:solidFill>
+                  <a:schemeClr val="tx1">
+                    <a:lumMod val="50000"/>
+                    <a:lumOff val="50000"/>
+                  </a:schemeClr>
+                </a:solidFill>
+              </a:rPr>
+              <a:t>“As a </a:t>
+            </a:r>
+            <a:r>
+              <a:rPr lang="nl-NL" i="1" dirty="0" err="1">
+                <a:solidFill>
+                  <a:schemeClr val="tx1">
+                    <a:lumMod val="50000"/>
+                    <a:lumOff val="50000"/>
+                  </a:schemeClr>
+                </a:solidFill>
+              </a:rPr>
+              <a:t>final</a:t>
+            </a:r>
+            <a:r>
+              <a:rPr lang="nl-NL" i="1" dirty="0">
+                <a:solidFill>
+                  <a:schemeClr val="tx1">
+                    <a:lumMod val="50000"/>
+                    <a:lumOff val="50000"/>
+                  </a:schemeClr>
+                </a:solidFill>
+              </a:rPr>
+              <a:t> step, </a:t>
+            </a:r>
+            <a:r>
+              <a:rPr lang="nl-NL" i="1" dirty="0" err="1">
+                <a:solidFill>
+                  <a:schemeClr val="tx1">
+                    <a:lumMod val="50000"/>
+                    <a:lumOff val="50000"/>
+                  </a:schemeClr>
+                </a:solidFill>
+              </a:rPr>
+              <a:t>the</a:t>
+            </a:r>
+            <a:r>
+              <a:rPr lang="nl-NL" i="1" dirty="0">
+                <a:solidFill>
+                  <a:schemeClr val="tx1">
+                    <a:lumMod val="50000"/>
+                    <a:lumOff val="50000"/>
+                  </a:schemeClr>
+                </a:solidFill>
+              </a:rPr>
+              <a:t> </a:t>
+            </a:r>
+            <a:r>
+              <a:rPr lang="nl-NL" i="1" dirty="0" err="1">
+                <a:solidFill>
+                  <a:schemeClr val="tx1">
+                    <a:lumMod val="50000"/>
+                    <a:lumOff val="50000"/>
+                  </a:schemeClr>
+                </a:solidFill>
+              </a:rPr>
+              <a:t>creator</a:t>
+            </a:r>
+            <a:r>
+              <a:rPr lang="nl-NL" i="1" dirty="0">
+                <a:solidFill>
+                  <a:schemeClr val="tx1">
+                    <a:lumMod val="50000"/>
+                    <a:lumOff val="50000"/>
+                  </a:schemeClr>
+                </a:solidFill>
+              </a:rPr>
+              <a:t> of a </a:t>
+            </a:r>
+            <a:r>
+              <a:rPr lang="nl-NL" i="1" dirty="0" err="1">
+                <a:solidFill>
+                  <a:schemeClr val="tx1">
+                    <a:lumMod val="50000"/>
+                    <a:lumOff val="50000"/>
+                  </a:schemeClr>
+                </a:solidFill>
+              </a:rPr>
+              <a:t>resolved</a:t>
+            </a:r>
+            <a:r>
+              <a:rPr lang="nl-NL" i="1" dirty="0">
+                <a:solidFill>
+                  <a:schemeClr val="tx1">
+                    <a:lumMod val="50000"/>
+                    <a:lumOff val="50000"/>
+                  </a:schemeClr>
+                </a:solidFill>
+              </a:rPr>
+              <a:t> bug report </a:t>
+            </a:r>
+            <a:r>
+              <a:rPr lang="nl-NL" i="1" dirty="0" err="1">
+                <a:solidFill>
+                  <a:schemeClr val="tx1">
+                    <a:lumMod val="50000"/>
+                    <a:lumOff val="50000"/>
+                  </a:schemeClr>
+                </a:solidFill>
+              </a:rPr>
+              <a:t>can</a:t>
+            </a:r>
+            <a:r>
+              <a:rPr lang="nl-NL" i="1" dirty="0">
+                <a:solidFill>
+                  <a:schemeClr val="tx1">
+                    <a:lumMod val="50000"/>
+                    <a:lumOff val="50000"/>
+                  </a:schemeClr>
+                </a:solidFill>
+              </a:rPr>
+              <a:t> close </a:t>
+            </a:r>
+            <a:r>
+              <a:rPr lang="nl-NL" i="1" dirty="0" err="1">
+                <a:solidFill>
+                  <a:schemeClr val="tx1">
+                    <a:lumMod val="50000"/>
+                    <a:lumOff val="50000"/>
+                  </a:schemeClr>
+                </a:solidFill>
+              </a:rPr>
+              <a:t>it</a:t>
+            </a:r>
+            <a:r>
+              <a:rPr lang="nl-NL" i="1" dirty="0">
+                <a:solidFill>
+                  <a:schemeClr val="tx1">
+                    <a:lumMod val="50000"/>
+                    <a:lumOff val="50000"/>
+                  </a:schemeClr>
+                </a:solidFill>
+              </a:rPr>
+              <a:t> (i.e. </a:t>
+            </a:r>
+            <a:r>
+              <a:rPr lang="nl-NL" i="1" dirty="0" err="1">
+                <a:solidFill>
+                  <a:schemeClr val="tx1">
+                    <a:lumMod val="50000"/>
+                    <a:lumOff val="50000"/>
+                  </a:schemeClr>
+                </a:solidFill>
+              </a:rPr>
+              <a:t>assign</a:t>
+            </a:r>
+            <a:r>
+              <a:rPr lang="nl-NL" i="1" dirty="0">
+                <a:solidFill>
+                  <a:schemeClr val="tx1">
+                    <a:lumMod val="50000"/>
+                    <a:lumOff val="50000"/>
+                  </a:schemeClr>
+                </a:solidFill>
+              </a:rPr>
+              <a:t> </a:t>
+            </a:r>
+            <a:r>
+              <a:rPr lang="nl-NL" i="1" dirty="0" err="1">
+                <a:solidFill>
+                  <a:schemeClr val="tx1">
+                    <a:lumMod val="50000"/>
+                    <a:lumOff val="50000"/>
+                  </a:schemeClr>
+                </a:solidFill>
+              </a:rPr>
+              <a:t>the</a:t>
+            </a:r>
+            <a:r>
+              <a:rPr lang="nl-NL" i="1" dirty="0">
+                <a:solidFill>
+                  <a:schemeClr val="tx1">
+                    <a:lumMod val="50000"/>
+                    <a:lumOff val="50000"/>
+                  </a:schemeClr>
+                </a:solidFill>
+              </a:rPr>
+              <a:t> tag Closed) </a:t>
+            </a:r>
+            <a:r>
+              <a:rPr lang="nl-NL" i="1" dirty="0" err="1">
+                <a:solidFill>
+                  <a:schemeClr val="tx1">
+                    <a:lumMod val="50000"/>
+                    <a:lumOff val="50000"/>
+                  </a:schemeClr>
+                </a:solidFill>
+              </a:rPr>
+              <a:t>by</a:t>
+            </a:r>
+            <a:r>
+              <a:rPr lang="nl-NL" i="1" dirty="0">
+                <a:solidFill>
+                  <a:schemeClr val="tx1">
+                    <a:lumMod val="50000"/>
+                    <a:lumOff val="50000"/>
+                  </a:schemeClr>
+                </a:solidFill>
+              </a:rPr>
+              <a:t> </a:t>
+            </a:r>
+            <a:r>
+              <a:rPr lang="nl-NL" i="1" dirty="0" err="1">
+                <a:solidFill>
+                  <a:schemeClr val="tx1">
+                    <a:lumMod val="50000"/>
+                    <a:lumOff val="50000"/>
+                  </a:schemeClr>
+                </a:solidFill>
+              </a:rPr>
+              <a:t>specifying</a:t>
+            </a:r>
+            <a:r>
+              <a:rPr lang="nl-NL" i="1" dirty="0">
+                <a:solidFill>
+                  <a:schemeClr val="tx1">
+                    <a:lumMod val="50000"/>
+                    <a:lumOff val="50000"/>
+                  </a:schemeClr>
+                </a:solidFill>
+              </a:rPr>
+              <a:t> </a:t>
+            </a:r>
+            <a:r>
+              <a:rPr lang="nl-NL" i="1" dirty="0" err="1">
+                <a:solidFill>
+                  <a:schemeClr val="tx1">
+                    <a:lumMod val="50000"/>
+                    <a:lumOff val="50000"/>
+                  </a:schemeClr>
+                </a:solidFill>
+              </a:rPr>
+              <a:t>how</a:t>
+            </a:r>
+            <a:r>
+              <a:rPr lang="nl-NL" i="1" dirty="0">
+                <a:solidFill>
+                  <a:schemeClr val="tx1">
+                    <a:lumMod val="50000"/>
+                    <a:lumOff val="50000"/>
+                  </a:schemeClr>
+                </a:solidFill>
+              </a:rPr>
+              <a:t> </a:t>
+            </a:r>
+            <a:r>
+              <a:rPr lang="nl-NL" i="1" dirty="0" err="1">
+                <a:solidFill>
+                  <a:schemeClr val="tx1">
+                    <a:lumMod val="50000"/>
+                    <a:lumOff val="50000"/>
+                  </a:schemeClr>
+                </a:solidFill>
+              </a:rPr>
+              <a:t>satisfied</a:t>
+            </a:r>
+            <a:r>
+              <a:rPr lang="nl-NL" i="1" dirty="0">
+                <a:solidFill>
+                  <a:schemeClr val="tx1">
+                    <a:lumMod val="50000"/>
+                    <a:lumOff val="50000"/>
+                  </a:schemeClr>
+                </a:solidFill>
+              </a:rPr>
+              <a:t> he is </a:t>
+            </a:r>
+            <a:r>
+              <a:rPr lang="nl-NL" i="1" dirty="0" err="1">
+                <a:solidFill>
+                  <a:schemeClr val="tx1">
+                    <a:lumMod val="50000"/>
+                    <a:lumOff val="50000"/>
+                  </a:schemeClr>
+                </a:solidFill>
+              </a:rPr>
+              <a:t>with</a:t>
+            </a:r>
+            <a:r>
+              <a:rPr lang="nl-NL" i="1" dirty="0">
+                <a:solidFill>
+                  <a:schemeClr val="tx1">
+                    <a:lumMod val="50000"/>
+                    <a:lumOff val="50000"/>
+                  </a:schemeClr>
+                </a:solidFill>
+              </a:rPr>
+              <a:t> </a:t>
+            </a:r>
+            <a:r>
+              <a:rPr lang="nl-NL" i="1" dirty="0" err="1">
+                <a:solidFill>
+                  <a:schemeClr val="tx1">
+                    <a:lumMod val="50000"/>
+                    <a:lumOff val="50000"/>
+                  </a:schemeClr>
+                </a:solidFill>
+              </a:rPr>
+              <a:t>the</a:t>
+            </a:r>
+            <a:r>
+              <a:rPr lang="nl-NL" i="1" dirty="0">
+                <a:solidFill>
+                  <a:schemeClr val="tx1">
+                    <a:lumMod val="50000"/>
+                    <a:lumOff val="50000"/>
+                  </a:schemeClr>
+                </a:solidFill>
+              </a:rPr>
+              <a:t> solution.”</a:t>
+            </a:r>
           </a:p>
         </p:txBody>
       </p:sp>
       <p:pic>
         <p:nvPicPr>
-          <p:cNvPr id="4" name="Content Placeholder 3"/>
+          <p:cNvPr id="3" name="Afbeelding 2"/>
           <p:cNvPicPr>
-            <a:picLocks noGrp="1" noChangeAspect="1"/>
+            <a:picLocks noChangeAspect="1"/>
           </p:cNvPicPr>
-          <p:nvPr>
-            <p:ph idx="1"/>
-          </p:nvPr>
+          <p:nvPr/>
         </p:nvPicPr>
         <p:blipFill>
           <a:blip r:embed="rId2">
+            <a:clrChange>
+              <a:clrFrom>
+                <a:srgbClr val="FFFFFF"/>
+              </a:clrFrom>
+              <a:clrTo>
+                <a:srgbClr val="FFFFFF">
+                  <a:alpha val="0"/>
+                </a:srgbClr>
+              </a:clrTo>
+            </a:clrChange>
             <a:extLst>
               <a:ext uri="{28A0092B-C50C-407E-A947-70E740481C1C}">
                 <a14:useLocalDpi xmlns:a14="http://schemas.microsoft.com/office/drawing/2010/main" val="0"/>
@@ -6595,15 +8082,18 @@
         </p:blipFill>
         <p:spPr>
           <a:xfrm>
-            <a:off x="1259632" y="1196752"/>
-            <a:ext cx="6336704" cy="5553417"/>
+            <a:off x="107504" y="3259615"/>
+            <a:ext cx="8964488" cy="2617657"/>
           </a:xfrm>
+          <a:prstGeom prst="rect">
+            <a:avLst/>
+          </a:prstGeom>
         </p:spPr>
       </p:pic>
     </p:spTree>
     <p:extLst>
       <p:ext uri="{BB962C8B-B14F-4D97-AF65-F5344CB8AC3E}">
-        <p14:creationId xmlns:p14="http://schemas.microsoft.com/office/powerpoint/2010/main" val="1968202226"/>
+        <p14:creationId xmlns:p14="http://schemas.microsoft.com/office/powerpoint/2010/main" val="1938140659"/>
       </p:ext>
     </p:extLst>
   </p:cSld>
@@ -6646,49 +8136,23 @@
         <p:spPr/>
         <p:txBody>
           <a:bodyPr>
-            <a:normAutofit/>
+            <a:normAutofit fontScale="90000"/>
           </a:bodyPr>
           <a:lstStyle/>
           <a:p>
             <a:r>
-              <a:rPr lang="nl-BE" sz="3600" cap="small" dirty="0" smtClean="0">
-                <a:ln w="18415" cmpd="sng">
-                  <a:solidFill>
-                    <a:schemeClr val="tx1">
-                      <a:alpha val="0"/>
-                    </a:schemeClr>
-                  </a:solidFill>
-                  <a:prstDash val="solid"/>
-                </a:ln>
-                <a:effectLst>
-                  <a:outerShdw blurRad="25400" dir="3600000" algn="tl" rotWithShape="0">
-                    <a:srgbClr val="000000">
-                      <a:alpha val="70000"/>
-                    </a:srgbClr>
-                  </a:outerShdw>
-                </a:effectLst>
-                <a:latin typeface="Sitka Text" pitchFamily="2" charset="0"/>
-              </a:rPr>
-              <a:t>Extensibility of the system:</a:t>
-            </a:r>
-            <a:endParaRPr lang="nl-BE" sz="3600" cap="small" dirty="0">
-              <a:ln w="18415" cmpd="sng">
-                <a:solidFill>
-                  <a:schemeClr val="tx1">
-                    <a:alpha val="0"/>
-                  </a:schemeClr>
-                </a:solidFill>
-                <a:prstDash val="solid"/>
-              </a:ln>
-              <a:effectLst>
-                <a:outerShdw blurRad="25400" dir="3600000" algn="tl" rotWithShape="0">
-                  <a:srgbClr val="000000">
-                    <a:alpha val="70000"/>
-                  </a:srgbClr>
-                </a:outerShdw>
-              </a:effectLst>
-              <a:latin typeface="Sitka Text" pitchFamily="2" charset="0"/>
-            </a:endParaRPr>
+              <a:rPr lang="nl-BE" dirty="0" err="1" smtClean="0"/>
+              <a:t>Insert</a:t>
+            </a:r>
+            <a:r>
+              <a:rPr lang="nl-BE" dirty="0" smtClean="0"/>
+              <a:t> heel korte uitleg over </a:t>
+            </a:r>
+            <a:r>
+              <a:rPr lang="nl-BE" dirty="0" err="1" smtClean="0"/>
+              <a:t>milestones</a:t>
+            </a:r>
+            <a:endParaRPr lang="nl-BE" dirty="0"/>
           </a:p>
         </p:txBody>
       </p:sp>
@@ -6702,104 +8166,19 @@
             <p:ph idx="1"/>
           </p:nvPr>
         </p:nvSpPr>
-        <p:spPr>
-          <a:xfrm>
-            <a:off x="539552" y="1844824"/>
-            <a:ext cx="8229600" cy="4525963"/>
-          </a:xfrm>
-        </p:spPr>
-        <p:txBody>
-          <a:bodyPr>
-            <a:normAutofit/>
-          </a:bodyPr>
+        <p:spPr/>
+        <p:txBody>
+          <a:bodyPr/>
           <a:lstStyle/>
           <a:p>
-            <a:r>
-              <a:rPr lang="en-US" sz="2400" dirty="0" smtClean="0">
-                <a:latin typeface="Sitka Display" pitchFamily="2" charset="0"/>
-              </a:rPr>
-              <a:t>It’s easier to add use cases than last time</a:t>
-            </a:r>
-          </a:p>
-          <a:p>
-            <a:r>
-              <a:rPr lang="en-US" sz="2400" dirty="0" smtClean="0">
-                <a:latin typeface="Sitka Display" pitchFamily="2" charset="0"/>
-              </a:rPr>
-              <a:t>UI is still completely independent </a:t>
-            </a:r>
-          </a:p>
-          <a:p>
-            <a:r>
-              <a:rPr lang="en-US" sz="2400" dirty="0" smtClean="0">
-                <a:latin typeface="Sitka Display" pitchFamily="2" charset="0"/>
-              </a:rPr>
-              <a:t>Interface for the </a:t>
-            </a:r>
-            <a:r>
-              <a:rPr lang="en-US" sz="2400" dirty="0" err="1" smtClean="0">
-                <a:latin typeface="Sitka Display" pitchFamily="2" charset="0"/>
-              </a:rPr>
-              <a:t>Initializer</a:t>
-            </a:r>
-            <a:endParaRPr lang="en-US" sz="2400" dirty="0" smtClean="0">
-              <a:latin typeface="Sitka Display" pitchFamily="2" charset="0"/>
-            </a:endParaRPr>
-          </a:p>
-          <a:p>
-            <a:r>
-              <a:rPr lang="en-US" sz="2400" dirty="0" smtClean="0">
-                <a:latin typeface="Sitka Display" pitchFamily="2" charset="0"/>
-              </a:rPr>
-              <a:t>Adding constraints concerning tag</a:t>
-            </a:r>
-          </a:p>
-          <a:p>
-            <a:r>
-              <a:rPr lang="en-US" sz="2400" dirty="0" smtClean="0">
-                <a:latin typeface="Sitka Display" pitchFamily="2" charset="0"/>
-              </a:rPr>
-              <a:t>Adding new registration types = adding new observers</a:t>
-            </a:r>
-          </a:p>
-          <a:p>
-            <a:r>
-              <a:rPr lang="en-US" sz="2400" dirty="0" smtClean="0">
-                <a:latin typeface="Sitka Display" pitchFamily="2" charset="0"/>
-              </a:rPr>
-              <a:t>Search methods for bug reports</a:t>
-            </a:r>
-          </a:p>
-          <a:p>
-            <a:r>
-              <a:rPr lang="en-US" sz="2400" dirty="0" smtClean="0">
-                <a:latin typeface="Sitka Display" pitchFamily="2" charset="0"/>
-              </a:rPr>
-              <a:t>Adding new objects that could be undone</a:t>
-            </a:r>
-          </a:p>
-          <a:p>
-            <a:endParaRPr lang="en-US" sz="2400" dirty="0" smtClean="0">
-              <a:latin typeface="Sitka Display" pitchFamily="2" charset="0"/>
-            </a:endParaRPr>
-          </a:p>
-          <a:p>
-            <a:r>
-              <a:rPr lang="en-US" sz="2400" dirty="0" smtClean="0">
-                <a:latin typeface="Sitka Display" pitchFamily="2" charset="0"/>
-              </a:rPr>
-              <a:t>It was easy to implement the changes from iteration 2 -&gt; great extensibility of our code from iteration 1</a:t>
-            </a:r>
-          </a:p>
-          <a:p>
-            <a:endParaRPr lang="en-US" sz="2400" dirty="0"/>
+            <a:endParaRPr lang="nl-BE"/>
           </a:p>
         </p:txBody>
       </p:sp>
     </p:spTree>
     <p:extLst>
       <p:ext uri="{BB962C8B-B14F-4D97-AF65-F5344CB8AC3E}">
-        <p14:creationId xmlns:p14="http://schemas.microsoft.com/office/powerpoint/2010/main" val="2444210159"/>
+        <p14:creationId xmlns:p14="http://schemas.microsoft.com/office/powerpoint/2010/main" val="378156031"/>
       </p:ext>
     </p:extLst>
   </p:cSld>
@@ -6809,13 +8188,6 @@
   <p:transition>
     <p:fade/>
   </p:transition>
-  <p:timing>
-    <p:tnLst>
-      <p:par>
-        <p:cTn id="1" dur="indefinite" restart="never" nodeType="tmRoot"/>
-      </p:par>
-    </p:tnLst>
-  </p:timing>
 </p:sld>
 </file>
 

--- a/Presentaties/Iteratie 2/SWOP Presentatie 2 Inhoud.pptx
+++ b/Presentaties/Iteratie 2/SWOP Presentatie 2 Inhoud.pptx
@@ -8,21 +8,23 @@
     <p:sldId id="256" r:id="rId2"/>
     <p:sldId id="257" r:id="rId3"/>
     <p:sldId id="258" r:id="rId4"/>
-    <p:sldId id="280" r:id="rId5"/>
-    <p:sldId id="281" r:id="rId6"/>
-    <p:sldId id="282" r:id="rId7"/>
-    <p:sldId id="283" r:id="rId8"/>
-    <p:sldId id="284" r:id="rId9"/>
-    <p:sldId id="277" r:id="rId10"/>
-    <p:sldId id="279" r:id="rId11"/>
-    <p:sldId id="278" r:id="rId12"/>
-    <p:sldId id="259" r:id="rId13"/>
-    <p:sldId id="270" r:id="rId14"/>
-    <p:sldId id="274" r:id="rId15"/>
-    <p:sldId id="260" r:id="rId16"/>
-    <p:sldId id="261" r:id="rId17"/>
-    <p:sldId id="262" r:id="rId18"/>
-    <p:sldId id="275" r:id="rId19"/>
+    <p:sldId id="285" r:id="rId5"/>
+    <p:sldId id="286" r:id="rId6"/>
+    <p:sldId id="280" r:id="rId7"/>
+    <p:sldId id="281" r:id="rId8"/>
+    <p:sldId id="282" r:id="rId9"/>
+    <p:sldId id="283" r:id="rId10"/>
+    <p:sldId id="284" r:id="rId11"/>
+    <p:sldId id="277" r:id="rId12"/>
+    <p:sldId id="279" r:id="rId13"/>
+    <p:sldId id="278" r:id="rId14"/>
+    <p:sldId id="259" r:id="rId15"/>
+    <p:sldId id="270" r:id="rId16"/>
+    <p:sldId id="274" r:id="rId17"/>
+    <p:sldId id="260" r:id="rId18"/>
+    <p:sldId id="261" r:id="rId19"/>
+    <p:sldId id="262" r:id="rId20"/>
+    <p:sldId id="275" r:id="rId21"/>
   </p:sldIdLst>
   <p:sldSz cx="9144000" cy="6858000" type="screen4x3"/>
   <p:notesSz cx="6858000" cy="9144000"/>
@@ -123,7 +125,7 @@
   </p:defaultTextStyle>
   <p:extLst>
     <p:ext uri="{EFAFB233-063F-42B5-8137-9DF3F51BA10A}">
-      <p15:sldGuideLst xmlns:p15="http://schemas.microsoft.com/office/powerpoint/2012/main">
+      <p15:sldGuideLst xmlns:p15="http://schemas.microsoft.com/office/powerpoint/2012/main" xmlns="">
         <p15:guide id="1" orient="horz" pos="2160">
           <p15:clr>
             <a:srgbClr val="A4A3A4"/>
@@ -322,7 +324,7 @@
             <a:fld id="{0F5E03E0-8FDD-4F94-8780-E28EA23ED5EC}" type="datetimeFigureOut">
               <a:rPr lang="nl-BE" smtClean="0"/>
               <a:pPr/>
-              <a:t>19/04/16</a:t>
+              <a:t>19/04/2016</a:t>
             </a:fld>
             <a:endParaRPr lang="nl-BE"/>
           </a:p>
@@ -365,7 +367,7 @@
             <a:fld id="{91663F60-0288-4BD7-9F87-79CFFEA98662}" type="slidenum">
               <a:rPr lang="nl-BE" smtClean="0"/>
               <a:pPr/>
-              <a:t>‹nr.›</a:t>
+              <a:t>‹Nr.›</a:t>
             </a:fld>
             <a:endParaRPr lang="nl-BE"/>
           </a:p>
@@ -374,7 +376,7 @@
     </p:spTree>
     <p:extLst>
       <p:ext uri="{BB962C8B-B14F-4D97-AF65-F5344CB8AC3E}">
-        <p14:creationId xmlns:p14="http://schemas.microsoft.com/office/powerpoint/2010/main" val="3963083300"/>
+        <p14:creationId xmlns:p14="http://schemas.microsoft.com/office/powerpoint/2010/main" xmlns="" val="3963083300"/>
       </p:ext>
     </p:extLst>
   </p:cSld>
@@ -497,7 +499,7 @@
             <a:fld id="{0F5E03E0-8FDD-4F94-8780-E28EA23ED5EC}" type="datetimeFigureOut">
               <a:rPr lang="nl-BE" smtClean="0"/>
               <a:pPr/>
-              <a:t>19/04/16</a:t>
+              <a:t>19/04/2016</a:t>
             </a:fld>
             <a:endParaRPr lang="nl-BE"/>
           </a:p>
@@ -540,7 +542,7 @@
             <a:fld id="{91663F60-0288-4BD7-9F87-79CFFEA98662}" type="slidenum">
               <a:rPr lang="nl-BE" smtClean="0"/>
               <a:pPr/>
-              <a:t>‹nr.›</a:t>
+              <a:t>‹Nr.›</a:t>
             </a:fld>
             <a:endParaRPr lang="nl-BE"/>
           </a:p>
@@ -549,7 +551,7 @@
     </p:spTree>
     <p:extLst>
       <p:ext uri="{BB962C8B-B14F-4D97-AF65-F5344CB8AC3E}">
-        <p14:creationId xmlns:p14="http://schemas.microsoft.com/office/powerpoint/2010/main" val="1367293728"/>
+        <p14:creationId xmlns:p14="http://schemas.microsoft.com/office/powerpoint/2010/main" xmlns="" val="1367293728"/>
       </p:ext>
     </p:extLst>
   </p:cSld>
@@ -682,7 +684,7 @@
             <a:fld id="{0F5E03E0-8FDD-4F94-8780-E28EA23ED5EC}" type="datetimeFigureOut">
               <a:rPr lang="nl-BE" smtClean="0"/>
               <a:pPr/>
-              <a:t>19/04/16</a:t>
+              <a:t>19/04/2016</a:t>
             </a:fld>
             <a:endParaRPr lang="nl-BE"/>
           </a:p>
@@ -725,7 +727,7 @@
             <a:fld id="{91663F60-0288-4BD7-9F87-79CFFEA98662}" type="slidenum">
               <a:rPr lang="nl-BE" smtClean="0"/>
               <a:pPr/>
-              <a:t>‹nr.›</a:t>
+              <a:t>‹Nr.›</a:t>
             </a:fld>
             <a:endParaRPr lang="nl-BE"/>
           </a:p>
@@ -734,7 +736,7 @@
     </p:spTree>
     <p:extLst>
       <p:ext uri="{BB962C8B-B14F-4D97-AF65-F5344CB8AC3E}">
-        <p14:creationId xmlns:p14="http://schemas.microsoft.com/office/powerpoint/2010/main" val="3320721104"/>
+        <p14:creationId xmlns:p14="http://schemas.microsoft.com/office/powerpoint/2010/main" xmlns="" val="3320721104"/>
       </p:ext>
     </p:extLst>
   </p:cSld>
@@ -857,7 +859,7 @@
             <a:fld id="{0F5E03E0-8FDD-4F94-8780-E28EA23ED5EC}" type="datetimeFigureOut">
               <a:rPr lang="nl-BE" smtClean="0"/>
               <a:pPr/>
-              <a:t>19/04/16</a:t>
+              <a:t>19/04/2016</a:t>
             </a:fld>
             <a:endParaRPr lang="nl-BE"/>
           </a:p>
@@ -900,7 +902,7 @@
             <a:fld id="{91663F60-0288-4BD7-9F87-79CFFEA98662}" type="slidenum">
               <a:rPr lang="nl-BE" smtClean="0"/>
               <a:pPr/>
-              <a:t>‹nr.›</a:t>
+              <a:t>‹Nr.›</a:t>
             </a:fld>
             <a:endParaRPr lang="nl-BE"/>
           </a:p>
@@ -909,7 +911,7 @@
     </p:spTree>
     <p:extLst>
       <p:ext uri="{BB962C8B-B14F-4D97-AF65-F5344CB8AC3E}">
-        <p14:creationId xmlns:p14="http://schemas.microsoft.com/office/powerpoint/2010/main" val="1971972017"/>
+        <p14:creationId xmlns:p14="http://schemas.microsoft.com/office/powerpoint/2010/main" xmlns="" val="1971972017"/>
       </p:ext>
     </p:extLst>
   </p:cSld>
@@ -1108,7 +1110,7 @@
             <a:fld id="{0F5E03E0-8FDD-4F94-8780-E28EA23ED5EC}" type="datetimeFigureOut">
               <a:rPr lang="nl-BE" smtClean="0"/>
               <a:pPr/>
-              <a:t>19/04/16</a:t>
+              <a:t>19/04/2016</a:t>
             </a:fld>
             <a:endParaRPr lang="nl-BE"/>
           </a:p>
@@ -1151,7 +1153,7 @@
             <a:fld id="{91663F60-0288-4BD7-9F87-79CFFEA98662}" type="slidenum">
               <a:rPr lang="nl-BE" smtClean="0"/>
               <a:pPr/>
-              <a:t>‹nr.›</a:t>
+              <a:t>‹Nr.›</a:t>
             </a:fld>
             <a:endParaRPr lang="nl-BE"/>
           </a:p>
@@ -1160,7 +1162,7 @@
     </p:spTree>
     <p:extLst>
       <p:ext uri="{BB962C8B-B14F-4D97-AF65-F5344CB8AC3E}">
-        <p14:creationId xmlns:p14="http://schemas.microsoft.com/office/powerpoint/2010/main" val="1541596771"/>
+        <p14:creationId xmlns:p14="http://schemas.microsoft.com/office/powerpoint/2010/main" xmlns="" val="1541596771"/>
       </p:ext>
     </p:extLst>
   </p:cSld>
@@ -1401,7 +1403,7 @@
             <a:fld id="{0F5E03E0-8FDD-4F94-8780-E28EA23ED5EC}" type="datetimeFigureOut">
               <a:rPr lang="nl-BE" smtClean="0"/>
               <a:pPr/>
-              <a:t>19/04/16</a:t>
+              <a:t>19/04/2016</a:t>
             </a:fld>
             <a:endParaRPr lang="nl-BE"/>
           </a:p>
@@ -1444,7 +1446,7 @@
             <a:fld id="{91663F60-0288-4BD7-9F87-79CFFEA98662}" type="slidenum">
               <a:rPr lang="nl-BE" smtClean="0"/>
               <a:pPr/>
-              <a:t>‹nr.›</a:t>
+              <a:t>‹Nr.›</a:t>
             </a:fld>
             <a:endParaRPr lang="nl-BE"/>
           </a:p>
@@ -1453,7 +1455,7 @@
     </p:spTree>
     <p:extLst>
       <p:ext uri="{BB962C8B-B14F-4D97-AF65-F5344CB8AC3E}">
-        <p14:creationId xmlns:p14="http://schemas.microsoft.com/office/powerpoint/2010/main" val="1047982118"/>
+        <p14:creationId xmlns:p14="http://schemas.microsoft.com/office/powerpoint/2010/main" xmlns="" val="1047982118"/>
       </p:ext>
     </p:extLst>
   </p:cSld>
@@ -1828,7 +1830,7 @@
             <a:fld id="{0F5E03E0-8FDD-4F94-8780-E28EA23ED5EC}" type="datetimeFigureOut">
               <a:rPr lang="nl-BE" smtClean="0"/>
               <a:pPr/>
-              <a:t>19/04/16</a:t>
+              <a:t>19/04/2016</a:t>
             </a:fld>
             <a:endParaRPr lang="nl-BE"/>
           </a:p>
@@ -1871,7 +1873,7 @@
             <a:fld id="{91663F60-0288-4BD7-9F87-79CFFEA98662}" type="slidenum">
               <a:rPr lang="nl-BE" smtClean="0"/>
               <a:pPr/>
-              <a:t>‹nr.›</a:t>
+              <a:t>‹Nr.›</a:t>
             </a:fld>
             <a:endParaRPr lang="nl-BE"/>
           </a:p>
@@ -1880,7 +1882,7 @@
     </p:spTree>
     <p:extLst>
       <p:ext uri="{BB962C8B-B14F-4D97-AF65-F5344CB8AC3E}">
-        <p14:creationId xmlns:p14="http://schemas.microsoft.com/office/powerpoint/2010/main" val="2185725893"/>
+        <p14:creationId xmlns:p14="http://schemas.microsoft.com/office/powerpoint/2010/main" xmlns="" val="2185725893"/>
       </p:ext>
     </p:extLst>
   </p:cSld>
@@ -1951,7 +1953,7 @@
             <a:fld id="{0F5E03E0-8FDD-4F94-8780-E28EA23ED5EC}" type="datetimeFigureOut">
               <a:rPr lang="nl-BE" smtClean="0"/>
               <a:pPr/>
-              <a:t>19/04/16</a:t>
+              <a:t>19/04/2016</a:t>
             </a:fld>
             <a:endParaRPr lang="nl-BE"/>
           </a:p>
@@ -1994,7 +1996,7 @@
             <a:fld id="{91663F60-0288-4BD7-9F87-79CFFEA98662}" type="slidenum">
               <a:rPr lang="nl-BE" smtClean="0"/>
               <a:pPr/>
-              <a:t>‹nr.›</a:t>
+              <a:t>‹Nr.›</a:t>
             </a:fld>
             <a:endParaRPr lang="nl-BE"/>
           </a:p>
@@ -2003,7 +2005,7 @@
     </p:spTree>
     <p:extLst>
       <p:ext uri="{BB962C8B-B14F-4D97-AF65-F5344CB8AC3E}">
-        <p14:creationId xmlns:p14="http://schemas.microsoft.com/office/powerpoint/2010/main" val="1565659618"/>
+        <p14:creationId xmlns:p14="http://schemas.microsoft.com/office/powerpoint/2010/main" xmlns="" val="1565659618"/>
       </p:ext>
     </p:extLst>
   </p:cSld>
@@ -2051,7 +2053,7 @@
             <a:fld id="{0F5E03E0-8FDD-4F94-8780-E28EA23ED5EC}" type="datetimeFigureOut">
               <a:rPr lang="nl-BE" smtClean="0"/>
               <a:pPr/>
-              <a:t>19/04/16</a:t>
+              <a:t>19/04/2016</a:t>
             </a:fld>
             <a:endParaRPr lang="nl-BE"/>
           </a:p>
@@ -2094,7 +2096,7 @@
             <a:fld id="{91663F60-0288-4BD7-9F87-79CFFEA98662}" type="slidenum">
               <a:rPr lang="nl-BE" smtClean="0"/>
               <a:pPr/>
-              <a:t>‹nr.›</a:t>
+              <a:t>‹Nr.›</a:t>
             </a:fld>
             <a:endParaRPr lang="nl-BE"/>
           </a:p>
@@ -2103,7 +2105,7 @@
     </p:spTree>
     <p:extLst>
       <p:ext uri="{BB962C8B-B14F-4D97-AF65-F5344CB8AC3E}">
-        <p14:creationId xmlns:p14="http://schemas.microsoft.com/office/powerpoint/2010/main" val="2302775655"/>
+        <p14:creationId xmlns:p14="http://schemas.microsoft.com/office/powerpoint/2010/main" xmlns="" val="2302775655"/>
       </p:ext>
     </p:extLst>
   </p:cSld>
@@ -2333,7 +2335,7 @@
             <a:fld id="{0F5E03E0-8FDD-4F94-8780-E28EA23ED5EC}" type="datetimeFigureOut">
               <a:rPr lang="nl-BE" smtClean="0"/>
               <a:pPr/>
-              <a:t>19/04/16</a:t>
+              <a:t>19/04/2016</a:t>
             </a:fld>
             <a:endParaRPr lang="nl-BE"/>
           </a:p>
@@ -2376,7 +2378,7 @@
             <a:fld id="{91663F60-0288-4BD7-9F87-79CFFEA98662}" type="slidenum">
               <a:rPr lang="nl-BE" smtClean="0"/>
               <a:pPr/>
-              <a:t>‹nr.›</a:t>
+              <a:t>‹Nr.›</a:t>
             </a:fld>
             <a:endParaRPr lang="nl-BE"/>
           </a:p>
@@ -2385,7 +2387,7 @@
     </p:spTree>
     <p:extLst>
       <p:ext uri="{BB962C8B-B14F-4D97-AF65-F5344CB8AC3E}">
-        <p14:creationId xmlns:p14="http://schemas.microsoft.com/office/powerpoint/2010/main" val="2384358470"/>
+        <p14:creationId xmlns:p14="http://schemas.microsoft.com/office/powerpoint/2010/main" xmlns="" val="2384358470"/>
       </p:ext>
     </p:extLst>
   </p:cSld>
@@ -2591,7 +2593,7 @@
             <a:fld id="{0F5E03E0-8FDD-4F94-8780-E28EA23ED5EC}" type="datetimeFigureOut">
               <a:rPr lang="nl-BE" smtClean="0"/>
               <a:pPr/>
-              <a:t>19/04/16</a:t>
+              <a:t>19/04/2016</a:t>
             </a:fld>
             <a:endParaRPr lang="nl-BE"/>
           </a:p>
@@ -2634,7 +2636,7 @@
             <a:fld id="{91663F60-0288-4BD7-9F87-79CFFEA98662}" type="slidenum">
               <a:rPr lang="nl-BE" smtClean="0"/>
               <a:pPr/>
-              <a:t>‹nr.›</a:t>
+              <a:t>‹Nr.›</a:t>
             </a:fld>
             <a:endParaRPr lang="nl-BE"/>
           </a:p>
@@ -2643,7 +2645,7 @@
     </p:spTree>
     <p:extLst>
       <p:ext uri="{BB962C8B-B14F-4D97-AF65-F5344CB8AC3E}">
-        <p14:creationId xmlns:p14="http://schemas.microsoft.com/office/powerpoint/2010/main" val="221485852"/>
+        <p14:creationId xmlns:p14="http://schemas.microsoft.com/office/powerpoint/2010/main" xmlns="" val="221485852"/>
       </p:ext>
     </p:extLst>
   </p:cSld>
@@ -2833,7 +2835,7 @@
             <a:fld id="{0F5E03E0-8FDD-4F94-8780-E28EA23ED5EC}" type="datetimeFigureOut">
               <a:rPr lang="nl-BE" smtClean="0"/>
               <a:pPr/>
-              <a:t>19/04/16</a:t>
+              <a:t>19/04/2016</a:t>
             </a:fld>
             <a:endParaRPr lang="nl-BE"/>
           </a:p>
@@ -2912,7 +2914,7 @@
             <a:fld id="{91663F60-0288-4BD7-9F87-79CFFEA98662}" type="slidenum">
               <a:rPr lang="nl-BE" smtClean="0"/>
               <a:pPr/>
-              <a:t>‹nr.›</a:t>
+              <a:t>‹Nr.›</a:t>
             </a:fld>
             <a:endParaRPr lang="nl-BE"/>
           </a:p>
@@ -2921,7 +2923,7 @@
     </p:spTree>
     <p:extLst>
       <p:ext uri="{BB962C8B-B14F-4D97-AF65-F5344CB8AC3E}">
-        <p14:creationId xmlns:p14="http://schemas.microsoft.com/office/powerpoint/2010/main" val="2268232388"/>
+        <p14:creationId xmlns:p14="http://schemas.microsoft.com/office/powerpoint/2010/main" xmlns="" val="2268232388"/>
       </p:ext>
     </p:extLst>
   </p:cSld>
@@ -3550,7 +3552,7 @@
     </p:spTree>
     <p:extLst>
       <p:ext uri="{BB962C8B-B14F-4D97-AF65-F5344CB8AC3E}">
-        <p14:creationId xmlns:p14="http://schemas.microsoft.com/office/powerpoint/2010/main" val="1089514898"/>
+        <p14:creationId xmlns:p14="http://schemas.microsoft.com/office/powerpoint/2010/main" xmlns="" val="1089514898"/>
       </p:ext>
     </p:extLst>
   </p:cSld>
@@ -3599,32 +3601,402 @@
         </p:nvSpPr>
         <p:spPr/>
         <p:txBody>
-          <a:bodyPr/>
+          <a:bodyPr>
+            <a:normAutofit/>
+          </a:bodyPr>
           <a:lstStyle/>
           <a:p>
             <a:r>
-              <a:rPr lang="nl-BE" dirty="0" smtClean="0"/>
-              <a:t>Mailbox system</a:t>
-            </a:r>
-            <a:endParaRPr lang="nl-BE" dirty="0"/>
+              <a:rPr lang="nl-NL" sz="3600" cap="small" dirty="0">
+                <a:ln w="18415" cmpd="sng">
+                  <a:solidFill>
+                    <a:schemeClr val="tx1">
+                      <a:alpha val="0"/>
+                    </a:schemeClr>
+                  </a:solidFill>
+                  <a:prstDash val="solid"/>
+                </a:ln>
+                <a:effectLst>
+                  <a:outerShdw blurRad="25400" dir="3600000" algn="tl" rotWithShape="0">
+                    <a:srgbClr val="000000">
+                      <a:alpha val="70000"/>
+                    </a:srgbClr>
+                  </a:outerShdw>
+                </a:effectLst>
+                <a:latin typeface="Sitka Text" pitchFamily="2" charset="0"/>
+              </a:rPr>
+              <a:t>Tag specifieke informatie</a:t>
+            </a:r>
+          </a:p>
+        </p:txBody>
+      </p:sp>
+      <p:sp>
+        <p:nvSpPr>
+          <p:cNvPr id="5" name="Tekstvak 4"/>
+          <p:cNvSpPr txBox="1"/>
+          <p:nvPr/>
+        </p:nvSpPr>
+        <p:spPr>
+          <a:xfrm>
+            <a:off x="5156224" y="1568559"/>
+            <a:ext cx="3525441" cy="1477328"/>
+          </a:xfrm>
+          <a:prstGeom prst="rect">
+            <a:avLst/>
+          </a:prstGeom>
+          <a:noFill/>
+        </p:spPr>
+        <p:txBody>
+          <a:bodyPr wrap="square" rtlCol="0">
+            <a:spAutoFit/>
+          </a:bodyPr>
+          <a:lstStyle/>
+          <a:p>
+            <a:r>
+              <a:rPr lang="nl-NL" i="1" dirty="0">
+                <a:solidFill>
+                  <a:schemeClr val="tx1">
+                    <a:lumMod val="50000"/>
+                    <a:lumOff val="50000"/>
+                  </a:schemeClr>
+                </a:solidFill>
+              </a:rPr>
+              <a:t>“As a </a:t>
+            </a:r>
+            <a:r>
+              <a:rPr lang="nl-NL" i="1" dirty="0" err="1">
+                <a:solidFill>
+                  <a:schemeClr val="tx1">
+                    <a:lumMod val="50000"/>
+                    <a:lumOff val="50000"/>
+                  </a:schemeClr>
+                </a:solidFill>
+              </a:rPr>
+              <a:t>final</a:t>
+            </a:r>
+            <a:r>
+              <a:rPr lang="nl-NL" i="1" dirty="0">
+                <a:solidFill>
+                  <a:schemeClr val="tx1">
+                    <a:lumMod val="50000"/>
+                    <a:lumOff val="50000"/>
+                  </a:schemeClr>
+                </a:solidFill>
+              </a:rPr>
+              <a:t> step, </a:t>
+            </a:r>
+            <a:r>
+              <a:rPr lang="nl-NL" i="1" dirty="0" err="1">
+                <a:solidFill>
+                  <a:schemeClr val="tx1">
+                    <a:lumMod val="50000"/>
+                    <a:lumOff val="50000"/>
+                  </a:schemeClr>
+                </a:solidFill>
+              </a:rPr>
+              <a:t>the</a:t>
+            </a:r>
+            <a:r>
+              <a:rPr lang="nl-NL" i="1" dirty="0">
+                <a:solidFill>
+                  <a:schemeClr val="tx1">
+                    <a:lumMod val="50000"/>
+                    <a:lumOff val="50000"/>
+                  </a:schemeClr>
+                </a:solidFill>
+              </a:rPr>
+              <a:t> </a:t>
+            </a:r>
+            <a:r>
+              <a:rPr lang="nl-NL" i="1" dirty="0" err="1">
+                <a:solidFill>
+                  <a:schemeClr val="tx1">
+                    <a:lumMod val="50000"/>
+                    <a:lumOff val="50000"/>
+                  </a:schemeClr>
+                </a:solidFill>
+              </a:rPr>
+              <a:t>creator</a:t>
+            </a:r>
+            <a:r>
+              <a:rPr lang="nl-NL" i="1" dirty="0">
+                <a:solidFill>
+                  <a:schemeClr val="tx1">
+                    <a:lumMod val="50000"/>
+                    <a:lumOff val="50000"/>
+                  </a:schemeClr>
+                </a:solidFill>
+              </a:rPr>
+              <a:t> of a </a:t>
+            </a:r>
+            <a:r>
+              <a:rPr lang="nl-NL" i="1" dirty="0" err="1">
+                <a:solidFill>
+                  <a:schemeClr val="tx1">
+                    <a:lumMod val="50000"/>
+                    <a:lumOff val="50000"/>
+                  </a:schemeClr>
+                </a:solidFill>
+              </a:rPr>
+              <a:t>resolved</a:t>
+            </a:r>
+            <a:r>
+              <a:rPr lang="nl-NL" i="1" dirty="0">
+                <a:solidFill>
+                  <a:schemeClr val="tx1">
+                    <a:lumMod val="50000"/>
+                    <a:lumOff val="50000"/>
+                  </a:schemeClr>
+                </a:solidFill>
+              </a:rPr>
+              <a:t> bug report </a:t>
+            </a:r>
+            <a:r>
+              <a:rPr lang="nl-NL" i="1" dirty="0" err="1">
+                <a:solidFill>
+                  <a:schemeClr val="tx1">
+                    <a:lumMod val="50000"/>
+                    <a:lumOff val="50000"/>
+                  </a:schemeClr>
+                </a:solidFill>
+              </a:rPr>
+              <a:t>can</a:t>
+            </a:r>
+            <a:r>
+              <a:rPr lang="nl-NL" i="1" dirty="0">
+                <a:solidFill>
+                  <a:schemeClr val="tx1">
+                    <a:lumMod val="50000"/>
+                    <a:lumOff val="50000"/>
+                  </a:schemeClr>
+                </a:solidFill>
+              </a:rPr>
+              <a:t> close </a:t>
+            </a:r>
+            <a:r>
+              <a:rPr lang="nl-NL" i="1" dirty="0" err="1">
+                <a:solidFill>
+                  <a:schemeClr val="tx1">
+                    <a:lumMod val="50000"/>
+                    <a:lumOff val="50000"/>
+                  </a:schemeClr>
+                </a:solidFill>
+              </a:rPr>
+              <a:t>it</a:t>
+            </a:r>
+            <a:r>
+              <a:rPr lang="nl-NL" i="1" dirty="0">
+                <a:solidFill>
+                  <a:schemeClr val="tx1">
+                    <a:lumMod val="50000"/>
+                    <a:lumOff val="50000"/>
+                  </a:schemeClr>
+                </a:solidFill>
+              </a:rPr>
+              <a:t> (i.e. </a:t>
+            </a:r>
+            <a:r>
+              <a:rPr lang="nl-NL" i="1" dirty="0" err="1">
+                <a:solidFill>
+                  <a:schemeClr val="tx1">
+                    <a:lumMod val="50000"/>
+                    <a:lumOff val="50000"/>
+                  </a:schemeClr>
+                </a:solidFill>
+              </a:rPr>
+              <a:t>assign</a:t>
+            </a:r>
+            <a:r>
+              <a:rPr lang="nl-NL" i="1" dirty="0">
+                <a:solidFill>
+                  <a:schemeClr val="tx1">
+                    <a:lumMod val="50000"/>
+                    <a:lumOff val="50000"/>
+                  </a:schemeClr>
+                </a:solidFill>
+              </a:rPr>
+              <a:t> </a:t>
+            </a:r>
+            <a:r>
+              <a:rPr lang="nl-NL" i="1" dirty="0" err="1">
+                <a:solidFill>
+                  <a:schemeClr val="tx1">
+                    <a:lumMod val="50000"/>
+                    <a:lumOff val="50000"/>
+                  </a:schemeClr>
+                </a:solidFill>
+              </a:rPr>
+              <a:t>the</a:t>
+            </a:r>
+            <a:r>
+              <a:rPr lang="nl-NL" i="1" dirty="0">
+                <a:solidFill>
+                  <a:schemeClr val="tx1">
+                    <a:lumMod val="50000"/>
+                    <a:lumOff val="50000"/>
+                  </a:schemeClr>
+                </a:solidFill>
+              </a:rPr>
+              <a:t> tag Closed) </a:t>
+            </a:r>
+            <a:r>
+              <a:rPr lang="nl-NL" i="1" dirty="0" err="1">
+                <a:solidFill>
+                  <a:schemeClr val="tx1">
+                    <a:lumMod val="50000"/>
+                    <a:lumOff val="50000"/>
+                  </a:schemeClr>
+                </a:solidFill>
+              </a:rPr>
+              <a:t>by</a:t>
+            </a:r>
+            <a:r>
+              <a:rPr lang="nl-NL" i="1" dirty="0">
+                <a:solidFill>
+                  <a:schemeClr val="tx1">
+                    <a:lumMod val="50000"/>
+                    <a:lumOff val="50000"/>
+                  </a:schemeClr>
+                </a:solidFill>
+              </a:rPr>
+              <a:t> </a:t>
+            </a:r>
+            <a:r>
+              <a:rPr lang="nl-NL" i="1" dirty="0" err="1">
+                <a:solidFill>
+                  <a:schemeClr val="tx1">
+                    <a:lumMod val="50000"/>
+                    <a:lumOff val="50000"/>
+                  </a:schemeClr>
+                </a:solidFill>
+              </a:rPr>
+              <a:t>specifying</a:t>
+            </a:r>
+            <a:r>
+              <a:rPr lang="nl-NL" i="1" dirty="0">
+                <a:solidFill>
+                  <a:schemeClr val="tx1">
+                    <a:lumMod val="50000"/>
+                    <a:lumOff val="50000"/>
+                  </a:schemeClr>
+                </a:solidFill>
+              </a:rPr>
+              <a:t> </a:t>
+            </a:r>
+            <a:r>
+              <a:rPr lang="nl-NL" i="1" dirty="0" err="1">
+                <a:solidFill>
+                  <a:schemeClr val="tx1">
+                    <a:lumMod val="50000"/>
+                    <a:lumOff val="50000"/>
+                  </a:schemeClr>
+                </a:solidFill>
+              </a:rPr>
+              <a:t>how</a:t>
+            </a:r>
+            <a:r>
+              <a:rPr lang="nl-NL" i="1" dirty="0">
+                <a:solidFill>
+                  <a:schemeClr val="tx1">
+                    <a:lumMod val="50000"/>
+                    <a:lumOff val="50000"/>
+                  </a:schemeClr>
+                </a:solidFill>
+              </a:rPr>
+              <a:t> </a:t>
+            </a:r>
+            <a:r>
+              <a:rPr lang="nl-NL" i="1" dirty="0" err="1">
+                <a:solidFill>
+                  <a:schemeClr val="tx1">
+                    <a:lumMod val="50000"/>
+                    <a:lumOff val="50000"/>
+                  </a:schemeClr>
+                </a:solidFill>
+              </a:rPr>
+              <a:t>satisfied</a:t>
+            </a:r>
+            <a:r>
+              <a:rPr lang="nl-NL" i="1" dirty="0">
+                <a:solidFill>
+                  <a:schemeClr val="tx1">
+                    <a:lumMod val="50000"/>
+                    <a:lumOff val="50000"/>
+                  </a:schemeClr>
+                </a:solidFill>
+              </a:rPr>
+              <a:t> he is </a:t>
+            </a:r>
+            <a:r>
+              <a:rPr lang="nl-NL" i="1" dirty="0" err="1">
+                <a:solidFill>
+                  <a:schemeClr val="tx1">
+                    <a:lumMod val="50000"/>
+                    <a:lumOff val="50000"/>
+                  </a:schemeClr>
+                </a:solidFill>
+              </a:rPr>
+              <a:t>with</a:t>
+            </a:r>
+            <a:r>
+              <a:rPr lang="nl-NL" i="1" dirty="0">
+                <a:solidFill>
+                  <a:schemeClr val="tx1">
+                    <a:lumMod val="50000"/>
+                    <a:lumOff val="50000"/>
+                  </a:schemeClr>
+                </a:solidFill>
+              </a:rPr>
+              <a:t> </a:t>
+            </a:r>
+            <a:r>
+              <a:rPr lang="nl-NL" i="1" dirty="0" err="1">
+                <a:solidFill>
+                  <a:schemeClr val="tx1">
+                    <a:lumMod val="50000"/>
+                    <a:lumOff val="50000"/>
+                  </a:schemeClr>
+                </a:solidFill>
+              </a:rPr>
+              <a:t>the</a:t>
+            </a:r>
+            <a:r>
+              <a:rPr lang="nl-NL" i="1" dirty="0">
+                <a:solidFill>
+                  <a:schemeClr val="tx1">
+                    <a:lumMod val="50000"/>
+                    <a:lumOff val="50000"/>
+                  </a:schemeClr>
+                </a:solidFill>
+              </a:rPr>
+              <a:t> solution.”</a:t>
+            </a:r>
           </a:p>
         </p:txBody>
       </p:sp>
       <p:pic>
         <p:nvPicPr>
-          <p:cNvPr id="6" name="Content Placeholder 5"/>
+          <p:cNvPr id="3" name="Afbeelding 2"/>
           <p:cNvPicPr>
-            <a:picLocks noGrp="1" noChangeAspect="1"/>
+            <a:picLocks noChangeAspect="1"/>
           </p:cNvPicPr>
-          <p:nvPr>
-            <p:ph idx="1"/>
-          </p:nvPr>
+          <p:nvPr/>
         </p:nvPicPr>
         <p:blipFill>
-          <a:blip r:embed="rId2">
+          <a:blip r:embed="rId2" cstate="print">
+            <a:clrChange>
+              <a:clrFrom>
+                <a:srgbClr val="FFFFFF"/>
+              </a:clrFrom>
+              <a:clrTo>
+                <a:srgbClr val="FFFFFF">
+                  <a:alpha val="0"/>
+                </a:srgbClr>
+              </a:clrTo>
+            </a:clrChange>
             <a:extLst>
               <a:ext uri="{28A0092B-C50C-407E-A947-70E740481C1C}">
-                <a14:useLocalDpi xmlns:a14="http://schemas.microsoft.com/office/drawing/2010/main" val="0"/>
+                <a14:useLocalDpi xmlns:a14="http://schemas.microsoft.com/office/drawing/2010/main" xmlns="" val="0"/>
               </a:ext>
             </a:extLst>
           </a:blip>
@@ -3634,15 +4006,18 @@
         </p:blipFill>
         <p:spPr>
           <a:xfrm>
-            <a:off x="1043608" y="1268760"/>
-            <a:ext cx="6840760" cy="5555696"/>
+            <a:off x="107504" y="3259615"/>
+            <a:ext cx="8964488" cy="2617657"/>
           </a:xfrm>
+          <a:prstGeom prst="rect">
+            <a:avLst/>
+          </a:prstGeom>
         </p:spPr>
       </p:pic>
     </p:spTree>
     <p:extLst>
       <p:ext uri="{BB962C8B-B14F-4D97-AF65-F5344CB8AC3E}">
-        <p14:creationId xmlns:p14="http://schemas.microsoft.com/office/powerpoint/2010/main" val="1319242908"/>
+        <p14:creationId xmlns:p14="http://schemas.microsoft.com/office/powerpoint/2010/main" xmlns="" val="1938140659"/>
       </p:ext>
     </p:extLst>
   </p:cSld>
@@ -3684,50 +4059,50 @@
         </p:nvSpPr>
         <p:spPr/>
         <p:txBody>
+          <a:bodyPr>
+            <a:normAutofit fontScale="90000"/>
+          </a:bodyPr>
+          <a:lstStyle/>
+          <a:p>
+            <a:r>
+              <a:rPr lang="nl-BE" dirty="0" err="1" smtClean="0"/>
+              <a:t>Insert</a:t>
+            </a:r>
+            <a:r>
+              <a:rPr lang="nl-BE" dirty="0" smtClean="0"/>
+              <a:t> heel korte uitleg over </a:t>
+            </a:r>
+            <a:r>
+              <a:rPr lang="nl-BE" dirty="0" err="1" smtClean="0"/>
+              <a:t>milestones</a:t>
+            </a:r>
+            <a:endParaRPr lang="nl-BE" dirty="0"/>
+          </a:p>
+        </p:txBody>
+      </p:sp>
+      <p:sp>
+        <p:nvSpPr>
+          <p:cNvPr id="3" name="Tijdelijke aanduiding voor inhoud 2"/>
+          <p:cNvSpPr>
+            <a:spLocks noGrp="1"/>
+          </p:cNvSpPr>
+          <p:nvPr>
+            <p:ph idx="1"/>
+          </p:nvPr>
+        </p:nvSpPr>
+        <p:spPr/>
+        <p:txBody>
           <a:bodyPr/>
           <a:lstStyle/>
           <a:p>
-            <a:r>
-              <a:rPr lang="nl-BE" dirty="0" smtClean="0"/>
-              <a:t>Undo mechanism</a:t>
-            </a:r>
-            <a:endParaRPr lang="nl-BE" dirty="0"/>
-          </a:p>
-        </p:txBody>
-      </p:sp>
-      <p:pic>
-        <p:nvPicPr>
-          <p:cNvPr id="4" name="Content Placeholder 3"/>
-          <p:cNvPicPr>
-            <a:picLocks noGrp="1" noChangeAspect="1"/>
-          </p:cNvPicPr>
-          <p:nvPr>
-            <p:ph idx="1"/>
-          </p:nvPr>
-        </p:nvPicPr>
-        <p:blipFill>
-          <a:blip r:embed="rId2">
-            <a:extLst>
-              <a:ext uri="{28A0092B-C50C-407E-A947-70E740481C1C}">
-                <a14:useLocalDpi xmlns:a14="http://schemas.microsoft.com/office/drawing/2010/main" val="0"/>
-              </a:ext>
-            </a:extLst>
-          </a:blip>
-          <a:stretch>
-            <a:fillRect/>
-          </a:stretch>
-        </p:blipFill>
-        <p:spPr>
-          <a:xfrm>
-            <a:off x="1259632" y="1196752"/>
-            <a:ext cx="6336704" cy="5553417"/>
-          </a:xfrm>
-        </p:spPr>
-      </p:pic>
+            <a:endParaRPr lang="nl-BE"/>
+          </a:p>
+        </p:txBody>
+      </p:sp>
     </p:spTree>
     <p:extLst>
       <p:ext uri="{BB962C8B-B14F-4D97-AF65-F5344CB8AC3E}">
-        <p14:creationId xmlns:p14="http://schemas.microsoft.com/office/powerpoint/2010/main" val="1968202226"/>
+        <p14:creationId xmlns:p14="http://schemas.microsoft.com/office/powerpoint/2010/main" xmlns="" val="378156031"/>
       </p:ext>
     </p:extLst>
   </p:cSld>
@@ -3769,161 +4144,50 @@
         </p:nvSpPr>
         <p:spPr/>
         <p:txBody>
-          <a:bodyPr>
-            <a:normAutofit/>
-          </a:bodyPr>
+          <a:bodyPr/>
           <a:lstStyle/>
           <a:p>
             <a:r>
-              <a:rPr lang="nl-BE" sz="3600" cap="small" dirty="0" smtClean="0">
-                <a:ln w="18415" cmpd="sng">
-                  <a:solidFill>
-                    <a:schemeClr val="tx1">
-                      <a:alpha val="0"/>
-                    </a:schemeClr>
-                  </a:solidFill>
-                  <a:prstDash val="solid"/>
-                </a:ln>
-                <a:effectLst>
-                  <a:outerShdw blurRad="25400" dir="3600000" algn="tl" rotWithShape="0">
-                    <a:srgbClr val="000000">
-                      <a:alpha val="70000"/>
-                    </a:srgbClr>
-                  </a:outerShdw>
-                </a:effectLst>
-                <a:latin typeface="Sitka Text" pitchFamily="2" charset="0"/>
-              </a:rPr>
-              <a:t>Extensibility of the system:</a:t>
-            </a:r>
-            <a:endParaRPr lang="nl-BE" sz="3600" cap="small" dirty="0">
-              <a:ln w="18415" cmpd="sng">
-                <a:solidFill>
-                  <a:schemeClr val="tx1">
-                    <a:alpha val="0"/>
-                  </a:schemeClr>
-                </a:solidFill>
-                <a:prstDash val="solid"/>
-              </a:ln>
-              <a:effectLst>
-                <a:outerShdw blurRad="25400" dir="3600000" algn="tl" rotWithShape="0">
-                  <a:srgbClr val="000000">
-                    <a:alpha val="70000"/>
-                  </a:srgbClr>
-                </a:outerShdw>
-              </a:effectLst>
-              <a:latin typeface="Sitka Text" pitchFamily="2" charset="0"/>
-            </a:endParaRPr>
-          </a:p>
-        </p:txBody>
-      </p:sp>
-      <p:sp>
-        <p:nvSpPr>
-          <p:cNvPr id="3" name="Tijdelijke aanduiding voor inhoud 2"/>
-          <p:cNvSpPr>
-            <a:spLocks noGrp="1"/>
-          </p:cNvSpPr>
+              <a:rPr lang="nl-BE" dirty="0" smtClean="0"/>
+              <a:t>Mailbox system</a:t>
+            </a:r>
+            <a:endParaRPr lang="nl-BE" dirty="0"/>
+          </a:p>
+        </p:txBody>
+      </p:sp>
+      <p:pic>
+        <p:nvPicPr>
+          <p:cNvPr id="6" name="Content Placeholder 5"/>
+          <p:cNvPicPr>
+            <a:picLocks noGrp="1" noChangeAspect="1"/>
+          </p:cNvPicPr>
           <p:nvPr>
             <p:ph idx="1"/>
           </p:nvPr>
-        </p:nvSpPr>
+        </p:nvPicPr>
+        <p:blipFill>
+          <a:blip r:embed="rId2" cstate="print">
+            <a:extLst>
+              <a:ext uri="{28A0092B-C50C-407E-A947-70E740481C1C}">
+                <a14:useLocalDpi xmlns:a14="http://schemas.microsoft.com/office/drawing/2010/main" xmlns="" val="0"/>
+              </a:ext>
+            </a:extLst>
+          </a:blip>
+          <a:stretch>
+            <a:fillRect/>
+          </a:stretch>
+        </p:blipFill>
         <p:spPr>
           <a:xfrm>
-            <a:off x="539552" y="1844824"/>
-            <a:ext cx="8229600" cy="4525963"/>
+            <a:off x="1043608" y="1268760"/>
+            <a:ext cx="6840760" cy="5555696"/>
           </a:xfrm>
         </p:spPr>
-        <p:txBody>
-          <a:bodyPr>
-            <a:normAutofit/>
-          </a:bodyPr>
-          <a:lstStyle/>
-          <a:p>
-            <a:r>
-              <a:rPr lang="en-US" sz="2400" dirty="0" smtClean="0">
-                <a:latin typeface="Sitka Display" pitchFamily="2" charset="0"/>
-              </a:rPr>
-              <a:t>It’s easier to add use cases than last time</a:t>
-            </a:r>
-          </a:p>
-          <a:p>
-            <a:r>
-              <a:rPr lang="en-US" sz="2400" dirty="0" smtClean="0">
-                <a:latin typeface="Sitka Display" pitchFamily="2" charset="0"/>
-              </a:rPr>
-              <a:t>UI is still completely independent </a:t>
-            </a:r>
-          </a:p>
-          <a:p>
-            <a:r>
-              <a:rPr lang="en-US" sz="2400" dirty="0" smtClean="0">
-                <a:latin typeface="Sitka Display" pitchFamily="2" charset="0"/>
-              </a:rPr>
-              <a:t>Interface for the </a:t>
-            </a:r>
-            <a:r>
-              <a:rPr lang="en-US" sz="2400" dirty="0" err="1" smtClean="0">
-                <a:latin typeface="Sitka Display" pitchFamily="2" charset="0"/>
-              </a:rPr>
-              <a:t>Initializer</a:t>
-            </a:r>
-            <a:endParaRPr lang="en-US" sz="2400" dirty="0" smtClean="0">
-              <a:latin typeface="Sitka Display" pitchFamily="2" charset="0"/>
-            </a:endParaRPr>
-          </a:p>
-          <a:p>
-            <a:r>
-              <a:rPr lang="en-US" sz="2400" dirty="0" smtClean="0">
-                <a:latin typeface="Sitka Display" pitchFamily="2" charset="0"/>
-              </a:rPr>
-              <a:t>Adding constraints concerning tag</a:t>
-            </a:r>
-          </a:p>
-          <a:p>
-            <a:r>
-              <a:rPr lang="en-US" sz="2400" dirty="0" smtClean="0">
-                <a:latin typeface="Sitka Display" pitchFamily="2" charset="0"/>
-              </a:rPr>
-              <a:t>Adding new registration types = adding new observers</a:t>
-            </a:r>
-          </a:p>
-          <a:p>
-            <a:r>
-              <a:rPr lang="en-US" sz="2400" dirty="0" smtClean="0">
-                <a:latin typeface="Sitka Display" pitchFamily="2" charset="0"/>
-              </a:rPr>
-              <a:t>Search methods for bug reports</a:t>
-            </a:r>
-          </a:p>
-          <a:p>
-            <a:r>
-              <a:rPr lang="en-US" sz="2400" dirty="0" smtClean="0">
-                <a:latin typeface="Sitka Display" pitchFamily="2" charset="0"/>
-              </a:rPr>
-              <a:t>Adding new objects that could be undone</a:t>
-            </a:r>
-          </a:p>
-          <a:p>
-            <a:endParaRPr lang="en-US" sz="2400" dirty="0" smtClean="0">
-              <a:latin typeface="Sitka Display" pitchFamily="2" charset="0"/>
-            </a:endParaRPr>
-          </a:p>
-          <a:p>
-            <a:r>
-              <a:rPr lang="en-US" sz="2400" dirty="0" smtClean="0">
-                <a:latin typeface="Sitka Display" pitchFamily="2" charset="0"/>
-              </a:rPr>
-              <a:t>It was easy to implement the changes from iteration 2 -&gt; great extensibility of our code from iteration 1</a:t>
-            </a:r>
-          </a:p>
-          <a:p>
-            <a:endParaRPr lang="en-US" sz="2400" dirty="0"/>
-          </a:p>
-        </p:txBody>
-      </p:sp>
+      </p:pic>
     </p:spTree>
     <p:extLst>
       <p:ext uri="{BB962C8B-B14F-4D97-AF65-F5344CB8AC3E}">
-        <p14:creationId xmlns:p14="http://schemas.microsoft.com/office/powerpoint/2010/main" val="2444210159"/>
+        <p14:creationId xmlns:p14="http://schemas.microsoft.com/office/powerpoint/2010/main" xmlns="" val="1319242908"/>
       </p:ext>
     </p:extLst>
   </p:cSld>
@@ -3933,13 +4197,6 @@
   <p:transition>
     <p:fade/>
   </p:transition>
-  <p:timing>
-    <p:tnLst>
-      <p:par>
-        <p:cTn id="1" dur="indefinite" restart="never" nodeType="tmRoot"/>
-      </p:par>
-    </p:tnLst>
-  </p:timing>
 </p:sld>
 </file>
 
@@ -3972,156 +4229,50 @@
         </p:nvSpPr>
         <p:spPr/>
         <p:txBody>
-          <a:bodyPr>
-            <a:normAutofit/>
-          </a:bodyPr>
+          <a:bodyPr/>
           <a:lstStyle/>
           <a:p>
             <a:r>
-              <a:rPr lang="nl-BE" sz="3600" cap="small" dirty="0" err="1" smtClean="0">
-                <a:ln w="18415" cmpd="sng">
-                  <a:solidFill>
-                    <a:schemeClr val="tx1">
-                      <a:alpha val="0"/>
-                    </a:schemeClr>
-                  </a:solidFill>
-                  <a:prstDash val="solid"/>
-                </a:ln>
-                <a:effectLst>
-                  <a:outerShdw blurRad="25400" dir="3600000" algn="tl" rotWithShape="0">
-                    <a:srgbClr val="000000">
-                      <a:alpha val="70000"/>
-                    </a:srgbClr>
-                  </a:outerShdw>
-                </a:effectLst>
-                <a:latin typeface="Sitka Text" pitchFamily="2" charset="0"/>
-              </a:rPr>
-              <a:t>Possible</a:t>
-            </a:r>
-            <a:r>
-              <a:rPr lang="nl-BE" sz="3600" cap="small" dirty="0" smtClean="0">
-                <a:ln w="18415" cmpd="sng">
-                  <a:solidFill>
-                    <a:schemeClr val="tx1">
-                      <a:alpha val="0"/>
-                    </a:schemeClr>
-                  </a:solidFill>
-                  <a:prstDash val="solid"/>
-                </a:ln>
-                <a:effectLst>
-                  <a:outerShdw blurRad="25400" dir="3600000" algn="tl" rotWithShape="0">
-                    <a:srgbClr val="000000">
-                      <a:alpha val="70000"/>
-                    </a:srgbClr>
-                  </a:outerShdw>
-                </a:effectLst>
-                <a:latin typeface="Sitka Text" pitchFamily="2" charset="0"/>
-              </a:rPr>
-              <a:t> </a:t>
-            </a:r>
-            <a:r>
-              <a:rPr lang="nl-BE" sz="3600" cap="small" dirty="0" err="1" smtClean="0">
-                <a:ln w="18415" cmpd="sng">
-                  <a:solidFill>
-                    <a:schemeClr val="tx1">
-                      <a:alpha val="0"/>
-                    </a:schemeClr>
-                  </a:solidFill>
-                  <a:prstDash val="solid"/>
-                </a:ln>
-                <a:effectLst>
-                  <a:outerShdw blurRad="25400" dir="3600000" algn="tl" rotWithShape="0">
-                    <a:srgbClr val="000000">
-                      <a:alpha val="70000"/>
-                    </a:srgbClr>
-                  </a:outerShdw>
-                </a:effectLst>
-                <a:latin typeface="Sitka Text" pitchFamily="2" charset="0"/>
-              </a:rPr>
-              <a:t>improvements</a:t>
-            </a:r>
-            <a:endParaRPr lang="nl-BE" sz="3600" cap="small" dirty="0">
-              <a:ln w="18415" cmpd="sng">
-                <a:solidFill>
-                  <a:schemeClr val="tx1">
-                    <a:alpha val="0"/>
-                  </a:schemeClr>
-                </a:solidFill>
-                <a:prstDash val="solid"/>
-              </a:ln>
-              <a:effectLst>
-                <a:outerShdw blurRad="25400" dir="3600000" algn="tl" rotWithShape="0">
-                  <a:srgbClr val="000000">
-                    <a:alpha val="70000"/>
-                  </a:srgbClr>
-                </a:outerShdw>
-              </a:effectLst>
-              <a:latin typeface="Sitka Text" pitchFamily="2" charset="0"/>
-            </a:endParaRPr>
-          </a:p>
-        </p:txBody>
-      </p:sp>
-      <p:sp>
-        <p:nvSpPr>
-          <p:cNvPr id="3" name="Tijdelijke aanduiding voor inhoud 2"/>
-          <p:cNvSpPr>
-            <a:spLocks noGrp="1"/>
-          </p:cNvSpPr>
+              <a:rPr lang="nl-BE" dirty="0" smtClean="0"/>
+              <a:t>Undo mechanism</a:t>
+            </a:r>
+            <a:endParaRPr lang="nl-BE" dirty="0"/>
+          </a:p>
+        </p:txBody>
+      </p:sp>
+      <p:pic>
+        <p:nvPicPr>
+          <p:cNvPr id="4" name="Content Placeholder 3"/>
+          <p:cNvPicPr>
+            <a:picLocks noGrp="1" noChangeAspect="1"/>
+          </p:cNvPicPr>
           <p:nvPr>
             <p:ph idx="1"/>
           </p:nvPr>
-        </p:nvSpPr>
-        <p:spPr/>
-        <p:txBody>
-          <a:bodyPr>
-            <a:normAutofit/>
-          </a:bodyPr>
-          <a:lstStyle/>
-          <a:p>
-            <a:r>
-              <a:rPr lang="nl-BE" sz="2400" dirty="0" smtClean="0">
-                <a:latin typeface="Sitka Display" pitchFamily="2" charset="0"/>
-              </a:rPr>
-              <a:t>MailboxService creates Observers</a:t>
-            </a:r>
-            <a:endParaRPr lang="nl-BE" sz="2000" dirty="0" smtClean="0">
-              <a:latin typeface="Sitka Display" pitchFamily="2" charset="0"/>
-            </a:endParaRPr>
-          </a:p>
-          <a:p>
-            <a:endParaRPr lang="nl-BE" sz="2400" dirty="0"/>
-          </a:p>
-          <a:p>
-            <a:r>
-              <a:rPr lang="nl-BE" sz="2400" dirty="0" smtClean="0">
-                <a:latin typeface="Sitka Display" pitchFamily="2" charset="0"/>
-              </a:rPr>
-              <a:t>Milestone improvements in the code and structure</a:t>
-            </a:r>
-            <a:endParaRPr lang="nl-BE" sz="2000" dirty="0" smtClean="0">
-              <a:latin typeface="Sitka Display" pitchFamily="2" charset="0"/>
-            </a:endParaRPr>
-          </a:p>
-          <a:p>
-            <a:endParaRPr lang="nl-BE" sz="2400" dirty="0"/>
-          </a:p>
-          <a:p>
-            <a:r>
-              <a:rPr lang="nl-BE" sz="2400" dirty="0" smtClean="0">
-                <a:latin typeface="Sitka Display" pitchFamily="2" charset="0"/>
-              </a:rPr>
-              <a:t>Setters &amp; Getters</a:t>
-            </a:r>
-            <a:endParaRPr lang="nl-BE" sz="2000" dirty="0" smtClean="0">
-              <a:latin typeface="Sitka Display" pitchFamily="2" charset="0"/>
-            </a:endParaRPr>
-          </a:p>
-        </p:txBody>
-      </p:sp>
+        </p:nvPicPr>
+        <p:blipFill>
+          <a:blip r:embed="rId2" cstate="print">
+            <a:extLst>
+              <a:ext uri="{28A0092B-C50C-407E-A947-70E740481C1C}">
+                <a14:useLocalDpi xmlns:a14="http://schemas.microsoft.com/office/drawing/2010/main" xmlns="" val="0"/>
+              </a:ext>
+            </a:extLst>
+          </a:blip>
+          <a:stretch>
+            <a:fillRect/>
+          </a:stretch>
+        </p:blipFill>
+        <p:spPr>
+          <a:xfrm>
+            <a:off x="1259632" y="1196752"/>
+            <a:ext cx="6336704" cy="5553417"/>
+          </a:xfrm>
+        </p:spPr>
+      </p:pic>
     </p:spTree>
     <p:extLst>
       <p:ext uri="{BB962C8B-B14F-4D97-AF65-F5344CB8AC3E}">
-        <p14:creationId xmlns:p14="http://schemas.microsoft.com/office/powerpoint/2010/main" val="674970378"/>
+        <p14:creationId xmlns:p14="http://schemas.microsoft.com/office/powerpoint/2010/main" xmlns="" val="1968202226"/>
       </p:ext>
     </p:extLst>
   </p:cSld>
@@ -4131,13 +4282,6 @@
   <p:transition>
     <p:fade/>
   </p:transition>
-  <p:timing>
-    <p:tnLst>
-      <p:par>
-        <p:cTn id="1" dur="indefinite" restart="never" nodeType="tmRoot"/>
-      </p:par>
-    </p:tnLst>
-  </p:timing>
 </p:sld>
 </file>
 
@@ -4176,27 +4320,6 @@
           <a:lstStyle/>
           <a:p>
             <a:r>
-              <a:rPr lang="nl-BE" sz="3600" cap="small" dirty="0" err="1" smtClean="0">
-                <a:ln w="18415" cmpd="sng">
-                  <a:solidFill>
-                    <a:schemeClr val="tx1">
-                      <a:alpha val="0"/>
-                    </a:schemeClr>
-                  </a:solidFill>
-                  <a:prstDash val="solid"/>
-                </a:ln>
-                <a:effectLst>
-                  <a:outerShdw blurRad="25400" dir="3600000" algn="tl" rotWithShape="0">
-                    <a:srgbClr val="000000">
-                      <a:alpha val="70000"/>
-                    </a:srgbClr>
-                  </a:outerShdw>
-                </a:effectLst>
-                <a:latin typeface="Sitka Text" pitchFamily="2" charset="0"/>
-              </a:rPr>
-              <a:t>Testing</a:t>
-            </a:r>
-            <a:r>
               <a:rPr lang="nl-BE" sz="3600" cap="small" dirty="0" smtClean="0">
                 <a:ln w="18415" cmpd="sng">
                   <a:solidFill>
@@ -4215,7 +4338,7 @@
                 </a:effectLst>
                 <a:latin typeface="Sitka Text" pitchFamily="2" charset="0"/>
               </a:rPr>
-              <a:t> approach</a:t>
+              <a:t>Extensibility of the system:</a:t>
             </a:r>
             <a:endParaRPr lang="nl-BE" sz="3600" cap="small" dirty="0">
               <a:ln w="18415" cmpd="sng">
@@ -4248,45 +4371,104 @@
             <p:ph idx="1"/>
           </p:nvPr>
         </p:nvSpPr>
-        <p:spPr/>
+        <p:spPr>
+          <a:xfrm>
+            <a:off x="539552" y="1844824"/>
+            <a:ext cx="8229600" cy="4525963"/>
+          </a:xfrm>
+        </p:spPr>
         <p:txBody>
           <a:bodyPr>
             <a:normAutofit/>
           </a:bodyPr>
           <a:lstStyle/>
           <a:p>
-            <a:pPr marL="0" indent="0">
-              <a:buNone/>
-            </a:pPr>
-            <a:r>
-              <a:rPr lang="nl-BE" sz="2800" b="1" cap="small" dirty="0" smtClean="0">
+            <a:r>
+              <a:rPr lang="en-US" sz="2400" dirty="0" smtClean="0">
                 <a:latin typeface="Sitka Display" pitchFamily="2" charset="0"/>
               </a:rPr>
-              <a:t>Geef </a:t>
-            </a:r>
-            <a:r>
-              <a:rPr lang="nl-BE" sz="2800" b="1" cap="small" dirty="0" err="1" smtClean="0">
+              <a:t>It’s easier to add use cases than last time</a:t>
+            </a:r>
+          </a:p>
+          <a:p>
+            <a:r>
+              <a:rPr lang="en-US" sz="2400" dirty="0" smtClean="0">
                 <a:latin typeface="Sitka Display" pitchFamily="2" charset="0"/>
               </a:rPr>
-              <a:t>coverage</a:t>
-            </a:r>
-            <a:r>
-              <a:rPr lang="nl-BE" sz="2800" b="1" cap="small" dirty="0" smtClean="0">
+              <a:t>UI is still completely independent </a:t>
+            </a:r>
+          </a:p>
+          <a:p>
+            <a:r>
+              <a:rPr lang="en-US" sz="2400" dirty="0" smtClean="0">
                 <a:latin typeface="Sitka Display" pitchFamily="2" charset="0"/>
               </a:rPr>
-              <a:t> + korte samenvatting van werkwijze in iteratie 1</a:t>
-            </a:r>
-            <a:endParaRPr lang="nl-BE" sz="2400" dirty="0">
+              <a:t>Interface for the </a:t>
+            </a:r>
+            <a:r>
+              <a:rPr lang="en-US" sz="2400" dirty="0" err="1" smtClean="0">
+                <a:latin typeface="Sitka Display" pitchFamily="2" charset="0"/>
+              </a:rPr>
+              <a:t>Initializer</a:t>
+            </a:r>
+            <a:endParaRPr lang="en-US" sz="2400" dirty="0" smtClean="0">
               <a:latin typeface="Sitka Display" pitchFamily="2" charset="0"/>
-              <a:sym typeface="Wingdings" panose="05000000000000000000" pitchFamily="2" charset="2"/>
             </a:endParaRPr>
+          </a:p>
+          <a:p>
+            <a:r>
+              <a:rPr lang="en-US" sz="2400" dirty="0" smtClean="0">
+                <a:latin typeface="Sitka Display" pitchFamily="2" charset="0"/>
+              </a:rPr>
+              <a:t>Adding constraints concerning tag</a:t>
+            </a:r>
+          </a:p>
+          <a:p>
+            <a:r>
+              <a:rPr lang="en-US" sz="2400" dirty="0" smtClean="0">
+                <a:latin typeface="Sitka Display" pitchFamily="2" charset="0"/>
+              </a:rPr>
+              <a:t>Adding new registration types = adding new observers</a:t>
+            </a:r>
+          </a:p>
+          <a:p>
+            <a:r>
+              <a:rPr lang="en-US" sz="2400" dirty="0" smtClean="0">
+                <a:latin typeface="Sitka Display" pitchFamily="2" charset="0"/>
+              </a:rPr>
+              <a:t>Search methods for bug reports</a:t>
+            </a:r>
+          </a:p>
+          <a:p>
+            <a:r>
+              <a:rPr lang="en-US" sz="2400" dirty="0" smtClean="0">
+                <a:latin typeface="Sitka Display" pitchFamily="2" charset="0"/>
+              </a:rPr>
+              <a:t>Adding new objects that could be undone</a:t>
+            </a:r>
+          </a:p>
+          <a:p>
+            <a:endParaRPr lang="en-US" sz="2400" dirty="0" smtClean="0">
+              <a:latin typeface="Sitka Display" pitchFamily="2" charset="0"/>
+            </a:endParaRPr>
+          </a:p>
+          <a:p>
+            <a:r>
+              <a:rPr lang="en-US" sz="2400" dirty="0" smtClean="0">
+                <a:latin typeface="Sitka Display" pitchFamily="2" charset="0"/>
+              </a:rPr>
+              <a:t>It was easy to implement the changes from iteration 2 -&gt; great extensibility of our code from iteration 1</a:t>
+            </a:r>
+          </a:p>
+          <a:p>
+            <a:endParaRPr lang="en-US" sz="2400" dirty="0"/>
           </a:p>
         </p:txBody>
       </p:sp>
     </p:spTree>
     <p:extLst>
       <p:ext uri="{BB962C8B-B14F-4D97-AF65-F5344CB8AC3E}">
-        <p14:creationId xmlns:p14="http://schemas.microsoft.com/office/powerpoint/2010/main" val="996989477"/>
+        <p14:creationId xmlns:p14="http://schemas.microsoft.com/office/powerpoint/2010/main" xmlns="" val="2444210159"/>
       </p:ext>
     </p:extLst>
   </p:cSld>
@@ -4341,6 +4523,27 @@
           <a:lstStyle/>
           <a:p>
             <a:r>
+              <a:rPr lang="nl-BE" sz="3600" cap="small" dirty="0" err="1" smtClean="0">
+                <a:ln w="18415" cmpd="sng">
+                  <a:solidFill>
+                    <a:schemeClr val="tx1">
+                      <a:alpha val="0"/>
+                    </a:schemeClr>
+                  </a:solidFill>
+                  <a:prstDash val="solid"/>
+                </a:ln>
+                <a:effectLst>
+                  <a:outerShdw blurRad="25400" dir="3600000" algn="tl" rotWithShape="0">
+                    <a:srgbClr val="000000">
+                      <a:alpha val="70000"/>
+                    </a:srgbClr>
+                  </a:outerShdw>
+                </a:effectLst>
+                <a:latin typeface="Sitka Text" pitchFamily="2" charset="0"/>
+              </a:rPr>
+              <a:t>Possible</a:t>
+            </a:r>
+            <a:r>
               <a:rPr lang="nl-BE" sz="3600" cap="small" dirty="0" smtClean="0">
                 <a:ln w="18415" cmpd="sng">
                   <a:solidFill>
@@ -4359,7 +4562,28 @@
                 </a:effectLst>
                 <a:latin typeface="Sitka Text" pitchFamily="2" charset="0"/>
               </a:rPr>
-              <a:t>Testing approach</a:t>
+              <a:t> </a:t>
+            </a:r>
+            <a:r>
+              <a:rPr lang="nl-BE" sz="3600" cap="small" dirty="0" err="1" smtClean="0">
+                <a:ln w="18415" cmpd="sng">
+                  <a:solidFill>
+                    <a:schemeClr val="tx1">
+                      <a:alpha val="0"/>
+                    </a:schemeClr>
+                  </a:solidFill>
+                  <a:prstDash val="solid"/>
+                </a:ln>
+                <a:effectLst>
+                  <a:outerShdw blurRad="25400" dir="3600000" algn="tl" rotWithShape="0">
+                    <a:srgbClr val="000000">
+                      <a:alpha val="70000"/>
+                    </a:srgbClr>
+                  </a:outerShdw>
+                </a:effectLst>
+                <a:latin typeface="Sitka Text" pitchFamily="2" charset="0"/>
+              </a:rPr>
+              <a:t>improvements</a:t>
             </a:r>
             <a:endParaRPr lang="nl-BE" sz="3600" cap="small" dirty="0">
               <a:ln w="18415" cmpd="sng">
@@ -4382,39 +4606,67 @@
           </a:p>
         </p:txBody>
       </p:sp>
-      <p:pic>
-        <p:nvPicPr>
-          <p:cNvPr id="7" name="Content Placeholder 6"/>
-          <p:cNvPicPr>
-            <a:picLocks noGrp="1" noChangeAspect="1"/>
-          </p:cNvPicPr>
+      <p:sp>
+        <p:nvSpPr>
+          <p:cNvPr id="3" name="Tijdelijke aanduiding voor inhoud 2"/>
+          <p:cNvSpPr>
+            <a:spLocks noGrp="1"/>
+          </p:cNvSpPr>
           <p:nvPr>
             <p:ph idx="1"/>
           </p:nvPr>
-        </p:nvPicPr>
-        <p:blipFill>
-          <a:blip r:embed="rId2">
-            <a:extLst>
-              <a:ext uri="{28A0092B-C50C-407E-A947-70E740481C1C}">
-                <a14:useLocalDpi xmlns:a14="http://schemas.microsoft.com/office/drawing/2010/main" val="0"/>
-              </a:ext>
-            </a:extLst>
-          </a:blip>
-          <a:stretch>
-            <a:fillRect/>
-          </a:stretch>
-        </p:blipFill>
-        <p:spPr>
-          <a:xfrm>
-            <a:off x="324176" y="1484784"/>
-            <a:ext cx="8495647" cy="4896544"/>
-          </a:xfrm>
-        </p:spPr>
-      </p:pic>
+        </p:nvSpPr>
+        <p:spPr/>
+        <p:txBody>
+          <a:bodyPr>
+            <a:normAutofit/>
+          </a:bodyPr>
+          <a:lstStyle/>
+          <a:p>
+            <a:r>
+              <a:rPr lang="nl-BE" sz="2400" dirty="0" smtClean="0">
+                <a:latin typeface="Sitka Display" pitchFamily="2" charset="0"/>
+              </a:rPr>
+              <a:t>MailboxService creates Observers</a:t>
+            </a:r>
+            <a:endParaRPr lang="nl-BE" sz="2000" dirty="0" smtClean="0">
+              <a:latin typeface="Sitka Display" pitchFamily="2" charset="0"/>
+            </a:endParaRPr>
+          </a:p>
+          <a:p>
+            <a:endParaRPr lang="nl-BE" sz="2400" dirty="0"/>
+          </a:p>
+          <a:p>
+            <a:r>
+              <a:rPr lang="nl-BE" sz="2400" dirty="0" smtClean="0">
+                <a:latin typeface="Sitka Display" pitchFamily="2" charset="0"/>
+              </a:rPr>
+              <a:t>Milestone improvements in the code and structure</a:t>
+            </a:r>
+            <a:endParaRPr lang="nl-BE" sz="2000" dirty="0" smtClean="0">
+              <a:latin typeface="Sitka Display" pitchFamily="2" charset="0"/>
+            </a:endParaRPr>
+          </a:p>
+          <a:p>
+            <a:endParaRPr lang="nl-BE" sz="2400" dirty="0"/>
+          </a:p>
+          <a:p>
+            <a:r>
+              <a:rPr lang="nl-BE" sz="2400" dirty="0" smtClean="0">
+                <a:latin typeface="Sitka Display" pitchFamily="2" charset="0"/>
+              </a:rPr>
+              <a:t>Setters &amp; Getters</a:t>
+            </a:r>
+            <a:endParaRPr lang="nl-BE" sz="2000" dirty="0" smtClean="0">
+              <a:latin typeface="Sitka Display" pitchFamily="2" charset="0"/>
+            </a:endParaRPr>
+          </a:p>
+        </p:txBody>
+      </p:sp>
     </p:spTree>
     <p:extLst>
       <p:ext uri="{BB962C8B-B14F-4D97-AF65-F5344CB8AC3E}">
-        <p14:creationId xmlns:p14="http://schemas.microsoft.com/office/powerpoint/2010/main" val="3176464878"/>
+        <p14:creationId xmlns:p14="http://schemas.microsoft.com/office/powerpoint/2010/main" xmlns="" val="674970378"/>
       </p:ext>
     </p:extLst>
   </p:cSld>
@@ -4469,6 +4721,27 @@
           <a:lstStyle/>
           <a:p>
             <a:r>
+              <a:rPr lang="nl-BE" sz="3600" cap="small" dirty="0" err="1" smtClean="0">
+                <a:ln w="18415" cmpd="sng">
+                  <a:solidFill>
+                    <a:schemeClr val="tx1">
+                      <a:alpha val="0"/>
+                    </a:schemeClr>
+                  </a:solidFill>
+                  <a:prstDash val="solid"/>
+                </a:ln>
+                <a:effectLst>
+                  <a:outerShdw blurRad="25400" dir="3600000" algn="tl" rotWithShape="0">
+                    <a:srgbClr val="000000">
+                      <a:alpha val="70000"/>
+                    </a:srgbClr>
+                  </a:outerShdw>
+                </a:effectLst>
+                <a:latin typeface="Sitka Text" pitchFamily="2" charset="0"/>
+              </a:rPr>
+              <a:t>Testing</a:t>
+            </a:r>
+            <a:r>
               <a:rPr lang="nl-BE" sz="3600" cap="small" dirty="0" smtClean="0">
                 <a:ln w="18415" cmpd="sng">
                   <a:solidFill>
@@ -4487,7 +4760,7 @@
                 </a:effectLst>
                 <a:latin typeface="Sitka Text" pitchFamily="2" charset="0"/>
               </a:rPr>
-              <a:t>Vragen?</a:t>
+              <a:t> approach</a:t>
             </a:r>
             <a:endParaRPr lang="nl-BE" sz="3600" cap="small" dirty="0">
               <a:ln w="18415" cmpd="sng">
@@ -4510,49 +4783,55 @@
           </a:p>
         </p:txBody>
       </p:sp>
-      <p:pic>
-        <p:nvPicPr>
-          <p:cNvPr id="2051" name="Picture 3" descr="C:\Users\Laurens\Desktop\Dumper\wut.jpg"/>
-          <p:cNvPicPr>
-            <a:picLocks noChangeAspect="1" noChangeArrowheads="1"/>
-          </p:cNvPicPr>
-          <p:nvPr/>
-        </p:nvPicPr>
-        <p:blipFill rotWithShape="1">
-          <a:blip r:embed="rId2" cstate="print">
-            <a:extLst>
-              <a:ext uri="{28A0092B-C50C-407E-A947-70E740481C1C}">
-                <a14:useLocalDpi xmlns:a14="http://schemas.microsoft.com/office/drawing/2010/main" val="0"/>
-              </a:ext>
-            </a:extLst>
-          </a:blip>
-          <a:srcRect t="22771" r="1125" b="22800"/>
-          <a:stretch/>
-        </p:blipFill>
-        <p:spPr bwMode="auto">
-          <a:xfrm>
-            <a:off x="1597733" y="2420888"/>
-            <a:ext cx="5948535" cy="2455912"/>
-          </a:xfrm>
-          <a:prstGeom prst="rect">
-            <a:avLst/>
-          </a:prstGeom>
-          <a:noFill/>
-          <a:extLst>
-            <a:ext uri="{909E8E84-426E-40DD-AFC4-6F175D3DCCD1}">
-              <a14:hiddenFill xmlns:a14="http://schemas.microsoft.com/office/drawing/2010/main">
-                <a:solidFill>
-                  <a:srgbClr val="FFFFFF"/>
-                </a:solidFill>
-              </a14:hiddenFill>
-            </a:ext>
-          </a:extLst>
-        </p:spPr>
-      </p:pic>
+      <p:sp>
+        <p:nvSpPr>
+          <p:cNvPr id="3" name="Tijdelijke aanduiding voor inhoud 2"/>
+          <p:cNvSpPr>
+            <a:spLocks noGrp="1"/>
+          </p:cNvSpPr>
+          <p:nvPr>
+            <p:ph idx="1"/>
+          </p:nvPr>
+        </p:nvSpPr>
+        <p:spPr/>
+        <p:txBody>
+          <a:bodyPr>
+            <a:normAutofit/>
+          </a:bodyPr>
+          <a:lstStyle/>
+          <a:p>
+            <a:pPr marL="0" indent="0">
+              <a:buNone/>
+            </a:pPr>
+            <a:r>
+              <a:rPr lang="nl-BE" sz="2800" b="1" cap="small" dirty="0" smtClean="0">
+                <a:latin typeface="Sitka Display" pitchFamily="2" charset="0"/>
+              </a:rPr>
+              <a:t>Geef </a:t>
+            </a:r>
+            <a:r>
+              <a:rPr lang="nl-BE" sz="2800" b="1" cap="small" dirty="0" err="1" smtClean="0">
+                <a:latin typeface="Sitka Display" pitchFamily="2" charset="0"/>
+              </a:rPr>
+              <a:t>coverage</a:t>
+            </a:r>
+            <a:r>
+              <a:rPr lang="nl-BE" sz="2800" b="1" cap="small" dirty="0" smtClean="0">
+                <a:latin typeface="Sitka Display" pitchFamily="2" charset="0"/>
+              </a:rPr>
+              <a:t> + korte samenvatting van werkwijze in iteratie 1</a:t>
+            </a:r>
+            <a:endParaRPr lang="nl-BE" sz="2400" dirty="0">
+              <a:latin typeface="Sitka Display" pitchFamily="2" charset="0"/>
+              <a:sym typeface="Wingdings" panose="05000000000000000000" pitchFamily="2" charset="2"/>
+            </a:endParaRPr>
+          </a:p>
+        </p:txBody>
+      </p:sp>
     </p:spTree>
     <p:extLst>
       <p:ext uri="{BB962C8B-B14F-4D97-AF65-F5344CB8AC3E}">
-        <p14:creationId xmlns:p14="http://schemas.microsoft.com/office/powerpoint/2010/main" val="3405605565"/>
+        <p14:creationId xmlns:p14="http://schemas.microsoft.com/office/powerpoint/2010/main" xmlns="" val="996989477"/>
       </p:ext>
     </p:extLst>
   </p:cSld>
@@ -4602,7 +4881,7 @@
         <p:spPr/>
         <p:txBody>
           <a:bodyPr>
-            <a:normAutofit fontScale="90000"/>
+            <a:normAutofit/>
           </a:bodyPr>
           <a:lstStyle/>
           <a:p>
@@ -4625,7 +4904,7 @@
                 </a:effectLst>
                 <a:latin typeface="Sitka Text" pitchFamily="2" charset="0"/>
               </a:rPr>
-              <a:t>Project management (in uren) TODO UPDATE</a:t>
+              <a:t>Testing approach</a:t>
             </a:r>
             <a:endParaRPr lang="nl-BE" sz="3600" cap="small" dirty="0">
               <a:ln w="18415" cmpd="sng">
@@ -4648,356 +4927,39 @@
           </a:p>
         </p:txBody>
       </p:sp>
-      <p:sp>
-        <p:nvSpPr>
-          <p:cNvPr id="3" name="Tijdelijke aanduiding voor inhoud 2"/>
-          <p:cNvSpPr>
-            <a:spLocks noGrp="1"/>
-          </p:cNvSpPr>
+      <p:pic>
+        <p:nvPicPr>
+          <p:cNvPr id="7" name="Content Placeholder 6"/>
+          <p:cNvPicPr>
+            <a:picLocks noGrp="1" noChangeAspect="1"/>
+          </p:cNvPicPr>
           <p:nvPr>
             <p:ph idx="1"/>
           </p:nvPr>
-        </p:nvSpPr>
-        <p:spPr/>
-        <p:txBody>
-          <a:bodyPr>
-            <a:normAutofit/>
-          </a:bodyPr>
-          <a:lstStyle/>
-          <a:p>
-            <a:pPr marL="0" indent="0">
-              <a:buNone/>
-            </a:pPr>
-            <a:r>
-              <a:rPr lang="nl-BE" sz="2700" b="1" cap="small" dirty="0" smtClean="0">
-                <a:latin typeface="Sitka Display" pitchFamily="2" charset="0"/>
-              </a:rPr>
-              <a:t>Karina </a:t>
-            </a:r>
-            <a:r>
-              <a:rPr lang="nl-BE" sz="2700" b="1" cap="small" dirty="0" err="1" smtClean="0">
-                <a:latin typeface="Sitka Display" pitchFamily="2" charset="0"/>
-              </a:rPr>
-              <a:t>Karapetyan</a:t>
-            </a:r>
-            <a:endParaRPr lang="nl-BE" sz="2700" b="1" cap="small" dirty="0" smtClean="0">
-              <a:latin typeface="Sitka Display" pitchFamily="2" charset="0"/>
-            </a:endParaRPr>
-          </a:p>
-          <a:p>
-            <a:pPr marL="0" indent="0">
-              <a:buNone/>
-            </a:pPr>
-            <a:r>
-              <a:rPr lang="nl-BE" sz="2400" dirty="0" smtClean="0">
-                <a:solidFill>
-                  <a:schemeClr val="accent4">
-                    <a:lumMod val="50000"/>
-                  </a:schemeClr>
-                </a:solidFill>
-                <a:effectLst>
-                  <a:outerShdw blurRad="76200" dist="38100" dir="5400000" algn="t" rotWithShape="0">
-                    <a:prstClr val="black">
-                      <a:alpha val="27000"/>
-                    </a:prstClr>
-                  </a:outerShdw>
-                </a:effectLst>
-                <a:latin typeface="Sitka Banner" pitchFamily="2" charset="0"/>
-              </a:rPr>
-              <a:t>Group work: </a:t>
-            </a:r>
-            <a:r>
-              <a:rPr lang="nl-BE" sz="2400" dirty="0">
-                <a:solidFill>
-                  <a:schemeClr val="accent4">
-                    <a:lumMod val="50000"/>
-                  </a:schemeClr>
-                </a:solidFill>
-                <a:effectLst>
-                  <a:outerShdw blurRad="76200" dist="38100" dir="5400000" algn="t" rotWithShape="0">
-                    <a:prstClr val="black">
-                      <a:alpha val="27000"/>
-                    </a:prstClr>
-                  </a:outerShdw>
-                </a:effectLst>
-                <a:latin typeface="Sitka Banner" pitchFamily="2" charset="0"/>
-              </a:rPr>
-              <a:t>	</a:t>
-            </a:r>
-            <a:r>
-              <a:rPr lang="nl-BE" sz="2400" dirty="0" smtClean="0">
-                <a:solidFill>
-                  <a:schemeClr val="accent4">
-                    <a:lumMod val="50000"/>
-                  </a:schemeClr>
-                </a:solidFill>
-                <a:effectLst>
-                  <a:outerShdw blurRad="76200" dist="38100" dir="5400000" algn="t" rotWithShape="0">
-                    <a:prstClr val="black">
-                      <a:alpha val="27000"/>
-                    </a:prstClr>
-                  </a:outerShdw>
-                </a:effectLst>
-                <a:latin typeface="Sitka Banner" pitchFamily="2" charset="0"/>
-              </a:rPr>
-              <a:t> 	Individual Work: 	Study: </a:t>
-            </a:r>
-            <a:endParaRPr lang="nl-BE" sz="2400" dirty="0">
-              <a:solidFill>
-                <a:schemeClr val="accent4">
-                  <a:lumMod val="50000"/>
-                </a:schemeClr>
-              </a:solidFill>
-              <a:effectLst>
-                <a:outerShdw blurRad="76200" dist="38100" dir="5400000" algn="t" rotWithShape="0">
-                  <a:prstClr val="black">
-                    <a:alpha val="27000"/>
-                  </a:prstClr>
-                </a:outerShdw>
-              </a:effectLst>
-              <a:latin typeface="Sitka Banner" pitchFamily="2" charset="0"/>
-            </a:endParaRPr>
-          </a:p>
-          <a:p>
-            <a:pPr marL="0" indent="0">
-              <a:buNone/>
-            </a:pPr>
-            <a:r>
-              <a:rPr lang="nl-BE" sz="2700" b="1" cap="small" dirty="0" smtClean="0">
-                <a:latin typeface="Sitka Display" pitchFamily="2" charset="0"/>
-              </a:rPr>
-              <a:t>Laurens </a:t>
-            </a:r>
-            <a:r>
-              <a:rPr lang="nl-BE" sz="2700" b="1" cap="small" dirty="0" err="1" smtClean="0">
-                <a:latin typeface="Sitka Display" pitchFamily="2" charset="0"/>
-              </a:rPr>
-              <a:t>Cleemput</a:t>
-            </a:r>
-            <a:endParaRPr lang="nl-BE" sz="2700" b="1" cap="small" dirty="0" smtClean="0">
-              <a:latin typeface="Sitka Display" pitchFamily="2" charset="0"/>
-            </a:endParaRPr>
-          </a:p>
-          <a:p>
-            <a:pPr marL="0" indent="0">
-              <a:buNone/>
-            </a:pPr>
-            <a:r>
-              <a:rPr lang="nl-BE" sz="2400" dirty="0" smtClean="0">
-                <a:solidFill>
-                  <a:schemeClr val="accent4">
-                    <a:lumMod val="50000"/>
-                  </a:schemeClr>
-                </a:solidFill>
-                <a:effectLst>
-                  <a:outerShdw blurRad="76200" dist="38100" dir="5400000" algn="t" rotWithShape="0">
-                    <a:prstClr val="black">
-                      <a:alpha val="27000"/>
-                    </a:prstClr>
-                  </a:outerShdw>
-                </a:effectLst>
-                <a:latin typeface="Sitka Banner" pitchFamily="2" charset="0"/>
-              </a:rPr>
-              <a:t>Group work: </a:t>
-            </a:r>
-            <a:r>
-              <a:rPr lang="nl-BE" sz="2400" dirty="0">
-                <a:solidFill>
-                  <a:schemeClr val="accent4">
-                    <a:lumMod val="50000"/>
-                  </a:schemeClr>
-                </a:solidFill>
-                <a:effectLst>
-                  <a:outerShdw blurRad="76200" dist="38100" dir="5400000" algn="t" rotWithShape="0">
-                    <a:prstClr val="black">
-                      <a:alpha val="27000"/>
-                    </a:prstClr>
-                  </a:outerShdw>
-                </a:effectLst>
-                <a:latin typeface="Sitka Banner" pitchFamily="2" charset="0"/>
-              </a:rPr>
-              <a:t>	</a:t>
-            </a:r>
-            <a:r>
-              <a:rPr lang="nl-BE" sz="2400" dirty="0" smtClean="0">
-                <a:solidFill>
-                  <a:schemeClr val="accent4">
-                    <a:lumMod val="50000"/>
-                  </a:schemeClr>
-                </a:solidFill>
-                <a:effectLst>
-                  <a:outerShdw blurRad="76200" dist="38100" dir="5400000" algn="t" rotWithShape="0">
-                    <a:prstClr val="black">
-                      <a:alpha val="27000"/>
-                    </a:prstClr>
-                  </a:outerShdw>
-                </a:effectLst>
-                <a:latin typeface="Sitka Banner" pitchFamily="2" charset="0"/>
-              </a:rPr>
-              <a:t> 	Individual Work: 	Study: </a:t>
-            </a:r>
-          </a:p>
-          <a:p>
-            <a:pPr marL="0" indent="0">
-              <a:buNone/>
-            </a:pPr>
-            <a:r>
-              <a:rPr lang="nl-BE" sz="2700" b="1" cap="small" dirty="0" smtClean="0">
-                <a:latin typeface="Sitka Display" pitchFamily="2" charset="0"/>
-              </a:rPr>
-              <a:t>Tom Houben</a:t>
-            </a:r>
-          </a:p>
-          <a:p>
-            <a:pPr marL="0" indent="0">
-              <a:buNone/>
-            </a:pPr>
-            <a:r>
-              <a:rPr lang="nl-BE" sz="2400" dirty="0" smtClean="0">
-                <a:solidFill>
-                  <a:schemeClr val="accent4">
-                    <a:lumMod val="50000"/>
-                  </a:schemeClr>
-                </a:solidFill>
-                <a:effectLst>
-                  <a:outerShdw blurRad="76200" dist="38100" dir="5400000" algn="t" rotWithShape="0">
-                    <a:prstClr val="black">
-                      <a:alpha val="27000"/>
-                    </a:prstClr>
-                  </a:outerShdw>
-                </a:effectLst>
-                <a:latin typeface="Sitka Banner" pitchFamily="2" charset="0"/>
-              </a:rPr>
-              <a:t>Group work:  </a:t>
-            </a:r>
-            <a:r>
-              <a:rPr lang="nl-BE" sz="2400" dirty="0">
-                <a:solidFill>
-                  <a:schemeClr val="accent4">
-                    <a:lumMod val="50000"/>
-                  </a:schemeClr>
-                </a:solidFill>
-                <a:effectLst>
-                  <a:outerShdw blurRad="76200" dist="38100" dir="5400000" algn="t" rotWithShape="0">
-                    <a:prstClr val="black">
-                      <a:alpha val="27000"/>
-                    </a:prstClr>
-                  </a:outerShdw>
-                </a:effectLst>
-                <a:latin typeface="Sitka Banner" pitchFamily="2" charset="0"/>
-              </a:rPr>
-              <a:t>	</a:t>
-            </a:r>
-            <a:r>
-              <a:rPr lang="nl-BE" sz="2400" dirty="0" smtClean="0">
-                <a:solidFill>
-                  <a:schemeClr val="accent4">
-                    <a:lumMod val="50000"/>
-                  </a:schemeClr>
-                </a:solidFill>
-                <a:effectLst>
-                  <a:outerShdw blurRad="76200" dist="38100" dir="5400000" algn="t" rotWithShape="0">
-                    <a:prstClr val="black">
-                      <a:alpha val="27000"/>
-                    </a:prstClr>
-                  </a:outerShdw>
-                </a:effectLst>
-                <a:latin typeface="Sitka Banner" pitchFamily="2" charset="0"/>
-              </a:rPr>
-              <a:t>	Individual Work: 	Study: </a:t>
-            </a:r>
-          </a:p>
-          <a:p>
-            <a:pPr marL="0" indent="0">
-              <a:buNone/>
-            </a:pPr>
-            <a:r>
-              <a:rPr lang="nl-BE" sz="2700" b="1" cap="small" dirty="0" smtClean="0">
-                <a:latin typeface="Sitka Display" pitchFamily="2" charset="0"/>
-              </a:rPr>
-              <a:t>Tri </a:t>
-            </a:r>
-            <a:r>
-              <a:rPr lang="nl-BE" sz="2700" b="1" cap="small" dirty="0" err="1" smtClean="0">
-                <a:latin typeface="Sitka Display" pitchFamily="2" charset="0"/>
-              </a:rPr>
-              <a:t>Tran</a:t>
-            </a:r>
-            <a:endParaRPr lang="nl-BE" sz="2700" b="1" cap="small" dirty="0" smtClean="0">
-              <a:latin typeface="Sitka Display" pitchFamily="2" charset="0"/>
-            </a:endParaRPr>
-          </a:p>
-          <a:p>
-            <a:pPr marL="0" indent="0">
-              <a:buNone/>
-            </a:pPr>
-            <a:r>
-              <a:rPr lang="nl-BE" sz="2400" dirty="0" smtClean="0">
-                <a:solidFill>
-                  <a:schemeClr val="accent4">
-                    <a:lumMod val="50000"/>
-                  </a:schemeClr>
-                </a:solidFill>
-                <a:effectLst>
-                  <a:outerShdw blurRad="76200" dist="38100" dir="5400000" algn="t" rotWithShape="0">
-                    <a:prstClr val="black">
-                      <a:alpha val="27000"/>
-                    </a:prstClr>
-                  </a:outerShdw>
-                </a:effectLst>
-                <a:latin typeface="Sitka Banner" pitchFamily="2" charset="0"/>
-              </a:rPr>
-              <a:t>Group work: </a:t>
-            </a:r>
-            <a:r>
-              <a:rPr lang="nl-BE" sz="2400" dirty="0">
-                <a:solidFill>
-                  <a:schemeClr val="accent4">
-                    <a:lumMod val="50000"/>
-                  </a:schemeClr>
-                </a:solidFill>
-                <a:effectLst>
-                  <a:outerShdw blurRad="76200" dist="38100" dir="5400000" algn="t" rotWithShape="0">
-                    <a:prstClr val="black">
-                      <a:alpha val="27000"/>
-                    </a:prstClr>
-                  </a:outerShdw>
-                </a:effectLst>
-                <a:latin typeface="Sitka Banner" pitchFamily="2" charset="0"/>
-              </a:rPr>
-              <a:t>	</a:t>
-            </a:r>
-            <a:r>
-              <a:rPr lang="nl-BE" sz="2400" dirty="0" smtClean="0">
-                <a:solidFill>
-                  <a:schemeClr val="accent4">
-                    <a:lumMod val="50000"/>
-                  </a:schemeClr>
-                </a:solidFill>
-                <a:effectLst>
-                  <a:outerShdw blurRad="76200" dist="38100" dir="5400000" algn="t" rotWithShape="0">
-                    <a:prstClr val="black">
-                      <a:alpha val="27000"/>
-                    </a:prstClr>
-                  </a:outerShdw>
-                </a:effectLst>
-                <a:latin typeface="Sitka Banner" pitchFamily="2" charset="0"/>
-              </a:rPr>
-              <a:t> 31h	Individual Work: 	Study:  </a:t>
-            </a:r>
-          </a:p>
-          <a:p>
-            <a:pPr marL="0" indent="0">
-              <a:buNone/>
-            </a:pPr>
-            <a:endParaRPr lang="nl-BE" b="1" dirty="0"/>
-          </a:p>
-        </p:txBody>
-      </p:sp>
+        </p:nvPicPr>
+        <p:blipFill>
+          <a:blip r:embed="rId2" cstate="print">
+            <a:extLst>
+              <a:ext uri="{28A0092B-C50C-407E-A947-70E740481C1C}">
+                <a14:useLocalDpi xmlns:a14="http://schemas.microsoft.com/office/drawing/2010/main" xmlns="" val="0"/>
+              </a:ext>
+            </a:extLst>
+          </a:blip>
+          <a:stretch>
+            <a:fillRect/>
+          </a:stretch>
+        </p:blipFill>
+        <p:spPr>
+          <a:xfrm>
+            <a:off x="324176" y="1484784"/>
+            <a:ext cx="8495647" cy="4896544"/>
+          </a:xfrm>
+        </p:spPr>
+      </p:pic>
     </p:spTree>
     <p:extLst>
       <p:ext uri="{BB962C8B-B14F-4D97-AF65-F5344CB8AC3E}">
-        <p14:creationId xmlns:p14="http://schemas.microsoft.com/office/powerpoint/2010/main" val="1581702792"/>
+        <p14:creationId xmlns:p14="http://schemas.microsoft.com/office/powerpoint/2010/main" xmlns="" val="3176464878"/>
       </p:ext>
     </p:extLst>
   </p:cSld>
@@ -5034,6 +4996,860 @@
           <a:chExt cx="0" cy="0"/>
         </a:xfrm>
       </p:grpSpPr>
+      <p:sp>
+        <p:nvSpPr>
+          <p:cNvPr id="2" name="Titel 1"/>
+          <p:cNvSpPr>
+            <a:spLocks noGrp="1"/>
+          </p:cNvSpPr>
+          <p:nvPr>
+            <p:ph type="title"/>
+          </p:nvPr>
+        </p:nvSpPr>
+        <p:spPr/>
+        <p:txBody>
+          <a:bodyPr>
+            <a:normAutofit/>
+          </a:bodyPr>
+          <a:lstStyle/>
+          <a:p>
+            <a:r>
+              <a:rPr lang="nl-BE" sz="3600" cap="small" dirty="0" smtClean="0">
+                <a:ln w="18415" cmpd="sng">
+                  <a:solidFill>
+                    <a:schemeClr val="tx1">
+                      <a:alpha val="0"/>
+                    </a:schemeClr>
+                  </a:solidFill>
+                  <a:prstDash val="solid"/>
+                </a:ln>
+                <a:effectLst>
+                  <a:outerShdw blurRad="25400" dir="3600000" algn="tl" rotWithShape="0">
+                    <a:srgbClr val="000000">
+                      <a:alpha val="70000"/>
+                    </a:srgbClr>
+                  </a:outerShdw>
+                </a:effectLst>
+                <a:latin typeface="Sitka Text" pitchFamily="2" charset="0"/>
+              </a:rPr>
+              <a:t>Vragen?</a:t>
+            </a:r>
+            <a:endParaRPr lang="nl-BE" sz="3600" cap="small" dirty="0">
+              <a:ln w="18415" cmpd="sng">
+                <a:solidFill>
+                  <a:schemeClr val="tx1">
+                    <a:alpha val="0"/>
+                  </a:schemeClr>
+                </a:solidFill>
+                <a:prstDash val="solid"/>
+              </a:ln>
+              <a:effectLst>
+                <a:outerShdw blurRad="25400" dir="3600000" algn="tl" rotWithShape="0">
+                  <a:srgbClr val="000000">
+                    <a:alpha val="70000"/>
+                  </a:srgbClr>
+                </a:outerShdw>
+              </a:effectLst>
+              <a:latin typeface="Sitka Text" pitchFamily="2" charset="0"/>
+            </a:endParaRPr>
+          </a:p>
+        </p:txBody>
+      </p:sp>
+      <p:pic>
+        <p:nvPicPr>
+          <p:cNvPr id="2051" name="Picture 3" descr="C:\Users\Laurens\Desktop\Dumper\wut.jpg"/>
+          <p:cNvPicPr>
+            <a:picLocks noChangeAspect="1" noChangeArrowheads="1"/>
+          </p:cNvPicPr>
+          <p:nvPr/>
+        </p:nvPicPr>
+        <p:blipFill rotWithShape="1">
+          <a:blip r:embed="rId2" cstate="print">
+            <a:extLst>
+              <a:ext uri="{28A0092B-C50C-407E-A947-70E740481C1C}">
+                <a14:useLocalDpi xmlns:a14="http://schemas.microsoft.com/office/drawing/2010/main" xmlns="" val="0"/>
+              </a:ext>
+            </a:extLst>
+          </a:blip>
+          <a:srcRect t="22771" r="1125" b="22800"/>
+          <a:stretch/>
+        </p:blipFill>
+        <p:spPr bwMode="auto">
+          <a:xfrm>
+            <a:off x="1597733" y="2420888"/>
+            <a:ext cx="5948535" cy="2455912"/>
+          </a:xfrm>
+          <a:prstGeom prst="rect">
+            <a:avLst/>
+          </a:prstGeom>
+          <a:noFill/>
+          <a:extLst>
+            <a:ext uri="{909E8E84-426E-40DD-AFC4-6F175D3DCCD1}">
+              <a14:hiddenFill xmlns:a14="http://schemas.microsoft.com/office/drawing/2010/main" xmlns="">
+                <a:solidFill>
+                  <a:srgbClr val="FFFFFF"/>
+                </a:solidFill>
+              </a14:hiddenFill>
+            </a:ext>
+          </a:extLst>
+        </p:spPr>
+      </p:pic>
+    </p:spTree>
+    <p:extLst>
+      <p:ext uri="{BB962C8B-B14F-4D97-AF65-F5344CB8AC3E}">
+        <p14:creationId xmlns:p14="http://schemas.microsoft.com/office/powerpoint/2010/main" xmlns="" val="3405605565"/>
+      </p:ext>
+    </p:extLst>
+  </p:cSld>
+  <p:clrMapOvr>
+    <a:masterClrMapping/>
+  </p:clrMapOvr>
+  <p:transition>
+    <p:fade/>
+  </p:transition>
+  <p:timing>
+    <p:tnLst>
+      <p:par>
+        <p:cTn id="1" dur="indefinite" restart="never" nodeType="tmRoot"/>
+      </p:par>
+    </p:tnLst>
+  </p:timing>
+</p:sld>
+</file>
+
+<file path=ppt/slides/slide19.xml><?xml version="1.0" encoding="utf-8"?>
+<p:sld xmlns:a="http://schemas.openxmlformats.org/drawingml/2006/main" xmlns:r="http://schemas.openxmlformats.org/officeDocument/2006/relationships" xmlns:p="http://schemas.openxmlformats.org/presentationml/2006/main">
+  <p:cSld>
+    <p:spTree>
+      <p:nvGrpSpPr>
+        <p:cNvPr id="1" name=""/>
+        <p:cNvGrpSpPr/>
+        <p:nvPr/>
+      </p:nvGrpSpPr>
+      <p:grpSpPr>
+        <a:xfrm>
+          <a:off x="0" y="0"/>
+          <a:ext cx="0" cy="0"/>
+          <a:chOff x="0" y="0"/>
+          <a:chExt cx="0" cy="0"/>
+        </a:xfrm>
+      </p:grpSpPr>
+      <p:sp>
+        <p:nvSpPr>
+          <p:cNvPr id="2" name="Titel 1"/>
+          <p:cNvSpPr>
+            <a:spLocks noGrp="1"/>
+          </p:cNvSpPr>
+          <p:nvPr>
+            <p:ph type="title"/>
+          </p:nvPr>
+        </p:nvSpPr>
+        <p:spPr/>
+        <p:txBody>
+          <a:bodyPr>
+            <a:normAutofit fontScale="90000"/>
+          </a:bodyPr>
+          <a:lstStyle/>
+          <a:p>
+            <a:r>
+              <a:rPr lang="nl-BE" sz="3600" cap="small" dirty="0" smtClean="0">
+                <a:ln w="18415" cmpd="sng">
+                  <a:solidFill>
+                    <a:schemeClr val="tx1">
+                      <a:alpha val="0"/>
+                    </a:schemeClr>
+                  </a:solidFill>
+                  <a:prstDash val="solid"/>
+                </a:ln>
+                <a:effectLst>
+                  <a:outerShdw blurRad="25400" dir="3600000" algn="tl" rotWithShape="0">
+                    <a:srgbClr val="000000">
+                      <a:alpha val="70000"/>
+                    </a:srgbClr>
+                  </a:outerShdw>
+                </a:effectLst>
+                <a:latin typeface="Sitka Text" pitchFamily="2" charset="0"/>
+              </a:rPr>
+              <a:t>Project management (in uren) TODO UPDATE</a:t>
+            </a:r>
+            <a:endParaRPr lang="nl-BE" sz="3600" cap="small" dirty="0">
+              <a:ln w="18415" cmpd="sng">
+                <a:solidFill>
+                  <a:schemeClr val="tx1">
+                    <a:alpha val="0"/>
+                  </a:schemeClr>
+                </a:solidFill>
+                <a:prstDash val="solid"/>
+              </a:ln>
+              <a:effectLst>
+                <a:outerShdw blurRad="25400" dir="3600000" algn="tl" rotWithShape="0">
+                  <a:srgbClr val="000000">
+                    <a:alpha val="70000"/>
+                  </a:srgbClr>
+                </a:outerShdw>
+              </a:effectLst>
+              <a:latin typeface="Sitka Text" pitchFamily="2" charset="0"/>
+            </a:endParaRPr>
+          </a:p>
+        </p:txBody>
+      </p:sp>
+      <p:sp>
+        <p:nvSpPr>
+          <p:cNvPr id="3" name="Tijdelijke aanduiding voor inhoud 2"/>
+          <p:cNvSpPr>
+            <a:spLocks noGrp="1"/>
+          </p:cNvSpPr>
+          <p:nvPr>
+            <p:ph idx="1"/>
+          </p:nvPr>
+        </p:nvSpPr>
+        <p:spPr/>
+        <p:txBody>
+          <a:bodyPr>
+            <a:normAutofit/>
+          </a:bodyPr>
+          <a:lstStyle/>
+          <a:p>
+            <a:pPr marL="0" indent="0">
+              <a:buNone/>
+            </a:pPr>
+            <a:r>
+              <a:rPr lang="nl-BE" sz="2700" b="1" cap="small" dirty="0" smtClean="0">
+                <a:latin typeface="Sitka Display" pitchFamily="2" charset="0"/>
+              </a:rPr>
+              <a:t>Karina </a:t>
+            </a:r>
+            <a:r>
+              <a:rPr lang="nl-BE" sz="2700" b="1" cap="small" dirty="0" err="1" smtClean="0">
+                <a:latin typeface="Sitka Display" pitchFamily="2" charset="0"/>
+              </a:rPr>
+              <a:t>Karapetyan</a:t>
+            </a:r>
+            <a:endParaRPr lang="nl-BE" sz="2700" b="1" cap="small" dirty="0" smtClean="0">
+              <a:latin typeface="Sitka Display" pitchFamily="2" charset="0"/>
+            </a:endParaRPr>
+          </a:p>
+          <a:p>
+            <a:pPr marL="0" indent="0">
+              <a:buNone/>
+            </a:pPr>
+            <a:r>
+              <a:rPr lang="nl-BE" sz="2400" dirty="0" smtClean="0">
+                <a:solidFill>
+                  <a:schemeClr val="accent4">
+                    <a:lumMod val="50000"/>
+                  </a:schemeClr>
+                </a:solidFill>
+                <a:effectLst>
+                  <a:outerShdw blurRad="76200" dist="38100" dir="5400000" algn="t" rotWithShape="0">
+                    <a:prstClr val="black">
+                      <a:alpha val="27000"/>
+                    </a:prstClr>
+                  </a:outerShdw>
+                </a:effectLst>
+                <a:latin typeface="Sitka Banner" pitchFamily="2" charset="0"/>
+              </a:rPr>
+              <a:t>Group work: </a:t>
+            </a:r>
+            <a:r>
+              <a:rPr lang="nl-BE" sz="2400" dirty="0">
+                <a:solidFill>
+                  <a:schemeClr val="accent4">
+                    <a:lumMod val="50000"/>
+                  </a:schemeClr>
+                </a:solidFill>
+                <a:effectLst>
+                  <a:outerShdw blurRad="76200" dist="38100" dir="5400000" algn="t" rotWithShape="0">
+                    <a:prstClr val="black">
+                      <a:alpha val="27000"/>
+                    </a:prstClr>
+                  </a:outerShdw>
+                </a:effectLst>
+                <a:latin typeface="Sitka Banner" pitchFamily="2" charset="0"/>
+              </a:rPr>
+              <a:t>	</a:t>
+            </a:r>
+            <a:r>
+              <a:rPr lang="nl-BE" sz="2400" dirty="0" smtClean="0">
+                <a:solidFill>
+                  <a:schemeClr val="accent4">
+                    <a:lumMod val="50000"/>
+                  </a:schemeClr>
+                </a:solidFill>
+                <a:effectLst>
+                  <a:outerShdw blurRad="76200" dist="38100" dir="5400000" algn="t" rotWithShape="0">
+                    <a:prstClr val="black">
+                      <a:alpha val="27000"/>
+                    </a:prstClr>
+                  </a:outerShdw>
+                </a:effectLst>
+                <a:latin typeface="Sitka Banner" pitchFamily="2" charset="0"/>
+              </a:rPr>
+              <a:t> 	Individual Work: 	Study: </a:t>
+            </a:r>
+            <a:endParaRPr lang="nl-BE" sz="2400" dirty="0">
+              <a:solidFill>
+                <a:schemeClr val="accent4">
+                  <a:lumMod val="50000"/>
+                </a:schemeClr>
+              </a:solidFill>
+              <a:effectLst>
+                <a:outerShdw blurRad="76200" dist="38100" dir="5400000" algn="t" rotWithShape="0">
+                  <a:prstClr val="black">
+                    <a:alpha val="27000"/>
+                  </a:prstClr>
+                </a:outerShdw>
+              </a:effectLst>
+              <a:latin typeface="Sitka Banner" pitchFamily="2" charset="0"/>
+            </a:endParaRPr>
+          </a:p>
+          <a:p>
+            <a:pPr marL="0" indent="0">
+              <a:buNone/>
+            </a:pPr>
+            <a:r>
+              <a:rPr lang="nl-BE" sz="2700" b="1" cap="small" dirty="0" smtClean="0">
+                <a:latin typeface="Sitka Display" pitchFamily="2" charset="0"/>
+              </a:rPr>
+              <a:t>Laurens </a:t>
+            </a:r>
+            <a:r>
+              <a:rPr lang="nl-BE" sz="2700" b="1" cap="small" dirty="0" err="1" smtClean="0">
+                <a:latin typeface="Sitka Display" pitchFamily="2" charset="0"/>
+              </a:rPr>
+              <a:t>Cleemput</a:t>
+            </a:r>
+            <a:endParaRPr lang="nl-BE" sz="2700" b="1" cap="small" dirty="0" smtClean="0">
+              <a:latin typeface="Sitka Display" pitchFamily="2" charset="0"/>
+            </a:endParaRPr>
+          </a:p>
+          <a:p>
+            <a:pPr marL="0" indent="0">
+              <a:buNone/>
+            </a:pPr>
+            <a:r>
+              <a:rPr lang="nl-BE" sz="2400" dirty="0" smtClean="0">
+                <a:solidFill>
+                  <a:schemeClr val="accent4">
+                    <a:lumMod val="50000"/>
+                  </a:schemeClr>
+                </a:solidFill>
+                <a:effectLst>
+                  <a:outerShdw blurRad="76200" dist="38100" dir="5400000" algn="t" rotWithShape="0">
+                    <a:prstClr val="black">
+                      <a:alpha val="27000"/>
+                    </a:prstClr>
+                  </a:outerShdw>
+                </a:effectLst>
+                <a:latin typeface="Sitka Banner" pitchFamily="2" charset="0"/>
+              </a:rPr>
+              <a:t>Group work: </a:t>
+            </a:r>
+            <a:r>
+              <a:rPr lang="nl-BE" sz="2400" dirty="0">
+                <a:solidFill>
+                  <a:schemeClr val="accent4">
+                    <a:lumMod val="50000"/>
+                  </a:schemeClr>
+                </a:solidFill>
+                <a:effectLst>
+                  <a:outerShdw blurRad="76200" dist="38100" dir="5400000" algn="t" rotWithShape="0">
+                    <a:prstClr val="black">
+                      <a:alpha val="27000"/>
+                    </a:prstClr>
+                  </a:outerShdw>
+                </a:effectLst>
+                <a:latin typeface="Sitka Banner" pitchFamily="2" charset="0"/>
+              </a:rPr>
+              <a:t>	</a:t>
+            </a:r>
+            <a:r>
+              <a:rPr lang="nl-BE" sz="2400" dirty="0" smtClean="0">
+                <a:solidFill>
+                  <a:schemeClr val="accent4">
+                    <a:lumMod val="50000"/>
+                  </a:schemeClr>
+                </a:solidFill>
+                <a:effectLst>
+                  <a:outerShdw blurRad="76200" dist="38100" dir="5400000" algn="t" rotWithShape="0">
+                    <a:prstClr val="black">
+                      <a:alpha val="27000"/>
+                    </a:prstClr>
+                  </a:outerShdw>
+                </a:effectLst>
+                <a:latin typeface="Sitka Banner" pitchFamily="2" charset="0"/>
+              </a:rPr>
+              <a:t> 	Individual Work: 	Study: </a:t>
+            </a:r>
+          </a:p>
+          <a:p>
+            <a:pPr marL="0" indent="0">
+              <a:buNone/>
+            </a:pPr>
+            <a:r>
+              <a:rPr lang="nl-BE" sz="2700" b="1" cap="small" dirty="0" smtClean="0">
+                <a:latin typeface="Sitka Display" pitchFamily="2" charset="0"/>
+              </a:rPr>
+              <a:t>Tom Houben</a:t>
+            </a:r>
+          </a:p>
+          <a:p>
+            <a:pPr marL="0" indent="0">
+              <a:buNone/>
+            </a:pPr>
+            <a:r>
+              <a:rPr lang="nl-BE" sz="2400" dirty="0" smtClean="0">
+                <a:solidFill>
+                  <a:schemeClr val="accent4">
+                    <a:lumMod val="50000"/>
+                  </a:schemeClr>
+                </a:solidFill>
+                <a:effectLst>
+                  <a:outerShdw blurRad="76200" dist="38100" dir="5400000" algn="t" rotWithShape="0">
+                    <a:prstClr val="black">
+                      <a:alpha val="27000"/>
+                    </a:prstClr>
+                  </a:outerShdw>
+                </a:effectLst>
+                <a:latin typeface="Sitka Banner" pitchFamily="2" charset="0"/>
+              </a:rPr>
+              <a:t>Group work:  </a:t>
+            </a:r>
+            <a:r>
+              <a:rPr lang="nl-BE" sz="2400" dirty="0">
+                <a:solidFill>
+                  <a:schemeClr val="accent4">
+                    <a:lumMod val="50000"/>
+                  </a:schemeClr>
+                </a:solidFill>
+                <a:effectLst>
+                  <a:outerShdw blurRad="76200" dist="38100" dir="5400000" algn="t" rotWithShape="0">
+                    <a:prstClr val="black">
+                      <a:alpha val="27000"/>
+                    </a:prstClr>
+                  </a:outerShdw>
+                </a:effectLst>
+                <a:latin typeface="Sitka Banner" pitchFamily="2" charset="0"/>
+              </a:rPr>
+              <a:t>	</a:t>
+            </a:r>
+            <a:r>
+              <a:rPr lang="nl-BE" sz="2400" dirty="0" smtClean="0">
+                <a:solidFill>
+                  <a:schemeClr val="accent4">
+                    <a:lumMod val="50000"/>
+                  </a:schemeClr>
+                </a:solidFill>
+                <a:effectLst>
+                  <a:outerShdw blurRad="76200" dist="38100" dir="5400000" algn="t" rotWithShape="0">
+                    <a:prstClr val="black">
+                      <a:alpha val="27000"/>
+                    </a:prstClr>
+                  </a:outerShdw>
+                </a:effectLst>
+                <a:latin typeface="Sitka Banner" pitchFamily="2" charset="0"/>
+              </a:rPr>
+              <a:t>	Individual Work: 	Study: </a:t>
+            </a:r>
+          </a:p>
+          <a:p>
+            <a:pPr marL="0" indent="0">
+              <a:buNone/>
+            </a:pPr>
+            <a:r>
+              <a:rPr lang="nl-BE" sz="2700" b="1" cap="small" dirty="0" smtClean="0">
+                <a:latin typeface="Sitka Display" pitchFamily="2" charset="0"/>
+              </a:rPr>
+              <a:t>Tri </a:t>
+            </a:r>
+            <a:r>
+              <a:rPr lang="nl-BE" sz="2700" b="1" cap="small" dirty="0" err="1" smtClean="0">
+                <a:latin typeface="Sitka Display" pitchFamily="2" charset="0"/>
+              </a:rPr>
+              <a:t>Tran</a:t>
+            </a:r>
+            <a:endParaRPr lang="nl-BE" sz="2700" b="1" cap="small" dirty="0" smtClean="0">
+              <a:latin typeface="Sitka Display" pitchFamily="2" charset="0"/>
+            </a:endParaRPr>
+          </a:p>
+          <a:p>
+            <a:pPr marL="0" indent="0">
+              <a:buNone/>
+            </a:pPr>
+            <a:r>
+              <a:rPr lang="nl-BE" sz="2400" dirty="0" smtClean="0">
+                <a:solidFill>
+                  <a:schemeClr val="accent4">
+                    <a:lumMod val="50000"/>
+                  </a:schemeClr>
+                </a:solidFill>
+                <a:effectLst>
+                  <a:outerShdw blurRad="76200" dist="38100" dir="5400000" algn="t" rotWithShape="0">
+                    <a:prstClr val="black">
+                      <a:alpha val="27000"/>
+                    </a:prstClr>
+                  </a:outerShdw>
+                </a:effectLst>
+                <a:latin typeface="Sitka Banner" pitchFamily="2" charset="0"/>
+              </a:rPr>
+              <a:t>Group work: </a:t>
+            </a:r>
+            <a:r>
+              <a:rPr lang="nl-BE" sz="2400" dirty="0">
+                <a:solidFill>
+                  <a:schemeClr val="accent4">
+                    <a:lumMod val="50000"/>
+                  </a:schemeClr>
+                </a:solidFill>
+                <a:effectLst>
+                  <a:outerShdw blurRad="76200" dist="38100" dir="5400000" algn="t" rotWithShape="0">
+                    <a:prstClr val="black">
+                      <a:alpha val="27000"/>
+                    </a:prstClr>
+                  </a:outerShdw>
+                </a:effectLst>
+                <a:latin typeface="Sitka Banner" pitchFamily="2" charset="0"/>
+              </a:rPr>
+              <a:t>	</a:t>
+            </a:r>
+            <a:r>
+              <a:rPr lang="nl-BE" sz="2400" dirty="0" smtClean="0">
+                <a:solidFill>
+                  <a:schemeClr val="accent4">
+                    <a:lumMod val="50000"/>
+                  </a:schemeClr>
+                </a:solidFill>
+                <a:effectLst>
+                  <a:outerShdw blurRad="76200" dist="38100" dir="5400000" algn="t" rotWithShape="0">
+                    <a:prstClr val="black">
+                      <a:alpha val="27000"/>
+                    </a:prstClr>
+                  </a:outerShdw>
+                </a:effectLst>
+                <a:latin typeface="Sitka Banner" pitchFamily="2" charset="0"/>
+              </a:rPr>
+              <a:t> 31h	Individual Work: 	Study:  </a:t>
+            </a:r>
+          </a:p>
+          <a:p>
+            <a:pPr marL="0" indent="0">
+              <a:buNone/>
+            </a:pPr>
+            <a:endParaRPr lang="nl-BE" b="1" dirty="0"/>
+          </a:p>
+        </p:txBody>
+      </p:sp>
+    </p:spTree>
+    <p:extLst>
+      <p:ext uri="{BB962C8B-B14F-4D97-AF65-F5344CB8AC3E}">
+        <p14:creationId xmlns:p14="http://schemas.microsoft.com/office/powerpoint/2010/main" xmlns="" val="1581702792"/>
+      </p:ext>
+    </p:extLst>
+  </p:cSld>
+  <p:clrMapOvr>
+    <a:masterClrMapping/>
+  </p:clrMapOvr>
+  <p:transition>
+    <p:fade/>
+  </p:transition>
+  <p:timing>
+    <p:tnLst>
+      <p:par>
+        <p:cTn id="1" dur="indefinite" restart="never" nodeType="tmRoot"/>
+      </p:par>
+    </p:tnLst>
+  </p:timing>
+</p:sld>
+</file>
+
+<file path=ppt/slides/slide2.xml><?xml version="1.0" encoding="utf-8"?>
+<p:sld xmlns:a="http://schemas.openxmlformats.org/drawingml/2006/main" xmlns:r="http://schemas.openxmlformats.org/officeDocument/2006/relationships" xmlns:p="http://schemas.openxmlformats.org/presentationml/2006/main">
+  <p:cSld>
+    <p:spTree>
+      <p:nvGrpSpPr>
+        <p:cNvPr id="1" name=""/>
+        <p:cNvGrpSpPr/>
+        <p:nvPr/>
+      </p:nvGrpSpPr>
+      <p:grpSpPr>
+        <a:xfrm>
+          <a:off x="0" y="0"/>
+          <a:ext cx="0" cy="0"/>
+          <a:chOff x="0" y="0"/>
+          <a:chExt cx="0" cy="0"/>
+        </a:xfrm>
+      </p:grpSpPr>
+      <p:sp>
+        <p:nvSpPr>
+          <p:cNvPr id="2" name="Titel 1"/>
+          <p:cNvSpPr>
+            <a:spLocks noGrp="1"/>
+          </p:cNvSpPr>
+          <p:nvPr>
+            <p:ph type="title"/>
+          </p:nvPr>
+        </p:nvSpPr>
+        <p:spPr>
+          <a:xfrm>
+            <a:off x="457200" y="-27384"/>
+            <a:ext cx="8229600" cy="1143000"/>
+          </a:xfrm>
+        </p:spPr>
+        <p:txBody>
+          <a:bodyPr>
+            <a:normAutofit/>
+          </a:bodyPr>
+          <a:lstStyle/>
+          <a:p>
+            <a:r>
+              <a:rPr lang="nl-BE" sz="3600" cap="small" dirty="0" smtClean="0">
+                <a:ln w="18415" cmpd="sng">
+                  <a:solidFill>
+                    <a:schemeClr val="tx1">
+                      <a:alpha val="0"/>
+                    </a:schemeClr>
+                  </a:solidFill>
+                  <a:prstDash val="solid"/>
+                </a:ln>
+                <a:effectLst>
+                  <a:outerShdw blurRad="25400" dir="3600000" algn="tl" rotWithShape="0">
+                    <a:srgbClr val="000000">
+                      <a:alpha val="70000"/>
+                    </a:srgbClr>
+                  </a:outerShdw>
+                </a:effectLst>
+                <a:latin typeface="Sitka Text" pitchFamily="2" charset="0"/>
+              </a:rPr>
+              <a:t>High Level Design</a:t>
+            </a:r>
+            <a:endParaRPr lang="nl-BE" sz="3600" cap="small" dirty="0">
+              <a:ln w="18415" cmpd="sng">
+                <a:solidFill>
+                  <a:schemeClr val="tx1">
+                    <a:alpha val="0"/>
+                  </a:schemeClr>
+                </a:solidFill>
+                <a:prstDash val="solid"/>
+              </a:ln>
+              <a:effectLst>
+                <a:outerShdw blurRad="25400" dir="3600000" algn="tl" rotWithShape="0">
+                  <a:srgbClr val="000000">
+                    <a:alpha val="70000"/>
+                  </a:srgbClr>
+                </a:outerShdw>
+              </a:effectLst>
+              <a:latin typeface="Sitka Text" pitchFamily="2" charset="0"/>
+            </a:endParaRPr>
+          </a:p>
+        </p:txBody>
+      </p:sp>
+      <p:pic>
+        <p:nvPicPr>
+          <p:cNvPr id="1026" name="Picture 2" descr="C:\Users\Laurens\Documents\IntelliJ Projects\SWOP2016\presentatie\Diagram Images\UML Global Design.png"/>
+          <p:cNvPicPr>
+            <a:picLocks noChangeAspect="1" noChangeArrowheads="1"/>
+          </p:cNvPicPr>
+          <p:nvPr/>
+        </p:nvPicPr>
+        <p:blipFill>
+          <a:blip r:embed="rId2" cstate="print">
+            <a:clrChange>
+              <a:clrFrom>
+                <a:srgbClr val="FFFFFF"/>
+              </a:clrFrom>
+              <a:clrTo>
+                <a:srgbClr val="FFFFFF">
+                  <a:alpha val="0"/>
+                </a:srgbClr>
+              </a:clrTo>
+            </a:clrChange>
+          </a:blip>
+          <a:stretch>
+            <a:fillRect/>
+          </a:stretch>
+        </p:blipFill>
+        <p:spPr bwMode="auto">
+          <a:xfrm>
+            <a:off x="68262" y="1053227"/>
+            <a:ext cx="9075738" cy="5618767"/>
+          </a:xfrm>
+          <a:prstGeom prst="rect">
+            <a:avLst/>
+          </a:prstGeom>
+          <a:noFill/>
+          <a:extLst>
+            <a:ext uri="{909E8E84-426E-40DD-AFC4-6F175D3DCCD1}">
+              <a14:hiddenFill xmlns:a14="http://schemas.microsoft.com/office/drawing/2010/main" xmlns="">
+                <a:solidFill>
+                  <a:srgbClr val="FFFFFF"/>
+                </a:solidFill>
+              </a14:hiddenFill>
+            </a:ext>
+          </a:extLst>
+        </p:spPr>
+      </p:pic>
+      <p:sp>
+        <p:nvSpPr>
+          <p:cNvPr id="3" name="Tekstvak 2"/>
+          <p:cNvSpPr txBox="1"/>
+          <p:nvPr/>
+        </p:nvSpPr>
+        <p:spPr>
+          <a:xfrm>
+            <a:off x="5148064" y="2549728"/>
+            <a:ext cx="3744000" cy="1505903"/>
+          </a:xfrm>
+          <a:prstGeom prst="roundRect">
+            <a:avLst>
+              <a:gd name="adj" fmla="val 4768"/>
+            </a:avLst>
+          </a:prstGeom>
+          <a:noFill/>
+          <a:ln w="6350"/>
+          <a:effectLst/>
+        </p:spPr>
+        <p:style>
+          <a:lnRef idx="2">
+            <a:schemeClr val="dk1"/>
+          </a:lnRef>
+          <a:fillRef idx="1">
+            <a:schemeClr val="lt1"/>
+          </a:fillRef>
+          <a:effectRef idx="0">
+            <a:schemeClr val="dk1"/>
+          </a:effectRef>
+          <a:fontRef idx="minor">
+            <a:schemeClr val="dk1"/>
+          </a:fontRef>
+        </p:style>
+        <p:txBody>
+          <a:bodyPr wrap="square" rtlCol="0">
+            <a:spAutoFit/>
+          </a:bodyPr>
+          <a:lstStyle/>
+          <a:p>
+            <a:pPr marL="285750" indent="-285750">
+              <a:buFont typeface="Arial" panose="020B0604020202020204" pitchFamily="34" charset="0"/>
+              <a:buChar char="•"/>
+            </a:pPr>
+            <a:r>
+              <a:rPr lang="nl-BE" b="1" dirty="0" smtClean="0">
+                <a:latin typeface="Sitka Display" pitchFamily="2" charset="0"/>
+              </a:rPr>
+              <a:t>Algemeen voor alle delen: eerst </a:t>
+            </a:r>
+            <a:r>
+              <a:rPr lang="nl-BE" b="1" dirty="0" err="1" smtClean="0">
+                <a:latin typeface="Sitka Display" pitchFamily="2" charset="0"/>
+              </a:rPr>
+              <a:t>recap</a:t>
+            </a:r>
+            <a:r>
+              <a:rPr lang="nl-BE" b="1" dirty="0" smtClean="0">
+                <a:latin typeface="Sitka Display" pitchFamily="2" charset="0"/>
+              </a:rPr>
+              <a:t> van deel 1 (KORT)</a:t>
+            </a:r>
+          </a:p>
+          <a:p>
+            <a:pPr marL="285750" indent="-285750">
+              <a:buFont typeface="Arial" panose="020B0604020202020204" pitchFamily="34" charset="0"/>
+              <a:buChar char="•"/>
+            </a:pPr>
+            <a:r>
+              <a:rPr lang="nl-BE" b="1" dirty="0" smtClean="0">
+                <a:latin typeface="Sitka Display" pitchFamily="2" charset="0"/>
+              </a:rPr>
+              <a:t>// Laurens //</a:t>
+            </a:r>
+          </a:p>
+          <a:p>
+            <a:pPr marL="285750" indent="-285750">
+              <a:buFont typeface="Arial" panose="020B0604020202020204" pitchFamily="34" charset="0"/>
+              <a:buChar char="•"/>
+            </a:pPr>
+            <a:r>
+              <a:rPr lang="nl-BE" dirty="0" smtClean="0">
+                <a:latin typeface="Sitka Display" pitchFamily="2" charset="0"/>
+              </a:rPr>
+              <a:t>Extra laag met </a:t>
+            </a:r>
+            <a:r>
+              <a:rPr lang="nl-BE" dirty="0" err="1" smtClean="0">
+                <a:latin typeface="Sitka Display" pitchFamily="2" charset="0"/>
+              </a:rPr>
+              <a:t>use</a:t>
+            </a:r>
+            <a:r>
+              <a:rPr lang="nl-BE" dirty="0" smtClean="0">
+                <a:latin typeface="Sitka Display" pitchFamily="2" charset="0"/>
+              </a:rPr>
+              <a:t> cases</a:t>
+            </a:r>
+          </a:p>
+          <a:p>
+            <a:pPr marL="285750" indent="-285750">
+              <a:buFont typeface="Arial" panose="020B0604020202020204" pitchFamily="34" charset="0"/>
+              <a:buChar char="•"/>
+            </a:pPr>
+            <a:r>
+              <a:rPr lang="nl-BE" dirty="0" err="1" smtClean="0">
+                <a:latin typeface="Sitka Display" pitchFamily="2" charset="0"/>
+              </a:rPr>
+              <a:t>Domeinlaag</a:t>
+            </a:r>
+            <a:r>
+              <a:rPr lang="nl-BE" dirty="0" smtClean="0">
+                <a:latin typeface="Sitka Display" pitchFamily="2" charset="0"/>
+              </a:rPr>
+              <a:t>: meer packages</a:t>
+            </a:r>
+            <a:endParaRPr lang="nl-BE" dirty="0">
+              <a:latin typeface="Sitka Display" pitchFamily="2" charset="0"/>
+            </a:endParaRPr>
+          </a:p>
+        </p:txBody>
+      </p:sp>
+    </p:spTree>
+    <p:extLst>
+      <p:ext uri="{BB962C8B-B14F-4D97-AF65-F5344CB8AC3E}">
+        <p14:creationId xmlns:p14="http://schemas.microsoft.com/office/powerpoint/2010/main" xmlns="" val="439526893"/>
+      </p:ext>
+    </p:extLst>
+  </p:cSld>
+  <p:clrMapOvr>
+    <a:masterClrMapping/>
+  </p:clrMapOvr>
+  <p:transition>
+    <p:fade/>
+  </p:transition>
+  <p:timing>
+    <p:tnLst>
+      <p:par>
+        <p:cTn id="1" dur="indefinite" restart="never" nodeType="tmRoot"/>
+      </p:par>
+    </p:tnLst>
+  </p:timing>
+</p:sld>
+</file>
+
+<file path=ppt/slides/slide20.xml><?xml version="1.0" encoding="utf-8"?>
+<p:sld xmlns:a="http://schemas.openxmlformats.org/drawingml/2006/main" xmlns:r="http://schemas.openxmlformats.org/officeDocument/2006/relationships" xmlns:p="http://schemas.openxmlformats.org/presentationml/2006/main">
+  <p:cSld>
+    <p:spTree>
+      <p:nvGrpSpPr>
+        <p:cNvPr id="1" name=""/>
+        <p:cNvGrpSpPr/>
+        <p:nvPr/>
+      </p:nvGrpSpPr>
+      <p:grpSpPr>
+        <a:xfrm>
+          <a:off x="0" y="0"/>
+          <a:ext cx="0" cy="0"/>
+          <a:chOff x="0" y="0"/>
+          <a:chExt cx="0" cy="0"/>
+        </a:xfrm>
+      </p:grpSpPr>
       <p:graphicFrame>
         <p:nvGraphicFramePr>
           <p:cNvPr id="7" name="Content Placeholder 6"/>
@@ -5044,7 +5860,7 @@
             <p:ph idx="1"/>
             <p:extLst>
               <p:ext uri="{D42A27DB-BD31-4B8C-83A1-F6EECF244321}">
-                <p14:modId xmlns:p14="http://schemas.microsoft.com/office/powerpoint/2010/main" val="3072315139"/>
+                <p14:modId xmlns:p14="http://schemas.microsoft.com/office/powerpoint/2010/main" xmlns="" val="3072315139"/>
               </p:ext>
             </p:extLst>
           </p:nvPr>
@@ -5063,28 +5879,28 @@
                 <a:gridCol w="2057400">
                   <a:extLst>
                     <a:ext uri="{9D8B030D-6E8A-4147-A177-3AD203B41FA5}">
-                      <a16:colId xmlns:a16="http://schemas.microsoft.com/office/drawing/2014/main" xmlns="" val="4022630451"/>
+                      <a16:colId xmlns="" xmlns:a16="http://schemas.microsoft.com/office/drawing/2014/main" val="4022630451"/>
                     </a:ext>
                   </a:extLst>
                 </a:gridCol>
                 <a:gridCol w="2057400">
                   <a:extLst>
                     <a:ext uri="{9D8B030D-6E8A-4147-A177-3AD203B41FA5}">
-                      <a16:colId xmlns:a16="http://schemas.microsoft.com/office/drawing/2014/main" xmlns="" val="1276862258"/>
+                      <a16:colId xmlns="" xmlns:a16="http://schemas.microsoft.com/office/drawing/2014/main" val="1276862258"/>
                     </a:ext>
                   </a:extLst>
                 </a:gridCol>
                 <a:gridCol w="2057400">
                   <a:extLst>
                     <a:ext uri="{9D8B030D-6E8A-4147-A177-3AD203B41FA5}">
-                      <a16:colId xmlns:a16="http://schemas.microsoft.com/office/drawing/2014/main" xmlns="" val="670422697"/>
+                      <a16:colId xmlns="" xmlns:a16="http://schemas.microsoft.com/office/drawing/2014/main" val="670422697"/>
                     </a:ext>
                   </a:extLst>
                 </a:gridCol>
                 <a:gridCol w="2057400">
                   <a:extLst>
                     <a:ext uri="{9D8B030D-6E8A-4147-A177-3AD203B41FA5}">
-                      <a16:colId xmlns:a16="http://schemas.microsoft.com/office/drawing/2014/main" xmlns="" val="3836214712"/>
+                      <a16:colId xmlns="" xmlns:a16="http://schemas.microsoft.com/office/drawing/2014/main" val="3836214712"/>
                     </a:ext>
                   </a:extLst>
                 </a:gridCol>
@@ -5156,7 +5972,7 @@
                 </a:tc>
                 <a:extLst>
                   <a:ext uri="{0D108BD9-81ED-4DB2-BD59-A6C34878D82A}">
-                    <a16:rowId xmlns:a16="http://schemas.microsoft.com/office/drawing/2014/main" xmlns="" val="2789307922"/>
+                    <a16:rowId xmlns="" xmlns:a16="http://schemas.microsoft.com/office/drawing/2014/main" val="2789307922"/>
                   </a:ext>
                 </a:extLst>
               </a:tr>
@@ -5272,7 +6088,7 @@
                 </a:tc>
                 <a:extLst>
                   <a:ext uri="{0D108BD9-81ED-4DB2-BD59-A6C34878D82A}">
-                    <a16:rowId xmlns:a16="http://schemas.microsoft.com/office/drawing/2014/main" xmlns="" val="3498730236"/>
+                    <a16:rowId xmlns="" xmlns:a16="http://schemas.microsoft.com/office/drawing/2014/main" val="3498730236"/>
                   </a:ext>
                 </a:extLst>
               </a:tr>
@@ -5343,7 +6159,7 @@
                 </a:tc>
                 <a:extLst>
                   <a:ext uri="{0D108BD9-81ED-4DB2-BD59-A6C34878D82A}">
-                    <a16:rowId xmlns:a16="http://schemas.microsoft.com/office/drawing/2014/main" xmlns="" val="4013628509"/>
+                    <a16:rowId xmlns="" xmlns:a16="http://schemas.microsoft.com/office/drawing/2014/main" val="4013628509"/>
                   </a:ext>
                 </a:extLst>
               </a:tr>
@@ -5418,7 +6234,7 @@
                 </a:tc>
                 <a:extLst>
                   <a:ext uri="{0D108BD9-81ED-4DB2-BD59-A6C34878D82A}">
-                    <a16:rowId xmlns:a16="http://schemas.microsoft.com/office/drawing/2014/main" xmlns="" val="1545046261"/>
+                    <a16:rowId xmlns="" xmlns:a16="http://schemas.microsoft.com/office/drawing/2014/main" val="1545046261"/>
                   </a:ext>
                 </a:extLst>
               </a:tr>
@@ -5509,278 +6325,7 @@
     </p:spTree>
     <p:extLst>
       <p:ext uri="{BB962C8B-B14F-4D97-AF65-F5344CB8AC3E}">
-        <p14:creationId xmlns:p14="http://schemas.microsoft.com/office/powerpoint/2010/main" val="152465229"/>
-      </p:ext>
-    </p:extLst>
-  </p:cSld>
-  <p:clrMapOvr>
-    <a:masterClrMapping/>
-  </p:clrMapOvr>
-  <p:transition>
-    <p:fade/>
-  </p:transition>
-  <p:timing>
-    <p:tnLst>
-      <p:par>
-        <p:cTn id="1" dur="indefinite" restart="never" nodeType="tmRoot"/>
-      </p:par>
-    </p:tnLst>
-  </p:timing>
-</p:sld>
-</file>
-
-<file path=ppt/slides/slide2.xml><?xml version="1.0" encoding="utf-8"?>
-<p:sld xmlns:a="http://schemas.openxmlformats.org/drawingml/2006/main" xmlns:r="http://schemas.openxmlformats.org/officeDocument/2006/relationships" xmlns:p="http://schemas.openxmlformats.org/presentationml/2006/main">
-  <p:cSld>
-    <p:spTree>
-      <p:nvGrpSpPr>
-        <p:cNvPr id="1" name=""/>
-        <p:cNvGrpSpPr/>
-        <p:nvPr/>
-      </p:nvGrpSpPr>
-      <p:grpSpPr>
-        <a:xfrm>
-          <a:off x="0" y="0"/>
-          <a:ext cx="0" cy="0"/>
-          <a:chOff x="0" y="0"/>
-          <a:chExt cx="0" cy="0"/>
-        </a:xfrm>
-      </p:grpSpPr>
-      <p:sp>
-        <p:nvSpPr>
-          <p:cNvPr id="2" name="Titel 1"/>
-          <p:cNvSpPr>
-            <a:spLocks noGrp="1"/>
-          </p:cNvSpPr>
-          <p:nvPr>
-            <p:ph type="title"/>
-          </p:nvPr>
-        </p:nvSpPr>
-        <p:spPr>
-          <a:xfrm>
-            <a:off x="457200" y="-27384"/>
-            <a:ext cx="8229600" cy="1143000"/>
-          </a:xfrm>
-        </p:spPr>
-        <p:txBody>
-          <a:bodyPr>
-            <a:normAutofit/>
-          </a:bodyPr>
-          <a:lstStyle/>
-          <a:p>
-            <a:r>
-              <a:rPr lang="nl-BE" sz="3600" cap="small" dirty="0" smtClean="0">
-                <a:ln w="18415" cmpd="sng">
-                  <a:solidFill>
-                    <a:schemeClr val="tx1">
-                      <a:alpha val="0"/>
-                    </a:schemeClr>
-                  </a:solidFill>
-                  <a:prstDash val="solid"/>
-                </a:ln>
-                <a:effectLst>
-                  <a:outerShdw blurRad="25400" dir="3600000" algn="tl" rotWithShape="0">
-                    <a:srgbClr val="000000">
-                      <a:alpha val="70000"/>
-                    </a:srgbClr>
-                  </a:outerShdw>
-                </a:effectLst>
-                <a:latin typeface="Sitka Text" pitchFamily="2" charset="0"/>
-              </a:rPr>
-              <a:t>High Level Design</a:t>
-            </a:r>
-            <a:endParaRPr lang="nl-BE" sz="3600" cap="small" dirty="0">
-              <a:ln w="18415" cmpd="sng">
-                <a:solidFill>
-                  <a:schemeClr val="tx1">
-                    <a:alpha val="0"/>
-                  </a:schemeClr>
-                </a:solidFill>
-                <a:prstDash val="solid"/>
-              </a:ln>
-              <a:effectLst>
-                <a:outerShdw blurRad="25400" dir="3600000" algn="tl" rotWithShape="0">
-                  <a:srgbClr val="000000">
-                    <a:alpha val="70000"/>
-                  </a:srgbClr>
-                </a:outerShdw>
-              </a:effectLst>
-              <a:latin typeface="Sitka Text" pitchFamily="2" charset="0"/>
-            </a:endParaRPr>
-          </a:p>
-        </p:txBody>
-      </p:sp>
-      <p:pic>
-        <p:nvPicPr>
-          <p:cNvPr id="1026" name="Picture 2" descr="C:\Users\Laurens\Documents\IntelliJ Projects\SWOP2016\presentatie\Diagram Images\UML Global Design.png"/>
-          <p:cNvPicPr>
-            <a:picLocks noChangeAspect="1" noChangeArrowheads="1"/>
-          </p:cNvPicPr>
-          <p:nvPr/>
-        </p:nvPicPr>
-        <p:blipFill>
-          <a:blip r:embed="rId2" cstate="print">
-            <a:clrChange>
-              <a:clrFrom>
-                <a:srgbClr val="FFFFFF"/>
-              </a:clrFrom>
-              <a:clrTo>
-                <a:srgbClr val="FFFFFF">
-                  <a:alpha val="0"/>
-                </a:srgbClr>
-              </a:clrTo>
-            </a:clrChange>
-          </a:blip>
-          <a:stretch>
-            <a:fillRect/>
-          </a:stretch>
-        </p:blipFill>
-        <p:spPr bwMode="auto">
-          <a:xfrm>
-            <a:off x="68262" y="1053227"/>
-            <a:ext cx="9075738" cy="5618767"/>
-          </a:xfrm>
-          <a:prstGeom prst="rect">
-            <a:avLst/>
-          </a:prstGeom>
-          <a:noFill/>
-          <a:extLst>
-            <a:ext uri="{909E8E84-426E-40DD-AFC4-6F175D3DCCD1}">
-              <a14:hiddenFill xmlns:a14="http://schemas.microsoft.com/office/drawing/2010/main">
-                <a:solidFill>
-                  <a:srgbClr val="FFFFFF"/>
-                </a:solidFill>
-              </a14:hiddenFill>
-            </a:ext>
-          </a:extLst>
-        </p:spPr>
-      </p:pic>
-      <p:sp>
-        <p:nvSpPr>
-          <p:cNvPr id="3" name="Tekstvak 2"/>
-          <p:cNvSpPr txBox="1"/>
-          <p:nvPr/>
-        </p:nvSpPr>
-        <p:spPr>
-          <a:xfrm>
-            <a:off x="5148064" y="2549728"/>
-            <a:ext cx="3744000" cy="1505903"/>
-          </a:xfrm>
-          <a:prstGeom prst="roundRect">
-            <a:avLst>
-              <a:gd name="adj" fmla="val 4768"/>
-            </a:avLst>
-          </a:prstGeom>
-          <a:noFill/>
-          <a:ln w="6350"/>
-          <a:effectLst/>
-        </p:spPr>
-        <p:style>
-          <a:lnRef idx="2">
-            <a:schemeClr val="dk1"/>
-          </a:lnRef>
-          <a:fillRef idx="1">
-            <a:schemeClr val="lt1"/>
-          </a:fillRef>
-          <a:effectRef idx="0">
-            <a:schemeClr val="dk1"/>
-          </a:effectRef>
-          <a:fontRef idx="minor">
-            <a:schemeClr val="dk1"/>
-          </a:fontRef>
-        </p:style>
-        <p:txBody>
-          <a:bodyPr wrap="square" rtlCol="0">
-            <a:spAutoFit/>
-          </a:bodyPr>
-          <a:lstStyle/>
-          <a:p>
-            <a:pPr marL="285750" indent="-285750">
-              <a:buFont typeface="Arial" panose="020B0604020202020204" pitchFamily="34" charset="0"/>
-              <a:buChar char="•"/>
-            </a:pPr>
-            <a:r>
-              <a:rPr lang="nl-BE" b="1" dirty="0" smtClean="0">
-                <a:latin typeface="Sitka Display" pitchFamily="2" charset="0"/>
-              </a:rPr>
-              <a:t>Algemeen voor alle delen: eerst </a:t>
-            </a:r>
-            <a:r>
-              <a:rPr lang="nl-BE" b="1" dirty="0" err="1" smtClean="0">
-                <a:latin typeface="Sitka Display" pitchFamily="2" charset="0"/>
-              </a:rPr>
-              <a:t>recap</a:t>
-            </a:r>
-            <a:r>
-              <a:rPr lang="nl-BE" b="1" dirty="0" smtClean="0">
-                <a:latin typeface="Sitka Display" pitchFamily="2" charset="0"/>
-              </a:rPr>
-              <a:t> van deel 1 (KORT)</a:t>
-            </a:r>
-          </a:p>
-          <a:p>
-            <a:pPr marL="285750" indent="-285750">
-              <a:buFont typeface="Arial" panose="020B0604020202020204" pitchFamily="34" charset="0"/>
-              <a:buChar char="•"/>
-            </a:pPr>
-            <a:r>
-              <a:rPr lang="nl-BE" b="1" dirty="0" smtClean="0">
-                <a:latin typeface="Sitka Display" pitchFamily="2" charset="0"/>
-              </a:rPr>
-              <a:t>// Laurens //</a:t>
-            </a:r>
-          </a:p>
-          <a:p>
-            <a:pPr marL="285750" indent="-285750">
-              <a:buFont typeface="Arial" panose="020B0604020202020204" pitchFamily="34" charset="0"/>
-              <a:buChar char="•"/>
-            </a:pPr>
-            <a:r>
-              <a:rPr lang="nl-BE" dirty="0" smtClean="0">
-                <a:latin typeface="Sitka Display" pitchFamily="2" charset="0"/>
-              </a:rPr>
-              <a:t>Extra laag met </a:t>
-            </a:r>
-            <a:r>
-              <a:rPr lang="nl-BE" dirty="0" err="1" smtClean="0">
-                <a:latin typeface="Sitka Display" pitchFamily="2" charset="0"/>
-              </a:rPr>
-              <a:t>use</a:t>
-            </a:r>
-            <a:r>
-              <a:rPr lang="nl-BE" dirty="0" smtClean="0">
-                <a:latin typeface="Sitka Display" pitchFamily="2" charset="0"/>
-              </a:rPr>
-              <a:t> cases</a:t>
-            </a:r>
-          </a:p>
-          <a:p>
-            <a:pPr marL="285750" indent="-285750">
-              <a:buFont typeface="Arial" panose="020B0604020202020204" pitchFamily="34" charset="0"/>
-              <a:buChar char="•"/>
-            </a:pPr>
-            <a:r>
-              <a:rPr lang="nl-BE" dirty="0" err="1" smtClean="0">
-                <a:latin typeface="Sitka Display" pitchFamily="2" charset="0"/>
-              </a:rPr>
-              <a:t>Domeinlaag</a:t>
-            </a:r>
-            <a:r>
-              <a:rPr lang="nl-BE" dirty="0" smtClean="0">
-                <a:latin typeface="Sitka Display" pitchFamily="2" charset="0"/>
-              </a:rPr>
-              <a:t>: meer packages</a:t>
-            </a:r>
-            <a:endParaRPr lang="nl-BE" dirty="0">
-              <a:latin typeface="Sitka Display" pitchFamily="2" charset="0"/>
-            </a:endParaRPr>
-          </a:p>
-        </p:txBody>
-      </p:sp>
-    </p:spTree>
-    <p:extLst>
-      <p:ext uri="{BB962C8B-B14F-4D97-AF65-F5344CB8AC3E}">
-        <p14:creationId xmlns:p14="http://schemas.microsoft.com/office/powerpoint/2010/main" val="439526893"/>
+        <p14:creationId xmlns:p14="http://schemas.microsoft.com/office/powerpoint/2010/main" xmlns="" val="152465229"/>
       </p:ext>
     </p:extLst>
   </p:cSld>
@@ -5979,68 +6524,17 @@
               <a:rPr lang="nl-BE" sz="2800" dirty="0" smtClean="0">
                 <a:latin typeface="Sitka Display" pitchFamily="2" charset="0"/>
               </a:rPr>
-              <a:t>Uitleg over structuur van </a:t>
-            </a:r>
-            <a:r>
-              <a:rPr lang="nl-BE" sz="2800" dirty="0" err="1" smtClean="0">
-                <a:latin typeface="Sitka Display" pitchFamily="2" charset="0"/>
-              </a:rPr>
-              <a:t>use</a:t>
+              <a:t>Uitleg over structuur van use cases (bij extensibility use case toevoegen op uml) + eerste deel van use case SD laten zien tot run</a:t>
             </a:r>
             <a:r>
               <a:rPr lang="nl-BE" sz="2800" dirty="0" smtClean="0">
                 <a:latin typeface="Sitka Display" pitchFamily="2" charset="0"/>
               </a:rPr>
-              <a:t> cases (bij </a:t>
-            </a:r>
-            <a:r>
-              <a:rPr lang="nl-BE" sz="2800" dirty="0" err="1" smtClean="0">
-                <a:latin typeface="Sitka Display" pitchFamily="2" charset="0"/>
-              </a:rPr>
-              <a:t>extensibility</a:t>
-            </a:r>
-            <a:r>
-              <a:rPr lang="nl-BE" sz="2800" dirty="0" smtClean="0">
-                <a:latin typeface="Sitka Display" pitchFamily="2" charset="0"/>
-              </a:rPr>
-              <a:t> </a:t>
-            </a:r>
-            <a:r>
-              <a:rPr lang="nl-BE" sz="2800" dirty="0" err="1" smtClean="0">
-                <a:latin typeface="Sitka Display" pitchFamily="2" charset="0"/>
-              </a:rPr>
-              <a:t>use</a:t>
-            </a:r>
-            <a:r>
-              <a:rPr lang="nl-BE" sz="2800" dirty="0" smtClean="0">
-                <a:latin typeface="Sitka Display" pitchFamily="2" charset="0"/>
-              </a:rPr>
-              <a:t> case toevoegen op </a:t>
-            </a:r>
-            <a:r>
-              <a:rPr lang="nl-BE" sz="2800" dirty="0" err="1" smtClean="0">
-                <a:latin typeface="Sitka Display" pitchFamily="2" charset="0"/>
-              </a:rPr>
-              <a:t>uml</a:t>
-            </a:r>
-            <a:r>
-              <a:rPr lang="nl-BE" sz="2800" dirty="0" smtClean="0">
-                <a:latin typeface="Sitka Display" pitchFamily="2" charset="0"/>
-              </a:rPr>
-              <a:t>) + eerste deel van </a:t>
-            </a:r>
-            <a:r>
-              <a:rPr lang="nl-BE" sz="2800" dirty="0" err="1" smtClean="0">
-                <a:latin typeface="Sitka Display" pitchFamily="2" charset="0"/>
-              </a:rPr>
-              <a:t>use</a:t>
-            </a:r>
-            <a:r>
-              <a:rPr lang="nl-BE" sz="2800" dirty="0" smtClean="0">
-                <a:latin typeface="Sitka Display" pitchFamily="2" charset="0"/>
-              </a:rPr>
-              <a:t> case SD laten zien tot run() + dikke BMW</a:t>
-            </a:r>
+              <a:t>()</a:t>
+            </a:r>
+            <a:endParaRPr lang="nl-BE" sz="2800" dirty="0" smtClean="0">
+              <a:latin typeface="Sitka Display" pitchFamily="2" charset="0"/>
+            </a:endParaRPr>
           </a:p>
           <a:p>
             <a:pPr marL="0" indent="0">
@@ -6152,7 +6646,7 @@
     </p:spTree>
     <p:extLst>
       <p:ext uri="{BB962C8B-B14F-4D97-AF65-F5344CB8AC3E}">
-        <p14:creationId xmlns:p14="http://schemas.microsoft.com/office/powerpoint/2010/main" val="983478496"/>
+        <p14:creationId xmlns:p14="http://schemas.microsoft.com/office/powerpoint/2010/main" xmlns="" val="983478496"/>
       </p:ext>
     </p:extLst>
   </p:cSld>
@@ -6173,6 +6667,311 @@
 </file>
 
 <file path=ppt/slides/slide4.xml><?xml version="1.0" encoding="utf-8"?>
+<p:sld xmlns:a="http://schemas.openxmlformats.org/drawingml/2006/main" xmlns:r="http://schemas.openxmlformats.org/officeDocument/2006/relationships" xmlns:p="http://schemas.openxmlformats.org/presentationml/2006/main">
+  <p:cSld>
+    <p:bg>
+      <p:bgPr>
+        <a:gradFill flip="none" rotWithShape="1">
+          <a:gsLst>
+            <a:gs pos="0">
+              <a:srgbClr val="FFEFD1">
+                <a:alpha val="75000"/>
+              </a:srgbClr>
+            </a:gs>
+            <a:gs pos="64999">
+              <a:schemeClr val="bg1">
+                <a:lumMod val="95000"/>
+                <a:alpha val="83000"/>
+              </a:schemeClr>
+            </a:gs>
+            <a:gs pos="100000">
+              <a:schemeClr val="accent4">
+                <a:lumMod val="20000"/>
+                <a:lumOff val="80000"/>
+                <a:alpha val="60000"/>
+              </a:schemeClr>
+            </a:gs>
+          </a:gsLst>
+          <a:lin ang="5400000" scaled="0"/>
+          <a:tileRect/>
+        </a:gradFill>
+        <a:effectLst/>
+      </p:bgPr>
+    </p:bg>
+    <p:spTree>
+      <p:nvGrpSpPr>
+        <p:cNvPr id="1" name=""/>
+        <p:cNvGrpSpPr/>
+        <p:nvPr/>
+      </p:nvGrpSpPr>
+      <p:grpSpPr>
+        <a:xfrm>
+          <a:off x="0" y="0"/>
+          <a:ext cx="0" cy="0"/>
+          <a:chOff x="0" y="0"/>
+          <a:chExt cx="0" cy="0"/>
+        </a:xfrm>
+      </p:grpSpPr>
+      <p:sp>
+        <p:nvSpPr>
+          <p:cNvPr id="2" name="Titel 1"/>
+          <p:cNvSpPr>
+            <a:spLocks noGrp="1"/>
+          </p:cNvSpPr>
+          <p:nvPr>
+            <p:ph type="title"/>
+          </p:nvPr>
+        </p:nvSpPr>
+        <p:spPr/>
+        <p:txBody>
+          <a:bodyPr/>
+          <a:lstStyle/>
+          <a:p>
+            <a:r>
+              <a:rPr lang="nl-BE" sz="3600" cap="small" dirty="0" smtClean="0">
+                <a:ln w="18415" cmpd="sng">
+                  <a:solidFill>
+                    <a:schemeClr val="tx1">
+                      <a:alpha val="0"/>
+                    </a:schemeClr>
+                  </a:solidFill>
+                  <a:prstDash val="solid"/>
+                </a:ln>
+                <a:effectLst>
+                  <a:outerShdw blurRad="25400" dir="3600000" algn="tl" rotWithShape="0">
+                    <a:srgbClr val="000000">
+                      <a:alpha val="70000"/>
+                    </a:srgbClr>
+                  </a:outerShdw>
+                </a:effectLst>
+                <a:latin typeface="Sitka Text" pitchFamily="2" charset="0"/>
+              </a:rPr>
+              <a:t>Use Cases</a:t>
+            </a:r>
+            <a:endParaRPr lang="en-GB" sz="3600" cap="small" dirty="0" smtClean="0">
+              <a:ln w="18415" cmpd="sng">
+                <a:solidFill>
+                  <a:schemeClr val="tx1">
+                    <a:alpha val="0"/>
+                  </a:schemeClr>
+                </a:solidFill>
+                <a:prstDash val="solid"/>
+              </a:ln>
+              <a:effectLst>
+                <a:outerShdw blurRad="25400" dir="3600000" algn="tl" rotWithShape="0">
+                  <a:srgbClr val="000000">
+                    <a:alpha val="70000"/>
+                  </a:srgbClr>
+                </a:outerShdw>
+              </a:effectLst>
+              <a:latin typeface="Sitka Text" pitchFamily="2" charset="0"/>
+            </a:endParaRPr>
+          </a:p>
+        </p:txBody>
+      </p:sp>
+      <p:pic>
+        <p:nvPicPr>
+          <p:cNvPr id="4" name="Grafik 3" descr="Controllers.png"/>
+          <p:cNvPicPr>
+            <a:picLocks noChangeAspect="1"/>
+          </p:cNvPicPr>
+          <p:nvPr/>
+        </p:nvPicPr>
+        <p:blipFill>
+          <a:blip r:embed="rId3" cstate="print">
+            <a:clrChange>
+              <a:clrFrom>
+                <a:srgbClr val="FFFFFF"/>
+              </a:clrFrom>
+              <a:clrTo>
+                <a:srgbClr val="FFFFFF">
+                  <a:alpha val="0"/>
+                </a:srgbClr>
+              </a:clrTo>
+            </a:clrChange>
+          </a:blip>
+          <a:stretch>
+            <a:fillRect/>
+          </a:stretch>
+        </p:blipFill>
+        <p:spPr>
+          <a:xfrm>
+            <a:off x="755576" y="1700808"/>
+            <a:ext cx="2600000" cy="4057143"/>
+          </a:xfrm>
+          <a:prstGeom prst="rect">
+            <a:avLst/>
+          </a:prstGeom>
+        </p:spPr>
+      </p:pic>
+      <p:pic>
+        <p:nvPicPr>
+          <p:cNvPr id="5" name="Grafik 4" descr="UseCaseDirectories.png"/>
+          <p:cNvPicPr>
+            <a:picLocks noChangeAspect="1"/>
+          </p:cNvPicPr>
+          <p:nvPr/>
+        </p:nvPicPr>
+        <p:blipFill>
+          <a:blip r:embed="rId4" cstate="print">
+            <a:clrChange>
+              <a:clrFrom>
+                <a:srgbClr val="FFFFFF"/>
+              </a:clrFrom>
+              <a:clrTo>
+                <a:srgbClr val="FFFFFF">
+                  <a:alpha val="0"/>
+                </a:srgbClr>
+              </a:clrTo>
+            </a:clrChange>
+          </a:blip>
+          <a:stretch>
+            <a:fillRect/>
+          </a:stretch>
+        </p:blipFill>
+        <p:spPr>
+          <a:xfrm>
+            <a:off x="3995936" y="1340768"/>
+            <a:ext cx="4571429" cy="4552381"/>
+          </a:xfrm>
+          <a:prstGeom prst="rect">
+            <a:avLst/>
+          </a:prstGeom>
+        </p:spPr>
+      </p:pic>
+    </p:spTree>
+  </p:cSld>
+  <p:clrMapOvr>
+    <a:overrideClrMapping bg1="lt1" tx1="dk1" bg2="lt2" tx2="dk2" accent1="accent1" accent2="accent2" accent3="accent3" accent4="accent4" accent5="accent5" accent6="accent6" hlink="hlink" folHlink="folHlink"/>
+  </p:clrMapOvr>
+  <p:transition>
+    <p:fade/>
+  </p:transition>
+</p:sld>
+</file>
+
+<file path=ppt/slides/slide5.xml><?xml version="1.0" encoding="utf-8"?>
+<p:sld xmlns:a="http://schemas.openxmlformats.org/drawingml/2006/main" xmlns:r="http://schemas.openxmlformats.org/officeDocument/2006/relationships" xmlns:p="http://schemas.openxmlformats.org/presentationml/2006/main">
+  <p:cSld>
+    <p:spTree>
+      <p:nvGrpSpPr>
+        <p:cNvPr id="1" name=""/>
+        <p:cNvGrpSpPr/>
+        <p:nvPr/>
+      </p:nvGrpSpPr>
+      <p:grpSpPr>
+        <a:xfrm>
+          <a:off x="0" y="0"/>
+          <a:ext cx="0" cy="0"/>
+          <a:chOff x="0" y="0"/>
+          <a:chExt cx="0" cy="0"/>
+        </a:xfrm>
+      </p:grpSpPr>
+      <p:sp>
+        <p:nvSpPr>
+          <p:cNvPr id="2" name="Titel 1"/>
+          <p:cNvSpPr>
+            <a:spLocks noGrp="1"/>
+          </p:cNvSpPr>
+          <p:nvPr>
+            <p:ph type="title"/>
+          </p:nvPr>
+        </p:nvSpPr>
+        <p:spPr/>
+        <p:txBody>
+          <a:bodyPr>
+            <a:normAutofit/>
+          </a:bodyPr>
+          <a:lstStyle/>
+          <a:p>
+            <a:r>
+              <a:rPr lang="nl-BE" sz="3600" cap="small" smtClean="0">
+                <a:ln w="18415" cmpd="sng">
+                  <a:solidFill>
+                    <a:schemeClr val="tx1">
+                      <a:alpha val="0"/>
+                    </a:schemeClr>
+                  </a:solidFill>
+                  <a:prstDash val="solid"/>
+                </a:ln>
+                <a:effectLst>
+                  <a:outerShdw blurRad="25400" dir="3600000" algn="tl" rotWithShape="0">
+                    <a:srgbClr val="000000">
+                      <a:alpha val="70000"/>
+                    </a:srgbClr>
+                  </a:outerShdw>
+                </a:effectLst>
+                <a:latin typeface="Sitka Text" pitchFamily="2" charset="0"/>
+              </a:rPr>
+              <a:t>Use Cases: Example</a:t>
+            </a:r>
+            <a:endParaRPr lang="en-GB" sz="3600" cap="small" dirty="0" smtClean="0">
+              <a:ln w="18415" cmpd="sng">
+                <a:solidFill>
+                  <a:schemeClr val="tx1">
+                    <a:alpha val="0"/>
+                  </a:schemeClr>
+                </a:solidFill>
+                <a:prstDash val="solid"/>
+              </a:ln>
+              <a:effectLst>
+                <a:outerShdw blurRad="25400" dir="3600000" algn="tl" rotWithShape="0">
+                  <a:srgbClr val="000000">
+                    <a:alpha val="70000"/>
+                  </a:srgbClr>
+                </a:outerShdw>
+              </a:effectLst>
+              <a:latin typeface="Sitka Text" pitchFamily="2" charset="0"/>
+            </a:endParaRPr>
+          </a:p>
+        </p:txBody>
+      </p:sp>
+      <p:pic>
+        <p:nvPicPr>
+          <p:cNvPr id="5" name="Inhaltsplatzhalter 4" descr="IssuerUseCaseExample.png"/>
+          <p:cNvPicPr>
+            <a:picLocks noGrp="1" noChangeAspect="1"/>
+          </p:cNvPicPr>
+          <p:nvPr>
+            <p:ph idx="1"/>
+          </p:nvPr>
+        </p:nvPicPr>
+        <p:blipFill>
+          <a:blip r:embed="rId2" cstate="print">
+            <a:clrChange>
+              <a:clrFrom>
+                <a:srgbClr val="FFFFFF"/>
+              </a:clrFrom>
+              <a:clrTo>
+                <a:srgbClr val="FFFFFF">
+                  <a:alpha val="0"/>
+                </a:srgbClr>
+              </a:clrTo>
+            </a:clrChange>
+          </a:blip>
+          <a:stretch>
+            <a:fillRect/>
+          </a:stretch>
+        </p:blipFill>
+        <p:spPr>
+          <a:xfrm>
+            <a:off x="2788138" y="1484784"/>
+            <a:ext cx="3567725" cy="4525963"/>
+          </a:xfrm>
+        </p:spPr>
+      </p:pic>
+    </p:spTree>
+  </p:cSld>
+  <p:clrMapOvr>
+    <a:masterClrMapping/>
+  </p:clrMapOvr>
+  <p:transition>
+    <p:fade/>
+  </p:transition>
+</p:sld>
+</file>
+
+<file path=ppt/slides/slide6.xml><?xml version="1.0" encoding="utf-8"?>
 <p:sld xmlns:a="http://schemas.openxmlformats.org/drawingml/2006/main" xmlns:r="http://schemas.openxmlformats.org/officeDocument/2006/relationships" xmlns:p="http://schemas.openxmlformats.org/presentationml/2006/main">
   <p:cSld>
     <p:spTree>
@@ -6354,7 +7153,7 @@
     </p:spTree>
     <p:extLst>
       <p:ext uri="{BB962C8B-B14F-4D97-AF65-F5344CB8AC3E}">
-        <p14:creationId xmlns:p14="http://schemas.microsoft.com/office/powerpoint/2010/main" val="467284758"/>
+        <p14:creationId xmlns:p14="http://schemas.microsoft.com/office/powerpoint/2010/main" xmlns="" val="467284758"/>
       </p:ext>
     </p:extLst>
   </p:cSld>
@@ -6367,7 +7166,7 @@
 </p:sld>
 </file>
 
-<file path=ppt/slides/slide5.xml><?xml version="1.0" encoding="utf-8"?>
+<file path=ppt/slides/slide7.xml><?xml version="1.0" encoding="utf-8"?>
 <p:sld xmlns:a="http://schemas.openxmlformats.org/drawingml/2006/main" xmlns:r="http://schemas.openxmlformats.org/officeDocument/2006/relationships" xmlns:p="http://schemas.openxmlformats.org/presentationml/2006/main">
   <p:cSld>
     <p:spTree>
@@ -6452,7 +7251,7 @@
           <p:nvPr/>
         </p:nvPicPr>
         <p:blipFill>
-          <a:blip r:embed="rId2">
+          <a:blip r:embed="rId2" cstate="print">
             <a:clrChange>
               <a:clrFrom>
                 <a:srgbClr val="FFFFFF"/>
@@ -6465,7 +7264,7 @@
             </a:clrChange>
             <a:extLst>
               <a:ext uri="{28A0092B-C50C-407E-A947-70E740481C1C}">
-                <a14:useLocalDpi xmlns:a14="http://schemas.microsoft.com/office/drawing/2010/main" val="0"/>
+                <a14:useLocalDpi xmlns:a14="http://schemas.microsoft.com/office/drawing/2010/main" xmlns="" val="0"/>
               </a:ext>
             </a:extLst>
           </a:blip>
@@ -6532,7 +7331,7 @@
     </p:spTree>
     <p:extLst>
       <p:ext uri="{BB962C8B-B14F-4D97-AF65-F5344CB8AC3E}">
-        <p14:creationId xmlns:p14="http://schemas.microsoft.com/office/powerpoint/2010/main" val="307230627"/>
+        <p14:creationId xmlns:p14="http://schemas.microsoft.com/office/powerpoint/2010/main" xmlns="" val="307230627"/>
       </p:ext>
     </p:extLst>
   </p:cSld>
@@ -6552,7 +7351,7 @@
 </p:sld>
 </file>
 
-<file path=ppt/slides/slide6.xml><?xml version="1.0" encoding="utf-8"?>
+<file path=ppt/slides/slide8.xml><?xml version="1.0" encoding="utf-8"?>
 <p:sld xmlns:a="http://schemas.openxmlformats.org/drawingml/2006/main" xmlns:r="http://schemas.openxmlformats.org/officeDocument/2006/relationships" xmlns:p="http://schemas.openxmlformats.org/presentationml/2006/main">
   <p:cSld>
     <p:spTree>
@@ -6644,7 +7443,7 @@
           </p:nvPr>
         </p:nvPicPr>
         <p:blipFill>
-          <a:blip r:embed="rId2">
+          <a:blip r:embed="rId2" cstate="print">
             <a:clrChange>
               <a:clrFrom>
                 <a:srgbClr val="FFFFFF"/>
@@ -6657,7 +7456,7 @@
             </a:clrChange>
             <a:extLst>
               <a:ext uri="{28A0092B-C50C-407E-A947-70E740481C1C}">
-                <a14:useLocalDpi xmlns:a14="http://schemas.microsoft.com/office/drawing/2010/main" val="0"/>
+                <a14:useLocalDpi xmlns:a14="http://schemas.microsoft.com/office/drawing/2010/main" xmlns="" val="0"/>
               </a:ext>
             </a:extLst>
           </a:blip>
@@ -6751,1349 +7550,7 @@
     </p:spTree>
     <p:extLst>
       <p:ext uri="{BB962C8B-B14F-4D97-AF65-F5344CB8AC3E}">
-        <p14:creationId xmlns:p14="http://schemas.microsoft.com/office/powerpoint/2010/main" val="1074460601"/>
-      </p:ext>
-    </p:extLst>
-  </p:cSld>
-  <p:clrMapOvr>
-    <a:masterClrMapping/>
-  </p:clrMapOvr>
-  <p:transition>
-    <p:fade/>
-  </p:transition>
-</p:sld>
-</file>
-
-<file path=ppt/slides/slide7.xml><?xml version="1.0" encoding="utf-8"?>
-<p:sld xmlns:a="http://schemas.openxmlformats.org/drawingml/2006/main" xmlns:r="http://schemas.openxmlformats.org/officeDocument/2006/relationships" xmlns:p="http://schemas.openxmlformats.org/presentationml/2006/main">
-  <p:cSld>
-    <p:spTree>
-      <p:nvGrpSpPr>
-        <p:cNvPr id="1" name=""/>
-        <p:cNvGrpSpPr/>
-        <p:nvPr/>
-      </p:nvGrpSpPr>
-      <p:grpSpPr>
-        <a:xfrm>
-          <a:off x="0" y="0"/>
-          <a:ext cx="0" cy="0"/>
-          <a:chOff x="0" y="0"/>
-          <a:chExt cx="0" cy="0"/>
-        </a:xfrm>
-      </p:grpSpPr>
-      <p:sp>
-        <p:nvSpPr>
-          <p:cNvPr id="2" name="Titel 1"/>
-          <p:cNvSpPr>
-            <a:spLocks noGrp="1"/>
-          </p:cNvSpPr>
-          <p:nvPr>
-            <p:ph type="title"/>
-          </p:nvPr>
-        </p:nvSpPr>
-        <p:spPr/>
-        <p:txBody>
-          <a:bodyPr>
-            <a:normAutofit/>
-          </a:bodyPr>
-          <a:lstStyle/>
-          <a:p>
-            <a:r>
-              <a:rPr lang="nl-BE" sz="3600" cap="small" dirty="0">
-                <a:ln w="18415" cmpd="sng">
-                  <a:solidFill>
-                    <a:schemeClr val="tx1">
-                      <a:alpha val="0"/>
-                    </a:schemeClr>
-                  </a:solidFill>
-                  <a:prstDash val="solid"/>
-                </a:ln>
-                <a:effectLst>
-                  <a:outerShdw blurRad="25400" dir="3600000" algn="tl" rotWithShape="0">
-                    <a:srgbClr val="000000">
-                      <a:alpha val="70000"/>
-                    </a:srgbClr>
-                  </a:outerShdw>
-                </a:effectLst>
-                <a:latin typeface="Sitka Text" pitchFamily="2" charset="0"/>
-              </a:rPr>
-              <a:t>State pattern: Concrete Example</a:t>
-            </a:r>
-          </a:p>
-        </p:txBody>
-      </p:sp>
-      <p:sp>
-        <p:nvSpPr>
-          <p:cNvPr id="5" name="Tekstvak 4"/>
-          <p:cNvSpPr txBox="1"/>
-          <p:nvPr/>
-        </p:nvSpPr>
-        <p:spPr>
-          <a:xfrm>
-            <a:off x="786408" y="1556792"/>
-            <a:ext cx="3456383" cy="923330"/>
-          </a:xfrm>
-          <a:prstGeom prst="rect">
-            <a:avLst/>
-          </a:prstGeom>
-          <a:noFill/>
-          <a:ln>
-            <a:noFill/>
-          </a:ln>
-        </p:spPr>
-        <p:style>
-          <a:lnRef idx="2">
-            <a:schemeClr val="dk1"/>
-          </a:lnRef>
-          <a:fillRef idx="1">
-            <a:schemeClr val="lt1"/>
-          </a:fillRef>
-          <a:effectRef idx="0">
-            <a:schemeClr val="dk1"/>
-          </a:effectRef>
-          <a:fontRef idx="minor">
-            <a:schemeClr val="dk1"/>
-          </a:fontRef>
-        </p:style>
-        <p:txBody>
-          <a:bodyPr wrap="square" rtlCol="0">
-            <a:spAutoFit/>
-          </a:bodyPr>
-          <a:lstStyle/>
-          <a:p>
-            <a:r>
-              <a:rPr lang="is-IS" i="1" dirty="0" smtClean="0">
-                <a:solidFill>
-                  <a:schemeClr val="tx1">
-                    <a:lumMod val="50000"/>
-                    <a:lumOff val="50000"/>
-                  </a:schemeClr>
-                </a:solidFill>
-              </a:rPr>
-              <a:t>“…</a:t>
-            </a:r>
-            <a:r>
-              <a:rPr lang="nl-NL" i="1" dirty="0" err="1" smtClean="0">
-                <a:solidFill>
-                  <a:schemeClr val="tx1">
-                    <a:lumMod val="50000"/>
-                    <a:lumOff val="50000"/>
-                  </a:schemeClr>
-                </a:solidFill>
-              </a:rPr>
-              <a:t>after</a:t>
-            </a:r>
-            <a:r>
-              <a:rPr lang="nl-NL" i="1" dirty="0" smtClean="0">
-                <a:solidFill>
-                  <a:schemeClr val="tx1">
-                    <a:lumMod val="50000"/>
-                    <a:lumOff val="50000"/>
-                  </a:schemeClr>
-                </a:solidFill>
-              </a:rPr>
-              <a:t> </a:t>
-            </a:r>
-            <a:r>
-              <a:rPr lang="nl-NL" i="1" dirty="0" err="1">
-                <a:solidFill>
-                  <a:schemeClr val="tx1">
-                    <a:lumMod val="50000"/>
-                    <a:lumOff val="50000"/>
-                  </a:schemeClr>
-                </a:solidFill>
-              </a:rPr>
-              <a:t>the</a:t>
-            </a:r>
-            <a:r>
-              <a:rPr lang="nl-NL" i="1" dirty="0">
-                <a:solidFill>
-                  <a:schemeClr val="tx1">
-                    <a:lumMod val="50000"/>
-                    <a:lumOff val="50000"/>
-                  </a:schemeClr>
-                </a:solidFill>
-              </a:rPr>
-              <a:t> first patch, </a:t>
-            </a:r>
-            <a:r>
-              <a:rPr lang="nl-NL" i="1" dirty="0" err="1">
-                <a:solidFill>
-                  <a:schemeClr val="tx1">
-                    <a:lumMod val="50000"/>
-                    <a:lumOff val="50000"/>
-                  </a:schemeClr>
-                </a:solidFill>
-              </a:rPr>
-              <a:t>the</a:t>
-            </a:r>
-            <a:r>
-              <a:rPr lang="nl-NL" i="1" dirty="0">
-                <a:solidFill>
-                  <a:schemeClr val="tx1">
-                    <a:lumMod val="50000"/>
-                    <a:lumOff val="50000"/>
-                  </a:schemeClr>
-                </a:solidFill>
-              </a:rPr>
-              <a:t> tag of </a:t>
-            </a:r>
-            <a:r>
-              <a:rPr lang="nl-NL" i="1" dirty="0" err="1">
-                <a:solidFill>
-                  <a:schemeClr val="tx1">
-                    <a:lumMod val="50000"/>
-                    <a:lumOff val="50000"/>
-                  </a:schemeClr>
-                </a:solidFill>
-              </a:rPr>
-              <a:t>the</a:t>
-            </a:r>
-            <a:r>
-              <a:rPr lang="nl-NL" i="1" dirty="0">
-                <a:solidFill>
-                  <a:schemeClr val="tx1">
-                    <a:lumMod val="50000"/>
-                    <a:lumOff val="50000"/>
-                  </a:schemeClr>
-                </a:solidFill>
-              </a:rPr>
-              <a:t> bug report at </a:t>
-            </a:r>
-            <a:r>
-              <a:rPr lang="nl-NL" i="1" dirty="0" err="1">
-                <a:solidFill>
-                  <a:schemeClr val="tx1">
-                    <a:lumMod val="50000"/>
-                    <a:lumOff val="50000"/>
-                  </a:schemeClr>
-                </a:solidFill>
-              </a:rPr>
-              <a:t>stake</a:t>
-            </a:r>
-            <a:r>
-              <a:rPr lang="nl-NL" i="1" dirty="0">
-                <a:solidFill>
-                  <a:schemeClr val="tx1">
-                    <a:lumMod val="50000"/>
-                    <a:lumOff val="50000"/>
-                  </a:schemeClr>
-                </a:solidFill>
-              </a:rPr>
-              <a:t> </a:t>
-            </a:r>
-            <a:r>
-              <a:rPr lang="nl-NL" i="1" dirty="0" err="1">
-                <a:solidFill>
-                  <a:schemeClr val="tx1">
-                    <a:lumMod val="50000"/>
-                    <a:lumOff val="50000"/>
-                  </a:schemeClr>
-                </a:solidFill>
-              </a:rPr>
-              <a:t>transitions</a:t>
-            </a:r>
-            <a:r>
-              <a:rPr lang="nl-NL" i="1" dirty="0">
-                <a:solidFill>
-                  <a:schemeClr val="tx1">
-                    <a:lumMod val="50000"/>
-                    <a:lumOff val="50000"/>
-                  </a:schemeClr>
-                </a:solidFill>
-              </a:rPr>
-              <a:t> </a:t>
-            </a:r>
-            <a:r>
-              <a:rPr lang="nl-NL" i="1" dirty="0" err="1">
-                <a:solidFill>
-                  <a:schemeClr val="tx1">
-                    <a:lumMod val="50000"/>
-                    <a:lumOff val="50000"/>
-                  </a:schemeClr>
-                </a:solidFill>
-              </a:rPr>
-              <a:t>from</a:t>
-            </a:r>
-            <a:r>
-              <a:rPr lang="nl-NL" i="1" dirty="0">
-                <a:solidFill>
-                  <a:schemeClr val="tx1">
-                    <a:lumMod val="50000"/>
-                    <a:lumOff val="50000"/>
-                  </a:schemeClr>
-                </a:solidFill>
-              </a:rPr>
-              <a:t> </a:t>
-            </a:r>
-            <a:r>
-              <a:rPr lang="nl-NL" i="1" dirty="0" err="1">
-                <a:solidFill>
-                  <a:schemeClr val="tx1">
-                    <a:lumMod val="50000"/>
-                    <a:lumOff val="50000"/>
-                  </a:schemeClr>
-                </a:solidFill>
-              </a:rPr>
-              <a:t>Assigned</a:t>
-            </a:r>
-            <a:r>
-              <a:rPr lang="nl-NL" i="1" dirty="0">
-                <a:solidFill>
-                  <a:schemeClr val="tx1">
-                    <a:lumMod val="50000"/>
-                    <a:lumOff val="50000"/>
-                  </a:schemeClr>
-                </a:solidFill>
-              </a:rPr>
-              <a:t> </a:t>
-            </a:r>
-            <a:r>
-              <a:rPr lang="nl-NL" i="1" dirty="0" err="1">
-                <a:solidFill>
-                  <a:schemeClr val="tx1">
-                    <a:lumMod val="50000"/>
-                    <a:lumOff val="50000"/>
-                  </a:schemeClr>
-                </a:solidFill>
-              </a:rPr>
-              <a:t>to</a:t>
-            </a:r>
-            <a:r>
-              <a:rPr lang="nl-NL" i="1" dirty="0">
-                <a:solidFill>
-                  <a:schemeClr val="tx1">
-                    <a:lumMod val="50000"/>
-                    <a:lumOff val="50000"/>
-                  </a:schemeClr>
-                </a:solidFill>
-              </a:rPr>
-              <a:t> </a:t>
-            </a:r>
-            <a:r>
-              <a:rPr lang="nl-NL" i="1" dirty="0" err="1" smtClean="0">
-                <a:solidFill>
-                  <a:schemeClr val="tx1">
-                    <a:lumMod val="50000"/>
-                    <a:lumOff val="50000"/>
-                  </a:schemeClr>
-                </a:solidFill>
-              </a:rPr>
-              <a:t>UnderReview</a:t>
-            </a:r>
-            <a:r>
-              <a:rPr lang="nl-NL" i="1" dirty="0" smtClean="0">
-                <a:solidFill>
-                  <a:schemeClr val="tx1">
-                    <a:lumMod val="50000"/>
-                    <a:lumOff val="50000"/>
-                  </a:schemeClr>
-                </a:solidFill>
-              </a:rPr>
-              <a:t>.”</a:t>
-            </a:r>
-            <a:endParaRPr lang="nl-NL" i="1" dirty="0">
-              <a:solidFill>
-                <a:schemeClr val="tx1">
-                  <a:lumMod val="50000"/>
-                  <a:lumOff val="50000"/>
-                </a:schemeClr>
-              </a:solidFill>
-            </a:endParaRPr>
-          </a:p>
-        </p:txBody>
-      </p:sp>
-      <p:pic>
-        <p:nvPicPr>
-          <p:cNvPr id="6" name="Tijdelijke aanduiding voor inhoud 5"/>
-          <p:cNvPicPr>
-            <a:picLocks noGrp="1" noChangeAspect="1"/>
-          </p:cNvPicPr>
-          <p:nvPr>
-            <p:ph idx="1"/>
-          </p:nvPr>
-        </p:nvPicPr>
-        <p:blipFill>
-          <a:blip r:embed="rId2">
-            <a:clrChange>
-              <a:clrFrom>
-                <a:srgbClr val="FFFFFF"/>
-              </a:clrFrom>
-              <a:clrTo>
-                <a:srgbClr val="FFFFFF">
-                  <a:alpha val="0"/>
-                </a:srgbClr>
-              </a:clrTo>
-            </a:clrChange>
-            <a:extLst>
-              <a:ext uri="{28A0092B-C50C-407E-A947-70E740481C1C}">
-                <a14:useLocalDpi xmlns:a14="http://schemas.microsoft.com/office/drawing/2010/main" val="0"/>
-              </a:ext>
-            </a:extLst>
-          </a:blip>
-          <a:stretch>
-            <a:fillRect/>
-          </a:stretch>
-        </p:blipFill>
-        <p:spPr>
-          <a:xfrm>
-            <a:off x="457200" y="3140968"/>
-            <a:ext cx="8229600" cy="3117855"/>
-          </a:xfrm>
-        </p:spPr>
-      </p:pic>
-      <p:sp>
-        <p:nvSpPr>
-          <p:cNvPr id="7" name="Tekstvak 6"/>
-          <p:cNvSpPr txBox="1"/>
-          <p:nvPr/>
-        </p:nvSpPr>
-        <p:spPr>
-          <a:xfrm>
-            <a:off x="457200" y="3140968"/>
-            <a:ext cx="658416" cy="360000"/>
-          </a:xfrm>
-          <a:prstGeom prst="rect">
-            <a:avLst/>
-          </a:prstGeom>
-          <a:solidFill>
-            <a:schemeClr val="tx2">
-              <a:lumMod val="60000"/>
-              <a:lumOff val="40000"/>
-            </a:schemeClr>
-          </a:solidFill>
-          <a:ln>
-            <a:noFill/>
-          </a:ln>
-        </p:spPr>
-        <p:txBody>
-          <a:bodyPr wrap="square" rtlCol="0">
-            <a:spAutoFit/>
-          </a:bodyPr>
-          <a:lstStyle/>
-          <a:p>
-            <a:pPr algn="ctr"/>
-            <a:r>
-              <a:rPr lang="nl-NL" sz="900" dirty="0" smtClean="0"/>
-              <a:t>:User</a:t>
-            </a:r>
-            <a:endParaRPr lang="nl-NL" sz="900" dirty="0"/>
-          </a:p>
-        </p:txBody>
-      </p:sp>
-      <p:sp>
-        <p:nvSpPr>
-          <p:cNvPr id="8" name="Tekstvak 7"/>
-          <p:cNvSpPr txBox="1"/>
-          <p:nvPr/>
-        </p:nvSpPr>
-        <p:spPr>
-          <a:xfrm>
-            <a:off x="4860032" y="1339820"/>
-            <a:ext cx="3384377" cy="1477328"/>
-          </a:xfrm>
-          <a:prstGeom prst="rect">
-            <a:avLst/>
-          </a:prstGeom>
-          <a:noFill/>
-        </p:spPr>
-        <p:txBody>
-          <a:bodyPr wrap="square" rtlCol="0">
-            <a:spAutoFit/>
-          </a:bodyPr>
-          <a:lstStyle/>
-          <a:p>
-            <a:r>
-              <a:rPr lang="nl-NL" i="1" dirty="0" smtClean="0">
-                <a:solidFill>
-                  <a:schemeClr val="tx1">
-                    <a:lumMod val="50000"/>
-                    <a:lumOff val="50000"/>
-                  </a:schemeClr>
-                </a:solidFill>
-              </a:rPr>
-              <a:t>“</a:t>
-            </a:r>
-            <a:r>
-              <a:rPr lang="nl-NL" i="1" dirty="0" err="1" smtClean="0">
-                <a:solidFill>
-                  <a:schemeClr val="tx1">
-                    <a:lumMod val="50000"/>
-                    <a:lumOff val="50000"/>
-                  </a:schemeClr>
-                </a:solidFill>
-              </a:rPr>
-              <a:t>When</a:t>
-            </a:r>
-            <a:r>
-              <a:rPr lang="nl-NL" i="1" dirty="0" smtClean="0">
-                <a:solidFill>
-                  <a:schemeClr val="tx1">
-                    <a:lumMod val="50000"/>
-                    <a:lumOff val="50000"/>
-                  </a:schemeClr>
-                </a:solidFill>
-              </a:rPr>
-              <a:t> </a:t>
-            </a:r>
-            <a:r>
-              <a:rPr lang="nl-NL" i="1" dirty="0">
-                <a:solidFill>
-                  <a:schemeClr val="tx1">
-                    <a:lumMod val="50000"/>
-                    <a:lumOff val="50000"/>
-                  </a:schemeClr>
-                </a:solidFill>
-              </a:rPr>
-              <a:t>a bug report is </a:t>
-            </a:r>
-            <a:r>
-              <a:rPr lang="nl-NL" i="1" dirty="0" err="1">
-                <a:solidFill>
-                  <a:schemeClr val="tx1">
-                    <a:lumMod val="50000"/>
-                    <a:lumOff val="50000"/>
-                  </a:schemeClr>
-                </a:solidFill>
-              </a:rPr>
-              <a:t>created</a:t>
-            </a:r>
-            <a:r>
-              <a:rPr lang="nl-NL" i="1" dirty="0">
-                <a:solidFill>
-                  <a:schemeClr val="tx1">
-                    <a:lumMod val="50000"/>
-                    <a:lumOff val="50000"/>
-                  </a:schemeClr>
-                </a:solidFill>
-              </a:rPr>
-              <a:t>, </a:t>
-            </a:r>
-            <a:r>
-              <a:rPr lang="nl-NL" i="1" dirty="0" err="1">
-                <a:solidFill>
-                  <a:schemeClr val="tx1">
-                    <a:lumMod val="50000"/>
-                    <a:lumOff val="50000"/>
-                  </a:schemeClr>
-                </a:solidFill>
-              </a:rPr>
-              <a:t>it</a:t>
-            </a:r>
-            <a:r>
-              <a:rPr lang="nl-NL" i="1" dirty="0">
-                <a:solidFill>
-                  <a:schemeClr val="tx1">
-                    <a:lumMod val="50000"/>
-                    <a:lumOff val="50000"/>
-                  </a:schemeClr>
-                </a:solidFill>
-              </a:rPr>
-              <a:t> </a:t>
-            </a:r>
-            <a:r>
-              <a:rPr lang="nl-NL" i="1" dirty="0" err="1">
-                <a:solidFill>
-                  <a:schemeClr val="tx1">
-                    <a:lumMod val="50000"/>
-                    <a:lumOff val="50000"/>
-                  </a:schemeClr>
-                </a:solidFill>
-              </a:rPr>
-              <a:t>can</a:t>
-            </a:r>
-            <a:r>
-              <a:rPr lang="nl-NL" i="1" dirty="0">
-                <a:solidFill>
-                  <a:schemeClr val="tx1">
-                    <a:lumMod val="50000"/>
-                    <a:lumOff val="50000"/>
-                  </a:schemeClr>
-                </a:solidFill>
-              </a:rPr>
-              <a:t> </a:t>
-            </a:r>
-            <a:r>
-              <a:rPr lang="nl-NL" i="1" dirty="0" err="1">
-                <a:solidFill>
-                  <a:schemeClr val="tx1">
-                    <a:lumMod val="50000"/>
-                    <a:lumOff val="50000"/>
-                  </a:schemeClr>
-                </a:solidFill>
-              </a:rPr>
-              <a:t>be</a:t>
-            </a:r>
-            <a:r>
-              <a:rPr lang="nl-NL" i="1" dirty="0">
-                <a:solidFill>
-                  <a:schemeClr val="tx1">
-                    <a:lumMod val="50000"/>
-                    <a:lumOff val="50000"/>
-                  </a:schemeClr>
-                </a:solidFill>
-              </a:rPr>
-              <a:t> </a:t>
-            </a:r>
-            <a:r>
-              <a:rPr lang="nl-NL" i="1" dirty="0" err="1">
-                <a:solidFill>
-                  <a:schemeClr val="tx1">
-                    <a:lumMod val="50000"/>
-                    <a:lumOff val="50000"/>
-                  </a:schemeClr>
-                </a:solidFill>
-              </a:rPr>
-              <a:t>marked</a:t>
-            </a:r>
-            <a:r>
-              <a:rPr lang="nl-NL" i="1" dirty="0">
-                <a:solidFill>
-                  <a:schemeClr val="tx1">
-                    <a:lumMod val="50000"/>
-                    <a:lumOff val="50000"/>
-                  </a:schemeClr>
-                </a:solidFill>
-              </a:rPr>
-              <a:t> as private</a:t>
-            </a:r>
-            <a:r>
-              <a:rPr lang="nl-NL" i="1" dirty="0" smtClean="0">
-                <a:solidFill>
-                  <a:schemeClr val="tx1">
-                    <a:lumMod val="50000"/>
-                    <a:lumOff val="50000"/>
-                  </a:schemeClr>
-                </a:solidFill>
-              </a:rPr>
-              <a:t>. </a:t>
-            </a:r>
-            <a:r>
-              <a:rPr lang="is-IS" i="1" dirty="0" smtClean="0">
-                <a:solidFill>
-                  <a:schemeClr val="tx1">
-                    <a:lumMod val="50000"/>
-                    <a:lumOff val="50000"/>
-                  </a:schemeClr>
-                </a:solidFill>
-              </a:rPr>
-              <a:t>… </a:t>
-            </a:r>
-            <a:r>
-              <a:rPr lang="nl-NL" i="1" dirty="0" err="1">
-                <a:solidFill>
-                  <a:schemeClr val="tx1">
-                    <a:lumMod val="50000"/>
-                    <a:lumOff val="50000"/>
-                  </a:schemeClr>
-                </a:solidFill>
-              </a:rPr>
-              <a:t>Once</a:t>
-            </a:r>
-            <a:r>
-              <a:rPr lang="nl-NL" i="1" dirty="0">
-                <a:solidFill>
-                  <a:schemeClr val="tx1">
-                    <a:lumMod val="50000"/>
-                    <a:lumOff val="50000"/>
-                  </a:schemeClr>
-                </a:solidFill>
-              </a:rPr>
-              <a:t> </a:t>
-            </a:r>
-            <a:r>
-              <a:rPr lang="nl-NL" i="1" dirty="0" err="1">
-                <a:solidFill>
-                  <a:schemeClr val="tx1">
-                    <a:lumMod val="50000"/>
-                    <a:lumOff val="50000"/>
-                  </a:schemeClr>
-                </a:solidFill>
-              </a:rPr>
-              <a:t>the</a:t>
-            </a:r>
-            <a:r>
-              <a:rPr lang="nl-NL" i="1" dirty="0">
-                <a:solidFill>
-                  <a:schemeClr val="tx1">
-                    <a:lumMod val="50000"/>
-                    <a:lumOff val="50000"/>
-                  </a:schemeClr>
-                </a:solidFill>
-              </a:rPr>
-              <a:t> first patch is </a:t>
-            </a:r>
-            <a:r>
-              <a:rPr lang="nl-NL" i="1" dirty="0" err="1">
-                <a:solidFill>
-                  <a:schemeClr val="tx1">
-                    <a:lumMod val="50000"/>
-                    <a:lumOff val="50000"/>
-                  </a:schemeClr>
-                </a:solidFill>
-              </a:rPr>
-              <a:t>submitted</a:t>
-            </a:r>
-            <a:r>
-              <a:rPr lang="nl-NL" i="1" dirty="0">
-                <a:solidFill>
-                  <a:schemeClr val="tx1">
-                    <a:lumMod val="50000"/>
-                    <a:lumOff val="50000"/>
-                  </a:schemeClr>
-                </a:solidFill>
-              </a:rPr>
-              <a:t> </a:t>
-            </a:r>
-            <a:r>
-              <a:rPr lang="nl-NL" i="1" dirty="0" err="1">
-                <a:solidFill>
-                  <a:schemeClr val="tx1">
-                    <a:lumMod val="50000"/>
-                    <a:lumOff val="50000"/>
-                  </a:schemeClr>
-                </a:solidFill>
-              </a:rPr>
-              <a:t>for</a:t>
-            </a:r>
-            <a:r>
-              <a:rPr lang="nl-NL" i="1" dirty="0">
-                <a:solidFill>
-                  <a:schemeClr val="tx1">
-                    <a:lumMod val="50000"/>
-                    <a:lumOff val="50000"/>
-                  </a:schemeClr>
-                </a:solidFill>
-              </a:rPr>
-              <a:t> </a:t>
-            </a:r>
-            <a:r>
-              <a:rPr lang="nl-NL" i="1" dirty="0" err="1">
-                <a:solidFill>
-                  <a:schemeClr val="tx1">
-                    <a:lumMod val="50000"/>
-                    <a:lumOff val="50000"/>
-                  </a:schemeClr>
-                </a:solidFill>
-              </a:rPr>
-              <a:t>the</a:t>
-            </a:r>
-            <a:r>
-              <a:rPr lang="nl-NL" i="1" dirty="0">
-                <a:solidFill>
-                  <a:schemeClr val="tx1">
-                    <a:lumMod val="50000"/>
-                    <a:lumOff val="50000"/>
-                  </a:schemeClr>
-                </a:solidFill>
-              </a:rPr>
-              <a:t> bug report, </a:t>
-            </a:r>
-            <a:r>
-              <a:rPr lang="nl-NL" i="1" dirty="0" err="1">
-                <a:solidFill>
-                  <a:schemeClr val="tx1">
-                    <a:lumMod val="50000"/>
-                    <a:lumOff val="50000"/>
-                  </a:schemeClr>
-                </a:solidFill>
-              </a:rPr>
-              <a:t>it</a:t>
-            </a:r>
-            <a:r>
-              <a:rPr lang="nl-NL" i="1" dirty="0">
-                <a:solidFill>
-                  <a:schemeClr val="tx1">
-                    <a:lumMod val="50000"/>
-                    <a:lumOff val="50000"/>
-                  </a:schemeClr>
-                </a:solidFill>
-              </a:rPr>
-              <a:t> is </a:t>
-            </a:r>
-            <a:r>
-              <a:rPr lang="nl-NL" i="1" dirty="0" err="1">
-                <a:solidFill>
-                  <a:schemeClr val="tx1">
-                    <a:lumMod val="50000"/>
-                    <a:lumOff val="50000"/>
-                  </a:schemeClr>
-                </a:solidFill>
-              </a:rPr>
-              <a:t>visible</a:t>
-            </a:r>
-            <a:r>
-              <a:rPr lang="nl-NL" i="1" dirty="0">
-                <a:solidFill>
-                  <a:schemeClr val="tx1">
-                    <a:lumMod val="50000"/>
-                    <a:lumOff val="50000"/>
-                  </a:schemeClr>
-                </a:solidFill>
-              </a:rPr>
-              <a:t> </a:t>
-            </a:r>
-            <a:r>
-              <a:rPr lang="nl-NL" i="1" dirty="0" err="1">
-                <a:solidFill>
-                  <a:schemeClr val="tx1">
-                    <a:lumMod val="50000"/>
-                    <a:lumOff val="50000"/>
-                  </a:schemeClr>
-                </a:solidFill>
-              </a:rPr>
-              <a:t>for</a:t>
-            </a:r>
-            <a:r>
-              <a:rPr lang="nl-NL" i="1" dirty="0">
-                <a:solidFill>
-                  <a:schemeClr val="tx1">
-                    <a:lumMod val="50000"/>
-                    <a:lumOff val="50000"/>
-                  </a:schemeClr>
-                </a:solidFill>
-              </a:rPr>
-              <a:t> </a:t>
-            </a:r>
-            <a:r>
-              <a:rPr lang="nl-NL" i="1" dirty="0" err="1">
-                <a:solidFill>
-                  <a:schemeClr val="tx1">
-                    <a:lumMod val="50000"/>
-                    <a:lumOff val="50000"/>
-                  </a:schemeClr>
-                </a:solidFill>
-              </a:rPr>
-              <a:t>all</a:t>
-            </a:r>
-            <a:r>
-              <a:rPr lang="nl-NL" i="1" dirty="0">
-                <a:solidFill>
-                  <a:schemeClr val="tx1">
-                    <a:lumMod val="50000"/>
-                    <a:lumOff val="50000"/>
-                  </a:schemeClr>
-                </a:solidFill>
-              </a:rPr>
-              <a:t> </a:t>
-            </a:r>
-            <a:r>
-              <a:rPr lang="nl-NL" i="1" dirty="0" err="1">
-                <a:solidFill>
-                  <a:schemeClr val="tx1">
-                    <a:lumMod val="50000"/>
-                    <a:lumOff val="50000"/>
-                  </a:schemeClr>
-                </a:solidFill>
-              </a:rPr>
-              <a:t>the</a:t>
-            </a:r>
-            <a:r>
-              <a:rPr lang="nl-NL" i="1" dirty="0">
-                <a:solidFill>
-                  <a:schemeClr val="tx1">
-                    <a:lumMod val="50000"/>
-                    <a:lumOff val="50000"/>
-                  </a:schemeClr>
-                </a:solidFill>
-              </a:rPr>
-              <a:t> users of </a:t>
-            </a:r>
-            <a:r>
-              <a:rPr lang="nl-NL" i="1" dirty="0" err="1">
-                <a:solidFill>
-                  <a:schemeClr val="tx1">
-                    <a:lumMod val="50000"/>
-                    <a:lumOff val="50000"/>
-                  </a:schemeClr>
-                </a:solidFill>
-              </a:rPr>
-              <a:t>BugTrap</a:t>
-            </a:r>
-            <a:r>
-              <a:rPr lang="nl-NL" i="1" dirty="0" smtClean="0">
-                <a:solidFill>
-                  <a:schemeClr val="tx1">
-                    <a:lumMod val="50000"/>
-                    <a:lumOff val="50000"/>
-                  </a:schemeClr>
-                </a:solidFill>
-              </a:rPr>
-              <a:t>.”</a:t>
-            </a:r>
-            <a:endParaRPr lang="nl-NL" i="1" dirty="0">
-              <a:solidFill>
-                <a:schemeClr val="tx1">
-                  <a:lumMod val="50000"/>
-                  <a:lumOff val="50000"/>
-                </a:schemeClr>
-              </a:solidFill>
-            </a:endParaRPr>
-          </a:p>
-        </p:txBody>
-      </p:sp>
-    </p:spTree>
-    <p:extLst>
-      <p:ext uri="{BB962C8B-B14F-4D97-AF65-F5344CB8AC3E}">
-        <p14:creationId xmlns:p14="http://schemas.microsoft.com/office/powerpoint/2010/main" val="269333384"/>
-      </p:ext>
-    </p:extLst>
-  </p:cSld>
-  <p:clrMapOvr>
-    <a:masterClrMapping/>
-  </p:clrMapOvr>
-  <p:transition>
-    <p:fade/>
-  </p:transition>
-</p:sld>
-</file>
-
-<file path=ppt/slides/slide8.xml><?xml version="1.0" encoding="utf-8"?>
-<p:sld xmlns:a="http://schemas.openxmlformats.org/drawingml/2006/main" xmlns:r="http://schemas.openxmlformats.org/officeDocument/2006/relationships" xmlns:p="http://schemas.openxmlformats.org/presentationml/2006/main">
-  <p:cSld>
-    <p:spTree>
-      <p:nvGrpSpPr>
-        <p:cNvPr id="1" name=""/>
-        <p:cNvGrpSpPr/>
-        <p:nvPr/>
-      </p:nvGrpSpPr>
-      <p:grpSpPr>
-        <a:xfrm>
-          <a:off x="0" y="0"/>
-          <a:ext cx="0" cy="0"/>
-          <a:chOff x="0" y="0"/>
-          <a:chExt cx="0" cy="0"/>
-        </a:xfrm>
-      </p:grpSpPr>
-      <p:sp>
-        <p:nvSpPr>
-          <p:cNvPr id="2" name="Titel 1"/>
-          <p:cNvSpPr>
-            <a:spLocks noGrp="1"/>
-          </p:cNvSpPr>
-          <p:nvPr>
-            <p:ph type="title"/>
-          </p:nvPr>
-        </p:nvSpPr>
-        <p:spPr/>
-        <p:txBody>
-          <a:bodyPr>
-            <a:normAutofit/>
-          </a:bodyPr>
-          <a:lstStyle/>
-          <a:p>
-            <a:r>
-              <a:rPr lang="nl-NL" sz="3600" cap="small" dirty="0">
-                <a:ln w="18415" cmpd="sng">
-                  <a:solidFill>
-                    <a:schemeClr val="tx1">
-                      <a:alpha val="0"/>
-                    </a:schemeClr>
-                  </a:solidFill>
-                  <a:prstDash val="solid"/>
-                </a:ln>
-                <a:effectLst>
-                  <a:outerShdw blurRad="25400" dir="3600000" algn="tl" rotWithShape="0">
-                    <a:srgbClr val="000000">
-                      <a:alpha val="70000"/>
-                    </a:srgbClr>
-                  </a:outerShdw>
-                </a:effectLst>
-                <a:latin typeface="Sitka Text" pitchFamily="2" charset="0"/>
-              </a:rPr>
-              <a:t>Tag specifieke informatie</a:t>
-            </a:r>
-          </a:p>
-        </p:txBody>
-      </p:sp>
-      <p:sp>
-        <p:nvSpPr>
-          <p:cNvPr id="5" name="Tekstvak 4"/>
-          <p:cNvSpPr txBox="1"/>
-          <p:nvPr/>
-        </p:nvSpPr>
-        <p:spPr>
-          <a:xfrm>
-            <a:off x="5156224" y="1568559"/>
-            <a:ext cx="3525441" cy="1477328"/>
-          </a:xfrm>
-          <a:prstGeom prst="rect">
-            <a:avLst/>
-          </a:prstGeom>
-          <a:noFill/>
-        </p:spPr>
-        <p:txBody>
-          <a:bodyPr wrap="square" rtlCol="0">
-            <a:spAutoFit/>
-          </a:bodyPr>
-          <a:lstStyle/>
-          <a:p>
-            <a:r>
-              <a:rPr lang="nl-NL" i="1" dirty="0">
-                <a:solidFill>
-                  <a:schemeClr val="tx1">
-                    <a:lumMod val="50000"/>
-                    <a:lumOff val="50000"/>
-                  </a:schemeClr>
-                </a:solidFill>
-              </a:rPr>
-              <a:t>“As a </a:t>
-            </a:r>
-            <a:r>
-              <a:rPr lang="nl-NL" i="1" dirty="0" err="1">
-                <a:solidFill>
-                  <a:schemeClr val="tx1">
-                    <a:lumMod val="50000"/>
-                    <a:lumOff val="50000"/>
-                  </a:schemeClr>
-                </a:solidFill>
-              </a:rPr>
-              <a:t>final</a:t>
-            </a:r>
-            <a:r>
-              <a:rPr lang="nl-NL" i="1" dirty="0">
-                <a:solidFill>
-                  <a:schemeClr val="tx1">
-                    <a:lumMod val="50000"/>
-                    <a:lumOff val="50000"/>
-                  </a:schemeClr>
-                </a:solidFill>
-              </a:rPr>
-              <a:t> step, </a:t>
-            </a:r>
-            <a:r>
-              <a:rPr lang="nl-NL" i="1" dirty="0" err="1">
-                <a:solidFill>
-                  <a:schemeClr val="tx1">
-                    <a:lumMod val="50000"/>
-                    <a:lumOff val="50000"/>
-                  </a:schemeClr>
-                </a:solidFill>
-              </a:rPr>
-              <a:t>the</a:t>
-            </a:r>
-            <a:r>
-              <a:rPr lang="nl-NL" i="1" dirty="0">
-                <a:solidFill>
-                  <a:schemeClr val="tx1">
-                    <a:lumMod val="50000"/>
-                    <a:lumOff val="50000"/>
-                  </a:schemeClr>
-                </a:solidFill>
-              </a:rPr>
-              <a:t> </a:t>
-            </a:r>
-            <a:r>
-              <a:rPr lang="nl-NL" i="1" dirty="0" err="1">
-                <a:solidFill>
-                  <a:schemeClr val="tx1">
-                    <a:lumMod val="50000"/>
-                    <a:lumOff val="50000"/>
-                  </a:schemeClr>
-                </a:solidFill>
-              </a:rPr>
-              <a:t>creator</a:t>
-            </a:r>
-            <a:r>
-              <a:rPr lang="nl-NL" i="1" dirty="0">
-                <a:solidFill>
-                  <a:schemeClr val="tx1">
-                    <a:lumMod val="50000"/>
-                    <a:lumOff val="50000"/>
-                  </a:schemeClr>
-                </a:solidFill>
-              </a:rPr>
-              <a:t> of a </a:t>
-            </a:r>
-            <a:r>
-              <a:rPr lang="nl-NL" i="1" dirty="0" err="1">
-                <a:solidFill>
-                  <a:schemeClr val="tx1">
-                    <a:lumMod val="50000"/>
-                    <a:lumOff val="50000"/>
-                  </a:schemeClr>
-                </a:solidFill>
-              </a:rPr>
-              <a:t>resolved</a:t>
-            </a:r>
-            <a:r>
-              <a:rPr lang="nl-NL" i="1" dirty="0">
-                <a:solidFill>
-                  <a:schemeClr val="tx1">
-                    <a:lumMod val="50000"/>
-                    <a:lumOff val="50000"/>
-                  </a:schemeClr>
-                </a:solidFill>
-              </a:rPr>
-              <a:t> bug report </a:t>
-            </a:r>
-            <a:r>
-              <a:rPr lang="nl-NL" i="1" dirty="0" err="1">
-                <a:solidFill>
-                  <a:schemeClr val="tx1">
-                    <a:lumMod val="50000"/>
-                    <a:lumOff val="50000"/>
-                  </a:schemeClr>
-                </a:solidFill>
-              </a:rPr>
-              <a:t>can</a:t>
-            </a:r>
-            <a:r>
-              <a:rPr lang="nl-NL" i="1" dirty="0">
-                <a:solidFill>
-                  <a:schemeClr val="tx1">
-                    <a:lumMod val="50000"/>
-                    <a:lumOff val="50000"/>
-                  </a:schemeClr>
-                </a:solidFill>
-              </a:rPr>
-              <a:t> close </a:t>
-            </a:r>
-            <a:r>
-              <a:rPr lang="nl-NL" i="1" dirty="0" err="1">
-                <a:solidFill>
-                  <a:schemeClr val="tx1">
-                    <a:lumMod val="50000"/>
-                    <a:lumOff val="50000"/>
-                  </a:schemeClr>
-                </a:solidFill>
-              </a:rPr>
-              <a:t>it</a:t>
-            </a:r>
-            <a:r>
-              <a:rPr lang="nl-NL" i="1" dirty="0">
-                <a:solidFill>
-                  <a:schemeClr val="tx1">
-                    <a:lumMod val="50000"/>
-                    <a:lumOff val="50000"/>
-                  </a:schemeClr>
-                </a:solidFill>
-              </a:rPr>
-              <a:t> (i.e. </a:t>
-            </a:r>
-            <a:r>
-              <a:rPr lang="nl-NL" i="1" dirty="0" err="1">
-                <a:solidFill>
-                  <a:schemeClr val="tx1">
-                    <a:lumMod val="50000"/>
-                    <a:lumOff val="50000"/>
-                  </a:schemeClr>
-                </a:solidFill>
-              </a:rPr>
-              <a:t>assign</a:t>
-            </a:r>
-            <a:r>
-              <a:rPr lang="nl-NL" i="1" dirty="0">
-                <a:solidFill>
-                  <a:schemeClr val="tx1">
-                    <a:lumMod val="50000"/>
-                    <a:lumOff val="50000"/>
-                  </a:schemeClr>
-                </a:solidFill>
-              </a:rPr>
-              <a:t> </a:t>
-            </a:r>
-            <a:r>
-              <a:rPr lang="nl-NL" i="1" dirty="0" err="1">
-                <a:solidFill>
-                  <a:schemeClr val="tx1">
-                    <a:lumMod val="50000"/>
-                    <a:lumOff val="50000"/>
-                  </a:schemeClr>
-                </a:solidFill>
-              </a:rPr>
-              <a:t>the</a:t>
-            </a:r>
-            <a:r>
-              <a:rPr lang="nl-NL" i="1" dirty="0">
-                <a:solidFill>
-                  <a:schemeClr val="tx1">
-                    <a:lumMod val="50000"/>
-                    <a:lumOff val="50000"/>
-                  </a:schemeClr>
-                </a:solidFill>
-              </a:rPr>
-              <a:t> tag Closed) </a:t>
-            </a:r>
-            <a:r>
-              <a:rPr lang="nl-NL" i="1" dirty="0" err="1">
-                <a:solidFill>
-                  <a:schemeClr val="tx1">
-                    <a:lumMod val="50000"/>
-                    <a:lumOff val="50000"/>
-                  </a:schemeClr>
-                </a:solidFill>
-              </a:rPr>
-              <a:t>by</a:t>
-            </a:r>
-            <a:r>
-              <a:rPr lang="nl-NL" i="1" dirty="0">
-                <a:solidFill>
-                  <a:schemeClr val="tx1">
-                    <a:lumMod val="50000"/>
-                    <a:lumOff val="50000"/>
-                  </a:schemeClr>
-                </a:solidFill>
-              </a:rPr>
-              <a:t> </a:t>
-            </a:r>
-            <a:r>
-              <a:rPr lang="nl-NL" i="1" dirty="0" err="1">
-                <a:solidFill>
-                  <a:schemeClr val="tx1">
-                    <a:lumMod val="50000"/>
-                    <a:lumOff val="50000"/>
-                  </a:schemeClr>
-                </a:solidFill>
-              </a:rPr>
-              <a:t>specifying</a:t>
-            </a:r>
-            <a:r>
-              <a:rPr lang="nl-NL" i="1" dirty="0">
-                <a:solidFill>
-                  <a:schemeClr val="tx1">
-                    <a:lumMod val="50000"/>
-                    <a:lumOff val="50000"/>
-                  </a:schemeClr>
-                </a:solidFill>
-              </a:rPr>
-              <a:t> </a:t>
-            </a:r>
-            <a:r>
-              <a:rPr lang="nl-NL" i="1" dirty="0" err="1">
-                <a:solidFill>
-                  <a:schemeClr val="tx1">
-                    <a:lumMod val="50000"/>
-                    <a:lumOff val="50000"/>
-                  </a:schemeClr>
-                </a:solidFill>
-              </a:rPr>
-              <a:t>how</a:t>
-            </a:r>
-            <a:r>
-              <a:rPr lang="nl-NL" i="1" dirty="0">
-                <a:solidFill>
-                  <a:schemeClr val="tx1">
-                    <a:lumMod val="50000"/>
-                    <a:lumOff val="50000"/>
-                  </a:schemeClr>
-                </a:solidFill>
-              </a:rPr>
-              <a:t> </a:t>
-            </a:r>
-            <a:r>
-              <a:rPr lang="nl-NL" i="1" dirty="0" err="1">
-                <a:solidFill>
-                  <a:schemeClr val="tx1">
-                    <a:lumMod val="50000"/>
-                    <a:lumOff val="50000"/>
-                  </a:schemeClr>
-                </a:solidFill>
-              </a:rPr>
-              <a:t>satisfied</a:t>
-            </a:r>
-            <a:r>
-              <a:rPr lang="nl-NL" i="1" dirty="0">
-                <a:solidFill>
-                  <a:schemeClr val="tx1">
-                    <a:lumMod val="50000"/>
-                    <a:lumOff val="50000"/>
-                  </a:schemeClr>
-                </a:solidFill>
-              </a:rPr>
-              <a:t> he is </a:t>
-            </a:r>
-            <a:r>
-              <a:rPr lang="nl-NL" i="1" dirty="0" err="1">
-                <a:solidFill>
-                  <a:schemeClr val="tx1">
-                    <a:lumMod val="50000"/>
-                    <a:lumOff val="50000"/>
-                  </a:schemeClr>
-                </a:solidFill>
-              </a:rPr>
-              <a:t>with</a:t>
-            </a:r>
-            <a:r>
-              <a:rPr lang="nl-NL" i="1" dirty="0">
-                <a:solidFill>
-                  <a:schemeClr val="tx1">
-                    <a:lumMod val="50000"/>
-                    <a:lumOff val="50000"/>
-                  </a:schemeClr>
-                </a:solidFill>
-              </a:rPr>
-              <a:t> </a:t>
-            </a:r>
-            <a:r>
-              <a:rPr lang="nl-NL" i="1" dirty="0" err="1">
-                <a:solidFill>
-                  <a:schemeClr val="tx1">
-                    <a:lumMod val="50000"/>
-                    <a:lumOff val="50000"/>
-                  </a:schemeClr>
-                </a:solidFill>
-              </a:rPr>
-              <a:t>the</a:t>
-            </a:r>
-            <a:r>
-              <a:rPr lang="nl-NL" i="1" dirty="0">
-                <a:solidFill>
-                  <a:schemeClr val="tx1">
-                    <a:lumMod val="50000"/>
-                    <a:lumOff val="50000"/>
-                  </a:schemeClr>
-                </a:solidFill>
-              </a:rPr>
-              <a:t> solution.”</a:t>
-            </a:r>
-          </a:p>
-        </p:txBody>
-      </p:sp>
-      <p:pic>
-        <p:nvPicPr>
-          <p:cNvPr id="3" name="Afbeelding 2"/>
-          <p:cNvPicPr>
-            <a:picLocks noChangeAspect="1"/>
-          </p:cNvPicPr>
-          <p:nvPr/>
-        </p:nvPicPr>
-        <p:blipFill>
-          <a:blip r:embed="rId2">
-            <a:clrChange>
-              <a:clrFrom>
-                <a:srgbClr val="FFFFFF"/>
-              </a:clrFrom>
-              <a:clrTo>
-                <a:srgbClr val="FFFFFF">
-                  <a:alpha val="0"/>
-                </a:srgbClr>
-              </a:clrTo>
-            </a:clrChange>
-            <a:extLst>
-              <a:ext uri="{28A0092B-C50C-407E-A947-70E740481C1C}">
-                <a14:useLocalDpi xmlns:a14="http://schemas.microsoft.com/office/drawing/2010/main" val="0"/>
-              </a:ext>
-            </a:extLst>
-          </a:blip>
-          <a:stretch>
-            <a:fillRect/>
-          </a:stretch>
-        </p:blipFill>
-        <p:spPr>
-          <a:xfrm>
-            <a:off x="107504" y="3259615"/>
-            <a:ext cx="8964488" cy="2617657"/>
-          </a:xfrm>
-          <a:prstGeom prst="rect">
-            <a:avLst/>
-          </a:prstGeom>
-        </p:spPr>
-      </p:pic>
-    </p:spTree>
-    <p:extLst>
-      <p:ext uri="{BB962C8B-B14F-4D97-AF65-F5344CB8AC3E}">
-        <p14:creationId xmlns:p14="http://schemas.microsoft.com/office/powerpoint/2010/main" val="1938140659"/>
+        <p14:creationId xmlns:p14="http://schemas.microsoft.com/office/powerpoint/2010/main" xmlns="" val="1074460601"/>
       </p:ext>
     </p:extLst>
   </p:cSld>
@@ -8136,49 +7593,848 @@
         <p:spPr/>
         <p:txBody>
           <a:bodyPr>
-            <a:normAutofit fontScale="90000"/>
+            <a:normAutofit/>
           </a:bodyPr>
           <a:lstStyle/>
           <a:p>
             <a:r>
-              <a:rPr lang="nl-BE" dirty="0" err="1" smtClean="0"/>
-              <a:t>Insert</a:t>
-            </a:r>
-            <a:r>
-              <a:rPr lang="nl-BE" dirty="0" smtClean="0"/>
-              <a:t> heel korte uitleg over </a:t>
-            </a:r>
-            <a:r>
-              <a:rPr lang="nl-BE" dirty="0" err="1" smtClean="0"/>
-              <a:t>milestones</a:t>
-            </a:r>
-            <a:endParaRPr lang="nl-BE" dirty="0"/>
-          </a:p>
-        </p:txBody>
-      </p:sp>
-      <p:sp>
-        <p:nvSpPr>
-          <p:cNvPr id="3" name="Tijdelijke aanduiding voor inhoud 2"/>
-          <p:cNvSpPr>
-            <a:spLocks noGrp="1"/>
-          </p:cNvSpPr>
+              <a:rPr lang="nl-BE" sz="3600" cap="small" dirty="0">
+                <a:ln w="18415" cmpd="sng">
+                  <a:solidFill>
+                    <a:schemeClr val="tx1">
+                      <a:alpha val="0"/>
+                    </a:schemeClr>
+                  </a:solidFill>
+                  <a:prstDash val="solid"/>
+                </a:ln>
+                <a:effectLst>
+                  <a:outerShdw blurRad="25400" dir="3600000" algn="tl" rotWithShape="0">
+                    <a:srgbClr val="000000">
+                      <a:alpha val="70000"/>
+                    </a:srgbClr>
+                  </a:outerShdw>
+                </a:effectLst>
+                <a:latin typeface="Sitka Text" pitchFamily="2" charset="0"/>
+              </a:rPr>
+              <a:t>State pattern: Concrete Example</a:t>
+            </a:r>
+          </a:p>
+        </p:txBody>
+      </p:sp>
+      <p:sp>
+        <p:nvSpPr>
+          <p:cNvPr id="5" name="Tekstvak 4"/>
+          <p:cNvSpPr txBox="1"/>
+          <p:nvPr/>
+        </p:nvSpPr>
+        <p:spPr>
+          <a:xfrm>
+            <a:off x="786408" y="1556792"/>
+            <a:ext cx="3456383" cy="923330"/>
+          </a:xfrm>
+          <a:prstGeom prst="rect">
+            <a:avLst/>
+          </a:prstGeom>
+          <a:noFill/>
+          <a:ln>
+            <a:noFill/>
+          </a:ln>
+        </p:spPr>
+        <p:style>
+          <a:lnRef idx="2">
+            <a:schemeClr val="dk1"/>
+          </a:lnRef>
+          <a:fillRef idx="1">
+            <a:schemeClr val="lt1"/>
+          </a:fillRef>
+          <a:effectRef idx="0">
+            <a:schemeClr val="dk1"/>
+          </a:effectRef>
+          <a:fontRef idx="minor">
+            <a:schemeClr val="dk1"/>
+          </a:fontRef>
+        </p:style>
+        <p:txBody>
+          <a:bodyPr wrap="square" rtlCol="0">
+            <a:spAutoFit/>
+          </a:bodyPr>
+          <a:lstStyle/>
+          <a:p>
+            <a:r>
+              <a:rPr lang="is-IS" i="1" dirty="0" smtClean="0">
+                <a:solidFill>
+                  <a:schemeClr val="tx1">
+                    <a:lumMod val="50000"/>
+                    <a:lumOff val="50000"/>
+                  </a:schemeClr>
+                </a:solidFill>
+              </a:rPr>
+              <a:t>“…</a:t>
+            </a:r>
+            <a:r>
+              <a:rPr lang="nl-NL" i="1" dirty="0" err="1" smtClean="0">
+                <a:solidFill>
+                  <a:schemeClr val="tx1">
+                    <a:lumMod val="50000"/>
+                    <a:lumOff val="50000"/>
+                  </a:schemeClr>
+                </a:solidFill>
+              </a:rPr>
+              <a:t>after</a:t>
+            </a:r>
+            <a:r>
+              <a:rPr lang="nl-NL" i="1" dirty="0" smtClean="0">
+                <a:solidFill>
+                  <a:schemeClr val="tx1">
+                    <a:lumMod val="50000"/>
+                    <a:lumOff val="50000"/>
+                  </a:schemeClr>
+                </a:solidFill>
+              </a:rPr>
+              <a:t> </a:t>
+            </a:r>
+            <a:r>
+              <a:rPr lang="nl-NL" i="1" dirty="0" err="1">
+                <a:solidFill>
+                  <a:schemeClr val="tx1">
+                    <a:lumMod val="50000"/>
+                    <a:lumOff val="50000"/>
+                  </a:schemeClr>
+                </a:solidFill>
+              </a:rPr>
+              <a:t>the</a:t>
+            </a:r>
+            <a:r>
+              <a:rPr lang="nl-NL" i="1" dirty="0">
+                <a:solidFill>
+                  <a:schemeClr val="tx1">
+                    <a:lumMod val="50000"/>
+                    <a:lumOff val="50000"/>
+                  </a:schemeClr>
+                </a:solidFill>
+              </a:rPr>
+              <a:t> first patch, </a:t>
+            </a:r>
+            <a:r>
+              <a:rPr lang="nl-NL" i="1" dirty="0" err="1">
+                <a:solidFill>
+                  <a:schemeClr val="tx1">
+                    <a:lumMod val="50000"/>
+                    <a:lumOff val="50000"/>
+                  </a:schemeClr>
+                </a:solidFill>
+              </a:rPr>
+              <a:t>the</a:t>
+            </a:r>
+            <a:r>
+              <a:rPr lang="nl-NL" i="1" dirty="0">
+                <a:solidFill>
+                  <a:schemeClr val="tx1">
+                    <a:lumMod val="50000"/>
+                    <a:lumOff val="50000"/>
+                  </a:schemeClr>
+                </a:solidFill>
+              </a:rPr>
+              <a:t> tag of </a:t>
+            </a:r>
+            <a:r>
+              <a:rPr lang="nl-NL" i="1" dirty="0" err="1">
+                <a:solidFill>
+                  <a:schemeClr val="tx1">
+                    <a:lumMod val="50000"/>
+                    <a:lumOff val="50000"/>
+                  </a:schemeClr>
+                </a:solidFill>
+              </a:rPr>
+              <a:t>the</a:t>
+            </a:r>
+            <a:r>
+              <a:rPr lang="nl-NL" i="1" dirty="0">
+                <a:solidFill>
+                  <a:schemeClr val="tx1">
+                    <a:lumMod val="50000"/>
+                    <a:lumOff val="50000"/>
+                  </a:schemeClr>
+                </a:solidFill>
+              </a:rPr>
+              <a:t> bug report at </a:t>
+            </a:r>
+            <a:r>
+              <a:rPr lang="nl-NL" i="1" dirty="0" err="1">
+                <a:solidFill>
+                  <a:schemeClr val="tx1">
+                    <a:lumMod val="50000"/>
+                    <a:lumOff val="50000"/>
+                  </a:schemeClr>
+                </a:solidFill>
+              </a:rPr>
+              <a:t>stake</a:t>
+            </a:r>
+            <a:r>
+              <a:rPr lang="nl-NL" i="1" dirty="0">
+                <a:solidFill>
+                  <a:schemeClr val="tx1">
+                    <a:lumMod val="50000"/>
+                    <a:lumOff val="50000"/>
+                  </a:schemeClr>
+                </a:solidFill>
+              </a:rPr>
+              <a:t> </a:t>
+            </a:r>
+            <a:r>
+              <a:rPr lang="nl-NL" i="1" dirty="0" err="1">
+                <a:solidFill>
+                  <a:schemeClr val="tx1">
+                    <a:lumMod val="50000"/>
+                    <a:lumOff val="50000"/>
+                  </a:schemeClr>
+                </a:solidFill>
+              </a:rPr>
+              <a:t>transitions</a:t>
+            </a:r>
+            <a:r>
+              <a:rPr lang="nl-NL" i="1" dirty="0">
+                <a:solidFill>
+                  <a:schemeClr val="tx1">
+                    <a:lumMod val="50000"/>
+                    <a:lumOff val="50000"/>
+                  </a:schemeClr>
+                </a:solidFill>
+              </a:rPr>
+              <a:t> </a:t>
+            </a:r>
+            <a:r>
+              <a:rPr lang="nl-NL" i="1" dirty="0" err="1">
+                <a:solidFill>
+                  <a:schemeClr val="tx1">
+                    <a:lumMod val="50000"/>
+                    <a:lumOff val="50000"/>
+                  </a:schemeClr>
+                </a:solidFill>
+              </a:rPr>
+              <a:t>from</a:t>
+            </a:r>
+            <a:r>
+              <a:rPr lang="nl-NL" i="1" dirty="0">
+                <a:solidFill>
+                  <a:schemeClr val="tx1">
+                    <a:lumMod val="50000"/>
+                    <a:lumOff val="50000"/>
+                  </a:schemeClr>
+                </a:solidFill>
+              </a:rPr>
+              <a:t> </a:t>
+            </a:r>
+            <a:r>
+              <a:rPr lang="nl-NL" i="1" dirty="0" err="1">
+                <a:solidFill>
+                  <a:schemeClr val="tx1">
+                    <a:lumMod val="50000"/>
+                    <a:lumOff val="50000"/>
+                  </a:schemeClr>
+                </a:solidFill>
+              </a:rPr>
+              <a:t>Assigned</a:t>
+            </a:r>
+            <a:r>
+              <a:rPr lang="nl-NL" i="1" dirty="0">
+                <a:solidFill>
+                  <a:schemeClr val="tx1">
+                    <a:lumMod val="50000"/>
+                    <a:lumOff val="50000"/>
+                  </a:schemeClr>
+                </a:solidFill>
+              </a:rPr>
+              <a:t> </a:t>
+            </a:r>
+            <a:r>
+              <a:rPr lang="nl-NL" i="1" dirty="0" err="1">
+                <a:solidFill>
+                  <a:schemeClr val="tx1">
+                    <a:lumMod val="50000"/>
+                    <a:lumOff val="50000"/>
+                  </a:schemeClr>
+                </a:solidFill>
+              </a:rPr>
+              <a:t>to</a:t>
+            </a:r>
+            <a:r>
+              <a:rPr lang="nl-NL" i="1" dirty="0">
+                <a:solidFill>
+                  <a:schemeClr val="tx1">
+                    <a:lumMod val="50000"/>
+                    <a:lumOff val="50000"/>
+                  </a:schemeClr>
+                </a:solidFill>
+              </a:rPr>
+              <a:t> </a:t>
+            </a:r>
+            <a:r>
+              <a:rPr lang="nl-NL" i="1" dirty="0" err="1" smtClean="0">
+                <a:solidFill>
+                  <a:schemeClr val="tx1">
+                    <a:lumMod val="50000"/>
+                    <a:lumOff val="50000"/>
+                  </a:schemeClr>
+                </a:solidFill>
+              </a:rPr>
+              <a:t>UnderReview</a:t>
+            </a:r>
+            <a:r>
+              <a:rPr lang="nl-NL" i="1" dirty="0" smtClean="0">
+                <a:solidFill>
+                  <a:schemeClr val="tx1">
+                    <a:lumMod val="50000"/>
+                    <a:lumOff val="50000"/>
+                  </a:schemeClr>
+                </a:solidFill>
+              </a:rPr>
+              <a:t>.”</a:t>
+            </a:r>
+            <a:endParaRPr lang="nl-NL" i="1" dirty="0">
+              <a:solidFill>
+                <a:schemeClr val="tx1">
+                  <a:lumMod val="50000"/>
+                  <a:lumOff val="50000"/>
+                </a:schemeClr>
+              </a:solidFill>
+            </a:endParaRPr>
+          </a:p>
+        </p:txBody>
+      </p:sp>
+      <p:pic>
+        <p:nvPicPr>
+          <p:cNvPr id="6" name="Tijdelijke aanduiding voor inhoud 5"/>
+          <p:cNvPicPr>
+            <a:picLocks noGrp="1" noChangeAspect="1"/>
+          </p:cNvPicPr>
           <p:nvPr>
             <p:ph idx="1"/>
           </p:nvPr>
-        </p:nvSpPr>
-        <p:spPr/>
-        <p:txBody>
-          <a:bodyPr/>
+        </p:nvPicPr>
+        <p:blipFill>
+          <a:blip r:embed="rId2" cstate="print">
+            <a:clrChange>
+              <a:clrFrom>
+                <a:srgbClr val="FFFFFF"/>
+              </a:clrFrom>
+              <a:clrTo>
+                <a:srgbClr val="FFFFFF">
+                  <a:alpha val="0"/>
+                </a:srgbClr>
+              </a:clrTo>
+            </a:clrChange>
+            <a:extLst>
+              <a:ext uri="{28A0092B-C50C-407E-A947-70E740481C1C}">
+                <a14:useLocalDpi xmlns:a14="http://schemas.microsoft.com/office/drawing/2010/main" xmlns="" val="0"/>
+              </a:ext>
+            </a:extLst>
+          </a:blip>
+          <a:stretch>
+            <a:fillRect/>
+          </a:stretch>
+        </p:blipFill>
+        <p:spPr>
+          <a:xfrm>
+            <a:off x="457200" y="3140968"/>
+            <a:ext cx="8229600" cy="3117855"/>
+          </a:xfrm>
+        </p:spPr>
+      </p:pic>
+      <p:sp>
+        <p:nvSpPr>
+          <p:cNvPr id="7" name="Tekstvak 6"/>
+          <p:cNvSpPr txBox="1"/>
+          <p:nvPr/>
+        </p:nvSpPr>
+        <p:spPr>
+          <a:xfrm>
+            <a:off x="457200" y="3140968"/>
+            <a:ext cx="658416" cy="360000"/>
+          </a:xfrm>
+          <a:prstGeom prst="rect">
+            <a:avLst/>
+          </a:prstGeom>
+          <a:solidFill>
+            <a:schemeClr val="tx2">
+              <a:lumMod val="60000"/>
+              <a:lumOff val="40000"/>
+            </a:schemeClr>
+          </a:solidFill>
+          <a:ln>
+            <a:noFill/>
+          </a:ln>
+        </p:spPr>
+        <p:txBody>
+          <a:bodyPr wrap="square" rtlCol="0">
+            <a:spAutoFit/>
+          </a:bodyPr>
           <a:lstStyle/>
           <a:p>
-            <a:endParaRPr lang="nl-BE"/>
+            <a:pPr algn="ctr"/>
+            <a:r>
+              <a:rPr lang="nl-NL" sz="900" dirty="0" smtClean="0"/>
+              <a:t>:User</a:t>
+            </a:r>
+            <a:endParaRPr lang="nl-NL" sz="900" dirty="0"/>
+          </a:p>
+        </p:txBody>
+      </p:sp>
+      <p:sp>
+        <p:nvSpPr>
+          <p:cNvPr id="8" name="Tekstvak 7"/>
+          <p:cNvSpPr txBox="1"/>
+          <p:nvPr/>
+        </p:nvSpPr>
+        <p:spPr>
+          <a:xfrm>
+            <a:off x="4860032" y="1339820"/>
+            <a:ext cx="3384377" cy="1477328"/>
+          </a:xfrm>
+          <a:prstGeom prst="rect">
+            <a:avLst/>
+          </a:prstGeom>
+          <a:noFill/>
+        </p:spPr>
+        <p:txBody>
+          <a:bodyPr wrap="square" rtlCol="0">
+            <a:spAutoFit/>
+          </a:bodyPr>
+          <a:lstStyle/>
+          <a:p>
+            <a:r>
+              <a:rPr lang="nl-NL" i="1" dirty="0" smtClean="0">
+                <a:solidFill>
+                  <a:schemeClr val="tx1">
+                    <a:lumMod val="50000"/>
+                    <a:lumOff val="50000"/>
+                  </a:schemeClr>
+                </a:solidFill>
+              </a:rPr>
+              <a:t>“</a:t>
+            </a:r>
+            <a:r>
+              <a:rPr lang="nl-NL" i="1" dirty="0" err="1" smtClean="0">
+                <a:solidFill>
+                  <a:schemeClr val="tx1">
+                    <a:lumMod val="50000"/>
+                    <a:lumOff val="50000"/>
+                  </a:schemeClr>
+                </a:solidFill>
+              </a:rPr>
+              <a:t>When</a:t>
+            </a:r>
+            <a:r>
+              <a:rPr lang="nl-NL" i="1" dirty="0" smtClean="0">
+                <a:solidFill>
+                  <a:schemeClr val="tx1">
+                    <a:lumMod val="50000"/>
+                    <a:lumOff val="50000"/>
+                  </a:schemeClr>
+                </a:solidFill>
+              </a:rPr>
+              <a:t> </a:t>
+            </a:r>
+            <a:r>
+              <a:rPr lang="nl-NL" i="1" dirty="0">
+                <a:solidFill>
+                  <a:schemeClr val="tx1">
+                    <a:lumMod val="50000"/>
+                    <a:lumOff val="50000"/>
+                  </a:schemeClr>
+                </a:solidFill>
+              </a:rPr>
+              <a:t>a bug report is </a:t>
+            </a:r>
+            <a:r>
+              <a:rPr lang="nl-NL" i="1" dirty="0" err="1">
+                <a:solidFill>
+                  <a:schemeClr val="tx1">
+                    <a:lumMod val="50000"/>
+                    <a:lumOff val="50000"/>
+                  </a:schemeClr>
+                </a:solidFill>
+              </a:rPr>
+              <a:t>created</a:t>
+            </a:r>
+            <a:r>
+              <a:rPr lang="nl-NL" i="1" dirty="0">
+                <a:solidFill>
+                  <a:schemeClr val="tx1">
+                    <a:lumMod val="50000"/>
+                    <a:lumOff val="50000"/>
+                  </a:schemeClr>
+                </a:solidFill>
+              </a:rPr>
+              <a:t>, </a:t>
+            </a:r>
+            <a:r>
+              <a:rPr lang="nl-NL" i="1" dirty="0" err="1">
+                <a:solidFill>
+                  <a:schemeClr val="tx1">
+                    <a:lumMod val="50000"/>
+                    <a:lumOff val="50000"/>
+                  </a:schemeClr>
+                </a:solidFill>
+              </a:rPr>
+              <a:t>it</a:t>
+            </a:r>
+            <a:r>
+              <a:rPr lang="nl-NL" i="1" dirty="0">
+                <a:solidFill>
+                  <a:schemeClr val="tx1">
+                    <a:lumMod val="50000"/>
+                    <a:lumOff val="50000"/>
+                  </a:schemeClr>
+                </a:solidFill>
+              </a:rPr>
+              <a:t> </a:t>
+            </a:r>
+            <a:r>
+              <a:rPr lang="nl-NL" i="1" dirty="0" err="1">
+                <a:solidFill>
+                  <a:schemeClr val="tx1">
+                    <a:lumMod val="50000"/>
+                    <a:lumOff val="50000"/>
+                  </a:schemeClr>
+                </a:solidFill>
+              </a:rPr>
+              <a:t>can</a:t>
+            </a:r>
+            <a:r>
+              <a:rPr lang="nl-NL" i="1" dirty="0">
+                <a:solidFill>
+                  <a:schemeClr val="tx1">
+                    <a:lumMod val="50000"/>
+                    <a:lumOff val="50000"/>
+                  </a:schemeClr>
+                </a:solidFill>
+              </a:rPr>
+              <a:t> </a:t>
+            </a:r>
+            <a:r>
+              <a:rPr lang="nl-NL" i="1" dirty="0" err="1">
+                <a:solidFill>
+                  <a:schemeClr val="tx1">
+                    <a:lumMod val="50000"/>
+                    <a:lumOff val="50000"/>
+                  </a:schemeClr>
+                </a:solidFill>
+              </a:rPr>
+              <a:t>be</a:t>
+            </a:r>
+            <a:r>
+              <a:rPr lang="nl-NL" i="1" dirty="0">
+                <a:solidFill>
+                  <a:schemeClr val="tx1">
+                    <a:lumMod val="50000"/>
+                    <a:lumOff val="50000"/>
+                  </a:schemeClr>
+                </a:solidFill>
+              </a:rPr>
+              <a:t> </a:t>
+            </a:r>
+            <a:r>
+              <a:rPr lang="nl-NL" i="1" dirty="0" err="1">
+                <a:solidFill>
+                  <a:schemeClr val="tx1">
+                    <a:lumMod val="50000"/>
+                    <a:lumOff val="50000"/>
+                  </a:schemeClr>
+                </a:solidFill>
+              </a:rPr>
+              <a:t>marked</a:t>
+            </a:r>
+            <a:r>
+              <a:rPr lang="nl-NL" i="1" dirty="0">
+                <a:solidFill>
+                  <a:schemeClr val="tx1">
+                    <a:lumMod val="50000"/>
+                    <a:lumOff val="50000"/>
+                  </a:schemeClr>
+                </a:solidFill>
+              </a:rPr>
+              <a:t> as private</a:t>
+            </a:r>
+            <a:r>
+              <a:rPr lang="nl-NL" i="1" dirty="0" smtClean="0">
+                <a:solidFill>
+                  <a:schemeClr val="tx1">
+                    <a:lumMod val="50000"/>
+                    <a:lumOff val="50000"/>
+                  </a:schemeClr>
+                </a:solidFill>
+              </a:rPr>
+              <a:t>. </a:t>
+            </a:r>
+            <a:r>
+              <a:rPr lang="is-IS" i="1" dirty="0" smtClean="0">
+                <a:solidFill>
+                  <a:schemeClr val="tx1">
+                    <a:lumMod val="50000"/>
+                    <a:lumOff val="50000"/>
+                  </a:schemeClr>
+                </a:solidFill>
+              </a:rPr>
+              <a:t>… </a:t>
+            </a:r>
+            <a:r>
+              <a:rPr lang="nl-NL" i="1" dirty="0" err="1">
+                <a:solidFill>
+                  <a:schemeClr val="tx1">
+                    <a:lumMod val="50000"/>
+                    <a:lumOff val="50000"/>
+                  </a:schemeClr>
+                </a:solidFill>
+              </a:rPr>
+              <a:t>Once</a:t>
+            </a:r>
+            <a:r>
+              <a:rPr lang="nl-NL" i="1" dirty="0">
+                <a:solidFill>
+                  <a:schemeClr val="tx1">
+                    <a:lumMod val="50000"/>
+                    <a:lumOff val="50000"/>
+                  </a:schemeClr>
+                </a:solidFill>
+              </a:rPr>
+              <a:t> </a:t>
+            </a:r>
+            <a:r>
+              <a:rPr lang="nl-NL" i="1" dirty="0" err="1">
+                <a:solidFill>
+                  <a:schemeClr val="tx1">
+                    <a:lumMod val="50000"/>
+                    <a:lumOff val="50000"/>
+                  </a:schemeClr>
+                </a:solidFill>
+              </a:rPr>
+              <a:t>the</a:t>
+            </a:r>
+            <a:r>
+              <a:rPr lang="nl-NL" i="1" dirty="0">
+                <a:solidFill>
+                  <a:schemeClr val="tx1">
+                    <a:lumMod val="50000"/>
+                    <a:lumOff val="50000"/>
+                  </a:schemeClr>
+                </a:solidFill>
+              </a:rPr>
+              <a:t> first patch is </a:t>
+            </a:r>
+            <a:r>
+              <a:rPr lang="nl-NL" i="1" dirty="0" err="1">
+                <a:solidFill>
+                  <a:schemeClr val="tx1">
+                    <a:lumMod val="50000"/>
+                    <a:lumOff val="50000"/>
+                  </a:schemeClr>
+                </a:solidFill>
+              </a:rPr>
+              <a:t>submitted</a:t>
+            </a:r>
+            <a:r>
+              <a:rPr lang="nl-NL" i="1" dirty="0">
+                <a:solidFill>
+                  <a:schemeClr val="tx1">
+                    <a:lumMod val="50000"/>
+                    <a:lumOff val="50000"/>
+                  </a:schemeClr>
+                </a:solidFill>
+              </a:rPr>
+              <a:t> </a:t>
+            </a:r>
+            <a:r>
+              <a:rPr lang="nl-NL" i="1" dirty="0" err="1">
+                <a:solidFill>
+                  <a:schemeClr val="tx1">
+                    <a:lumMod val="50000"/>
+                    <a:lumOff val="50000"/>
+                  </a:schemeClr>
+                </a:solidFill>
+              </a:rPr>
+              <a:t>for</a:t>
+            </a:r>
+            <a:r>
+              <a:rPr lang="nl-NL" i="1" dirty="0">
+                <a:solidFill>
+                  <a:schemeClr val="tx1">
+                    <a:lumMod val="50000"/>
+                    <a:lumOff val="50000"/>
+                  </a:schemeClr>
+                </a:solidFill>
+              </a:rPr>
+              <a:t> </a:t>
+            </a:r>
+            <a:r>
+              <a:rPr lang="nl-NL" i="1" dirty="0" err="1">
+                <a:solidFill>
+                  <a:schemeClr val="tx1">
+                    <a:lumMod val="50000"/>
+                    <a:lumOff val="50000"/>
+                  </a:schemeClr>
+                </a:solidFill>
+              </a:rPr>
+              <a:t>the</a:t>
+            </a:r>
+            <a:r>
+              <a:rPr lang="nl-NL" i="1" dirty="0">
+                <a:solidFill>
+                  <a:schemeClr val="tx1">
+                    <a:lumMod val="50000"/>
+                    <a:lumOff val="50000"/>
+                  </a:schemeClr>
+                </a:solidFill>
+              </a:rPr>
+              <a:t> bug report, </a:t>
+            </a:r>
+            <a:r>
+              <a:rPr lang="nl-NL" i="1" dirty="0" err="1">
+                <a:solidFill>
+                  <a:schemeClr val="tx1">
+                    <a:lumMod val="50000"/>
+                    <a:lumOff val="50000"/>
+                  </a:schemeClr>
+                </a:solidFill>
+              </a:rPr>
+              <a:t>it</a:t>
+            </a:r>
+            <a:r>
+              <a:rPr lang="nl-NL" i="1" dirty="0">
+                <a:solidFill>
+                  <a:schemeClr val="tx1">
+                    <a:lumMod val="50000"/>
+                    <a:lumOff val="50000"/>
+                  </a:schemeClr>
+                </a:solidFill>
+              </a:rPr>
+              <a:t> is </a:t>
+            </a:r>
+            <a:r>
+              <a:rPr lang="nl-NL" i="1" dirty="0" err="1">
+                <a:solidFill>
+                  <a:schemeClr val="tx1">
+                    <a:lumMod val="50000"/>
+                    <a:lumOff val="50000"/>
+                  </a:schemeClr>
+                </a:solidFill>
+              </a:rPr>
+              <a:t>visible</a:t>
+            </a:r>
+            <a:r>
+              <a:rPr lang="nl-NL" i="1" dirty="0">
+                <a:solidFill>
+                  <a:schemeClr val="tx1">
+                    <a:lumMod val="50000"/>
+                    <a:lumOff val="50000"/>
+                  </a:schemeClr>
+                </a:solidFill>
+              </a:rPr>
+              <a:t> </a:t>
+            </a:r>
+            <a:r>
+              <a:rPr lang="nl-NL" i="1" dirty="0" err="1">
+                <a:solidFill>
+                  <a:schemeClr val="tx1">
+                    <a:lumMod val="50000"/>
+                    <a:lumOff val="50000"/>
+                  </a:schemeClr>
+                </a:solidFill>
+              </a:rPr>
+              <a:t>for</a:t>
+            </a:r>
+            <a:r>
+              <a:rPr lang="nl-NL" i="1" dirty="0">
+                <a:solidFill>
+                  <a:schemeClr val="tx1">
+                    <a:lumMod val="50000"/>
+                    <a:lumOff val="50000"/>
+                  </a:schemeClr>
+                </a:solidFill>
+              </a:rPr>
+              <a:t> </a:t>
+            </a:r>
+            <a:r>
+              <a:rPr lang="nl-NL" i="1" dirty="0" err="1">
+                <a:solidFill>
+                  <a:schemeClr val="tx1">
+                    <a:lumMod val="50000"/>
+                    <a:lumOff val="50000"/>
+                  </a:schemeClr>
+                </a:solidFill>
+              </a:rPr>
+              <a:t>all</a:t>
+            </a:r>
+            <a:r>
+              <a:rPr lang="nl-NL" i="1" dirty="0">
+                <a:solidFill>
+                  <a:schemeClr val="tx1">
+                    <a:lumMod val="50000"/>
+                    <a:lumOff val="50000"/>
+                  </a:schemeClr>
+                </a:solidFill>
+              </a:rPr>
+              <a:t> </a:t>
+            </a:r>
+            <a:r>
+              <a:rPr lang="nl-NL" i="1" dirty="0" err="1">
+                <a:solidFill>
+                  <a:schemeClr val="tx1">
+                    <a:lumMod val="50000"/>
+                    <a:lumOff val="50000"/>
+                  </a:schemeClr>
+                </a:solidFill>
+              </a:rPr>
+              <a:t>the</a:t>
+            </a:r>
+            <a:r>
+              <a:rPr lang="nl-NL" i="1" dirty="0">
+                <a:solidFill>
+                  <a:schemeClr val="tx1">
+                    <a:lumMod val="50000"/>
+                    <a:lumOff val="50000"/>
+                  </a:schemeClr>
+                </a:solidFill>
+              </a:rPr>
+              <a:t> users of </a:t>
+            </a:r>
+            <a:r>
+              <a:rPr lang="nl-NL" i="1" dirty="0" err="1">
+                <a:solidFill>
+                  <a:schemeClr val="tx1">
+                    <a:lumMod val="50000"/>
+                    <a:lumOff val="50000"/>
+                  </a:schemeClr>
+                </a:solidFill>
+              </a:rPr>
+              <a:t>BugTrap</a:t>
+            </a:r>
+            <a:r>
+              <a:rPr lang="nl-NL" i="1" dirty="0" smtClean="0">
+                <a:solidFill>
+                  <a:schemeClr val="tx1">
+                    <a:lumMod val="50000"/>
+                    <a:lumOff val="50000"/>
+                  </a:schemeClr>
+                </a:solidFill>
+              </a:rPr>
+              <a:t>.”</a:t>
+            </a:r>
+            <a:endParaRPr lang="nl-NL" i="1" dirty="0">
+              <a:solidFill>
+                <a:schemeClr val="tx1">
+                  <a:lumMod val="50000"/>
+                  <a:lumOff val="50000"/>
+                </a:schemeClr>
+              </a:solidFill>
+            </a:endParaRPr>
           </a:p>
         </p:txBody>
       </p:sp>
     </p:spTree>
     <p:extLst>
       <p:ext uri="{BB962C8B-B14F-4D97-AF65-F5344CB8AC3E}">
-        <p14:creationId xmlns:p14="http://schemas.microsoft.com/office/powerpoint/2010/main" val="378156031"/>
+        <p14:creationId xmlns:p14="http://schemas.microsoft.com/office/powerpoint/2010/main" xmlns="" val="269333384"/>
       </p:ext>
     </p:extLst>
   </p:cSld>
@@ -8474,4 +8730,47 @@
   <a:objectDefaults/>
   <a:extraClrSchemeLst/>
 </a:theme>
+</file>
+
+<file path=ppt/theme/themeOverride1.xml><?xml version="1.0" encoding="utf-8"?>
+<a:themeOverride xmlns:a="http://schemas.openxmlformats.org/drawingml/2006/main">
+  <a:clrScheme name="Kantoor">
+    <a:dk1>
+      <a:sysClr val="windowText" lastClr="000000"/>
+    </a:dk1>
+    <a:lt1>
+      <a:sysClr val="window" lastClr="FFFFFF"/>
+    </a:lt1>
+    <a:dk2>
+      <a:srgbClr val="1F497D"/>
+    </a:dk2>
+    <a:lt2>
+      <a:srgbClr val="EEECE1"/>
+    </a:lt2>
+    <a:accent1>
+      <a:srgbClr val="4F81BD"/>
+    </a:accent1>
+    <a:accent2>
+      <a:srgbClr val="C0504D"/>
+    </a:accent2>
+    <a:accent3>
+      <a:srgbClr val="9BBB59"/>
+    </a:accent3>
+    <a:accent4>
+      <a:srgbClr val="8064A2"/>
+    </a:accent4>
+    <a:accent5>
+      <a:srgbClr val="4BACC6"/>
+    </a:accent5>
+    <a:accent6>
+      <a:srgbClr val="F79646"/>
+    </a:accent6>
+    <a:hlink>
+      <a:srgbClr val="0000FF"/>
+    </a:hlink>
+    <a:folHlink>
+      <a:srgbClr val="800080"/>
+    </a:folHlink>
+  </a:clrScheme>
+</a:themeOverride>
 </file>
--- a/Presentaties/Iteratie 2/SWOP Presentatie 2 Inhoud.pptx
+++ b/Presentaties/Iteratie 2/SWOP Presentatie 2 Inhoud.pptx
@@ -6,25 +6,26 @@
   </p:sldMasterIdLst>
   <p:sldIdLst>
     <p:sldId id="256" r:id="rId2"/>
-    <p:sldId id="257" r:id="rId3"/>
-    <p:sldId id="258" r:id="rId4"/>
-    <p:sldId id="285" r:id="rId5"/>
-    <p:sldId id="286" r:id="rId6"/>
-    <p:sldId id="280" r:id="rId7"/>
-    <p:sldId id="281" r:id="rId8"/>
-    <p:sldId id="282" r:id="rId9"/>
-    <p:sldId id="283" r:id="rId10"/>
-    <p:sldId id="284" r:id="rId11"/>
-    <p:sldId id="277" r:id="rId12"/>
-    <p:sldId id="279" r:id="rId13"/>
-    <p:sldId id="278" r:id="rId14"/>
-    <p:sldId id="259" r:id="rId15"/>
-    <p:sldId id="270" r:id="rId16"/>
-    <p:sldId id="274" r:id="rId17"/>
-    <p:sldId id="260" r:id="rId18"/>
-    <p:sldId id="261" r:id="rId19"/>
-    <p:sldId id="262" r:id="rId20"/>
-    <p:sldId id="275" r:id="rId21"/>
+    <p:sldId id="287" r:id="rId3"/>
+    <p:sldId id="288" r:id="rId4"/>
+    <p:sldId id="258" r:id="rId5"/>
+    <p:sldId id="285" r:id="rId6"/>
+    <p:sldId id="286" r:id="rId7"/>
+    <p:sldId id="280" r:id="rId8"/>
+    <p:sldId id="281" r:id="rId9"/>
+    <p:sldId id="282" r:id="rId10"/>
+    <p:sldId id="283" r:id="rId11"/>
+    <p:sldId id="284" r:id="rId12"/>
+    <p:sldId id="277" r:id="rId13"/>
+    <p:sldId id="279" r:id="rId14"/>
+    <p:sldId id="278" r:id="rId15"/>
+    <p:sldId id="259" r:id="rId16"/>
+    <p:sldId id="270" r:id="rId17"/>
+    <p:sldId id="274" r:id="rId18"/>
+    <p:sldId id="260" r:id="rId19"/>
+    <p:sldId id="261" r:id="rId20"/>
+    <p:sldId id="262" r:id="rId21"/>
+    <p:sldId id="275" r:id="rId22"/>
   </p:sldIdLst>
   <p:sldSz cx="9144000" cy="6858000" type="screen4x3"/>
   <p:notesSz cx="6858000" cy="9144000"/>
@@ -125,7 +126,7 @@
   </p:defaultTextStyle>
   <p:extLst>
     <p:ext uri="{EFAFB233-063F-42B5-8137-9DF3F51BA10A}">
-      <p15:sldGuideLst xmlns:p15="http://schemas.microsoft.com/office/powerpoint/2012/main" xmlns="">
+      <p15:sldGuideLst xmlns="" xmlns:p15="http://schemas.microsoft.com/office/powerpoint/2012/main">
         <p15:guide id="1" orient="horz" pos="2160">
           <p15:clr>
             <a:srgbClr val="A4A3A4"/>
@@ -367,7 +368,7 @@
             <a:fld id="{91663F60-0288-4BD7-9F87-79CFFEA98662}" type="slidenum">
               <a:rPr lang="nl-BE" smtClean="0"/>
               <a:pPr/>
-              <a:t>‹Nr.›</a:t>
+              <a:t>‹nr.›</a:t>
             </a:fld>
             <a:endParaRPr lang="nl-BE"/>
           </a:p>
@@ -376,7 +377,7 @@
     </p:spTree>
     <p:extLst>
       <p:ext uri="{BB962C8B-B14F-4D97-AF65-F5344CB8AC3E}">
-        <p14:creationId xmlns:p14="http://schemas.microsoft.com/office/powerpoint/2010/main" xmlns="" val="3963083300"/>
+        <p14:creationId xmlns:p14="http://schemas.microsoft.com/office/powerpoint/2010/main" val="3963083300"/>
       </p:ext>
     </p:extLst>
   </p:cSld>
@@ -542,7 +543,7 @@
             <a:fld id="{91663F60-0288-4BD7-9F87-79CFFEA98662}" type="slidenum">
               <a:rPr lang="nl-BE" smtClean="0"/>
               <a:pPr/>
-              <a:t>‹Nr.›</a:t>
+              <a:t>‹nr.›</a:t>
             </a:fld>
             <a:endParaRPr lang="nl-BE"/>
           </a:p>
@@ -551,7 +552,7 @@
     </p:spTree>
     <p:extLst>
       <p:ext uri="{BB962C8B-B14F-4D97-AF65-F5344CB8AC3E}">
-        <p14:creationId xmlns:p14="http://schemas.microsoft.com/office/powerpoint/2010/main" xmlns="" val="1367293728"/>
+        <p14:creationId xmlns:p14="http://schemas.microsoft.com/office/powerpoint/2010/main" val="1367293728"/>
       </p:ext>
     </p:extLst>
   </p:cSld>
@@ -727,7 +728,7 @@
             <a:fld id="{91663F60-0288-4BD7-9F87-79CFFEA98662}" type="slidenum">
               <a:rPr lang="nl-BE" smtClean="0"/>
               <a:pPr/>
-              <a:t>‹Nr.›</a:t>
+              <a:t>‹nr.›</a:t>
             </a:fld>
             <a:endParaRPr lang="nl-BE"/>
           </a:p>
@@ -736,7 +737,7 @@
     </p:spTree>
     <p:extLst>
       <p:ext uri="{BB962C8B-B14F-4D97-AF65-F5344CB8AC3E}">
-        <p14:creationId xmlns:p14="http://schemas.microsoft.com/office/powerpoint/2010/main" xmlns="" val="3320721104"/>
+        <p14:creationId xmlns:p14="http://schemas.microsoft.com/office/powerpoint/2010/main" val="3320721104"/>
       </p:ext>
     </p:extLst>
   </p:cSld>
@@ -902,7 +903,7 @@
             <a:fld id="{91663F60-0288-4BD7-9F87-79CFFEA98662}" type="slidenum">
               <a:rPr lang="nl-BE" smtClean="0"/>
               <a:pPr/>
-              <a:t>‹Nr.›</a:t>
+              <a:t>‹nr.›</a:t>
             </a:fld>
             <a:endParaRPr lang="nl-BE"/>
           </a:p>
@@ -911,7 +912,7 @@
     </p:spTree>
     <p:extLst>
       <p:ext uri="{BB962C8B-B14F-4D97-AF65-F5344CB8AC3E}">
-        <p14:creationId xmlns:p14="http://schemas.microsoft.com/office/powerpoint/2010/main" xmlns="" val="1971972017"/>
+        <p14:creationId xmlns:p14="http://schemas.microsoft.com/office/powerpoint/2010/main" val="1971972017"/>
       </p:ext>
     </p:extLst>
   </p:cSld>
@@ -1153,7 +1154,7 @@
             <a:fld id="{91663F60-0288-4BD7-9F87-79CFFEA98662}" type="slidenum">
               <a:rPr lang="nl-BE" smtClean="0"/>
               <a:pPr/>
-              <a:t>‹Nr.›</a:t>
+              <a:t>‹nr.›</a:t>
             </a:fld>
             <a:endParaRPr lang="nl-BE"/>
           </a:p>
@@ -1162,7 +1163,7 @@
     </p:spTree>
     <p:extLst>
       <p:ext uri="{BB962C8B-B14F-4D97-AF65-F5344CB8AC3E}">
-        <p14:creationId xmlns:p14="http://schemas.microsoft.com/office/powerpoint/2010/main" xmlns="" val="1541596771"/>
+        <p14:creationId xmlns:p14="http://schemas.microsoft.com/office/powerpoint/2010/main" val="1541596771"/>
       </p:ext>
     </p:extLst>
   </p:cSld>
@@ -1446,7 +1447,7 @@
             <a:fld id="{91663F60-0288-4BD7-9F87-79CFFEA98662}" type="slidenum">
               <a:rPr lang="nl-BE" smtClean="0"/>
               <a:pPr/>
-              <a:t>‹Nr.›</a:t>
+              <a:t>‹nr.›</a:t>
             </a:fld>
             <a:endParaRPr lang="nl-BE"/>
           </a:p>
@@ -1455,7 +1456,7 @@
     </p:spTree>
     <p:extLst>
       <p:ext uri="{BB962C8B-B14F-4D97-AF65-F5344CB8AC3E}">
-        <p14:creationId xmlns:p14="http://schemas.microsoft.com/office/powerpoint/2010/main" xmlns="" val="1047982118"/>
+        <p14:creationId xmlns:p14="http://schemas.microsoft.com/office/powerpoint/2010/main" val="1047982118"/>
       </p:ext>
     </p:extLst>
   </p:cSld>
@@ -1873,7 +1874,7 @@
             <a:fld id="{91663F60-0288-4BD7-9F87-79CFFEA98662}" type="slidenum">
               <a:rPr lang="nl-BE" smtClean="0"/>
               <a:pPr/>
-              <a:t>‹Nr.›</a:t>
+              <a:t>‹nr.›</a:t>
             </a:fld>
             <a:endParaRPr lang="nl-BE"/>
           </a:p>
@@ -1882,7 +1883,7 @@
     </p:spTree>
     <p:extLst>
       <p:ext uri="{BB962C8B-B14F-4D97-AF65-F5344CB8AC3E}">
-        <p14:creationId xmlns:p14="http://schemas.microsoft.com/office/powerpoint/2010/main" xmlns="" val="2185725893"/>
+        <p14:creationId xmlns:p14="http://schemas.microsoft.com/office/powerpoint/2010/main" val="2185725893"/>
       </p:ext>
     </p:extLst>
   </p:cSld>
@@ -1996,7 +1997,7 @@
             <a:fld id="{91663F60-0288-4BD7-9F87-79CFFEA98662}" type="slidenum">
               <a:rPr lang="nl-BE" smtClean="0"/>
               <a:pPr/>
-              <a:t>‹Nr.›</a:t>
+              <a:t>‹nr.›</a:t>
             </a:fld>
             <a:endParaRPr lang="nl-BE"/>
           </a:p>
@@ -2005,7 +2006,7 @@
     </p:spTree>
     <p:extLst>
       <p:ext uri="{BB962C8B-B14F-4D97-AF65-F5344CB8AC3E}">
-        <p14:creationId xmlns:p14="http://schemas.microsoft.com/office/powerpoint/2010/main" xmlns="" val="1565659618"/>
+        <p14:creationId xmlns:p14="http://schemas.microsoft.com/office/powerpoint/2010/main" val="1565659618"/>
       </p:ext>
     </p:extLst>
   </p:cSld>
@@ -2096,7 +2097,7 @@
             <a:fld id="{91663F60-0288-4BD7-9F87-79CFFEA98662}" type="slidenum">
               <a:rPr lang="nl-BE" smtClean="0"/>
               <a:pPr/>
-              <a:t>‹Nr.›</a:t>
+              <a:t>‹nr.›</a:t>
             </a:fld>
             <a:endParaRPr lang="nl-BE"/>
           </a:p>
@@ -2105,7 +2106,7 @@
     </p:spTree>
     <p:extLst>
       <p:ext uri="{BB962C8B-B14F-4D97-AF65-F5344CB8AC3E}">
-        <p14:creationId xmlns:p14="http://schemas.microsoft.com/office/powerpoint/2010/main" xmlns="" val="2302775655"/>
+        <p14:creationId xmlns:p14="http://schemas.microsoft.com/office/powerpoint/2010/main" val="2302775655"/>
       </p:ext>
     </p:extLst>
   </p:cSld>
@@ -2378,7 +2379,7 @@
             <a:fld id="{91663F60-0288-4BD7-9F87-79CFFEA98662}" type="slidenum">
               <a:rPr lang="nl-BE" smtClean="0"/>
               <a:pPr/>
-              <a:t>‹Nr.›</a:t>
+              <a:t>‹nr.›</a:t>
             </a:fld>
             <a:endParaRPr lang="nl-BE"/>
           </a:p>
@@ -2387,7 +2388,7 @@
     </p:spTree>
     <p:extLst>
       <p:ext uri="{BB962C8B-B14F-4D97-AF65-F5344CB8AC3E}">
-        <p14:creationId xmlns:p14="http://schemas.microsoft.com/office/powerpoint/2010/main" xmlns="" val="2384358470"/>
+        <p14:creationId xmlns:p14="http://schemas.microsoft.com/office/powerpoint/2010/main" val="2384358470"/>
       </p:ext>
     </p:extLst>
   </p:cSld>
@@ -2636,7 +2637,7 @@
             <a:fld id="{91663F60-0288-4BD7-9F87-79CFFEA98662}" type="slidenum">
               <a:rPr lang="nl-BE" smtClean="0"/>
               <a:pPr/>
-              <a:t>‹Nr.›</a:t>
+              <a:t>‹nr.›</a:t>
             </a:fld>
             <a:endParaRPr lang="nl-BE"/>
           </a:p>
@@ -2645,7 +2646,7 @@
     </p:spTree>
     <p:extLst>
       <p:ext uri="{BB962C8B-B14F-4D97-AF65-F5344CB8AC3E}">
-        <p14:creationId xmlns:p14="http://schemas.microsoft.com/office/powerpoint/2010/main" xmlns="" val="221485852"/>
+        <p14:creationId xmlns:p14="http://schemas.microsoft.com/office/powerpoint/2010/main" val="221485852"/>
       </p:ext>
     </p:extLst>
   </p:cSld>
@@ -2914,7 +2915,7 @@
             <a:fld id="{91663F60-0288-4BD7-9F87-79CFFEA98662}" type="slidenum">
               <a:rPr lang="nl-BE" smtClean="0"/>
               <a:pPr/>
-              <a:t>‹Nr.›</a:t>
+              <a:t>‹nr.›</a:t>
             </a:fld>
             <a:endParaRPr lang="nl-BE"/>
           </a:p>
@@ -2923,7 +2924,7 @@
     </p:spTree>
     <p:extLst>
       <p:ext uri="{BB962C8B-B14F-4D97-AF65-F5344CB8AC3E}">
-        <p14:creationId xmlns:p14="http://schemas.microsoft.com/office/powerpoint/2010/main" xmlns="" val="2268232388"/>
+        <p14:creationId xmlns:p14="http://schemas.microsoft.com/office/powerpoint/2010/main" val="2268232388"/>
       </p:ext>
     </p:extLst>
   </p:cSld>
@@ -3552,7 +3553,7 @@
     </p:spTree>
     <p:extLst>
       <p:ext uri="{BB962C8B-B14F-4D97-AF65-F5344CB8AC3E}">
-        <p14:creationId xmlns:p14="http://schemas.microsoft.com/office/powerpoint/2010/main" xmlns="" val="1089514898"/>
+        <p14:creationId xmlns:p14="http://schemas.microsoft.com/office/powerpoint/2010/main" val="1089514898"/>
       </p:ext>
     </p:extLst>
   </p:cSld>
@@ -3607,7 +3608,7 @@
           <a:lstStyle/>
           <a:p>
             <a:r>
-              <a:rPr lang="nl-NL" sz="3600" cap="small" dirty="0">
+              <a:rPr lang="nl-BE" sz="3600" cap="small" dirty="0">
                 <a:ln w="18415" cmpd="sng">
                   <a:solidFill>
                     <a:schemeClr val="tx1">
@@ -3625,7 +3626,7 @@
                 </a:effectLst>
                 <a:latin typeface="Sitka Text" pitchFamily="2" charset="0"/>
               </a:rPr>
-              <a:t>Tag specifieke informatie</a:t>
+              <a:t>State pattern: Concrete Example</a:t>
             </a:r>
           </a:p>
         </p:txBody>
@@ -3638,14 +3639,31 @@
         </p:nvSpPr>
         <p:spPr>
           <a:xfrm>
-            <a:off x="5156224" y="1568559"/>
-            <a:ext cx="3525441" cy="1477328"/>
+            <a:off x="786408" y="1556792"/>
+            <a:ext cx="3456383" cy="923330"/>
           </a:xfrm>
           <a:prstGeom prst="rect">
             <a:avLst/>
           </a:prstGeom>
           <a:noFill/>
+          <a:ln>
+            <a:noFill/>
+          </a:ln>
         </p:spPr>
+        <p:style>
+          <a:lnRef idx="2">
+            <a:schemeClr val="dk1"/>
+          </a:lnRef>
+          <a:fillRef idx="1">
+            <a:schemeClr val="lt1"/>
+          </a:fillRef>
+          <a:effectRef idx="0">
+            <a:schemeClr val="dk1"/>
+          </a:effectRef>
+          <a:fontRef idx="minor">
+            <a:schemeClr val="dk1"/>
+          </a:fontRef>
+        </p:style>
         <p:txBody>
           <a:bodyPr wrap="square" rtlCol="0">
             <a:spAutoFit/>
@@ -3653,6 +3671,50 @@
           <a:lstStyle/>
           <a:p>
             <a:r>
+              <a:rPr lang="is-IS" i="1" dirty="0" smtClean="0">
+                <a:solidFill>
+                  <a:schemeClr val="tx1">
+                    <a:lumMod val="50000"/>
+                    <a:lumOff val="50000"/>
+                  </a:schemeClr>
+                </a:solidFill>
+              </a:rPr>
+              <a:t>“…</a:t>
+            </a:r>
+            <a:r>
+              <a:rPr lang="nl-NL" i="1" dirty="0" err="1" smtClean="0">
+                <a:solidFill>
+                  <a:schemeClr val="tx1">
+                    <a:lumMod val="50000"/>
+                    <a:lumOff val="50000"/>
+                  </a:schemeClr>
+                </a:solidFill>
+              </a:rPr>
+              <a:t>after</a:t>
+            </a:r>
+            <a:r>
+              <a:rPr lang="nl-NL" i="1" dirty="0" smtClean="0">
+                <a:solidFill>
+                  <a:schemeClr val="tx1">
+                    <a:lumMod val="50000"/>
+                    <a:lumOff val="50000"/>
+                  </a:schemeClr>
+                </a:solidFill>
+              </a:rPr>
+              <a:t> </a:t>
+            </a:r>
+            <a:r>
+              <a:rPr lang="nl-NL" i="1" dirty="0" err="1">
+                <a:solidFill>
+                  <a:schemeClr val="tx1">
+                    <a:lumMod val="50000"/>
+                    <a:lumOff val="50000"/>
+                  </a:schemeClr>
+                </a:solidFill>
+              </a:rPr>
+              <a:t>the</a:t>
+            </a:r>
+            <a:r>
               <a:rPr lang="nl-NL" i="1" dirty="0">
                 <a:solidFill>
                   <a:schemeClr val="tx1">
@@ -3661,7 +3723,7 @@
                   </a:schemeClr>
                 </a:solidFill>
               </a:rPr>
-              <a:t>“As a </a:t>
+              <a:t> first patch, </a:t>
             </a:r>
             <a:r>
               <a:rPr lang="nl-NL" i="1" dirty="0" err="1">
@@ -3672,7 +3734,7 @@
                   </a:schemeClr>
                 </a:solidFill>
               </a:rPr>
-              <a:t>final</a:t>
+              <a:t>the</a:t>
             </a:r>
             <a:r>
               <a:rPr lang="nl-NL" i="1" dirty="0">
@@ -3683,7 +3745,7 @@
                   </a:schemeClr>
                 </a:solidFill>
               </a:rPr>
-              <a:t> step, </a:t>
+              <a:t> tag of </a:t>
             </a:r>
             <a:r>
               <a:rPr lang="nl-NL" i="1" dirty="0" err="1">
@@ -3705,6 +3767,28 @@
                   </a:schemeClr>
                 </a:solidFill>
               </a:rPr>
+              <a:t> bug report at </a:t>
+            </a:r>
+            <a:r>
+              <a:rPr lang="nl-NL" i="1" dirty="0" err="1">
+                <a:solidFill>
+                  <a:schemeClr val="tx1">
+                    <a:lumMod val="50000"/>
+                    <a:lumOff val="50000"/>
+                  </a:schemeClr>
+                </a:solidFill>
+              </a:rPr>
+              <a:t>stake</a:t>
+            </a:r>
+            <a:r>
+              <a:rPr lang="nl-NL" i="1" dirty="0">
+                <a:solidFill>
+                  <a:schemeClr val="tx1">
+                    <a:lumMod val="50000"/>
+                    <a:lumOff val="50000"/>
+                  </a:schemeClr>
+                </a:solidFill>
+              </a:rPr>
               <a:t> </a:t>
             </a:r>
             <a:r>
@@ -3716,7 +3800,7 @@
                   </a:schemeClr>
                 </a:solidFill>
               </a:rPr>
-              <a:t>creator</a:t>
+              <a:t>transitions</a:t>
             </a:r>
             <a:r>
               <a:rPr lang="nl-NL" i="1" dirty="0">
@@ -3727,7 +3811,7 @@
                   </a:schemeClr>
                 </a:solidFill>
               </a:rPr>
-              <a:t> of a </a:t>
+              <a:t> </a:t>
             </a:r>
             <a:r>
               <a:rPr lang="nl-NL" i="1" dirty="0" err="1">
@@ -3738,7 +3822,7 @@
                   </a:schemeClr>
                 </a:solidFill>
               </a:rPr>
-              <a:t>resolved</a:t>
+              <a:t>from</a:t>
             </a:r>
             <a:r>
               <a:rPr lang="nl-NL" i="1" dirty="0">
@@ -3749,7 +3833,7 @@
                   </a:schemeClr>
                 </a:solidFill>
               </a:rPr>
-              <a:t> bug report </a:t>
+              <a:t> </a:t>
             </a:r>
             <a:r>
               <a:rPr lang="nl-NL" i="1" dirty="0" err="1">
@@ -3760,7 +3844,7 @@
                   </a:schemeClr>
                 </a:solidFill>
               </a:rPr>
-              <a:t>can</a:t>
+              <a:t>Assigned</a:t>
             </a:r>
             <a:r>
               <a:rPr lang="nl-NL" i="1" dirty="0">
@@ -3771,7 +3855,7 @@
                   </a:schemeClr>
                 </a:solidFill>
               </a:rPr>
-              <a:t> close </a:t>
+              <a:t> </a:t>
             </a:r>
             <a:r>
               <a:rPr lang="nl-NL" i="1" dirty="0" err="1">
@@ -3782,7 +3866,7 @@
                   </a:schemeClr>
                 </a:solidFill>
               </a:rPr>
-              <a:t>it</a:t>
+              <a:t>to</a:t>
             </a:r>
             <a:r>
               <a:rPr lang="nl-NL" i="1" dirty="0">
@@ -3793,10 +3877,10 @@
                   </a:schemeClr>
                 </a:solidFill>
               </a:rPr>
-              <a:t> (i.e. </a:t>
-            </a:r>
-            <a:r>
-              <a:rPr lang="nl-NL" i="1" dirty="0" err="1">
+              <a:t> </a:t>
+            </a:r>
+            <a:r>
+              <a:rPr lang="nl-NL" i="1" dirty="0" err="1" smtClean="0">
                 <a:solidFill>
                   <a:schemeClr val="tx1">
                     <a:lumMod val="50000"/>
@@ -3804,10 +3888,10 @@
                   </a:schemeClr>
                 </a:solidFill>
               </a:rPr>
-              <a:t>assign</a:t>
-            </a:r>
-            <a:r>
-              <a:rPr lang="nl-NL" i="1" dirty="0">
+              <a:t>UnderReview</a:t>
+            </a:r>
+            <a:r>
+              <a:rPr lang="nl-NL" i="1" dirty="0" smtClean="0">
                 <a:solidFill>
                   <a:schemeClr val="tx1">
                     <a:lumMod val="50000"/>
@@ -3815,172 +3899,28 @@
                   </a:schemeClr>
                 </a:solidFill>
               </a:rPr>
-              <a:t> </a:t>
-            </a:r>
-            <a:r>
-              <a:rPr lang="nl-NL" i="1" dirty="0" err="1">
-                <a:solidFill>
-                  <a:schemeClr val="tx1">
-                    <a:lumMod val="50000"/>
-                    <a:lumOff val="50000"/>
-                  </a:schemeClr>
-                </a:solidFill>
-              </a:rPr>
-              <a:t>the</a:t>
-            </a:r>
-            <a:r>
-              <a:rPr lang="nl-NL" i="1" dirty="0">
-                <a:solidFill>
-                  <a:schemeClr val="tx1">
-                    <a:lumMod val="50000"/>
-                    <a:lumOff val="50000"/>
-                  </a:schemeClr>
-                </a:solidFill>
-              </a:rPr>
-              <a:t> tag Closed) </a:t>
-            </a:r>
-            <a:r>
-              <a:rPr lang="nl-NL" i="1" dirty="0" err="1">
-                <a:solidFill>
-                  <a:schemeClr val="tx1">
-                    <a:lumMod val="50000"/>
-                    <a:lumOff val="50000"/>
-                  </a:schemeClr>
-                </a:solidFill>
-              </a:rPr>
-              <a:t>by</a:t>
-            </a:r>
-            <a:r>
-              <a:rPr lang="nl-NL" i="1" dirty="0">
-                <a:solidFill>
-                  <a:schemeClr val="tx1">
-                    <a:lumMod val="50000"/>
-                    <a:lumOff val="50000"/>
-                  </a:schemeClr>
-                </a:solidFill>
-              </a:rPr>
-              <a:t> </a:t>
-            </a:r>
-            <a:r>
-              <a:rPr lang="nl-NL" i="1" dirty="0" err="1">
-                <a:solidFill>
-                  <a:schemeClr val="tx1">
-                    <a:lumMod val="50000"/>
-                    <a:lumOff val="50000"/>
-                  </a:schemeClr>
-                </a:solidFill>
-              </a:rPr>
-              <a:t>specifying</a:t>
-            </a:r>
-            <a:r>
-              <a:rPr lang="nl-NL" i="1" dirty="0">
-                <a:solidFill>
-                  <a:schemeClr val="tx1">
-                    <a:lumMod val="50000"/>
-                    <a:lumOff val="50000"/>
-                  </a:schemeClr>
-                </a:solidFill>
-              </a:rPr>
-              <a:t> </a:t>
-            </a:r>
-            <a:r>
-              <a:rPr lang="nl-NL" i="1" dirty="0" err="1">
-                <a:solidFill>
-                  <a:schemeClr val="tx1">
-                    <a:lumMod val="50000"/>
-                    <a:lumOff val="50000"/>
-                  </a:schemeClr>
-                </a:solidFill>
-              </a:rPr>
-              <a:t>how</a:t>
-            </a:r>
-            <a:r>
-              <a:rPr lang="nl-NL" i="1" dirty="0">
-                <a:solidFill>
-                  <a:schemeClr val="tx1">
-                    <a:lumMod val="50000"/>
-                    <a:lumOff val="50000"/>
-                  </a:schemeClr>
-                </a:solidFill>
-              </a:rPr>
-              <a:t> </a:t>
-            </a:r>
-            <a:r>
-              <a:rPr lang="nl-NL" i="1" dirty="0" err="1">
-                <a:solidFill>
-                  <a:schemeClr val="tx1">
-                    <a:lumMod val="50000"/>
-                    <a:lumOff val="50000"/>
-                  </a:schemeClr>
-                </a:solidFill>
-              </a:rPr>
-              <a:t>satisfied</a:t>
-            </a:r>
-            <a:r>
-              <a:rPr lang="nl-NL" i="1" dirty="0">
-                <a:solidFill>
-                  <a:schemeClr val="tx1">
-                    <a:lumMod val="50000"/>
-                    <a:lumOff val="50000"/>
-                  </a:schemeClr>
-                </a:solidFill>
-              </a:rPr>
-              <a:t> he is </a:t>
-            </a:r>
-            <a:r>
-              <a:rPr lang="nl-NL" i="1" dirty="0" err="1">
-                <a:solidFill>
-                  <a:schemeClr val="tx1">
-                    <a:lumMod val="50000"/>
-                    <a:lumOff val="50000"/>
-                  </a:schemeClr>
-                </a:solidFill>
-              </a:rPr>
-              <a:t>with</a:t>
-            </a:r>
-            <a:r>
-              <a:rPr lang="nl-NL" i="1" dirty="0">
-                <a:solidFill>
-                  <a:schemeClr val="tx1">
-                    <a:lumMod val="50000"/>
-                    <a:lumOff val="50000"/>
-                  </a:schemeClr>
-                </a:solidFill>
-              </a:rPr>
-              <a:t> </a:t>
-            </a:r>
-            <a:r>
-              <a:rPr lang="nl-NL" i="1" dirty="0" err="1">
-                <a:solidFill>
-                  <a:schemeClr val="tx1">
-                    <a:lumMod val="50000"/>
-                    <a:lumOff val="50000"/>
-                  </a:schemeClr>
-                </a:solidFill>
-              </a:rPr>
-              <a:t>the</a:t>
-            </a:r>
-            <a:r>
-              <a:rPr lang="nl-NL" i="1" dirty="0">
-                <a:solidFill>
-                  <a:schemeClr val="tx1">
-                    <a:lumMod val="50000"/>
-                    <a:lumOff val="50000"/>
-                  </a:schemeClr>
-                </a:solidFill>
-              </a:rPr>
-              <a:t> solution.”</a:t>
-            </a:r>
+              <a:t>.”</a:t>
+            </a:r>
+            <a:endParaRPr lang="nl-NL" i="1" dirty="0">
+              <a:solidFill>
+                <a:schemeClr val="tx1">
+                  <a:lumMod val="50000"/>
+                  <a:lumOff val="50000"/>
+                </a:schemeClr>
+              </a:solidFill>
+            </a:endParaRPr>
           </a:p>
         </p:txBody>
       </p:sp>
       <p:pic>
         <p:nvPicPr>
-          <p:cNvPr id="3" name="Afbeelding 2"/>
+          <p:cNvPr id="6" name="Tijdelijke aanduiding voor inhoud 5"/>
           <p:cNvPicPr>
-            <a:picLocks noChangeAspect="1"/>
+            <a:picLocks noGrp="1" noChangeAspect="1"/>
           </p:cNvPicPr>
-          <p:nvPr/>
+          <p:nvPr>
+            <p:ph idx="1"/>
+          </p:nvPr>
         </p:nvPicPr>
         <p:blipFill>
           <a:blip r:embed="rId2" cstate="print">
@@ -3996,7 +3936,7 @@
             </a:clrChange>
             <a:extLst>
               <a:ext uri="{28A0092B-C50C-407E-A947-70E740481C1C}">
-                <a14:useLocalDpi xmlns:a14="http://schemas.microsoft.com/office/drawing/2010/main" xmlns="" val="0"/>
+                <a14:useLocalDpi xmlns:a14="http://schemas.microsoft.com/office/drawing/2010/main" val="0"/>
               </a:ext>
             </a:extLst>
           </a:blip>
@@ -4006,18 +3946,505 @@
         </p:blipFill>
         <p:spPr>
           <a:xfrm>
-            <a:off x="107504" y="3259615"/>
-            <a:ext cx="8964488" cy="2617657"/>
+            <a:off x="457200" y="3140968"/>
+            <a:ext cx="8229600" cy="3117855"/>
+          </a:xfrm>
+        </p:spPr>
+      </p:pic>
+      <p:sp>
+        <p:nvSpPr>
+          <p:cNvPr id="7" name="Tekstvak 6"/>
+          <p:cNvSpPr txBox="1"/>
+          <p:nvPr/>
+        </p:nvSpPr>
+        <p:spPr>
+          <a:xfrm>
+            <a:off x="457200" y="3140968"/>
+            <a:ext cx="658416" cy="360000"/>
           </a:xfrm>
           <a:prstGeom prst="rect">
             <a:avLst/>
           </a:prstGeom>
+          <a:solidFill>
+            <a:schemeClr val="tx2">
+              <a:lumMod val="60000"/>
+              <a:lumOff val="40000"/>
+            </a:schemeClr>
+          </a:solidFill>
+          <a:ln>
+            <a:noFill/>
+          </a:ln>
         </p:spPr>
-      </p:pic>
+        <p:txBody>
+          <a:bodyPr wrap="square" rtlCol="0">
+            <a:spAutoFit/>
+          </a:bodyPr>
+          <a:lstStyle/>
+          <a:p>
+            <a:pPr algn="ctr"/>
+            <a:r>
+              <a:rPr lang="nl-NL" sz="900" dirty="0" smtClean="0"/>
+              <a:t>:User</a:t>
+            </a:r>
+            <a:endParaRPr lang="nl-NL" sz="900" dirty="0"/>
+          </a:p>
+        </p:txBody>
+      </p:sp>
+      <p:sp>
+        <p:nvSpPr>
+          <p:cNvPr id="8" name="Tekstvak 7"/>
+          <p:cNvSpPr txBox="1"/>
+          <p:nvPr/>
+        </p:nvSpPr>
+        <p:spPr>
+          <a:xfrm>
+            <a:off x="4860032" y="1339820"/>
+            <a:ext cx="3384377" cy="1477328"/>
+          </a:xfrm>
+          <a:prstGeom prst="rect">
+            <a:avLst/>
+          </a:prstGeom>
+          <a:noFill/>
+        </p:spPr>
+        <p:txBody>
+          <a:bodyPr wrap="square" rtlCol="0">
+            <a:spAutoFit/>
+          </a:bodyPr>
+          <a:lstStyle/>
+          <a:p>
+            <a:r>
+              <a:rPr lang="nl-NL" i="1" dirty="0" smtClean="0">
+                <a:solidFill>
+                  <a:schemeClr val="tx1">
+                    <a:lumMod val="50000"/>
+                    <a:lumOff val="50000"/>
+                  </a:schemeClr>
+                </a:solidFill>
+              </a:rPr>
+              <a:t>“</a:t>
+            </a:r>
+            <a:r>
+              <a:rPr lang="nl-NL" i="1" dirty="0" err="1" smtClean="0">
+                <a:solidFill>
+                  <a:schemeClr val="tx1">
+                    <a:lumMod val="50000"/>
+                    <a:lumOff val="50000"/>
+                  </a:schemeClr>
+                </a:solidFill>
+              </a:rPr>
+              <a:t>When</a:t>
+            </a:r>
+            <a:r>
+              <a:rPr lang="nl-NL" i="1" dirty="0" smtClean="0">
+                <a:solidFill>
+                  <a:schemeClr val="tx1">
+                    <a:lumMod val="50000"/>
+                    <a:lumOff val="50000"/>
+                  </a:schemeClr>
+                </a:solidFill>
+              </a:rPr>
+              <a:t> </a:t>
+            </a:r>
+            <a:r>
+              <a:rPr lang="nl-NL" i="1" dirty="0">
+                <a:solidFill>
+                  <a:schemeClr val="tx1">
+                    <a:lumMod val="50000"/>
+                    <a:lumOff val="50000"/>
+                  </a:schemeClr>
+                </a:solidFill>
+              </a:rPr>
+              <a:t>a bug report is </a:t>
+            </a:r>
+            <a:r>
+              <a:rPr lang="nl-NL" i="1" dirty="0" err="1">
+                <a:solidFill>
+                  <a:schemeClr val="tx1">
+                    <a:lumMod val="50000"/>
+                    <a:lumOff val="50000"/>
+                  </a:schemeClr>
+                </a:solidFill>
+              </a:rPr>
+              <a:t>created</a:t>
+            </a:r>
+            <a:r>
+              <a:rPr lang="nl-NL" i="1" dirty="0">
+                <a:solidFill>
+                  <a:schemeClr val="tx1">
+                    <a:lumMod val="50000"/>
+                    <a:lumOff val="50000"/>
+                  </a:schemeClr>
+                </a:solidFill>
+              </a:rPr>
+              <a:t>, </a:t>
+            </a:r>
+            <a:r>
+              <a:rPr lang="nl-NL" i="1" dirty="0" err="1">
+                <a:solidFill>
+                  <a:schemeClr val="tx1">
+                    <a:lumMod val="50000"/>
+                    <a:lumOff val="50000"/>
+                  </a:schemeClr>
+                </a:solidFill>
+              </a:rPr>
+              <a:t>it</a:t>
+            </a:r>
+            <a:r>
+              <a:rPr lang="nl-NL" i="1" dirty="0">
+                <a:solidFill>
+                  <a:schemeClr val="tx1">
+                    <a:lumMod val="50000"/>
+                    <a:lumOff val="50000"/>
+                  </a:schemeClr>
+                </a:solidFill>
+              </a:rPr>
+              <a:t> </a:t>
+            </a:r>
+            <a:r>
+              <a:rPr lang="nl-NL" i="1" dirty="0" err="1">
+                <a:solidFill>
+                  <a:schemeClr val="tx1">
+                    <a:lumMod val="50000"/>
+                    <a:lumOff val="50000"/>
+                  </a:schemeClr>
+                </a:solidFill>
+              </a:rPr>
+              <a:t>can</a:t>
+            </a:r>
+            <a:r>
+              <a:rPr lang="nl-NL" i="1" dirty="0">
+                <a:solidFill>
+                  <a:schemeClr val="tx1">
+                    <a:lumMod val="50000"/>
+                    <a:lumOff val="50000"/>
+                  </a:schemeClr>
+                </a:solidFill>
+              </a:rPr>
+              <a:t> </a:t>
+            </a:r>
+            <a:r>
+              <a:rPr lang="nl-NL" i="1" dirty="0" err="1">
+                <a:solidFill>
+                  <a:schemeClr val="tx1">
+                    <a:lumMod val="50000"/>
+                    <a:lumOff val="50000"/>
+                  </a:schemeClr>
+                </a:solidFill>
+              </a:rPr>
+              <a:t>be</a:t>
+            </a:r>
+            <a:r>
+              <a:rPr lang="nl-NL" i="1" dirty="0">
+                <a:solidFill>
+                  <a:schemeClr val="tx1">
+                    <a:lumMod val="50000"/>
+                    <a:lumOff val="50000"/>
+                  </a:schemeClr>
+                </a:solidFill>
+              </a:rPr>
+              <a:t> </a:t>
+            </a:r>
+            <a:r>
+              <a:rPr lang="nl-NL" i="1" dirty="0" err="1">
+                <a:solidFill>
+                  <a:schemeClr val="tx1">
+                    <a:lumMod val="50000"/>
+                    <a:lumOff val="50000"/>
+                  </a:schemeClr>
+                </a:solidFill>
+              </a:rPr>
+              <a:t>marked</a:t>
+            </a:r>
+            <a:r>
+              <a:rPr lang="nl-NL" i="1" dirty="0">
+                <a:solidFill>
+                  <a:schemeClr val="tx1">
+                    <a:lumMod val="50000"/>
+                    <a:lumOff val="50000"/>
+                  </a:schemeClr>
+                </a:solidFill>
+              </a:rPr>
+              <a:t> as private</a:t>
+            </a:r>
+            <a:r>
+              <a:rPr lang="nl-NL" i="1" dirty="0" smtClean="0">
+                <a:solidFill>
+                  <a:schemeClr val="tx1">
+                    <a:lumMod val="50000"/>
+                    <a:lumOff val="50000"/>
+                  </a:schemeClr>
+                </a:solidFill>
+              </a:rPr>
+              <a:t>. </a:t>
+            </a:r>
+            <a:r>
+              <a:rPr lang="is-IS" i="1" dirty="0" smtClean="0">
+                <a:solidFill>
+                  <a:schemeClr val="tx1">
+                    <a:lumMod val="50000"/>
+                    <a:lumOff val="50000"/>
+                  </a:schemeClr>
+                </a:solidFill>
+              </a:rPr>
+              <a:t>… </a:t>
+            </a:r>
+            <a:r>
+              <a:rPr lang="nl-NL" i="1" dirty="0" err="1">
+                <a:solidFill>
+                  <a:schemeClr val="tx1">
+                    <a:lumMod val="50000"/>
+                    <a:lumOff val="50000"/>
+                  </a:schemeClr>
+                </a:solidFill>
+              </a:rPr>
+              <a:t>Once</a:t>
+            </a:r>
+            <a:r>
+              <a:rPr lang="nl-NL" i="1" dirty="0">
+                <a:solidFill>
+                  <a:schemeClr val="tx1">
+                    <a:lumMod val="50000"/>
+                    <a:lumOff val="50000"/>
+                  </a:schemeClr>
+                </a:solidFill>
+              </a:rPr>
+              <a:t> </a:t>
+            </a:r>
+            <a:r>
+              <a:rPr lang="nl-NL" i="1" dirty="0" err="1">
+                <a:solidFill>
+                  <a:schemeClr val="tx1">
+                    <a:lumMod val="50000"/>
+                    <a:lumOff val="50000"/>
+                  </a:schemeClr>
+                </a:solidFill>
+              </a:rPr>
+              <a:t>the</a:t>
+            </a:r>
+            <a:r>
+              <a:rPr lang="nl-NL" i="1" dirty="0">
+                <a:solidFill>
+                  <a:schemeClr val="tx1">
+                    <a:lumMod val="50000"/>
+                    <a:lumOff val="50000"/>
+                  </a:schemeClr>
+                </a:solidFill>
+              </a:rPr>
+              <a:t> first patch is </a:t>
+            </a:r>
+            <a:r>
+              <a:rPr lang="nl-NL" i="1" dirty="0" err="1">
+                <a:solidFill>
+                  <a:schemeClr val="tx1">
+                    <a:lumMod val="50000"/>
+                    <a:lumOff val="50000"/>
+                  </a:schemeClr>
+                </a:solidFill>
+              </a:rPr>
+              <a:t>submitted</a:t>
+            </a:r>
+            <a:r>
+              <a:rPr lang="nl-NL" i="1" dirty="0">
+                <a:solidFill>
+                  <a:schemeClr val="tx1">
+                    <a:lumMod val="50000"/>
+                    <a:lumOff val="50000"/>
+                  </a:schemeClr>
+                </a:solidFill>
+              </a:rPr>
+              <a:t> </a:t>
+            </a:r>
+            <a:r>
+              <a:rPr lang="nl-NL" i="1" dirty="0" err="1">
+                <a:solidFill>
+                  <a:schemeClr val="tx1">
+                    <a:lumMod val="50000"/>
+                    <a:lumOff val="50000"/>
+                  </a:schemeClr>
+                </a:solidFill>
+              </a:rPr>
+              <a:t>for</a:t>
+            </a:r>
+            <a:r>
+              <a:rPr lang="nl-NL" i="1" dirty="0">
+                <a:solidFill>
+                  <a:schemeClr val="tx1">
+                    <a:lumMod val="50000"/>
+                    <a:lumOff val="50000"/>
+                  </a:schemeClr>
+                </a:solidFill>
+              </a:rPr>
+              <a:t> </a:t>
+            </a:r>
+            <a:r>
+              <a:rPr lang="nl-NL" i="1" dirty="0" err="1">
+                <a:solidFill>
+                  <a:schemeClr val="tx1">
+                    <a:lumMod val="50000"/>
+                    <a:lumOff val="50000"/>
+                  </a:schemeClr>
+                </a:solidFill>
+              </a:rPr>
+              <a:t>the</a:t>
+            </a:r>
+            <a:r>
+              <a:rPr lang="nl-NL" i="1" dirty="0">
+                <a:solidFill>
+                  <a:schemeClr val="tx1">
+                    <a:lumMod val="50000"/>
+                    <a:lumOff val="50000"/>
+                  </a:schemeClr>
+                </a:solidFill>
+              </a:rPr>
+              <a:t> bug report, </a:t>
+            </a:r>
+            <a:r>
+              <a:rPr lang="nl-NL" i="1" dirty="0" err="1">
+                <a:solidFill>
+                  <a:schemeClr val="tx1">
+                    <a:lumMod val="50000"/>
+                    <a:lumOff val="50000"/>
+                  </a:schemeClr>
+                </a:solidFill>
+              </a:rPr>
+              <a:t>it</a:t>
+            </a:r>
+            <a:r>
+              <a:rPr lang="nl-NL" i="1" dirty="0">
+                <a:solidFill>
+                  <a:schemeClr val="tx1">
+                    <a:lumMod val="50000"/>
+                    <a:lumOff val="50000"/>
+                  </a:schemeClr>
+                </a:solidFill>
+              </a:rPr>
+              <a:t> is </a:t>
+            </a:r>
+            <a:r>
+              <a:rPr lang="nl-NL" i="1" dirty="0" err="1">
+                <a:solidFill>
+                  <a:schemeClr val="tx1">
+                    <a:lumMod val="50000"/>
+                    <a:lumOff val="50000"/>
+                  </a:schemeClr>
+                </a:solidFill>
+              </a:rPr>
+              <a:t>visible</a:t>
+            </a:r>
+            <a:r>
+              <a:rPr lang="nl-NL" i="1" dirty="0">
+                <a:solidFill>
+                  <a:schemeClr val="tx1">
+                    <a:lumMod val="50000"/>
+                    <a:lumOff val="50000"/>
+                  </a:schemeClr>
+                </a:solidFill>
+              </a:rPr>
+              <a:t> </a:t>
+            </a:r>
+            <a:r>
+              <a:rPr lang="nl-NL" i="1" dirty="0" err="1">
+                <a:solidFill>
+                  <a:schemeClr val="tx1">
+                    <a:lumMod val="50000"/>
+                    <a:lumOff val="50000"/>
+                  </a:schemeClr>
+                </a:solidFill>
+              </a:rPr>
+              <a:t>for</a:t>
+            </a:r>
+            <a:r>
+              <a:rPr lang="nl-NL" i="1" dirty="0">
+                <a:solidFill>
+                  <a:schemeClr val="tx1">
+                    <a:lumMod val="50000"/>
+                    <a:lumOff val="50000"/>
+                  </a:schemeClr>
+                </a:solidFill>
+              </a:rPr>
+              <a:t> </a:t>
+            </a:r>
+            <a:r>
+              <a:rPr lang="nl-NL" i="1" dirty="0" err="1">
+                <a:solidFill>
+                  <a:schemeClr val="tx1">
+                    <a:lumMod val="50000"/>
+                    <a:lumOff val="50000"/>
+                  </a:schemeClr>
+                </a:solidFill>
+              </a:rPr>
+              <a:t>all</a:t>
+            </a:r>
+            <a:r>
+              <a:rPr lang="nl-NL" i="1" dirty="0">
+                <a:solidFill>
+                  <a:schemeClr val="tx1">
+                    <a:lumMod val="50000"/>
+                    <a:lumOff val="50000"/>
+                  </a:schemeClr>
+                </a:solidFill>
+              </a:rPr>
+              <a:t> </a:t>
+            </a:r>
+            <a:r>
+              <a:rPr lang="nl-NL" i="1" dirty="0" err="1">
+                <a:solidFill>
+                  <a:schemeClr val="tx1">
+                    <a:lumMod val="50000"/>
+                    <a:lumOff val="50000"/>
+                  </a:schemeClr>
+                </a:solidFill>
+              </a:rPr>
+              <a:t>the</a:t>
+            </a:r>
+            <a:r>
+              <a:rPr lang="nl-NL" i="1" dirty="0">
+                <a:solidFill>
+                  <a:schemeClr val="tx1">
+                    <a:lumMod val="50000"/>
+                    <a:lumOff val="50000"/>
+                  </a:schemeClr>
+                </a:solidFill>
+              </a:rPr>
+              <a:t> users of </a:t>
+            </a:r>
+            <a:r>
+              <a:rPr lang="nl-NL" i="1" dirty="0" err="1">
+                <a:solidFill>
+                  <a:schemeClr val="tx1">
+                    <a:lumMod val="50000"/>
+                    <a:lumOff val="50000"/>
+                  </a:schemeClr>
+                </a:solidFill>
+              </a:rPr>
+              <a:t>BugTrap</a:t>
+            </a:r>
+            <a:r>
+              <a:rPr lang="nl-NL" i="1" dirty="0" smtClean="0">
+                <a:solidFill>
+                  <a:schemeClr val="tx1">
+                    <a:lumMod val="50000"/>
+                    <a:lumOff val="50000"/>
+                  </a:schemeClr>
+                </a:solidFill>
+              </a:rPr>
+              <a:t>.”</a:t>
+            </a:r>
+            <a:endParaRPr lang="nl-NL" i="1" dirty="0">
+              <a:solidFill>
+                <a:schemeClr val="tx1">
+                  <a:lumMod val="50000"/>
+                  <a:lumOff val="50000"/>
+                </a:schemeClr>
+              </a:solidFill>
+            </a:endParaRPr>
+          </a:p>
+        </p:txBody>
+      </p:sp>
     </p:spTree>
     <p:extLst>
       <p:ext uri="{BB962C8B-B14F-4D97-AF65-F5344CB8AC3E}">
-        <p14:creationId xmlns:p14="http://schemas.microsoft.com/office/powerpoint/2010/main" xmlns="" val="1938140659"/>
+        <p14:creationId xmlns:p14="http://schemas.microsoft.com/office/powerpoint/2010/main" val="269333384"/>
       </p:ext>
     </p:extLst>
   </p:cSld>
@@ -4060,49 +4487,422 @@
         <p:spPr/>
         <p:txBody>
           <a:bodyPr>
-            <a:normAutofit fontScale="90000"/>
+            <a:normAutofit/>
           </a:bodyPr>
           <a:lstStyle/>
           <a:p>
             <a:r>
-              <a:rPr lang="nl-BE" dirty="0" err="1" smtClean="0"/>
-              <a:t>Insert</a:t>
-            </a:r>
-            <a:r>
-              <a:rPr lang="nl-BE" dirty="0" smtClean="0"/>
-              <a:t> heel korte uitleg over </a:t>
-            </a:r>
-            <a:r>
-              <a:rPr lang="nl-BE" dirty="0" err="1" smtClean="0"/>
-              <a:t>milestones</a:t>
-            </a:r>
-            <a:endParaRPr lang="nl-BE" dirty="0"/>
-          </a:p>
-        </p:txBody>
-      </p:sp>
-      <p:sp>
-        <p:nvSpPr>
-          <p:cNvPr id="3" name="Tijdelijke aanduiding voor inhoud 2"/>
-          <p:cNvSpPr>
-            <a:spLocks noGrp="1"/>
-          </p:cNvSpPr>
-          <p:nvPr>
-            <p:ph idx="1"/>
-          </p:nvPr>
-        </p:nvSpPr>
-        <p:spPr/>
-        <p:txBody>
-          <a:bodyPr/>
+              <a:rPr lang="nl-NL" sz="3600" cap="small" dirty="0">
+                <a:ln w="18415" cmpd="sng">
+                  <a:solidFill>
+                    <a:schemeClr val="tx1">
+                      <a:alpha val="0"/>
+                    </a:schemeClr>
+                  </a:solidFill>
+                  <a:prstDash val="solid"/>
+                </a:ln>
+                <a:effectLst>
+                  <a:outerShdw blurRad="25400" dir="3600000" algn="tl" rotWithShape="0">
+                    <a:srgbClr val="000000">
+                      <a:alpha val="70000"/>
+                    </a:srgbClr>
+                  </a:outerShdw>
+                </a:effectLst>
+                <a:latin typeface="Sitka Text" pitchFamily="2" charset="0"/>
+              </a:rPr>
+              <a:t>Tag specifieke informatie</a:t>
+            </a:r>
+          </a:p>
+        </p:txBody>
+      </p:sp>
+      <p:sp>
+        <p:nvSpPr>
+          <p:cNvPr id="5" name="Tekstvak 4"/>
+          <p:cNvSpPr txBox="1"/>
+          <p:nvPr/>
+        </p:nvSpPr>
+        <p:spPr>
+          <a:xfrm>
+            <a:off x="5156224" y="1568559"/>
+            <a:ext cx="3525441" cy="1477328"/>
+          </a:xfrm>
+          <a:prstGeom prst="rect">
+            <a:avLst/>
+          </a:prstGeom>
+          <a:noFill/>
+        </p:spPr>
+        <p:txBody>
+          <a:bodyPr wrap="square" rtlCol="0">
+            <a:spAutoFit/>
+          </a:bodyPr>
           <a:lstStyle/>
           <a:p>
-            <a:endParaRPr lang="nl-BE"/>
-          </a:p>
-        </p:txBody>
-      </p:sp>
+            <a:r>
+              <a:rPr lang="nl-NL" i="1" dirty="0">
+                <a:solidFill>
+                  <a:schemeClr val="tx1">
+                    <a:lumMod val="50000"/>
+                    <a:lumOff val="50000"/>
+                  </a:schemeClr>
+                </a:solidFill>
+              </a:rPr>
+              <a:t>“As a </a:t>
+            </a:r>
+            <a:r>
+              <a:rPr lang="nl-NL" i="1" dirty="0" err="1">
+                <a:solidFill>
+                  <a:schemeClr val="tx1">
+                    <a:lumMod val="50000"/>
+                    <a:lumOff val="50000"/>
+                  </a:schemeClr>
+                </a:solidFill>
+              </a:rPr>
+              <a:t>final</a:t>
+            </a:r>
+            <a:r>
+              <a:rPr lang="nl-NL" i="1" dirty="0">
+                <a:solidFill>
+                  <a:schemeClr val="tx1">
+                    <a:lumMod val="50000"/>
+                    <a:lumOff val="50000"/>
+                  </a:schemeClr>
+                </a:solidFill>
+              </a:rPr>
+              <a:t> step, </a:t>
+            </a:r>
+            <a:r>
+              <a:rPr lang="nl-NL" i="1" dirty="0" err="1">
+                <a:solidFill>
+                  <a:schemeClr val="tx1">
+                    <a:lumMod val="50000"/>
+                    <a:lumOff val="50000"/>
+                  </a:schemeClr>
+                </a:solidFill>
+              </a:rPr>
+              <a:t>the</a:t>
+            </a:r>
+            <a:r>
+              <a:rPr lang="nl-NL" i="1" dirty="0">
+                <a:solidFill>
+                  <a:schemeClr val="tx1">
+                    <a:lumMod val="50000"/>
+                    <a:lumOff val="50000"/>
+                  </a:schemeClr>
+                </a:solidFill>
+              </a:rPr>
+              <a:t> </a:t>
+            </a:r>
+            <a:r>
+              <a:rPr lang="nl-NL" i="1" dirty="0" err="1">
+                <a:solidFill>
+                  <a:schemeClr val="tx1">
+                    <a:lumMod val="50000"/>
+                    <a:lumOff val="50000"/>
+                  </a:schemeClr>
+                </a:solidFill>
+              </a:rPr>
+              <a:t>creator</a:t>
+            </a:r>
+            <a:r>
+              <a:rPr lang="nl-NL" i="1" dirty="0">
+                <a:solidFill>
+                  <a:schemeClr val="tx1">
+                    <a:lumMod val="50000"/>
+                    <a:lumOff val="50000"/>
+                  </a:schemeClr>
+                </a:solidFill>
+              </a:rPr>
+              <a:t> of a </a:t>
+            </a:r>
+            <a:r>
+              <a:rPr lang="nl-NL" i="1" dirty="0" err="1">
+                <a:solidFill>
+                  <a:schemeClr val="tx1">
+                    <a:lumMod val="50000"/>
+                    <a:lumOff val="50000"/>
+                  </a:schemeClr>
+                </a:solidFill>
+              </a:rPr>
+              <a:t>resolved</a:t>
+            </a:r>
+            <a:r>
+              <a:rPr lang="nl-NL" i="1" dirty="0">
+                <a:solidFill>
+                  <a:schemeClr val="tx1">
+                    <a:lumMod val="50000"/>
+                    <a:lumOff val="50000"/>
+                  </a:schemeClr>
+                </a:solidFill>
+              </a:rPr>
+              <a:t> bug report </a:t>
+            </a:r>
+            <a:r>
+              <a:rPr lang="nl-NL" i="1" dirty="0" err="1">
+                <a:solidFill>
+                  <a:schemeClr val="tx1">
+                    <a:lumMod val="50000"/>
+                    <a:lumOff val="50000"/>
+                  </a:schemeClr>
+                </a:solidFill>
+              </a:rPr>
+              <a:t>can</a:t>
+            </a:r>
+            <a:r>
+              <a:rPr lang="nl-NL" i="1" dirty="0">
+                <a:solidFill>
+                  <a:schemeClr val="tx1">
+                    <a:lumMod val="50000"/>
+                    <a:lumOff val="50000"/>
+                  </a:schemeClr>
+                </a:solidFill>
+              </a:rPr>
+              <a:t> close </a:t>
+            </a:r>
+            <a:r>
+              <a:rPr lang="nl-NL" i="1" dirty="0" err="1">
+                <a:solidFill>
+                  <a:schemeClr val="tx1">
+                    <a:lumMod val="50000"/>
+                    <a:lumOff val="50000"/>
+                  </a:schemeClr>
+                </a:solidFill>
+              </a:rPr>
+              <a:t>it</a:t>
+            </a:r>
+            <a:r>
+              <a:rPr lang="nl-NL" i="1" dirty="0">
+                <a:solidFill>
+                  <a:schemeClr val="tx1">
+                    <a:lumMod val="50000"/>
+                    <a:lumOff val="50000"/>
+                  </a:schemeClr>
+                </a:solidFill>
+              </a:rPr>
+              <a:t> (i.e. </a:t>
+            </a:r>
+            <a:r>
+              <a:rPr lang="nl-NL" i="1" dirty="0" err="1">
+                <a:solidFill>
+                  <a:schemeClr val="tx1">
+                    <a:lumMod val="50000"/>
+                    <a:lumOff val="50000"/>
+                  </a:schemeClr>
+                </a:solidFill>
+              </a:rPr>
+              <a:t>assign</a:t>
+            </a:r>
+            <a:r>
+              <a:rPr lang="nl-NL" i="1" dirty="0">
+                <a:solidFill>
+                  <a:schemeClr val="tx1">
+                    <a:lumMod val="50000"/>
+                    <a:lumOff val="50000"/>
+                  </a:schemeClr>
+                </a:solidFill>
+              </a:rPr>
+              <a:t> </a:t>
+            </a:r>
+            <a:r>
+              <a:rPr lang="nl-NL" i="1" dirty="0" err="1">
+                <a:solidFill>
+                  <a:schemeClr val="tx1">
+                    <a:lumMod val="50000"/>
+                    <a:lumOff val="50000"/>
+                  </a:schemeClr>
+                </a:solidFill>
+              </a:rPr>
+              <a:t>the</a:t>
+            </a:r>
+            <a:r>
+              <a:rPr lang="nl-NL" i="1" dirty="0">
+                <a:solidFill>
+                  <a:schemeClr val="tx1">
+                    <a:lumMod val="50000"/>
+                    <a:lumOff val="50000"/>
+                  </a:schemeClr>
+                </a:solidFill>
+              </a:rPr>
+              <a:t> tag Closed) </a:t>
+            </a:r>
+            <a:r>
+              <a:rPr lang="nl-NL" i="1" dirty="0" err="1">
+                <a:solidFill>
+                  <a:schemeClr val="tx1">
+                    <a:lumMod val="50000"/>
+                    <a:lumOff val="50000"/>
+                  </a:schemeClr>
+                </a:solidFill>
+              </a:rPr>
+              <a:t>by</a:t>
+            </a:r>
+            <a:r>
+              <a:rPr lang="nl-NL" i="1" dirty="0">
+                <a:solidFill>
+                  <a:schemeClr val="tx1">
+                    <a:lumMod val="50000"/>
+                    <a:lumOff val="50000"/>
+                  </a:schemeClr>
+                </a:solidFill>
+              </a:rPr>
+              <a:t> </a:t>
+            </a:r>
+            <a:r>
+              <a:rPr lang="nl-NL" i="1" dirty="0" err="1">
+                <a:solidFill>
+                  <a:schemeClr val="tx1">
+                    <a:lumMod val="50000"/>
+                    <a:lumOff val="50000"/>
+                  </a:schemeClr>
+                </a:solidFill>
+              </a:rPr>
+              <a:t>specifying</a:t>
+            </a:r>
+            <a:r>
+              <a:rPr lang="nl-NL" i="1" dirty="0">
+                <a:solidFill>
+                  <a:schemeClr val="tx1">
+                    <a:lumMod val="50000"/>
+                    <a:lumOff val="50000"/>
+                  </a:schemeClr>
+                </a:solidFill>
+              </a:rPr>
+              <a:t> </a:t>
+            </a:r>
+            <a:r>
+              <a:rPr lang="nl-NL" i="1" dirty="0" err="1">
+                <a:solidFill>
+                  <a:schemeClr val="tx1">
+                    <a:lumMod val="50000"/>
+                    <a:lumOff val="50000"/>
+                  </a:schemeClr>
+                </a:solidFill>
+              </a:rPr>
+              <a:t>how</a:t>
+            </a:r>
+            <a:r>
+              <a:rPr lang="nl-NL" i="1" dirty="0">
+                <a:solidFill>
+                  <a:schemeClr val="tx1">
+                    <a:lumMod val="50000"/>
+                    <a:lumOff val="50000"/>
+                  </a:schemeClr>
+                </a:solidFill>
+              </a:rPr>
+              <a:t> </a:t>
+            </a:r>
+            <a:r>
+              <a:rPr lang="nl-NL" i="1" dirty="0" err="1">
+                <a:solidFill>
+                  <a:schemeClr val="tx1">
+                    <a:lumMod val="50000"/>
+                    <a:lumOff val="50000"/>
+                  </a:schemeClr>
+                </a:solidFill>
+              </a:rPr>
+              <a:t>satisfied</a:t>
+            </a:r>
+            <a:r>
+              <a:rPr lang="nl-NL" i="1" dirty="0">
+                <a:solidFill>
+                  <a:schemeClr val="tx1">
+                    <a:lumMod val="50000"/>
+                    <a:lumOff val="50000"/>
+                  </a:schemeClr>
+                </a:solidFill>
+              </a:rPr>
+              <a:t> he is </a:t>
+            </a:r>
+            <a:r>
+              <a:rPr lang="nl-NL" i="1" dirty="0" err="1">
+                <a:solidFill>
+                  <a:schemeClr val="tx1">
+                    <a:lumMod val="50000"/>
+                    <a:lumOff val="50000"/>
+                  </a:schemeClr>
+                </a:solidFill>
+              </a:rPr>
+              <a:t>with</a:t>
+            </a:r>
+            <a:r>
+              <a:rPr lang="nl-NL" i="1" dirty="0">
+                <a:solidFill>
+                  <a:schemeClr val="tx1">
+                    <a:lumMod val="50000"/>
+                    <a:lumOff val="50000"/>
+                  </a:schemeClr>
+                </a:solidFill>
+              </a:rPr>
+              <a:t> </a:t>
+            </a:r>
+            <a:r>
+              <a:rPr lang="nl-NL" i="1" dirty="0" err="1">
+                <a:solidFill>
+                  <a:schemeClr val="tx1">
+                    <a:lumMod val="50000"/>
+                    <a:lumOff val="50000"/>
+                  </a:schemeClr>
+                </a:solidFill>
+              </a:rPr>
+              <a:t>the</a:t>
+            </a:r>
+            <a:r>
+              <a:rPr lang="nl-NL" i="1" dirty="0">
+                <a:solidFill>
+                  <a:schemeClr val="tx1">
+                    <a:lumMod val="50000"/>
+                    <a:lumOff val="50000"/>
+                  </a:schemeClr>
+                </a:solidFill>
+              </a:rPr>
+              <a:t> solution.”</a:t>
+            </a:r>
+          </a:p>
+        </p:txBody>
+      </p:sp>
+      <p:pic>
+        <p:nvPicPr>
+          <p:cNvPr id="3" name="Afbeelding 2"/>
+          <p:cNvPicPr>
+            <a:picLocks noChangeAspect="1"/>
+          </p:cNvPicPr>
+          <p:nvPr/>
+        </p:nvPicPr>
+        <p:blipFill>
+          <a:blip r:embed="rId2" cstate="print">
+            <a:clrChange>
+              <a:clrFrom>
+                <a:srgbClr val="FFFFFF"/>
+              </a:clrFrom>
+              <a:clrTo>
+                <a:srgbClr val="FFFFFF">
+                  <a:alpha val="0"/>
+                </a:srgbClr>
+              </a:clrTo>
+            </a:clrChange>
+            <a:extLst>
+              <a:ext uri="{28A0092B-C50C-407E-A947-70E740481C1C}">
+                <a14:useLocalDpi xmlns:a14="http://schemas.microsoft.com/office/drawing/2010/main" val="0"/>
+              </a:ext>
+            </a:extLst>
+          </a:blip>
+          <a:stretch>
+            <a:fillRect/>
+          </a:stretch>
+        </p:blipFill>
+        <p:spPr>
+          <a:xfrm>
+            <a:off x="107504" y="3259615"/>
+            <a:ext cx="8964488" cy="2617657"/>
+          </a:xfrm>
+          <a:prstGeom prst="rect">
+            <a:avLst/>
+          </a:prstGeom>
+        </p:spPr>
+      </p:pic>
     </p:spTree>
     <p:extLst>
       <p:ext uri="{BB962C8B-B14F-4D97-AF65-F5344CB8AC3E}">
-        <p14:creationId xmlns:p14="http://schemas.microsoft.com/office/powerpoint/2010/main" xmlns="" val="378156031"/>
+        <p14:creationId xmlns:p14="http://schemas.microsoft.com/office/powerpoint/2010/main" val="1938140659"/>
       </p:ext>
     </p:extLst>
   </p:cSld>
@@ -4134,60 +4934,333 @@
       </p:grpSpPr>
       <p:sp>
         <p:nvSpPr>
-          <p:cNvPr id="2" name="Titel 1"/>
+          <p:cNvPr id="5" name="Titel 1"/>
+          <p:cNvSpPr txBox="1">
+            <a:spLocks/>
+          </p:cNvSpPr>
+          <p:nvPr/>
+        </p:nvSpPr>
+        <p:spPr>
+          <a:xfrm>
+            <a:off x="609600" y="427038"/>
+            <a:ext cx="8229600" cy="1143000"/>
+          </a:xfrm>
+          <a:prstGeom prst="rect">
+            <a:avLst/>
+          </a:prstGeom>
+        </p:spPr>
+        <p:txBody>
+          <a:bodyPr vert="horz" lIns="91440" tIns="45720" rIns="91440" bIns="45720" rtlCol="0" anchor="ctr">
+            <a:normAutofit/>
+          </a:bodyPr>
+          <a:lstStyle>
+            <a:lvl1pPr algn="ctr" defTabSz="914400" rtl="0" eaLnBrk="1" latinLnBrk="0" hangingPunct="1">
+              <a:spcBef>
+                <a:spcPct val="0"/>
+              </a:spcBef>
+              <a:buNone/>
+              <a:defRPr sz="4400" kern="1200">
+                <a:solidFill>
+                  <a:schemeClr val="tx1"/>
+                </a:solidFill>
+                <a:latin typeface="+mj-lt"/>
+                <a:ea typeface="+mj-ea"/>
+                <a:cs typeface="+mj-cs"/>
+              </a:defRPr>
+            </a:lvl1pPr>
+          </a:lstStyle>
+          <a:p>
+            <a:r>
+              <a:rPr lang="nl-NL" sz="3600" cap="small" dirty="0" err="1" smtClean="0">
+                <a:ln w="18415" cmpd="sng">
+                  <a:solidFill>
+                    <a:schemeClr val="tx1">
+                      <a:alpha val="0"/>
+                    </a:schemeClr>
+                  </a:solidFill>
+                  <a:prstDash val="solid"/>
+                </a:ln>
+                <a:effectLst>
+                  <a:outerShdw blurRad="25400" dir="3600000" algn="tl" rotWithShape="0">
+                    <a:srgbClr val="000000">
+                      <a:alpha val="70000"/>
+                    </a:srgbClr>
+                  </a:outerShdw>
+                </a:effectLst>
+                <a:latin typeface="Sitka Text" pitchFamily="2" charset="0"/>
+              </a:rPr>
+              <a:t>Milestones</a:t>
+            </a:r>
+            <a:endParaRPr lang="nl-NL" sz="3600" cap="small" dirty="0">
+              <a:ln w="18415" cmpd="sng">
+                <a:solidFill>
+                  <a:schemeClr val="tx1">
+                    <a:alpha val="0"/>
+                  </a:schemeClr>
+                </a:solidFill>
+                <a:prstDash val="solid"/>
+              </a:ln>
+              <a:effectLst>
+                <a:outerShdw blurRad="25400" dir="3600000" algn="tl" rotWithShape="0">
+                  <a:srgbClr val="000000">
+                    <a:alpha val="70000"/>
+                  </a:srgbClr>
+                </a:outerShdw>
+              </a:effectLst>
+              <a:latin typeface="Sitka Text" pitchFamily="2" charset="0"/>
+            </a:endParaRPr>
+          </a:p>
+        </p:txBody>
+      </p:sp>
+      <p:sp>
+        <p:nvSpPr>
+          <p:cNvPr id="6" name="Tijdelijke aanduiding voor inhoud 2"/>
           <p:cNvSpPr>
             <a:spLocks noGrp="1"/>
           </p:cNvSpPr>
           <p:nvPr>
-            <p:ph type="title"/>
-          </p:nvPr>
-        </p:nvSpPr>
-        <p:spPr/>
-        <p:txBody>
-          <a:bodyPr/>
+            <p:ph idx="1"/>
+          </p:nvPr>
+        </p:nvSpPr>
+        <p:spPr>
+          <a:xfrm>
+            <a:off x="457200" y="1600200"/>
+            <a:ext cx="8229600" cy="4525963"/>
+          </a:xfrm>
+        </p:spPr>
+        <p:txBody>
+          <a:bodyPr>
+            <a:normAutofit/>
+          </a:bodyPr>
           <a:lstStyle/>
           <a:p>
-            <a:r>
-              <a:rPr lang="nl-BE" dirty="0" smtClean="0"/>
-              <a:t>Mailbox system</a:t>
-            </a:r>
-            <a:endParaRPr lang="nl-BE" dirty="0"/>
+            <a:pPr marL="0" indent="0">
+              <a:buNone/>
+            </a:pPr>
+            <a:r>
+              <a:rPr lang="nl-BE" sz="2800" dirty="0" err="1" smtClean="0">
+                <a:latin typeface="Sitka Display" pitchFamily="2" charset="0"/>
+              </a:rPr>
+              <a:t>Milestone</a:t>
+            </a:r>
+            <a:r>
+              <a:rPr lang="nl-BE" sz="2800" dirty="0" smtClean="0">
+                <a:latin typeface="Sitka Display" pitchFamily="2" charset="0"/>
+              </a:rPr>
+              <a:t> = apart object</a:t>
+            </a:r>
+            <a:br>
+              <a:rPr lang="nl-BE" sz="2800" dirty="0" smtClean="0">
+                <a:latin typeface="Sitka Display" pitchFamily="2" charset="0"/>
+              </a:rPr>
+            </a:br>
+            <a:r>
+              <a:rPr lang="nl-BE" sz="2800" dirty="0" smtClean="0">
+                <a:latin typeface="Sitka Display" pitchFamily="2" charset="0"/>
+              </a:rPr>
+              <a:t>Toegewezen aan project, </a:t>
+            </a:r>
+            <a:r>
+              <a:rPr lang="nl-BE" sz="2800" dirty="0" err="1" smtClean="0">
+                <a:latin typeface="Sitka Display" pitchFamily="2" charset="0"/>
+              </a:rPr>
+              <a:t>subsystem</a:t>
+            </a:r>
+            <a:r>
+              <a:rPr lang="nl-BE" sz="2800" dirty="0" smtClean="0">
+                <a:latin typeface="Sitka Display" pitchFamily="2" charset="0"/>
+              </a:rPr>
+              <a:t> of bug report (Target </a:t>
+            </a:r>
+            <a:r>
+              <a:rPr lang="nl-BE" sz="2800" dirty="0" err="1" smtClean="0">
+                <a:latin typeface="Sitka Display" pitchFamily="2" charset="0"/>
+              </a:rPr>
+              <a:t>milestone</a:t>
+            </a:r>
+            <a:r>
+              <a:rPr lang="nl-BE" sz="2800" dirty="0" smtClean="0">
+                <a:latin typeface="Sitka Display" pitchFamily="2" charset="0"/>
+              </a:rPr>
+              <a:t>)</a:t>
+            </a:r>
+          </a:p>
+          <a:p>
+            <a:pPr marL="0" indent="0">
+              <a:buNone/>
+            </a:pPr>
+            <a:r>
+              <a:rPr lang="nl-BE" sz="2800" dirty="0" smtClean="0">
+                <a:latin typeface="Sitka Display" pitchFamily="2" charset="0"/>
+              </a:rPr>
+              <a:t>Apart object voor target </a:t>
+            </a:r>
+            <a:r>
+              <a:rPr lang="nl-BE" sz="2800" dirty="0" err="1" smtClean="0">
+                <a:latin typeface="Sitka Display" pitchFamily="2" charset="0"/>
+              </a:rPr>
+              <a:t>milestone</a:t>
+            </a:r>
+            <a:r>
+              <a:rPr lang="nl-BE" sz="2800" dirty="0" smtClean="0">
+                <a:latin typeface="Sitka Display" pitchFamily="2" charset="0"/>
+              </a:rPr>
+              <a:t> </a:t>
+            </a:r>
+            <a:r>
+              <a:rPr lang="nl-BE" sz="2800" dirty="0" smtClean="0">
+                <a:latin typeface="Sitka Display" pitchFamily="2" charset="0"/>
+                <a:sym typeface="Wingdings" panose="05000000000000000000" pitchFamily="2" charset="2"/>
+              </a:rPr>
+              <a:t> is optioneel, wordt altijd geïnitialiseerd met gegeven </a:t>
+            </a:r>
+            <a:r>
+              <a:rPr lang="nl-BE" sz="2800" dirty="0" err="1" smtClean="0">
+                <a:latin typeface="Sitka Display" pitchFamily="2" charset="0"/>
+                <a:sym typeface="Wingdings" panose="05000000000000000000" pitchFamily="2" charset="2"/>
+              </a:rPr>
+              <a:t>milestone</a:t>
+            </a:r>
+            <a:r>
+              <a:rPr lang="nl-BE" sz="2800" dirty="0" smtClean="0">
+                <a:latin typeface="Sitka Display" pitchFamily="2" charset="0"/>
+                <a:sym typeface="Wingdings" panose="05000000000000000000" pitchFamily="2" charset="2"/>
+              </a:rPr>
+              <a:t> (</a:t>
+            </a:r>
+            <a:r>
+              <a:rPr lang="nl-BE" sz="2800" dirty="0" smtClean="0">
+                <a:latin typeface="Sitka Display"/>
+                <a:ea typeface="Cambria Math"/>
+                <a:sym typeface="Wingdings" panose="05000000000000000000" pitchFamily="2" charset="2"/>
+              </a:rPr>
+              <a:t>≠</a:t>
+            </a:r>
+            <a:r>
+              <a:rPr lang="nl-BE" sz="2800" dirty="0" smtClean="0">
+                <a:latin typeface="Cambria Math"/>
+                <a:ea typeface="Cambria Math"/>
+                <a:sym typeface="Wingdings" panose="05000000000000000000" pitchFamily="2" charset="2"/>
+              </a:rPr>
+              <a:t> </a:t>
+            </a:r>
+            <a:r>
+              <a:rPr lang="nl-BE" sz="2800" dirty="0" smtClean="0">
+                <a:latin typeface="Sitka Display"/>
+                <a:ea typeface="Cambria Math"/>
+                <a:sym typeface="Wingdings" panose="05000000000000000000" pitchFamily="2" charset="2"/>
+              </a:rPr>
+              <a:t>“M0”)</a:t>
+            </a:r>
+          </a:p>
+          <a:p>
+            <a:pPr marL="0" indent="0">
+              <a:buNone/>
+            </a:pPr>
+            <a:r>
+              <a:rPr lang="nl-BE" sz="2800" dirty="0" smtClean="0">
+                <a:latin typeface="Sitka Display"/>
+                <a:ea typeface="Cambria Math"/>
+                <a:sym typeface="Wingdings" panose="05000000000000000000" pitchFamily="2" charset="2"/>
+              </a:rPr>
+              <a:t>Container  nodig voor constraints</a:t>
+            </a:r>
+          </a:p>
+          <a:p>
+            <a:pPr marL="0" indent="0">
+              <a:buNone/>
+            </a:pPr>
+            <a:r>
+              <a:rPr lang="nl-BE" sz="2800" dirty="0" smtClean="0">
+                <a:latin typeface="Sitka Display"/>
+                <a:ea typeface="Cambria Math"/>
+                <a:sym typeface="Wingdings" panose="05000000000000000000" pitchFamily="2" charset="2"/>
+              </a:rPr>
+              <a:t>Helper  checken van constraints</a:t>
+            </a:r>
+            <a:endParaRPr lang="nl-BE" sz="2800" dirty="0" smtClean="0">
+              <a:latin typeface="Sitka Display" pitchFamily="2" charset="0"/>
+            </a:endParaRPr>
+          </a:p>
+          <a:p>
+            <a:pPr marL="0" indent="0">
+              <a:buNone/>
+            </a:pPr>
+            <a:endParaRPr lang="nl-BE" sz="2800" dirty="0" smtClean="0">
+              <a:latin typeface="Sitka Display" pitchFamily="2" charset="0"/>
+            </a:endParaRPr>
+          </a:p>
+          <a:p>
+            <a:pPr marL="0" indent="0">
+              <a:buNone/>
+            </a:pPr>
+            <a:endParaRPr lang="nl-BE" sz="2400" dirty="0" smtClean="0">
+              <a:latin typeface="Sitka Display" pitchFamily="2" charset="0"/>
+            </a:endParaRPr>
+          </a:p>
+          <a:p>
+            <a:pPr marL="0" indent="0">
+              <a:buNone/>
+            </a:pPr>
+            <a:endParaRPr lang="nl-BE" sz="2800" dirty="0"/>
           </a:p>
         </p:txBody>
       </p:sp>
       <p:pic>
         <p:nvPicPr>
-          <p:cNvPr id="6" name="Content Placeholder 5"/>
+          <p:cNvPr id="2050" name="Picture 2" descr="C:\Users\Laurens\Documents\IntelliJ Projects\SWOP2016\Presentaties\Iteratie 2\Milestones.png"/>
           <p:cNvPicPr>
-            <a:picLocks noGrp="1" noChangeAspect="1"/>
+            <a:picLocks noChangeAspect="1" noChangeArrowheads="1"/>
           </p:cNvPicPr>
-          <p:nvPr>
-            <p:ph idx="1"/>
-          </p:nvPr>
+          <p:nvPr/>
         </p:nvPicPr>
         <p:blipFill>
-          <a:blip r:embed="rId2" cstate="print">
+          <a:blip r:embed="rId2">
+            <a:clrChange>
+              <a:clrFrom>
+                <a:srgbClr val="FFFFFF"/>
+              </a:clrFrom>
+              <a:clrTo>
+                <a:srgbClr val="FFFFFF">
+                  <a:alpha val="0"/>
+                </a:srgbClr>
+              </a:clrTo>
+            </a:clrChange>
             <a:extLst>
               <a:ext uri="{28A0092B-C50C-407E-A947-70E740481C1C}">
-                <a14:useLocalDpi xmlns:a14="http://schemas.microsoft.com/office/drawing/2010/main" xmlns="" val="0"/>
+                <a14:useLocalDpi xmlns:a14="http://schemas.microsoft.com/office/drawing/2010/main" val="0"/>
               </a:ext>
             </a:extLst>
           </a:blip>
+          <a:srcRect/>
           <a:stretch>
             <a:fillRect/>
           </a:stretch>
         </p:blipFill>
-        <p:spPr>
+        <p:spPr bwMode="auto">
           <a:xfrm>
-            <a:off x="1043608" y="1268760"/>
-            <a:ext cx="6840760" cy="5555696"/>
+            <a:off x="4724400" y="3153544"/>
+            <a:ext cx="4391025" cy="3657600"/>
           </a:xfrm>
+          <a:prstGeom prst="rect">
+            <a:avLst/>
+          </a:prstGeom>
+          <a:noFill/>
+          <a:extLst>
+            <a:ext uri="{909E8E84-426E-40DD-AFC4-6F175D3DCCD1}">
+              <a14:hiddenFill xmlns:a14="http://schemas.microsoft.com/office/drawing/2010/main">
+                <a:solidFill>
+                  <a:srgbClr val="FFFFFF"/>
+                </a:solidFill>
+              </a14:hiddenFill>
+            </a:ext>
+          </a:extLst>
         </p:spPr>
       </p:pic>
     </p:spTree>
     <p:extLst>
       <p:ext uri="{BB962C8B-B14F-4D97-AF65-F5344CB8AC3E}">
-        <p14:creationId xmlns:p14="http://schemas.microsoft.com/office/powerpoint/2010/main" xmlns="" val="1319242908"/>
+        <p14:creationId xmlns:p14="http://schemas.microsoft.com/office/powerpoint/2010/main" val="378156031"/>
       </p:ext>
     </p:extLst>
   </p:cSld>
@@ -4234,7 +5307,7 @@
           <a:p>
             <a:r>
               <a:rPr lang="nl-BE" dirty="0" smtClean="0"/>
-              <a:t>Undo mechanism</a:t>
+              <a:t>Mailbox system</a:t>
             </a:r>
             <a:endParaRPr lang="nl-BE" dirty="0"/>
           </a:p>
@@ -4242,7 +5315,7 @@
       </p:sp>
       <p:pic>
         <p:nvPicPr>
-          <p:cNvPr id="4" name="Content Placeholder 3"/>
+          <p:cNvPr id="6" name="Content Placeholder 5"/>
           <p:cNvPicPr>
             <a:picLocks noGrp="1" noChangeAspect="1"/>
           </p:cNvPicPr>
@@ -4254,7 +5327,7 @@
           <a:blip r:embed="rId2" cstate="print">
             <a:extLst>
               <a:ext uri="{28A0092B-C50C-407E-A947-70E740481C1C}">
-                <a14:useLocalDpi xmlns:a14="http://schemas.microsoft.com/office/drawing/2010/main" xmlns="" val="0"/>
+                <a14:useLocalDpi xmlns:a14="http://schemas.microsoft.com/office/drawing/2010/main" val="0"/>
               </a:ext>
             </a:extLst>
           </a:blip>
@@ -4264,15 +5337,15 @@
         </p:blipFill>
         <p:spPr>
           <a:xfrm>
-            <a:off x="1259632" y="1196752"/>
-            <a:ext cx="6336704" cy="5553417"/>
+            <a:off x="1043608" y="1268760"/>
+            <a:ext cx="6840760" cy="5555696"/>
           </a:xfrm>
         </p:spPr>
       </p:pic>
     </p:spTree>
     <p:extLst>
       <p:ext uri="{BB962C8B-B14F-4D97-AF65-F5344CB8AC3E}">
-        <p14:creationId xmlns:p14="http://schemas.microsoft.com/office/powerpoint/2010/main" xmlns="" val="1968202226"/>
+        <p14:creationId xmlns:p14="http://schemas.microsoft.com/office/powerpoint/2010/main" val="1319242908"/>
       </p:ext>
     </p:extLst>
   </p:cSld>
@@ -4314,161 +5387,50 @@
         </p:nvSpPr>
         <p:spPr/>
         <p:txBody>
-          <a:bodyPr>
-            <a:normAutofit/>
-          </a:bodyPr>
+          <a:bodyPr/>
           <a:lstStyle/>
           <a:p>
             <a:r>
-              <a:rPr lang="nl-BE" sz="3600" cap="small" dirty="0" smtClean="0">
-                <a:ln w="18415" cmpd="sng">
-                  <a:solidFill>
-                    <a:schemeClr val="tx1">
-                      <a:alpha val="0"/>
-                    </a:schemeClr>
-                  </a:solidFill>
-                  <a:prstDash val="solid"/>
-                </a:ln>
-                <a:effectLst>
-                  <a:outerShdw blurRad="25400" dir="3600000" algn="tl" rotWithShape="0">
-                    <a:srgbClr val="000000">
-                      <a:alpha val="70000"/>
-                    </a:srgbClr>
-                  </a:outerShdw>
-                </a:effectLst>
-                <a:latin typeface="Sitka Text" pitchFamily="2" charset="0"/>
-              </a:rPr>
-              <a:t>Extensibility of the system:</a:t>
-            </a:r>
-            <a:endParaRPr lang="nl-BE" sz="3600" cap="small" dirty="0">
-              <a:ln w="18415" cmpd="sng">
-                <a:solidFill>
-                  <a:schemeClr val="tx1">
-                    <a:alpha val="0"/>
-                  </a:schemeClr>
-                </a:solidFill>
-                <a:prstDash val="solid"/>
-              </a:ln>
-              <a:effectLst>
-                <a:outerShdw blurRad="25400" dir="3600000" algn="tl" rotWithShape="0">
-                  <a:srgbClr val="000000">
-                    <a:alpha val="70000"/>
-                  </a:srgbClr>
-                </a:outerShdw>
-              </a:effectLst>
-              <a:latin typeface="Sitka Text" pitchFamily="2" charset="0"/>
-            </a:endParaRPr>
-          </a:p>
-        </p:txBody>
-      </p:sp>
-      <p:sp>
-        <p:nvSpPr>
-          <p:cNvPr id="3" name="Tijdelijke aanduiding voor inhoud 2"/>
-          <p:cNvSpPr>
-            <a:spLocks noGrp="1"/>
-          </p:cNvSpPr>
+              <a:rPr lang="nl-BE" dirty="0" smtClean="0"/>
+              <a:t>Undo mechanism</a:t>
+            </a:r>
+            <a:endParaRPr lang="nl-BE" dirty="0"/>
+          </a:p>
+        </p:txBody>
+      </p:sp>
+      <p:pic>
+        <p:nvPicPr>
+          <p:cNvPr id="4" name="Content Placeholder 3"/>
+          <p:cNvPicPr>
+            <a:picLocks noGrp="1" noChangeAspect="1"/>
+          </p:cNvPicPr>
           <p:nvPr>
             <p:ph idx="1"/>
           </p:nvPr>
-        </p:nvSpPr>
+        </p:nvPicPr>
+        <p:blipFill>
+          <a:blip r:embed="rId2" cstate="print">
+            <a:extLst>
+              <a:ext uri="{28A0092B-C50C-407E-A947-70E740481C1C}">
+                <a14:useLocalDpi xmlns:a14="http://schemas.microsoft.com/office/drawing/2010/main" val="0"/>
+              </a:ext>
+            </a:extLst>
+          </a:blip>
+          <a:stretch>
+            <a:fillRect/>
+          </a:stretch>
+        </p:blipFill>
         <p:spPr>
           <a:xfrm>
-            <a:off x="539552" y="1844824"/>
-            <a:ext cx="8229600" cy="4525963"/>
+            <a:off x="1259632" y="1196752"/>
+            <a:ext cx="6336704" cy="5553417"/>
           </a:xfrm>
         </p:spPr>
-        <p:txBody>
-          <a:bodyPr>
-            <a:normAutofit/>
-          </a:bodyPr>
-          <a:lstStyle/>
-          <a:p>
-            <a:r>
-              <a:rPr lang="en-US" sz="2400" dirty="0" smtClean="0">
-                <a:latin typeface="Sitka Display" pitchFamily="2" charset="0"/>
-              </a:rPr>
-              <a:t>It’s easier to add use cases than last time</a:t>
-            </a:r>
-          </a:p>
-          <a:p>
-            <a:r>
-              <a:rPr lang="en-US" sz="2400" dirty="0" smtClean="0">
-                <a:latin typeface="Sitka Display" pitchFamily="2" charset="0"/>
-              </a:rPr>
-              <a:t>UI is still completely independent </a:t>
-            </a:r>
-          </a:p>
-          <a:p>
-            <a:r>
-              <a:rPr lang="en-US" sz="2400" dirty="0" smtClean="0">
-                <a:latin typeface="Sitka Display" pitchFamily="2" charset="0"/>
-              </a:rPr>
-              <a:t>Interface for the </a:t>
-            </a:r>
-            <a:r>
-              <a:rPr lang="en-US" sz="2400" dirty="0" err="1" smtClean="0">
-                <a:latin typeface="Sitka Display" pitchFamily="2" charset="0"/>
-              </a:rPr>
-              <a:t>Initializer</a:t>
-            </a:r>
-            <a:endParaRPr lang="en-US" sz="2400" dirty="0" smtClean="0">
-              <a:latin typeface="Sitka Display" pitchFamily="2" charset="0"/>
-            </a:endParaRPr>
-          </a:p>
-          <a:p>
-            <a:r>
-              <a:rPr lang="en-US" sz="2400" dirty="0" smtClean="0">
-                <a:latin typeface="Sitka Display" pitchFamily="2" charset="0"/>
-              </a:rPr>
-              <a:t>Adding constraints concerning tag</a:t>
-            </a:r>
-          </a:p>
-          <a:p>
-            <a:r>
-              <a:rPr lang="en-US" sz="2400" dirty="0" smtClean="0">
-                <a:latin typeface="Sitka Display" pitchFamily="2" charset="0"/>
-              </a:rPr>
-              <a:t>Adding new registration types = adding new observers</a:t>
-            </a:r>
-          </a:p>
-          <a:p>
-            <a:r>
-              <a:rPr lang="en-US" sz="2400" dirty="0" smtClean="0">
-                <a:latin typeface="Sitka Display" pitchFamily="2" charset="0"/>
-              </a:rPr>
-              <a:t>Search methods for bug reports</a:t>
-            </a:r>
-          </a:p>
-          <a:p>
-            <a:r>
-              <a:rPr lang="en-US" sz="2400" dirty="0" smtClean="0">
-                <a:latin typeface="Sitka Display" pitchFamily="2" charset="0"/>
-              </a:rPr>
-              <a:t>Adding new objects that could be undone</a:t>
-            </a:r>
-          </a:p>
-          <a:p>
-            <a:endParaRPr lang="en-US" sz="2400" dirty="0" smtClean="0">
-              <a:latin typeface="Sitka Display" pitchFamily="2" charset="0"/>
-            </a:endParaRPr>
-          </a:p>
-          <a:p>
-            <a:r>
-              <a:rPr lang="en-US" sz="2400" dirty="0" smtClean="0">
-                <a:latin typeface="Sitka Display" pitchFamily="2" charset="0"/>
-              </a:rPr>
-              <a:t>It was easy to implement the changes from iteration 2 -&gt; great extensibility of our code from iteration 1</a:t>
-            </a:r>
-          </a:p>
-          <a:p>
-            <a:endParaRPr lang="en-US" sz="2400" dirty="0"/>
-          </a:p>
-        </p:txBody>
-      </p:sp>
+      </p:pic>
     </p:spTree>
     <p:extLst>
       <p:ext uri="{BB962C8B-B14F-4D97-AF65-F5344CB8AC3E}">
-        <p14:creationId xmlns:p14="http://schemas.microsoft.com/office/powerpoint/2010/main" xmlns="" val="2444210159"/>
+        <p14:creationId xmlns:p14="http://schemas.microsoft.com/office/powerpoint/2010/main" val="1968202226"/>
       </p:ext>
     </p:extLst>
   </p:cSld>
@@ -4478,13 +5440,6 @@
   <p:transition>
     <p:fade/>
   </p:transition>
-  <p:timing>
-    <p:tnLst>
-      <p:par>
-        <p:cTn id="1" dur="indefinite" restart="never" nodeType="tmRoot"/>
-      </p:par>
-    </p:tnLst>
-  </p:timing>
 </p:sld>
 </file>
 
@@ -4523,27 +5478,6 @@
           <a:lstStyle/>
           <a:p>
             <a:r>
-              <a:rPr lang="nl-BE" sz="3600" cap="small" dirty="0" err="1" smtClean="0">
-                <a:ln w="18415" cmpd="sng">
-                  <a:solidFill>
-                    <a:schemeClr val="tx1">
-                      <a:alpha val="0"/>
-                    </a:schemeClr>
-                  </a:solidFill>
-                  <a:prstDash val="solid"/>
-                </a:ln>
-                <a:effectLst>
-                  <a:outerShdw blurRad="25400" dir="3600000" algn="tl" rotWithShape="0">
-                    <a:srgbClr val="000000">
-                      <a:alpha val="70000"/>
-                    </a:srgbClr>
-                  </a:outerShdw>
-                </a:effectLst>
-                <a:latin typeface="Sitka Text" pitchFamily="2" charset="0"/>
-              </a:rPr>
-              <a:t>Possible</a:t>
-            </a:r>
-            <a:r>
               <a:rPr lang="nl-BE" sz="3600" cap="small" dirty="0" smtClean="0">
                 <a:ln w="18415" cmpd="sng">
                   <a:solidFill>
@@ -4562,28 +5496,7 @@
                 </a:effectLst>
                 <a:latin typeface="Sitka Text" pitchFamily="2" charset="0"/>
               </a:rPr>
-              <a:t> </a:t>
-            </a:r>
-            <a:r>
-              <a:rPr lang="nl-BE" sz="3600" cap="small" dirty="0" err="1" smtClean="0">
-                <a:ln w="18415" cmpd="sng">
-                  <a:solidFill>
-                    <a:schemeClr val="tx1">
-                      <a:alpha val="0"/>
-                    </a:schemeClr>
-                  </a:solidFill>
-                  <a:prstDash val="solid"/>
-                </a:ln>
-                <a:effectLst>
-                  <a:outerShdw blurRad="25400" dir="3600000" algn="tl" rotWithShape="0">
-                    <a:srgbClr val="000000">
-                      <a:alpha val="70000"/>
-                    </a:srgbClr>
-                  </a:outerShdw>
-                </a:effectLst>
-                <a:latin typeface="Sitka Text" pitchFamily="2" charset="0"/>
-              </a:rPr>
-              <a:t>improvements</a:t>
+              <a:t>Extensibility of the system:</a:t>
             </a:r>
             <a:endParaRPr lang="nl-BE" sz="3600" cap="small" dirty="0">
               <a:ln w="18415" cmpd="sng">
@@ -4616,7 +5529,12 @@
             <p:ph idx="1"/>
           </p:nvPr>
         </p:nvSpPr>
-        <p:spPr/>
+        <p:spPr>
+          <a:xfrm>
+            <a:off x="539552" y="1844824"/>
+            <a:ext cx="8229600" cy="4525963"/>
+          </a:xfrm>
+        </p:spPr>
         <p:txBody>
           <a:bodyPr>
             <a:normAutofit/>
@@ -4624,49 +5542,91 @@
           <a:lstStyle/>
           <a:p>
             <a:r>
-              <a:rPr lang="nl-BE" sz="2400" dirty="0" smtClean="0">
+              <a:rPr lang="en-US" sz="2400" dirty="0" smtClean="0">
                 <a:latin typeface="Sitka Display" pitchFamily="2" charset="0"/>
               </a:rPr>
-              <a:t>MailboxService creates Observers</a:t>
-            </a:r>
-            <a:endParaRPr lang="nl-BE" sz="2000" dirty="0" smtClean="0">
+              <a:t>It’s easier to add use cases than last time</a:t>
+            </a:r>
+          </a:p>
+          <a:p>
+            <a:r>
+              <a:rPr lang="en-US" sz="2400" dirty="0" smtClean="0">
+                <a:latin typeface="Sitka Display" pitchFamily="2" charset="0"/>
+              </a:rPr>
+              <a:t>UI is still completely independent </a:t>
+            </a:r>
+          </a:p>
+          <a:p>
+            <a:r>
+              <a:rPr lang="en-US" sz="2400" dirty="0" smtClean="0">
+                <a:latin typeface="Sitka Display" pitchFamily="2" charset="0"/>
+              </a:rPr>
+              <a:t>Interface for the </a:t>
+            </a:r>
+            <a:r>
+              <a:rPr lang="en-US" sz="2400" dirty="0" err="1" smtClean="0">
+                <a:latin typeface="Sitka Display" pitchFamily="2" charset="0"/>
+              </a:rPr>
+              <a:t>Initializer</a:t>
+            </a:r>
+            <a:endParaRPr lang="en-US" sz="2400" dirty="0" smtClean="0">
               <a:latin typeface="Sitka Display" pitchFamily="2" charset="0"/>
             </a:endParaRPr>
           </a:p>
           <a:p>
-            <a:endParaRPr lang="nl-BE" sz="2400" dirty="0"/>
-          </a:p>
-          <a:p>
-            <a:r>
-              <a:rPr lang="nl-BE" sz="2400" dirty="0" smtClean="0">
+            <a:r>
+              <a:rPr lang="en-US" sz="2400" dirty="0" smtClean="0">
                 <a:latin typeface="Sitka Display" pitchFamily="2" charset="0"/>
               </a:rPr>
-              <a:t>Milestone improvements in the code and structure</a:t>
-            </a:r>
-            <a:endParaRPr lang="nl-BE" sz="2000" dirty="0" smtClean="0">
+              <a:t>Adding constraints concerning tag</a:t>
+            </a:r>
+          </a:p>
+          <a:p>
+            <a:r>
+              <a:rPr lang="en-US" sz="2400" dirty="0" smtClean="0">
+                <a:latin typeface="Sitka Display" pitchFamily="2" charset="0"/>
+              </a:rPr>
+              <a:t>Adding new registration types = adding new observers</a:t>
+            </a:r>
+          </a:p>
+          <a:p>
+            <a:r>
+              <a:rPr lang="en-US" sz="2400" dirty="0" smtClean="0">
+                <a:latin typeface="Sitka Display" pitchFamily="2" charset="0"/>
+              </a:rPr>
+              <a:t>Search methods for bug reports</a:t>
+            </a:r>
+          </a:p>
+          <a:p>
+            <a:r>
+              <a:rPr lang="en-US" sz="2400" dirty="0" smtClean="0">
+                <a:latin typeface="Sitka Display" pitchFamily="2" charset="0"/>
+              </a:rPr>
+              <a:t>Adding new objects that could be undone</a:t>
+            </a:r>
+          </a:p>
+          <a:p>
+            <a:endParaRPr lang="en-US" sz="2400" dirty="0" smtClean="0">
               <a:latin typeface="Sitka Display" pitchFamily="2" charset="0"/>
             </a:endParaRPr>
           </a:p>
           <a:p>
-            <a:endParaRPr lang="nl-BE" sz="2400" dirty="0"/>
-          </a:p>
-          <a:p>
-            <a:r>
-              <a:rPr lang="nl-BE" sz="2400" dirty="0" smtClean="0">
+            <a:r>
+              <a:rPr lang="en-US" sz="2400" dirty="0" smtClean="0">
                 <a:latin typeface="Sitka Display" pitchFamily="2" charset="0"/>
               </a:rPr>
-              <a:t>Setters &amp; Getters</a:t>
-            </a:r>
-            <a:endParaRPr lang="nl-BE" sz="2000" dirty="0" smtClean="0">
-              <a:latin typeface="Sitka Display" pitchFamily="2" charset="0"/>
-            </a:endParaRPr>
+              <a:t>It was easy to implement the changes from iteration 2 -&gt; great extensibility of our code from iteration 1</a:t>
+            </a:r>
+          </a:p>
+          <a:p>
+            <a:endParaRPr lang="en-US" sz="2400" dirty="0"/>
           </a:p>
         </p:txBody>
       </p:sp>
     </p:spTree>
     <p:extLst>
       <p:ext uri="{BB962C8B-B14F-4D97-AF65-F5344CB8AC3E}">
-        <p14:creationId xmlns:p14="http://schemas.microsoft.com/office/powerpoint/2010/main" xmlns="" val="674970378"/>
+        <p14:creationId xmlns:p14="http://schemas.microsoft.com/office/powerpoint/2010/main" val="2444210159"/>
       </p:ext>
     </p:extLst>
   </p:cSld>
@@ -4739,7 +5699,7 @@
                 </a:effectLst>
                 <a:latin typeface="Sitka Text" pitchFamily="2" charset="0"/>
               </a:rPr>
-              <a:t>Testing</a:t>
+              <a:t>Possible</a:t>
             </a:r>
             <a:r>
               <a:rPr lang="nl-BE" sz="3600" cap="small" dirty="0" smtClean="0">
@@ -4760,7 +5720,28 @@
                 </a:effectLst>
                 <a:latin typeface="Sitka Text" pitchFamily="2" charset="0"/>
               </a:rPr>
-              <a:t> approach</a:t>
+              <a:t> </a:t>
+            </a:r>
+            <a:r>
+              <a:rPr lang="nl-BE" sz="3600" cap="small" dirty="0" err="1" smtClean="0">
+                <a:ln w="18415" cmpd="sng">
+                  <a:solidFill>
+                    <a:schemeClr val="tx1">
+                      <a:alpha val="0"/>
+                    </a:schemeClr>
+                  </a:solidFill>
+                  <a:prstDash val="solid"/>
+                </a:ln>
+                <a:effectLst>
+                  <a:outerShdw blurRad="25400" dir="3600000" algn="tl" rotWithShape="0">
+                    <a:srgbClr val="000000">
+                      <a:alpha val="70000"/>
+                    </a:srgbClr>
+                  </a:outerShdw>
+                </a:effectLst>
+                <a:latin typeface="Sitka Text" pitchFamily="2" charset="0"/>
+              </a:rPr>
+              <a:t>improvements</a:t>
             </a:r>
             <a:endParaRPr lang="nl-BE" sz="3600" cap="small" dirty="0">
               <a:ln w="18415" cmpd="sng">
@@ -4800,30 +5781,42 @@
           </a:bodyPr>
           <a:lstStyle/>
           <a:p>
-            <a:pPr marL="0" indent="0">
-              <a:buNone/>
-            </a:pPr>
-            <a:r>
-              <a:rPr lang="nl-BE" sz="2800" b="1" cap="small" dirty="0" smtClean="0">
+            <a:r>
+              <a:rPr lang="nl-BE" sz="2400" dirty="0" smtClean="0">
                 <a:latin typeface="Sitka Display" pitchFamily="2" charset="0"/>
               </a:rPr>
-              <a:t>Geef </a:t>
-            </a:r>
-            <a:r>
-              <a:rPr lang="nl-BE" sz="2800" b="1" cap="small" dirty="0" err="1" smtClean="0">
+              <a:t>MailboxService creates Observers</a:t>
+            </a:r>
+            <a:endParaRPr lang="nl-BE" sz="2000" dirty="0" smtClean="0">
+              <a:latin typeface="Sitka Display" pitchFamily="2" charset="0"/>
+            </a:endParaRPr>
+          </a:p>
+          <a:p>
+            <a:endParaRPr lang="nl-BE" sz="2400" dirty="0"/>
+          </a:p>
+          <a:p>
+            <a:r>
+              <a:rPr lang="nl-BE" sz="2400" dirty="0" smtClean="0">
                 <a:latin typeface="Sitka Display" pitchFamily="2" charset="0"/>
               </a:rPr>
-              <a:t>coverage</a:t>
-            </a:r>
-            <a:r>
-              <a:rPr lang="nl-BE" sz="2800" b="1" cap="small" dirty="0" smtClean="0">
+              <a:t>Milestone improvements in the code and structure</a:t>
+            </a:r>
+            <a:endParaRPr lang="nl-BE" sz="2000" dirty="0" smtClean="0">
+              <a:latin typeface="Sitka Display" pitchFamily="2" charset="0"/>
+            </a:endParaRPr>
+          </a:p>
+          <a:p>
+            <a:endParaRPr lang="nl-BE" sz="2400" dirty="0"/>
+          </a:p>
+          <a:p>
+            <a:r>
+              <a:rPr lang="nl-BE" sz="2400" dirty="0" smtClean="0">
                 <a:latin typeface="Sitka Display" pitchFamily="2" charset="0"/>
               </a:rPr>
-              <a:t> + korte samenvatting van werkwijze in iteratie 1</a:t>
-            </a:r>
-            <a:endParaRPr lang="nl-BE" sz="2400" dirty="0">
+              <a:t>Setters &amp; Getters</a:t>
+            </a:r>
+            <a:endParaRPr lang="nl-BE" sz="2000" dirty="0" smtClean="0">
               <a:latin typeface="Sitka Display" pitchFamily="2" charset="0"/>
-              <a:sym typeface="Wingdings" panose="05000000000000000000" pitchFamily="2" charset="2"/>
             </a:endParaRPr>
           </a:p>
         </p:txBody>
@@ -4831,7 +5824,7 @@
     </p:spTree>
     <p:extLst>
       <p:ext uri="{BB962C8B-B14F-4D97-AF65-F5344CB8AC3E}">
-        <p14:creationId xmlns:p14="http://schemas.microsoft.com/office/powerpoint/2010/main" xmlns="" val="996989477"/>
+        <p14:creationId xmlns:p14="http://schemas.microsoft.com/office/powerpoint/2010/main" val="674970378"/>
       </p:ext>
     </p:extLst>
   </p:cSld>
@@ -4886,6 +5879,27 @@
           <a:lstStyle/>
           <a:p>
             <a:r>
+              <a:rPr lang="nl-BE" sz="3600" cap="small" dirty="0" err="1" smtClean="0">
+                <a:ln w="18415" cmpd="sng">
+                  <a:solidFill>
+                    <a:schemeClr val="tx1">
+                      <a:alpha val="0"/>
+                    </a:schemeClr>
+                  </a:solidFill>
+                  <a:prstDash val="solid"/>
+                </a:ln>
+                <a:effectLst>
+                  <a:outerShdw blurRad="25400" dir="3600000" algn="tl" rotWithShape="0">
+                    <a:srgbClr val="000000">
+                      <a:alpha val="70000"/>
+                    </a:srgbClr>
+                  </a:outerShdw>
+                </a:effectLst>
+                <a:latin typeface="Sitka Text" pitchFamily="2" charset="0"/>
+              </a:rPr>
+              <a:t>Testing</a:t>
+            </a:r>
+            <a:r>
               <a:rPr lang="nl-BE" sz="3600" cap="small" dirty="0" smtClean="0">
                 <a:ln w="18415" cmpd="sng">
                   <a:solidFill>
@@ -4904,7 +5918,7 @@
                 </a:effectLst>
                 <a:latin typeface="Sitka Text" pitchFamily="2" charset="0"/>
               </a:rPr>
-              <a:t>Testing approach</a:t>
+              <a:t> approach</a:t>
             </a:r>
             <a:endParaRPr lang="nl-BE" sz="3600" cap="small" dirty="0">
               <a:ln w="18415" cmpd="sng">
@@ -4927,39 +5941,55 @@
           </a:p>
         </p:txBody>
       </p:sp>
-      <p:pic>
-        <p:nvPicPr>
-          <p:cNvPr id="7" name="Content Placeholder 6"/>
-          <p:cNvPicPr>
-            <a:picLocks noGrp="1" noChangeAspect="1"/>
-          </p:cNvPicPr>
+      <p:sp>
+        <p:nvSpPr>
+          <p:cNvPr id="3" name="Tijdelijke aanduiding voor inhoud 2"/>
+          <p:cNvSpPr>
+            <a:spLocks noGrp="1"/>
+          </p:cNvSpPr>
           <p:nvPr>
             <p:ph idx="1"/>
           </p:nvPr>
-        </p:nvPicPr>
-        <p:blipFill>
-          <a:blip r:embed="rId2" cstate="print">
-            <a:extLst>
-              <a:ext uri="{28A0092B-C50C-407E-A947-70E740481C1C}">
-                <a14:useLocalDpi xmlns:a14="http://schemas.microsoft.com/office/drawing/2010/main" xmlns="" val="0"/>
-              </a:ext>
-            </a:extLst>
-          </a:blip>
-          <a:stretch>
-            <a:fillRect/>
-          </a:stretch>
-        </p:blipFill>
-        <p:spPr>
-          <a:xfrm>
-            <a:off x="324176" y="1484784"/>
-            <a:ext cx="8495647" cy="4896544"/>
-          </a:xfrm>
-        </p:spPr>
-      </p:pic>
+        </p:nvSpPr>
+        <p:spPr/>
+        <p:txBody>
+          <a:bodyPr>
+            <a:normAutofit/>
+          </a:bodyPr>
+          <a:lstStyle/>
+          <a:p>
+            <a:pPr marL="0" indent="0">
+              <a:buNone/>
+            </a:pPr>
+            <a:r>
+              <a:rPr lang="nl-BE" sz="2800" b="1" cap="small" dirty="0" smtClean="0">
+                <a:latin typeface="Sitka Display" pitchFamily="2" charset="0"/>
+              </a:rPr>
+              <a:t>Geef </a:t>
+            </a:r>
+            <a:r>
+              <a:rPr lang="nl-BE" sz="2800" b="1" cap="small" dirty="0" err="1" smtClean="0">
+                <a:latin typeface="Sitka Display" pitchFamily="2" charset="0"/>
+              </a:rPr>
+              <a:t>coverage</a:t>
+            </a:r>
+            <a:r>
+              <a:rPr lang="nl-BE" sz="2800" b="1" cap="small" dirty="0" smtClean="0">
+                <a:latin typeface="Sitka Display" pitchFamily="2" charset="0"/>
+              </a:rPr>
+              <a:t> + korte samenvatting van werkwijze in iteratie 1</a:t>
+            </a:r>
+            <a:endParaRPr lang="nl-BE" sz="2400" dirty="0">
+              <a:latin typeface="Sitka Display" pitchFamily="2" charset="0"/>
+              <a:sym typeface="Wingdings" panose="05000000000000000000" pitchFamily="2" charset="2"/>
+            </a:endParaRPr>
+          </a:p>
+        </p:txBody>
+      </p:sp>
     </p:spTree>
     <p:extLst>
       <p:ext uri="{BB962C8B-B14F-4D97-AF65-F5344CB8AC3E}">
-        <p14:creationId xmlns:p14="http://schemas.microsoft.com/office/powerpoint/2010/main" xmlns="" val="3176464878"/>
+        <p14:creationId xmlns:p14="http://schemas.microsoft.com/office/powerpoint/2010/main" val="996989477"/>
       </p:ext>
     </p:extLst>
   </p:cSld>
@@ -5032,7 +6062,7 @@
                 </a:effectLst>
                 <a:latin typeface="Sitka Text" pitchFamily="2" charset="0"/>
               </a:rPr>
-              <a:t>Vragen?</a:t>
+              <a:t>Testing approach</a:t>
             </a:r>
             <a:endParaRPr lang="nl-BE" sz="3600" cap="small" dirty="0">
               <a:ln w="18415" cmpd="sng">
@@ -5057,47 +6087,37 @@
       </p:sp>
       <p:pic>
         <p:nvPicPr>
-          <p:cNvPr id="2051" name="Picture 3" descr="C:\Users\Laurens\Desktop\Dumper\wut.jpg"/>
+          <p:cNvPr id="7" name="Content Placeholder 6"/>
           <p:cNvPicPr>
-            <a:picLocks noChangeAspect="1" noChangeArrowheads="1"/>
+            <a:picLocks noGrp="1" noChangeAspect="1"/>
           </p:cNvPicPr>
-          <p:nvPr/>
+          <p:nvPr>
+            <p:ph idx="1"/>
+          </p:nvPr>
         </p:nvPicPr>
-        <p:blipFill rotWithShape="1">
+        <p:blipFill>
           <a:blip r:embed="rId2" cstate="print">
             <a:extLst>
               <a:ext uri="{28A0092B-C50C-407E-A947-70E740481C1C}">
-                <a14:useLocalDpi xmlns:a14="http://schemas.microsoft.com/office/drawing/2010/main" xmlns="" val="0"/>
+                <a14:useLocalDpi xmlns:a14="http://schemas.microsoft.com/office/drawing/2010/main" val="0"/>
               </a:ext>
             </a:extLst>
           </a:blip>
-          <a:srcRect t="22771" r="1125" b="22800"/>
-          <a:stretch/>
+          <a:stretch>
+            <a:fillRect/>
+          </a:stretch>
         </p:blipFill>
-        <p:spPr bwMode="auto">
+        <p:spPr>
           <a:xfrm>
-            <a:off x="1597733" y="2420888"/>
-            <a:ext cx="5948535" cy="2455912"/>
+            <a:off x="324176" y="1484784"/>
+            <a:ext cx="8495647" cy="4896544"/>
           </a:xfrm>
-          <a:prstGeom prst="rect">
-            <a:avLst/>
-          </a:prstGeom>
-          <a:noFill/>
-          <a:extLst>
-            <a:ext uri="{909E8E84-426E-40DD-AFC4-6F175D3DCCD1}">
-              <a14:hiddenFill xmlns:a14="http://schemas.microsoft.com/office/drawing/2010/main" xmlns="">
-                <a:solidFill>
-                  <a:srgbClr val="FFFFFF"/>
-                </a:solidFill>
-              </a14:hiddenFill>
-            </a:ext>
-          </a:extLst>
         </p:spPr>
       </p:pic>
     </p:spTree>
     <p:extLst>
       <p:ext uri="{BB962C8B-B14F-4D97-AF65-F5344CB8AC3E}">
-        <p14:creationId xmlns:p14="http://schemas.microsoft.com/office/powerpoint/2010/main" xmlns="" val="3405605565"/>
+        <p14:creationId xmlns:p14="http://schemas.microsoft.com/office/powerpoint/2010/main" val="3176464878"/>
       </p:ext>
     </p:extLst>
   </p:cSld>
@@ -5147,7 +6167,7 @@
         <p:spPr/>
         <p:txBody>
           <a:bodyPr>
-            <a:normAutofit fontScale="90000"/>
+            <a:normAutofit/>
           </a:bodyPr>
           <a:lstStyle/>
           <a:p>
@@ -5170,7 +6190,7 @@
                 </a:effectLst>
                 <a:latin typeface="Sitka Text" pitchFamily="2" charset="0"/>
               </a:rPr>
-              <a:t>Project management (in uren) TODO UPDATE</a:t>
+              <a:t>Vragen?</a:t>
             </a:r>
             <a:endParaRPr lang="nl-BE" sz="3600" cap="small" dirty="0">
               <a:ln w="18415" cmpd="sng">
@@ -5193,356 +6213,49 @@
           </a:p>
         </p:txBody>
       </p:sp>
-      <p:sp>
-        <p:nvSpPr>
-          <p:cNvPr id="3" name="Tijdelijke aanduiding voor inhoud 2"/>
-          <p:cNvSpPr>
-            <a:spLocks noGrp="1"/>
-          </p:cNvSpPr>
-          <p:nvPr>
-            <p:ph idx="1"/>
-          </p:nvPr>
-        </p:nvSpPr>
-        <p:spPr/>
-        <p:txBody>
-          <a:bodyPr>
-            <a:normAutofit/>
-          </a:bodyPr>
-          <a:lstStyle/>
-          <a:p>
-            <a:pPr marL="0" indent="0">
-              <a:buNone/>
-            </a:pPr>
-            <a:r>
-              <a:rPr lang="nl-BE" sz="2700" b="1" cap="small" dirty="0" smtClean="0">
-                <a:latin typeface="Sitka Display" pitchFamily="2" charset="0"/>
-              </a:rPr>
-              <a:t>Karina </a:t>
-            </a:r>
-            <a:r>
-              <a:rPr lang="nl-BE" sz="2700" b="1" cap="small" dirty="0" err="1" smtClean="0">
-                <a:latin typeface="Sitka Display" pitchFamily="2" charset="0"/>
-              </a:rPr>
-              <a:t>Karapetyan</a:t>
-            </a:r>
-            <a:endParaRPr lang="nl-BE" sz="2700" b="1" cap="small" dirty="0" smtClean="0">
-              <a:latin typeface="Sitka Display" pitchFamily="2" charset="0"/>
-            </a:endParaRPr>
-          </a:p>
-          <a:p>
-            <a:pPr marL="0" indent="0">
-              <a:buNone/>
-            </a:pPr>
-            <a:r>
-              <a:rPr lang="nl-BE" sz="2400" dirty="0" smtClean="0">
-                <a:solidFill>
-                  <a:schemeClr val="accent4">
-                    <a:lumMod val="50000"/>
-                  </a:schemeClr>
-                </a:solidFill>
-                <a:effectLst>
-                  <a:outerShdw blurRad="76200" dist="38100" dir="5400000" algn="t" rotWithShape="0">
-                    <a:prstClr val="black">
-                      <a:alpha val="27000"/>
-                    </a:prstClr>
-                  </a:outerShdw>
-                </a:effectLst>
-                <a:latin typeface="Sitka Banner" pitchFamily="2" charset="0"/>
-              </a:rPr>
-              <a:t>Group work: </a:t>
-            </a:r>
-            <a:r>
-              <a:rPr lang="nl-BE" sz="2400" dirty="0">
-                <a:solidFill>
-                  <a:schemeClr val="accent4">
-                    <a:lumMod val="50000"/>
-                  </a:schemeClr>
-                </a:solidFill>
-                <a:effectLst>
-                  <a:outerShdw blurRad="76200" dist="38100" dir="5400000" algn="t" rotWithShape="0">
-                    <a:prstClr val="black">
-                      <a:alpha val="27000"/>
-                    </a:prstClr>
-                  </a:outerShdw>
-                </a:effectLst>
-                <a:latin typeface="Sitka Banner" pitchFamily="2" charset="0"/>
-              </a:rPr>
-              <a:t>	</a:t>
-            </a:r>
-            <a:r>
-              <a:rPr lang="nl-BE" sz="2400" dirty="0" smtClean="0">
-                <a:solidFill>
-                  <a:schemeClr val="accent4">
-                    <a:lumMod val="50000"/>
-                  </a:schemeClr>
-                </a:solidFill>
-                <a:effectLst>
-                  <a:outerShdw blurRad="76200" dist="38100" dir="5400000" algn="t" rotWithShape="0">
-                    <a:prstClr val="black">
-                      <a:alpha val="27000"/>
-                    </a:prstClr>
-                  </a:outerShdw>
-                </a:effectLst>
-                <a:latin typeface="Sitka Banner" pitchFamily="2" charset="0"/>
-              </a:rPr>
-              <a:t> 	Individual Work: 	Study: </a:t>
-            </a:r>
-            <a:endParaRPr lang="nl-BE" sz="2400" dirty="0">
-              <a:solidFill>
-                <a:schemeClr val="accent4">
-                  <a:lumMod val="50000"/>
-                </a:schemeClr>
-              </a:solidFill>
-              <a:effectLst>
-                <a:outerShdw blurRad="76200" dist="38100" dir="5400000" algn="t" rotWithShape="0">
-                  <a:prstClr val="black">
-                    <a:alpha val="27000"/>
-                  </a:prstClr>
-                </a:outerShdw>
-              </a:effectLst>
-              <a:latin typeface="Sitka Banner" pitchFamily="2" charset="0"/>
-            </a:endParaRPr>
-          </a:p>
-          <a:p>
-            <a:pPr marL="0" indent="0">
-              <a:buNone/>
-            </a:pPr>
-            <a:r>
-              <a:rPr lang="nl-BE" sz="2700" b="1" cap="small" dirty="0" smtClean="0">
-                <a:latin typeface="Sitka Display" pitchFamily="2" charset="0"/>
-              </a:rPr>
-              <a:t>Laurens </a:t>
-            </a:r>
-            <a:r>
-              <a:rPr lang="nl-BE" sz="2700" b="1" cap="small" dirty="0" err="1" smtClean="0">
-                <a:latin typeface="Sitka Display" pitchFamily="2" charset="0"/>
-              </a:rPr>
-              <a:t>Cleemput</a:t>
-            </a:r>
-            <a:endParaRPr lang="nl-BE" sz="2700" b="1" cap="small" dirty="0" smtClean="0">
-              <a:latin typeface="Sitka Display" pitchFamily="2" charset="0"/>
-            </a:endParaRPr>
-          </a:p>
-          <a:p>
-            <a:pPr marL="0" indent="0">
-              <a:buNone/>
-            </a:pPr>
-            <a:r>
-              <a:rPr lang="nl-BE" sz="2400" dirty="0" smtClean="0">
-                <a:solidFill>
-                  <a:schemeClr val="accent4">
-                    <a:lumMod val="50000"/>
-                  </a:schemeClr>
-                </a:solidFill>
-                <a:effectLst>
-                  <a:outerShdw blurRad="76200" dist="38100" dir="5400000" algn="t" rotWithShape="0">
-                    <a:prstClr val="black">
-                      <a:alpha val="27000"/>
-                    </a:prstClr>
-                  </a:outerShdw>
-                </a:effectLst>
-                <a:latin typeface="Sitka Banner" pitchFamily="2" charset="0"/>
-              </a:rPr>
-              <a:t>Group work: </a:t>
-            </a:r>
-            <a:r>
-              <a:rPr lang="nl-BE" sz="2400" dirty="0">
-                <a:solidFill>
-                  <a:schemeClr val="accent4">
-                    <a:lumMod val="50000"/>
-                  </a:schemeClr>
-                </a:solidFill>
-                <a:effectLst>
-                  <a:outerShdw blurRad="76200" dist="38100" dir="5400000" algn="t" rotWithShape="0">
-                    <a:prstClr val="black">
-                      <a:alpha val="27000"/>
-                    </a:prstClr>
-                  </a:outerShdw>
-                </a:effectLst>
-                <a:latin typeface="Sitka Banner" pitchFamily="2" charset="0"/>
-              </a:rPr>
-              <a:t>	</a:t>
-            </a:r>
-            <a:r>
-              <a:rPr lang="nl-BE" sz="2400" dirty="0" smtClean="0">
-                <a:solidFill>
-                  <a:schemeClr val="accent4">
-                    <a:lumMod val="50000"/>
-                  </a:schemeClr>
-                </a:solidFill>
-                <a:effectLst>
-                  <a:outerShdw blurRad="76200" dist="38100" dir="5400000" algn="t" rotWithShape="0">
-                    <a:prstClr val="black">
-                      <a:alpha val="27000"/>
-                    </a:prstClr>
-                  </a:outerShdw>
-                </a:effectLst>
-                <a:latin typeface="Sitka Banner" pitchFamily="2" charset="0"/>
-              </a:rPr>
-              <a:t> 	Individual Work: 	Study: </a:t>
-            </a:r>
-          </a:p>
-          <a:p>
-            <a:pPr marL="0" indent="0">
-              <a:buNone/>
-            </a:pPr>
-            <a:r>
-              <a:rPr lang="nl-BE" sz="2700" b="1" cap="small" dirty="0" smtClean="0">
-                <a:latin typeface="Sitka Display" pitchFamily="2" charset="0"/>
-              </a:rPr>
-              <a:t>Tom Houben</a:t>
-            </a:r>
-          </a:p>
-          <a:p>
-            <a:pPr marL="0" indent="0">
-              <a:buNone/>
-            </a:pPr>
-            <a:r>
-              <a:rPr lang="nl-BE" sz="2400" dirty="0" smtClean="0">
-                <a:solidFill>
-                  <a:schemeClr val="accent4">
-                    <a:lumMod val="50000"/>
-                  </a:schemeClr>
-                </a:solidFill>
-                <a:effectLst>
-                  <a:outerShdw blurRad="76200" dist="38100" dir="5400000" algn="t" rotWithShape="0">
-                    <a:prstClr val="black">
-                      <a:alpha val="27000"/>
-                    </a:prstClr>
-                  </a:outerShdw>
-                </a:effectLst>
-                <a:latin typeface="Sitka Banner" pitchFamily="2" charset="0"/>
-              </a:rPr>
-              <a:t>Group work:  </a:t>
-            </a:r>
-            <a:r>
-              <a:rPr lang="nl-BE" sz="2400" dirty="0">
-                <a:solidFill>
-                  <a:schemeClr val="accent4">
-                    <a:lumMod val="50000"/>
-                  </a:schemeClr>
-                </a:solidFill>
-                <a:effectLst>
-                  <a:outerShdw blurRad="76200" dist="38100" dir="5400000" algn="t" rotWithShape="0">
-                    <a:prstClr val="black">
-                      <a:alpha val="27000"/>
-                    </a:prstClr>
-                  </a:outerShdw>
-                </a:effectLst>
-                <a:latin typeface="Sitka Banner" pitchFamily="2" charset="0"/>
-              </a:rPr>
-              <a:t>	</a:t>
-            </a:r>
-            <a:r>
-              <a:rPr lang="nl-BE" sz="2400" dirty="0" smtClean="0">
-                <a:solidFill>
-                  <a:schemeClr val="accent4">
-                    <a:lumMod val="50000"/>
-                  </a:schemeClr>
-                </a:solidFill>
-                <a:effectLst>
-                  <a:outerShdw blurRad="76200" dist="38100" dir="5400000" algn="t" rotWithShape="0">
-                    <a:prstClr val="black">
-                      <a:alpha val="27000"/>
-                    </a:prstClr>
-                  </a:outerShdw>
-                </a:effectLst>
-                <a:latin typeface="Sitka Banner" pitchFamily="2" charset="0"/>
-              </a:rPr>
-              <a:t>	Individual Work: 	Study: </a:t>
-            </a:r>
-          </a:p>
-          <a:p>
-            <a:pPr marL="0" indent="0">
-              <a:buNone/>
-            </a:pPr>
-            <a:r>
-              <a:rPr lang="nl-BE" sz="2700" b="1" cap="small" dirty="0" smtClean="0">
-                <a:latin typeface="Sitka Display" pitchFamily="2" charset="0"/>
-              </a:rPr>
-              <a:t>Tri </a:t>
-            </a:r>
-            <a:r>
-              <a:rPr lang="nl-BE" sz="2700" b="1" cap="small" dirty="0" err="1" smtClean="0">
-                <a:latin typeface="Sitka Display" pitchFamily="2" charset="0"/>
-              </a:rPr>
-              <a:t>Tran</a:t>
-            </a:r>
-            <a:endParaRPr lang="nl-BE" sz="2700" b="1" cap="small" dirty="0" smtClean="0">
-              <a:latin typeface="Sitka Display" pitchFamily="2" charset="0"/>
-            </a:endParaRPr>
-          </a:p>
-          <a:p>
-            <a:pPr marL="0" indent="0">
-              <a:buNone/>
-            </a:pPr>
-            <a:r>
-              <a:rPr lang="nl-BE" sz="2400" dirty="0" smtClean="0">
-                <a:solidFill>
-                  <a:schemeClr val="accent4">
-                    <a:lumMod val="50000"/>
-                  </a:schemeClr>
-                </a:solidFill>
-                <a:effectLst>
-                  <a:outerShdw blurRad="76200" dist="38100" dir="5400000" algn="t" rotWithShape="0">
-                    <a:prstClr val="black">
-                      <a:alpha val="27000"/>
-                    </a:prstClr>
-                  </a:outerShdw>
-                </a:effectLst>
-                <a:latin typeface="Sitka Banner" pitchFamily="2" charset="0"/>
-              </a:rPr>
-              <a:t>Group work: </a:t>
-            </a:r>
-            <a:r>
-              <a:rPr lang="nl-BE" sz="2400" dirty="0">
-                <a:solidFill>
-                  <a:schemeClr val="accent4">
-                    <a:lumMod val="50000"/>
-                  </a:schemeClr>
-                </a:solidFill>
-                <a:effectLst>
-                  <a:outerShdw blurRad="76200" dist="38100" dir="5400000" algn="t" rotWithShape="0">
-                    <a:prstClr val="black">
-                      <a:alpha val="27000"/>
-                    </a:prstClr>
-                  </a:outerShdw>
-                </a:effectLst>
-                <a:latin typeface="Sitka Banner" pitchFamily="2" charset="0"/>
-              </a:rPr>
-              <a:t>	</a:t>
-            </a:r>
-            <a:r>
-              <a:rPr lang="nl-BE" sz="2400" dirty="0" smtClean="0">
-                <a:solidFill>
-                  <a:schemeClr val="accent4">
-                    <a:lumMod val="50000"/>
-                  </a:schemeClr>
-                </a:solidFill>
-                <a:effectLst>
-                  <a:outerShdw blurRad="76200" dist="38100" dir="5400000" algn="t" rotWithShape="0">
-                    <a:prstClr val="black">
-                      <a:alpha val="27000"/>
-                    </a:prstClr>
-                  </a:outerShdw>
-                </a:effectLst>
-                <a:latin typeface="Sitka Banner" pitchFamily="2" charset="0"/>
-              </a:rPr>
-              <a:t> 31h	Individual Work: 	Study:  </a:t>
-            </a:r>
-          </a:p>
-          <a:p>
-            <a:pPr marL="0" indent="0">
-              <a:buNone/>
-            </a:pPr>
-            <a:endParaRPr lang="nl-BE" b="1" dirty="0"/>
-          </a:p>
-        </p:txBody>
-      </p:sp>
+      <p:pic>
+        <p:nvPicPr>
+          <p:cNvPr id="2051" name="Picture 3" descr="C:\Users\Laurens\Desktop\Dumper\wut.jpg"/>
+          <p:cNvPicPr>
+            <a:picLocks noChangeAspect="1" noChangeArrowheads="1"/>
+          </p:cNvPicPr>
+          <p:nvPr/>
+        </p:nvPicPr>
+        <p:blipFill rotWithShape="1">
+          <a:blip r:embed="rId2" cstate="print">
+            <a:extLst>
+              <a:ext uri="{28A0092B-C50C-407E-A947-70E740481C1C}">
+                <a14:useLocalDpi xmlns:a14="http://schemas.microsoft.com/office/drawing/2010/main" val="0"/>
+              </a:ext>
+            </a:extLst>
+          </a:blip>
+          <a:srcRect t="22771" r="1125" b="22800"/>
+          <a:stretch/>
+        </p:blipFill>
+        <p:spPr bwMode="auto">
+          <a:xfrm>
+            <a:off x="1597733" y="2420888"/>
+            <a:ext cx="5948535" cy="2455912"/>
+          </a:xfrm>
+          <a:prstGeom prst="rect">
+            <a:avLst/>
+          </a:prstGeom>
+          <a:noFill/>
+          <a:extLst>
+            <a:ext uri="{909E8E84-426E-40DD-AFC4-6F175D3DCCD1}">
+              <a14:hiddenFill xmlns:a14="http://schemas.microsoft.com/office/drawing/2010/main">
+                <a:solidFill>
+                  <a:srgbClr val="FFFFFF"/>
+                </a:solidFill>
+              </a14:hiddenFill>
+            </a:ext>
+          </a:extLst>
+        </p:spPr>
+      </p:pic>
     </p:spTree>
     <p:extLst>
       <p:ext uri="{BB962C8B-B14F-4D97-AF65-F5344CB8AC3E}">
-        <p14:creationId xmlns:p14="http://schemas.microsoft.com/office/powerpoint/2010/main" xmlns="" val="1581702792"/>
+        <p14:creationId xmlns:p14="http://schemas.microsoft.com/office/powerpoint/2010/main" val="3405605565"/>
       </p:ext>
     </p:extLst>
   </p:cSld>
@@ -5581,7 +6294,7 @@
       </p:grpSpPr>
       <p:sp>
         <p:nvSpPr>
-          <p:cNvPr id="2" name="Titel 1"/>
+          <p:cNvPr id="4" name="Titel 1"/>
           <p:cNvSpPr>
             <a:spLocks noGrp="1"/>
           </p:cNvSpPr>
@@ -5645,14 +6358,14 @@
       </p:sp>
       <p:pic>
         <p:nvPicPr>
-          <p:cNvPr id="1026" name="Picture 2" descr="C:\Users\Laurens\Documents\IntelliJ Projects\SWOP2016\presentatie\Diagram Images\UML Global Design.png"/>
+          <p:cNvPr id="1026" name="Picture 2" descr="C:\Users\Laurens\Documents\IntelliJ Projects\SWOP2016\Presentaties\Iteratie 2\UML Iteratie 2 Global Design.png"/>
           <p:cNvPicPr>
             <a:picLocks noChangeAspect="1" noChangeArrowheads="1"/>
           </p:cNvPicPr>
           <p:nvPr/>
         </p:nvPicPr>
         <p:blipFill>
-          <a:blip r:embed="rId2" cstate="print">
+          <a:blip r:embed="rId2">
             <a:clrChange>
               <a:clrFrom>
                 <a:srgbClr val="FFFFFF"/>
@@ -5663,15 +6376,21 @@
                 </a:srgbClr>
               </a:clrTo>
             </a:clrChange>
+            <a:extLst>
+              <a:ext uri="{28A0092B-C50C-407E-A947-70E740481C1C}">
+                <a14:useLocalDpi xmlns:a14="http://schemas.microsoft.com/office/drawing/2010/main" val="0"/>
+              </a:ext>
+            </a:extLst>
           </a:blip>
+          <a:srcRect/>
           <a:stretch>
             <a:fillRect/>
           </a:stretch>
         </p:blipFill>
         <p:spPr bwMode="auto">
           <a:xfrm>
-            <a:off x="68262" y="1053227"/>
-            <a:ext cx="9075738" cy="5618767"/>
+            <a:off x="0" y="908720"/>
+            <a:ext cx="9114374" cy="5904656"/>
           </a:xfrm>
           <a:prstGeom prst="rect">
             <a:avLst/>
@@ -5679,7 +6398,7 @@
           <a:noFill/>
           <a:extLst>
             <a:ext uri="{909E8E84-426E-40DD-AFC4-6F175D3DCCD1}">
-              <a14:hiddenFill xmlns:a14="http://schemas.microsoft.com/office/drawing/2010/main" xmlns="">
+              <a14:hiddenFill xmlns:a14="http://schemas.microsoft.com/office/drawing/2010/main">
                 <a:solidFill>
                   <a:srgbClr val="FFFFFF"/>
                 </a:solidFill>
@@ -5688,132 +6407,448 @@
           </a:extLst>
         </p:spPr>
       </p:pic>
-      <p:sp>
-        <p:nvSpPr>
-          <p:cNvPr id="3" name="Tekstvak 2"/>
-          <p:cNvSpPr txBox="1"/>
-          <p:nvPr/>
-        </p:nvSpPr>
-        <p:spPr>
-          <a:xfrm>
-            <a:off x="5148064" y="2549728"/>
-            <a:ext cx="3744000" cy="1505903"/>
-          </a:xfrm>
-          <a:prstGeom prst="roundRect">
-            <a:avLst>
-              <a:gd name="adj" fmla="val 4768"/>
-            </a:avLst>
-          </a:prstGeom>
-          <a:noFill/>
-          <a:ln w="6350"/>
-          <a:effectLst/>
-        </p:spPr>
-        <p:style>
-          <a:lnRef idx="2">
-            <a:schemeClr val="dk1"/>
-          </a:lnRef>
-          <a:fillRef idx="1">
-            <a:schemeClr val="lt1"/>
-          </a:fillRef>
-          <a:effectRef idx="0">
-            <a:schemeClr val="dk1"/>
-          </a:effectRef>
-          <a:fontRef idx="minor">
-            <a:schemeClr val="dk1"/>
-          </a:fontRef>
-        </p:style>
-        <p:txBody>
-          <a:bodyPr wrap="square" rtlCol="0">
-            <a:spAutoFit/>
-          </a:bodyPr>
-          <a:lstStyle/>
-          <a:p>
-            <a:pPr marL="285750" indent="-285750">
-              <a:buFont typeface="Arial" panose="020B0604020202020204" pitchFamily="34" charset="0"/>
-              <a:buChar char="•"/>
-            </a:pPr>
-            <a:r>
-              <a:rPr lang="nl-BE" b="1" dirty="0" smtClean="0">
-                <a:latin typeface="Sitka Display" pitchFamily="2" charset="0"/>
-              </a:rPr>
-              <a:t>Algemeen voor alle delen: eerst </a:t>
-            </a:r>
-            <a:r>
-              <a:rPr lang="nl-BE" b="1" dirty="0" err="1" smtClean="0">
-                <a:latin typeface="Sitka Display" pitchFamily="2" charset="0"/>
-              </a:rPr>
-              <a:t>recap</a:t>
-            </a:r>
-            <a:r>
-              <a:rPr lang="nl-BE" b="1" dirty="0" smtClean="0">
-                <a:latin typeface="Sitka Display" pitchFamily="2" charset="0"/>
-              </a:rPr>
-              <a:t> van deel 1 (KORT)</a:t>
-            </a:r>
-          </a:p>
-          <a:p>
-            <a:pPr marL="285750" indent="-285750">
-              <a:buFont typeface="Arial" panose="020B0604020202020204" pitchFamily="34" charset="0"/>
-              <a:buChar char="•"/>
-            </a:pPr>
-            <a:r>
-              <a:rPr lang="nl-BE" b="1" dirty="0" smtClean="0">
-                <a:latin typeface="Sitka Display" pitchFamily="2" charset="0"/>
-              </a:rPr>
-              <a:t>// Laurens //</a:t>
-            </a:r>
-          </a:p>
-          <a:p>
-            <a:pPr marL="285750" indent="-285750">
-              <a:buFont typeface="Arial" panose="020B0604020202020204" pitchFamily="34" charset="0"/>
-              <a:buChar char="•"/>
-            </a:pPr>
-            <a:r>
-              <a:rPr lang="nl-BE" dirty="0" smtClean="0">
-                <a:latin typeface="Sitka Display" pitchFamily="2" charset="0"/>
-              </a:rPr>
-              <a:t>Extra laag met </a:t>
-            </a:r>
-            <a:r>
-              <a:rPr lang="nl-BE" dirty="0" err="1" smtClean="0">
-                <a:latin typeface="Sitka Display" pitchFamily="2" charset="0"/>
-              </a:rPr>
-              <a:t>use</a:t>
-            </a:r>
-            <a:r>
-              <a:rPr lang="nl-BE" dirty="0" smtClean="0">
-                <a:latin typeface="Sitka Display" pitchFamily="2" charset="0"/>
-              </a:rPr>
-              <a:t> cases</a:t>
-            </a:r>
-          </a:p>
-          <a:p>
-            <a:pPr marL="285750" indent="-285750">
-              <a:buFont typeface="Arial" panose="020B0604020202020204" pitchFamily="34" charset="0"/>
-              <a:buChar char="•"/>
-            </a:pPr>
-            <a:r>
-              <a:rPr lang="nl-BE" dirty="0" err="1" smtClean="0">
-                <a:latin typeface="Sitka Display" pitchFamily="2" charset="0"/>
-              </a:rPr>
-              <a:t>Domeinlaag</a:t>
-            </a:r>
-            <a:r>
-              <a:rPr lang="nl-BE" dirty="0" smtClean="0">
-                <a:latin typeface="Sitka Display" pitchFamily="2" charset="0"/>
-              </a:rPr>
-              <a:t>: meer packages</a:t>
-            </a:r>
-            <a:endParaRPr lang="nl-BE" dirty="0">
-              <a:latin typeface="Sitka Display" pitchFamily="2" charset="0"/>
-            </a:endParaRPr>
-          </a:p>
-        </p:txBody>
-      </p:sp>
     </p:spTree>
     <p:extLst>
       <p:ext uri="{BB962C8B-B14F-4D97-AF65-F5344CB8AC3E}">
-        <p14:creationId xmlns:p14="http://schemas.microsoft.com/office/powerpoint/2010/main" xmlns="" val="439526893"/>
+        <p14:creationId xmlns:p14="http://schemas.microsoft.com/office/powerpoint/2010/main" val="597274065"/>
+      </p:ext>
+    </p:extLst>
+  </p:cSld>
+  <p:clrMapOvr>
+    <a:masterClrMapping/>
+  </p:clrMapOvr>
+  <p:transition>
+    <p:fade/>
+  </p:transition>
+</p:sld>
+</file>
+
+<file path=ppt/slides/slide20.xml><?xml version="1.0" encoding="utf-8"?>
+<p:sld xmlns:a="http://schemas.openxmlformats.org/drawingml/2006/main" xmlns:r="http://schemas.openxmlformats.org/officeDocument/2006/relationships" xmlns:p="http://schemas.openxmlformats.org/presentationml/2006/main">
+  <p:cSld>
+    <p:spTree>
+      <p:nvGrpSpPr>
+        <p:cNvPr id="1" name=""/>
+        <p:cNvGrpSpPr/>
+        <p:nvPr/>
+      </p:nvGrpSpPr>
+      <p:grpSpPr>
+        <a:xfrm>
+          <a:off x="0" y="0"/>
+          <a:ext cx="0" cy="0"/>
+          <a:chOff x="0" y="0"/>
+          <a:chExt cx="0" cy="0"/>
+        </a:xfrm>
+      </p:grpSpPr>
+      <p:sp>
+        <p:nvSpPr>
+          <p:cNvPr id="2" name="Titel 1"/>
+          <p:cNvSpPr>
+            <a:spLocks noGrp="1"/>
+          </p:cNvSpPr>
+          <p:nvPr>
+            <p:ph type="title"/>
+          </p:nvPr>
+        </p:nvSpPr>
+        <p:spPr/>
+        <p:txBody>
+          <a:bodyPr>
+            <a:normAutofit/>
+          </a:bodyPr>
+          <a:lstStyle/>
+          <a:p>
+            <a:r>
+              <a:rPr lang="nl-BE" sz="3600" cap="small" dirty="0" smtClean="0">
+                <a:ln w="18415" cmpd="sng">
+                  <a:solidFill>
+                    <a:schemeClr val="tx1">
+                      <a:alpha val="0"/>
+                    </a:schemeClr>
+                  </a:solidFill>
+                  <a:prstDash val="solid"/>
+                </a:ln>
+                <a:effectLst>
+                  <a:outerShdw blurRad="25400" dir="3600000" algn="tl" rotWithShape="0">
+                    <a:srgbClr val="000000">
+                      <a:alpha val="70000"/>
+                    </a:srgbClr>
+                  </a:outerShdw>
+                </a:effectLst>
+                <a:latin typeface="Sitka Text" pitchFamily="2" charset="0"/>
+              </a:rPr>
+              <a:t>Project management (in uren) TODO UPDATE</a:t>
+            </a:r>
+            <a:endParaRPr lang="nl-BE" sz="3600" cap="small" dirty="0">
+              <a:ln w="18415" cmpd="sng">
+                <a:solidFill>
+                  <a:schemeClr val="tx1">
+                    <a:alpha val="0"/>
+                  </a:schemeClr>
+                </a:solidFill>
+                <a:prstDash val="solid"/>
+              </a:ln>
+              <a:effectLst>
+                <a:outerShdw blurRad="25400" dir="3600000" algn="tl" rotWithShape="0">
+                  <a:srgbClr val="000000">
+                    <a:alpha val="70000"/>
+                  </a:srgbClr>
+                </a:outerShdw>
+              </a:effectLst>
+              <a:latin typeface="Sitka Text" pitchFamily="2" charset="0"/>
+            </a:endParaRPr>
+          </a:p>
+        </p:txBody>
+      </p:sp>
+      <p:sp>
+        <p:nvSpPr>
+          <p:cNvPr id="3" name="Tijdelijke aanduiding voor inhoud 2"/>
+          <p:cNvSpPr>
+            <a:spLocks noGrp="1"/>
+          </p:cNvSpPr>
+          <p:nvPr>
+            <p:ph idx="1"/>
+          </p:nvPr>
+        </p:nvSpPr>
+        <p:spPr/>
+        <p:txBody>
+          <a:bodyPr>
+            <a:normAutofit/>
+          </a:bodyPr>
+          <a:lstStyle/>
+          <a:p>
+            <a:pPr marL="0" indent="0">
+              <a:buNone/>
+            </a:pPr>
+            <a:r>
+              <a:rPr lang="nl-BE" sz="2700" b="1" cap="small" dirty="0" smtClean="0">
+                <a:latin typeface="Sitka Display" pitchFamily="2" charset="0"/>
+              </a:rPr>
+              <a:t>Karina </a:t>
+            </a:r>
+            <a:r>
+              <a:rPr lang="nl-BE" sz="2700" b="1" cap="small" dirty="0" err="1" smtClean="0">
+                <a:latin typeface="Sitka Display" pitchFamily="2" charset="0"/>
+              </a:rPr>
+              <a:t>Karapetyan</a:t>
+            </a:r>
+            <a:endParaRPr lang="nl-BE" sz="2700" b="1" cap="small" dirty="0" smtClean="0">
+              <a:latin typeface="Sitka Display" pitchFamily="2" charset="0"/>
+            </a:endParaRPr>
+          </a:p>
+          <a:p>
+            <a:pPr marL="0" indent="0">
+              <a:buNone/>
+            </a:pPr>
+            <a:r>
+              <a:rPr lang="nl-BE" sz="2400" dirty="0" smtClean="0">
+                <a:solidFill>
+                  <a:schemeClr val="accent4">
+                    <a:lumMod val="50000"/>
+                  </a:schemeClr>
+                </a:solidFill>
+                <a:effectLst>
+                  <a:outerShdw blurRad="76200" dist="38100" dir="5400000" algn="t" rotWithShape="0">
+                    <a:prstClr val="black">
+                      <a:alpha val="27000"/>
+                    </a:prstClr>
+                  </a:outerShdw>
+                </a:effectLst>
+                <a:latin typeface="Sitka Banner" pitchFamily="2" charset="0"/>
+              </a:rPr>
+              <a:t>Group work: </a:t>
+            </a:r>
+            <a:r>
+              <a:rPr lang="nl-BE" sz="2400" dirty="0">
+                <a:solidFill>
+                  <a:schemeClr val="accent4">
+                    <a:lumMod val="50000"/>
+                  </a:schemeClr>
+                </a:solidFill>
+                <a:effectLst>
+                  <a:outerShdw blurRad="76200" dist="38100" dir="5400000" algn="t" rotWithShape="0">
+                    <a:prstClr val="black">
+                      <a:alpha val="27000"/>
+                    </a:prstClr>
+                  </a:outerShdw>
+                </a:effectLst>
+                <a:latin typeface="Sitka Banner" pitchFamily="2" charset="0"/>
+              </a:rPr>
+              <a:t>	</a:t>
+            </a:r>
+            <a:r>
+              <a:rPr lang="nl-BE" sz="2400" dirty="0" smtClean="0">
+                <a:solidFill>
+                  <a:schemeClr val="accent4">
+                    <a:lumMod val="50000"/>
+                  </a:schemeClr>
+                </a:solidFill>
+                <a:effectLst>
+                  <a:outerShdw blurRad="76200" dist="38100" dir="5400000" algn="t" rotWithShape="0">
+                    <a:prstClr val="black">
+                      <a:alpha val="27000"/>
+                    </a:prstClr>
+                  </a:outerShdw>
+                </a:effectLst>
+                <a:latin typeface="Sitka Banner" pitchFamily="2" charset="0"/>
+              </a:rPr>
+              <a:t> 	Individual Work: 	Study: </a:t>
+            </a:r>
+            <a:endParaRPr lang="nl-BE" sz="2400" dirty="0">
+              <a:solidFill>
+                <a:schemeClr val="accent4">
+                  <a:lumMod val="50000"/>
+                </a:schemeClr>
+              </a:solidFill>
+              <a:effectLst>
+                <a:outerShdw blurRad="76200" dist="38100" dir="5400000" algn="t" rotWithShape="0">
+                  <a:prstClr val="black">
+                    <a:alpha val="27000"/>
+                  </a:prstClr>
+                </a:outerShdw>
+              </a:effectLst>
+              <a:latin typeface="Sitka Banner" pitchFamily="2" charset="0"/>
+            </a:endParaRPr>
+          </a:p>
+          <a:p>
+            <a:pPr marL="0" indent="0">
+              <a:buNone/>
+            </a:pPr>
+            <a:r>
+              <a:rPr lang="nl-BE" sz="2700" b="1" cap="small" dirty="0" smtClean="0">
+                <a:latin typeface="Sitka Display" pitchFamily="2" charset="0"/>
+              </a:rPr>
+              <a:t>Laurens </a:t>
+            </a:r>
+            <a:r>
+              <a:rPr lang="nl-BE" sz="2700" b="1" cap="small" dirty="0" err="1" smtClean="0">
+                <a:latin typeface="Sitka Display" pitchFamily="2" charset="0"/>
+              </a:rPr>
+              <a:t>Cleemput</a:t>
+            </a:r>
+            <a:endParaRPr lang="nl-BE" sz="2700" b="1" cap="small" dirty="0" smtClean="0">
+              <a:latin typeface="Sitka Display" pitchFamily="2" charset="0"/>
+            </a:endParaRPr>
+          </a:p>
+          <a:p>
+            <a:pPr marL="0" indent="0">
+              <a:buNone/>
+            </a:pPr>
+            <a:r>
+              <a:rPr lang="nl-BE" sz="2400" dirty="0" smtClean="0">
+                <a:solidFill>
+                  <a:schemeClr val="accent4">
+                    <a:lumMod val="50000"/>
+                  </a:schemeClr>
+                </a:solidFill>
+                <a:effectLst>
+                  <a:outerShdw blurRad="76200" dist="38100" dir="5400000" algn="t" rotWithShape="0">
+                    <a:prstClr val="black">
+                      <a:alpha val="27000"/>
+                    </a:prstClr>
+                  </a:outerShdw>
+                </a:effectLst>
+                <a:latin typeface="Sitka Banner" pitchFamily="2" charset="0"/>
+              </a:rPr>
+              <a:t>Group work: </a:t>
+            </a:r>
+            <a:r>
+              <a:rPr lang="nl-BE" sz="2400" dirty="0">
+                <a:solidFill>
+                  <a:schemeClr val="accent4">
+                    <a:lumMod val="50000"/>
+                  </a:schemeClr>
+                </a:solidFill>
+                <a:effectLst>
+                  <a:outerShdw blurRad="76200" dist="38100" dir="5400000" algn="t" rotWithShape="0">
+                    <a:prstClr val="black">
+                      <a:alpha val="27000"/>
+                    </a:prstClr>
+                  </a:outerShdw>
+                </a:effectLst>
+                <a:latin typeface="Sitka Banner" pitchFamily="2" charset="0"/>
+              </a:rPr>
+              <a:t>	</a:t>
+            </a:r>
+            <a:r>
+              <a:rPr lang="nl-BE" sz="2400" dirty="0" smtClean="0">
+                <a:solidFill>
+                  <a:schemeClr val="accent4">
+                    <a:lumMod val="50000"/>
+                  </a:schemeClr>
+                </a:solidFill>
+                <a:effectLst>
+                  <a:outerShdw blurRad="76200" dist="38100" dir="5400000" algn="t" rotWithShape="0">
+                    <a:prstClr val="black">
+                      <a:alpha val="27000"/>
+                    </a:prstClr>
+                  </a:outerShdw>
+                </a:effectLst>
+                <a:latin typeface="Sitka Banner" pitchFamily="2" charset="0"/>
+              </a:rPr>
+              <a:t> 	Individual Work: 	Study: </a:t>
+            </a:r>
+          </a:p>
+          <a:p>
+            <a:pPr marL="0" indent="0">
+              <a:buNone/>
+            </a:pPr>
+            <a:r>
+              <a:rPr lang="nl-BE" sz="2700" b="1" cap="small" dirty="0" smtClean="0">
+                <a:latin typeface="Sitka Display" pitchFamily="2" charset="0"/>
+              </a:rPr>
+              <a:t>Tom Houben</a:t>
+            </a:r>
+          </a:p>
+          <a:p>
+            <a:pPr marL="0" indent="0">
+              <a:buNone/>
+            </a:pPr>
+            <a:r>
+              <a:rPr lang="nl-BE" sz="2400" dirty="0" smtClean="0">
+                <a:solidFill>
+                  <a:schemeClr val="accent4">
+                    <a:lumMod val="50000"/>
+                  </a:schemeClr>
+                </a:solidFill>
+                <a:effectLst>
+                  <a:outerShdw blurRad="76200" dist="38100" dir="5400000" algn="t" rotWithShape="0">
+                    <a:prstClr val="black">
+                      <a:alpha val="27000"/>
+                    </a:prstClr>
+                  </a:outerShdw>
+                </a:effectLst>
+                <a:latin typeface="Sitka Banner" pitchFamily="2" charset="0"/>
+              </a:rPr>
+              <a:t>Group work:  </a:t>
+            </a:r>
+            <a:r>
+              <a:rPr lang="nl-BE" sz="2400" dirty="0">
+                <a:solidFill>
+                  <a:schemeClr val="accent4">
+                    <a:lumMod val="50000"/>
+                  </a:schemeClr>
+                </a:solidFill>
+                <a:effectLst>
+                  <a:outerShdw blurRad="76200" dist="38100" dir="5400000" algn="t" rotWithShape="0">
+                    <a:prstClr val="black">
+                      <a:alpha val="27000"/>
+                    </a:prstClr>
+                  </a:outerShdw>
+                </a:effectLst>
+                <a:latin typeface="Sitka Banner" pitchFamily="2" charset="0"/>
+              </a:rPr>
+              <a:t>	</a:t>
+            </a:r>
+            <a:r>
+              <a:rPr lang="nl-BE" sz="2400" dirty="0" smtClean="0">
+                <a:solidFill>
+                  <a:schemeClr val="accent4">
+                    <a:lumMod val="50000"/>
+                  </a:schemeClr>
+                </a:solidFill>
+                <a:effectLst>
+                  <a:outerShdw blurRad="76200" dist="38100" dir="5400000" algn="t" rotWithShape="0">
+                    <a:prstClr val="black">
+                      <a:alpha val="27000"/>
+                    </a:prstClr>
+                  </a:outerShdw>
+                </a:effectLst>
+                <a:latin typeface="Sitka Banner" pitchFamily="2" charset="0"/>
+              </a:rPr>
+              <a:t>	Individual Work: 	Study: </a:t>
+            </a:r>
+          </a:p>
+          <a:p>
+            <a:pPr marL="0" indent="0">
+              <a:buNone/>
+            </a:pPr>
+            <a:r>
+              <a:rPr lang="nl-BE" sz="2700" b="1" cap="small" dirty="0" smtClean="0">
+                <a:latin typeface="Sitka Display" pitchFamily="2" charset="0"/>
+              </a:rPr>
+              <a:t>Tri </a:t>
+            </a:r>
+            <a:r>
+              <a:rPr lang="nl-BE" sz="2700" b="1" cap="small" dirty="0" err="1" smtClean="0">
+                <a:latin typeface="Sitka Display" pitchFamily="2" charset="0"/>
+              </a:rPr>
+              <a:t>Tran</a:t>
+            </a:r>
+            <a:endParaRPr lang="nl-BE" sz="2700" b="1" cap="small" dirty="0" smtClean="0">
+              <a:latin typeface="Sitka Display" pitchFamily="2" charset="0"/>
+            </a:endParaRPr>
+          </a:p>
+          <a:p>
+            <a:pPr marL="0" indent="0">
+              <a:buNone/>
+            </a:pPr>
+            <a:r>
+              <a:rPr lang="nl-BE" sz="2400" dirty="0" smtClean="0">
+                <a:solidFill>
+                  <a:schemeClr val="accent4">
+                    <a:lumMod val="50000"/>
+                  </a:schemeClr>
+                </a:solidFill>
+                <a:effectLst>
+                  <a:outerShdw blurRad="76200" dist="38100" dir="5400000" algn="t" rotWithShape="0">
+                    <a:prstClr val="black">
+                      <a:alpha val="27000"/>
+                    </a:prstClr>
+                  </a:outerShdw>
+                </a:effectLst>
+                <a:latin typeface="Sitka Banner" pitchFamily="2" charset="0"/>
+              </a:rPr>
+              <a:t>Group work: </a:t>
+            </a:r>
+            <a:r>
+              <a:rPr lang="nl-BE" sz="2400" dirty="0">
+                <a:solidFill>
+                  <a:schemeClr val="accent4">
+                    <a:lumMod val="50000"/>
+                  </a:schemeClr>
+                </a:solidFill>
+                <a:effectLst>
+                  <a:outerShdw blurRad="76200" dist="38100" dir="5400000" algn="t" rotWithShape="0">
+                    <a:prstClr val="black">
+                      <a:alpha val="27000"/>
+                    </a:prstClr>
+                  </a:outerShdw>
+                </a:effectLst>
+                <a:latin typeface="Sitka Banner" pitchFamily="2" charset="0"/>
+              </a:rPr>
+              <a:t>	</a:t>
+            </a:r>
+            <a:r>
+              <a:rPr lang="nl-BE" sz="2400" dirty="0" smtClean="0">
+                <a:solidFill>
+                  <a:schemeClr val="accent4">
+                    <a:lumMod val="50000"/>
+                  </a:schemeClr>
+                </a:solidFill>
+                <a:effectLst>
+                  <a:outerShdw blurRad="76200" dist="38100" dir="5400000" algn="t" rotWithShape="0">
+                    <a:prstClr val="black">
+                      <a:alpha val="27000"/>
+                    </a:prstClr>
+                  </a:outerShdw>
+                </a:effectLst>
+                <a:latin typeface="Sitka Banner" pitchFamily="2" charset="0"/>
+              </a:rPr>
+              <a:t> 31h	Individual Work: 	Study:  </a:t>
+            </a:r>
+          </a:p>
+          <a:p>
+            <a:pPr marL="0" indent="0">
+              <a:buNone/>
+            </a:pPr>
+            <a:endParaRPr lang="nl-BE" b="1" dirty="0"/>
+          </a:p>
+        </p:txBody>
+      </p:sp>
+    </p:spTree>
+    <p:extLst>
+      <p:ext uri="{BB962C8B-B14F-4D97-AF65-F5344CB8AC3E}">
+        <p14:creationId xmlns:p14="http://schemas.microsoft.com/office/powerpoint/2010/main" val="1581702792"/>
       </p:ext>
     </p:extLst>
   </p:cSld>
@@ -5833,7 +6868,7 @@
 </p:sld>
 </file>
 
-<file path=ppt/slides/slide20.xml><?xml version="1.0" encoding="utf-8"?>
+<file path=ppt/slides/slide21.xml><?xml version="1.0" encoding="utf-8"?>
 <p:sld xmlns:a="http://schemas.openxmlformats.org/drawingml/2006/main" xmlns:r="http://schemas.openxmlformats.org/officeDocument/2006/relationships" xmlns:p="http://schemas.openxmlformats.org/presentationml/2006/main">
   <p:cSld>
     <p:spTree>
@@ -5860,7 +6895,7 @@
             <p:ph idx="1"/>
             <p:extLst>
               <p:ext uri="{D42A27DB-BD31-4B8C-83A1-F6EECF244321}">
-                <p14:modId xmlns:p14="http://schemas.microsoft.com/office/powerpoint/2010/main" xmlns="" val="3072315139"/>
+                <p14:modId xmlns:p14="http://schemas.microsoft.com/office/powerpoint/2010/main" val="3072315139"/>
               </p:ext>
             </p:extLst>
           </p:nvPr>
@@ -5879,28 +6914,28 @@
                 <a:gridCol w="2057400">
                   <a:extLst>
                     <a:ext uri="{9D8B030D-6E8A-4147-A177-3AD203B41FA5}">
-                      <a16:colId xmlns="" xmlns:a16="http://schemas.microsoft.com/office/drawing/2014/main" val="4022630451"/>
+                      <a16:colId xmlns:a16="http://schemas.microsoft.com/office/drawing/2014/main" xmlns="" val="4022630451"/>
                     </a:ext>
                   </a:extLst>
                 </a:gridCol>
                 <a:gridCol w="2057400">
                   <a:extLst>
                     <a:ext uri="{9D8B030D-6E8A-4147-A177-3AD203B41FA5}">
-                      <a16:colId xmlns="" xmlns:a16="http://schemas.microsoft.com/office/drawing/2014/main" val="1276862258"/>
+                      <a16:colId xmlns:a16="http://schemas.microsoft.com/office/drawing/2014/main" xmlns="" val="1276862258"/>
                     </a:ext>
                   </a:extLst>
                 </a:gridCol>
                 <a:gridCol w="2057400">
                   <a:extLst>
                     <a:ext uri="{9D8B030D-6E8A-4147-A177-3AD203B41FA5}">
-                      <a16:colId xmlns="" xmlns:a16="http://schemas.microsoft.com/office/drawing/2014/main" val="670422697"/>
+                      <a16:colId xmlns:a16="http://schemas.microsoft.com/office/drawing/2014/main" xmlns="" val="670422697"/>
                     </a:ext>
                   </a:extLst>
                 </a:gridCol>
                 <a:gridCol w="2057400">
                   <a:extLst>
                     <a:ext uri="{9D8B030D-6E8A-4147-A177-3AD203B41FA5}">
-                      <a16:colId xmlns="" xmlns:a16="http://schemas.microsoft.com/office/drawing/2014/main" val="3836214712"/>
+                      <a16:colId xmlns:a16="http://schemas.microsoft.com/office/drawing/2014/main" xmlns="" val="3836214712"/>
                     </a:ext>
                   </a:extLst>
                 </a:gridCol>
@@ -5972,7 +7007,7 @@
                 </a:tc>
                 <a:extLst>
                   <a:ext uri="{0D108BD9-81ED-4DB2-BD59-A6C34878D82A}">
-                    <a16:rowId xmlns="" xmlns:a16="http://schemas.microsoft.com/office/drawing/2014/main" val="2789307922"/>
+                    <a16:rowId xmlns:a16="http://schemas.microsoft.com/office/drawing/2014/main" xmlns="" val="2789307922"/>
                   </a:ext>
                 </a:extLst>
               </a:tr>
@@ -6088,7 +7123,7 @@
                 </a:tc>
                 <a:extLst>
                   <a:ext uri="{0D108BD9-81ED-4DB2-BD59-A6C34878D82A}">
-                    <a16:rowId xmlns="" xmlns:a16="http://schemas.microsoft.com/office/drawing/2014/main" val="3498730236"/>
+                    <a16:rowId xmlns:a16="http://schemas.microsoft.com/office/drawing/2014/main" xmlns="" val="3498730236"/>
                   </a:ext>
                 </a:extLst>
               </a:tr>
@@ -6159,7 +7194,7 @@
                 </a:tc>
                 <a:extLst>
                   <a:ext uri="{0D108BD9-81ED-4DB2-BD59-A6C34878D82A}">
-                    <a16:rowId xmlns="" xmlns:a16="http://schemas.microsoft.com/office/drawing/2014/main" val="4013628509"/>
+                    <a16:rowId xmlns:a16="http://schemas.microsoft.com/office/drawing/2014/main" xmlns="" val="4013628509"/>
                   </a:ext>
                 </a:extLst>
               </a:tr>
@@ -6234,7 +7269,7 @@
                 </a:tc>
                 <a:extLst>
                   <a:ext uri="{0D108BD9-81ED-4DB2-BD59-A6C34878D82A}">
-                    <a16:rowId xmlns="" xmlns:a16="http://schemas.microsoft.com/office/drawing/2014/main" val="1545046261"/>
+                    <a16:rowId xmlns:a16="http://schemas.microsoft.com/office/drawing/2014/main" xmlns="" val="1545046261"/>
                   </a:ext>
                 </a:extLst>
               </a:tr>
@@ -6325,7 +7360,7 @@
     </p:spTree>
     <p:extLst>
       <p:ext uri="{BB962C8B-B14F-4D97-AF65-F5344CB8AC3E}">
-        <p14:creationId xmlns:p14="http://schemas.microsoft.com/office/powerpoint/2010/main" xmlns="" val="152465229"/>
+        <p14:creationId xmlns:p14="http://schemas.microsoft.com/office/powerpoint/2010/main" val="152465229"/>
       </p:ext>
     </p:extLst>
   </p:cSld>
@@ -6364,7 +7399,7 @@
       </p:grpSpPr>
       <p:sp>
         <p:nvSpPr>
-          <p:cNvPr id="2" name="Titel 1"/>
+          <p:cNvPr id="4" name="Titel 1"/>
           <p:cNvSpPr>
             <a:spLocks noGrp="1"/>
           </p:cNvSpPr>
@@ -6372,7 +7407,12 @@
             <p:ph type="title"/>
           </p:nvPr>
         </p:nvSpPr>
-        <p:spPr/>
+        <p:spPr>
+          <a:xfrm>
+            <a:off x="457200" y="-27384"/>
+            <a:ext cx="8229600" cy="1143000"/>
+          </a:xfrm>
+        </p:spPr>
         <p:txBody>
           <a:bodyPr>
             <a:normAutofit/>
@@ -6398,6 +7438,277 @@
                 </a:effectLst>
                 <a:latin typeface="Sitka Text" pitchFamily="2" charset="0"/>
               </a:rPr>
+              <a:t>High Level Design</a:t>
+            </a:r>
+            <a:endParaRPr lang="nl-BE" sz="3600" cap="small" dirty="0">
+              <a:ln w="18415" cmpd="sng">
+                <a:solidFill>
+                  <a:schemeClr val="tx1">
+                    <a:alpha val="0"/>
+                  </a:schemeClr>
+                </a:solidFill>
+                <a:prstDash val="solid"/>
+              </a:ln>
+              <a:effectLst>
+                <a:outerShdw blurRad="25400" dir="3600000" algn="tl" rotWithShape="0">
+                  <a:srgbClr val="000000">
+                    <a:alpha val="70000"/>
+                  </a:srgbClr>
+                </a:outerShdw>
+              </a:effectLst>
+              <a:latin typeface="Sitka Text" pitchFamily="2" charset="0"/>
+            </a:endParaRPr>
+          </a:p>
+        </p:txBody>
+      </p:sp>
+      <p:pic>
+        <p:nvPicPr>
+          <p:cNvPr id="1026" name="Picture 2" descr="C:\Users\Laurens\Documents\IntelliJ Projects\SWOP2016\Presentaties\Iteratie 2\UML Iteratie 2 Global Design.png"/>
+          <p:cNvPicPr>
+            <a:picLocks noChangeAspect="1" noChangeArrowheads="1"/>
+          </p:cNvPicPr>
+          <p:nvPr/>
+        </p:nvPicPr>
+        <p:blipFill>
+          <a:blip r:embed="rId2">
+            <a:clrChange>
+              <a:clrFrom>
+                <a:srgbClr val="FFFFFF"/>
+              </a:clrFrom>
+              <a:clrTo>
+                <a:srgbClr val="FFFFFF">
+                  <a:alpha val="0"/>
+                </a:srgbClr>
+              </a:clrTo>
+            </a:clrChange>
+            <a:extLst>
+              <a:ext uri="{28A0092B-C50C-407E-A947-70E740481C1C}">
+                <a14:useLocalDpi xmlns:a14="http://schemas.microsoft.com/office/drawing/2010/main" val="0"/>
+              </a:ext>
+            </a:extLst>
+          </a:blip>
+          <a:srcRect/>
+          <a:stretch>
+            <a:fillRect/>
+          </a:stretch>
+        </p:blipFill>
+        <p:spPr bwMode="auto">
+          <a:xfrm>
+            <a:off x="0" y="2564904"/>
+            <a:ext cx="6557903" cy="4248472"/>
+          </a:xfrm>
+          <a:prstGeom prst="rect">
+            <a:avLst/>
+          </a:prstGeom>
+          <a:noFill/>
+          <a:extLst>
+            <a:ext uri="{909E8E84-426E-40DD-AFC4-6F175D3DCCD1}">
+              <a14:hiddenFill xmlns:a14="http://schemas.microsoft.com/office/drawing/2010/main">
+                <a:solidFill>
+                  <a:srgbClr val="FFFFFF"/>
+                </a:solidFill>
+              </a14:hiddenFill>
+            </a:ext>
+          </a:extLst>
+        </p:spPr>
+      </p:pic>
+      <p:sp>
+        <p:nvSpPr>
+          <p:cNvPr id="6" name="Tekstvak 5"/>
+          <p:cNvSpPr txBox="1"/>
+          <p:nvPr/>
+        </p:nvSpPr>
+        <p:spPr>
+          <a:xfrm>
+            <a:off x="5220072" y="1094834"/>
+            <a:ext cx="3744416" cy="2352973"/>
+          </a:xfrm>
+          <a:prstGeom prst="roundRect">
+            <a:avLst>
+              <a:gd name="adj" fmla="val 4768"/>
+            </a:avLst>
+          </a:prstGeom>
+          <a:noFill/>
+          <a:ln w="6350"/>
+          <a:effectLst/>
+        </p:spPr>
+        <p:style>
+          <a:lnRef idx="2">
+            <a:schemeClr val="dk1"/>
+          </a:lnRef>
+          <a:fillRef idx="1">
+            <a:schemeClr val="lt1"/>
+          </a:fillRef>
+          <a:effectRef idx="0">
+            <a:schemeClr val="dk1"/>
+          </a:effectRef>
+          <a:fontRef idx="minor">
+            <a:schemeClr val="dk1"/>
+          </a:fontRef>
+        </p:style>
+        <p:txBody>
+          <a:bodyPr wrap="square" rtlCol="0">
+            <a:spAutoFit/>
+          </a:bodyPr>
+          <a:lstStyle/>
+          <a:p>
+            <a:pPr marL="342900" indent="-342900">
+              <a:buFont typeface="Arial" panose="020B0604020202020204" pitchFamily="34" charset="0"/>
+              <a:buChar char="•"/>
+            </a:pPr>
+            <a:r>
+              <a:rPr lang="nl-BE" sz="2400" dirty="0" smtClean="0">
+                <a:latin typeface="Sitka Display" pitchFamily="2" charset="0"/>
+              </a:rPr>
+              <a:t>Onderscheid van </a:t>
+            </a:r>
+            <a:r>
+              <a:rPr lang="nl-BE" sz="2400" dirty="0" err="1" smtClean="0">
+                <a:latin typeface="Sitka Display" pitchFamily="2" charset="0"/>
+              </a:rPr>
+              <a:t>use</a:t>
+            </a:r>
+            <a:r>
+              <a:rPr lang="nl-BE" sz="2400" dirty="0" smtClean="0">
+                <a:latin typeface="Sitka Display" pitchFamily="2" charset="0"/>
+              </a:rPr>
+              <a:t> cases in aparte packages</a:t>
+            </a:r>
+            <a:endParaRPr lang="nl-BE" sz="2400" dirty="0" smtClean="0">
+              <a:latin typeface="Sitka Display" pitchFamily="2" charset="0"/>
+            </a:endParaRPr>
+          </a:p>
+          <a:p>
+            <a:pPr marL="285750" indent="-285750">
+              <a:buFont typeface="Arial" panose="020B0604020202020204" pitchFamily="34" charset="0"/>
+              <a:buChar char="•"/>
+            </a:pPr>
+            <a:r>
+              <a:rPr lang="nl-BE" sz="2400" dirty="0" smtClean="0">
+                <a:latin typeface="Sitka Display" pitchFamily="2" charset="0"/>
+              </a:rPr>
+              <a:t>Uitbreiding van </a:t>
+            </a:r>
+            <a:r>
+              <a:rPr lang="nl-BE" sz="2400" dirty="0" err="1" smtClean="0">
+                <a:latin typeface="Sitka Display" pitchFamily="2" charset="0"/>
+              </a:rPr>
+              <a:t>domeinlaag</a:t>
+            </a:r>
+            <a:r>
+              <a:rPr lang="nl-BE" sz="2400" dirty="0" smtClean="0">
+                <a:latin typeface="Sitka Display" pitchFamily="2" charset="0"/>
+              </a:rPr>
+              <a:t>: Mailbox, </a:t>
+            </a:r>
+            <a:r>
+              <a:rPr lang="nl-BE" sz="2400" dirty="0" err="1" smtClean="0">
+                <a:latin typeface="Sitka Display" pitchFamily="2" charset="0"/>
+              </a:rPr>
+              <a:t>Milestone</a:t>
+            </a:r>
+            <a:endParaRPr lang="nl-BE" sz="2400" dirty="0" smtClean="0">
+              <a:latin typeface="Sitka Display" pitchFamily="2" charset="0"/>
+            </a:endParaRPr>
+          </a:p>
+          <a:p>
+            <a:pPr marL="285750" indent="-285750">
+              <a:buFont typeface="Arial" panose="020B0604020202020204" pitchFamily="34" charset="0"/>
+              <a:buChar char="•"/>
+            </a:pPr>
+            <a:r>
+              <a:rPr lang="nl-BE" sz="2400" dirty="0" smtClean="0">
+                <a:latin typeface="Sitka Display" pitchFamily="2" charset="0"/>
+              </a:rPr>
+              <a:t>Uitbreiding </a:t>
+            </a:r>
+            <a:r>
+              <a:rPr lang="nl-BE" sz="2400" dirty="0" err="1" smtClean="0">
+                <a:latin typeface="Sitka Display" pitchFamily="2" charset="0"/>
+              </a:rPr>
+              <a:t>domeinlaag</a:t>
+            </a:r>
+            <a:r>
+              <a:rPr lang="nl-BE" sz="2400" dirty="0" smtClean="0">
+                <a:latin typeface="Sitka Display" pitchFamily="2" charset="0"/>
+              </a:rPr>
+              <a:t> toegevoegd zoals in de eerste iteratie</a:t>
+            </a:r>
+            <a:endParaRPr lang="nl-BE" sz="2400" dirty="0">
+              <a:latin typeface="Sitka Display" pitchFamily="2" charset="0"/>
+            </a:endParaRPr>
+          </a:p>
+        </p:txBody>
+      </p:sp>
+    </p:spTree>
+    <p:extLst>
+      <p:ext uri="{BB962C8B-B14F-4D97-AF65-F5344CB8AC3E}">
+        <p14:creationId xmlns:p14="http://schemas.microsoft.com/office/powerpoint/2010/main" val="4238244720"/>
+      </p:ext>
+    </p:extLst>
+  </p:cSld>
+  <p:clrMapOvr>
+    <a:masterClrMapping/>
+  </p:clrMapOvr>
+  <p:transition>
+    <p:fade/>
+  </p:transition>
+</p:sld>
+</file>
+
+<file path=ppt/slides/slide4.xml><?xml version="1.0" encoding="utf-8"?>
+<p:sld xmlns:a="http://schemas.openxmlformats.org/drawingml/2006/main" xmlns:r="http://schemas.openxmlformats.org/officeDocument/2006/relationships" xmlns:p="http://schemas.openxmlformats.org/presentationml/2006/main">
+  <p:cSld>
+    <p:spTree>
+      <p:nvGrpSpPr>
+        <p:cNvPr id="1" name=""/>
+        <p:cNvGrpSpPr/>
+        <p:nvPr/>
+      </p:nvGrpSpPr>
+      <p:grpSpPr>
+        <a:xfrm>
+          <a:off x="0" y="0"/>
+          <a:ext cx="0" cy="0"/>
+          <a:chOff x="0" y="0"/>
+          <a:chExt cx="0" cy="0"/>
+        </a:xfrm>
+      </p:grpSpPr>
+      <p:sp>
+        <p:nvSpPr>
+          <p:cNvPr id="2" name="Titel 1"/>
+          <p:cNvSpPr>
+            <a:spLocks noGrp="1"/>
+          </p:cNvSpPr>
+          <p:nvPr>
+            <p:ph type="title"/>
+          </p:nvPr>
+        </p:nvSpPr>
+        <p:spPr/>
+        <p:txBody>
+          <a:bodyPr>
+            <a:normAutofit/>
+          </a:bodyPr>
+          <a:lstStyle/>
+          <a:p>
+            <a:r>
+              <a:rPr lang="nl-BE" sz="3600" cap="small" dirty="0" smtClean="0">
+                <a:ln w="18415" cmpd="sng">
+                  <a:solidFill>
+                    <a:schemeClr val="tx1">
+                      <a:alpha val="0"/>
+                    </a:schemeClr>
+                  </a:solidFill>
+                  <a:prstDash val="solid"/>
+                </a:ln>
+                <a:effectLst>
+                  <a:outerShdw blurRad="25400" dir="3600000" algn="tl" rotWithShape="0">
+                    <a:srgbClr val="000000">
+                      <a:alpha val="70000"/>
+                    </a:srgbClr>
+                  </a:outerShdw>
+                </a:effectLst>
+                <a:latin typeface="Sitka Text" pitchFamily="2" charset="0"/>
+              </a:rPr>
               <a:t>More </a:t>
             </a:r>
             <a:r>
@@ -6502,7 +7813,7 @@
         </p:spPr>
         <p:txBody>
           <a:bodyPr>
-            <a:normAutofit lnSpcReduction="10000"/>
+            <a:normAutofit/>
           </a:bodyPr>
           <a:lstStyle/>
           <a:p>
@@ -6524,17 +7835,8 @@
               <a:rPr lang="nl-BE" sz="2800" dirty="0" smtClean="0">
                 <a:latin typeface="Sitka Display" pitchFamily="2" charset="0"/>
               </a:rPr>
-              <a:t>Uitleg over structuur van use cases (bij extensibility use case toevoegen op uml) + eerste deel van use case SD laten zien tot run</a:t>
-            </a:r>
-            <a:r>
-              <a:rPr lang="nl-BE" sz="2800" dirty="0" smtClean="0">
-                <a:latin typeface="Sitka Display" pitchFamily="2" charset="0"/>
-              </a:rPr>
-              <a:t>()</a:t>
-            </a:r>
-            <a:endParaRPr lang="nl-BE" sz="2800" dirty="0" smtClean="0">
-              <a:latin typeface="Sitka Display" pitchFamily="2" charset="0"/>
-            </a:endParaRPr>
+              <a:t>Uitleg over structuur van use cases (bij extensibility use case toevoegen op uml) + eerste deel van use case SD laten zien tot run()</a:t>
+            </a:r>
           </a:p>
           <a:p>
             <a:pPr marL="0" indent="0">
@@ -6646,7 +7948,7 @@
     </p:spTree>
     <p:extLst>
       <p:ext uri="{BB962C8B-B14F-4D97-AF65-F5344CB8AC3E}">
-        <p14:creationId xmlns:p14="http://schemas.microsoft.com/office/powerpoint/2010/main" xmlns="" val="983478496"/>
+        <p14:creationId xmlns:p14="http://schemas.microsoft.com/office/powerpoint/2010/main" val="983478496"/>
       </p:ext>
     </p:extLst>
   </p:cSld>
@@ -6666,7 +7968,7 @@
 </p:sld>
 </file>
 
-<file path=ppt/slides/slide4.xml><?xml version="1.0" encoding="utf-8"?>
+<file path=ppt/slides/slide5.xml><?xml version="1.0" encoding="utf-8"?>
 <p:sld xmlns:a="http://schemas.openxmlformats.org/drawingml/2006/main" xmlns:r="http://schemas.openxmlformats.org/officeDocument/2006/relationships" xmlns:p="http://schemas.openxmlformats.org/presentationml/2006/main">
   <p:cSld>
     <p:bg>
@@ -6850,7 +8152,7 @@
 </p:sld>
 </file>
 
-<file path=ppt/slides/slide5.xml><?xml version="1.0" encoding="utf-8"?>
+<file path=ppt/slides/slide6.xml><?xml version="1.0" encoding="utf-8"?>
 <p:sld xmlns:a="http://schemas.openxmlformats.org/drawingml/2006/main" xmlns:r="http://schemas.openxmlformats.org/officeDocument/2006/relationships" xmlns:p="http://schemas.openxmlformats.org/presentationml/2006/main">
   <p:cSld>
     <p:spTree>
@@ -6971,7 +8273,7 @@
 </p:sld>
 </file>
 
-<file path=ppt/slides/slide6.xml><?xml version="1.0" encoding="utf-8"?>
+<file path=ppt/slides/slide7.xml><?xml version="1.0" encoding="utf-8"?>
 <p:sld xmlns:a="http://schemas.openxmlformats.org/drawingml/2006/main" xmlns:r="http://schemas.openxmlformats.org/officeDocument/2006/relationships" xmlns:p="http://schemas.openxmlformats.org/presentationml/2006/main">
   <p:cSld>
     <p:spTree>
@@ -7153,7 +8455,7 @@
     </p:spTree>
     <p:extLst>
       <p:ext uri="{BB962C8B-B14F-4D97-AF65-F5344CB8AC3E}">
-        <p14:creationId xmlns:p14="http://schemas.microsoft.com/office/powerpoint/2010/main" xmlns="" val="467284758"/>
+        <p14:creationId xmlns:p14="http://schemas.microsoft.com/office/powerpoint/2010/main" val="467284758"/>
       </p:ext>
     </p:extLst>
   </p:cSld>
@@ -7166,7 +8468,7 @@
 </p:sld>
 </file>
 
-<file path=ppt/slides/slide7.xml><?xml version="1.0" encoding="utf-8"?>
+<file path=ppt/slides/slide8.xml><?xml version="1.0" encoding="utf-8"?>
 <p:sld xmlns:a="http://schemas.openxmlformats.org/drawingml/2006/main" xmlns:r="http://schemas.openxmlformats.org/officeDocument/2006/relationships" xmlns:p="http://schemas.openxmlformats.org/presentationml/2006/main">
   <p:cSld>
     <p:spTree>
@@ -7264,7 +8566,7 @@
             </a:clrChange>
             <a:extLst>
               <a:ext uri="{28A0092B-C50C-407E-A947-70E740481C1C}">
-                <a14:useLocalDpi xmlns:a14="http://schemas.microsoft.com/office/drawing/2010/main" xmlns="" val="0"/>
+                <a14:useLocalDpi xmlns:a14="http://schemas.microsoft.com/office/drawing/2010/main" val="0"/>
               </a:ext>
             </a:extLst>
           </a:blip>
@@ -7331,7 +8633,7 @@
     </p:spTree>
     <p:extLst>
       <p:ext uri="{BB962C8B-B14F-4D97-AF65-F5344CB8AC3E}">
-        <p14:creationId xmlns:p14="http://schemas.microsoft.com/office/powerpoint/2010/main" xmlns="" val="307230627"/>
+        <p14:creationId xmlns:p14="http://schemas.microsoft.com/office/powerpoint/2010/main" val="307230627"/>
       </p:ext>
     </p:extLst>
   </p:cSld>
@@ -7351,7 +8653,7 @@
 </p:sld>
 </file>
 
-<file path=ppt/slides/slide8.xml><?xml version="1.0" encoding="utf-8"?>
+<file path=ppt/slides/slide9.xml><?xml version="1.0" encoding="utf-8"?>
 <p:sld xmlns:a="http://schemas.openxmlformats.org/drawingml/2006/main" xmlns:r="http://schemas.openxmlformats.org/officeDocument/2006/relationships" xmlns:p="http://schemas.openxmlformats.org/presentationml/2006/main">
   <p:cSld>
     <p:spTree>
@@ -7456,7 +8758,7 @@
             </a:clrChange>
             <a:extLst>
               <a:ext uri="{28A0092B-C50C-407E-A947-70E740481C1C}">
-                <a14:useLocalDpi xmlns:a14="http://schemas.microsoft.com/office/drawing/2010/main" xmlns="" val="0"/>
+                <a14:useLocalDpi xmlns:a14="http://schemas.microsoft.com/office/drawing/2010/main" val="0"/>
               </a:ext>
             </a:extLst>
           </a:blip>
@@ -7550,891 +8852,7 @@
     </p:spTree>
     <p:extLst>
       <p:ext uri="{BB962C8B-B14F-4D97-AF65-F5344CB8AC3E}">
-        <p14:creationId xmlns:p14="http://schemas.microsoft.com/office/powerpoint/2010/main" xmlns="" val="1074460601"/>
-      </p:ext>
-    </p:extLst>
-  </p:cSld>
-  <p:clrMapOvr>
-    <a:masterClrMapping/>
-  </p:clrMapOvr>
-  <p:transition>
-    <p:fade/>
-  </p:transition>
-</p:sld>
-</file>
-
-<file path=ppt/slides/slide9.xml><?xml version="1.0" encoding="utf-8"?>
-<p:sld xmlns:a="http://schemas.openxmlformats.org/drawingml/2006/main" xmlns:r="http://schemas.openxmlformats.org/officeDocument/2006/relationships" xmlns:p="http://schemas.openxmlformats.org/presentationml/2006/main">
-  <p:cSld>
-    <p:spTree>
-      <p:nvGrpSpPr>
-        <p:cNvPr id="1" name=""/>
-        <p:cNvGrpSpPr/>
-        <p:nvPr/>
-      </p:nvGrpSpPr>
-      <p:grpSpPr>
-        <a:xfrm>
-          <a:off x="0" y="0"/>
-          <a:ext cx="0" cy="0"/>
-          <a:chOff x="0" y="0"/>
-          <a:chExt cx="0" cy="0"/>
-        </a:xfrm>
-      </p:grpSpPr>
-      <p:sp>
-        <p:nvSpPr>
-          <p:cNvPr id="2" name="Titel 1"/>
-          <p:cNvSpPr>
-            <a:spLocks noGrp="1"/>
-          </p:cNvSpPr>
-          <p:nvPr>
-            <p:ph type="title"/>
-          </p:nvPr>
-        </p:nvSpPr>
-        <p:spPr/>
-        <p:txBody>
-          <a:bodyPr>
-            <a:normAutofit/>
-          </a:bodyPr>
-          <a:lstStyle/>
-          <a:p>
-            <a:r>
-              <a:rPr lang="nl-BE" sz="3600" cap="small" dirty="0">
-                <a:ln w="18415" cmpd="sng">
-                  <a:solidFill>
-                    <a:schemeClr val="tx1">
-                      <a:alpha val="0"/>
-                    </a:schemeClr>
-                  </a:solidFill>
-                  <a:prstDash val="solid"/>
-                </a:ln>
-                <a:effectLst>
-                  <a:outerShdw blurRad="25400" dir="3600000" algn="tl" rotWithShape="0">
-                    <a:srgbClr val="000000">
-                      <a:alpha val="70000"/>
-                    </a:srgbClr>
-                  </a:outerShdw>
-                </a:effectLst>
-                <a:latin typeface="Sitka Text" pitchFamily="2" charset="0"/>
-              </a:rPr>
-              <a:t>State pattern: Concrete Example</a:t>
-            </a:r>
-          </a:p>
-        </p:txBody>
-      </p:sp>
-      <p:sp>
-        <p:nvSpPr>
-          <p:cNvPr id="5" name="Tekstvak 4"/>
-          <p:cNvSpPr txBox="1"/>
-          <p:nvPr/>
-        </p:nvSpPr>
-        <p:spPr>
-          <a:xfrm>
-            <a:off x="786408" y="1556792"/>
-            <a:ext cx="3456383" cy="923330"/>
-          </a:xfrm>
-          <a:prstGeom prst="rect">
-            <a:avLst/>
-          </a:prstGeom>
-          <a:noFill/>
-          <a:ln>
-            <a:noFill/>
-          </a:ln>
-        </p:spPr>
-        <p:style>
-          <a:lnRef idx="2">
-            <a:schemeClr val="dk1"/>
-          </a:lnRef>
-          <a:fillRef idx="1">
-            <a:schemeClr val="lt1"/>
-          </a:fillRef>
-          <a:effectRef idx="0">
-            <a:schemeClr val="dk1"/>
-          </a:effectRef>
-          <a:fontRef idx="minor">
-            <a:schemeClr val="dk1"/>
-          </a:fontRef>
-        </p:style>
-        <p:txBody>
-          <a:bodyPr wrap="square" rtlCol="0">
-            <a:spAutoFit/>
-          </a:bodyPr>
-          <a:lstStyle/>
-          <a:p>
-            <a:r>
-              <a:rPr lang="is-IS" i="1" dirty="0" smtClean="0">
-                <a:solidFill>
-                  <a:schemeClr val="tx1">
-                    <a:lumMod val="50000"/>
-                    <a:lumOff val="50000"/>
-                  </a:schemeClr>
-                </a:solidFill>
-              </a:rPr>
-              <a:t>“…</a:t>
-            </a:r>
-            <a:r>
-              <a:rPr lang="nl-NL" i="1" dirty="0" err="1" smtClean="0">
-                <a:solidFill>
-                  <a:schemeClr val="tx1">
-                    <a:lumMod val="50000"/>
-                    <a:lumOff val="50000"/>
-                  </a:schemeClr>
-                </a:solidFill>
-              </a:rPr>
-              <a:t>after</a:t>
-            </a:r>
-            <a:r>
-              <a:rPr lang="nl-NL" i="1" dirty="0" smtClean="0">
-                <a:solidFill>
-                  <a:schemeClr val="tx1">
-                    <a:lumMod val="50000"/>
-                    <a:lumOff val="50000"/>
-                  </a:schemeClr>
-                </a:solidFill>
-              </a:rPr>
-              <a:t> </a:t>
-            </a:r>
-            <a:r>
-              <a:rPr lang="nl-NL" i="1" dirty="0" err="1">
-                <a:solidFill>
-                  <a:schemeClr val="tx1">
-                    <a:lumMod val="50000"/>
-                    <a:lumOff val="50000"/>
-                  </a:schemeClr>
-                </a:solidFill>
-              </a:rPr>
-              <a:t>the</a:t>
-            </a:r>
-            <a:r>
-              <a:rPr lang="nl-NL" i="1" dirty="0">
-                <a:solidFill>
-                  <a:schemeClr val="tx1">
-                    <a:lumMod val="50000"/>
-                    <a:lumOff val="50000"/>
-                  </a:schemeClr>
-                </a:solidFill>
-              </a:rPr>
-              <a:t> first patch, </a:t>
-            </a:r>
-            <a:r>
-              <a:rPr lang="nl-NL" i="1" dirty="0" err="1">
-                <a:solidFill>
-                  <a:schemeClr val="tx1">
-                    <a:lumMod val="50000"/>
-                    <a:lumOff val="50000"/>
-                  </a:schemeClr>
-                </a:solidFill>
-              </a:rPr>
-              <a:t>the</a:t>
-            </a:r>
-            <a:r>
-              <a:rPr lang="nl-NL" i="1" dirty="0">
-                <a:solidFill>
-                  <a:schemeClr val="tx1">
-                    <a:lumMod val="50000"/>
-                    <a:lumOff val="50000"/>
-                  </a:schemeClr>
-                </a:solidFill>
-              </a:rPr>
-              <a:t> tag of </a:t>
-            </a:r>
-            <a:r>
-              <a:rPr lang="nl-NL" i="1" dirty="0" err="1">
-                <a:solidFill>
-                  <a:schemeClr val="tx1">
-                    <a:lumMod val="50000"/>
-                    <a:lumOff val="50000"/>
-                  </a:schemeClr>
-                </a:solidFill>
-              </a:rPr>
-              <a:t>the</a:t>
-            </a:r>
-            <a:r>
-              <a:rPr lang="nl-NL" i="1" dirty="0">
-                <a:solidFill>
-                  <a:schemeClr val="tx1">
-                    <a:lumMod val="50000"/>
-                    <a:lumOff val="50000"/>
-                  </a:schemeClr>
-                </a:solidFill>
-              </a:rPr>
-              <a:t> bug report at </a:t>
-            </a:r>
-            <a:r>
-              <a:rPr lang="nl-NL" i="1" dirty="0" err="1">
-                <a:solidFill>
-                  <a:schemeClr val="tx1">
-                    <a:lumMod val="50000"/>
-                    <a:lumOff val="50000"/>
-                  </a:schemeClr>
-                </a:solidFill>
-              </a:rPr>
-              <a:t>stake</a:t>
-            </a:r>
-            <a:r>
-              <a:rPr lang="nl-NL" i="1" dirty="0">
-                <a:solidFill>
-                  <a:schemeClr val="tx1">
-                    <a:lumMod val="50000"/>
-                    <a:lumOff val="50000"/>
-                  </a:schemeClr>
-                </a:solidFill>
-              </a:rPr>
-              <a:t> </a:t>
-            </a:r>
-            <a:r>
-              <a:rPr lang="nl-NL" i="1" dirty="0" err="1">
-                <a:solidFill>
-                  <a:schemeClr val="tx1">
-                    <a:lumMod val="50000"/>
-                    <a:lumOff val="50000"/>
-                  </a:schemeClr>
-                </a:solidFill>
-              </a:rPr>
-              <a:t>transitions</a:t>
-            </a:r>
-            <a:r>
-              <a:rPr lang="nl-NL" i="1" dirty="0">
-                <a:solidFill>
-                  <a:schemeClr val="tx1">
-                    <a:lumMod val="50000"/>
-                    <a:lumOff val="50000"/>
-                  </a:schemeClr>
-                </a:solidFill>
-              </a:rPr>
-              <a:t> </a:t>
-            </a:r>
-            <a:r>
-              <a:rPr lang="nl-NL" i="1" dirty="0" err="1">
-                <a:solidFill>
-                  <a:schemeClr val="tx1">
-                    <a:lumMod val="50000"/>
-                    <a:lumOff val="50000"/>
-                  </a:schemeClr>
-                </a:solidFill>
-              </a:rPr>
-              <a:t>from</a:t>
-            </a:r>
-            <a:r>
-              <a:rPr lang="nl-NL" i="1" dirty="0">
-                <a:solidFill>
-                  <a:schemeClr val="tx1">
-                    <a:lumMod val="50000"/>
-                    <a:lumOff val="50000"/>
-                  </a:schemeClr>
-                </a:solidFill>
-              </a:rPr>
-              <a:t> </a:t>
-            </a:r>
-            <a:r>
-              <a:rPr lang="nl-NL" i="1" dirty="0" err="1">
-                <a:solidFill>
-                  <a:schemeClr val="tx1">
-                    <a:lumMod val="50000"/>
-                    <a:lumOff val="50000"/>
-                  </a:schemeClr>
-                </a:solidFill>
-              </a:rPr>
-              <a:t>Assigned</a:t>
-            </a:r>
-            <a:r>
-              <a:rPr lang="nl-NL" i="1" dirty="0">
-                <a:solidFill>
-                  <a:schemeClr val="tx1">
-                    <a:lumMod val="50000"/>
-                    <a:lumOff val="50000"/>
-                  </a:schemeClr>
-                </a:solidFill>
-              </a:rPr>
-              <a:t> </a:t>
-            </a:r>
-            <a:r>
-              <a:rPr lang="nl-NL" i="1" dirty="0" err="1">
-                <a:solidFill>
-                  <a:schemeClr val="tx1">
-                    <a:lumMod val="50000"/>
-                    <a:lumOff val="50000"/>
-                  </a:schemeClr>
-                </a:solidFill>
-              </a:rPr>
-              <a:t>to</a:t>
-            </a:r>
-            <a:r>
-              <a:rPr lang="nl-NL" i="1" dirty="0">
-                <a:solidFill>
-                  <a:schemeClr val="tx1">
-                    <a:lumMod val="50000"/>
-                    <a:lumOff val="50000"/>
-                  </a:schemeClr>
-                </a:solidFill>
-              </a:rPr>
-              <a:t> </a:t>
-            </a:r>
-            <a:r>
-              <a:rPr lang="nl-NL" i="1" dirty="0" err="1" smtClean="0">
-                <a:solidFill>
-                  <a:schemeClr val="tx1">
-                    <a:lumMod val="50000"/>
-                    <a:lumOff val="50000"/>
-                  </a:schemeClr>
-                </a:solidFill>
-              </a:rPr>
-              <a:t>UnderReview</a:t>
-            </a:r>
-            <a:r>
-              <a:rPr lang="nl-NL" i="1" dirty="0" smtClean="0">
-                <a:solidFill>
-                  <a:schemeClr val="tx1">
-                    <a:lumMod val="50000"/>
-                    <a:lumOff val="50000"/>
-                  </a:schemeClr>
-                </a:solidFill>
-              </a:rPr>
-              <a:t>.”</a:t>
-            </a:r>
-            <a:endParaRPr lang="nl-NL" i="1" dirty="0">
-              <a:solidFill>
-                <a:schemeClr val="tx1">
-                  <a:lumMod val="50000"/>
-                  <a:lumOff val="50000"/>
-                </a:schemeClr>
-              </a:solidFill>
-            </a:endParaRPr>
-          </a:p>
-        </p:txBody>
-      </p:sp>
-      <p:pic>
-        <p:nvPicPr>
-          <p:cNvPr id="6" name="Tijdelijke aanduiding voor inhoud 5"/>
-          <p:cNvPicPr>
-            <a:picLocks noGrp="1" noChangeAspect="1"/>
-          </p:cNvPicPr>
-          <p:nvPr>
-            <p:ph idx="1"/>
-          </p:nvPr>
-        </p:nvPicPr>
-        <p:blipFill>
-          <a:blip r:embed="rId2" cstate="print">
-            <a:clrChange>
-              <a:clrFrom>
-                <a:srgbClr val="FFFFFF"/>
-              </a:clrFrom>
-              <a:clrTo>
-                <a:srgbClr val="FFFFFF">
-                  <a:alpha val="0"/>
-                </a:srgbClr>
-              </a:clrTo>
-            </a:clrChange>
-            <a:extLst>
-              <a:ext uri="{28A0092B-C50C-407E-A947-70E740481C1C}">
-                <a14:useLocalDpi xmlns:a14="http://schemas.microsoft.com/office/drawing/2010/main" xmlns="" val="0"/>
-              </a:ext>
-            </a:extLst>
-          </a:blip>
-          <a:stretch>
-            <a:fillRect/>
-          </a:stretch>
-        </p:blipFill>
-        <p:spPr>
-          <a:xfrm>
-            <a:off x="457200" y="3140968"/>
-            <a:ext cx="8229600" cy="3117855"/>
-          </a:xfrm>
-        </p:spPr>
-      </p:pic>
-      <p:sp>
-        <p:nvSpPr>
-          <p:cNvPr id="7" name="Tekstvak 6"/>
-          <p:cNvSpPr txBox="1"/>
-          <p:nvPr/>
-        </p:nvSpPr>
-        <p:spPr>
-          <a:xfrm>
-            <a:off x="457200" y="3140968"/>
-            <a:ext cx="658416" cy="360000"/>
-          </a:xfrm>
-          <a:prstGeom prst="rect">
-            <a:avLst/>
-          </a:prstGeom>
-          <a:solidFill>
-            <a:schemeClr val="tx2">
-              <a:lumMod val="60000"/>
-              <a:lumOff val="40000"/>
-            </a:schemeClr>
-          </a:solidFill>
-          <a:ln>
-            <a:noFill/>
-          </a:ln>
-        </p:spPr>
-        <p:txBody>
-          <a:bodyPr wrap="square" rtlCol="0">
-            <a:spAutoFit/>
-          </a:bodyPr>
-          <a:lstStyle/>
-          <a:p>
-            <a:pPr algn="ctr"/>
-            <a:r>
-              <a:rPr lang="nl-NL" sz="900" dirty="0" smtClean="0"/>
-              <a:t>:User</a:t>
-            </a:r>
-            <a:endParaRPr lang="nl-NL" sz="900" dirty="0"/>
-          </a:p>
-        </p:txBody>
-      </p:sp>
-      <p:sp>
-        <p:nvSpPr>
-          <p:cNvPr id="8" name="Tekstvak 7"/>
-          <p:cNvSpPr txBox="1"/>
-          <p:nvPr/>
-        </p:nvSpPr>
-        <p:spPr>
-          <a:xfrm>
-            <a:off x="4860032" y="1339820"/>
-            <a:ext cx="3384377" cy="1477328"/>
-          </a:xfrm>
-          <a:prstGeom prst="rect">
-            <a:avLst/>
-          </a:prstGeom>
-          <a:noFill/>
-        </p:spPr>
-        <p:txBody>
-          <a:bodyPr wrap="square" rtlCol="0">
-            <a:spAutoFit/>
-          </a:bodyPr>
-          <a:lstStyle/>
-          <a:p>
-            <a:r>
-              <a:rPr lang="nl-NL" i="1" dirty="0" smtClean="0">
-                <a:solidFill>
-                  <a:schemeClr val="tx1">
-                    <a:lumMod val="50000"/>
-                    <a:lumOff val="50000"/>
-                  </a:schemeClr>
-                </a:solidFill>
-              </a:rPr>
-              <a:t>“</a:t>
-            </a:r>
-            <a:r>
-              <a:rPr lang="nl-NL" i="1" dirty="0" err="1" smtClean="0">
-                <a:solidFill>
-                  <a:schemeClr val="tx1">
-                    <a:lumMod val="50000"/>
-                    <a:lumOff val="50000"/>
-                  </a:schemeClr>
-                </a:solidFill>
-              </a:rPr>
-              <a:t>When</a:t>
-            </a:r>
-            <a:r>
-              <a:rPr lang="nl-NL" i="1" dirty="0" smtClean="0">
-                <a:solidFill>
-                  <a:schemeClr val="tx1">
-                    <a:lumMod val="50000"/>
-                    <a:lumOff val="50000"/>
-                  </a:schemeClr>
-                </a:solidFill>
-              </a:rPr>
-              <a:t> </a:t>
-            </a:r>
-            <a:r>
-              <a:rPr lang="nl-NL" i="1" dirty="0">
-                <a:solidFill>
-                  <a:schemeClr val="tx1">
-                    <a:lumMod val="50000"/>
-                    <a:lumOff val="50000"/>
-                  </a:schemeClr>
-                </a:solidFill>
-              </a:rPr>
-              <a:t>a bug report is </a:t>
-            </a:r>
-            <a:r>
-              <a:rPr lang="nl-NL" i="1" dirty="0" err="1">
-                <a:solidFill>
-                  <a:schemeClr val="tx1">
-                    <a:lumMod val="50000"/>
-                    <a:lumOff val="50000"/>
-                  </a:schemeClr>
-                </a:solidFill>
-              </a:rPr>
-              <a:t>created</a:t>
-            </a:r>
-            <a:r>
-              <a:rPr lang="nl-NL" i="1" dirty="0">
-                <a:solidFill>
-                  <a:schemeClr val="tx1">
-                    <a:lumMod val="50000"/>
-                    <a:lumOff val="50000"/>
-                  </a:schemeClr>
-                </a:solidFill>
-              </a:rPr>
-              <a:t>, </a:t>
-            </a:r>
-            <a:r>
-              <a:rPr lang="nl-NL" i="1" dirty="0" err="1">
-                <a:solidFill>
-                  <a:schemeClr val="tx1">
-                    <a:lumMod val="50000"/>
-                    <a:lumOff val="50000"/>
-                  </a:schemeClr>
-                </a:solidFill>
-              </a:rPr>
-              <a:t>it</a:t>
-            </a:r>
-            <a:r>
-              <a:rPr lang="nl-NL" i="1" dirty="0">
-                <a:solidFill>
-                  <a:schemeClr val="tx1">
-                    <a:lumMod val="50000"/>
-                    <a:lumOff val="50000"/>
-                  </a:schemeClr>
-                </a:solidFill>
-              </a:rPr>
-              <a:t> </a:t>
-            </a:r>
-            <a:r>
-              <a:rPr lang="nl-NL" i="1" dirty="0" err="1">
-                <a:solidFill>
-                  <a:schemeClr val="tx1">
-                    <a:lumMod val="50000"/>
-                    <a:lumOff val="50000"/>
-                  </a:schemeClr>
-                </a:solidFill>
-              </a:rPr>
-              <a:t>can</a:t>
-            </a:r>
-            <a:r>
-              <a:rPr lang="nl-NL" i="1" dirty="0">
-                <a:solidFill>
-                  <a:schemeClr val="tx1">
-                    <a:lumMod val="50000"/>
-                    <a:lumOff val="50000"/>
-                  </a:schemeClr>
-                </a:solidFill>
-              </a:rPr>
-              <a:t> </a:t>
-            </a:r>
-            <a:r>
-              <a:rPr lang="nl-NL" i="1" dirty="0" err="1">
-                <a:solidFill>
-                  <a:schemeClr val="tx1">
-                    <a:lumMod val="50000"/>
-                    <a:lumOff val="50000"/>
-                  </a:schemeClr>
-                </a:solidFill>
-              </a:rPr>
-              <a:t>be</a:t>
-            </a:r>
-            <a:r>
-              <a:rPr lang="nl-NL" i="1" dirty="0">
-                <a:solidFill>
-                  <a:schemeClr val="tx1">
-                    <a:lumMod val="50000"/>
-                    <a:lumOff val="50000"/>
-                  </a:schemeClr>
-                </a:solidFill>
-              </a:rPr>
-              <a:t> </a:t>
-            </a:r>
-            <a:r>
-              <a:rPr lang="nl-NL" i="1" dirty="0" err="1">
-                <a:solidFill>
-                  <a:schemeClr val="tx1">
-                    <a:lumMod val="50000"/>
-                    <a:lumOff val="50000"/>
-                  </a:schemeClr>
-                </a:solidFill>
-              </a:rPr>
-              <a:t>marked</a:t>
-            </a:r>
-            <a:r>
-              <a:rPr lang="nl-NL" i="1" dirty="0">
-                <a:solidFill>
-                  <a:schemeClr val="tx1">
-                    <a:lumMod val="50000"/>
-                    <a:lumOff val="50000"/>
-                  </a:schemeClr>
-                </a:solidFill>
-              </a:rPr>
-              <a:t> as private</a:t>
-            </a:r>
-            <a:r>
-              <a:rPr lang="nl-NL" i="1" dirty="0" smtClean="0">
-                <a:solidFill>
-                  <a:schemeClr val="tx1">
-                    <a:lumMod val="50000"/>
-                    <a:lumOff val="50000"/>
-                  </a:schemeClr>
-                </a:solidFill>
-              </a:rPr>
-              <a:t>. </a:t>
-            </a:r>
-            <a:r>
-              <a:rPr lang="is-IS" i="1" dirty="0" smtClean="0">
-                <a:solidFill>
-                  <a:schemeClr val="tx1">
-                    <a:lumMod val="50000"/>
-                    <a:lumOff val="50000"/>
-                  </a:schemeClr>
-                </a:solidFill>
-              </a:rPr>
-              <a:t>… </a:t>
-            </a:r>
-            <a:r>
-              <a:rPr lang="nl-NL" i="1" dirty="0" err="1">
-                <a:solidFill>
-                  <a:schemeClr val="tx1">
-                    <a:lumMod val="50000"/>
-                    <a:lumOff val="50000"/>
-                  </a:schemeClr>
-                </a:solidFill>
-              </a:rPr>
-              <a:t>Once</a:t>
-            </a:r>
-            <a:r>
-              <a:rPr lang="nl-NL" i="1" dirty="0">
-                <a:solidFill>
-                  <a:schemeClr val="tx1">
-                    <a:lumMod val="50000"/>
-                    <a:lumOff val="50000"/>
-                  </a:schemeClr>
-                </a:solidFill>
-              </a:rPr>
-              <a:t> </a:t>
-            </a:r>
-            <a:r>
-              <a:rPr lang="nl-NL" i="1" dirty="0" err="1">
-                <a:solidFill>
-                  <a:schemeClr val="tx1">
-                    <a:lumMod val="50000"/>
-                    <a:lumOff val="50000"/>
-                  </a:schemeClr>
-                </a:solidFill>
-              </a:rPr>
-              <a:t>the</a:t>
-            </a:r>
-            <a:r>
-              <a:rPr lang="nl-NL" i="1" dirty="0">
-                <a:solidFill>
-                  <a:schemeClr val="tx1">
-                    <a:lumMod val="50000"/>
-                    <a:lumOff val="50000"/>
-                  </a:schemeClr>
-                </a:solidFill>
-              </a:rPr>
-              <a:t> first patch is </a:t>
-            </a:r>
-            <a:r>
-              <a:rPr lang="nl-NL" i="1" dirty="0" err="1">
-                <a:solidFill>
-                  <a:schemeClr val="tx1">
-                    <a:lumMod val="50000"/>
-                    <a:lumOff val="50000"/>
-                  </a:schemeClr>
-                </a:solidFill>
-              </a:rPr>
-              <a:t>submitted</a:t>
-            </a:r>
-            <a:r>
-              <a:rPr lang="nl-NL" i="1" dirty="0">
-                <a:solidFill>
-                  <a:schemeClr val="tx1">
-                    <a:lumMod val="50000"/>
-                    <a:lumOff val="50000"/>
-                  </a:schemeClr>
-                </a:solidFill>
-              </a:rPr>
-              <a:t> </a:t>
-            </a:r>
-            <a:r>
-              <a:rPr lang="nl-NL" i="1" dirty="0" err="1">
-                <a:solidFill>
-                  <a:schemeClr val="tx1">
-                    <a:lumMod val="50000"/>
-                    <a:lumOff val="50000"/>
-                  </a:schemeClr>
-                </a:solidFill>
-              </a:rPr>
-              <a:t>for</a:t>
-            </a:r>
-            <a:r>
-              <a:rPr lang="nl-NL" i="1" dirty="0">
-                <a:solidFill>
-                  <a:schemeClr val="tx1">
-                    <a:lumMod val="50000"/>
-                    <a:lumOff val="50000"/>
-                  </a:schemeClr>
-                </a:solidFill>
-              </a:rPr>
-              <a:t> </a:t>
-            </a:r>
-            <a:r>
-              <a:rPr lang="nl-NL" i="1" dirty="0" err="1">
-                <a:solidFill>
-                  <a:schemeClr val="tx1">
-                    <a:lumMod val="50000"/>
-                    <a:lumOff val="50000"/>
-                  </a:schemeClr>
-                </a:solidFill>
-              </a:rPr>
-              <a:t>the</a:t>
-            </a:r>
-            <a:r>
-              <a:rPr lang="nl-NL" i="1" dirty="0">
-                <a:solidFill>
-                  <a:schemeClr val="tx1">
-                    <a:lumMod val="50000"/>
-                    <a:lumOff val="50000"/>
-                  </a:schemeClr>
-                </a:solidFill>
-              </a:rPr>
-              <a:t> bug report, </a:t>
-            </a:r>
-            <a:r>
-              <a:rPr lang="nl-NL" i="1" dirty="0" err="1">
-                <a:solidFill>
-                  <a:schemeClr val="tx1">
-                    <a:lumMod val="50000"/>
-                    <a:lumOff val="50000"/>
-                  </a:schemeClr>
-                </a:solidFill>
-              </a:rPr>
-              <a:t>it</a:t>
-            </a:r>
-            <a:r>
-              <a:rPr lang="nl-NL" i="1" dirty="0">
-                <a:solidFill>
-                  <a:schemeClr val="tx1">
-                    <a:lumMod val="50000"/>
-                    <a:lumOff val="50000"/>
-                  </a:schemeClr>
-                </a:solidFill>
-              </a:rPr>
-              <a:t> is </a:t>
-            </a:r>
-            <a:r>
-              <a:rPr lang="nl-NL" i="1" dirty="0" err="1">
-                <a:solidFill>
-                  <a:schemeClr val="tx1">
-                    <a:lumMod val="50000"/>
-                    <a:lumOff val="50000"/>
-                  </a:schemeClr>
-                </a:solidFill>
-              </a:rPr>
-              <a:t>visible</a:t>
-            </a:r>
-            <a:r>
-              <a:rPr lang="nl-NL" i="1" dirty="0">
-                <a:solidFill>
-                  <a:schemeClr val="tx1">
-                    <a:lumMod val="50000"/>
-                    <a:lumOff val="50000"/>
-                  </a:schemeClr>
-                </a:solidFill>
-              </a:rPr>
-              <a:t> </a:t>
-            </a:r>
-            <a:r>
-              <a:rPr lang="nl-NL" i="1" dirty="0" err="1">
-                <a:solidFill>
-                  <a:schemeClr val="tx1">
-                    <a:lumMod val="50000"/>
-                    <a:lumOff val="50000"/>
-                  </a:schemeClr>
-                </a:solidFill>
-              </a:rPr>
-              <a:t>for</a:t>
-            </a:r>
-            <a:r>
-              <a:rPr lang="nl-NL" i="1" dirty="0">
-                <a:solidFill>
-                  <a:schemeClr val="tx1">
-                    <a:lumMod val="50000"/>
-                    <a:lumOff val="50000"/>
-                  </a:schemeClr>
-                </a:solidFill>
-              </a:rPr>
-              <a:t> </a:t>
-            </a:r>
-            <a:r>
-              <a:rPr lang="nl-NL" i="1" dirty="0" err="1">
-                <a:solidFill>
-                  <a:schemeClr val="tx1">
-                    <a:lumMod val="50000"/>
-                    <a:lumOff val="50000"/>
-                  </a:schemeClr>
-                </a:solidFill>
-              </a:rPr>
-              <a:t>all</a:t>
-            </a:r>
-            <a:r>
-              <a:rPr lang="nl-NL" i="1" dirty="0">
-                <a:solidFill>
-                  <a:schemeClr val="tx1">
-                    <a:lumMod val="50000"/>
-                    <a:lumOff val="50000"/>
-                  </a:schemeClr>
-                </a:solidFill>
-              </a:rPr>
-              <a:t> </a:t>
-            </a:r>
-            <a:r>
-              <a:rPr lang="nl-NL" i="1" dirty="0" err="1">
-                <a:solidFill>
-                  <a:schemeClr val="tx1">
-                    <a:lumMod val="50000"/>
-                    <a:lumOff val="50000"/>
-                  </a:schemeClr>
-                </a:solidFill>
-              </a:rPr>
-              <a:t>the</a:t>
-            </a:r>
-            <a:r>
-              <a:rPr lang="nl-NL" i="1" dirty="0">
-                <a:solidFill>
-                  <a:schemeClr val="tx1">
-                    <a:lumMod val="50000"/>
-                    <a:lumOff val="50000"/>
-                  </a:schemeClr>
-                </a:solidFill>
-              </a:rPr>
-              <a:t> users of </a:t>
-            </a:r>
-            <a:r>
-              <a:rPr lang="nl-NL" i="1" dirty="0" err="1">
-                <a:solidFill>
-                  <a:schemeClr val="tx1">
-                    <a:lumMod val="50000"/>
-                    <a:lumOff val="50000"/>
-                  </a:schemeClr>
-                </a:solidFill>
-              </a:rPr>
-              <a:t>BugTrap</a:t>
-            </a:r>
-            <a:r>
-              <a:rPr lang="nl-NL" i="1" dirty="0" smtClean="0">
-                <a:solidFill>
-                  <a:schemeClr val="tx1">
-                    <a:lumMod val="50000"/>
-                    <a:lumOff val="50000"/>
-                  </a:schemeClr>
-                </a:solidFill>
-              </a:rPr>
-              <a:t>.”</a:t>
-            </a:r>
-            <a:endParaRPr lang="nl-NL" i="1" dirty="0">
-              <a:solidFill>
-                <a:schemeClr val="tx1">
-                  <a:lumMod val="50000"/>
-                  <a:lumOff val="50000"/>
-                </a:schemeClr>
-              </a:solidFill>
-            </a:endParaRPr>
-          </a:p>
-        </p:txBody>
-      </p:sp>
-    </p:spTree>
-    <p:extLst>
-      <p:ext uri="{BB962C8B-B14F-4D97-AF65-F5344CB8AC3E}">
-        <p14:creationId xmlns:p14="http://schemas.microsoft.com/office/powerpoint/2010/main" xmlns="" val="269333384"/>
+        <p14:creationId xmlns:p14="http://schemas.microsoft.com/office/powerpoint/2010/main" val="1074460601"/>
       </p:ext>
     </p:extLst>
   </p:cSld>

--- a/Presentaties/Iteratie 2/SWOP Presentatie 2 Inhoud.pptx
+++ b/Presentaties/Iteratie 2/SWOP Presentatie 2 Inhoud.pptx
@@ -126,7 +126,7 @@
   </p:defaultTextStyle>
   <p:extLst>
     <p:ext uri="{EFAFB233-063F-42B5-8137-9DF3F51BA10A}">
-      <p15:sldGuideLst xmlns="" xmlns:p15="http://schemas.microsoft.com/office/powerpoint/2012/main">
+      <p15:sldGuideLst xmlns:p15="http://schemas.microsoft.com/office/powerpoint/2012/main" xmlns="">
         <p15:guide id="1" orient="horz" pos="2160">
           <p15:clr>
             <a:srgbClr val="A4A3A4"/>
@@ -368,7 +368,7 @@
             <a:fld id="{91663F60-0288-4BD7-9F87-79CFFEA98662}" type="slidenum">
               <a:rPr lang="nl-BE" smtClean="0"/>
               <a:pPr/>
-              <a:t>‹nr.›</a:t>
+              <a:t>‹Nr.›</a:t>
             </a:fld>
             <a:endParaRPr lang="nl-BE"/>
           </a:p>
@@ -377,7 +377,7 @@
     </p:spTree>
     <p:extLst>
       <p:ext uri="{BB962C8B-B14F-4D97-AF65-F5344CB8AC3E}">
-        <p14:creationId xmlns:p14="http://schemas.microsoft.com/office/powerpoint/2010/main" val="3963083300"/>
+        <p14:creationId xmlns:p14="http://schemas.microsoft.com/office/powerpoint/2010/main" xmlns="" val="3963083300"/>
       </p:ext>
     </p:extLst>
   </p:cSld>
@@ -543,7 +543,7 @@
             <a:fld id="{91663F60-0288-4BD7-9F87-79CFFEA98662}" type="slidenum">
               <a:rPr lang="nl-BE" smtClean="0"/>
               <a:pPr/>
-              <a:t>‹nr.›</a:t>
+              <a:t>‹Nr.›</a:t>
             </a:fld>
             <a:endParaRPr lang="nl-BE"/>
           </a:p>
@@ -552,7 +552,7 @@
     </p:spTree>
     <p:extLst>
       <p:ext uri="{BB962C8B-B14F-4D97-AF65-F5344CB8AC3E}">
-        <p14:creationId xmlns:p14="http://schemas.microsoft.com/office/powerpoint/2010/main" val="1367293728"/>
+        <p14:creationId xmlns:p14="http://schemas.microsoft.com/office/powerpoint/2010/main" xmlns="" val="1367293728"/>
       </p:ext>
     </p:extLst>
   </p:cSld>
@@ -728,7 +728,7 @@
             <a:fld id="{91663F60-0288-4BD7-9F87-79CFFEA98662}" type="slidenum">
               <a:rPr lang="nl-BE" smtClean="0"/>
               <a:pPr/>
-              <a:t>‹nr.›</a:t>
+              <a:t>‹Nr.›</a:t>
             </a:fld>
             <a:endParaRPr lang="nl-BE"/>
           </a:p>
@@ -737,7 +737,7 @@
     </p:spTree>
     <p:extLst>
       <p:ext uri="{BB962C8B-B14F-4D97-AF65-F5344CB8AC3E}">
-        <p14:creationId xmlns:p14="http://schemas.microsoft.com/office/powerpoint/2010/main" val="3320721104"/>
+        <p14:creationId xmlns:p14="http://schemas.microsoft.com/office/powerpoint/2010/main" xmlns="" val="3320721104"/>
       </p:ext>
     </p:extLst>
   </p:cSld>
@@ -903,7 +903,7 @@
             <a:fld id="{91663F60-0288-4BD7-9F87-79CFFEA98662}" type="slidenum">
               <a:rPr lang="nl-BE" smtClean="0"/>
               <a:pPr/>
-              <a:t>‹nr.›</a:t>
+              <a:t>‹Nr.›</a:t>
             </a:fld>
             <a:endParaRPr lang="nl-BE"/>
           </a:p>
@@ -912,7 +912,7 @@
     </p:spTree>
     <p:extLst>
       <p:ext uri="{BB962C8B-B14F-4D97-AF65-F5344CB8AC3E}">
-        <p14:creationId xmlns:p14="http://schemas.microsoft.com/office/powerpoint/2010/main" val="1971972017"/>
+        <p14:creationId xmlns:p14="http://schemas.microsoft.com/office/powerpoint/2010/main" xmlns="" val="1971972017"/>
       </p:ext>
     </p:extLst>
   </p:cSld>
@@ -1154,7 +1154,7 @@
             <a:fld id="{91663F60-0288-4BD7-9F87-79CFFEA98662}" type="slidenum">
               <a:rPr lang="nl-BE" smtClean="0"/>
               <a:pPr/>
-              <a:t>‹nr.›</a:t>
+              <a:t>‹Nr.›</a:t>
             </a:fld>
             <a:endParaRPr lang="nl-BE"/>
           </a:p>
@@ -1163,7 +1163,7 @@
     </p:spTree>
     <p:extLst>
       <p:ext uri="{BB962C8B-B14F-4D97-AF65-F5344CB8AC3E}">
-        <p14:creationId xmlns:p14="http://schemas.microsoft.com/office/powerpoint/2010/main" val="1541596771"/>
+        <p14:creationId xmlns:p14="http://schemas.microsoft.com/office/powerpoint/2010/main" xmlns="" val="1541596771"/>
       </p:ext>
     </p:extLst>
   </p:cSld>
@@ -1447,7 +1447,7 @@
             <a:fld id="{91663F60-0288-4BD7-9F87-79CFFEA98662}" type="slidenum">
               <a:rPr lang="nl-BE" smtClean="0"/>
               <a:pPr/>
-              <a:t>‹nr.›</a:t>
+              <a:t>‹Nr.›</a:t>
             </a:fld>
             <a:endParaRPr lang="nl-BE"/>
           </a:p>
@@ -1456,7 +1456,7 @@
     </p:spTree>
     <p:extLst>
       <p:ext uri="{BB962C8B-B14F-4D97-AF65-F5344CB8AC3E}">
-        <p14:creationId xmlns:p14="http://schemas.microsoft.com/office/powerpoint/2010/main" val="1047982118"/>
+        <p14:creationId xmlns:p14="http://schemas.microsoft.com/office/powerpoint/2010/main" xmlns="" val="1047982118"/>
       </p:ext>
     </p:extLst>
   </p:cSld>
@@ -1874,7 +1874,7 @@
             <a:fld id="{91663F60-0288-4BD7-9F87-79CFFEA98662}" type="slidenum">
               <a:rPr lang="nl-BE" smtClean="0"/>
               <a:pPr/>
-              <a:t>‹nr.›</a:t>
+              <a:t>‹Nr.›</a:t>
             </a:fld>
             <a:endParaRPr lang="nl-BE"/>
           </a:p>
@@ -1883,7 +1883,7 @@
     </p:spTree>
     <p:extLst>
       <p:ext uri="{BB962C8B-B14F-4D97-AF65-F5344CB8AC3E}">
-        <p14:creationId xmlns:p14="http://schemas.microsoft.com/office/powerpoint/2010/main" val="2185725893"/>
+        <p14:creationId xmlns:p14="http://schemas.microsoft.com/office/powerpoint/2010/main" xmlns="" val="2185725893"/>
       </p:ext>
     </p:extLst>
   </p:cSld>
@@ -1997,7 +1997,7 @@
             <a:fld id="{91663F60-0288-4BD7-9F87-79CFFEA98662}" type="slidenum">
               <a:rPr lang="nl-BE" smtClean="0"/>
               <a:pPr/>
-              <a:t>‹nr.›</a:t>
+              <a:t>‹Nr.›</a:t>
             </a:fld>
             <a:endParaRPr lang="nl-BE"/>
           </a:p>
@@ -2006,7 +2006,7 @@
     </p:spTree>
     <p:extLst>
       <p:ext uri="{BB962C8B-B14F-4D97-AF65-F5344CB8AC3E}">
-        <p14:creationId xmlns:p14="http://schemas.microsoft.com/office/powerpoint/2010/main" val="1565659618"/>
+        <p14:creationId xmlns:p14="http://schemas.microsoft.com/office/powerpoint/2010/main" xmlns="" val="1565659618"/>
       </p:ext>
     </p:extLst>
   </p:cSld>
@@ -2097,7 +2097,7 @@
             <a:fld id="{91663F60-0288-4BD7-9F87-79CFFEA98662}" type="slidenum">
               <a:rPr lang="nl-BE" smtClean="0"/>
               <a:pPr/>
-              <a:t>‹nr.›</a:t>
+              <a:t>‹Nr.›</a:t>
             </a:fld>
             <a:endParaRPr lang="nl-BE"/>
           </a:p>
@@ -2106,7 +2106,7 @@
     </p:spTree>
     <p:extLst>
       <p:ext uri="{BB962C8B-B14F-4D97-AF65-F5344CB8AC3E}">
-        <p14:creationId xmlns:p14="http://schemas.microsoft.com/office/powerpoint/2010/main" val="2302775655"/>
+        <p14:creationId xmlns:p14="http://schemas.microsoft.com/office/powerpoint/2010/main" xmlns="" val="2302775655"/>
       </p:ext>
     </p:extLst>
   </p:cSld>
@@ -2379,7 +2379,7 @@
             <a:fld id="{91663F60-0288-4BD7-9F87-79CFFEA98662}" type="slidenum">
               <a:rPr lang="nl-BE" smtClean="0"/>
               <a:pPr/>
-              <a:t>‹nr.›</a:t>
+              <a:t>‹Nr.›</a:t>
             </a:fld>
             <a:endParaRPr lang="nl-BE"/>
           </a:p>
@@ -2388,7 +2388,7 @@
     </p:spTree>
     <p:extLst>
       <p:ext uri="{BB962C8B-B14F-4D97-AF65-F5344CB8AC3E}">
-        <p14:creationId xmlns:p14="http://schemas.microsoft.com/office/powerpoint/2010/main" val="2384358470"/>
+        <p14:creationId xmlns:p14="http://schemas.microsoft.com/office/powerpoint/2010/main" xmlns="" val="2384358470"/>
       </p:ext>
     </p:extLst>
   </p:cSld>
@@ -2637,7 +2637,7 @@
             <a:fld id="{91663F60-0288-4BD7-9F87-79CFFEA98662}" type="slidenum">
               <a:rPr lang="nl-BE" smtClean="0"/>
               <a:pPr/>
-              <a:t>‹nr.›</a:t>
+              <a:t>‹Nr.›</a:t>
             </a:fld>
             <a:endParaRPr lang="nl-BE"/>
           </a:p>
@@ -2646,7 +2646,7 @@
     </p:spTree>
     <p:extLst>
       <p:ext uri="{BB962C8B-B14F-4D97-AF65-F5344CB8AC3E}">
-        <p14:creationId xmlns:p14="http://schemas.microsoft.com/office/powerpoint/2010/main" val="221485852"/>
+        <p14:creationId xmlns:p14="http://schemas.microsoft.com/office/powerpoint/2010/main" xmlns="" val="221485852"/>
       </p:ext>
     </p:extLst>
   </p:cSld>
@@ -2915,7 +2915,7 @@
             <a:fld id="{91663F60-0288-4BD7-9F87-79CFFEA98662}" type="slidenum">
               <a:rPr lang="nl-BE" smtClean="0"/>
               <a:pPr/>
-              <a:t>‹nr.›</a:t>
+              <a:t>‹Nr.›</a:t>
             </a:fld>
             <a:endParaRPr lang="nl-BE"/>
           </a:p>
@@ -2924,7 +2924,7 @@
     </p:spTree>
     <p:extLst>
       <p:ext uri="{BB962C8B-B14F-4D97-AF65-F5344CB8AC3E}">
-        <p14:creationId xmlns:p14="http://schemas.microsoft.com/office/powerpoint/2010/main" val="2268232388"/>
+        <p14:creationId xmlns:p14="http://schemas.microsoft.com/office/powerpoint/2010/main" xmlns="" val="2268232388"/>
       </p:ext>
     </p:extLst>
   </p:cSld>
@@ -3553,7 +3553,7 @@
     </p:spTree>
     <p:extLst>
       <p:ext uri="{BB962C8B-B14F-4D97-AF65-F5344CB8AC3E}">
-        <p14:creationId xmlns:p14="http://schemas.microsoft.com/office/powerpoint/2010/main" val="1089514898"/>
+        <p14:creationId xmlns:p14="http://schemas.microsoft.com/office/powerpoint/2010/main" xmlns="" val="1089514898"/>
       </p:ext>
     </p:extLst>
   </p:cSld>
@@ -3678,6 +3678,7 @@
                     <a:lumOff val="50000"/>
                   </a:schemeClr>
                 </a:solidFill>
+                <a:latin typeface="Sitka Banner" pitchFamily="2" charset="0"/>
               </a:rPr>
               <a:t>“…</a:t>
             </a:r>
@@ -3689,6 +3690,7 @@
                     <a:lumOff val="50000"/>
                   </a:schemeClr>
                 </a:solidFill>
+                <a:latin typeface="Sitka Banner" pitchFamily="2" charset="0"/>
               </a:rPr>
               <a:t>after</a:t>
             </a:r>
@@ -3700,6 +3702,7 @@
                     <a:lumOff val="50000"/>
                   </a:schemeClr>
                 </a:solidFill>
+                <a:latin typeface="Sitka Banner" pitchFamily="2" charset="0"/>
               </a:rPr>
               <a:t> </a:t>
             </a:r>
@@ -3711,6 +3714,7 @@
                     <a:lumOff val="50000"/>
                   </a:schemeClr>
                 </a:solidFill>
+                <a:latin typeface="Sitka Banner" pitchFamily="2" charset="0"/>
               </a:rPr>
               <a:t>the</a:t>
             </a:r>
@@ -3722,6 +3726,7 @@
                     <a:lumOff val="50000"/>
                   </a:schemeClr>
                 </a:solidFill>
+                <a:latin typeface="Sitka Banner" pitchFamily="2" charset="0"/>
               </a:rPr>
               <a:t> first patch, </a:t>
             </a:r>
@@ -3733,6 +3738,7 @@
                     <a:lumOff val="50000"/>
                   </a:schemeClr>
                 </a:solidFill>
+                <a:latin typeface="Sitka Banner" pitchFamily="2" charset="0"/>
               </a:rPr>
               <a:t>the</a:t>
             </a:r>
@@ -3744,6 +3750,7 @@
                     <a:lumOff val="50000"/>
                   </a:schemeClr>
                 </a:solidFill>
+                <a:latin typeface="Sitka Banner" pitchFamily="2" charset="0"/>
               </a:rPr>
               <a:t> tag of </a:t>
             </a:r>
@@ -3755,6 +3762,7 @@
                     <a:lumOff val="50000"/>
                   </a:schemeClr>
                 </a:solidFill>
+                <a:latin typeface="Sitka Banner" pitchFamily="2" charset="0"/>
               </a:rPr>
               <a:t>the</a:t>
             </a:r>
@@ -3766,6 +3774,7 @@
                     <a:lumOff val="50000"/>
                   </a:schemeClr>
                 </a:solidFill>
+                <a:latin typeface="Sitka Banner" pitchFamily="2" charset="0"/>
               </a:rPr>
               <a:t> bug report at </a:t>
             </a:r>
@@ -3777,6 +3786,7 @@
                     <a:lumOff val="50000"/>
                   </a:schemeClr>
                 </a:solidFill>
+                <a:latin typeface="Sitka Banner" pitchFamily="2" charset="0"/>
               </a:rPr>
               <a:t>stake</a:t>
             </a:r>
@@ -3788,6 +3798,7 @@
                     <a:lumOff val="50000"/>
                   </a:schemeClr>
                 </a:solidFill>
+                <a:latin typeface="Sitka Banner" pitchFamily="2" charset="0"/>
               </a:rPr>
               <a:t> </a:t>
             </a:r>
@@ -3799,6 +3810,7 @@
                     <a:lumOff val="50000"/>
                   </a:schemeClr>
                 </a:solidFill>
+                <a:latin typeface="Sitka Banner" pitchFamily="2" charset="0"/>
               </a:rPr>
               <a:t>transitions</a:t>
             </a:r>
@@ -3810,6 +3822,7 @@
                     <a:lumOff val="50000"/>
                   </a:schemeClr>
                 </a:solidFill>
+                <a:latin typeface="Sitka Banner" pitchFamily="2" charset="0"/>
               </a:rPr>
               <a:t> </a:t>
             </a:r>
@@ -3821,6 +3834,7 @@
                     <a:lumOff val="50000"/>
                   </a:schemeClr>
                 </a:solidFill>
+                <a:latin typeface="Sitka Banner" pitchFamily="2" charset="0"/>
               </a:rPr>
               <a:t>from</a:t>
             </a:r>
@@ -3832,6 +3846,7 @@
                     <a:lumOff val="50000"/>
                   </a:schemeClr>
                 </a:solidFill>
+                <a:latin typeface="Sitka Banner" pitchFamily="2" charset="0"/>
               </a:rPr>
               <a:t> </a:t>
             </a:r>
@@ -3843,6 +3858,7 @@
                     <a:lumOff val="50000"/>
                   </a:schemeClr>
                 </a:solidFill>
+                <a:latin typeface="Sitka Banner" pitchFamily="2" charset="0"/>
               </a:rPr>
               <a:t>Assigned</a:t>
             </a:r>
@@ -3854,6 +3870,7 @@
                     <a:lumOff val="50000"/>
                   </a:schemeClr>
                 </a:solidFill>
+                <a:latin typeface="Sitka Banner" pitchFamily="2" charset="0"/>
               </a:rPr>
               <a:t> </a:t>
             </a:r>
@@ -3865,6 +3882,7 @@
                     <a:lumOff val="50000"/>
                   </a:schemeClr>
                 </a:solidFill>
+                <a:latin typeface="Sitka Banner" pitchFamily="2" charset="0"/>
               </a:rPr>
               <a:t>to</a:t>
             </a:r>
@@ -3876,6 +3894,7 @@
                     <a:lumOff val="50000"/>
                   </a:schemeClr>
                 </a:solidFill>
+                <a:latin typeface="Sitka Banner" pitchFamily="2" charset="0"/>
               </a:rPr>
               <a:t> </a:t>
             </a:r>
@@ -3887,6 +3906,7 @@
                     <a:lumOff val="50000"/>
                   </a:schemeClr>
                 </a:solidFill>
+                <a:latin typeface="Sitka Banner" pitchFamily="2" charset="0"/>
               </a:rPr>
               <a:t>UnderReview</a:t>
             </a:r>
@@ -3898,6 +3918,7 @@
                     <a:lumOff val="50000"/>
                   </a:schemeClr>
                 </a:solidFill>
+                <a:latin typeface="Sitka Banner" pitchFamily="2" charset="0"/>
               </a:rPr>
               <a:t>.”</a:t>
             </a:r>
@@ -3908,6 +3929,7 @@
                   <a:lumOff val="50000"/>
                 </a:schemeClr>
               </a:solidFill>
+              <a:latin typeface="Sitka Banner" pitchFamily="2" charset="0"/>
             </a:endParaRPr>
           </a:p>
         </p:txBody>
@@ -3936,7 +3958,7 @@
             </a:clrChange>
             <a:extLst>
               <a:ext uri="{28A0092B-C50C-407E-A947-70E740481C1C}">
-                <a14:useLocalDpi xmlns:a14="http://schemas.microsoft.com/office/drawing/2010/main" val="0"/>
+                <a14:useLocalDpi xmlns:a14="http://schemas.microsoft.com/office/drawing/2010/main" xmlns="" val="0"/>
               </a:ext>
             </a:extLst>
           </a:blip>
@@ -4020,6 +4042,7 @@
                     <a:lumOff val="50000"/>
                   </a:schemeClr>
                 </a:solidFill>
+                <a:latin typeface="Sitka Banner" pitchFamily="2" charset="0"/>
               </a:rPr>
               <a:t>“</a:t>
             </a:r>
@@ -4031,6 +4054,7 @@
                     <a:lumOff val="50000"/>
                   </a:schemeClr>
                 </a:solidFill>
+                <a:latin typeface="Sitka Banner" pitchFamily="2" charset="0"/>
               </a:rPr>
               <a:t>When</a:t>
             </a:r>
@@ -4042,6 +4066,7 @@
                     <a:lumOff val="50000"/>
                   </a:schemeClr>
                 </a:solidFill>
+                <a:latin typeface="Sitka Banner" pitchFamily="2" charset="0"/>
               </a:rPr>
               <a:t> </a:t>
             </a:r>
@@ -4053,6 +4078,7 @@
                     <a:lumOff val="50000"/>
                   </a:schemeClr>
                 </a:solidFill>
+                <a:latin typeface="Sitka Banner" pitchFamily="2" charset="0"/>
               </a:rPr>
               <a:t>a bug report is </a:t>
             </a:r>
@@ -4064,6 +4090,7 @@
                     <a:lumOff val="50000"/>
                   </a:schemeClr>
                 </a:solidFill>
+                <a:latin typeface="Sitka Banner" pitchFamily="2" charset="0"/>
               </a:rPr>
               <a:t>created</a:t>
             </a:r>
@@ -4075,6 +4102,7 @@
                     <a:lumOff val="50000"/>
                   </a:schemeClr>
                 </a:solidFill>
+                <a:latin typeface="Sitka Banner" pitchFamily="2" charset="0"/>
               </a:rPr>
               <a:t>, </a:t>
             </a:r>
@@ -4086,6 +4114,7 @@
                     <a:lumOff val="50000"/>
                   </a:schemeClr>
                 </a:solidFill>
+                <a:latin typeface="Sitka Banner" pitchFamily="2" charset="0"/>
               </a:rPr>
               <a:t>it</a:t>
             </a:r>
@@ -4097,6 +4126,7 @@
                     <a:lumOff val="50000"/>
                   </a:schemeClr>
                 </a:solidFill>
+                <a:latin typeface="Sitka Banner" pitchFamily="2" charset="0"/>
               </a:rPr>
               <a:t> </a:t>
             </a:r>
@@ -4108,6 +4138,7 @@
                     <a:lumOff val="50000"/>
                   </a:schemeClr>
                 </a:solidFill>
+                <a:latin typeface="Sitka Banner" pitchFamily="2" charset="0"/>
               </a:rPr>
               <a:t>can</a:t>
             </a:r>
@@ -4119,6 +4150,7 @@
                     <a:lumOff val="50000"/>
                   </a:schemeClr>
                 </a:solidFill>
+                <a:latin typeface="Sitka Banner" pitchFamily="2" charset="0"/>
               </a:rPr>
               <a:t> </a:t>
             </a:r>
@@ -4130,6 +4162,7 @@
                     <a:lumOff val="50000"/>
                   </a:schemeClr>
                 </a:solidFill>
+                <a:latin typeface="Sitka Banner" pitchFamily="2" charset="0"/>
               </a:rPr>
               <a:t>be</a:t>
             </a:r>
@@ -4141,6 +4174,7 @@
                     <a:lumOff val="50000"/>
                   </a:schemeClr>
                 </a:solidFill>
+                <a:latin typeface="Sitka Banner" pitchFamily="2" charset="0"/>
               </a:rPr>
               <a:t> </a:t>
             </a:r>
@@ -4152,6 +4186,7 @@
                     <a:lumOff val="50000"/>
                   </a:schemeClr>
                 </a:solidFill>
+                <a:latin typeface="Sitka Banner" pitchFamily="2" charset="0"/>
               </a:rPr>
               <a:t>marked</a:t>
             </a:r>
@@ -4163,6 +4198,7 @@
                     <a:lumOff val="50000"/>
                   </a:schemeClr>
                 </a:solidFill>
+                <a:latin typeface="Sitka Banner" pitchFamily="2" charset="0"/>
               </a:rPr>
               <a:t> as private</a:t>
             </a:r>
@@ -4174,6 +4210,7 @@
                     <a:lumOff val="50000"/>
                   </a:schemeClr>
                 </a:solidFill>
+                <a:latin typeface="Sitka Banner" pitchFamily="2" charset="0"/>
               </a:rPr>
               <a:t>. </a:t>
             </a:r>
@@ -4185,6 +4222,7 @@
                     <a:lumOff val="50000"/>
                   </a:schemeClr>
                 </a:solidFill>
+                <a:latin typeface="Sitka Banner" pitchFamily="2" charset="0"/>
               </a:rPr>
               <a:t>… </a:t>
             </a:r>
@@ -4196,6 +4234,7 @@
                     <a:lumOff val="50000"/>
                   </a:schemeClr>
                 </a:solidFill>
+                <a:latin typeface="Sitka Banner" pitchFamily="2" charset="0"/>
               </a:rPr>
               <a:t>Once</a:t>
             </a:r>
@@ -4207,6 +4246,7 @@
                     <a:lumOff val="50000"/>
                   </a:schemeClr>
                 </a:solidFill>
+                <a:latin typeface="Sitka Banner" pitchFamily="2" charset="0"/>
               </a:rPr>
               <a:t> </a:t>
             </a:r>
@@ -4218,6 +4258,7 @@
                     <a:lumOff val="50000"/>
                   </a:schemeClr>
                 </a:solidFill>
+                <a:latin typeface="Sitka Banner" pitchFamily="2" charset="0"/>
               </a:rPr>
               <a:t>the</a:t>
             </a:r>
@@ -4229,6 +4270,7 @@
                     <a:lumOff val="50000"/>
                   </a:schemeClr>
                 </a:solidFill>
+                <a:latin typeface="Sitka Banner" pitchFamily="2" charset="0"/>
               </a:rPr>
               <a:t> first patch is </a:t>
             </a:r>
@@ -4240,6 +4282,7 @@
                     <a:lumOff val="50000"/>
                   </a:schemeClr>
                 </a:solidFill>
+                <a:latin typeface="Sitka Banner" pitchFamily="2" charset="0"/>
               </a:rPr>
               <a:t>submitted</a:t>
             </a:r>
@@ -4251,6 +4294,7 @@
                     <a:lumOff val="50000"/>
                   </a:schemeClr>
                 </a:solidFill>
+                <a:latin typeface="Sitka Banner" pitchFamily="2" charset="0"/>
               </a:rPr>
               <a:t> </a:t>
             </a:r>
@@ -4262,6 +4306,7 @@
                     <a:lumOff val="50000"/>
                   </a:schemeClr>
                 </a:solidFill>
+                <a:latin typeface="Sitka Banner" pitchFamily="2" charset="0"/>
               </a:rPr>
               <a:t>for</a:t>
             </a:r>
@@ -4273,6 +4318,7 @@
                     <a:lumOff val="50000"/>
                   </a:schemeClr>
                 </a:solidFill>
+                <a:latin typeface="Sitka Banner" pitchFamily="2" charset="0"/>
               </a:rPr>
               <a:t> </a:t>
             </a:r>
@@ -4284,6 +4330,7 @@
                     <a:lumOff val="50000"/>
                   </a:schemeClr>
                 </a:solidFill>
+                <a:latin typeface="Sitka Banner" pitchFamily="2" charset="0"/>
               </a:rPr>
               <a:t>the</a:t>
             </a:r>
@@ -4295,6 +4342,7 @@
                     <a:lumOff val="50000"/>
                   </a:schemeClr>
                 </a:solidFill>
+                <a:latin typeface="Sitka Banner" pitchFamily="2" charset="0"/>
               </a:rPr>
               <a:t> bug report, </a:t>
             </a:r>
@@ -4306,6 +4354,7 @@
                     <a:lumOff val="50000"/>
                   </a:schemeClr>
                 </a:solidFill>
+                <a:latin typeface="Sitka Banner" pitchFamily="2" charset="0"/>
               </a:rPr>
               <a:t>it</a:t>
             </a:r>
@@ -4317,6 +4366,7 @@
                     <a:lumOff val="50000"/>
                   </a:schemeClr>
                 </a:solidFill>
+                <a:latin typeface="Sitka Banner" pitchFamily="2" charset="0"/>
               </a:rPr>
               <a:t> is </a:t>
             </a:r>
@@ -4328,6 +4378,7 @@
                     <a:lumOff val="50000"/>
                   </a:schemeClr>
                 </a:solidFill>
+                <a:latin typeface="Sitka Banner" pitchFamily="2" charset="0"/>
               </a:rPr>
               <a:t>visible</a:t>
             </a:r>
@@ -4339,6 +4390,7 @@
                     <a:lumOff val="50000"/>
                   </a:schemeClr>
                 </a:solidFill>
+                <a:latin typeface="Sitka Banner" pitchFamily="2" charset="0"/>
               </a:rPr>
               <a:t> </a:t>
             </a:r>
@@ -4350,6 +4402,7 @@
                     <a:lumOff val="50000"/>
                   </a:schemeClr>
                 </a:solidFill>
+                <a:latin typeface="Sitka Banner" pitchFamily="2" charset="0"/>
               </a:rPr>
               <a:t>for</a:t>
             </a:r>
@@ -4361,6 +4414,7 @@
                     <a:lumOff val="50000"/>
                   </a:schemeClr>
                 </a:solidFill>
+                <a:latin typeface="Sitka Banner" pitchFamily="2" charset="0"/>
               </a:rPr>
               <a:t> </a:t>
             </a:r>
@@ -4372,6 +4426,7 @@
                     <a:lumOff val="50000"/>
                   </a:schemeClr>
                 </a:solidFill>
+                <a:latin typeface="Sitka Banner" pitchFamily="2" charset="0"/>
               </a:rPr>
               <a:t>all</a:t>
             </a:r>
@@ -4383,6 +4438,7 @@
                     <a:lumOff val="50000"/>
                   </a:schemeClr>
                 </a:solidFill>
+                <a:latin typeface="Sitka Banner" pitchFamily="2" charset="0"/>
               </a:rPr>
               <a:t> </a:t>
             </a:r>
@@ -4394,6 +4450,7 @@
                     <a:lumOff val="50000"/>
                   </a:schemeClr>
                 </a:solidFill>
+                <a:latin typeface="Sitka Banner" pitchFamily="2" charset="0"/>
               </a:rPr>
               <a:t>the</a:t>
             </a:r>
@@ -4405,6 +4462,7 @@
                     <a:lumOff val="50000"/>
                   </a:schemeClr>
                 </a:solidFill>
+                <a:latin typeface="Sitka Banner" pitchFamily="2" charset="0"/>
               </a:rPr>
               <a:t> users of </a:t>
             </a:r>
@@ -4416,6 +4474,7 @@
                     <a:lumOff val="50000"/>
                   </a:schemeClr>
                 </a:solidFill>
+                <a:latin typeface="Sitka Banner" pitchFamily="2" charset="0"/>
               </a:rPr>
               <a:t>BugTrap</a:t>
             </a:r>
@@ -4427,6 +4486,7 @@
                     <a:lumOff val="50000"/>
                   </a:schemeClr>
                 </a:solidFill>
+                <a:latin typeface="Sitka Banner" pitchFamily="2" charset="0"/>
               </a:rPr>
               <a:t>.”</a:t>
             </a:r>
@@ -4437,6 +4497,7 @@
                   <a:lumOff val="50000"/>
                 </a:schemeClr>
               </a:solidFill>
+              <a:latin typeface="Sitka Banner" pitchFamily="2" charset="0"/>
             </a:endParaRPr>
           </a:p>
         </p:txBody>
@@ -4444,7 +4505,7 @@
     </p:spTree>
     <p:extLst>
       <p:ext uri="{BB962C8B-B14F-4D97-AF65-F5344CB8AC3E}">
-        <p14:creationId xmlns:p14="http://schemas.microsoft.com/office/powerpoint/2010/main" val="269333384"/>
+        <p14:creationId xmlns:p14="http://schemas.microsoft.com/office/powerpoint/2010/main" xmlns="" val="269333384"/>
       </p:ext>
     </p:extLst>
   </p:cSld>
@@ -4510,8 +4571,47 @@
                 </a:effectLst>
                 <a:latin typeface="Sitka Text" pitchFamily="2" charset="0"/>
               </a:rPr>
-              <a:t>Tag specifieke informatie</a:t>
-            </a:r>
+              <a:t>Tag </a:t>
+            </a:r>
+            <a:r>
+              <a:rPr lang="nl-NL" sz="3600" cap="small" dirty="0" smtClean="0">
+                <a:ln w="18415" cmpd="sng">
+                  <a:solidFill>
+                    <a:schemeClr val="tx1">
+                      <a:alpha val="0"/>
+                    </a:schemeClr>
+                  </a:solidFill>
+                  <a:prstDash val="solid"/>
+                </a:ln>
+                <a:effectLst>
+                  <a:outerShdw blurRad="25400" dir="3600000" algn="tl" rotWithShape="0">
+                    <a:srgbClr val="000000">
+                      <a:alpha val="70000"/>
+                    </a:srgbClr>
+                  </a:outerShdw>
+                </a:effectLst>
+                <a:latin typeface="Sitka Text" pitchFamily="2" charset="0"/>
+              </a:rPr>
+              <a:t>specific infromation</a:t>
+            </a:r>
+            <a:endParaRPr lang="nl-NL" sz="3600" cap="small" dirty="0">
+              <a:ln w="18415" cmpd="sng">
+                <a:solidFill>
+                  <a:schemeClr val="tx1">
+                    <a:alpha val="0"/>
+                  </a:schemeClr>
+                </a:solidFill>
+                <a:prstDash val="solid"/>
+              </a:ln>
+              <a:effectLst>
+                <a:outerShdw blurRad="25400" dir="3600000" algn="tl" rotWithShape="0">
+                  <a:srgbClr val="000000">
+                    <a:alpha val="70000"/>
+                  </a:srgbClr>
+                </a:outerShdw>
+              </a:effectLst>
+              <a:latin typeface="Sitka Text" pitchFamily="2" charset="0"/>
+            </a:endParaRPr>
           </a:p>
         </p:txBody>
       </p:sp>
@@ -4523,8 +4623,8 @@
         </p:nvSpPr>
         <p:spPr>
           <a:xfrm>
-            <a:off x="5156224" y="1568559"/>
-            <a:ext cx="3525441" cy="1477328"/>
+            <a:off x="2809280" y="1580599"/>
+            <a:ext cx="3525441" cy="1200329"/>
           </a:xfrm>
           <a:prstGeom prst="rect">
             <a:avLst/>
@@ -4545,6 +4645,7 @@
                     <a:lumOff val="50000"/>
                   </a:schemeClr>
                 </a:solidFill>
+                <a:latin typeface="Sitka Banner" pitchFamily="2" charset="0"/>
               </a:rPr>
               <a:t>“As a </a:t>
             </a:r>
@@ -4556,6 +4657,7 @@
                     <a:lumOff val="50000"/>
                   </a:schemeClr>
                 </a:solidFill>
+                <a:latin typeface="Sitka Banner" pitchFamily="2" charset="0"/>
               </a:rPr>
               <a:t>final</a:t>
             </a:r>
@@ -4567,6 +4669,7 @@
                     <a:lumOff val="50000"/>
                   </a:schemeClr>
                 </a:solidFill>
+                <a:latin typeface="Sitka Banner" pitchFamily="2" charset="0"/>
               </a:rPr>
               <a:t> step, </a:t>
             </a:r>
@@ -4578,6 +4681,7 @@
                     <a:lumOff val="50000"/>
                   </a:schemeClr>
                 </a:solidFill>
+                <a:latin typeface="Sitka Banner" pitchFamily="2" charset="0"/>
               </a:rPr>
               <a:t>the</a:t>
             </a:r>
@@ -4589,6 +4693,7 @@
                     <a:lumOff val="50000"/>
                   </a:schemeClr>
                 </a:solidFill>
+                <a:latin typeface="Sitka Banner" pitchFamily="2" charset="0"/>
               </a:rPr>
               <a:t> </a:t>
             </a:r>
@@ -4600,6 +4705,7 @@
                     <a:lumOff val="50000"/>
                   </a:schemeClr>
                 </a:solidFill>
+                <a:latin typeface="Sitka Banner" pitchFamily="2" charset="0"/>
               </a:rPr>
               <a:t>creator</a:t>
             </a:r>
@@ -4611,6 +4717,7 @@
                     <a:lumOff val="50000"/>
                   </a:schemeClr>
                 </a:solidFill>
+                <a:latin typeface="Sitka Banner" pitchFamily="2" charset="0"/>
               </a:rPr>
               <a:t> of a </a:t>
             </a:r>
@@ -4622,6 +4729,7 @@
                     <a:lumOff val="50000"/>
                   </a:schemeClr>
                 </a:solidFill>
+                <a:latin typeface="Sitka Banner" pitchFamily="2" charset="0"/>
               </a:rPr>
               <a:t>resolved</a:t>
             </a:r>
@@ -4633,6 +4741,7 @@
                     <a:lumOff val="50000"/>
                   </a:schemeClr>
                 </a:solidFill>
+                <a:latin typeface="Sitka Banner" pitchFamily="2" charset="0"/>
               </a:rPr>
               <a:t> bug report </a:t>
             </a:r>
@@ -4644,6 +4753,7 @@
                     <a:lumOff val="50000"/>
                   </a:schemeClr>
                 </a:solidFill>
+                <a:latin typeface="Sitka Banner" pitchFamily="2" charset="0"/>
               </a:rPr>
               <a:t>can</a:t>
             </a:r>
@@ -4655,6 +4765,7 @@
                     <a:lumOff val="50000"/>
                   </a:schemeClr>
                 </a:solidFill>
+                <a:latin typeface="Sitka Banner" pitchFamily="2" charset="0"/>
               </a:rPr>
               <a:t> close </a:t>
             </a:r>
@@ -4666,6 +4777,7 @@
                     <a:lumOff val="50000"/>
                   </a:schemeClr>
                 </a:solidFill>
+                <a:latin typeface="Sitka Banner" pitchFamily="2" charset="0"/>
               </a:rPr>
               <a:t>it</a:t>
             </a:r>
@@ -4677,6 +4789,7 @@
                     <a:lumOff val="50000"/>
                   </a:schemeClr>
                 </a:solidFill>
+                <a:latin typeface="Sitka Banner" pitchFamily="2" charset="0"/>
               </a:rPr>
               <a:t> (i.e. </a:t>
             </a:r>
@@ -4688,6 +4801,7 @@
                     <a:lumOff val="50000"/>
                   </a:schemeClr>
                 </a:solidFill>
+                <a:latin typeface="Sitka Banner" pitchFamily="2" charset="0"/>
               </a:rPr>
               <a:t>assign</a:t>
             </a:r>
@@ -4699,6 +4813,7 @@
                     <a:lumOff val="50000"/>
                   </a:schemeClr>
                 </a:solidFill>
+                <a:latin typeface="Sitka Banner" pitchFamily="2" charset="0"/>
               </a:rPr>
               <a:t> </a:t>
             </a:r>
@@ -4710,6 +4825,7 @@
                     <a:lumOff val="50000"/>
                   </a:schemeClr>
                 </a:solidFill>
+                <a:latin typeface="Sitka Banner" pitchFamily="2" charset="0"/>
               </a:rPr>
               <a:t>the</a:t>
             </a:r>
@@ -4721,6 +4837,7 @@
                     <a:lumOff val="50000"/>
                   </a:schemeClr>
                 </a:solidFill>
+                <a:latin typeface="Sitka Banner" pitchFamily="2" charset="0"/>
               </a:rPr>
               <a:t> tag Closed) </a:t>
             </a:r>
@@ -4732,6 +4849,7 @@
                     <a:lumOff val="50000"/>
                   </a:schemeClr>
                 </a:solidFill>
+                <a:latin typeface="Sitka Banner" pitchFamily="2" charset="0"/>
               </a:rPr>
               <a:t>by</a:t>
             </a:r>
@@ -4743,6 +4861,7 @@
                     <a:lumOff val="50000"/>
                   </a:schemeClr>
                 </a:solidFill>
+                <a:latin typeface="Sitka Banner" pitchFamily="2" charset="0"/>
               </a:rPr>
               <a:t> </a:t>
             </a:r>
@@ -4754,6 +4873,7 @@
                     <a:lumOff val="50000"/>
                   </a:schemeClr>
                 </a:solidFill>
+                <a:latin typeface="Sitka Banner" pitchFamily="2" charset="0"/>
               </a:rPr>
               <a:t>specifying</a:t>
             </a:r>
@@ -4765,6 +4885,7 @@
                     <a:lumOff val="50000"/>
                   </a:schemeClr>
                 </a:solidFill>
+                <a:latin typeface="Sitka Banner" pitchFamily="2" charset="0"/>
               </a:rPr>
               <a:t> </a:t>
             </a:r>
@@ -4776,6 +4897,7 @@
                     <a:lumOff val="50000"/>
                   </a:schemeClr>
                 </a:solidFill>
+                <a:latin typeface="Sitka Banner" pitchFamily="2" charset="0"/>
               </a:rPr>
               <a:t>how</a:t>
             </a:r>
@@ -4787,6 +4909,7 @@
                     <a:lumOff val="50000"/>
                   </a:schemeClr>
                 </a:solidFill>
+                <a:latin typeface="Sitka Banner" pitchFamily="2" charset="0"/>
               </a:rPr>
               <a:t> </a:t>
             </a:r>
@@ -4798,6 +4921,7 @@
                     <a:lumOff val="50000"/>
                   </a:schemeClr>
                 </a:solidFill>
+                <a:latin typeface="Sitka Banner" pitchFamily="2" charset="0"/>
               </a:rPr>
               <a:t>satisfied</a:t>
             </a:r>
@@ -4809,6 +4933,7 @@
                     <a:lumOff val="50000"/>
                   </a:schemeClr>
                 </a:solidFill>
+                <a:latin typeface="Sitka Banner" pitchFamily="2" charset="0"/>
               </a:rPr>
               <a:t> he is </a:t>
             </a:r>
@@ -4820,6 +4945,7 @@
                     <a:lumOff val="50000"/>
                   </a:schemeClr>
                 </a:solidFill>
+                <a:latin typeface="Sitka Banner" pitchFamily="2" charset="0"/>
               </a:rPr>
               <a:t>with</a:t>
             </a:r>
@@ -4831,6 +4957,7 @@
                     <a:lumOff val="50000"/>
                   </a:schemeClr>
                 </a:solidFill>
+                <a:latin typeface="Sitka Banner" pitchFamily="2" charset="0"/>
               </a:rPr>
               <a:t> </a:t>
             </a:r>
@@ -4842,6 +4969,7 @@
                     <a:lumOff val="50000"/>
                   </a:schemeClr>
                 </a:solidFill>
+                <a:latin typeface="Sitka Banner" pitchFamily="2" charset="0"/>
               </a:rPr>
               <a:t>the</a:t>
             </a:r>
@@ -4853,6 +4981,7 @@
                     <a:lumOff val="50000"/>
                   </a:schemeClr>
                 </a:solidFill>
+                <a:latin typeface="Sitka Banner" pitchFamily="2" charset="0"/>
               </a:rPr>
               <a:t> solution.”</a:t>
             </a:r>
@@ -4881,7 +5010,7 @@
             </a:clrChange>
             <a:extLst>
               <a:ext uri="{28A0092B-C50C-407E-A947-70E740481C1C}">
-                <a14:useLocalDpi xmlns:a14="http://schemas.microsoft.com/office/drawing/2010/main" val="0"/>
+                <a14:useLocalDpi xmlns:a14="http://schemas.microsoft.com/office/drawing/2010/main" xmlns="" val="0"/>
               </a:ext>
             </a:extLst>
           </a:blip>
@@ -4891,7 +5020,7 @@
         </p:blipFill>
         <p:spPr>
           <a:xfrm>
-            <a:off x="107504" y="3259615"/>
+            <a:off x="107504" y="3403631"/>
             <a:ext cx="8964488" cy="2617657"/>
           </a:xfrm>
           <a:prstGeom prst="rect">
@@ -4902,7 +5031,7 @@
     </p:spTree>
     <p:extLst>
       <p:ext uri="{BB962C8B-B14F-4D97-AF65-F5344CB8AC3E}">
-        <p14:creationId xmlns:p14="http://schemas.microsoft.com/office/powerpoint/2010/main" val="1938140659"/>
+        <p14:creationId xmlns:p14="http://schemas.microsoft.com/office/powerpoint/2010/main" xmlns="" val="1938140659"/>
       </p:ext>
     </p:extLst>
   </p:cSld>
@@ -5024,8 +5153,8 @@
         </p:nvSpPr>
         <p:spPr>
           <a:xfrm>
-            <a:off x="457200" y="1600200"/>
-            <a:ext cx="8229600" cy="4525963"/>
+            <a:off x="395536" y="2060848"/>
+            <a:ext cx="4186808" cy="3672408"/>
           </a:xfrm>
         </p:spPr>
         <p:txBody>
@@ -5038,51 +5167,33 @@
               <a:buNone/>
             </a:pPr>
             <a:r>
-              <a:rPr lang="nl-BE" sz="2800" dirty="0" err="1" smtClean="0">
-                <a:latin typeface="Sitka Display" pitchFamily="2" charset="0"/>
-              </a:rPr>
-              <a:t>Milestone</a:t>
-            </a:r>
-            <a:r>
-              <a:rPr lang="nl-BE" sz="2800" dirty="0" smtClean="0">
-                <a:latin typeface="Sitka Display" pitchFamily="2" charset="0"/>
-              </a:rPr>
-              <a:t> = apart object</a:t>
+              <a:rPr lang="nl-BE" sz="2000" dirty="0" smtClean="0">
+                <a:latin typeface="Sitka Banner" pitchFamily="2" charset="0"/>
+              </a:rPr>
+              <a:t>Milestone = apart object</a:t>
             </a:r>
             <a:br>
-              <a:rPr lang="nl-BE" sz="2800" dirty="0" smtClean="0">
-                <a:latin typeface="Sitka Display" pitchFamily="2" charset="0"/>
+              <a:rPr lang="nl-BE" sz="2000" dirty="0" smtClean="0">
+                <a:latin typeface="Sitka Banner" pitchFamily="2" charset="0"/>
               </a:rPr>
             </a:br>
             <a:r>
-              <a:rPr lang="nl-BE" sz="2800" dirty="0" smtClean="0">
-                <a:latin typeface="Sitka Display" pitchFamily="2" charset="0"/>
+              <a:rPr lang="nl-BE" sz="2000" dirty="0" smtClean="0">
+                <a:latin typeface="Sitka Banner" pitchFamily="2" charset="0"/>
               </a:rPr>
               <a:t>Toegewezen aan project, </a:t>
             </a:r>
             <a:r>
-              <a:rPr lang="nl-BE" sz="2800" dirty="0" err="1" smtClean="0">
-                <a:latin typeface="Sitka Display" pitchFamily="2" charset="0"/>
-              </a:rPr>
-              <a:t>subsystem</a:t>
-            </a:r>
-            <a:r>
-              <a:rPr lang="nl-BE" sz="2800" dirty="0" smtClean="0">
-                <a:latin typeface="Sitka Display" pitchFamily="2" charset="0"/>
-              </a:rPr>
-              <a:t> of bug report (Target </a:t>
-            </a:r>
-            <a:r>
-              <a:rPr lang="nl-BE" sz="2800" dirty="0" err="1" smtClean="0">
-                <a:latin typeface="Sitka Display" pitchFamily="2" charset="0"/>
-              </a:rPr>
-              <a:t>milestone</a:t>
-            </a:r>
-            <a:r>
-              <a:rPr lang="nl-BE" sz="2800" dirty="0" smtClean="0">
-                <a:latin typeface="Sitka Display" pitchFamily="2" charset="0"/>
-              </a:rPr>
-              <a:t>)</a:t>
+              <a:rPr lang="nl-BE" sz="2000" dirty="0" smtClean="0">
+                <a:latin typeface="Sitka Banner" pitchFamily="2" charset="0"/>
+              </a:rPr>
+              <a:t>subsystem </a:t>
+            </a:r>
+            <a:r>
+              <a:rPr lang="nl-BE" sz="2000" dirty="0" smtClean="0">
+                <a:latin typeface="Sitka Banner" pitchFamily="2" charset="0"/>
+              </a:rPr>
+              <a:t>of bug report (Target milestone)</a:t>
             </a:r>
           </a:p>
           <a:p>
@@ -5090,80 +5201,40 @@
               <a:buNone/>
             </a:pPr>
             <a:r>
-              <a:rPr lang="nl-BE" sz="2800" dirty="0" smtClean="0">
-                <a:latin typeface="Sitka Display" pitchFamily="2" charset="0"/>
-              </a:rPr>
-              <a:t>Apart object voor target </a:t>
-            </a:r>
-            <a:r>
-              <a:rPr lang="nl-BE" sz="2800" dirty="0" err="1" smtClean="0">
-                <a:latin typeface="Sitka Display" pitchFamily="2" charset="0"/>
-              </a:rPr>
-              <a:t>milestone</a:t>
-            </a:r>
-            <a:r>
-              <a:rPr lang="nl-BE" sz="2800" dirty="0" smtClean="0">
-                <a:latin typeface="Sitka Display" pitchFamily="2" charset="0"/>
-              </a:rPr>
-              <a:t> </a:t>
-            </a:r>
-            <a:r>
-              <a:rPr lang="nl-BE" sz="2800" dirty="0" smtClean="0">
-                <a:latin typeface="Sitka Display" pitchFamily="2" charset="0"/>
-                <a:sym typeface="Wingdings" panose="05000000000000000000" pitchFamily="2" charset="2"/>
-              </a:rPr>
-              <a:t> is optioneel, wordt altijd geïnitialiseerd met gegeven </a:t>
-            </a:r>
-            <a:r>
-              <a:rPr lang="nl-BE" sz="2800" dirty="0" err="1" smtClean="0">
-                <a:latin typeface="Sitka Display" pitchFamily="2" charset="0"/>
-                <a:sym typeface="Wingdings" panose="05000000000000000000" pitchFamily="2" charset="2"/>
-              </a:rPr>
-              <a:t>milestone</a:t>
-            </a:r>
-            <a:r>
-              <a:rPr lang="nl-BE" sz="2800" dirty="0" smtClean="0">
-                <a:latin typeface="Sitka Display" pitchFamily="2" charset="0"/>
-                <a:sym typeface="Wingdings" panose="05000000000000000000" pitchFamily="2" charset="2"/>
-              </a:rPr>
-              <a:t> (</a:t>
-            </a:r>
-            <a:r>
-              <a:rPr lang="nl-BE" sz="2800" dirty="0" smtClean="0">
-                <a:latin typeface="Sitka Display"/>
-                <a:ea typeface="Cambria Math"/>
-                <a:sym typeface="Wingdings" panose="05000000000000000000" pitchFamily="2" charset="2"/>
-              </a:rPr>
-              <a:t>≠</a:t>
-            </a:r>
-            <a:r>
-              <a:rPr lang="nl-BE" sz="2800" dirty="0" smtClean="0">
-                <a:latin typeface="Cambria Math"/>
-                <a:ea typeface="Cambria Math"/>
-                <a:sym typeface="Wingdings" panose="05000000000000000000" pitchFamily="2" charset="2"/>
-              </a:rPr>
-              <a:t> </a:t>
-            </a:r>
-            <a:r>
-              <a:rPr lang="nl-BE" sz="2800" dirty="0" smtClean="0">
-                <a:latin typeface="Sitka Display"/>
-                <a:ea typeface="Cambria Math"/>
-                <a:sym typeface="Wingdings" panose="05000000000000000000" pitchFamily="2" charset="2"/>
-              </a:rPr>
-              <a:t>“M0”)</a:t>
-            </a:r>
+              <a:rPr lang="nl-BE" sz="2000" dirty="0" smtClean="0">
+                <a:latin typeface="Sitka Banner" pitchFamily="2" charset="0"/>
+              </a:rPr>
+              <a:t>Apart object voor target milestone </a:t>
+            </a:r>
+            <a:endParaRPr lang="nl-BE" sz="2000" dirty="0" smtClean="0">
+              <a:latin typeface="Sitka Banner" pitchFamily="2" charset="0"/>
+            </a:endParaRPr>
           </a:p>
           <a:p>
             <a:pPr marL="0" indent="0">
               <a:buNone/>
             </a:pPr>
             <a:r>
-              <a:rPr lang="nl-BE" sz="2800" dirty="0" smtClean="0">
-                <a:latin typeface="Sitka Display"/>
+              <a:rPr lang="nl-BE" sz="2000" dirty="0" smtClean="0">
+                <a:latin typeface="Sitka Banner" pitchFamily="2" charset="0"/>
+                <a:sym typeface="Wingdings" panose="05000000000000000000" pitchFamily="2" charset="2"/>
+              </a:rPr>
+              <a:t> </a:t>
+            </a:r>
+            <a:r>
+              <a:rPr lang="nl-BE" sz="2000" dirty="0" smtClean="0">
+                <a:latin typeface="Sitka Banner" pitchFamily="2" charset="0"/>
+                <a:sym typeface="Wingdings" panose="05000000000000000000" pitchFamily="2" charset="2"/>
+              </a:rPr>
+              <a:t>is optioneel, wordt altijd geïnitialiseerd met gegeven milestone (</a:t>
+            </a:r>
+            <a:r>
+              <a:rPr lang="nl-BE" sz="2000" dirty="0" smtClean="0">
+                <a:latin typeface="Sitka Banner" pitchFamily="2" charset="0"/>
                 <a:ea typeface="Cambria Math"/>
                 <a:sym typeface="Wingdings" panose="05000000000000000000" pitchFamily="2" charset="2"/>
               </a:rPr>
-              <a:t>Container  nodig voor constraints</a:t>
+              <a:t>≠ “M0”)</a:t>
             </a:r>
           </a:p>
           <a:p>
@@ -5171,38 +5242,37 @@
               <a:buNone/>
             </a:pPr>
             <a:r>
-              <a:rPr lang="nl-BE" sz="2800" dirty="0" smtClean="0">
-                <a:latin typeface="Sitka Display"/>
+              <a:rPr lang="nl-BE" sz="2000" dirty="0" smtClean="0">
+                <a:latin typeface="Sitka Banner" pitchFamily="2" charset="0"/>
                 <a:ea typeface="Cambria Math"/>
                 <a:sym typeface="Wingdings" panose="05000000000000000000" pitchFamily="2" charset="2"/>
               </a:rPr>
-              <a:t>Helper  checken van constraints</a:t>
-            </a:r>
-            <a:endParaRPr lang="nl-BE" sz="2800" dirty="0" smtClean="0">
-              <a:latin typeface="Sitka Display" pitchFamily="2" charset="0"/>
-            </a:endParaRPr>
+              <a:t>Container  nodig voor constraints</a:t>
+            </a:r>
           </a:p>
           <a:p>
             <a:pPr marL="0" indent="0">
               <a:buNone/>
             </a:pPr>
-            <a:endParaRPr lang="nl-BE" sz="2800" dirty="0" smtClean="0">
-              <a:latin typeface="Sitka Display" pitchFamily="2" charset="0"/>
+            <a:r>
+              <a:rPr lang="nl-BE" sz="2000" dirty="0" smtClean="0">
+                <a:latin typeface="Sitka Banner" pitchFamily="2" charset="0"/>
+                <a:ea typeface="Cambria Math"/>
+                <a:sym typeface="Wingdings" panose="05000000000000000000" pitchFamily="2" charset="2"/>
+              </a:rPr>
+              <a:t>Helper  checken van </a:t>
+            </a:r>
+            <a:r>
+              <a:rPr lang="nl-BE" sz="2000" dirty="0" smtClean="0">
+                <a:latin typeface="Sitka Banner" pitchFamily="2" charset="0"/>
+                <a:ea typeface="Cambria Math"/>
+                <a:sym typeface="Wingdings" panose="05000000000000000000" pitchFamily="2" charset="2"/>
+              </a:rPr>
+              <a:t>constraints</a:t>
+            </a:r>
+            <a:endParaRPr lang="nl-BE" sz="2000" dirty="0" smtClean="0">
+              <a:latin typeface="Sitka Banner" pitchFamily="2" charset="0"/>
             </a:endParaRPr>
-          </a:p>
-          <a:p>
-            <a:pPr marL="0" indent="0">
-              <a:buNone/>
-            </a:pPr>
-            <a:endParaRPr lang="nl-BE" sz="2400" dirty="0" smtClean="0">
-              <a:latin typeface="Sitka Display" pitchFamily="2" charset="0"/>
-            </a:endParaRPr>
-          </a:p>
-          <a:p>
-            <a:pPr marL="0" indent="0">
-              <a:buNone/>
-            </a:pPr>
-            <a:endParaRPr lang="nl-BE" sz="2800" dirty="0"/>
           </a:p>
         </p:txBody>
       </p:sp>
@@ -5215,7 +5285,7 @@
           <p:nvPr/>
         </p:nvPicPr>
         <p:blipFill>
-          <a:blip r:embed="rId2">
+          <a:blip r:embed="rId2" cstate="print">
             <a:clrChange>
               <a:clrFrom>
                 <a:srgbClr val="FFFFFF"/>
@@ -5228,7 +5298,7 @@
             </a:clrChange>
             <a:extLst>
               <a:ext uri="{28A0092B-C50C-407E-A947-70E740481C1C}">
-                <a14:useLocalDpi xmlns:a14="http://schemas.microsoft.com/office/drawing/2010/main" val="0"/>
+                <a14:useLocalDpi xmlns:a14="http://schemas.microsoft.com/office/drawing/2010/main" xmlns="" val="0"/>
               </a:ext>
             </a:extLst>
           </a:blip>
@@ -5239,7 +5309,7 @@
         </p:blipFill>
         <p:spPr bwMode="auto">
           <a:xfrm>
-            <a:off x="4724400" y="3153544"/>
+            <a:off x="4572000" y="1772816"/>
             <a:ext cx="4391025" cy="3657600"/>
           </a:xfrm>
           <a:prstGeom prst="rect">
@@ -5248,7 +5318,7 @@
           <a:noFill/>
           <a:extLst>
             <a:ext uri="{909E8E84-426E-40DD-AFC4-6F175D3DCCD1}">
-              <a14:hiddenFill xmlns:a14="http://schemas.microsoft.com/office/drawing/2010/main">
+              <a14:hiddenFill xmlns:a14="http://schemas.microsoft.com/office/drawing/2010/main" xmlns="">
                 <a:solidFill>
                   <a:srgbClr val="FFFFFF"/>
                 </a:solidFill>
@@ -5260,7 +5330,7 @@
     </p:spTree>
     <p:extLst>
       <p:ext uri="{BB962C8B-B14F-4D97-AF65-F5344CB8AC3E}">
-        <p14:creationId xmlns:p14="http://schemas.microsoft.com/office/powerpoint/2010/main" val="378156031"/>
+        <p14:creationId xmlns:p14="http://schemas.microsoft.com/office/powerpoint/2010/main" xmlns="" val="378156031"/>
       </p:ext>
     </p:extLst>
   </p:cSld>
@@ -5327,7 +5397,7 @@
           <a:blip r:embed="rId2" cstate="print">
             <a:extLst>
               <a:ext uri="{28A0092B-C50C-407E-A947-70E740481C1C}">
-                <a14:useLocalDpi xmlns:a14="http://schemas.microsoft.com/office/drawing/2010/main" val="0"/>
+                <a14:useLocalDpi xmlns:a14="http://schemas.microsoft.com/office/drawing/2010/main" xmlns="" val="0"/>
               </a:ext>
             </a:extLst>
           </a:blip>
@@ -5345,7 +5415,7 @@
     </p:spTree>
     <p:extLst>
       <p:ext uri="{BB962C8B-B14F-4D97-AF65-F5344CB8AC3E}">
-        <p14:creationId xmlns:p14="http://schemas.microsoft.com/office/powerpoint/2010/main" val="1319242908"/>
+        <p14:creationId xmlns:p14="http://schemas.microsoft.com/office/powerpoint/2010/main" xmlns="" val="1319242908"/>
       </p:ext>
     </p:extLst>
   </p:cSld>
@@ -5412,7 +5482,7 @@
           <a:blip r:embed="rId2" cstate="print">
             <a:extLst>
               <a:ext uri="{28A0092B-C50C-407E-A947-70E740481C1C}">
-                <a14:useLocalDpi xmlns:a14="http://schemas.microsoft.com/office/drawing/2010/main" val="0"/>
+                <a14:useLocalDpi xmlns:a14="http://schemas.microsoft.com/office/drawing/2010/main" xmlns="" val="0"/>
               </a:ext>
             </a:extLst>
           </a:blip>
@@ -5430,7 +5500,7 @@
     </p:spTree>
     <p:extLst>
       <p:ext uri="{BB962C8B-B14F-4D97-AF65-F5344CB8AC3E}">
-        <p14:creationId xmlns:p14="http://schemas.microsoft.com/office/powerpoint/2010/main" val="1968202226"/>
+        <p14:creationId xmlns:p14="http://schemas.microsoft.com/office/powerpoint/2010/main" xmlns="" val="1968202226"/>
       </p:ext>
     </p:extLst>
   </p:cSld>
@@ -5531,27 +5601,36 @@
         </p:nvSpPr>
         <p:spPr>
           <a:xfrm>
-            <a:off x="539552" y="1844824"/>
+            <a:off x="539552" y="1556792"/>
             <a:ext cx="8229600" cy="4525963"/>
           </a:xfrm>
         </p:spPr>
         <p:txBody>
           <a:bodyPr>
-            <a:normAutofit/>
+            <a:normAutofit lnSpcReduction="10000"/>
           </a:bodyPr>
           <a:lstStyle/>
           <a:p>
             <a:r>
               <a:rPr lang="en-US" sz="2400" dirty="0" smtClean="0">
-                <a:latin typeface="Sitka Display" pitchFamily="2" charset="0"/>
-              </a:rPr>
-              <a:t>It’s easier to add use cases than last time</a:t>
-            </a:r>
-          </a:p>
-          <a:p>
+                <a:latin typeface="Sitka Banner" pitchFamily="2" charset="0"/>
+              </a:rPr>
+              <a:t>Addin</a:t>
+            </a:r>
             <a:r>
               <a:rPr lang="en-US" sz="2400" dirty="0" smtClean="0">
-                <a:latin typeface="Sitka Display" pitchFamily="2" charset="0"/>
+                <a:latin typeface="Sitka Banner" pitchFamily="2" charset="0"/>
+              </a:rPr>
+              <a:t>g use cases</a:t>
+            </a:r>
+            <a:endParaRPr lang="en-US" sz="2400" dirty="0" smtClean="0">
+              <a:latin typeface="Sitka Banner" pitchFamily="2" charset="0"/>
+            </a:endParaRPr>
+          </a:p>
+          <a:p>
+            <a:r>
+              <a:rPr lang="en-US" sz="2400" dirty="0" smtClean="0">
+                <a:latin typeface="Sitka Banner" pitchFamily="2" charset="0"/>
               </a:rPr>
               <a:t>UI is still completely independent </a:t>
             </a:r>
@@ -5559,24 +5638,24 @@
           <a:p>
             <a:r>
               <a:rPr lang="en-US" sz="2400" dirty="0" smtClean="0">
-                <a:latin typeface="Sitka Display" pitchFamily="2" charset="0"/>
+                <a:latin typeface="Sitka Banner" pitchFamily="2" charset="0"/>
               </a:rPr>
               <a:t>Interface for the </a:t>
             </a:r>
             <a:r>
               <a:rPr lang="en-US" sz="2400" dirty="0" err="1" smtClean="0">
-                <a:latin typeface="Sitka Display" pitchFamily="2" charset="0"/>
+                <a:latin typeface="Sitka Banner" pitchFamily="2" charset="0"/>
               </a:rPr>
               <a:t>Initializer</a:t>
             </a:r>
             <a:endParaRPr lang="en-US" sz="2400" dirty="0" smtClean="0">
-              <a:latin typeface="Sitka Display" pitchFamily="2" charset="0"/>
+              <a:latin typeface="Sitka Banner" pitchFamily="2" charset="0"/>
             </a:endParaRPr>
           </a:p>
           <a:p>
             <a:r>
               <a:rPr lang="en-US" sz="2400" dirty="0" smtClean="0">
-                <a:latin typeface="Sitka Display" pitchFamily="2" charset="0"/>
+                <a:latin typeface="Sitka Banner" pitchFamily="2" charset="0"/>
               </a:rPr>
               <a:t>Adding constraints concerning tag</a:t>
             </a:r>
@@ -5584,15 +5663,27 @@
           <a:p>
             <a:r>
               <a:rPr lang="en-US" sz="2400" dirty="0" smtClean="0">
-                <a:latin typeface="Sitka Display" pitchFamily="2" charset="0"/>
-              </a:rPr>
-              <a:t>Adding new registration types = adding new observers</a:t>
-            </a:r>
-          </a:p>
-          <a:p>
+                <a:latin typeface="Sitka Banner" pitchFamily="2" charset="0"/>
+              </a:rPr>
+              <a:t>Adding new registration </a:t>
+            </a:r>
             <a:r>
               <a:rPr lang="en-US" sz="2400" dirty="0" smtClean="0">
-                <a:latin typeface="Sitka Display" pitchFamily="2" charset="0"/>
+                <a:latin typeface="Sitka Banner" pitchFamily="2" charset="0"/>
+              </a:rPr>
+              <a:t>types (for mailboxes) </a:t>
+            </a:r>
+            <a:r>
+              <a:rPr lang="en-US" sz="2400" dirty="0" smtClean="0">
+                <a:latin typeface="Sitka Banner" pitchFamily="2" charset="0"/>
+              </a:rPr>
+              <a:t>= adding new observers</a:t>
+            </a:r>
+          </a:p>
+          <a:p>
+            <a:r>
+              <a:rPr lang="en-US" sz="2400" dirty="0" smtClean="0">
+                <a:latin typeface="Sitka Banner" pitchFamily="2" charset="0"/>
               </a:rPr>
               <a:t>Search methods for bug reports</a:t>
             </a:r>
@@ -5600,33 +5691,35 @@
           <a:p>
             <a:r>
               <a:rPr lang="en-US" sz="2400" dirty="0" smtClean="0">
-                <a:latin typeface="Sitka Display" pitchFamily="2" charset="0"/>
+                <a:latin typeface="Sitka Banner" pitchFamily="2" charset="0"/>
               </a:rPr>
               <a:t>Adding new objects that could be undone</a:t>
             </a:r>
           </a:p>
           <a:p>
             <a:endParaRPr lang="en-US" sz="2400" dirty="0" smtClean="0">
-              <a:latin typeface="Sitka Display" pitchFamily="2" charset="0"/>
+              <a:latin typeface="Sitka Banner" pitchFamily="2" charset="0"/>
             </a:endParaRPr>
           </a:p>
           <a:p>
             <a:r>
               <a:rPr lang="en-US" sz="2400" dirty="0" smtClean="0">
-                <a:latin typeface="Sitka Display" pitchFamily="2" charset="0"/>
+                <a:latin typeface="Sitka Banner" pitchFamily="2" charset="0"/>
               </a:rPr>
               <a:t>It was easy to implement the changes from iteration 2 -&gt; great extensibility of our code from iteration 1</a:t>
             </a:r>
           </a:p>
           <a:p>
-            <a:endParaRPr lang="en-US" sz="2400" dirty="0"/>
+            <a:endParaRPr lang="en-US" sz="2400" dirty="0">
+              <a:latin typeface="Sitka Banner" pitchFamily="2" charset="0"/>
+            </a:endParaRPr>
           </a:p>
         </p:txBody>
       </p:sp>
     </p:spTree>
     <p:extLst>
       <p:ext uri="{BB962C8B-B14F-4D97-AF65-F5344CB8AC3E}">
-        <p14:creationId xmlns:p14="http://schemas.microsoft.com/office/powerpoint/2010/main" val="2444210159"/>
+        <p14:creationId xmlns:p14="http://schemas.microsoft.com/office/powerpoint/2010/main" xmlns="" val="2444210159"/>
       </p:ext>
     </p:extLst>
   </p:cSld>
@@ -5774,7 +5867,12 @@
             <p:ph idx="1"/>
           </p:nvPr>
         </p:nvSpPr>
-        <p:spPr/>
+        <p:spPr>
+          <a:xfrm>
+            <a:off x="518864" y="1600200"/>
+            <a:ext cx="8229600" cy="4525963"/>
+          </a:xfrm>
+        </p:spPr>
         <p:txBody>
           <a:bodyPr>
             <a:normAutofit/>
@@ -5783,40 +5881,40 @@
           <a:p>
             <a:r>
               <a:rPr lang="nl-BE" sz="2400" dirty="0" smtClean="0">
-                <a:latin typeface="Sitka Display" pitchFamily="2" charset="0"/>
-              </a:rPr>
-              <a:t>MailboxService creates Observers</a:t>
+                <a:latin typeface="Sitka Banner" pitchFamily="2" charset="0"/>
+              </a:rPr>
+              <a:t>Mailbox creates Observers, could be a task of the MailboxService</a:t>
             </a:r>
             <a:endParaRPr lang="nl-BE" sz="2000" dirty="0" smtClean="0">
-              <a:latin typeface="Sitka Display" pitchFamily="2" charset="0"/>
+              <a:latin typeface="Sitka Banner" pitchFamily="2" charset="0"/>
             </a:endParaRPr>
           </a:p>
           <a:p>
-            <a:endParaRPr lang="nl-BE" sz="2400" dirty="0"/>
+            <a:endParaRPr lang="nl-BE" sz="2400" dirty="0">
+              <a:latin typeface="Sitka Banner" pitchFamily="2" charset="0"/>
+            </a:endParaRPr>
           </a:p>
           <a:p>
             <a:r>
               <a:rPr lang="nl-BE" sz="2400" dirty="0" smtClean="0">
-                <a:latin typeface="Sitka Display" pitchFamily="2" charset="0"/>
-              </a:rPr>
-              <a:t>Milestone improvements in the code and structure</a:t>
+                <a:latin typeface="Sitka Banner" pitchFamily="2" charset="0"/>
+              </a:rPr>
+              <a:t>Milestone: </a:t>
+            </a:r>
+            <a:r>
+              <a:rPr lang="nl-BE" sz="2400" dirty="0" smtClean="0">
+                <a:latin typeface="Sitka Banner" pitchFamily="2" charset="0"/>
+              </a:rPr>
+              <a:t>improvements in the code and </a:t>
+            </a:r>
+            <a:r>
+              <a:rPr lang="nl-BE" sz="2400" dirty="0" smtClean="0">
+                <a:latin typeface="Sitka Banner" pitchFamily="2" charset="0"/>
+              </a:rPr>
+              <a:t>structure</a:t>
             </a:r>
             <a:endParaRPr lang="nl-BE" sz="2000" dirty="0" smtClean="0">
-              <a:latin typeface="Sitka Display" pitchFamily="2" charset="0"/>
-            </a:endParaRPr>
-          </a:p>
-          <a:p>
-            <a:endParaRPr lang="nl-BE" sz="2400" dirty="0"/>
-          </a:p>
-          <a:p>
-            <a:r>
-              <a:rPr lang="nl-BE" sz="2400" dirty="0" smtClean="0">
-                <a:latin typeface="Sitka Display" pitchFamily="2" charset="0"/>
-              </a:rPr>
-              <a:t>Setters &amp; Getters</a:t>
-            </a:r>
-            <a:endParaRPr lang="nl-BE" sz="2000" dirty="0" smtClean="0">
-              <a:latin typeface="Sitka Display" pitchFamily="2" charset="0"/>
+              <a:latin typeface="Sitka Banner" pitchFamily="2" charset="0"/>
             </a:endParaRPr>
           </a:p>
         </p:txBody>
@@ -5824,7 +5922,7 @@
     </p:spTree>
     <p:extLst>
       <p:ext uri="{BB962C8B-B14F-4D97-AF65-F5344CB8AC3E}">
-        <p14:creationId xmlns:p14="http://schemas.microsoft.com/office/powerpoint/2010/main" val="674970378"/>
+        <p14:creationId xmlns:p14="http://schemas.microsoft.com/office/powerpoint/2010/main" xmlns="" val="674970378"/>
       </p:ext>
     </p:extLst>
   </p:cSld>
@@ -5989,7 +6087,7 @@
     </p:spTree>
     <p:extLst>
       <p:ext uri="{BB962C8B-B14F-4D97-AF65-F5344CB8AC3E}">
-        <p14:creationId xmlns:p14="http://schemas.microsoft.com/office/powerpoint/2010/main" val="996989477"/>
+        <p14:creationId xmlns:p14="http://schemas.microsoft.com/office/powerpoint/2010/main" xmlns="" val="996989477"/>
       </p:ext>
     </p:extLst>
   </p:cSld>
@@ -6099,7 +6197,7 @@
           <a:blip r:embed="rId2" cstate="print">
             <a:extLst>
               <a:ext uri="{28A0092B-C50C-407E-A947-70E740481C1C}">
-                <a14:useLocalDpi xmlns:a14="http://schemas.microsoft.com/office/drawing/2010/main" val="0"/>
+                <a14:useLocalDpi xmlns:a14="http://schemas.microsoft.com/office/drawing/2010/main" xmlns="" val="0"/>
               </a:ext>
             </a:extLst>
           </a:blip>
@@ -6117,7 +6215,7 @@
     </p:spTree>
     <p:extLst>
       <p:ext uri="{BB962C8B-B14F-4D97-AF65-F5344CB8AC3E}">
-        <p14:creationId xmlns:p14="http://schemas.microsoft.com/office/powerpoint/2010/main" val="3176464878"/>
+        <p14:creationId xmlns:p14="http://schemas.microsoft.com/office/powerpoint/2010/main" xmlns="" val="3176464878"/>
       </p:ext>
     </p:extLst>
   </p:cSld>
@@ -6225,7 +6323,7 @@
           <a:blip r:embed="rId2" cstate="print">
             <a:extLst>
               <a:ext uri="{28A0092B-C50C-407E-A947-70E740481C1C}">
-                <a14:useLocalDpi xmlns:a14="http://schemas.microsoft.com/office/drawing/2010/main" val="0"/>
+                <a14:useLocalDpi xmlns:a14="http://schemas.microsoft.com/office/drawing/2010/main" xmlns="" val="0"/>
               </a:ext>
             </a:extLst>
           </a:blip>
@@ -6243,7 +6341,7 @@
           <a:noFill/>
           <a:extLst>
             <a:ext uri="{909E8E84-426E-40DD-AFC4-6F175D3DCCD1}">
-              <a14:hiddenFill xmlns:a14="http://schemas.microsoft.com/office/drawing/2010/main">
+              <a14:hiddenFill xmlns:a14="http://schemas.microsoft.com/office/drawing/2010/main" xmlns="">
                 <a:solidFill>
                   <a:srgbClr val="FFFFFF"/>
                 </a:solidFill>
@@ -6255,7 +6353,7 @@
     </p:spTree>
     <p:extLst>
       <p:ext uri="{BB962C8B-B14F-4D97-AF65-F5344CB8AC3E}">
-        <p14:creationId xmlns:p14="http://schemas.microsoft.com/office/powerpoint/2010/main" val="3405605565"/>
+        <p14:creationId xmlns:p14="http://schemas.microsoft.com/office/powerpoint/2010/main" xmlns="" val="3405605565"/>
       </p:ext>
     </p:extLst>
   </p:cSld>
@@ -6365,7 +6463,7 @@
           <p:nvPr/>
         </p:nvPicPr>
         <p:blipFill>
-          <a:blip r:embed="rId2">
+          <a:blip r:embed="rId2" cstate="print">
             <a:clrChange>
               <a:clrFrom>
                 <a:srgbClr val="FFFFFF"/>
@@ -6378,7 +6476,7 @@
             </a:clrChange>
             <a:extLst>
               <a:ext uri="{28A0092B-C50C-407E-A947-70E740481C1C}">
-                <a14:useLocalDpi xmlns:a14="http://schemas.microsoft.com/office/drawing/2010/main" val="0"/>
+                <a14:useLocalDpi xmlns:a14="http://schemas.microsoft.com/office/drawing/2010/main" xmlns="" val="0"/>
               </a:ext>
             </a:extLst>
           </a:blip>
@@ -6398,7 +6496,7 @@
           <a:noFill/>
           <a:extLst>
             <a:ext uri="{909E8E84-426E-40DD-AFC4-6F175D3DCCD1}">
-              <a14:hiddenFill xmlns:a14="http://schemas.microsoft.com/office/drawing/2010/main">
+              <a14:hiddenFill xmlns:a14="http://schemas.microsoft.com/office/drawing/2010/main" xmlns="">
                 <a:solidFill>
                   <a:srgbClr val="FFFFFF"/>
                 </a:solidFill>
@@ -6410,7 +6508,7 @@
     </p:spTree>
     <p:extLst>
       <p:ext uri="{BB962C8B-B14F-4D97-AF65-F5344CB8AC3E}">
-        <p14:creationId xmlns:p14="http://schemas.microsoft.com/office/powerpoint/2010/main" val="597274065"/>
+        <p14:creationId xmlns:p14="http://schemas.microsoft.com/office/powerpoint/2010/main" xmlns="" val="597274065"/>
       </p:ext>
     </p:extLst>
   </p:cSld>
@@ -6453,7 +6551,7 @@
         <p:spPr/>
         <p:txBody>
           <a:bodyPr>
-            <a:normAutofit/>
+            <a:normAutofit fontScale="90000"/>
           </a:bodyPr>
           <a:lstStyle/>
           <a:p>
@@ -6848,7 +6946,7 @@
     </p:spTree>
     <p:extLst>
       <p:ext uri="{BB962C8B-B14F-4D97-AF65-F5344CB8AC3E}">
-        <p14:creationId xmlns:p14="http://schemas.microsoft.com/office/powerpoint/2010/main" val="1581702792"/>
+        <p14:creationId xmlns:p14="http://schemas.microsoft.com/office/powerpoint/2010/main" xmlns="" val="1581702792"/>
       </p:ext>
     </p:extLst>
   </p:cSld>
@@ -6895,7 +6993,7 @@
             <p:ph idx="1"/>
             <p:extLst>
               <p:ext uri="{D42A27DB-BD31-4B8C-83A1-F6EECF244321}">
-                <p14:modId xmlns:p14="http://schemas.microsoft.com/office/powerpoint/2010/main" val="3072315139"/>
+                <p14:modId xmlns:p14="http://schemas.microsoft.com/office/powerpoint/2010/main" xmlns="" val="3072315139"/>
               </p:ext>
             </p:extLst>
           </p:nvPr>
@@ -6914,28 +7012,28 @@
                 <a:gridCol w="2057400">
                   <a:extLst>
                     <a:ext uri="{9D8B030D-6E8A-4147-A177-3AD203B41FA5}">
-                      <a16:colId xmlns:a16="http://schemas.microsoft.com/office/drawing/2014/main" xmlns="" val="4022630451"/>
+                      <a16:colId xmlns="" xmlns:a16="http://schemas.microsoft.com/office/drawing/2014/main" val="4022630451"/>
                     </a:ext>
                   </a:extLst>
                 </a:gridCol>
                 <a:gridCol w="2057400">
                   <a:extLst>
                     <a:ext uri="{9D8B030D-6E8A-4147-A177-3AD203B41FA5}">
-                      <a16:colId xmlns:a16="http://schemas.microsoft.com/office/drawing/2014/main" xmlns="" val="1276862258"/>
+                      <a16:colId xmlns="" xmlns:a16="http://schemas.microsoft.com/office/drawing/2014/main" val="1276862258"/>
                     </a:ext>
                   </a:extLst>
                 </a:gridCol>
                 <a:gridCol w="2057400">
                   <a:extLst>
                     <a:ext uri="{9D8B030D-6E8A-4147-A177-3AD203B41FA5}">
-                      <a16:colId xmlns:a16="http://schemas.microsoft.com/office/drawing/2014/main" xmlns="" val="670422697"/>
+                      <a16:colId xmlns="" xmlns:a16="http://schemas.microsoft.com/office/drawing/2014/main" val="670422697"/>
                     </a:ext>
                   </a:extLst>
                 </a:gridCol>
                 <a:gridCol w="2057400">
                   <a:extLst>
                     <a:ext uri="{9D8B030D-6E8A-4147-A177-3AD203B41FA5}">
-                      <a16:colId xmlns:a16="http://schemas.microsoft.com/office/drawing/2014/main" xmlns="" val="3836214712"/>
+                      <a16:colId xmlns="" xmlns:a16="http://schemas.microsoft.com/office/drawing/2014/main" val="3836214712"/>
                     </a:ext>
                   </a:extLst>
                 </a:gridCol>
@@ -7007,7 +7105,7 @@
                 </a:tc>
                 <a:extLst>
                   <a:ext uri="{0D108BD9-81ED-4DB2-BD59-A6C34878D82A}">
-                    <a16:rowId xmlns:a16="http://schemas.microsoft.com/office/drawing/2014/main" xmlns="" val="2789307922"/>
+                    <a16:rowId xmlns="" xmlns:a16="http://schemas.microsoft.com/office/drawing/2014/main" val="2789307922"/>
                   </a:ext>
                 </a:extLst>
               </a:tr>
@@ -7123,7 +7221,7 @@
                 </a:tc>
                 <a:extLst>
                   <a:ext uri="{0D108BD9-81ED-4DB2-BD59-A6C34878D82A}">
-                    <a16:rowId xmlns:a16="http://schemas.microsoft.com/office/drawing/2014/main" xmlns="" val="3498730236"/>
+                    <a16:rowId xmlns="" xmlns:a16="http://schemas.microsoft.com/office/drawing/2014/main" val="3498730236"/>
                   </a:ext>
                 </a:extLst>
               </a:tr>
@@ -7194,7 +7292,7 @@
                 </a:tc>
                 <a:extLst>
                   <a:ext uri="{0D108BD9-81ED-4DB2-BD59-A6C34878D82A}">
-                    <a16:rowId xmlns:a16="http://schemas.microsoft.com/office/drawing/2014/main" xmlns="" val="4013628509"/>
+                    <a16:rowId xmlns="" xmlns:a16="http://schemas.microsoft.com/office/drawing/2014/main" val="4013628509"/>
                   </a:ext>
                 </a:extLst>
               </a:tr>
@@ -7269,7 +7367,7 @@
                 </a:tc>
                 <a:extLst>
                   <a:ext uri="{0D108BD9-81ED-4DB2-BD59-A6C34878D82A}">
-                    <a16:rowId xmlns:a16="http://schemas.microsoft.com/office/drawing/2014/main" xmlns="" val="1545046261"/>
+                    <a16:rowId xmlns="" xmlns:a16="http://schemas.microsoft.com/office/drawing/2014/main" val="1545046261"/>
                   </a:ext>
                 </a:extLst>
               </a:tr>
@@ -7360,7 +7458,7 @@
     </p:spTree>
     <p:extLst>
       <p:ext uri="{BB962C8B-B14F-4D97-AF65-F5344CB8AC3E}">
-        <p14:creationId xmlns:p14="http://schemas.microsoft.com/office/powerpoint/2010/main" val="152465229"/>
+        <p14:creationId xmlns:p14="http://schemas.microsoft.com/office/powerpoint/2010/main" xmlns="" val="152465229"/>
       </p:ext>
     </p:extLst>
   </p:cSld>
@@ -7470,7 +7568,7 @@
           <p:nvPr/>
         </p:nvPicPr>
         <p:blipFill>
-          <a:blip r:embed="rId2">
+          <a:blip r:embed="rId2" cstate="print">
             <a:clrChange>
               <a:clrFrom>
                 <a:srgbClr val="FFFFFF"/>
@@ -7483,7 +7581,7 @@
             </a:clrChange>
             <a:extLst>
               <a:ext uri="{28A0092B-C50C-407E-A947-70E740481C1C}">
-                <a14:useLocalDpi xmlns:a14="http://schemas.microsoft.com/office/drawing/2010/main" val="0"/>
+                <a14:useLocalDpi xmlns:a14="http://schemas.microsoft.com/office/drawing/2010/main" xmlns="" val="0"/>
               </a:ext>
             </a:extLst>
           </a:blip>
@@ -7503,7 +7601,7 @@
           <a:noFill/>
           <a:extLst>
             <a:ext uri="{909E8E84-426E-40DD-AFC4-6F175D3DCCD1}">
-              <a14:hiddenFill xmlns:a14="http://schemas.microsoft.com/office/drawing/2010/main">
+              <a14:hiddenFill xmlns:a14="http://schemas.microsoft.com/office/drawing/2010/main" xmlns="">
                 <a:solidFill>
                   <a:srgbClr val="FFFFFF"/>
                 </a:solidFill>
@@ -7521,7 +7619,7 @@
         <p:spPr>
           <a:xfrm>
             <a:off x="5220072" y="1094834"/>
-            <a:ext cx="3744416" cy="2352973"/>
+            <a:ext cx="3744416" cy="2290227"/>
           </a:xfrm>
           <a:prstGeom prst="roundRect">
             <a:avLst>
@@ -7552,98 +7650,80 @@
           </a:bodyPr>
           <a:lstStyle/>
           <a:p>
-            <a:pPr marL="342900" indent="-342900">
-              <a:buFont typeface="Arial" panose="020B0604020202020204" pitchFamily="34" charset="0"/>
+            <a:pPr marL="285750" indent="-285750">
+              <a:buFont typeface="Arial" pitchFamily="34" charset="0"/>
               <a:buChar char="•"/>
             </a:pPr>
             <a:r>
-              <a:rPr lang="nl-BE" sz="2400" dirty="0" smtClean="0">
-                <a:latin typeface="Sitka Display" pitchFamily="2" charset="0"/>
-              </a:rPr>
-              <a:t>Onderscheid van </a:t>
-            </a:r>
-            <a:r>
-              <a:rPr lang="nl-BE" sz="2400" dirty="0" err="1" smtClean="0">
-                <a:latin typeface="Sitka Display" pitchFamily="2" charset="0"/>
-              </a:rPr>
-              <a:t>use</a:t>
-            </a:r>
-            <a:r>
-              <a:rPr lang="nl-BE" sz="2400" dirty="0" smtClean="0">
-                <a:latin typeface="Sitka Display" pitchFamily="2" charset="0"/>
-              </a:rPr>
-              <a:t> cases in aparte packages</a:t>
-            </a:r>
-            <a:endParaRPr lang="nl-BE" sz="2400" dirty="0" smtClean="0">
-              <a:latin typeface="Sitka Display" pitchFamily="2" charset="0"/>
+              <a:rPr lang="nl-BE" sz="2000" dirty="0" smtClean="0">
+                <a:latin typeface="Sitka Banner" pitchFamily="2" charset="0"/>
+              </a:rPr>
+              <a:t>Onderscheid van use cases in aparte </a:t>
+            </a:r>
+            <a:r>
+              <a:rPr lang="nl-BE" sz="2000" dirty="0" smtClean="0">
+                <a:latin typeface="Sitka Banner" pitchFamily="2" charset="0"/>
+              </a:rPr>
+              <a:t>packages</a:t>
+            </a:r>
+            <a:endParaRPr lang="nl-BE" sz="2000" dirty="0" smtClean="0">
+              <a:latin typeface="Sitka Banner" pitchFamily="2" charset="0"/>
             </a:endParaRPr>
           </a:p>
           <a:p>
             <a:pPr marL="285750" indent="-285750">
-              <a:buFont typeface="Arial" panose="020B0604020202020204" pitchFamily="34" charset="0"/>
+              <a:buFont typeface="Arial" pitchFamily="34" charset="0"/>
               <a:buChar char="•"/>
             </a:pPr>
             <a:r>
-              <a:rPr lang="nl-BE" sz="2400" dirty="0" smtClean="0">
-                <a:latin typeface="Sitka Display" pitchFamily="2" charset="0"/>
-              </a:rPr>
-              <a:t>Uitbreiding van </a:t>
-            </a:r>
-            <a:r>
-              <a:rPr lang="nl-BE" sz="2400" dirty="0" err="1" smtClean="0">
-                <a:latin typeface="Sitka Display" pitchFamily="2" charset="0"/>
-              </a:rPr>
-              <a:t>domeinlaag</a:t>
-            </a:r>
-            <a:r>
-              <a:rPr lang="nl-BE" sz="2400" dirty="0" smtClean="0">
-                <a:latin typeface="Sitka Display" pitchFamily="2" charset="0"/>
-              </a:rPr>
-              <a:t>: Mailbox, </a:t>
-            </a:r>
-            <a:r>
-              <a:rPr lang="nl-BE" sz="2400" dirty="0" err="1" smtClean="0">
-                <a:latin typeface="Sitka Display" pitchFamily="2" charset="0"/>
+              <a:rPr lang="nl-BE" sz="2000" dirty="0" smtClean="0">
+                <a:latin typeface="Sitka Banner" pitchFamily="2" charset="0"/>
+              </a:rPr>
+              <a:t>Uitbreiding </a:t>
+            </a:r>
+            <a:r>
+              <a:rPr lang="nl-BE" sz="2000" dirty="0" smtClean="0">
+                <a:latin typeface="Sitka Banner" pitchFamily="2" charset="0"/>
+              </a:rPr>
+              <a:t>van domeinlaag: Mailbox, </a:t>
+            </a:r>
+            <a:r>
+              <a:rPr lang="nl-BE" sz="2000" dirty="0" smtClean="0">
+                <a:latin typeface="Sitka Banner" pitchFamily="2" charset="0"/>
               </a:rPr>
               <a:t>Milestone</a:t>
             </a:r>
-            <a:endParaRPr lang="nl-BE" sz="2400" dirty="0" smtClean="0">
-              <a:latin typeface="Sitka Display" pitchFamily="2" charset="0"/>
-            </a:endParaRPr>
           </a:p>
           <a:p>
             <a:pPr marL="285750" indent="-285750">
-              <a:buFont typeface="Arial" panose="020B0604020202020204" pitchFamily="34" charset="0"/>
+              <a:buFont typeface="Arial" pitchFamily="34" charset="0"/>
               <a:buChar char="•"/>
             </a:pPr>
             <a:r>
-              <a:rPr lang="nl-BE" sz="2400" dirty="0" smtClean="0">
-                <a:latin typeface="Sitka Display" pitchFamily="2" charset="0"/>
+              <a:rPr lang="nl-BE" sz="2000" dirty="0" smtClean="0">
+                <a:latin typeface="Sitka Banner" pitchFamily="2" charset="0"/>
               </a:rPr>
               <a:t>Uitbreiding </a:t>
             </a:r>
             <a:r>
-              <a:rPr lang="nl-BE" sz="2400" dirty="0" err="1" smtClean="0">
-                <a:latin typeface="Sitka Display" pitchFamily="2" charset="0"/>
-              </a:rPr>
-              <a:t>domeinlaag</a:t>
-            </a:r>
-            <a:r>
-              <a:rPr lang="nl-BE" sz="2400" dirty="0" smtClean="0">
-                <a:latin typeface="Sitka Display" pitchFamily="2" charset="0"/>
-              </a:rPr>
-              <a:t> toegevoegd zoals in de eerste iteratie</a:t>
-            </a:r>
-            <a:endParaRPr lang="nl-BE" sz="2400" dirty="0">
-              <a:latin typeface="Sitka Display" pitchFamily="2" charset="0"/>
-            </a:endParaRPr>
+              <a:rPr lang="nl-BE" sz="2000" dirty="0" smtClean="0">
+                <a:latin typeface="Sitka Banner" pitchFamily="2" charset="0"/>
+              </a:rPr>
+              <a:t>domeinlaag toegevoegd zoals in de eerste </a:t>
+            </a:r>
+            <a:r>
+              <a:rPr lang="nl-BE" sz="2000" dirty="0" smtClean="0">
+                <a:latin typeface="Sitka Banner" pitchFamily="2" charset="0"/>
+              </a:rPr>
+              <a:t>iteratie</a:t>
+            </a:r>
           </a:p>
         </p:txBody>
       </p:sp>
     </p:spTree>
     <p:extLst>
       <p:ext uri="{BB962C8B-B14F-4D97-AF65-F5344CB8AC3E}">
-        <p14:creationId xmlns:p14="http://schemas.microsoft.com/office/powerpoint/2010/main" val="4238244720"/>
+        <p14:creationId xmlns:p14="http://schemas.microsoft.com/office/powerpoint/2010/main" xmlns="" val="4238244720"/>
       </p:ext>
     </p:extLst>
   </p:cSld>
@@ -7813,7 +7893,7 @@
         </p:spPr>
         <p:txBody>
           <a:bodyPr>
-            <a:normAutofit/>
+            <a:normAutofit lnSpcReduction="10000"/>
           </a:bodyPr>
           <a:lstStyle/>
           <a:p>
@@ -7948,7 +8028,7 @@
     </p:spTree>
     <p:extLst>
       <p:ext uri="{BB962C8B-B14F-4D97-AF65-F5344CB8AC3E}">
-        <p14:creationId xmlns:p14="http://schemas.microsoft.com/office/powerpoint/2010/main" val="983478496"/>
+        <p14:creationId xmlns:p14="http://schemas.microsoft.com/office/powerpoint/2010/main" xmlns="" val="983478496"/>
       </p:ext>
     </p:extLst>
   </p:cSld>
@@ -8378,8 +8458,8 @@
         </p:nvSpPr>
         <p:spPr>
           <a:xfrm>
-            <a:off x="3484364" y="2775347"/>
-            <a:ext cx="2175272" cy="461665"/>
+            <a:off x="3347864" y="2924944"/>
+            <a:ext cx="2520280" cy="461665"/>
           </a:xfrm>
           <a:prstGeom prst="rect">
             <a:avLst/>
@@ -8408,7 +8488,9 @@
           <a:p>
             <a:pPr algn="ctr"/>
             <a:r>
-              <a:rPr lang="nl-NL" sz="2400" b="1" dirty="0"/>
+              <a:rPr lang="nl-NL" sz="2400" b="1" dirty="0">
+                <a:latin typeface="Sitka Banner" pitchFamily="2" charset="0"/>
+              </a:rPr>
               <a:t>Tags zijn STATES</a:t>
             </a:r>
           </a:p>
@@ -8422,7 +8504,7 @@
         </p:nvSpPr>
         <p:spPr>
           <a:xfrm>
-            <a:off x="2487810" y="4050507"/>
+            <a:off x="2487810" y="3861048"/>
             <a:ext cx="4168378" cy="646331"/>
           </a:xfrm>
           <a:prstGeom prst="rect">
@@ -8438,15 +8520,21 @@
           <a:p>
             <a:pPr algn="ctr"/>
             <a:r>
-              <a:rPr lang="nl-NL" dirty="0"/>
+              <a:rPr lang="nl-NL" dirty="0">
+                <a:latin typeface="Sitka Banner" pitchFamily="2" charset="0"/>
+              </a:rPr>
               <a:t>Het gedrag van </a:t>
             </a:r>
             <a:r>
-              <a:rPr lang="nl-NL" dirty="0" err="1"/>
+              <a:rPr lang="nl-NL" dirty="0" err="1">
+                <a:latin typeface="Sitka Banner" pitchFamily="2" charset="0"/>
+              </a:rPr>
               <a:t>Bugreport</a:t>
             </a:r>
             <a:r>
-              <a:rPr lang="nl-NL" dirty="0"/>
+              <a:rPr lang="nl-NL" dirty="0">
+                <a:latin typeface="Sitka Banner" pitchFamily="2" charset="0"/>
+              </a:rPr>
               <a:t> is afhankelijk van de tag die toegekend is.</a:t>
             </a:r>
           </a:p>
@@ -8455,7 +8543,7 @@
     </p:spTree>
     <p:extLst>
       <p:ext uri="{BB962C8B-B14F-4D97-AF65-F5344CB8AC3E}">
-        <p14:creationId xmlns:p14="http://schemas.microsoft.com/office/powerpoint/2010/main" val="467284758"/>
+        <p14:creationId xmlns:p14="http://schemas.microsoft.com/office/powerpoint/2010/main" xmlns="" val="467284758"/>
       </p:ext>
     </p:extLst>
   </p:cSld>
@@ -8566,7 +8654,7 @@
             </a:clrChange>
             <a:extLst>
               <a:ext uri="{28A0092B-C50C-407E-A947-70E740481C1C}">
-                <a14:useLocalDpi xmlns:a14="http://schemas.microsoft.com/office/drawing/2010/main" val="0"/>
+                <a14:useLocalDpi xmlns:a14="http://schemas.microsoft.com/office/drawing/2010/main" xmlns="" val="0"/>
               </a:ext>
             </a:extLst>
           </a:blip>
@@ -8633,7 +8721,7 @@
     </p:spTree>
     <p:extLst>
       <p:ext uri="{BB962C8B-B14F-4D97-AF65-F5344CB8AC3E}">
-        <p14:creationId xmlns:p14="http://schemas.microsoft.com/office/powerpoint/2010/main" val="307230627"/>
+        <p14:creationId xmlns:p14="http://schemas.microsoft.com/office/powerpoint/2010/main" xmlns="" val="307230627"/>
       </p:ext>
     </p:extLst>
   </p:cSld>
@@ -8758,7 +8846,7 @@
             </a:clrChange>
             <a:extLst>
               <a:ext uri="{28A0092B-C50C-407E-A947-70E740481C1C}">
-                <a14:useLocalDpi xmlns:a14="http://schemas.microsoft.com/office/drawing/2010/main" val="0"/>
+                <a14:useLocalDpi xmlns:a14="http://schemas.microsoft.com/office/drawing/2010/main" xmlns="" val="0"/>
               </a:ext>
             </a:extLst>
           </a:blip>
@@ -8768,7 +8856,7 @@
         </p:blipFill>
         <p:spPr>
           <a:xfrm>
-            <a:off x="99368" y="3842113"/>
+            <a:off x="99368" y="3626089"/>
             <a:ext cx="8937128" cy="1819135"/>
           </a:xfrm>
         </p:spPr>
@@ -8781,8 +8869,8 @@
         </p:nvSpPr>
         <p:spPr>
           <a:xfrm>
-            <a:off x="2339752" y="2420888"/>
-            <a:ext cx="4237891" cy="369332"/>
+            <a:off x="2577704" y="2420888"/>
+            <a:ext cx="3988592" cy="369332"/>
           </a:xfrm>
           <a:prstGeom prst="rect">
             <a:avLst/>
@@ -8810,49 +8898,69 @@
           <a:lstStyle/>
           <a:p>
             <a:r>
-              <a:rPr lang="nl-NL" dirty="0" err="1" smtClean="0"/>
+              <a:rPr lang="nl-NL" dirty="0" err="1" smtClean="0">
+                <a:latin typeface="Sitka Banner" pitchFamily="2" charset="0"/>
+              </a:rPr>
               <a:t>BugReport</a:t>
             </a:r>
             <a:r>
-              <a:rPr lang="nl-NL" dirty="0" smtClean="0"/>
+              <a:rPr lang="nl-NL" dirty="0" smtClean="0">
+                <a:latin typeface="Sitka Banner" pitchFamily="2" charset="0"/>
+              </a:rPr>
               <a:t> calls Tag </a:t>
             </a:r>
             <a:r>
-              <a:rPr lang="nl-NL" dirty="0" err="1" smtClean="0"/>
+              <a:rPr lang="nl-NL" dirty="0" err="1" smtClean="0">
+                <a:latin typeface="Sitka Banner" pitchFamily="2" charset="0"/>
+              </a:rPr>
               <a:t>to</a:t>
             </a:r>
             <a:r>
-              <a:rPr lang="nl-NL" dirty="0" smtClean="0"/>
+              <a:rPr lang="nl-NL" dirty="0" smtClean="0">
+                <a:latin typeface="Sitka Banner" pitchFamily="2" charset="0"/>
+              </a:rPr>
               <a:t> </a:t>
             </a:r>
             <a:r>
-              <a:rPr lang="nl-NL" dirty="0" err="1" smtClean="0"/>
+              <a:rPr lang="nl-NL" dirty="0" err="1" smtClean="0">
+                <a:latin typeface="Sitka Banner" pitchFamily="2" charset="0"/>
+              </a:rPr>
               <a:t>execute</a:t>
             </a:r>
             <a:r>
-              <a:rPr lang="nl-NL" dirty="0" smtClean="0"/>
+              <a:rPr lang="nl-NL" dirty="0" smtClean="0">
+                <a:latin typeface="Sitka Banner" pitchFamily="2" charset="0"/>
+              </a:rPr>
               <a:t> </a:t>
             </a:r>
             <a:r>
-              <a:rPr lang="nl-NL" dirty="0" err="1" smtClean="0"/>
+              <a:rPr lang="nl-NL" dirty="0" err="1" smtClean="0">
+                <a:latin typeface="Sitka Banner" pitchFamily="2" charset="0"/>
+              </a:rPr>
               <a:t>the</a:t>
             </a:r>
             <a:r>
-              <a:rPr lang="nl-NL" dirty="0" smtClean="0"/>
+              <a:rPr lang="nl-NL" dirty="0" smtClean="0">
+                <a:latin typeface="Sitka Banner" pitchFamily="2" charset="0"/>
+              </a:rPr>
               <a:t> </a:t>
             </a:r>
             <a:r>
-              <a:rPr lang="nl-NL" dirty="0" err="1" smtClean="0"/>
+              <a:rPr lang="nl-NL" dirty="0" err="1" smtClean="0">
+                <a:latin typeface="Sitka Banner" pitchFamily="2" charset="0"/>
+              </a:rPr>
               <a:t>function</a:t>
             </a:r>
-            <a:endParaRPr lang="nl-NL" dirty="0"/>
+            <a:endParaRPr lang="nl-NL" dirty="0">
+              <a:latin typeface="Sitka Banner" pitchFamily="2" charset="0"/>
+            </a:endParaRPr>
           </a:p>
         </p:txBody>
       </p:sp>
     </p:spTree>
     <p:extLst>
       <p:ext uri="{BB962C8B-B14F-4D97-AF65-F5344CB8AC3E}">
-        <p14:creationId xmlns:p14="http://schemas.microsoft.com/office/powerpoint/2010/main" val="1074460601"/>
+        <p14:creationId xmlns:p14="http://schemas.microsoft.com/office/powerpoint/2010/main" xmlns="" val="1074460601"/>
       </p:ext>
     </p:extLst>
   </p:cSld>

--- a/Presentaties/Iteratie 2/SWOP Presentatie 2 Inhoud.pptx
+++ b/Presentaties/Iteratie 2/SWOP Presentatie 2 Inhoud.pptx
@@ -126,7 +126,7 @@
   </p:defaultTextStyle>
   <p:extLst>
     <p:ext uri="{EFAFB233-063F-42B5-8137-9DF3F51BA10A}">
-      <p15:sldGuideLst xmlns:p15="http://schemas.microsoft.com/office/powerpoint/2012/main" xmlns="">
+      <p15:sldGuideLst xmlns:p15="http://schemas.microsoft.com/office/powerpoint/2012/main">
         <p15:guide id="1" orient="horz" pos="2160">
           <p15:clr>
             <a:srgbClr val="A4A3A4"/>
@@ -325,7 +325,7 @@
             <a:fld id="{0F5E03E0-8FDD-4F94-8780-E28EA23ED5EC}" type="datetimeFigureOut">
               <a:rPr lang="nl-BE" smtClean="0"/>
               <a:pPr/>
-              <a:t>19/04/2016</a:t>
+              <a:t>19/04/16</a:t>
             </a:fld>
             <a:endParaRPr lang="nl-BE"/>
           </a:p>
@@ -368,7 +368,7 @@
             <a:fld id="{91663F60-0288-4BD7-9F87-79CFFEA98662}" type="slidenum">
               <a:rPr lang="nl-BE" smtClean="0"/>
               <a:pPr/>
-              <a:t>‹Nr.›</a:t>
+              <a:t>‹nr.›</a:t>
             </a:fld>
             <a:endParaRPr lang="nl-BE"/>
           </a:p>
@@ -377,7 +377,7 @@
     </p:spTree>
     <p:extLst>
       <p:ext uri="{BB962C8B-B14F-4D97-AF65-F5344CB8AC3E}">
-        <p14:creationId xmlns:p14="http://schemas.microsoft.com/office/powerpoint/2010/main" xmlns="" val="3963083300"/>
+        <p14:creationId xmlns:p14="http://schemas.microsoft.com/office/powerpoint/2010/main" val="3963083300"/>
       </p:ext>
     </p:extLst>
   </p:cSld>
@@ -500,7 +500,7 @@
             <a:fld id="{0F5E03E0-8FDD-4F94-8780-E28EA23ED5EC}" type="datetimeFigureOut">
               <a:rPr lang="nl-BE" smtClean="0"/>
               <a:pPr/>
-              <a:t>19/04/2016</a:t>
+              <a:t>19/04/16</a:t>
             </a:fld>
             <a:endParaRPr lang="nl-BE"/>
           </a:p>
@@ -543,7 +543,7 @@
             <a:fld id="{91663F60-0288-4BD7-9F87-79CFFEA98662}" type="slidenum">
               <a:rPr lang="nl-BE" smtClean="0"/>
               <a:pPr/>
-              <a:t>‹Nr.›</a:t>
+              <a:t>‹nr.›</a:t>
             </a:fld>
             <a:endParaRPr lang="nl-BE"/>
           </a:p>
@@ -552,7 +552,7 @@
     </p:spTree>
     <p:extLst>
       <p:ext uri="{BB962C8B-B14F-4D97-AF65-F5344CB8AC3E}">
-        <p14:creationId xmlns:p14="http://schemas.microsoft.com/office/powerpoint/2010/main" xmlns="" val="1367293728"/>
+        <p14:creationId xmlns:p14="http://schemas.microsoft.com/office/powerpoint/2010/main" val="1367293728"/>
       </p:ext>
     </p:extLst>
   </p:cSld>
@@ -685,7 +685,7 @@
             <a:fld id="{0F5E03E0-8FDD-4F94-8780-E28EA23ED5EC}" type="datetimeFigureOut">
               <a:rPr lang="nl-BE" smtClean="0"/>
               <a:pPr/>
-              <a:t>19/04/2016</a:t>
+              <a:t>19/04/16</a:t>
             </a:fld>
             <a:endParaRPr lang="nl-BE"/>
           </a:p>
@@ -728,7 +728,7 @@
             <a:fld id="{91663F60-0288-4BD7-9F87-79CFFEA98662}" type="slidenum">
               <a:rPr lang="nl-BE" smtClean="0"/>
               <a:pPr/>
-              <a:t>‹Nr.›</a:t>
+              <a:t>‹nr.›</a:t>
             </a:fld>
             <a:endParaRPr lang="nl-BE"/>
           </a:p>
@@ -737,7 +737,7 @@
     </p:spTree>
     <p:extLst>
       <p:ext uri="{BB962C8B-B14F-4D97-AF65-F5344CB8AC3E}">
-        <p14:creationId xmlns:p14="http://schemas.microsoft.com/office/powerpoint/2010/main" xmlns="" val="3320721104"/>
+        <p14:creationId xmlns:p14="http://schemas.microsoft.com/office/powerpoint/2010/main" val="3320721104"/>
       </p:ext>
     </p:extLst>
   </p:cSld>
@@ -860,7 +860,7 @@
             <a:fld id="{0F5E03E0-8FDD-4F94-8780-E28EA23ED5EC}" type="datetimeFigureOut">
               <a:rPr lang="nl-BE" smtClean="0"/>
               <a:pPr/>
-              <a:t>19/04/2016</a:t>
+              <a:t>19/04/16</a:t>
             </a:fld>
             <a:endParaRPr lang="nl-BE"/>
           </a:p>
@@ -903,7 +903,7 @@
             <a:fld id="{91663F60-0288-4BD7-9F87-79CFFEA98662}" type="slidenum">
               <a:rPr lang="nl-BE" smtClean="0"/>
               <a:pPr/>
-              <a:t>‹Nr.›</a:t>
+              <a:t>‹nr.›</a:t>
             </a:fld>
             <a:endParaRPr lang="nl-BE"/>
           </a:p>
@@ -912,7 +912,7 @@
     </p:spTree>
     <p:extLst>
       <p:ext uri="{BB962C8B-B14F-4D97-AF65-F5344CB8AC3E}">
-        <p14:creationId xmlns:p14="http://schemas.microsoft.com/office/powerpoint/2010/main" xmlns="" val="1971972017"/>
+        <p14:creationId xmlns:p14="http://schemas.microsoft.com/office/powerpoint/2010/main" val="1971972017"/>
       </p:ext>
     </p:extLst>
   </p:cSld>
@@ -1111,7 +1111,7 @@
             <a:fld id="{0F5E03E0-8FDD-4F94-8780-E28EA23ED5EC}" type="datetimeFigureOut">
               <a:rPr lang="nl-BE" smtClean="0"/>
               <a:pPr/>
-              <a:t>19/04/2016</a:t>
+              <a:t>19/04/16</a:t>
             </a:fld>
             <a:endParaRPr lang="nl-BE"/>
           </a:p>
@@ -1154,7 +1154,7 @@
             <a:fld id="{91663F60-0288-4BD7-9F87-79CFFEA98662}" type="slidenum">
               <a:rPr lang="nl-BE" smtClean="0"/>
               <a:pPr/>
-              <a:t>‹Nr.›</a:t>
+              <a:t>‹nr.›</a:t>
             </a:fld>
             <a:endParaRPr lang="nl-BE"/>
           </a:p>
@@ -1163,7 +1163,7 @@
     </p:spTree>
     <p:extLst>
       <p:ext uri="{BB962C8B-B14F-4D97-AF65-F5344CB8AC3E}">
-        <p14:creationId xmlns:p14="http://schemas.microsoft.com/office/powerpoint/2010/main" xmlns="" val="1541596771"/>
+        <p14:creationId xmlns:p14="http://schemas.microsoft.com/office/powerpoint/2010/main" val="1541596771"/>
       </p:ext>
     </p:extLst>
   </p:cSld>
@@ -1404,7 +1404,7 @@
             <a:fld id="{0F5E03E0-8FDD-4F94-8780-E28EA23ED5EC}" type="datetimeFigureOut">
               <a:rPr lang="nl-BE" smtClean="0"/>
               <a:pPr/>
-              <a:t>19/04/2016</a:t>
+              <a:t>19/04/16</a:t>
             </a:fld>
             <a:endParaRPr lang="nl-BE"/>
           </a:p>
@@ -1447,7 +1447,7 @@
             <a:fld id="{91663F60-0288-4BD7-9F87-79CFFEA98662}" type="slidenum">
               <a:rPr lang="nl-BE" smtClean="0"/>
               <a:pPr/>
-              <a:t>‹Nr.›</a:t>
+              <a:t>‹nr.›</a:t>
             </a:fld>
             <a:endParaRPr lang="nl-BE"/>
           </a:p>
@@ -1456,7 +1456,7 @@
     </p:spTree>
     <p:extLst>
       <p:ext uri="{BB962C8B-B14F-4D97-AF65-F5344CB8AC3E}">
-        <p14:creationId xmlns:p14="http://schemas.microsoft.com/office/powerpoint/2010/main" xmlns="" val="1047982118"/>
+        <p14:creationId xmlns:p14="http://schemas.microsoft.com/office/powerpoint/2010/main" val="1047982118"/>
       </p:ext>
     </p:extLst>
   </p:cSld>
@@ -1831,7 +1831,7 @@
             <a:fld id="{0F5E03E0-8FDD-4F94-8780-E28EA23ED5EC}" type="datetimeFigureOut">
               <a:rPr lang="nl-BE" smtClean="0"/>
               <a:pPr/>
-              <a:t>19/04/2016</a:t>
+              <a:t>19/04/16</a:t>
             </a:fld>
             <a:endParaRPr lang="nl-BE"/>
           </a:p>
@@ -1874,7 +1874,7 @@
             <a:fld id="{91663F60-0288-4BD7-9F87-79CFFEA98662}" type="slidenum">
               <a:rPr lang="nl-BE" smtClean="0"/>
               <a:pPr/>
-              <a:t>‹Nr.›</a:t>
+              <a:t>‹nr.›</a:t>
             </a:fld>
             <a:endParaRPr lang="nl-BE"/>
           </a:p>
@@ -1883,7 +1883,7 @@
     </p:spTree>
     <p:extLst>
       <p:ext uri="{BB962C8B-B14F-4D97-AF65-F5344CB8AC3E}">
-        <p14:creationId xmlns:p14="http://schemas.microsoft.com/office/powerpoint/2010/main" xmlns="" val="2185725893"/>
+        <p14:creationId xmlns:p14="http://schemas.microsoft.com/office/powerpoint/2010/main" val="2185725893"/>
       </p:ext>
     </p:extLst>
   </p:cSld>
@@ -1954,7 +1954,7 @@
             <a:fld id="{0F5E03E0-8FDD-4F94-8780-E28EA23ED5EC}" type="datetimeFigureOut">
               <a:rPr lang="nl-BE" smtClean="0"/>
               <a:pPr/>
-              <a:t>19/04/2016</a:t>
+              <a:t>19/04/16</a:t>
             </a:fld>
             <a:endParaRPr lang="nl-BE"/>
           </a:p>
@@ -1997,7 +1997,7 @@
             <a:fld id="{91663F60-0288-4BD7-9F87-79CFFEA98662}" type="slidenum">
               <a:rPr lang="nl-BE" smtClean="0"/>
               <a:pPr/>
-              <a:t>‹Nr.›</a:t>
+              <a:t>‹nr.›</a:t>
             </a:fld>
             <a:endParaRPr lang="nl-BE"/>
           </a:p>
@@ -2006,7 +2006,7 @@
     </p:spTree>
     <p:extLst>
       <p:ext uri="{BB962C8B-B14F-4D97-AF65-F5344CB8AC3E}">
-        <p14:creationId xmlns:p14="http://schemas.microsoft.com/office/powerpoint/2010/main" xmlns="" val="1565659618"/>
+        <p14:creationId xmlns:p14="http://schemas.microsoft.com/office/powerpoint/2010/main" val="1565659618"/>
       </p:ext>
     </p:extLst>
   </p:cSld>
@@ -2054,7 +2054,7 @@
             <a:fld id="{0F5E03E0-8FDD-4F94-8780-E28EA23ED5EC}" type="datetimeFigureOut">
               <a:rPr lang="nl-BE" smtClean="0"/>
               <a:pPr/>
-              <a:t>19/04/2016</a:t>
+              <a:t>19/04/16</a:t>
             </a:fld>
             <a:endParaRPr lang="nl-BE"/>
           </a:p>
@@ -2097,7 +2097,7 @@
             <a:fld id="{91663F60-0288-4BD7-9F87-79CFFEA98662}" type="slidenum">
               <a:rPr lang="nl-BE" smtClean="0"/>
               <a:pPr/>
-              <a:t>‹Nr.›</a:t>
+              <a:t>‹nr.›</a:t>
             </a:fld>
             <a:endParaRPr lang="nl-BE"/>
           </a:p>
@@ -2106,7 +2106,7 @@
     </p:spTree>
     <p:extLst>
       <p:ext uri="{BB962C8B-B14F-4D97-AF65-F5344CB8AC3E}">
-        <p14:creationId xmlns:p14="http://schemas.microsoft.com/office/powerpoint/2010/main" xmlns="" val="2302775655"/>
+        <p14:creationId xmlns:p14="http://schemas.microsoft.com/office/powerpoint/2010/main" val="2302775655"/>
       </p:ext>
     </p:extLst>
   </p:cSld>
@@ -2336,7 +2336,7 @@
             <a:fld id="{0F5E03E0-8FDD-4F94-8780-E28EA23ED5EC}" type="datetimeFigureOut">
               <a:rPr lang="nl-BE" smtClean="0"/>
               <a:pPr/>
-              <a:t>19/04/2016</a:t>
+              <a:t>19/04/16</a:t>
             </a:fld>
             <a:endParaRPr lang="nl-BE"/>
           </a:p>
@@ -2379,7 +2379,7 @@
             <a:fld id="{91663F60-0288-4BD7-9F87-79CFFEA98662}" type="slidenum">
               <a:rPr lang="nl-BE" smtClean="0"/>
               <a:pPr/>
-              <a:t>‹Nr.›</a:t>
+              <a:t>‹nr.›</a:t>
             </a:fld>
             <a:endParaRPr lang="nl-BE"/>
           </a:p>
@@ -2388,7 +2388,7 @@
     </p:spTree>
     <p:extLst>
       <p:ext uri="{BB962C8B-B14F-4D97-AF65-F5344CB8AC3E}">
-        <p14:creationId xmlns:p14="http://schemas.microsoft.com/office/powerpoint/2010/main" xmlns="" val="2384358470"/>
+        <p14:creationId xmlns:p14="http://schemas.microsoft.com/office/powerpoint/2010/main" val="2384358470"/>
       </p:ext>
     </p:extLst>
   </p:cSld>
@@ -2594,7 +2594,7 @@
             <a:fld id="{0F5E03E0-8FDD-4F94-8780-E28EA23ED5EC}" type="datetimeFigureOut">
               <a:rPr lang="nl-BE" smtClean="0"/>
               <a:pPr/>
-              <a:t>19/04/2016</a:t>
+              <a:t>19/04/16</a:t>
             </a:fld>
             <a:endParaRPr lang="nl-BE"/>
           </a:p>
@@ -2637,7 +2637,7 @@
             <a:fld id="{91663F60-0288-4BD7-9F87-79CFFEA98662}" type="slidenum">
               <a:rPr lang="nl-BE" smtClean="0"/>
               <a:pPr/>
-              <a:t>‹Nr.›</a:t>
+              <a:t>‹nr.›</a:t>
             </a:fld>
             <a:endParaRPr lang="nl-BE"/>
           </a:p>
@@ -2646,7 +2646,7 @@
     </p:spTree>
     <p:extLst>
       <p:ext uri="{BB962C8B-B14F-4D97-AF65-F5344CB8AC3E}">
-        <p14:creationId xmlns:p14="http://schemas.microsoft.com/office/powerpoint/2010/main" xmlns="" val="221485852"/>
+        <p14:creationId xmlns:p14="http://schemas.microsoft.com/office/powerpoint/2010/main" val="221485852"/>
       </p:ext>
     </p:extLst>
   </p:cSld>
@@ -2836,7 +2836,7 @@
             <a:fld id="{0F5E03E0-8FDD-4F94-8780-E28EA23ED5EC}" type="datetimeFigureOut">
               <a:rPr lang="nl-BE" smtClean="0"/>
               <a:pPr/>
-              <a:t>19/04/2016</a:t>
+              <a:t>19/04/16</a:t>
             </a:fld>
             <a:endParaRPr lang="nl-BE"/>
           </a:p>
@@ -2915,7 +2915,7 @@
             <a:fld id="{91663F60-0288-4BD7-9F87-79CFFEA98662}" type="slidenum">
               <a:rPr lang="nl-BE" smtClean="0"/>
               <a:pPr/>
-              <a:t>‹Nr.›</a:t>
+              <a:t>‹nr.›</a:t>
             </a:fld>
             <a:endParaRPr lang="nl-BE"/>
           </a:p>
@@ -2924,7 +2924,7 @@
     </p:spTree>
     <p:extLst>
       <p:ext uri="{BB962C8B-B14F-4D97-AF65-F5344CB8AC3E}">
-        <p14:creationId xmlns:p14="http://schemas.microsoft.com/office/powerpoint/2010/main" xmlns="" val="2268232388"/>
+        <p14:creationId xmlns:p14="http://schemas.microsoft.com/office/powerpoint/2010/main" val="2268232388"/>
       </p:ext>
     </p:extLst>
   </p:cSld>
@@ -3553,7 +3553,7 @@
     </p:spTree>
     <p:extLst>
       <p:ext uri="{BB962C8B-B14F-4D97-AF65-F5344CB8AC3E}">
-        <p14:creationId xmlns:p14="http://schemas.microsoft.com/office/powerpoint/2010/main" xmlns="" val="1089514898"/>
+        <p14:creationId xmlns:p14="http://schemas.microsoft.com/office/powerpoint/2010/main" val="1089514898"/>
       </p:ext>
     </p:extLst>
   </p:cSld>
@@ -3958,7 +3958,7 @@
             </a:clrChange>
             <a:extLst>
               <a:ext uri="{28A0092B-C50C-407E-A947-70E740481C1C}">
-                <a14:useLocalDpi xmlns:a14="http://schemas.microsoft.com/office/drawing/2010/main" xmlns="" val="0"/>
+                <a14:useLocalDpi xmlns:a14="http://schemas.microsoft.com/office/drawing/2010/main" val="0"/>
               </a:ext>
             </a:extLst>
           </a:blip>
@@ -4505,7 +4505,7 @@
     </p:spTree>
     <p:extLst>
       <p:ext uri="{BB962C8B-B14F-4D97-AF65-F5344CB8AC3E}">
-        <p14:creationId xmlns:p14="http://schemas.microsoft.com/office/powerpoint/2010/main" xmlns="" val="269333384"/>
+        <p14:creationId xmlns:p14="http://schemas.microsoft.com/office/powerpoint/2010/main" val="269333384"/>
       </p:ext>
     </p:extLst>
   </p:cSld>
@@ -5010,7 +5010,7 @@
             </a:clrChange>
             <a:extLst>
               <a:ext uri="{28A0092B-C50C-407E-A947-70E740481C1C}">
-                <a14:useLocalDpi xmlns:a14="http://schemas.microsoft.com/office/drawing/2010/main" xmlns="" val="0"/>
+                <a14:useLocalDpi xmlns:a14="http://schemas.microsoft.com/office/drawing/2010/main" val="0"/>
               </a:ext>
             </a:extLst>
           </a:blip>
@@ -5031,7 +5031,7 @@
     </p:spTree>
     <p:extLst>
       <p:ext uri="{BB962C8B-B14F-4D97-AF65-F5344CB8AC3E}">
-        <p14:creationId xmlns:p14="http://schemas.microsoft.com/office/powerpoint/2010/main" xmlns="" val="1938140659"/>
+        <p14:creationId xmlns:p14="http://schemas.microsoft.com/office/powerpoint/2010/main" val="1938140659"/>
       </p:ext>
     </p:extLst>
   </p:cSld>
@@ -5181,19 +5181,7 @@
               <a:rPr lang="nl-BE" sz="2000" dirty="0" smtClean="0">
                 <a:latin typeface="Sitka Banner" pitchFamily="2" charset="0"/>
               </a:rPr>
-              <a:t>Toegewezen aan project, </a:t>
-            </a:r>
-            <a:r>
-              <a:rPr lang="nl-BE" sz="2000" dirty="0" smtClean="0">
-                <a:latin typeface="Sitka Banner" pitchFamily="2" charset="0"/>
-              </a:rPr>
-              <a:t>subsystem </a:t>
-            </a:r>
-            <a:r>
-              <a:rPr lang="nl-BE" sz="2000" dirty="0" smtClean="0">
-                <a:latin typeface="Sitka Banner" pitchFamily="2" charset="0"/>
-              </a:rPr>
-              <a:t>of bug report (Target milestone)</a:t>
+              <a:t>Toegewezen aan project, subsystem of bug report (Target milestone)</a:t>
             </a:r>
           </a:p>
           <a:p>
@@ -5206,9 +5194,6 @@
               </a:rPr>
               <a:t>Apart object voor target milestone </a:t>
             </a:r>
-            <a:endParaRPr lang="nl-BE" sz="2000" dirty="0" smtClean="0">
-              <a:latin typeface="Sitka Banner" pitchFamily="2" charset="0"/>
-            </a:endParaRPr>
           </a:p>
           <a:p>
             <a:pPr marL="0" indent="0">
@@ -5219,14 +5204,7 @@
                 <a:latin typeface="Sitka Banner" pitchFamily="2" charset="0"/>
                 <a:sym typeface="Wingdings" panose="05000000000000000000" pitchFamily="2" charset="2"/>
               </a:rPr>
-              <a:t> </a:t>
-            </a:r>
-            <a:r>
-              <a:rPr lang="nl-BE" sz="2000" dirty="0" smtClean="0">
-                <a:latin typeface="Sitka Banner" pitchFamily="2" charset="0"/>
-                <a:sym typeface="Wingdings" panose="05000000000000000000" pitchFamily="2" charset="2"/>
-              </a:rPr>
-              <a:t>is optioneel, wordt altijd geïnitialiseerd met gegeven milestone (</a:t>
+              <a:t> is optioneel, wordt altijd geïnitialiseerd met gegeven milestone (</a:t>
             </a:r>
             <a:r>
               <a:rPr lang="nl-BE" sz="2000" dirty="0" smtClean="0">
@@ -5260,15 +5238,7 @@
                 <a:ea typeface="Cambria Math"/>
                 <a:sym typeface="Wingdings" panose="05000000000000000000" pitchFamily="2" charset="2"/>
               </a:rPr>
-              <a:t>Helper  checken van </a:t>
-            </a:r>
-            <a:r>
-              <a:rPr lang="nl-BE" sz="2000" dirty="0" smtClean="0">
-                <a:latin typeface="Sitka Banner" pitchFamily="2" charset="0"/>
-                <a:ea typeface="Cambria Math"/>
-                <a:sym typeface="Wingdings" panose="05000000000000000000" pitchFamily="2" charset="2"/>
-              </a:rPr>
-              <a:t>constraints</a:t>
+              <a:t>Helper  checken van constraints</a:t>
             </a:r>
             <a:endParaRPr lang="nl-BE" sz="2000" dirty="0" smtClean="0">
               <a:latin typeface="Sitka Banner" pitchFamily="2" charset="0"/>
@@ -5298,7 +5268,7 @@
             </a:clrChange>
             <a:extLst>
               <a:ext uri="{28A0092B-C50C-407E-A947-70E740481C1C}">
-                <a14:useLocalDpi xmlns:a14="http://schemas.microsoft.com/office/drawing/2010/main" xmlns="" val="0"/>
+                <a14:useLocalDpi xmlns:a14="http://schemas.microsoft.com/office/drawing/2010/main" val="0"/>
               </a:ext>
             </a:extLst>
           </a:blip>
@@ -5318,7 +5288,7 @@
           <a:noFill/>
           <a:extLst>
             <a:ext uri="{909E8E84-426E-40DD-AFC4-6F175D3DCCD1}">
-              <a14:hiddenFill xmlns:a14="http://schemas.microsoft.com/office/drawing/2010/main" xmlns="">
+              <a14:hiddenFill xmlns:a14="http://schemas.microsoft.com/office/drawing/2010/main">
                 <a:solidFill>
                   <a:srgbClr val="FFFFFF"/>
                 </a:solidFill>
@@ -5330,7 +5300,7 @@
     </p:spTree>
     <p:extLst>
       <p:ext uri="{BB962C8B-B14F-4D97-AF65-F5344CB8AC3E}">
-        <p14:creationId xmlns:p14="http://schemas.microsoft.com/office/powerpoint/2010/main" xmlns="" val="378156031"/>
+        <p14:creationId xmlns:p14="http://schemas.microsoft.com/office/powerpoint/2010/main" val="378156031"/>
       </p:ext>
     </p:extLst>
   </p:cSld>
@@ -5397,7 +5367,7 @@
           <a:blip r:embed="rId2" cstate="print">
             <a:extLst>
               <a:ext uri="{28A0092B-C50C-407E-A947-70E740481C1C}">
-                <a14:useLocalDpi xmlns:a14="http://schemas.microsoft.com/office/drawing/2010/main" xmlns="" val="0"/>
+                <a14:useLocalDpi xmlns:a14="http://schemas.microsoft.com/office/drawing/2010/main" val="0"/>
               </a:ext>
             </a:extLst>
           </a:blip>
@@ -5415,7 +5385,7 @@
     </p:spTree>
     <p:extLst>
       <p:ext uri="{BB962C8B-B14F-4D97-AF65-F5344CB8AC3E}">
-        <p14:creationId xmlns:p14="http://schemas.microsoft.com/office/powerpoint/2010/main" xmlns="" val="1319242908"/>
+        <p14:creationId xmlns:p14="http://schemas.microsoft.com/office/powerpoint/2010/main" val="1319242908"/>
       </p:ext>
     </p:extLst>
   </p:cSld>
@@ -5482,7 +5452,7 @@
           <a:blip r:embed="rId2" cstate="print">
             <a:extLst>
               <a:ext uri="{28A0092B-C50C-407E-A947-70E740481C1C}">
-                <a14:useLocalDpi xmlns:a14="http://schemas.microsoft.com/office/drawing/2010/main" xmlns="" val="0"/>
+                <a14:useLocalDpi xmlns:a14="http://schemas.microsoft.com/office/drawing/2010/main" val="0"/>
               </a:ext>
             </a:extLst>
           </a:blip>
@@ -5500,7 +5470,7 @@
     </p:spTree>
     <p:extLst>
       <p:ext uri="{BB962C8B-B14F-4D97-AF65-F5344CB8AC3E}">
-        <p14:creationId xmlns:p14="http://schemas.microsoft.com/office/powerpoint/2010/main" xmlns="" val="1968202226"/>
+        <p14:creationId xmlns:p14="http://schemas.microsoft.com/office/powerpoint/2010/main" val="1968202226"/>
       </p:ext>
     </p:extLst>
   </p:cSld>
@@ -5615,13 +5585,29 @@
               <a:rPr lang="en-US" sz="2400" dirty="0" smtClean="0">
                 <a:latin typeface="Sitka Banner" pitchFamily="2" charset="0"/>
               </a:rPr>
-              <a:t>Addin</a:t>
-            </a:r>
+              <a:t>Adding use cases</a:t>
+            </a:r>
+          </a:p>
+          <a:p>
             <a:r>
               <a:rPr lang="en-US" sz="2400" dirty="0" smtClean="0">
                 <a:latin typeface="Sitka Banner" pitchFamily="2" charset="0"/>
               </a:rPr>
-              <a:t>g use cases</a:t>
+              <a:t>UI is still completely independent </a:t>
+            </a:r>
+          </a:p>
+          <a:p>
+            <a:r>
+              <a:rPr lang="en-US" sz="2400" dirty="0" smtClean="0">
+                <a:latin typeface="Sitka Banner" pitchFamily="2" charset="0"/>
+              </a:rPr>
+              <a:t>Interface for the </a:t>
+            </a:r>
+            <a:r>
+              <a:rPr lang="en-US" sz="2400" dirty="0" err="1" smtClean="0">
+                <a:latin typeface="Sitka Banner" pitchFamily="2" charset="0"/>
+              </a:rPr>
+              <a:t>Initializer</a:t>
             </a:r>
             <a:endParaRPr lang="en-US" sz="2400" dirty="0" smtClean="0">
               <a:latin typeface="Sitka Banner" pitchFamily="2" charset="0"/>
@@ -5632,7 +5618,7 @@
               <a:rPr lang="en-US" sz="2400" dirty="0" smtClean="0">
                 <a:latin typeface="Sitka Banner" pitchFamily="2" charset="0"/>
               </a:rPr>
-              <a:t>UI is still completely independent </a:t>
+              <a:t>Adding constraints concerning tag</a:t>
             </a:r>
           </a:p>
           <a:p>
@@ -5640,14 +5626,26 @@
               <a:rPr lang="en-US" sz="2400" dirty="0" smtClean="0">
                 <a:latin typeface="Sitka Banner" pitchFamily="2" charset="0"/>
               </a:rPr>
-              <a:t>Interface for the </a:t>
-            </a:r>
-            <a:r>
-              <a:rPr lang="en-US" sz="2400" dirty="0" err="1" smtClean="0">
-                <a:latin typeface="Sitka Banner" pitchFamily="2" charset="0"/>
-              </a:rPr>
-              <a:t>Initializer</a:t>
-            </a:r>
+              <a:t>Adding new registration types (for mailboxes) = adding new observers</a:t>
+            </a:r>
+          </a:p>
+          <a:p>
+            <a:r>
+              <a:rPr lang="en-US" sz="2400" dirty="0" smtClean="0">
+                <a:latin typeface="Sitka Banner" pitchFamily="2" charset="0"/>
+              </a:rPr>
+              <a:t>Search methods for bug reports</a:t>
+            </a:r>
+          </a:p>
+          <a:p>
+            <a:r>
+              <a:rPr lang="en-US" sz="2400" dirty="0" smtClean="0">
+                <a:latin typeface="Sitka Banner" pitchFamily="2" charset="0"/>
+              </a:rPr>
+              <a:t>Adding new objects that could be undone</a:t>
+            </a:r>
+          </a:p>
+          <a:p>
             <a:endParaRPr lang="en-US" sz="2400" dirty="0" smtClean="0">
               <a:latin typeface="Sitka Banner" pitchFamily="2" charset="0"/>
             </a:endParaRPr>
@@ -5657,55 +5655,6 @@
               <a:rPr lang="en-US" sz="2400" dirty="0" smtClean="0">
                 <a:latin typeface="Sitka Banner" pitchFamily="2" charset="0"/>
               </a:rPr>
-              <a:t>Adding constraints concerning tag</a:t>
-            </a:r>
-          </a:p>
-          <a:p>
-            <a:r>
-              <a:rPr lang="en-US" sz="2400" dirty="0" smtClean="0">
-                <a:latin typeface="Sitka Banner" pitchFamily="2" charset="0"/>
-              </a:rPr>
-              <a:t>Adding new registration </a:t>
-            </a:r>
-            <a:r>
-              <a:rPr lang="en-US" sz="2400" dirty="0" smtClean="0">
-                <a:latin typeface="Sitka Banner" pitchFamily="2" charset="0"/>
-              </a:rPr>
-              <a:t>types (for mailboxes) </a:t>
-            </a:r>
-            <a:r>
-              <a:rPr lang="en-US" sz="2400" dirty="0" smtClean="0">
-                <a:latin typeface="Sitka Banner" pitchFamily="2" charset="0"/>
-              </a:rPr>
-              <a:t>= adding new observers</a:t>
-            </a:r>
-          </a:p>
-          <a:p>
-            <a:r>
-              <a:rPr lang="en-US" sz="2400" dirty="0" smtClean="0">
-                <a:latin typeface="Sitka Banner" pitchFamily="2" charset="0"/>
-              </a:rPr>
-              <a:t>Search methods for bug reports</a:t>
-            </a:r>
-          </a:p>
-          <a:p>
-            <a:r>
-              <a:rPr lang="en-US" sz="2400" dirty="0" smtClean="0">
-                <a:latin typeface="Sitka Banner" pitchFamily="2" charset="0"/>
-              </a:rPr>
-              <a:t>Adding new objects that could be undone</a:t>
-            </a:r>
-          </a:p>
-          <a:p>
-            <a:endParaRPr lang="en-US" sz="2400" dirty="0" smtClean="0">
-              <a:latin typeface="Sitka Banner" pitchFamily="2" charset="0"/>
-            </a:endParaRPr>
-          </a:p>
-          <a:p>
-            <a:r>
-              <a:rPr lang="en-US" sz="2400" dirty="0" smtClean="0">
-                <a:latin typeface="Sitka Banner" pitchFamily="2" charset="0"/>
-              </a:rPr>
               <a:t>It was easy to implement the changes from iteration 2 -&gt; great extensibility of our code from iteration 1</a:t>
             </a:r>
           </a:p>
@@ -5719,7 +5668,7 @@
     </p:spTree>
     <p:extLst>
       <p:ext uri="{BB962C8B-B14F-4D97-AF65-F5344CB8AC3E}">
-        <p14:creationId xmlns:p14="http://schemas.microsoft.com/office/powerpoint/2010/main" xmlns="" val="2444210159"/>
+        <p14:creationId xmlns:p14="http://schemas.microsoft.com/office/powerpoint/2010/main" val="2444210159"/>
       </p:ext>
     </p:extLst>
   </p:cSld>
@@ -5899,19 +5848,7 @@
               <a:rPr lang="nl-BE" sz="2400" dirty="0" smtClean="0">
                 <a:latin typeface="Sitka Banner" pitchFamily="2" charset="0"/>
               </a:rPr>
-              <a:t>Milestone: </a:t>
-            </a:r>
-            <a:r>
-              <a:rPr lang="nl-BE" sz="2400" dirty="0" smtClean="0">
-                <a:latin typeface="Sitka Banner" pitchFamily="2" charset="0"/>
-              </a:rPr>
-              <a:t>improvements in the code and </a:t>
-            </a:r>
-            <a:r>
-              <a:rPr lang="nl-BE" sz="2400" dirty="0" smtClean="0">
-                <a:latin typeface="Sitka Banner" pitchFamily="2" charset="0"/>
-              </a:rPr>
-              <a:t>structure</a:t>
+              <a:t>Milestone: improvements in the code and structure</a:t>
             </a:r>
             <a:endParaRPr lang="nl-BE" sz="2000" dirty="0" smtClean="0">
               <a:latin typeface="Sitka Banner" pitchFamily="2" charset="0"/>
@@ -5922,7 +5859,7 @@
     </p:spTree>
     <p:extLst>
       <p:ext uri="{BB962C8B-B14F-4D97-AF65-F5344CB8AC3E}">
-        <p14:creationId xmlns:p14="http://schemas.microsoft.com/office/powerpoint/2010/main" xmlns="" val="674970378"/>
+        <p14:creationId xmlns:p14="http://schemas.microsoft.com/office/powerpoint/2010/main" val="674970378"/>
       </p:ext>
     </p:extLst>
   </p:cSld>
@@ -6087,7 +6024,7 @@
     </p:spTree>
     <p:extLst>
       <p:ext uri="{BB962C8B-B14F-4D97-AF65-F5344CB8AC3E}">
-        <p14:creationId xmlns:p14="http://schemas.microsoft.com/office/powerpoint/2010/main" xmlns="" val="996989477"/>
+        <p14:creationId xmlns:p14="http://schemas.microsoft.com/office/powerpoint/2010/main" val="996989477"/>
       </p:ext>
     </p:extLst>
   </p:cSld>
@@ -6197,7 +6134,7 @@
           <a:blip r:embed="rId2" cstate="print">
             <a:extLst>
               <a:ext uri="{28A0092B-C50C-407E-A947-70E740481C1C}">
-                <a14:useLocalDpi xmlns:a14="http://schemas.microsoft.com/office/drawing/2010/main" xmlns="" val="0"/>
+                <a14:useLocalDpi xmlns:a14="http://schemas.microsoft.com/office/drawing/2010/main" val="0"/>
               </a:ext>
             </a:extLst>
           </a:blip>
@@ -6215,7 +6152,7 @@
     </p:spTree>
     <p:extLst>
       <p:ext uri="{BB962C8B-B14F-4D97-AF65-F5344CB8AC3E}">
-        <p14:creationId xmlns:p14="http://schemas.microsoft.com/office/powerpoint/2010/main" xmlns="" val="3176464878"/>
+        <p14:creationId xmlns:p14="http://schemas.microsoft.com/office/powerpoint/2010/main" val="3176464878"/>
       </p:ext>
     </p:extLst>
   </p:cSld>
@@ -6323,7 +6260,7 @@
           <a:blip r:embed="rId2" cstate="print">
             <a:extLst>
               <a:ext uri="{28A0092B-C50C-407E-A947-70E740481C1C}">
-                <a14:useLocalDpi xmlns:a14="http://schemas.microsoft.com/office/drawing/2010/main" xmlns="" val="0"/>
+                <a14:useLocalDpi xmlns:a14="http://schemas.microsoft.com/office/drawing/2010/main" val="0"/>
               </a:ext>
             </a:extLst>
           </a:blip>
@@ -6341,7 +6278,7 @@
           <a:noFill/>
           <a:extLst>
             <a:ext uri="{909E8E84-426E-40DD-AFC4-6F175D3DCCD1}">
-              <a14:hiddenFill xmlns:a14="http://schemas.microsoft.com/office/drawing/2010/main" xmlns="">
+              <a14:hiddenFill xmlns:a14="http://schemas.microsoft.com/office/drawing/2010/main">
                 <a:solidFill>
                   <a:srgbClr val="FFFFFF"/>
                 </a:solidFill>
@@ -6353,7 +6290,7 @@
     </p:spTree>
     <p:extLst>
       <p:ext uri="{BB962C8B-B14F-4D97-AF65-F5344CB8AC3E}">
-        <p14:creationId xmlns:p14="http://schemas.microsoft.com/office/powerpoint/2010/main" xmlns="" val="3405605565"/>
+        <p14:creationId xmlns:p14="http://schemas.microsoft.com/office/powerpoint/2010/main" val="3405605565"/>
       </p:ext>
     </p:extLst>
   </p:cSld>
@@ -6476,7 +6413,7 @@
             </a:clrChange>
             <a:extLst>
               <a:ext uri="{28A0092B-C50C-407E-A947-70E740481C1C}">
-                <a14:useLocalDpi xmlns:a14="http://schemas.microsoft.com/office/drawing/2010/main" xmlns="" val="0"/>
+                <a14:useLocalDpi xmlns:a14="http://schemas.microsoft.com/office/drawing/2010/main" val="0"/>
               </a:ext>
             </a:extLst>
           </a:blip>
@@ -6496,7 +6433,7 @@
           <a:noFill/>
           <a:extLst>
             <a:ext uri="{909E8E84-426E-40DD-AFC4-6F175D3DCCD1}">
-              <a14:hiddenFill xmlns:a14="http://schemas.microsoft.com/office/drawing/2010/main" xmlns="">
+              <a14:hiddenFill xmlns:a14="http://schemas.microsoft.com/office/drawing/2010/main">
                 <a:solidFill>
                   <a:srgbClr val="FFFFFF"/>
                 </a:solidFill>
@@ -6508,7 +6445,7 @@
     </p:spTree>
     <p:extLst>
       <p:ext uri="{BB962C8B-B14F-4D97-AF65-F5344CB8AC3E}">
-        <p14:creationId xmlns:p14="http://schemas.microsoft.com/office/powerpoint/2010/main" xmlns="" val="597274065"/>
+        <p14:creationId xmlns:p14="http://schemas.microsoft.com/office/powerpoint/2010/main" val="597274065"/>
       </p:ext>
     </p:extLst>
   </p:cSld>
@@ -6946,7 +6883,7 @@
     </p:spTree>
     <p:extLst>
       <p:ext uri="{BB962C8B-B14F-4D97-AF65-F5344CB8AC3E}">
-        <p14:creationId xmlns:p14="http://schemas.microsoft.com/office/powerpoint/2010/main" xmlns="" val="1581702792"/>
+        <p14:creationId xmlns:p14="http://schemas.microsoft.com/office/powerpoint/2010/main" val="1581702792"/>
       </p:ext>
     </p:extLst>
   </p:cSld>
@@ -6993,7 +6930,7 @@
             <p:ph idx="1"/>
             <p:extLst>
               <p:ext uri="{D42A27DB-BD31-4B8C-83A1-F6EECF244321}">
-                <p14:modId xmlns:p14="http://schemas.microsoft.com/office/powerpoint/2010/main" xmlns="" val="3072315139"/>
+                <p14:modId xmlns:p14="http://schemas.microsoft.com/office/powerpoint/2010/main" val="3072315139"/>
               </p:ext>
             </p:extLst>
           </p:nvPr>
@@ -7012,28 +6949,28 @@
                 <a:gridCol w="2057400">
                   <a:extLst>
                     <a:ext uri="{9D8B030D-6E8A-4147-A177-3AD203B41FA5}">
-                      <a16:colId xmlns="" xmlns:a16="http://schemas.microsoft.com/office/drawing/2014/main" val="4022630451"/>
+                      <a16:colId xmlns:a16="http://schemas.microsoft.com/office/drawing/2014/main" xmlns="" val="4022630451"/>
                     </a:ext>
                   </a:extLst>
                 </a:gridCol>
                 <a:gridCol w="2057400">
                   <a:extLst>
                     <a:ext uri="{9D8B030D-6E8A-4147-A177-3AD203B41FA5}">
-                      <a16:colId xmlns="" xmlns:a16="http://schemas.microsoft.com/office/drawing/2014/main" val="1276862258"/>
+                      <a16:colId xmlns:a16="http://schemas.microsoft.com/office/drawing/2014/main" xmlns="" val="1276862258"/>
                     </a:ext>
                   </a:extLst>
                 </a:gridCol>
                 <a:gridCol w="2057400">
                   <a:extLst>
                     <a:ext uri="{9D8B030D-6E8A-4147-A177-3AD203B41FA5}">
-                      <a16:colId xmlns="" xmlns:a16="http://schemas.microsoft.com/office/drawing/2014/main" val="670422697"/>
+                      <a16:colId xmlns:a16="http://schemas.microsoft.com/office/drawing/2014/main" xmlns="" val="670422697"/>
                     </a:ext>
                   </a:extLst>
                 </a:gridCol>
                 <a:gridCol w="2057400">
                   <a:extLst>
                     <a:ext uri="{9D8B030D-6E8A-4147-A177-3AD203B41FA5}">
-                      <a16:colId xmlns="" xmlns:a16="http://schemas.microsoft.com/office/drawing/2014/main" val="3836214712"/>
+                      <a16:colId xmlns:a16="http://schemas.microsoft.com/office/drawing/2014/main" xmlns="" val="3836214712"/>
                     </a:ext>
                   </a:extLst>
                 </a:gridCol>
@@ -7105,7 +7042,7 @@
                 </a:tc>
                 <a:extLst>
                   <a:ext uri="{0D108BD9-81ED-4DB2-BD59-A6C34878D82A}">
-                    <a16:rowId xmlns="" xmlns:a16="http://schemas.microsoft.com/office/drawing/2014/main" val="2789307922"/>
+                    <a16:rowId xmlns:a16="http://schemas.microsoft.com/office/drawing/2014/main" xmlns="" val="2789307922"/>
                   </a:ext>
                 </a:extLst>
               </a:tr>
@@ -7221,7 +7158,7 @@
                 </a:tc>
                 <a:extLst>
                   <a:ext uri="{0D108BD9-81ED-4DB2-BD59-A6C34878D82A}">
-                    <a16:rowId xmlns="" xmlns:a16="http://schemas.microsoft.com/office/drawing/2014/main" val="3498730236"/>
+                    <a16:rowId xmlns:a16="http://schemas.microsoft.com/office/drawing/2014/main" xmlns="" val="3498730236"/>
                   </a:ext>
                 </a:extLst>
               </a:tr>
@@ -7292,7 +7229,7 @@
                 </a:tc>
                 <a:extLst>
                   <a:ext uri="{0D108BD9-81ED-4DB2-BD59-A6C34878D82A}">
-                    <a16:rowId xmlns="" xmlns:a16="http://schemas.microsoft.com/office/drawing/2014/main" val="4013628509"/>
+                    <a16:rowId xmlns:a16="http://schemas.microsoft.com/office/drawing/2014/main" xmlns="" val="4013628509"/>
                   </a:ext>
                 </a:extLst>
               </a:tr>
@@ -7367,7 +7304,7 @@
                 </a:tc>
                 <a:extLst>
                   <a:ext uri="{0D108BD9-81ED-4DB2-BD59-A6C34878D82A}">
-                    <a16:rowId xmlns="" xmlns:a16="http://schemas.microsoft.com/office/drawing/2014/main" val="1545046261"/>
+                    <a16:rowId xmlns:a16="http://schemas.microsoft.com/office/drawing/2014/main" xmlns="" val="1545046261"/>
                   </a:ext>
                 </a:extLst>
               </a:tr>
@@ -7458,7 +7395,7 @@
     </p:spTree>
     <p:extLst>
       <p:ext uri="{BB962C8B-B14F-4D97-AF65-F5344CB8AC3E}">
-        <p14:creationId xmlns:p14="http://schemas.microsoft.com/office/powerpoint/2010/main" xmlns="" val="152465229"/>
+        <p14:creationId xmlns:p14="http://schemas.microsoft.com/office/powerpoint/2010/main" val="152465229"/>
       </p:ext>
     </p:extLst>
   </p:cSld>
@@ -7581,7 +7518,7 @@
             </a:clrChange>
             <a:extLst>
               <a:ext uri="{28A0092B-C50C-407E-A947-70E740481C1C}">
-                <a14:useLocalDpi xmlns:a14="http://schemas.microsoft.com/office/drawing/2010/main" xmlns="" val="0"/>
+                <a14:useLocalDpi xmlns:a14="http://schemas.microsoft.com/office/drawing/2010/main" val="0"/>
               </a:ext>
             </a:extLst>
           </a:blip>
@@ -7601,7 +7538,7 @@
           <a:noFill/>
           <a:extLst>
             <a:ext uri="{909E8E84-426E-40DD-AFC4-6F175D3DCCD1}">
-              <a14:hiddenFill xmlns:a14="http://schemas.microsoft.com/office/drawing/2010/main" xmlns="">
+              <a14:hiddenFill xmlns:a14="http://schemas.microsoft.com/office/drawing/2010/main">
                 <a:solidFill>
                   <a:srgbClr val="FFFFFF"/>
                 </a:solidFill>
@@ -7658,17 +7595,8 @@
               <a:rPr lang="nl-BE" sz="2000" dirty="0" smtClean="0">
                 <a:latin typeface="Sitka Banner" pitchFamily="2" charset="0"/>
               </a:rPr>
-              <a:t>Onderscheid van use cases in aparte </a:t>
-            </a:r>
-            <a:r>
-              <a:rPr lang="nl-BE" sz="2000" dirty="0" smtClean="0">
-                <a:latin typeface="Sitka Banner" pitchFamily="2" charset="0"/>
-              </a:rPr>
-              <a:t>packages</a:t>
-            </a:r>
-            <a:endParaRPr lang="nl-BE" sz="2000" dirty="0" smtClean="0">
-              <a:latin typeface="Sitka Banner" pitchFamily="2" charset="0"/>
-            </a:endParaRPr>
+              <a:t>Onderscheid van use cases in aparte packages</a:t>
+            </a:r>
           </a:p>
           <a:p>
             <a:pPr marL="285750" indent="-285750">
@@ -7679,19 +7607,7 @@
               <a:rPr lang="nl-BE" sz="2000" dirty="0" smtClean="0">
                 <a:latin typeface="Sitka Banner" pitchFamily="2" charset="0"/>
               </a:rPr>
-              <a:t>Uitbreiding </a:t>
-            </a:r>
-            <a:r>
-              <a:rPr lang="nl-BE" sz="2000" dirty="0" smtClean="0">
-                <a:latin typeface="Sitka Banner" pitchFamily="2" charset="0"/>
-              </a:rPr>
-              <a:t>van domeinlaag: Mailbox, </a:t>
-            </a:r>
-            <a:r>
-              <a:rPr lang="nl-BE" sz="2000" dirty="0" smtClean="0">
-                <a:latin typeface="Sitka Banner" pitchFamily="2" charset="0"/>
-              </a:rPr>
-              <a:t>Milestone</a:t>
+              <a:t>Uitbreiding van domeinlaag: Mailbox, Milestone</a:t>
             </a:r>
           </a:p>
           <a:p>
@@ -7703,19 +7619,7 @@
               <a:rPr lang="nl-BE" sz="2000" dirty="0" smtClean="0">
                 <a:latin typeface="Sitka Banner" pitchFamily="2" charset="0"/>
               </a:rPr>
-              <a:t>Uitbreiding </a:t>
-            </a:r>
-            <a:r>
-              <a:rPr lang="nl-BE" sz="2000" dirty="0" smtClean="0">
-                <a:latin typeface="Sitka Banner" pitchFamily="2" charset="0"/>
-              </a:rPr>
-              <a:t>domeinlaag toegevoegd zoals in de eerste </a:t>
-            </a:r>
-            <a:r>
-              <a:rPr lang="nl-BE" sz="2000" dirty="0" smtClean="0">
-                <a:latin typeface="Sitka Banner" pitchFamily="2" charset="0"/>
-              </a:rPr>
-              <a:t>iteratie</a:t>
+              <a:t>Uitbreiding domeinlaag toegevoegd zoals in de eerste iteratie</a:t>
             </a:r>
           </a:p>
         </p:txBody>
@@ -7723,7 +7627,7 @@
     </p:spTree>
     <p:extLst>
       <p:ext uri="{BB962C8B-B14F-4D97-AF65-F5344CB8AC3E}">
-        <p14:creationId xmlns:p14="http://schemas.microsoft.com/office/powerpoint/2010/main" xmlns="" val="4238244720"/>
+        <p14:creationId xmlns:p14="http://schemas.microsoft.com/office/powerpoint/2010/main" val="4238244720"/>
       </p:ext>
     </p:extLst>
   </p:cSld>
@@ -8028,7 +7932,7 @@
     </p:spTree>
     <p:extLst>
       <p:ext uri="{BB962C8B-B14F-4D97-AF65-F5344CB8AC3E}">
-        <p14:creationId xmlns:p14="http://schemas.microsoft.com/office/powerpoint/2010/main" xmlns="" val="983478496"/>
+        <p14:creationId xmlns:p14="http://schemas.microsoft.com/office/powerpoint/2010/main" val="983478496"/>
       </p:ext>
     </p:extLst>
   </p:cSld>
@@ -8491,8 +8395,17 @@
               <a:rPr lang="nl-NL" sz="2400" b="1" dirty="0">
                 <a:latin typeface="Sitka Banner" pitchFamily="2" charset="0"/>
               </a:rPr>
-              <a:t>Tags zijn STATES</a:t>
-            </a:r>
+              <a:t>Tags </a:t>
+            </a:r>
+            <a:r>
+              <a:rPr lang="nl-NL" sz="2400" b="1" dirty="0" smtClean="0">
+                <a:latin typeface="Sitka Banner" pitchFamily="2" charset="0"/>
+              </a:rPr>
+              <a:t>are STATES</a:t>
+            </a:r>
+            <a:endParaRPr lang="nl-NL" sz="2400" b="1" dirty="0">
+              <a:latin typeface="Sitka Banner" pitchFamily="2" charset="0"/>
+            </a:endParaRPr>
           </a:p>
         </p:txBody>
       </p:sp>
@@ -8520,30 +8433,99 @@
           <a:p>
             <a:pPr algn="ctr"/>
             <a:r>
-              <a:rPr lang="nl-NL" dirty="0">
-                <a:latin typeface="Sitka Banner" pitchFamily="2" charset="0"/>
-              </a:rPr>
-              <a:t>Het gedrag van </a:t>
-            </a:r>
-            <a:r>
-              <a:rPr lang="nl-NL" dirty="0" err="1">
-                <a:latin typeface="Sitka Banner" pitchFamily="2" charset="0"/>
-              </a:rPr>
-              <a:t>Bugreport</a:t>
-            </a:r>
-            <a:r>
-              <a:rPr lang="nl-NL" dirty="0">
-                <a:latin typeface="Sitka Banner" pitchFamily="2" charset="0"/>
-              </a:rPr>
-              <a:t> is afhankelijk van de tag die toegekend is.</a:t>
-            </a:r>
+              <a:rPr lang="nl-NL" dirty="0" smtClean="0">
+                <a:latin typeface="Sitka Banner" pitchFamily="2" charset="0"/>
+              </a:rPr>
+              <a:t>The </a:t>
+            </a:r>
+            <a:r>
+              <a:rPr lang="nl-NL" dirty="0" err="1" smtClean="0">
+                <a:latin typeface="Sitka Banner" pitchFamily="2" charset="0"/>
+              </a:rPr>
+              <a:t>behaviour</a:t>
+            </a:r>
+            <a:r>
+              <a:rPr lang="nl-NL" dirty="0" smtClean="0">
+                <a:latin typeface="Sitka Banner" pitchFamily="2" charset="0"/>
+              </a:rPr>
+              <a:t> of a </a:t>
+            </a:r>
+            <a:r>
+              <a:rPr lang="nl-NL" dirty="0" err="1" smtClean="0">
+                <a:latin typeface="Sitka Banner" pitchFamily="2" charset="0"/>
+              </a:rPr>
+              <a:t>bugreport</a:t>
+            </a:r>
+            <a:r>
+              <a:rPr lang="nl-NL" dirty="0" smtClean="0">
+                <a:latin typeface="Sitka Banner" pitchFamily="2" charset="0"/>
+              </a:rPr>
+              <a:t> </a:t>
+            </a:r>
+            <a:r>
+              <a:rPr lang="nl-NL" dirty="0" err="1" smtClean="0">
+                <a:latin typeface="Sitka Banner" pitchFamily="2" charset="0"/>
+              </a:rPr>
+              <a:t>depends</a:t>
+            </a:r>
+            <a:r>
+              <a:rPr lang="nl-NL" dirty="0" smtClean="0">
+                <a:latin typeface="Sitka Banner" pitchFamily="2" charset="0"/>
+              </a:rPr>
+              <a:t> on </a:t>
+            </a:r>
+            <a:r>
+              <a:rPr lang="nl-NL" dirty="0" err="1" smtClean="0">
+                <a:latin typeface="Sitka Banner" pitchFamily="2" charset="0"/>
+              </a:rPr>
+              <a:t>the</a:t>
+            </a:r>
+            <a:r>
+              <a:rPr lang="nl-NL" dirty="0" smtClean="0">
+                <a:latin typeface="Sitka Banner" pitchFamily="2" charset="0"/>
+              </a:rPr>
+              <a:t> tag </a:t>
+            </a:r>
+            <a:r>
+              <a:rPr lang="nl-NL" dirty="0" err="1" smtClean="0">
+                <a:latin typeface="Sitka Banner" pitchFamily="2" charset="0"/>
+              </a:rPr>
+              <a:t>assigned</a:t>
+            </a:r>
+            <a:r>
+              <a:rPr lang="nl-NL" dirty="0" smtClean="0">
+                <a:latin typeface="Sitka Banner" pitchFamily="2" charset="0"/>
+              </a:rPr>
+              <a:t> </a:t>
+            </a:r>
+            <a:r>
+              <a:rPr lang="nl-NL" dirty="0" err="1" smtClean="0">
+                <a:latin typeface="Sitka Banner" pitchFamily="2" charset="0"/>
+              </a:rPr>
+              <a:t>to</a:t>
+            </a:r>
+            <a:r>
+              <a:rPr lang="nl-NL" dirty="0" smtClean="0">
+                <a:latin typeface="Sitka Banner" pitchFamily="2" charset="0"/>
+              </a:rPr>
+              <a:t> </a:t>
+            </a:r>
+            <a:r>
+              <a:rPr lang="nl-NL" dirty="0" err="1" smtClean="0">
+                <a:latin typeface="Sitka Banner" pitchFamily="2" charset="0"/>
+              </a:rPr>
+              <a:t>it</a:t>
+            </a:r>
+            <a:endParaRPr lang="nl-NL" dirty="0">
+              <a:latin typeface="Sitka Banner" pitchFamily="2" charset="0"/>
+            </a:endParaRPr>
           </a:p>
         </p:txBody>
       </p:sp>
     </p:spTree>
     <p:extLst>
       <p:ext uri="{BB962C8B-B14F-4D97-AF65-F5344CB8AC3E}">
-        <p14:creationId xmlns:p14="http://schemas.microsoft.com/office/powerpoint/2010/main" xmlns="" val="467284758"/>
+        <p14:creationId xmlns:p14="http://schemas.microsoft.com/office/powerpoint/2010/main" val="467284758"/>
       </p:ext>
     </p:extLst>
   </p:cSld>
@@ -8654,7 +8636,7 @@
             </a:clrChange>
             <a:extLst>
               <a:ext uri="{28A0092B-C50C-407E-A947-70E740481C1C}">
-                <a14:useLocalDpi xmlns:a14="http://schemas.microsoft.com/office/drawing/2010/main" xmlns="" val="0"/>
+                <a14:useLocalDpi xmlns:a14="http://schemas.microsoft.com/office/drawing/2010/main" val="0"/>
               </a:ext>
             </a:extLst>
           </a:blip>
@@ -8721,7 +8703,7 @@
     </p:spTree>
     <p:extLst>
       <p:ext uri="{BB962C8B-B14F-4D97-AF65-F5344CB8AC3E}">
-        <p14:creationId xmlns:p14="http://schemas.microsoft.com/office/powerpoint/2010/main" xmlns="" val="307230627"/>
+        <p14:creationId xmlns:p14="http://schemas.microsoft.com/office/powerpoint/2010/main" val="307230627"/>
       </p:ext>
     </p:extLst>
   </p:cSld>
@@ -8846,7 +8828,7 @@
             </a:clrChange>
             <a:extLst>
               <a:ext uri="{28A0092B-C50C-407E-A947-70E740481C1C}">
-                <a14:useLocalDpi xmlns:a14="http://schemas.microsoft.com/office/drawing/2010/main" xmlns="" val="0"/>
+                <a14:useLocalDpi xmlns:a14="http://schemas.microsoft.com/office/drawing/2010/main" val="0"/>
               </a:ext>
             </a:extLst>
           </a:blip>
@@ -8960,7 +8942,7 @@
     </p:spTree>
     <p:extLst>
       <p:ext uri="{BB962C8B-B14F-4D97-AF65-F5344CB8AC3E}">
-        <p14:creationId xmlns:p14="http://schemas.microsoft.com/office/powerpoint/2010/main" xmlns="" val="1074460601"/>
+        <p14:creationId xmlns:p14="http://schemas.microsoft.com/office/powerpoint/2010/main" val="1074460601"/>
       </p:ext>
     </p:extLst>
   </p:cSld>

--- a/Presentaties/Iteratie 2/SWOP Presentatie 2 Inhoud.pptx
+++ b/Presentaties/Iteratie 2/SWOP Presentatie 2 Inhoud.pptx
@@ -11,21 +11,22 @@
     <p:sldId id="258" r:id="rId5"/>
     <p:sldId id="285" r:id="rId6"/>
     <p:sldId id="286" r:id="rId7"/>
-    <p:sldId id="280" r:id="rId8"/>
-    <p:sldId id="281" r:id="rId9"/>
-    <p:sldId id="282" r:id="rId10"/>
-    <p:sldId id="283" r:id="rId11"/>
-    <p:sldId id="284" r:id="rId12"/>
-    <p:sldId id="277" r:id="rId13"/>
-    <p:sldId id="279" r:id="rId14"/>
-    <p:sldId id="278" r:id="rId15"/>
-    <p:sldId id="259" r:id="rId16"/>
-    <p:sldId id="270" r:id="rId17"/>
-    <p:sldId id="274" r:id="rId18"/>
-    <p:sldId id="260" r:id="rId19"/>
-    <p:sldId id="261" r:id="rId20"/>
-    <p:sldId id="262" r:id="rId21"/>
-    <p:sldId id="275" r:id="rId22"/>
+    <p:sldId id="289" r:id="rId8"/>
+    <p:sldId id="280" r:id="rId9"/>
+    <p:sldId id="281" r:id="rId10"/>
+    <p:sldId id="282" r:id="rId11"/>
+    <p:sldId id="283" r:id="rId12"/>
+    <p:sldId id="284" r:id="rId13"/>
+    <p:sldId id="277" r:id="rId14"/>
+    <p:sldId id="279" r:id="rId15"/>
+    <p:sldId id="278" r:id="rId16"/>
+    <p:sldId id="259" r:id="rId17"/>
+    <p:sldId id="270" r:id="rId18"/>
+    <p:sldId id="274" r:id="rId19"/>
+    <p:sldId id="260" r:id="rId20"/>
+    <p:sldId id="261" r:id="rId21"/>
+    <p:sldId id="262" r:id="rId22"/>
+    <p:sldId id="275" r:id="rId23"/>
   </p:sldIdLst>
   <p:sldSz cx="9144000" cy="6858000" type="screen4x3"/>
   <p:notesSz cx="6858000" cy="9144000"/>
@@ -126,7 +127,7 @@
   </p:defaultTextStyle>
   <p:extLst>
     <p:ext uri="{EFAFB233-063F-42B5-8137-9DF3F51BA10A}">
-      <p15:sldGuideLst xmlns:p15="http://schemas.microsoft.com/office/powerpoint/2012/main">
+      <p15:sldGuideLst xmlns:p15="http://schemas.microsoft.com/office/powerpoint/2012/main" xmlns="">
         <p15:guide id="1" orient="horz" pos="2160">
           <p15:clr>
             <a:srgbClr val="A4A3A4"/>
@@ -325,7 +326,7 @@
             <a:fld id="{0F5E03E0-8FDD-4F94-8780-E28EA23ED5EC}" type="datetimeFigureOut">
               <a:rPr lang="nl-BE" smtClean="0"/>
               <a:pPr/>
-              <a:t>19/04/16</a:t>
+              <a:t>20/04/2016</a:t>
             </a:fld>
             <a:endParaRPr lang="nl-BE"/>
           </a:p>
@@ -368,7 +369,7 @@
             <a:fld id="{91663F60-0288-4BD7-9F87-79CFFEA98662}" type="slidenum">
               <a:rPr lang="nl-BE" smtClean="0"/>
               <a:pPr/>
-              <a:t>‹nr.›</a:t>
+              <a:t>‹Nr.›</a:t>
             </a:fld>
             <a:endParaRPr lang="nl-BE"/>
           </a:p>
@@ -377,7 +378,7 @@
     </p:spTree>
     <p:extLst>
       <p:ext uri="{BB962C8B-B14F-4D97-AF65-F5344CB8AC3E}">
-        <p14:creationId xmlns:p14="http://schemas.microsoft.com/office/powerpoint/2010/main" val="3963083300"/>
+        <p14:creationId xmlns:p14="http://schemas.microsoft.com/office/powerpoint/2010/main" xmlns="" val="3963083300"/>
       </p:ext>
     </p:extLst>
   </p:cSld>
@@ -500,7 +501,7 @@
             <a:fld id="{0F5E03E0-8FDD-4F94-8780-E28EA23ED5EC}" type="datetimeFigureOut">
               <a:rPr lang="nl-BE" smtClean="0"/>
               <a:pPr/>
-              <a:t>19/04/16</a:t>
+              <a:t>20/04/2016</a:t>
             </a:fld>
             <a:endParaRPr lang="nl-BE"/>
           </a:p>
@@ -543,7 +544,7 @@
             <a:fld id="{91663F60-0288-4BD7-9F87-79CFFEA98662}" type="slidenum">
               <a:rPr lang="nl-BE" smtClean="0"/>
               <a:pPr/>
-              <a:t>‹nr.›</a:t>
+              <a:t>‹Nr.›</a:t>
             </a:fld>
             <a:endParaRPr lang="nl-BE"/>
           </a:p>
@@ -552,7 +553,7 @@
     </p:spTree>
     <p:extLst>
       <p:ext uri="{BB962C8B-B14F-4D97-AF65-F5344CB8AC3E}">
-        <p14:creationId xmlns:p14="http://schemas.microsoft.com/office/powerpoint/2010/main" val="1367293728"/>
+        <p14:creationId xmlns:p14="http://schemas.microsoft.com/office/powerpoint/2010/main" xmlns="" val="1367293728"/>
       </p:ext>
     </p:extLst>
   </p:cSld>
@@ -685,7 +686,7 @@
             <a:fld id="{0F5E03E0-8FDD-4F94-8780-E28EA23ED5EC}" type="datetimeFigureOut">
               <a:rPr lang="nl-BE" smtClean="0"/>
               <a:pPr/>
-              <a:t>19/04/16</a:t>
+              <a:t>20/04/2016</a:t>
             </a:fld>
             <a:endParaRPr lang="nl-BE"/>
           </a:p>
@@ -728,7 +729,7 @@
             <a:fld id="{91663F60-0288-4BD7-9F87-79CFFEA98662}" type="slidenum">
               <a:rPr lang="nl-BE" smtClean="0"/>
               <a:pPr/>
-              <a:t>‹nr.›</a:t>
+              <a:t>‹Nr.›</a:t>
             </a:fld>
             <a:endParaRPr lang="nl-BE"/>
           </a:p>
@@ -737,7 +738,7 @@
     </p:spTree>
     <p:extLst>
       <p:ext uri="{BB962C8B-B14F-4D97-AF65-F5344CB8AC3E}">
-        <p14:creationId xmlns:p14="http://schemas.microsoft.com/office/powerpoint/2010/main" val="3320721104"/>
+        <p14:creationId xmlns:p14="http://schemas.microsoft.com/office/powerpoint/2010/main" xmlns="" val="3320721104"/>
       </p:ext>
     </p:extLst>
   </p:cSld>
@@ -860,7 +861,7 @@
             <a:fld id="{0F5E03E0-8FDD-4F94-8780-E28EA23ED5EC}" type="datetimeFigureOut">
               <a:rPr lang="nl-BE" smtClean="0"/>
               <a:pPr/>
-              <a:t>19/04/16</a:t>
+              <a:t>20/04/2016</a:t>
             </a:fld>
             <a:endParaRPr lang="nl-BE"/>
           </a:p>
@@ -903,7 +904,7 @@
             <a:fld id="{91663F60-0288-4BD7-9F87-79CFFEA98662}" type="slidenum">
               <a:rPr lang="nl-BE" smtClean="0"/>
               <a:pPr/>
-              <a:t>‹nr.›</a:t>
+              <a:t>‹Nr.›</a:t>
             </a:fld>
             <a:endParaRPr lang="nl-BE"/>
           </a:p>
@@ -912,7 +913,7 @@
     </p:spTree>
     <p:extLst>
       <p:ext uri="{BB962C8B-B14F-4D97-AF65-F5344CB8AC3E}">
-        <p14:creationId xmlns:p14="http://schemas.microsoft.com/office/powerpoint/2010/main" val="1971972017"/>
+        <p14:creationId xmlns:p14="http://schemas.microsoft.com/office/powerpoint/2010/main" xmlns="" val="1971972017"/>
       </p:ext>
     </p:extLst>
   </p:cSld>
@@ -1111,7 +1112,7 @@
             <a:fld id="{0F5E03E0-8FDD-4F94-8780-E28EA23ED5EC}" type="datetimeFigureOut">
               <a:rPr lang="nl-BE" smtClean="0"/>
               <a:pPr/>
-              <a:t>19/04/16</a:t>
+              <a:t>20/04/2016</a:t>
             </a:fld>
             <a:endParaRPr lang="nl-BE"/>
           </a:p>
@@ -1154,7 +1155,7 @@
             <a:fld id="{91663F60-0288-4BD7-9F87-79CFFEA98662}" type="slidenum">
               <a:rPr lang="nl-BE" smtClean="0"/>
               <a:pPr/>
-              <a:t>‹nr.›</a:t>
+              <a:t>‹Nr.›</a:t>
             </a:fld>
             <a:endParaRPr lang="nl-BE"/>
           </a:p>
@@ -1163,7 +1164,7 @@
     </p:spTree>
     <p:extLst>
       <p:ext uri="{BB962C8B-B14F-4D97-AF65-F5344CB8AC3E}">
-        <p14:creationId xmlns:p14="http://schemas.microsoft.com/office/powerpoint/2010/main" val="1541596771"/>
+        <p14:creationId xmlns:p14="http://schemas.microsoft.com/office/powerpoint/2010/main" xmlns="" val="1541596771"/>
       </p:ext>
     </p:extLst>
   </p:cSld>
@@ -1404,7 +1405,7 @@
             <a:fld id="{0F5E03E0-8FDD-4F94-8780-E28EA23ED5EC}" type="datetimeFigureOut">
               <a:rPr lang="nl-BE" smtClean="0"/>
               <a:pPr/>
-              <a:t>19/04/16</a:t>
+              <a:t>20/04/2016</a:t>
             </a:fld>
             <a:endParaRPr lang="nl-BE"/>
           </a:p>
@@ -1447,7 +1448,7 @@
             <a:fld id="{91663F60-0288-4BD7-9F87-79CFFEA98662}" type="slidenum">
               <a:rPr lang="nl-BE" smtClean="0"/>
               <a:pPr/>
-              <a:t>‹nr.›</a:t>
+              <a:t>‹Nr.›</a:t>
             </a:fld>
             <a:endParaRPr lang="nl-BE"/>
           </a:p>
@@ -1456,7 +1457,7 @@
     </p:spTree>
     <p:extLst>
       <p:ext uri="{BB962C8B-B14F-4D97-AF65-F5344CB8AC3E}">
-        <p14:creationId xmlns:p14="http://schemas.microsoft.com/office/powerpoint/2010/main" val="1047982118"/>
+        <p14:creationId xmlns:p14="http://schemas.microsoft.com/office/powerpoint/2010/main" xmlns="" val="1047982118"/>
       </p:ext>
     </p:extLst>
   </p:cSld>
@@ -1831,7 +1832,7 @@
             <a:fld id="{0F5E03E0-8FDD-4F94-8780-E28EA23ED5EC}" type="datetimeFigureOut">
               <a:rPr lang="nl-BE" smtClean="0"/>
               <a:pPr/>
-              <a:t>19/04/16</a:t>
+              <a:t>20/04/2016</a:t>
             </a:fld>
             <a:endParaRPr lang="nl-BE"/>
           </a:p>
@@ -1874,7 +1875,7 @@
             <a:fld id="{91663F60-0288-4BD7-9F87-79CFFEA98662}" type="slidenum">
               <a:rPr lang="nl-BE" smtClean="0"/>
               <a:pPr/>
-              <a:t>‹nr.›</a:t>
+              <a:t>‹Nr.›</a:t>
             </a:fld>
             <a:endParaRPr lang="nl-BE"/>
           </a:p>
@@ -1883,7 +1884,7 @@
     </p:spTree>
     <p:extLst>
       <p:ext uri="{BB962C8B-B14F-4D97-AF65-F5344CB8AC3E}">
-        <p14:creationId xmlns:p14="http://schemas.microsoft.com/office/powerpoint/2010/main" val="2185725893"/>
+        <p14:creationId xmlns:p14="http://schemas.microsoft.com/office/powerpoint/2010/main" xmlns="" val="2185725893"/>
       </p:ext>
     </p:extLst>
   </p:cSld>
@@ -1954,7 +1955,7 @@
             <a:fld id="{0F5E03E0-8FDD-4F94-8780-E28EA23ED5EC}" type="datetimeFigureOut">
               <a:rPr lang="nl-BE" smtClean="0"/>
               <a:pPr/>
-              <a:t>19/04/16</a:t>
+              <a:t>20/04/2016</a:t>
             </a:fld>
             <a:endParaRPr lang="nl-BE"/>
           </a:p>
@@ -1997,7 +1998,7 @@
             <a:fld id="{91663F60-0288-4BD7-9F87-79CFFEA98662}" type="slidenum">
               <a:rPr lang="nl-BE" smtClean="0"/>
               <a:pPr/>
-              <a:t>‹nr.›</a:t>
+              <a:t>‹Nr.›</a:t>
             </a:fld>
             <a:endParaRPr lang="nl-BE"/>
           </a:p>
@@ -2006,7 +2007,7 @@
     </p:spTree>
     <p:extLst>
       <p:ext uri="{BB962C8B-B14F-4D97-AF65-F5344CB8AC3E}">
-        <p14:creationId xmlns:p14="http://schemas.microsoft.com/office/powerpoint/2010/main" val="1565659618"/>
+        <p14:creationId xmlns:p14="http://schemas.microsoft.com/office/powerpoint/2010/main" xmlns="" val="1565659618"/>
       </p:ext>
     </p:extLst>
   </p:cSld>
@@ -2054,7 +2055,7 @@
             <a:fld id="{0F5E03E0-8FDD-4F94-8780-E28EA23ED5EC}" type="datetimeFigureOut">
               <a:rPr lang="nl-BE" smtClean="0"/>
               <a:pPr/>
-              <a:t>19/04/16</a:t>
+              <a:t>20/04/2016</a:t>
             </a:fld>
             <a:endParaRPr lang="nl-BE"/>
           </a:p>
@@ -2097,7 +2098,7 @@
             <a:fld id="{91663F60-0288-4BD7-9F87-79CFFEA98662}" type="slidenum">
               <a:rPr lang="nl-BE" smtClean="0"/>
               <a:pPr/>
-              <a:t>‹nr.›</a:t>
+              <a:t>‹Nr.›</a:t>
             </a:fld>
             <a:endParaRPr lang="nl-BE"/>
           </a:p>
@@ -2106,7 +2107,7 @@
     </p:spTree>
     <p:extLst>
       <p:ext uri="{BB962C8B-B14F-4D97-AF65-F5344CB8AC3E}">
-        <p14:creationId xmlns:p14="http://schemas.microsoft.com/office/powerpoint/2010/main" val="2302775655"/>
+        <p14:creationId xmlns:p14="http://schemas.microsoft.com/office/powerpoint/2010/main" xmlns="" val="2302775655"/>
       </p:ext>
     </p:extLst>
   </p:cSld>
@@ -2336,7 +2337,7 @@
             <a:fld id="{0F5E03E0-8FDD-4F94-8780-E28EA23ED5EC}" type="datetimeFigureOut">
               <a:rPr lang="nl-BE" smtClean="0"/>
               <a:pPr/>
-              <a:t>19/04/16</a:t>
+              <a:t>20/04/2016</a:t>
             </a:fld>
             <a:endParaRPr lang="nl-BE"/>
           </a:p>
@@ -2379,7 +2380,7 @@
             <a:fld id="{91663F60-0288-4BD7-9F87-79CFFEA98662}" type="slidenum">
               <a:rPr lang="nl-BE" smtClean="0"/>
               <a:pPr/>
-              <a:t>‹nr.›</a:t>
+              <a:t>‹Nr.›</a:t>
             </a:fld>
             <a:endParaRPr lang="nl-BE"/>
           </a:p>
@@ -2388,7 +2389,7 @@
     </p:spTree>
     <p:extLst>
       <p:ext uri="{BB962C8B-B14F-4D97-AF65-F5344CB8AC3E}">
-        <p14:creationId xmlns:p14="http://schemas.microsoft.com/office/powerpoint/2010/main" val="2384358470"/>
+        <p14:creationId xmlns:p14="http://schemas.microsoft.com/office/powerpoint/2010/main" xmlns="" val="2384358470"/>
       </p:ext>
     </p:extLst>
   </p:cSld>
@@ -2594,7 +2595,7 @@
             <a:fld id="{0F5E03E0-8FDD-4F94-8780-E28EA23ED5EC}" type="datetimeFigureOut">
               <a:rPr lang="nl-BE" smtClean="0"/>
               <a:pPr/>
-              <a:t>19/04/16</a:t>
+              <a:t>20/04/2016</a:t>
             </a:fld>
             <a:endParaRPr lang="nl-BE"/>
           </a:p>
@@ -2637,7 +2638,7 @@
             <a:fld id="{91663F60-0288-4BD7-9F87-79CFFEA98662}" type="slidenum">
               <a:rPr lang="nl-BE" smtClean="0"/>
               <a:pPr/>
-              <a:t>‹nr.›</a:t>
+              <a:t>‹Nr.›</a:t>
             </a:fld>
             <a:endParaRPr lang="nl-BE"/>
           </a:p>
@@ -2646,7 +2647,7 @@
     </p:spTree>
     <p:extLst>
       <p:ext uri="{BB962C8B-B14F-4D97-AF65-F5344CB8AC3E}">
-        <p14:creationId xmlns:p14="http://schemas.microsoft.com/office/powerpoint/2010/main" val="221485852"/>
+        <p14:creationId xmlns:p14="http://schemas.microsoft.com/office/powerpoint/2010/main" xmlns="" val="221485852"/>
       </p:ext>
     </p:extLst>
   </p:cSld>
@@ -2836,7 +2837,7 @@
             <a:fld id="{0F5E03E0-8FDD-4F94-8780-E28EA23ED5EC}" type="datetimeFigureOut">
               <a:rPr lang="nl-BE" smtClean="0"/>
               <a:pPr/>
-              <a:t>19/04/16</a:t>
+              <a:t>20/04/2016</a:t>
             </a:fld>
             <a:endParaRPr lang="nl-BE"/>
           </a:p>
@@ -2915,7 +2916,7 @@
             <a:fld id="{91663F60-0288-4BD7-9F87-79CFFEA98662}" type="slidenum">
               <a:rPr lang="nl-BE" smtClean="0"/>
               <a:pPr/>
-              <a:t>‹nr.›</a:t>
+              <a:t>‹Nr.›</a:t>
             </a:fld>
             <a:endParaRPr lang="nl-BE"/>
           </a:p>
@@ -2924,7 +2925,7 @@
     </p:spTree>
     <p:extLst>
       <p:ext uri="{BB962C8B-B14F-4D97-AF65-F5344CB8AC3E}">
-        <p14:creationId xmlns:p14="http://schemas.microsoft.com/office/powerpoint/2010/main" val="2268232388"/>
+        <p14:creationId xmlns:p14="http://schemas.microsoft.com/office/powerpoint/2010/main" xmlns="" val="2268232388"/>
       </p:ext>
     </p:extLst>
   </p:cSld>
@@ -3553,7 +3554,7 @@
     </p:spTree>
     <p:extLst>
       <p:ext uri="{BB962C8B-B14F-4D97-AF65-F5344CB8AC3E}">
-        <p14:creationId xmlns:p14="http://schemas.microsoft.com/office/powerpoint/2010/main" val="1089514898"/>
+        <p14:creationId xmlns:p14="http://schemas.microsoft.com/office/powerpoint/2010/main" xmlns="" val="1089514898"/>
       </p:ext>
     </p:extLst>
   </p:cSld>
@@ -3602,9 +3603,7 @@
         </p:nvSpPr>
         <p:spPr/>
         <p:txBody>
-          <a:bodyPr>
-            <a:normAutofit/>
-          </a:bodyPr>
+          <a:bodyPr/>
           <a:lstStyle/>
           <a:p>
             <a:r>
@@ -3626,11 +3625,75 @@
                 </a:effectLst>
                 <a:latin typeface="Sitka Text" pitchFamily="2" charset="0"/>
               </a:rPr>
-              <a:t>State pattern: Concrete Example</a:t>
-            </a:r>
-          </a:p>
-        </p:txBody>
-      </p:sp>
+              <a:t>State</a:t>
+            </a:r>
+            <a:r>
+              <a:rPr lang="nl-BE" dirty="0" smtClean="0"/>
+              <a:t> </a:t>
+            </a:r>
+            <a:r>
+              <a:rPr lang="nl-BE" sz="3600" cap="small" dirty="0">
+                <a:ln w="18415" cmpd="sng">
+                  <a:solidFill>
+                    <a:schemeClr val="tx1">
+                      <a:alpha val="0"/>
+                    </a:schemeClr>
+                  </a:solidFill>
+                  <a:prstDash val="solid"/>
+                </a:ln>
+                <a:effectLst>
+                  <a:outerShdw blurRad="25400" dir="3600000" algn="tl" rotWithShape="0">
+                    <a:srgbClr val="000000">
+                      <a:alpha val="70000"/>
+                    </a:srgbClr>
+                  </a:outerShdw>
+                </a:effectLst>
+                <a:latin typeface="Sitka Text" pitchFamily="2" charset="0"/>
+              </a:rPr>
+              <a:t>pattern: Abstract</a:t>
+            </a:r>
+          </a:p>
+        </p:txBody>
+      </p:sp>
+      <p:pic>
+        <p:nvPicPr>
+          <p:cNvPr id="4" name="Tijdelijke aanduiding voor inhoud 3"/>
+          <p:cNvPicPr>
+            <a:picLocks noGrp="1" noChangeAspect="1"/>
+          </p:cNvPicPr>
+          <p:nvPr>
+            <p:ph idx="1"/>
+          </p:nvPr>
+        </p:nvPicPr>
+        <p:blipFill>
+          <a:blip r:embed="rId2" cstate="print">
+            <a:clrChange>
+              <a:clrFrom>
+                <a:srgbClr val="FFFFFF"/>
+              </a:clrFrom>
+              <a:clrTo>
+                <a:srgbClr val="FFFFFF">
+                  <a:alpha val="0"/>
+                </a:srgbClr>
+              </a:clrTo>
+            </a:clrChange>
+            <a:extLst>
+              <a:ext uri="{28A0092B-C50C-407E-A947-70E740481C1C}">
+                <a14:useLocalDpi xmlns:a14="http://schemas.microsoft.com/office/drawing/2010/main" xmlns="" val="0"/>
+              </a:ext>
+            </a:extLst>
+          </a:blip>
+          <a:stretch>
+            <a:fillRect/>
+          </a:stretch>
+        </p:blipFill>
+        <p:spPr>
+          <a:xfrm>
+            <a:off x="99368" y="3626089"/>
+            <a:ext cx="8937128" cy="1819135"/>
+          </a:xfrm>
+        </p:spPr>
+      </p:pic>
       <p:sp>
         <p:nvSpPr>
           <p:cNvPr id="5" name="Tekstvak 4"/>
@@ -3639,16 +3702,13 @@
         </p:nvSpPr>
         <p:spPr>
           <a:xfrm>
-            <a:off x="786408" y="1556792"/>
-            <a:ext cx="3456383" cy="923330"/>
+            <a:off x="2577704" y="2420888"/>
+            <a:ext cx="3988592" cy="369332"/>
           </a:xfrm>
           <a:prstGeom prst="rect">
             <a:avLst/>
           </a:prstGeom>
           <a:noFill/>
-          <a:ln>
-            <a:noFill/>
-          </a:ln>
         </p:spPr>
         <p:style>
           <a:lnRef idx="2">
@@ -3665,838 +3725,66 @@
           </a:fontRef>
         </p:style>
         <p:txBody>
-          <a:bodyPr wrap="square" rtlCol="0">
+          <a:bodyPr wrap="none" rtlCol="0">
             <a:spAutoFit/>
           </a:bodyPr>
           <a:lstStyle/>
           <a:p>
             <a:r>
-              <a:rPr lang="is-IS" i="1" dirty="0" smtClean="0">
-                <a:solidFill>
-                  <a:schemeClr val="tx1">
-                    <a:lumMod val="50000"/>
-                    <a:lumOff val="50000"/>
-                  </a:schemeClr>
-                </a:solidFill>
-                <a:latin typeface="Sitka Banner" pitchFamily="2" charset="0"/>
-              </a:rPr>
-              <a:t>“…</a:t>
-            </a:r>
-            <a:r>
-              <a:rPr lang="nl-NL" i="1" dirty="0" err="1" smtClean="0">
-                <a:solidFill>
-                  <a:schemeClr val="tx1">
-                    <a:lumMod val="50000"/>
-                    <a:lumOff val="50000"/>
-                  </a:schemeClr>
-                </a:solidFill>
-                <a:latin typeface="Sitka Banner" pitchFamily="2" charset="0"/>
-              </a:rPr>
-              <a:t>after</a:t>
-            </a:r>
-            <a:r>
-              <a:rPr lang="nl-NL" i="1" dirty="0" smtClean="0">
-                <a:solidFill>
-                  <a:schemeClr val="tx1">
-                    <a:lumMod val="50000"/>
-                    <a:lumOff val="50000"/>
-                  </a:schemeClr>
-                </a:solidFill>
+              <a:rPr lang="nl-NL" dirty="0" err="1" smtClean="0">
+                <a:latin typeface="Sitka Banner" pitchFamily="2" charset="0"/>
+              </a:rPr>
+              <a:t>BugReport</a:t>
+            </a:r>
+            <a:r>
+              <a:rPr lang="nl-NL" dirty="0" smtClean="0">
+                <a:latin typeface="Sitka Banner" pitchFamily="2" charset="0"/>
+              </a:rPr>
+              <a:t> calls Tag </a:t>
+            </a:r>
+            <a:r>
+              <a:rPr lang="nl-NL" dirty="0" err="1" smtClean="0">
+                <a:latin typeface="Sitka Banner" pitchFamily="2" charset="0"/>
+              </a:rPr>
+              <a:t>to</a:t>
+            </a:r>
+            <a:r>
+              <a:rPr lang="nl-NL" dirty="0" smtClean="0">
                 <a:latin typeface="Sitka Banner" pitchFamily="2" charset="0"/>
               </a:rPr>
               <a:t> </a:t>
             </a:r>
             <a:r>
-              <a:rPr lang="nl-NL" i="1" dirty="0" err="1">
-                <a:solidFill>
-                  <a:schemeClr val="tx1">
-                    <a:lumMod val="50000"/>
-                    <a:lumOff val="50000"/>
-                  </a:schemeClr>
-                </a:solidFill>
+              <a:rPr lang="nl-NL" dirty="0" err="1" smtClean="0">
+                <a:latin typeface="Sitka Banner" pitchFamily="2" charset="0"/>
+              </a:rPr>
+              <a:t>execute</a:t>
+            </a:r>
+            <a:r>
+              <a:rPr lang="nl-NL" dirty="0" smtClean="0">
+                <a:latin typeface="Sitka Banner" pitchFamily="2" charset="0"/>
+              </a:rPr>
+              <a:t> </a:t>
+            </a:r>
+            <a:r>
+              <a:rPr lang="nl-NL" dirty="0" err="1" smtClean="0">
                 <a:latin typeface="Sitka Banner" pitchFamily="2" charset="0"/>
               </a:rPr>
               <a:t>the</a:t>
             </a:r>
             <a:r>
-              <a:rPr lang="nl-NL" i="1" dirty="0">
-                <a:solidFill>
-                  <a:schemeClr val="tx1">
-                    <a:lumMod val="50000"/>
-                    <a:lumOff val="50000"/>
-                  </a:schemeClr>
-                </a:solidFill>
-                <a:latin typeface="Sitka Banner" pitchFamily="2" charset="0"/>
-              </a:rPr>
-              <a:t> first patch, </a:t>
-            </a:r>
-            <a:r>
-              <a:rPr lang="nl-NL" i="1" dirty="0" err="1">
-                <a:solidFill>
-                  <a:schemeClr val="tx1">
-                    <a:lumMod val="50000"/>
-                    <a:lumOff val="50000"/>
-                  </a:schemeClr>
-                </a:solidFill>
-                <a:latin typeface="Sitka Banner" pitchFamily="2" charset="0"/>
-              </a:rPr>
-              <a:t>the</a:t>
-            </a:r>
-            <a:r>
-              <a:rPr lang="nl-NL" i="1" dirty="0">
-                <a:solidFill>
-                  <a:schemeClr val="tx1">
-                    <a:lumMod val="50000"/>
-                    <a:lumOff val="50000"/>
-                  </a:schemeClr>
-                </a:solidFill>
-                <a:latin typeface="Sitka Banner" pitchFamily="2" charset="0"/>
-              </a:rPr>
-              <a:t> tag of </a:t>
-            </a:r>
-            <a:r>
-              <a:rPr lang="nl-NL" i="1" dirty="0" err="1">
-                <a:solidFill>
-                  <a:schemeClr val="tx1">
-                    <a:lumMod val="50000"/>
-                    <a:lumOff val="50000"/>
-                  </a:schemeClr>
-                </a:solidFill>
-                <a:latin typeface="Sitka Banner" pitchFamily="2" charset="0"/>
-              </a:rPr>
-              <a:t>the</a:t>
-            </a:r>
-            <a:r>
-              <a:rPr lang="nl-NL" i="1" dirty="0">
-                <a:solidFill>
-                  <a:schemeClr val="tx1">
-                    <a:lumMod val="50000"/>
-                    <a:lumOff val="50000"/>
-                  </a:schemeClr>
-                </a:solidFill>
-                <a:latin typeface="Sitka Banner" pitchFamily="2" charset="0"/>
-              </a:rPr>
-              <a:t> bug report at </a:t>
-            </a:r>
-            <a:r>
-              <a:rPr lang="nl-NL" i="1" dirty="0" err="1">
-                <a:solidFill>
-                  <a:schemeClr val="tx1">
-                    <a:lumMod val="50000"/>
-                    <a:lumOff val="50000"/>
-                  </a:schemeClr>
-                </a:solidFill>
-                <a:latin typeface="Sitka Banner" pitchFamily="2" charset="0"/>
-              </a:rPr>
-              <a:t>stake</a:t>
-            </a:r>
-            <a:r>
-              <a:rPr lang="nl-NL" i="1" dirty="0">
-                <a:solidFill>
-                  <a:schemeClr val="tx1">
-                    <a:lumMod val="50000"/>
-                    <a:lumOff val="50000"/>
-                  </a:schemeClr>
-                </a:solidFill>
+              <a:rPr lang="nl-NL" dirty="0" smtClean="0">
                 <a:latin typeface="Sitka Banner" pitchFamily="2" charset="0"/>
               </a:rPr>
               <a:t> </a:t>
             </a:r>
             <a:r>
-              <a:rPr lang="nl-NL" i="1" dirty="0" err="1">
-                <a:solidFill>
-                  <a:schemeClr val="tx1">
-                    <a:lumMod val="50000"/>
-                    <a:lumOff val="50000"/>
-                  </a:schemeClr>
-                </a:solidFill>
-                <a:latin typeface="Sitka Banner" pitchFamily="2" charset="0"/>
-              </a:rPr>
-              <a:t>transitions</a:t>
-            </a:r>
-            <a:r>
-              <a:rPr lang="nl-NL" i="1" dirty="0">
-                <a:solidFill>
-                  <a:schemeClr val="tx1">
-                    <a:lumMod val="50000"/>
-                    <a:lumOff val="50000"/>
-                  </a:schemeClr>
-                </a:solidFill>
-                <a:latin typeface="Sitka Banner" pitchFamily="2" charset="0"/>
-              </a:rPr>
-              <a:t> </a:t>
-            </a:r>
-            <a:r>
-              <a:rPr lang="nl-NL" i="1" dirty="0" err="1">
-                <a:solidFill>
-                  <a:schemeClr val="tx1">
-                    <a:lumMod val="50000"/>
-                    <a:lumOff val="50000"/>
-                  </a:schemeClr>
-                </a:solidFill>
-                <a:latin typeface="Sitka Banner" pitchFamily="2" charset="0"/>
-              </a:rPr>
-              <a:t>from</a:t>
-            </a:r>
-            <a:r>
-              <a:rPr lang="nl-NL" i="1" dirty="0">
-                <a:solidFill>
-                  <a:schemeClr val="tx1">
-                    <a:lumMod val="50000"/>
-                    <a:lumOff val="50000"/>
-                  </a:schemeClr>
-                </a:solidFill>
-                <a:latin typeface="Sitka Banner" pitchFamily="2" charset="0"/>
-              </a:rPr>
-              <a:t> </a:t>
-            </a:r>
-            <a:r>
-              <a:rPr lang="nl-NL" i="1" dirty="0" err="1">
-                <a:solidFill>
-                  <a:schemeClr val="tx1">
-                    <a:lumMod val="50000"/>
-                    <a:lumOff val="50000"/>
-                  </a:schemeClr>
-                </a:solidFill>
-                <a:latin typeface="Sitka Banner" pitchFamily="2" charset="0"/>
-              </a:rPr>
-              <a:t>Assigned</a:t>
-            </a:r>
-            <a:r>
-              <a:rPr lang="nl-NL" i="1" dirty="0">
-                <a:solidFill>
-                  <a:schemeClr val="tx1">
-                    <a:lumMod val="50000"/>
-                    <a:lumOff val="50000"/>
-                  </a:schemeClr>
-                </a:solidFill>
-                <a:latin typeface="Sitka Banner" pitchFamily="2" charset="0"/>
-              </a:rPr>
-              <a:t> </a:t>
-            </a:r>
-            <a:r>
-              <a:rPr lang="nl-NL" i="1" dirty="0" err="1">
-                <a:solidFill>
-                  <a:schemeClr val="tx1">
-                    <a:lumMod val="50000"/>
-                    <a:lumOff val="50000"/>
-                  </a:schemeClr>
-                </a:solidFill>
-                <a:latin typeface="Sitka Banner" pitchFamily="2" charset="0"/>
-              </a:rPr>
-              <a:t>to</a:t>
-            </a:r>
-            <a:r>
-              <a:rPr lang="nl-NL" i="1" dirty="0">
-                <a:solidFill>
-                  <a:schemeClr val="tx1">
-                    <a:lumMod val="50000"/>
-                    <a:lumOff val="50000"/>
-                  </a:schemeClr>
-                </a:solidFill>
-                <a:latin typeface="Sitka Banner" pitchFamily="2" charset="0"/>
-              </a:rPr>
-              <a:t> </a:t>
-            </a:r>
-            <a:r>
-              <a:rPr lang="nl-NL" i="1" dirty="0" err="1" smtClean="0">
-                <a:solidFill>
-                  <a:schemeClr val="tx1">
-                    <a:lumMod val="50000"/>
-                    <a:lumOff val="50000"/>
-                  </a:schemeClr>
-                </a:solidFill>
-                <a:latin typeface="Sitka Banner" pitchFamily="2" charset="0"/>
-              </a:rPr>
-              <a:t>UnderReview</a:t>
-            </a:r>
-            <a:r>
-              <a:rPr lang="nl-NL" i="1" dirty="0" smtClean="0">
-                <a:solidFill>
-                  <a:schemeClr val="tx1">
-                    <a:lumMod val="50000"/>
-                    <a:lumOff val="50000"/>
-                  </a:schemeClr>
-                </a:solidFill>
-                <a:latin typeface="Sitka Banner" pitchFamily="2" charset="0"/>
-              </a:rPr>
-              <a:t>.”</a:t>
-            </a:r>
-            <a:endParaRPr lang="nl-NL" i="1" dirty="0">
-              <a:solidFill>
-                <a:schemeClr val="tx1">
-                  <a:lumMod val="50000"/>
-                  <a:lumOff val="50000"/>
-                </a:schemeClr>
-              </a:solidFill>
-              <a:latin typeface="Sitka Banner" pitchFamily="2" charset="0"/>
-            </a:endParaRPr>
-          </a:p>
-        </p:txBody>
-      </p:sp>
-      <p:pic>
-        <p:nvPicPr>
-          <p:cNvPr id="6" name="Tijdelijke aanduiding voor inhoud 5"/>
-          <p:cNvPicPr>
-            <a:picLocks noGrp="1" noChangeAspect="1"/>
-          </p:cNvPicPr>
-          <p:nvPr>
-            <p:ph idx="1"/>
-          </p:nvPr>
-        </p:nvPicPr>
-        <p:blipFill>
-          <a:blip r:embed="rId2" cstate="print">
-            <a:clrChange>
-              <a:clrFrom>
-                <a:srgbClr val="FFFFFF"/>
-              </a:clrFrom>
-              <a:clrTo>
-                <a:srgbClr val="FFFFFF">
-                  <a:alpha val="0"/>
-                </a:srgbClr>
-              </a:clrTo>
-            </a:clrChange>
-            <a:extLst>
-              <a:ext uri="{28A0092B-C50C-407E-A947-70E740481C1C}">
-                <a14:useLocalDpi xmlns:a14="http://schemas.microsoft.com/office/drawing/2010/main" val="0"/>
-              </a:ext>
-            </a:extLst>
-          </a:blip>
-          <a:stretch>
-            <a:fillRect/>
-          </a:stretch>
-        </p:blipFill>
-        <p:spPr>
-          <a:xfrm>
-            <a:off x="457200" y="3140968"/>
-            <a:ext cx="8229600" cy="3117855"/>
-          </a:xfrm>
-        </p:spPr>
-      </p:pic>
-      <p:sp>
-        <p:nvSpPr>
-          <p:cNvPr id="7" name="Tekstvak 6"/>
-          <p:cNvSpPr txBox="1"/>
-          <p:nvPr/>
-        </p:nvSpPr>
-        <p:spPr>
-          <a:xfrm>
-            <a:off x="457200" y="3140968"/>
-            <a:ext cx="658416" cy="360000"/>
-          </a:xfrm>
-          <a:prstGeom prst="rect">
-            <a:avLst/>
-          </a:prstGeom>
-          <a:solidFill>
-            <a:schemeClr val="tx2">
-              <a:lumMod val="60000"/>
-              <a:lumOff val="40000"/>
-            </a:schemeClr>
-          </a:solidFill>
-          <a:ln>
-            <a:noFill/>
-          </a:ln>
-        </p:spPr>
-        <p:txBody>
-          <a:bodyPr wrap="square" rtlCol="0">
-            <a:spAutoFit/>
-          </a:bodyPr>
-          <a:lstStyle/>
-          <a:p>
-            <a:pPr algn="ctr"/>
-            <a:r>
-              <a:rPr lang="nl-NL" sz="900" dirty="0" smtClean="0"/>
-              <a:t>:User</a:t>
-            </a:r>
-            <a:endParaRPr lang="nl-NL" sz="900" dirty="0"/>
-          </a:p>
-        </p:txBody>
-      </p:sp>
-      <p:sp>
-        <p:nvSpPr>
-          <p:cNvPr id="8" name="Tekstvak 7"/>
-          <p:cNvSpPr txBox="1"/>
-          <p:nvPr/>
-        </p:nvSpPr>
-        <p:spPr>
-          <a:xfrm>
-            <a:off x="4860032" y="1339820"/>
-            <a:ext cx="3384377" cy="1477328"/>
-          </a:xfrm>
-          <a:prstGeom prst="rect">
-            <a:avLst/>
-          </a:prstGeom>
-          <a:noFill/>
-        </p:spPr>
-        <p:txBody>
-          <a:bodyPr wrap="square" rtlCol="0">
-            <a:spAutoFit/>
-          </a:bodyPr>
-          <a:lstStyle/>
-          <a:p>
-            <a:r>
-              <a:rPr lang="nl-NL" i="1" dirty="0" smtClean="0">
-                <a:solidFill>
-                  <a:schemeClr val="tx1">
-                    <a:lumMod val="50000"/>
-                    <a:lumOff val="50000"/>
-                  </a:schemeClr>
-                </a:solidFill>
-                <a:latin typeface="Sitka Banner" pitchFamily="2" charset="0"/>
-              </a:rPr>
-              <a:t>“</a:t>
-            </a:r>
-            <a:r>
-              <a:rPr lang="nl-NL" i="1" dirty="0" err="1" smtClean="0">
-                <a:solidFill>
-                  <a:schemeClr val="tx1">
-                    <a:lumMod val="50000"/>
-                    <a:lumOff val="50000"/>
-                  </a:schemeClr>
-                </a:solidFill>
-                <a:latin typeface="Sitka Banner" pitchFamily="2" charset="0"/>
-              </a:rPr>
-              <a:t>When</a:t>
-            </a:r>
-            <a:r>
-              <a:rPr lang="nl-NL" i="1" dirty="0" smtClean="0">
-                <a:solidFill>
-                  <a:schemeClr val="tx1">
-                    <a:lumMod val="50000"/>
-                    <a:lumOff val="50000"/>
-                  </a:schemeClr>
-                </a:solidFill>
-                <a:latin typeface="Sitka Banner" pitchFamily="2" charset="0"/>
-              </a:rPr>
-              <a:t> </a:t>
-            </a:r>
-            <a:r>
-              <a:rPr lang="nl-NL" i="1" dirty="0">
-                <a:solidFill>
-                  <a:schemeClr val="tx1">
-                    <a:lumMod val="50000"/>
-                    <a:lumOff val="50000"/>
-                  </a:schemeClr>
-                </a:solidFill>
-                <a:latin typeface="Sitka Banner" pitchFamily="2" charset="0"/>
-              </a:rPr>
-              <a:t>a bug report is </a:t>
-            </a:r>
-            <a:r>
-              <a:rPr lang="nl-NL" i="1" dirty="0" err="1">
-                <a:solidFill>
-                  <a:schemeClr val="tx1">
-                    <a:lumMod val="50000"/>
-                    <a:lumOff val="50000"/>
-                  </a:schemeClr>
-                </a:solidFill>
-                <a:latin typeface="Sitka Banner" pitchFamily="2" charset="0"/>
-              </a:rPr>
-              <a:t>created</a:t>
-            </a:r>
-            <a:r>
-              <a:rPr lang="nl-NL" i="1" dirty="0">
-                <a:solidFill>
-                  <a:schemeClr val="tx1">
-                    <a:lumMod val="50000"/>
-                    <a:lumOff val="50000"/>
-                  </a:schemeClr>
-                </a:solidFill>
-                <a:latin typeface="Sitka Banner" pitchFamily="2" charset="0"/>
-              </a:rPr>
-              <a:t>, </a:t>
-            </a:r>
-            <a:r>
-              <a:rPr lang="nl-NL" i="1" dirty="0" err="1">
-                <a:solidFill>
-                  <a:schemeClr val="tx1">
-                    <a:lumMod val="50000"/>
-                    <a:lumOff val="50000"/>
-                  </a:schemeClr>
-                </a:solidFill>
-                <a:latin typeface="Sitka Banner" pitchFamily="2" charset="0"/>
-              </a:rPr>
-              <a:t>it</a:t>
-            </a:r>
-            <a:r>
-              <a:rPr lang="nl-NL" i="1" dirty="0">
-                <a:solidFill>
-                  <a:schemeClr val="tx1">
-                    <a:lumMod val="50000"/>
-                    <a:lumOff val="50000"/>
-                  </a:schemeClr>
-                </a:solidFill>
-                <a:latin typeface="Sitka Banner" pitchFamily="2" charset="0"/>
-              </a:rPr>
-              <a:t> </a:t>
-            </a:r>
-            <a:r>
-              <a:rPr lang="nl-NL" i="1" dirty="0" err="1">
-                <a:solidFill>
-                  <a:schemeClr val="tx1">
-                    <a:lumMod val="50000"/>
-                    <a:lumOff val="50000"/>
-                  </a:schemeClr>
-                </a:solidFill>
-                <a:latin typeface="Sitka Banner" pitchFamily="2" charset="0"/>
-              </a:rPr>
-              <a:t>can</a:t>
-            </a:r>
-            <a:r>
-              <a:rPr lang="nl-NL" i="1" dirty="0">
-                <a:solidFill>
-                  <a:schemeClr val="tx1">
-                    <a:lumMod val="50000"/>
-                    <a:lumOff val="50000"/>
-                  </a:schemeClr>
-                </a:solidFill>
-                <a:latin typeface="Sitka Banner" pitchFamily="2" charset="0"/>
-              </a:rPr>
-              <a:t> </a:t>
-            </a:r>
-            <a:r>
-              <a:rPr lang="nl-NL" i="1" dirty="0" err="1">
-                <a:solidFill>
-                  <a:schemeClr val="tx1">
-                    <a:lumMod val="50000"/>
-                    <a:lumOff val="50000"/>
-                  </a:schemeClr>
-                </a:solidFill>
-                <a:latin typeface="Sitka Banner" pitchFamily="2" charset="0"/>
-              </a:rPr>
-              <a:t>be</a:t>
-            </a:r>
-            <a:r>
-              <a:rPr lang="nl-NL" i="1" dirty="0">
-                <a:solidFill>
-                  <a:schemeClr val="tx1">
-                    <a:lumMod val="50000"/>
-                    <a:lumOff val="50000"/>
-                  </a:schemeClr>
-                </a:solidFill>
-                <a:latin typeface="Sitka Banner" pitchFamily="2" charset="0"/>
-              </a:rPr>
-              <a:t> </a:t>
-            </a:r>
-            <a:r>
-              <a:rPr lang="nl-NL" i="1" dirty="0" err="1">
-                <a:solidFill>
-                  <a:schemeClr val="tx1">
-                    <a:lumMod val="50000"/>
-                    <a:lumOff val="50000"/>
-                  </a:schemeClr>
-                </a:solidFill>
-                <a:latin typeface="Sitka Banner" pitchFamily="2" charset="0"/>
-              </a:rPr>
-              <a:t>marked</a:t>
-            </a:r>
-            <a:r>
-              <a:rPr lang="nl-NL" i="1" dirty="0">
-                <a:solidFill>
-                  <a:schemeClr val="tx1">
-                    <a:lumMod val="50000"/>
-                    <a:lumOff val="50000"/>
-                  </a:schemeClr>
-                </a:solidFill>
-                <a:latin typeface="Sitka Banner" pitchFamily="2" charset="0"/>
-              </a:rPr>
-              <a:t> as private</a:t>
-            </a:r>
-            <a:r>
-              <a:rPr lang="nl-NL" i="1" dirty="0" smtClean="0">
-                <a:solidFill>
-                  <a:schemeClr val="tx1">
-                    <a:lumMod val="50000"/>
-                    <a:lumOff val="50000"/>
-                  </a:schemeClr>
-                </a:solidFill>
-                <a:latin typeface="Sitka Banner" pitchFamily="2" charset="0"/>
-              </a:rPr>
-              <a:t>. </a:t>
-            </a:r>
-            <a:r>
-              <a:rPr lang="is-IS" i="1" dirty="0" smtClean="0">
-                <a:solidFill>
-                  <a:schemeClr val="tx1">
-                    <a:lumMod val="50000"/>
-                    <a:lumOff val="50000"/>
-                  </a:schemeClr>
-                </a:solidFill>
-                <a:latin typeface="Sitka Banner" pitchFamily="2" charset="0"/>
-              </a:rPr>
-              <a:t>… </a:t>
-            </a:r>
-            <a:r>
-              <a:rPr lang="nl-NL" i="1" dirty="0" err="1">
-                <a:solidFill>
-                  <a:schemeClr val="tx1">
-                    <a:lumMod val="50000"/>
-                    <a:lumOff val="50000"/>
-                  </a:schemeClr>
-                </a:solidFill>
-                <a:latin typeface="Sitka Banner" pitchFamily="2" charset="0"/>
-              </a:rPr>
-              <a:t>Once</a:t>
-            </a:r>
-            <a:r>
-              <a:rPr lang="nl-NL" i="1" dirty="0">
-                <a:solidFill>
-                  <a:schemeClr val="tx1">
-                    <a:lumMod val="50000"/>
-                    <a:lumOff val="50000"/>
-                  </a:schemeClr>
-                </a:solidFill>
-                <a:latin typeface="Sitka Banner" pitchFamily="2" charset="0"/>
-              </a:rPr>
-              <a:t> </a:t>
-            </a:r>
-            <a:r>
-              <a:rPr lang="nl-NL" i="1" dirty="0" err="1">
-                <a:solidFill>
-                  <a:schemeClr val="tx1">
-                    <a:lumMod val="50000"/>
-                    <a:lumOff val="50000"/>
-                  </a:schemeClr>
-                </a:solidFill>
-                <a:latin typeface="Sitka Banner" pitchFamily="2" charset="0"/>
-              </a:rPr>
-              <a:t>the</a:t>
-            </a:r>
-            <a:r>
-              <a:rPr lang="nl-NL" i="1" dirty="0">
-                <a:solidFill>
-                  <a:schemeClr val="tx1">
-                    <a:lumMod val="50000"/>
-                    <a:lumOff val="50000"/>
-                  </a:schemeClr>
-                </a:solidFill>
-                <a:latin typeface="Sitka Banner" pitchFamily="2" charset="0"/>
-              </a:rPr>
-              <a:t> first patch is </a:t>
-            </a:r>
-            <a:r>
-              <a:rPr lang="nl-NL" i="1" dirty="0" err="1">
-                <a:solidFill>
-                  <a:schemeClr val="tx1">
-                    <a:lumMod val="50000"/>
-                    <a:lumOff val="50000"/>
-                  </a:schemeClr>
-                </a:solidFill>
-                <a:latin typeface="Sitka Banner" pitchFamily="2" charset="0"/>
-              </a:rPr>
-              <a:t>submitted</a:t>
-            </a:r>
-            <a:r>
-              <a:rPr lang="nl-NL" i="1" dirty="0">
-                <a:solidFill>
-                  <a:schemeClr val="tx1">
-                    <a:lumMod val="50000"/>
-                    <a:lumOff val="50000"/>
-                  </a:schemeClr>
-                </a:solidFill>
-                <a:latin typeface="Sitka Banner" pitchFamily="2" charset="0"/>
-              </a:rPr>
-              <a:t> </a:t>
-            </a:r>
-            <a:r>
-              <a:rPr lang="nl-NL" i="1" dirty="0" err="1">
-                <a:solidFill>
-                  <a:schemeClr val="tx1">
-                    <a:lumMod val="50000"/>
-                    <a:lumOff val="50000"/>
-                  </a:schemeClr>
-                </a:solidFill>
-                <a:latin typeface="Sitka Banner" pitchFamily="2" charset="0"/>
-              </a:rPr>
-              <a:t>for</a:t>
-            </a:r>
-            <a:r>
-              <a:rPr lang="nl-NL" i="1" dirty="0">
-                <a:solidFill>
-                  <a:schemeClr val="tx1">
-                    <a:lumMod val="50000"/>
-                    <a:lumOff val="50000"/>
-                  </a:schemeClr>
-                </a:solidFill>
-                <a:latin typeface="Sitka Banner" pitchFamily="2" charset="0"/>
-              </a:rPr>
-              <a:t> </a:t>
-            </a:r>
-            <a:r>
-              <a:rPr lang="nl-NL" i="1" dirty="0" err="1">
-                <a:solidFill>
-                  <a:schemeClr val="tx1">
-                    <a:lumMod val="50000"/>
-                    <a:lumOff val="50000"/>
-                  </a:schemeClr>
-                </a:solidFill>
-                <a:latin typeface="Sitka Banner" pitchFamily="2" charset="0"/>
-              </a:rPr>
-              <a:t>the</a:t>
-            </a:r>
-            <a:r>
-              <a:rPr lang="nl-NL" i="1" dirty="0">
-                <a:solidFill>
-                  <a:schemeClr val="tx1">
-                    <a:lumMod val="50000"/>
-                    <a:lumOff val="50000"/>
-                  </a:schemeClr>
-                </a:solidFill>
-                <a:latin typeface="Sitka Banner" pitchFamily="2" charset="0"/>
-              </a:rPr>
-              <a:t> bug report, </a:t>
-            </a:r>
-            <a:r>
-              <a:rPr lang="nl-NL" i="1" dirty="0" err="1">
-                <a:solidFill>
-                  <a:schemeClr val="tx1">
-                    <a:lumMod val="50000"/>
-                    <a:lumOff val="50000"/>
-                  </a:schemeClr>
-                </a:solidFill>
-                <a:latin typeface="Sitka Banner" pitchFamily="2" charset="0"/>
-              </a:rPr>
-              <a:t>it</a:t>
-            </a:r>
-            <a:r>
-              <a:rPr lang="nl-NL" i="1" dirty="0">
-                <a:solidFill>
-                  <a:schemeClr val="tx1">
-                    <a:lumMod val="50000"/>
-                    <a:lumOff val="50000"/>
-                  </a:schemeClr>
-                </a:solidFill>
-                <a:latin typeface="Sitka Banner" pitchFamily="2" charset="0"/>
-              </a:rPr>
-              <a:t> is </a:t>
-            </a:r>
-            <a:r>
-              <a:rPr lang="nl-NL" i="1" dirty="0" err="1">
-                <a:solidFill>
-                  <a:schemeClr val="tx1">
-                    <a:lumMod val="50000"/>
-                    <a:lumOff val="50000"/>
-                  </a:schemeClr>
-                </a:solidFill>
-                <a:latin typeface="Sitka Banner" pitchFamily="2" charset="0"/>
-              </a:rPr>
-              <a:t>visible</a:t>
-            </a:r>
-            <a:r>
-              <a:rPr lang="nl-NL" i="1" dirty="0">
-                <a:solidFill>
-                  <a:schemeClr val="tx1">
-                    <a:lumMod val="50000"/>
-                    <a:lumOff val="50000"/>
-                  </a:schemeClr>
-                </a:solidFill>
-                <a:latin typeface="Sitka Banner" pitchFamily="2" charset="0"/>
-              </a:rPr>
-              <a:t> </a:t>
-            </a:r>
-            <a:r>
-              <a:rPr lang="nl-NL" i="1" dirty="0" err="1">
-                <a:solidFill>
-                  <a:schemeClr val="tx1">
-                    <a:lumMod val="50000"/>
-                    <a:lumOff val="50000"/>
-                  </a:schemeClr>
-                </a:solidFill>
-                <a:latin typeface="Sitka Banner" pitchFamily="2" charset="0"/>
-              </a:rPr>
-              <a:t>for</a:t>
-            </a:r>
-            <a:r>
-              <a:rPr lang="nl-NL" i="1" dirty="0">
-                <a:solidFill>
-                  <a:schemeClr val="tx1">
-                    <a:lumMod val="50000"/>
-                    <a:lumOff val="50000"/>
-                  </a:schemeClr>
-                </a:solidFill>
-                <a:latin typeface="Sitka Banner" pitchFamily="2" charset="0"/>
-              </a:rPr>
-              <a:t> </a:t>
-            </a:r>
-            <a:r>
-              <a:rPr lang="nl-NL" i="1" dirty="0" err="1">
-                <a:solidFill>
-                  <a:schemeClr val="tx1">
-                    <a:lumMod val="50000"/>
-                    <a:lumOff val="50000"/>
-                  </a:schemeClr>
-                </a:solidFill>
-                <a:latin typeface="Sitka Banner" pitchFamily="2" charset="0"/>
-              </a:rPr>
-              <a:t>all</a:t>
-            </a:r>
-            <a:r>
-              <a:rPr lang="nl-NL" i="1" dirty="0">
-                <a:solidFill>
-                  <a:schemeClr val="tx1">
-                    <a:lumMod val="50000"/>
-                    <a:lumOff val="50000"/>
-                  </a:schemeClr>
-                </a:solidFill>
-                <a:latin typeface="Sitka Banner" pitchFamily="2" charset="0"/>
-              </a:rPr>
-              <a:t> </a:t>
-            </a:r>
-            <a:r>
-              <a:rPr lang="nl-NL" i="1" dirty="0" err="1">
-                <a:solidFill>
-                  <a:schemeClr val="tx1">
-                    <a:lumMod val="50000"/>
-                    <a:lumOff val="50000"/>
-                  </a:schemeClr>
-                </a:solidFill>
-                <a:latin typeface="Sitka Banner" pitchFamily="2" charset="0"/>
-              </a:rPr>
-              <a:t>the</a:t>
-            </a:r>
-            <a:r>
-              <a:rPr lang="nl-NL" i="1" dirty="0">
-                <a:solidFill>
-                  <a:schemeClr val="tx1">
-                    <a:lumMod val="50000"/>
-                    <a:lumOff val="50000"/>
-                  </a:schemeClr>
-                </a:solidFill>
-                <a:latin typeface="Sitka Banner" pitchFamily="2" charset="0"/>
-              </a:rPr>
-              <a:t> users of </a:t>
-            </a:r>
-            <a:r>
-              <a:rPr lang="nl-NL" i="1" dirty="0" err="1">
-                <a:solidFill>
-                  <a:schemeClr val="tx1">
-                    <a:lumMod val="50000"/>
-                    <a:lumOff val="50000"/>
-                  </a:schemeClr>
-                </a:solidFill>
-                <a:latin typeface="Sitka Banner" pitchFamily="2" charset="0"/>
-              </a:rPr>
-              <a:t>BugTrap</a:t>
-            </a:r>
-            <a:r>
-              <a:rPr lang="nl-NL" i="1" dirty="0" smtClean="0">
-                <a:solidFill>
-                  <a:schemeClr val="tx1">
-                    <a:lumMod val="50000"/>
-                    <a:lumOff val="50000"/>
-                  </a:schemeClr>
-                </a:solidFill>
-                <a:latin typeface="Sitka Banner" pitchFamily="2" charset="0"/>
-              </a:rPr>
-              <a:t>.”</a:t>
-            </a:r>
-            <a:endParaRPr lang="nl-NL" i="1" dirty="0">
-              <a:solidFill>
-                <a:schemeClr val="tx1">
-                  <a:lumMod val="50000"/>
-                  <a:lumOff val="50000"/>
-                </a:schemeClr>
-              </a:solidFill>
+              <a:rPr lang="nl-NL" dirty="0" err="1" smtClean="0">
+                <a:latin typeface="Sitka Banner" pitchFamily="2" charset="0"/>
+              </a:rPr>
+              <a:t>function</a:t>
+            </a:r>
+            <a:endParaRPr lang="nl-NL" dirty="0">
               <a:latin typeface="Sitka Banner" pitchFamily="2" charset="0"/>
             </a:endParaRPr>
           </a:p>
@@ -4505,7 +3793,7 @@
     </p:spTree>
     <p:extLst>
       <p:ext uri="{BB962C8B-B14F-4D97-AF65-F5344CB8AC3E}">
-        <p14:creationId xmlns:p14="http://schemas.microsoft.com/office/powerpoint/2010/main" val="269333384"/>
+        <p14:creationId xmlns:p14="http://schemas.microsoft.com/office/powerpoint/2010/main" xmlns="" val="1074460601"/>
       </p:ext>
     </p:extLst>
   </p:cSld>
@@ -4553,7 +3841,7 @@
           <a:lstStyle/>
           <a:p>
             <a:r>
-              <a:rPr lang="nl-NL" sz="3600" cap="small" dirty="0">
+              <a:rPr lang="nl-BE" sz="3600" cap="small" dirty="0">
                 <a:ln w="18415" cmpd="sng">
                   <a:solidFill>
                     <a:schemeClr val="tx1">
@@ -4571,47 +3859,8 @@
                 </a:effectLst>
                 <a:latin typeface="Sitka Text" pitchFamily="2" charset="0"/>
               </a:rPr>
-              <a:t>Tag </a:t>
-            </a:r>
-            <a:r>
-              <a:rPr lang="nl-NL" sz="3600" cap="small" dirty="0" smtClean="0">
-                <a:ln w="18415" cmpd="sng">
-                  <a:solidFill>
-                    <a:schemeClr val="tx1">
-                      <a:alpha val="0"/>
-                    </a:schemeClr>
-                  </a:solidFill>
-                  <a:prstDash val="solid"/>
-                </a:ln>
-                <a:effectLst>
-                  <a:outerShdw blurRad="25400" dir="3600000" algn="tl" rotWithShape="0">
-                    <a:srgbClr val="000000">
-                      <a:alpha val="70000"/>
-                    </a:srgbClr>
-                  </a:outerShdw>
-                </a:effectLst>
-                <a:latin typeface="Sitka Text" pitchFamily="2" charset="0"/>
-              </a:rPr>
-              <a:t>specific infromation</a:t>
-            </a:r>
-            <a:endParaRPr lang="nl-NL" sz="3600" cap="small" dirty="0">
-              <a:ln w="18415" cmpd="sng">
-                <a:solidFill>
-                  <a:schemeClr val="tx1">
-                    <a:alpha val="0"/>
-                  </a:schemeClr>
-                </a:solidFill>
-                <a:prstDash val="solid"/>
-              </a:ln>
-              <a:effectLst>
-                <a:outerShdw blurRad="25400" dir="3600000" algn="tl" rotWithShape="0">
-                  <a:srgbClr val="000000">
-                    <a:alpha val="70000"/>
-                  </a:srgbClr>
-                </a:outerShdw>
-              </a:effectLst>
-              <a:latin typeface="Sitka Text" pitchFamily="2" charset="0"/>
-            </a:endParaRPr>
+              <a:t>State pattern: Concrete Example</a:t>
+            </a:r>
           </a:p>
         </p:txBody>
       </p:sp>
@@ -4623,14 +3872,31 @@
         </p:nvSpPr>
         <p:spPr>
           <a:xfrm>
-            <a:off x="2809280" y="1580599"/>
-            <a:ext cx="3525441" cy="1200329"/>
+            <a:off x="786408" y="1556792"/>
+            <a:ext cx="3456383" cy="923330"/>
           </a:xfrm>
           <a:prstGeom prst="rect">
             <a:avLst/>
           </a:prstGeom>
           <a:noFill/>
+          <a:ln>
+            <a:noFill/>
+          </a:ln>
         </p:spPr>
+        <p:style>
+          <a:lnRef idx="2">
+            <a:schemeClr val="dk1"/>
+          </a:lnRef>
+          <a:fillRef idx="1">
+            <a:schemeClr val="lt1"/>
+          </a:fillRef>
+          <a:effectRef idx="0">
+            <a:schemeClr val="dk1"/>
+          </a:effectRef>
+          <a:fontRef idx="minor">
+            <a:schemeClr val="dk1"/>
+          </a:fontRef>
+        </p:style>
         <p:txBody>
           <a:bodyPr wrap="square" rtlCol="0">
             <a:spAutoFit/>
@@ -4638,6 +3904,54 @@
           <a:lstStyle/>
           <a:p>
             <a:r>
+              <a:rPr lang="is-IS" i="1" dirty="0" smtClean="0">
+                <a:solidFill>
+                  <a:schemeClr val="tx1">
+                    <a:lumMod val="50000"/>
+                    <a:lumOff val="50000"/>
+                  </a:schemeClr>
+                </a:solidFill>
+                <a:latin typeface="Sitka Banner" pitchFamily="2" charset="0"/>
+              </a:rPr>
+              <a:t>“…</a:t>
+            </a:r>
+            <a:r>
+              <a:rPr lang="nl-NL" i="1" dirty="0" err="1" smtClean="0">
+                <a:solidFill>
+                  <a:schemeClr val="tx1">
+                    <a:lumMod val="50000"/>
+                    <a:lumOff val="50000"/>
+                  </a:schemeClr>
+                </a:solidFill>
+                <a:latin typeface="Sitka Banner" pitchFamily="2" charset="0"/>
+              </a:rPr>
+              <a:t>after</a:t>
+            </a:r>
+            <a:r>
+              <a:rPr lang="nl-NL" i="1" dirty="0" smtClean="0">
+                <a:solidFill>
+                  <a:schemeClr val="tx1">
+                    <a:lumMod val="50000"/>
+                    <a:lumOff val="50000"/>
+                  </a:schemeClr>
+                </a:solidFill>
+                <a:latin typeface="Sitka Banner" pitchFamily="2" charset="0"/>
+              </a:rPr>
+              <a:t> </a:t>
+            </a:r>
+            <a:r>
+              <a:rPr lang="nl-NL" i="1" dirty="0" err="1">
+                <a:solidFill>
+                  <a:schemeClr val="tx1">
+                    <a:lumMod val="50000"/>
+                    <a:lumOff val="50000"/>
+                  </a:schemeClr>
+                </a:solidFill>
+                <a:latin typeface="Sitka Banner" pitchFamily="2" charset="0"/>
+              </a:rPr>
+              <a:t>the</a:t>
+            </a:r>
+            <a:r>
               <a:rPr lang="nl-NL" i="1" dirty="0">
                 <a:solidFill>
                   <a:schemeClr val="tx1">
@@ -4647,7 +3961,7 @@
                 </a:solidFill>
                 <a:latin typeface="Sitka Banner" pitchFamily="2" charset="0"/>
               </a:rPr>
-              <a:t>“As a </a:t>
+              <a:t> first patch, </a:t>
             </a:r>
             <a:r>
               <a:rPr lang="nl-NL" i="1" dirty="0" err="1">
@@ -4659,7 +3973,7 @@
                 </a:solidFill>
                 <a:latin typeface="Sitka Banner" pitchFamily="2" charset="0"/>
               </a:rPr>
-              <a:t>final</a:t>
+              <a:t>the</a:t>
             </a:r>
             <a:r>
               <a:rPr lang="nl-NL" i="1" dirty="0">
@@ -4671,7 +3985,7 @@
                 </a:solidFill>
                 <a:latin typeface="Sitka Banner" pitchFamily="2" charset="0"/>
               </a:rPr>
-              <a:t> step, </a:t>
+              <a:t> tag of </a:t>
             </a:r>
             <a:r>
               <a:rPr lang="nl-NL" i="1" dirty="0" err="1">
@@ -4695,6 +4009,30 @@
                 </a:solidFill>
                 <a:latin typeface="Sitka Banner" pitchFamily="2" charset="0"/>
               </a:rPr>
+              <a:t> bug report at </a:t>
+            </a:r>
+            <a:r>
+              <a:rPr lang="nl-NL" i="1" dirty="0" err="1">
+                <a:solidFill>
+                  <a:schemeClr val="tx1">
+                    <a:lumMod val="50000"/>
+                    <a:lumOff val="50000"/>
+                  </a:schemeClr>
+                </a:solidFill>
+                <a:latin typeface="Sitka Banner" pitchFamily="2" charset="0"/>
+              </a:rPr>
+              <a:t>stake</a:t>
+            </a:r>
+            <a:r>
+              <a:rPr lang="nl-NL" i="1" dirty="0">
+                <a:solidFill>
+                  <a:schemeClr val="tx1">
+                    <a:lumMod val="50000"/>
+                    <a:lumOff val="50000"/>
+                  </a:schemeClr>
+                </a:solidFill>
+                <a:latin typeface="Sitka Banner" pitchFamily="2" charset="0"/>
+              </a:rPr>
               <a:t> </a:t>
             </a:r>
             <a:r>
@@ -4707,7 +4045,7 @@
                 </a:solidFill>
                 <a:latin typeface="Sitka Banner" pitchFamily="2" charset="0"/>
               </a:rPr>
-              <a:t>creator</a:t>
+              <a:t>transitions</a:t>
             </a:r>
             <a:r>
               <a:rPr lang="nl-NL" i="1" dirty="0">
@@ -4719,7 +4057,7 @@
                 </a:solidFill>
                 <a:latin typeface="Sitka Banner" pitchFamily="2" charset="0"/>
               </a:rPr>
-              <a:t> of a </a:t>
+              <a:t> </a:t>
             </a:r>
             <a:r>
               <a:rPr lang="nl-NL" i="1" dirty="0" err="1">
@@ -4731,7 +4069,7 @@
                 </a:solidFill>
                 <a:latin typeface="Sitka Banner" pitchFamily="2" charset="0"/>
               </a:rPr>
-              <a:t>resolved</a:t>
+              <a:t>from</a:t>
             </a:r>
             <a:r>
               <a:rPr lang="nl-NL" i="1" dirty="0">
@@ -4743,7 +4081,7 @@
                 </a:solidFill>
                 <a:latin typeface="Sitka Banner" pitchFamily="2" charset="0"/>
               </a:rPr>
-              <a:t> bug report </a:t>
+              <a:t> </a:t>
             </a:r>
             <a:r>
               <a:rPr lang="nl-NL" i="1" dirty="0" err="1">
@@ -4755,7 +4093,7 @@
                 </a:solidFill>
                 <a:latin typeface="Sitka Banner" pitchFamily="2" charset="0"/>
               </a:rPr>
-              <a:t>can</a:t>
+              <a:t>Assigned</a:t>
             </a:r>
             <a:r>
               <a:rPr lang="nl-NL" i="1" dirty="0">
@@ -4767,7 +4105,7 @@
                 </a:solidFill>
                 <a:latin typeface="Sitka Banner" pitchFamily="2" charset="0"/>
               </a:rPr>
-              <a:t> close </a:t>
+              <a:t> </a:t>
             </a:r>
             <a:r>
               <a:rPr lang="nl-NL" i="1" dirty="0" err="1">
@@ -4779,7 +4117,7 @@
                 </a:solidFill>
                 <a:latin typeface="Sitka Banner" pitchFamily="2" charset="0"/>
               </a:rPr>
-              <a:t>it</a:t>
+              <a:t>to</a:t>
             </a:r>
             <a:r>
               <a:rPr lang="nl-NL" i="1" dirty="0">
@@ -4791,10 +4129,10 @@
                 </a:solidFill>
                 <a:latin typeface="Sitka Banner" pitchFamily="2" charset="0"/>
               </a:rPr>
-              <a:t> (i.e. </a:t>
-            </a:r>
-            <a:r>
-              <a:rPr lang="nl-NL" i="1" dirty="0" err="1">
+              <a:t> </a:t>
+            </a:r>
+            <a:r>
+              <a:rPr lang="nl-NL" i="1" dirty="0" err="1" smtClean="0">
                 <a:solidFill>
                   <a:schemeClr val="tx1">
                     <a:lumMod val="50000"/>
@@ -4803,10 +4141,10 @@
                 </a:solidFill>
                 <a:latin typeface="Sitka Banner" pitchFamily="2" charset="0"/>
               </a:rPr>
-              <a:t>assign</a:t>
-            </a:r>
-            <a:r>
-              <a:rPr lang="nl-NL" i="1" dirty="0">
+              <a:t>UnderReview</a:t>
+            </a:r>
+            <a:r>
+              <a:rPr lang="nl-NL" i="1" dirty="0" smtClean="0">
                 <a:solidFill>
                   <a:schemeClr val="tx1">
                     <a:lumMod val="50000"/>
@@ -4815,186 +4153,29 @@
                 </a:solidFill>
                 <a:latin typeface="Sitka Banner" pitchFamily="2" charset="0"/>
               </a:rPr>
-              <a:t> </a:t>
-            </a:r>
-            <a:r>
-              <a:rPr lang="nl-NL" i="1" dirty="0" err="1">
-                <a:solidFill>
-                  <a:schemeClr val="tx1">
-                    <a:lumMod val="50000"/>
-                    <a:lumOff val="50000"/>
-                  </a:schemeClr>
-                </a:solidFill>
-                <a:latin typeface="Sitka Banner" pitchFamily="2" charset="0"/>
-              </a:rPr>
-              <a:t>the</a:t>
-            </a:r>
-            <a:r>
-              <a:rPr lang="nl-NL" i="1" dirty="0">
-                <a:solidFill>
-                  <a:schemeClr val="tx1">
-                    <a:lumMod val="50000"/>
-                    <a:lumOff val="50000"/>
-                  </a:schemeClr>
-                </a:solidFill>
-                <a:latin typeface="Sitka Banner" pitchFamily="2" charset="0"/>
-              </a:rPr>
-              <a:t> tag Closed) </a:t>
-            </a:r>
-            <a:r>
-              <a:rPr lang="nl-NL" i="1" dirty="0" err="1">
-                <a:solidFill>
-                  <a:schemeClr val="tx1">
-                    <a:lumMod val="50000"/>
-                    <a:lumOff val="50000"/>
-                  </a:schemeClr>
-                </a:solidFill>
-                <a:latin typeface="Sitka Banner" pitchFamily="2" charset="0"/>
-              </a:rPr>
-              <a:t>by</a:t>
-            </a:r>
-            <a:r>
-              <a:rPr lang="nl-NL" i="1" dirty="0">
-                <a:solidFill>
-                  <a:schemeClr val="tx1">
-                    <a:lumMod val="50000"/>
-                    <a:lumOff val="50000"/>
-                  </a:schemeClr>
-                </a:solidFill>
-                <a:latin typeface="Sitka Banner" pitchFamily="2" charset="0"/>
-              </a:rPr>
-              <a:t> </a:t>
-            </a:r>
-            <a:r>
-              <a:rPr lang="nl-NL" i="1" dirty="0" err="1">
-                <a:solidFill>
-                  <a:schemeClr val="tx1">
-                    <a:lumMod val="50000"/>
-                    <a:lumOff val="50000"/>
-                  </a:schemeClr>
-                </a:solidFill>
-                <a:latin typeface="Sitka Banner" pitchFamily="2" charset="0"/>
-              </a:rPr>
-              <a:t>specifying</a:t>
-            </a:r>
-            <a:r>
-              <a:rPr lang="nl-NL" i="1" dirty="0">
-                <a:solidFill>
-                  <a:schemeClr val="tx1">
-                    <a:lumMod val="50000"/>
-                    <a:lumOff val="50000"/>
-                  </a:schemeClr>
-                </a:solidFill>
-                <a:latin typeface="Sitka Banner" pitchFamily="2" charset="0"/>
-              </a:rPr>
-              <a:t> </a:t>
-            </a:r>
-            <a:r>
-              <a:rPr lang="nl-NL" i="1" dirty="0" err="1">
-                <a:solidFill>
-                  <a:schemeClr val="tx1">
-                    <a:lumMod val="50000"/>
-                    <a:lumOff val="50000"/>
-                  </a:schemeClr>
-                </a:solidFill>
-                <a:latin typeface="Sitka Banner" pitchFamily="2" charset="0"/>
-              </a:rPr>
-              <a:t>how</a:t>
-            </a:r>
-            <a:r>
-              <a:rPr lang="nl-NL" i="1" dirty="0">
-                <a:solidFill>
-                  <a:schemeClr val="tx1">
-                    <a:lumMod val="50000"/>
-                    <a:lumOff val="50000"/>
-                  </a:schemeClr>
-                </a:solidFill>
-                <a:latin typeface="Sitka Banner" pitchFamily="2" charset="0"/>
-              </a:rPr>
-              <a:t> </a:t>
-            </a:r>
-            <a:r>
-              <a:rPr lang="nl-NL" i="1" dirty="0" err="1">
-                <a:solidFill>
-                  <a:schemeClr val="tx1">
-                    <a:lumMod val="50000"/>
-                    <a:lumOff val="50000"/>
-                  </a:schemeClr>
-                </a:solidFill>
-                <a:latin typeface="Sitka Banner" pitchFamily="2" charset="0"/>
-              </a:rPr>
-              <a:t>satisfied</a:t>
-            </a:r>
-            <a:r>
-              <a:rPr lang="nl-NL" i="1" dirty="0">
-                <a:solidFill>
-                  <a:schemeClr val="tx1">
-                    <a:lumMod val="50000"/>
-                    <a:lumOff val="50000"/>
-                  </a:schemeClr>
-                </a:solidFill>
-                <a:latin typeface="Sitka Banner" pitchFamily="2" charset="0"/>
-              </a:rPr>
-              <a:t> he is </a:t>
-            </a:r>
-            <a:r>
-              <a:rPr lang="nl-NL" i="1" dirty="0" err="1">
-                <a:solidFill>
-                  <a:schemeClr val="tx1">
-                    <a:lumMod val="50000"/>
-                    <a:lumOff val="50000"/>
-                  </a:schemeClr>
-                </a:solidFill>
-                <a:latin typeface="Sitka Banner" pitchFamily="2" charset="0"/>
-              </a:rPr>
-              <a:t>with</a:t>
-            </a:r>
-            <a:r>
-              <a:rPr lang="nl-NL" i="1" dirty="0">
-                <a:solidFill>
-                  <a:schemeClr val="tx1">
-                    <a:lumMod val="50000"/>
-                    <a:lumOff val="50000"/>
-                  </a:schemeClr>
-                </a:solidFill>
-                <a:latin typeface="Sitka Banner" pitchFamily="2" charset="0"/>
-              </a:rPr>
-              <a:t> </a:t>
-            </a:r>
-            <a:r>
-              <a:rPr lang="nl-NL" i="1" dirty="0" err="1">
-                <a:solidFill>
-                  <a:schemeClr val="tx1">
-                    <a:lumMod val="50000"/>
-                    <a:lumOff val="50000"/>
-                  </a:schemeClr>
-                </a:solidFill>
-                <a:latin typeface="Sitka Banner" pitchFamily="2" charset="0"/>
-              </a:rPr>
-              <a:t>the</a:t>
-            </a:r>
-            <a:r>
-              <a:rPr lang="nl-NL" i="1" dirty="0">
-                <a:solidFill>
-                  <a:schemeClr val="tx1">
-                    <a:lumMod val="50000"/>
-                    <a:lumOff val="50000"/>
-                  </a:schemeClr>
-                </a:solidFill>
-                <a:latin typeface="Sitka Banner" pitchFamily="2" charset="0"/>
-              </a:rPr>
-              <a:t> solution.”</a:t>
-            </a:r>
+              <a:t>.”</a:t>
+            </a:r>
+            <a:endParaRPr lang="nl-NL" i="1" dirty="0">
+              <a:solidFill>
+                <a:schemeClr val="tx1">
+                  <a:lumMod val="50000"/>
+                  <a:lumOff val="50000"/>
+                </a:schemeClr>
+              </a:solidFill>
+              <a:latin typeface="Sitka Banner" pitchFamily="2" charset="0"/>
+            </a:endParaRPr>
           </a:p>
         </p:txBody>
       </p:sp>
       <p:pic>
         <p:nvPicPr>
-          <p:cNvPr id="3" name="Afbeelding 2"/>
+          <p:cNvPr id="6" name="Tijdelijke aanduiding voor inhoud 5"/>
           <p:cNvPicPr>
-            <a:picLocks noChangeAspect="1"/>
+            <a:picLocks noGrp="1" noChangeAspect="1"/>
           </p:cNvPicPr>
-          <p:nvPr/>
+          <p:nvPr>
+            <p:ph idx="1"/>
+          </p:nvPr>
         </p:nvPicPr>
         <p:blipFill>
           <a:blip r:embed="rId2" cstate="print">
@@ -5010,7 +4191,7 @@
             </a:clrChange>
             <a:extLst>
               <a:ext uri="{28A0092B-C50C-407E-A947-70E740481C1C}">
-                <a14:useLocalDpi xmlns:a14="http://schemas.microsoft.com/office/drawing/2010/main" val="0"/>
+                <a14:useLocalDpi xmlns:a14="http://schemas.microsoft.com/office/drawing/2010/main" xmlns="" val="0"/>
               </a:ext>
             </a:extLst>
           </a:blip>
@@ -5020,18 +4201,544 @@
         </p:blipFill>
         <p:spPr>
           <a:xfrm>
-            <a:off x="107504" y="3403631"/>
-            <a:ext cx="8964488" cy="2617657"/>
+            <a:off x="457200" y="3140968"/>
+            <a:ext cx="8229600" cy="3117855"/>
+          </a:xfrm>
+        </p:spPr>
+      </p:pic>
+      <p:sp>
+        <p:nvSpPr>
+          <p:cNvPr id="7" name="Tekstvak 6"/>
+          <p:cNvSpPr txBox="1"/>
+          <p:nvPr/>
+        </p:nvSpPr>
+        <p:spPr>
+          <a:xfrm>
+            <a:off x="457200" y="3140968"/>
+            <a:ext cx="658416" cy="360000"/>
           </a:xfrm>
           <a:prstGeom prst="rect">
             <a:avLst/>
           </a:prstGeom>
+          <a:solidFill>
+            <a:schemeClr val="tx2">
+              <a:lumMod val="60000"/>
+              <a:lumOff val="40000"/>
+            </a:schemeClr>
+          </a:solidFill>
+          <a:ln>
+            <a:noFill/>
+          </a:ln>
         </p:spPr>
-      </p:pic>
+        <p:txBody>
+          <a:bodyPr wrap="square" rtlCol="0">
+            <a:spAutoFit/>
+          </a:bodyPr>
+          <a:lstStyle/>
+          <a:p>
+            <a:pPr algn="ctr"/>
+            <a:r>
+              <a:rPr lang="nl-NL" sz="900" dirty="0" smtClean="0"/>
+              <a:t>:User</a:t>
+            </a:r>
+            <a:endParaRPr lang="nl-NL" sz="900" dirty="0"/>
+          </a:p>
+        </p:txBody>
+      </p:sp>
+      <p:sp>
+        <p:nvSpPr>
+          <p:cNvPr id="8" name="Tekstvak 7"/>
+          <p:cNvSpPr txBox="1"/>
+          <p:nvPr/>
+        </p:nvSpPr>
+        <p:spPr>
+          <a:xfrm>
+            <a:off x="4860032" y="1339820"/>
+            <a:ext cx="3384377" cy="1477328"/>
+          </a:xfrm>
+          <a:prstGeom prst="rect">
+            <a:avLst/>
+          </a:prstGeom>
+          <a:noFill/>
+        </p:spPr>
+        <p:txBody>
+          <a:bodyPr wrap="square" rtlCol="0">
+            <a:spAutoFit/>
+          </a:bodyPr>
+          <a:lstStyle/>
+          <a:p>
+            <a:r>
+              <a:rPr lang="nl-NL" i="1" dirty="0" smtClean="0">
+                <a:solidFill>
+                  <a:schemeClr val="tx1">
+                    <a:lumMod val="50000"/>
+                    <a:lumOff val="50000"/>
+                  </a:schemeClr>
+                </a:solidFill>
+                <a:latin typeface="Sitka Banner" pitchFamily="2" charset="0"/>
+              </a:rPr>
+              <a:t>“</a:t>
+            </a:r>
+            <a:r>
+              <a:rPr lang="nl-NL" i="1" dirty="0" err="1" smtClean="0">
+                <a:solidFill>
+                  <a:schemeClr val="tx1">
+                    <a:lumMod val="50000"/>
+                    <a:lumOff val="50000"/>
+                  </a:schemeClr>
+                </a:solidFill>
+                <a:latin typeface="Sitka Banner" pitchFamily="2" charset="0"/>
+              </a:rPr>
+              <a:t>When</a:t>
+            </a:r>
+            <a:r>
+              <a:rPr lang="nl-NL" i="1" dirty="0" smtClean="0">
+                <a:solidFill>
+                  <a:schemeClr val="tx1">
+                    <a:lumMod val="50000"/>
+                    <a:lumOff val="50000"/>
+                  </a:schemeClr>
+                </a:solidFill>
+                <a:latin typeface="Sitka Banner" pitchFamily="2" charset="0"/>
+              </a:rPr>
+              <a:t> </a:t>
+            </a:r>
+            <a:r>
+              <a:rPr lang="nl-NL" i="1" dirty="0">
+                <a:solidFill>
+                  <a:schemeClr val="tx1">
+                    <a:lumMod val="50000"/>
+                    <a:lumOff val="50000"/>
+                  </a:schemeClr>
+                </a:solidFill>
+                <a:latin typeface="Sitka Banner" pitchFamily="2" charset="0"/>
+              </a:rPr>
+              <a:t>a bug report is </a:t>
+            </a:r>
+            <a:r>
+              <a:rPr lang="nl-NL" i="1" dirty="0" err="1">
+                <a:solidFill>
+                  <a:schemeClr val="tx1">
+                    <a:lumMod val="50000"/>
+                    <a:lumOff val="50000"/>
+                  </a:schemeClr>
+                </a:solidFill>
+                <a:latin typeface="Sitka Banner" pitchFamily="2" charset="0"/>
+              </a:rPr>
+              <a:t>created</a:t>
+            </a:r>
+            <a:r>
+              <a:rPr lang="nl-NL" i="1" dirty="0">
+                <a:solidFill>
+                  <a:schemeClr val="tx1">
+                    <a:lumMod val="50000"/>
+                    <a:lumOff val="50000"/>
+                  </a:schemeClr>
+                </a:solidFill>
+                <a:latin typeface="Sitka Banner" pitchFamily="2" charset="0"/>
+              </a:rPr>
+              <a:t>, </a:t>
+            </a:r>
+            <a:r>
+              <a:rPr lang="nl-NL" i="1" dirty="0" err="1">
+                <a:solidFill>
+                  <a:schemeClr val="tx1">
+                    <a:lumMod val="50000"/>
+                    <a:lumOff val="50000"/>
+                  </a:schemeClr>
+                </a:solidFill>
+                <a:latin typeface="Sitka Banner" pitchFamily="2" charset="0"/>
+              </a:rPr>
+              <a:t>it</a:t>
+            </a:r>
+            <a:r>
+              <a:rPr lang="nl-NL" i="1" dirty="0">
+                <a:solidFill>
+                  <a:schemeClr val="tx1">
+                    <a:lumMod val="50000"/>
+                    <a:lumOff val="50000"/>
+                  </a:schemeClr>
+                </a:solidFill>
+                <a:latin typeface="Sitka Banner" pitchFamily="2" charset="0"/>
+              </a:rPr>
+              <a:t> </a:t>
+            </a:r>
+            <a:r>
+              <a:rPr lang="nl-NL" i="1" dirty="0" err="1">
+                <a:solidFill>
+                  <a:schemeClr val="tx1">
+                    <a:lumMod val="50000"/>
+                    <a:lumOff val="50000"/>
+                  </a:schemeClr>
+                </a:solidFill>
+                <a:latin typeface="Sitka Banner" pitchFamily="2" charset="0"/>
+              </a:rPr>
+              <a:t>can</a:t>
+            </a:r>
+            <a:r>
+              <a:rPr lang="nl-NL" i="1" dirty="0">
+                <a:solidFill>
+                  <a:schemeClr val="tx1">
+                    <a:lumMod val="50000"/>
+                    <a:lumOff val="50000"/>
+                  </a:schemeClr>
+                </a:solidFill>
+                <a:latin typeface="Sitka Banner" pitchFamily="2" charset="0"/>
+              </a:rPr>
+              <a:t> </a:t>
+            </a:r>
+            <a:r>
+              <a:rPr lang="nl-NL" i="1" dirty="0" err="1">
+                <a:solidFill>
+                  <a:schemeClr val="tx1">
+                    <a:lumMod val="50000"/>
+                    <a:lumOff val="50000"/>
+                  </a:schemeClr>
+                </a:solidFill>
+                <a:latin typeface="Sitka Banner" pitchFamily="2" charset="0"/>
+              </a:rPr>
+              <a:t>be</a:t>
+            </a:r>
+            <a:r>
+              <a:rPr lang="nl-NL" i="1" dirty="0">
+                <a:solidFill>
+                  <a:schemeClr val="tx1">
+                    <a:lumMod val="50000"/>
+                    <a:lumOff val="50000"/>
+                  </a:schemeClr>
+                </a:solidFill>
+                <a:latin typeface="Sitka Banner" pitchFamily="2" charset="0"/>
+              </a:rPr>
+              <a:t> </a:t>
+            </a:r>
+            <a:r>
+              <a:rPr lang="nl-NL" i="1" dirty="0" err="1">
+                <a:solidFill>
+                  <a:schemeClr val="tx1">
+                    <a:lumMod val="50000"/>
+                    <a:lumOff val="50000"/>
+                  </a:schemeClr>
+                </a:solidFill>
+                <a:latin typeface="Sitka Banner" pitchFamily="2" charset="0"/>
+              </a:rPr>
+              <a:t>marked</a:t>
+            </a:r>
+            <a:r>
+              <a:rPr lang="nl-NL" i="1" dirty="0">
+                <a:solidFill>
+                  <a:schemeClr val="tx1">
+                    <a:lumMod val="50000"/>
+                    <a:lumOff val="50000"/>
+                  </a:schemeClr>
+                </a:solidFill>
+                <a:latin typeface="Sitka Banner" pitchFamily="2" charset="0"/>
+              </a:rPr>
+              <a:t> as private</a:t>
+            </a:r>
+            <a:r>
+              <a:rPr lang="nl-NL" i="1" dirty="0" smtClean="0">
+                <a:solidFill>
+                  <a:schemeClr val="tx1">
+                    <a:lumMod val="50000"/>
+                    <a:lumOff val="50000"/>
+                  </a:schemeClr>
+                </a:solidFill>
+                <a:latin typeface="Sitka Banner" pitchFamily="2" charset="0"/>
+              </a:rPr>
+              <a:t>. </a:t>
+            </a:r>
+            <a:r>
+              <a:rPr lang="is-IS" i="1" dirty="0" smtClean="0">
+                <a:solidFill>
+                  <a:schemeClr val="tx1">
+                    <a:lumMod val="50000"/>
+                    <a:lumOff val="50000"/>
+                  </a:schemeClr>
+                </a:solidFill>
+                <a:latin typeface="Sitka Banner" pitchFamily="2" charset="0"/>
+              </a:rPr>
+              <a:t>… </a:t>
+            </a:r>
+            <a:r>
+              <a:rPr lang="nl-NL" i="1" dirty="0" err="1">
+                <a:solidFill>
+                  <a:schemeClr val="tx1">
+                    <a:lumMod val="50000"/>
+                    <a:lumOff val="50000"/>
+                  </a:schemeClr>
+                </a:solidFill>
+                <a:latin typeface="Sitka Banner" pitchFamily="2" charset="0"/>
+              </a:rPr>
+              <a:t>Once</a:t>
+            </a:r>
+            <a:r>
+              <a:rPr lang="nl-NL" i="1" dirty="0">
+                <a:solidFill>
+                  <a:schemeClr val="tx1">
+                    <a:lumMod val="50000"/>
+                    <a:lumOff val="50000"/>
+                  </a:schemeClr>
+                </a:solidFill>
+                <a:latin typeface="Sitka Banner" pitchFamily="2" charset="0"/>
+              </a:rPr>
+              <a:t> </a:t>
+            </a:r>
+            <a:r>
+              <a:rPr lang="nl-NL" i="1" dirty="0" err="1">
+                <a:solidFill>
+                  <a:schemeClr val="tx1">
+                    <a:lumMod val="50000"/>
+                    <a:lumOff val="50000"/>
+                  </a:schemeClr>
+                </a:solidFill>
+                <a:latin typeface="Sitka Banner" pitchFamily="2" charset="0"/>
+              </a:rPr>
+              <a:t>the</a:t>
+            </a:r>
+            <a:r>
+              <a:rPr lang="nl-NL" i="1" dirty="0">
+                <a:solidFill>
+                  <a:schemeClr val="tx1">
+                    <a:lumMod val="50000"/>
+                    <a:lumOff val="50000"/>
+                  </a:schemeClr>
+                </a:solidFill>
+                <a:latin typeface="Sitka Banner" pitchFamily="2" charset="0"/>
+              </a:rPr>
+              <a:t> first patch is </a:t>
+            </a:r>
+            <a:r>
+              <a:rPr lang="nl-NL" i="1" dirty="0" err="1">
+                <a:solidFill>
+                  <a:schemeClr val="tx1">
+                    <a:lumMod val="50000"/>
+                    <a:lumOff val="50000"/>
+                  </a:schemeClr>
+                </a:solidFill>
+                <a:latin typeface="Sitka Banner" pitchFamily="2" charset="0"/>
+              </a:rPr>
+              <a:t>submitted</a:t>
+            </a:r>
+            <a:r>
+              <a:rPr lang="nl-NL" i="1" dirty="0">
+                <a:solidFill>
+                  <a:schemeClr val="tx1">
+                    <a:lumMod val="50000"/>
+                    <a:lumOff val="50000"/>
+                  </a:schemeClr>
+                </a:solidFill>
+                <a:latin typeface="Sitka Banner" pitchFamily="2" charset="0"/>
+              </a:rPr>
+              <a:t> </a:t>
+            </a:r>
+            <a:r>
+              <a:rPr lang="nl-NL" i="1" dirty="0" err="1">
+                <a:solidFill>
+                  <a:schemeClr val="tx1">
+                    <a:lumMod val="50000"/>
+                    <a:lumOff val="50000"/>
+                  </a:schemeClr>
+                </a:solidFill>
+                <a:latin typeface="Sitka Banner" pitchFamily="2" charset="0"/>
+              </a:rPr>
+              <a:t>for</a:t>
+            </a:r>
+            <a:r>
+              <a:rPr lang="nl-NL" i="1" dirty="0">
+                <a:solidFill>
+                  <a:schemeClr val="tx1">
+                    <a:lumMod val="50000"/>
+                    <a:lumOff val="50000"/>
+                  </a:schemeClr>
+                </a:solidFill>
+                <a:latin typeface="Sitka Banner" pitchFamily="2" charset="0"/>
+              </a:rPr>
+              <a:t> </a:t>
+            </a:r>
+            <a:r>
+              <a:rPr lang="nl-NL" i="1" dirty="0" err="1">
+                <a:solidFill>
+                  <a:schemeClr val="tx1">
+                    <a:lumMod val="50000"/>
+                    <a:lumOff val="50000"/>
+                  </a:schemeClr>
+                </a:solidFill>
+                <a:latin typeface="Sitka Banner" pitchFamily="2" charset="0"/>
+              </a:rPr>
+              <a:t>the</a:t>
+            </a:r>
+            <a:r>
+              <a:rPr lang="nl-NL" i="1" dirty="0">
+                <a:solidFill>
+                  <a:schemeClr val="tx1">
+                    <a:lumMod val="50000"/>
+                    <a:lumOff val="50000"/>
+                  </a:schemeClr>
+                </a:solidFill>
+                <a:latin typeface="Sitka Banner" pitchFamily="2" charset="0"/>
+              </a:rPr>
+              <a:t> bug report, </a:t>
+            </a:r>
+            <a:r>
+              <a:rPr lang="nl-NL" i="1" dirty="0" err="1">
+                <a:solidFill>
+                  <a:schemeClr val="tx1">
+                    <a:lumMod val="50000"/>
+                    <a:lumOff val="50000"/>
+                  </a:schemeClr>
+                </a:solidFill>
+                <a:latin typeface="Sitka Banner" pitchFamily="2" charset="0"/>
+              </a:rPr>
+              <a:t>it</a:t>
+            </a:r>
+            <a:r>
+              <a:rPr lang="nl-NL" i="1" dirty="0">
+                <a:solidFill>
+                  <a:schemeClr val="tx1">
+                    <a:lumMod val="50000"/>
+                    <a:lumOff val="50000"/>
+                  </a:schemeClr>
+                </a:solidFill>
+                <a:latin typeface="Sitka Banner" pitchFamily="2" charset="0"/>
+              </a:rPr>
+              <a:t> is </a:t>
+            </a:r>
+            <a:r>
+              <a:rPr lang="nl-NL" i="1" dirty="0" err="1">
+                <a:solidFill>
+                  <a:schemeClr val="tx1">
+                    <a:lumMod val="50000"/>
+                    <a:lumOff val="50000"/>
+                  </a:schemeClr>
+                </a:solidFill>
+                <a:latin typeface="Sitka Banner" pitchFamily="2" charset="0"/>
+              </a:rPr>
+              <a:t>visible</a:t>
+            </a:r>
+            <a:r>
+              <a:rPr lang="nl-NL" i="1" dirty="0">
+                <a:solidFill>
+                  <a:schemeClr val="tx1">
+                    <a:lumMod val="50000"/>
+                    <a:lumOff val="50000"/>
+                  </a:schemeClr>
+                </a:solidFill>
+                <a:latin typeface="Sitka Banner" pitchFamily="2" charset="0"/>
+              </a:rPr>
+              <a:t> </a:t>
+            </a:r>
+            <a:r>
+              <a:rPr lang="nl-NL" i="1" dirty="0" err="1">
+                <a:solidFill>
+                  <a:schemeClr val="tx1">
+                    <a:lumMod val="50000"/>
+                    <a:lumOff val="50000"/>
+                  </a:schemeClr>
+                </a:solidFill>
+                <a:latin typeface="Sitka Banner" pitchFamily="2" charset="0"/>
+              </a:rPr>
+              <a:t>for</a:t>
+            </a:r>
+            <a:r>
+              <a:rPr lang="nl-NL" i="1" dirty="0">
+                <a:solidFill>
+                  <a:schemeClr val="tx1">
+                    <a:lumMod val="50000"/>
+                    <a:lumOff val="50000"/>
+                  </a:schemeClr>
+                </a:solidFill>
+                <a:latin typeface="Sitka Banner" pitchFamily="2" charset="0"/>
+              </a:rPr>
+              <a:t> </a:t>
+            </a:r>
+            <a:r>
+              <a:rPr lang="nl-NL" i="1" dirty="0" err="1">
+                <a:solidFill>
+                  <a:schemeClr val="tx1">
+                    <a:lumMod val="50000"/>
+                    <a:lumOff val="50000"/>
+                  </a:schemeClr>
+                </a:solidFill>
+                <a:latin typeface="Sitka Banner" pitchFamily="2" charset="0"/>
+              </a:rPr>
+              <a:t>all</a:t>
+            </a:r>
+            <a:r>
+              <a:rPr lang="nl-NL" i="1" dirty="0">
+                <a:solidFill>
+                  <a:schemeClr val="tx1">
+                    <a:lumMod val="50000"/>
+                    <a:lumOff val="50000"/>
+                  </a:schemeClr>
+                </a:solidFill>
+                <a:latin typeface="Sitka Banner" pitchFamily="2" charset="0"/>
+              </a:rPr>
+              <a:t> </a:t>
+            </a:r>
+            <a:r>
+              <a:rPr lang="nl-NL" i="1" dirty="0" err="1">
+                <a:solidFill>
+                  <a:schemeClr val="tx1">
+                    <a:lumMod val="50000"/>
+                    <a:lumOff val="50000"/>
+                  </a:schemeClr>
+                </a:solidFill>
+                <a:latin typeface="Sitka Banner" pitchFamily="2" charset="0"/>
+              </a:rPr>
+              <a:t>the</a:t>
+            </a:r>
+            <a:r>
+              <a:rPr lang="nl-NL" i="1" dirty="0">
+                <a:solidFill>
+                  <a:schemeClr val="tx1">
+                    <a:lumMod val="50000"/>
+                    <a:lumOff val="50000"/>
+                  </a:schemeClr>
+                </a:solidFill>
+                <a:latin typeface="Sitka Banner" pitchFamily="2" charset="0"/>
+              </a:rPr>
+              <a:t> users of </a:t>
+            </a:r>
+            <a:r>
+              <a:rPr lang="nl-NL" i="1" dirty="0" err="1">
+                <a:solidFill>
+                  <a:schemeClr val="tx1">
+                    <a:lumMod val="50000"/>
+                    <a:lumOff val="50000"/>
+                  </a:schemeClr>
+                </a:solidFill>
+                <a:latin typeface="Sitka Banner" pitchFamily="2" charset="0"/>
+              </a:rPr>
+              <a:t>BugTrap</a:t>
+            </a:r>
+            <a:r>
+              <a:rPr lang="nl-NL" i="1" dirty="0" smtClean="0">
+                <a:solidFill>
+                  <a:schemeClr val="tx1">
+                    <a:lumMod val="50000"/>
+                    <a:lumOff val="50000"/>
+                  </a:schemeClr>
+                </a:solidFill>
+                <a:latin typeface="Sitka Banner" pitchFamily="2" charset="0"/>
+              </a:rPr>
+              <a:t>.”</a:t>
+            </a:r>
+            <a:endParaRPr lang="nl-NL" i="1" dirty="0">
+              <a:solidFill>
+                <a:schemeClr val="tx1">
+                  <a:lumMod val="50000"/>
+                  <a:lumOff val="50000"/>
+                </a:schemeClr>
+              </a:solidFill>
+              <a:latin typeface="Sitka Banner" pitchFamily="2" charset="0"/>
+            </a:endParaRPr>
+          </a:p>
+        </p:txBody>
+      </p:sp>
     </p:spTree>
     <p:extLst>
       <p:ext uri="{BB962C8B-B14F-4D97-AF65-F5344CB8AC3E}">
-        <p14:creationId xmlns:p14="http://schemas.microsoft.com/office/powerpoint/2010/main" val="1938140659"/>
+        <p14:creationId xmlns:p14="http://schemas.microsoft.com/office/powerpoint/2010/main" xmlns="" val="269333384"/>
       </p:ext>
     </p:extLst>
   </p:cSld>
@@ -5063,44 +4770,23 @@
       </p:grpSpPr>
       <p:sp>
         <p:nvSpPr>
-          <p:cNvPr id="5" name="Titel 1"/>
-          <p:cNvSpPr txBox="1">
-            <a:spLocks/>
+          <p:cNvPr id="2" name="Titel 1"/>
+          <p:cNvSpPr>
+            <a:spLocks noGrp="1"/>
           </p:cNvSpPr>
-          <p:nvPr/>
-        </p:nvSpPr>
-        <p:spPr>
-          <a:xfrm>
-            <a:off x="609600" y="427038"/>
-            <a:ext cx="8229600" cy="1143000"/>
-          </a:xfrm>
-          <a:prstGeom prst="rect">
-            <a:avLst/>
-          </a:prstGeom>
-        </p:spPr>
-        <p:txBody>
-          <a:bodyPr vert="horz" lIns="91440" tIns="45720" rIns="91440" bIns="45720" rtlCol="0" anchor="ctr">
+          <p:nvPr>
+            <p:ph type="title"/>
+          </p:nvPr>
+        </p:nvSpPr>
+        <p:spPr/>
+        <p:txBody>
+          <a:bodyPr>
             <a:normAutofit/>
           </a:bodyPr>
-          <a:lstStyle>
-            <a:lvl1pPr algn="ctr" defTabSz="914400" rtl="0" eaLnBrk="1" latinLnBrk="0" hangingPunct="1">
-              <a:spcBef>
-                <a:spcPct val="0"/>
-              </a:spcBef>
-              <a:buNone/>
-              <a:defRPr sz="4400" kern="1200">
-                <a:solidFill>
-                  <a:schemeClr val="tx1"/>
-                </a:solidFill>
-                <a:latin typeface="+mj-lt"/>
-                <a:ea typeface="+mj-ea"/>
-                <a:cs typeface="+mj-cs"/>
-              </a:defRPr>
-            </a:lvl1pPr>
-          </a:lstStyle>
-          <a:p>
-            <a:r>
-              <a:rPr lang="nl-NL" sz="3600" cap="small" dirty="0" err="1" smtClean="0">
+          <a:lstStyle/>
+          <a:p>
+            <a:r>
+              <a:rPr lang="nl-NL" sz="3600" cap="small" dirty="0">
                 <a:ln w="18415" cmpd="sng">
                   <a:solidFill>
                     <a:schemeClr val="tx1">
@@ -5118,7 +4804,28 @@
                 </a:effectLst>
                 <a:latin typeface="Sitka Text" pitchFamily="2" charset="0"/>
               </a:rPr>
-              <a:t>Milestones</a:t>
+              <a:t>Tag </a:t>
+            </a:r>
+            <a:r>
+              <a:rPr lang="nl-NL" sz="3600" cap="small" dirty="0" smtClean="0">
+                <a:ln w="18415" cmpd="sng">
+                  <a:solidFill>
+                    <a:schemeClr val="tx1">
+                      <a:alpha val="0"/>
+                    </a:schemeClr>
+                  </a:solidFill>
+                  <a:prstDash val="solid"/>
+                </a:ln>
+                <a:effectLst>
+                  <a:outerShdw blurRad="25400" dir="3600000" algn="tl" rotWithShape="0">
+                    <a:srgbClr val="000000">
+                      <a:alpha val="70000"/>
+                    </a:srgbClr>
+                  </a:outerShdw>
+                </a:effectLst>
+                <a:latin typeface="Sitka Text" pitchFamily="2" charset="0"/>
+              </a:rPr>
+              <a:t>specific infromation</a:t>
             </a:r>
             <a:endParaRPr lang="nl-NL" sz="3600" cap="small" dirty="0">
               <a:ln w="18415" cmpd="sng">
@@ -5143,114 +4850,382 @@
       </p:sp>
       <p:sp>
         <p:nvSpPr>
-          <p:cNvPr id="6" name="Tijdelijke aanduiding voor inhoud 2"/>
-          <p:cNvSpPr>
-            <a:spLocks noGrp="1"/>
-          </p:cNvSpPr>
-          <p:nvPr>
-            <p:ph idx="1"/>
-          </p:nvPr>
+          <p:cNvPr id="5" name="Tekstvak 4"/>
+          <p:cNvSpPr txBox="1"/>
+          <p:nvPr/>
         </p:nvSpPr>
         <p:spPr>
           <a:xfrm>
-            <a:off x="395536" y="2060848"/>
-            <a:ext cx="4186808" cy="3672408"/>
+            <a:off x="2809280" y="1580599"/>
+            <a:ext cx="3525441" cy="1200329"/>
           </a:xfrm>
+          <a:prstGeom prst="rect">
+            <a:avLst/>
+          </a:prstGeom>
+          <a:noFill/>
         </p:spPr>
         <p:txBody>
-          <a:bodyPr>
-            <a:normAutofit/>
+          <a:bodyPr wrap="square" rtlCol="0">
+            <a:spAutoFit/>
           </a:bodyPr>
           <a:lstStyle/>
           <a:p>
-            <a:pPr marL="0" indent="0">
-              <a:buNone/>
-            </a:pPr>
-            <a:r>
-              <a:rPr lang="nl-BE" sz="2000" dirty="0" smtClean="0">
-                <a:latin typeface="Sitka Banner" pitchFamily="2" charset="0"/>
-              </a:rPr>
-              <a:t>Milestone = apart object</a:t>
-            </a:r>
-            <a:br>
-              <a:rPr lang="nl-BE" sz="2000" dirty="0" smtClean="0">
-                <a:latin typeface="Sitka Banner" pitchFamily="2" charset="0"/>
-              </a:rPr>
-            </a:br>
-            <a:r>
-              <a:rPr lang="nl-BE" sz="2000" dirty="0" smtClean="0">
-                <a:latin typeface="Sitka Banner" pitchFamily="2" charset="0"/>
-              </a:rPr>
-              <a:t>Toegewezen aan project, subsystem of bug report (Target milestone)</a:t>
-            </a:r>
-          </a:p>
-          <a:p>
-            <a:pPr marL="0" indent="0">
-              <a:buNone/>
-            </a:pPr>
-            <a:r>
-              <a:rPr lang="nl-BE" sz="2000" dirty="0" smtClean="0">
-                <a:latin typeface="Sitka Banner" pitchFamily="2" charset="0"/>
-              </a:rPr>
-              <a:t>Apart object voor target milestone </a:t>
-            </a:r>
-          </a:p>
-          <a:p>
-            <a:pPr marL="0" indent="0">
-              <a:buNone/>
-            </a:pPr>
-            <a:r>
-              <a:rPr lang="nl-BE" sz="2000" dirty="0" smtClean="0">
-                <a:latin typeface="Sitka Banner" pitchFamily="2" charset="0"/>
-                <a:sym typeface="Wingdings" panose="05000000000000000000" pitchFamily="2" charset="2"/>
-              </a:rPr>
-              <a:t> is optioneel, wordt altijd geïnitialiseerd met gegeven milestone (</a:t>
-            </a:r>
-            <a:r>
-              <a:rPr lang="nl-BE" sz="2000" dirty="0" smtClean="0">
-                <a:latin typeface="Sitka Banner" pitchFamily="2" charset="0"/>
-                <a:ea typeface="Cambria Math"/>
-                <a:sym typeface="Wingdings" panose="05000000000000000000" pitchFamily="2" charset="2"/>
-              </a:rPr>
-              <a:t>≠ “M0”)</a:t>
-            </a:r>
-          </a:p>
-          <a:p>
-            <a:pPr marL="0" indent="0">
-              <a:buNone/>
-            </a:pPr>
-            <a:r>
-              <a:rPr lang="nl-BE" sz="2000" dirty="0" smtClean="0">
-                <a:latin typeface="Sitka Banner" pitchFamily="2" charset="0"/>
-                <a:ea typeface="Cambria Math"/>
-                <a:sym typeface="Wingdings" panose="05000000000000000000" pitchFamily="2" charset="2"/>
-              </a:rPr>
-              <a:t>Container  nodig voor constraints</a:t>
-            </a:r>
-          </a:p>
-          <a:p>
-            <a:pPr marL="0" indent="0">
-              <a:buNone/>
-            </a:pPr>
-            <a:r>
-              <a:rPr lang="nl-BE" sz="2000" dirty="0" smtClean="0">
-                <a:latin typeface="Sitka Banner" pitchFamily="2" charset="0"/>
-                <a:ea typeface="Cambria Math"/>
-                <a:sym typeface="Wingdings" panose="05000000000000000000" pitchFamily="2" charset="2"/>
-              </a:rPr>
-              <a:t>Helper  checken van constraints</a:t>
-            </a:r>
-            <a:endParaRPr lang="nl-BE" sz="2000" dirty="0" smtClean="0">
-              <a:latin typeface="Sitka Banner" pitchFamily="2" charset="0"/>
-            </a:endParaRPr>
+            <a:r>
+              <a:rPr lang="nl-NL" i="1" dirty="0">
+                <a:solidFill>
+                  <a:schemeClr val="tx1">
+                    <a:lumMod val="50000"/>
+                    <a:lumOff val="50000"/>
+                  </a:schemeClr>
+                </a:solidFill>
+                <a:latin typeface="Sitka Banner" pitchFamily="2" charset="0"/>
+              </a:rPr>
+              <a:t>“As a </a:t>
+            </a:r>
+            <a:r>
+              <a:rPr lang="nl-NL" i="1" dirty="0" err="1">
+                <a:solidFill>
+                  <a:schemeClr val="tx1">
+                    <a:lumMod val="50000"/>
+                    <a:lumOff val="50000"/>
+                  </a:schemeClr>
+                </a:solidFill>
+                <a:latin typeface="Sitka Banner" pitchFamily="2" charset="0"/>
+              </a:rPr>
+              <a:t>final</a:t>
+            </a:r>
+            <a:r>
+              <a:rPr lang="nl-NL" i="1" dirty="0">
+                <a:solidFill>
+                  <a:schemeClr val="tx1">
+                    <a:lumMod val="50000"/>
+                    <a:lumOff val="50000"/>
+                  </a:schemeClr>
+                </a:solidFill>
+                <a:latin typeface="Sitka Banner" pitchFamily="2" charset="0"/>
+              </a:rPr>
+              <a:t> step, </a:t>
+            </a:r>
+            <a:r>
+              <a:rPr lang="nl-NL" i="1" dirty="0" err="1">
+                <a:solidFill>
+                  <a:schemeClr val="tx1">
+                    <a:lumMod val="50000"/>
+                    <a:lumOff val="50000"/>
+                  </a:schemeClr>
+                </a:solidFill>
+                <a:latin typeface="Sitka Banner" pitchFamily="2" charset="0"/>
+              </a:rPr>
+              <a:t>the</a:t>
+            </a:r>
+            <a:r>
+              <a:rPr lang="nl-NL" i="1" dirty="0">
+                <a:solidFill>
+                  <a:schemeClr val="tx1">
+                    <a:lumMod val="50000"/>
+                    <a:lumOff val="50000"/>
+                  </a:schemeClr>
+                </a:solidFill>
+                <a:latin typeface="Sitka Banner" pitchFamily="2" charset="0"/>
+              </a:rPr>
+              <a:t> </a:t>
+            </a:r>
+            <a:r>
+              <a:rPr lang="nl-NL" i="1" dirty="0" err="1">
+                <a:solidFill>
+                  <a:schemeClr val="tx1">
+                    <a:lumMod val="50000"/>
+                    <a:lumOff val="50000"/>
+                  </a:schemeClr>
+                </a:solidFill>
+                <a:latin typeface="Sitka Banner" pitchFamily="2" charset="0"/>
+              </a:rPr>
+              <a:t>creator</a:t>
+            </a:r>
+            <a:r>
+              <a:rPr lang="nl-NL" i="1" dirty="0">
+                <a:solidFill>
+                  <a:schemeClr val="tx1">
+                    <a:lumMod val="50000"/>
+                    <a:lumOff val="50000"/>
+                  </a:schemeClr>
+                </a:solidFill>
+                <a:latin typeface="Sitka Banner" pitchFamily="2" charset="0"/>
+              </a:rPr>
+              <a:t> of a </a:t>
+            </a:r>
+            <a:r>
+              <a:rPr lang="nl-NL" i="1" dirty="0" err="1">
+                <a:solidFill>
+                  <a:schemeClr val="tx1">
+                    <a:lumMod val="50000"/>
+                    <a:lumOff val="50000"/>
+                  </a:schemeClr>
+                </a:solidFill>
+                <a:latin typeface="Sitka Banner" pitchFamily="2" charset="0"/>
+              </a:rPr>
+              <a:t>resolved</a:t>
+            </a:r>
+            <a:r>
+              <a:rPr lang="nl-NL" i="1" dirty="0">
+                <a:solidFill>
+                  <a:schemeClr val="tx1">
+                    <a:lumMod val="50000"/>
+                    <a:lumOff val="50000"/>
+                  </a:schemeClr>
+                </a:solidFill>
+                <a:latin typeface="Sitka Banner" pitchFamily="2" charset="0"/>
+              </a:rPr>
+              <a:t> bug report </a:t>
+            </a:r>
+            <a:r>
+              <a:rPr lang="nl-NL" i="1" dirty="0" err="1">
+                <a:solidFill>
+                  <a:schemeClr val="tx1">
+                    <a:lumMod val="50000"/>
+                    <a:lumOff val="50000"/>
+                  </a:schemeClr>
+                </a:solidFill>
+                <a:latin typeface="Sitka Banner" pitchFamily="2" charset="0"/>
+              </a:rPr>
+              <a:t>can</a:t>
+            </a:r>
+            <a:r>
+              <a:rPr lang="nl-NL" i="1" dirty="0">
+                <a:solidFill>
+                  <a:schemeClr val="tx1">
+                    <a:lumMod val="50000"/>
+                    <a:lumOff val="50000"/>
+                  </a:schemeClr>
+                </a:solidFill>
+                <a:latin typeface="Sitka Banner" pitchFamily="2" charset="0"/>
+              </a:rPr>
+              <a:t> close </a:t>
+            </a:r>
+            <a:r>
+              <a:rPr lang="nl-NL" i="1" dirty="0" err="1">
+                <a:solidFill>
+                  <a:schemeClr val="tx1">
+                    <a:lumMod val="50000"/>
+                    <a:lumOff val="50000"/>
+                  </a:schemeClr>
+                </a:solidFill>
+                <a:latin typeface="Sitka Banner" pitchFamily="2" charset="0"/>
+              </a:rPr>
+              <a:t>it</a:t>
+            </a:r>
+            <a:r>
+              <a:rPr lang="nl-NL" i="1" dirty="0">
+                <a:solidFill>
+                  <a:schemeClr val="tx1">
+                    <a:lumMod val="50000"/>
+                    <a:lumOff val="50000"/>
+                  </a:schemeClr>
+                </a:solidFill>
+                <a:latin typeface="Sitka Banner" pitchFamily="2" charset="0"/>
+              </a:rPr>
+              <a:t> (i.e. </a:t>
+            </a:r>
+            <a:r>
+              <a:rPr lang="nl-NL" i="1" dirty="0" err="1">
+                <a:solidFill>
+                  <a:schemeClr val="tx1">
+                    <a:lumMod val="50000"/>
+                    <a:lumOff val="50000"/>
+                  </a:schemeClr>
+                </a:solidFill>
+                <a:latin typeface="Sitka Banner" pitchFamily="2" charset="0"/>
+              </a:rPr>
+              <a:t>assign</a:t>
+            </a:r>
+            <a:r>
+              <a:rPr lang="nl-NL" i="1" dirty="0">
+                <a:solidFill>
+                  <a:schemeClr val="tx1">
+                    <a:lumMod val="50000"/>
+                    <a:lumOff val="50000"/>
+                  </a:schemeClr>
+                </a:solidFill>
+                <a:latin typeface="Sitka Banner" pitchFamily="2" charset="0"/>
+              </a:rPr>
+              <a:t> </a:t>
+            </a:r>
+            <a:r>
+              <a:rPr lang="nl-NL" i="1" dirty="0" err="1">
+                <a:solidFill>
+                  <a:schemeClr val="tx1">
+                    <a:lumMod val="50000"/>
+                    <a:lumOff val="50000"/>
+                  </a:schemeClr>
+                </a:solidFill>
+                <a:latin typeface="Sitka Banner" pitchFamily="2" charset="0"/>
+              </a:rPr>
+              <a:t>the</a:t>
+            </a:r>
+            <a:r>
+              <a:rPr lang="nl-NL" i="1" dirty="0">
+                <a:solidFill>
+                  <a:schemeClr val="tx1">
+                    <a:lumMod val="50000"/>
+                    <a:lumOff val="50000"/>
+                  </a:schemeClr>
+                </a:solidFill>
+                <a:latin typeface="Sitka Banner" pitchFamily="2" charset="0"/>
+              </a:rPr>
+              <a:t> tag Closed) </a:t>
+            </a:r>
+            <a:r>
+              <a:rPr lang="nl-NL" i="1" dirty="0" err="1">
+                <a:solidFill>
+                  <a:schemeClr val="tx1">
+                    <a:lumMod val="50000"/>
+                    <a:lumOff val="50000"/>
+                  </a:schemeClr>
+                </a:solidFill>
+                <a:latin typeface="Sitka Banner" pitchFamily="2" charset="0"/>
+              </a:rPr>
+              <a:t>by</a:t>
+            </a:r>
+            <a:r>
+              <a:rPr lang="nl-NL" i="1" dirty="0">
+                <a:solidFill>
+                  <a:schemeClr val="tx1">
+                    <a:lumMod val="50000"/>
+                    <a:lumOff val="50000"/>
+                  </a:schemeClr>
+                </a:solidFill>
+                <a:latin typeface="Sitka Banner" pitchFamily="2" charset="0"/>
+              </a:rPr>
+              <a:t> </a:t>
+            </a:r>
+            <a:r>
+              <a:rPr lang="nl-NL" i="1" dirty="0" err="1">
+                <a:solidFill>
+                  <a:schemeClr val="tx1">
+                    <a:lumMod val="50000"/>
+                    <a:lumOff val="50000"/>
+                  </a:schemeClr>
+                </a:solidFill>
+                <a:latin typeface="Sitka Banner" pitchFamily="2" charset="0"/>
+              </a:rPr>
+              <a:t>specifying</a:t>
+            </a:r>
+            <a:r>
+              <a:rPr lang="nl-NL" i="1" dirty="0">
+                <a:solidFill>
+                  <a:schemeClr val="tx1">
+                    <a:lumMod val="50000"/>
+                    <a:lumOff val="50000"/>
+                  </a:schemeClr>
+                </a:solidFill>
+                <a:latin typeface="Sitka Banner" pitchFamily="2" charset="0"/>
+              </a:rPr>
+              <a:t> </a:t>
+            </a:r>
+            <a:r>
+              <a:rPr lang="nl-NL" i="1" dirty="0" err="1">
+                <a:solidFill>
+                  <a:schemeClr val="tx1">
+                    <a:lumMod val="50000"/>
+                    <a:lumOff val="50000"/>
+                  </a:schemeClr>
+                </a:solidFill>
+                <a:latin typeface="Sitka Banner" pitchFamily="2" charset="0"/>
+              </a:rPr>
+              <a:t>how</a:t>
+            </a:r>
+            <a:r>
+              <a:rPr lang="nl-NL" i="1" dirty="0">
+                <a:solidFill>
+                  <a:schemeClr val="tx1">
+                    <a:lumMod val="50000"/>
+                    <a:lumOff val="50000"/>
+                  </a:schemeClr>
+                </a:solidFill>
+                <a:latin typeface="Sitka Banner" pitchFamily="2" charset="0"/>
+              </a:rPr>
+              <a:t> </a:t>
+            </a:r>
+            <a:r>
+              <a:rPr lang="nl-NL" i="1" dirty="0" err="1">
+                <a:solidFill>
+                  <a:schemeClr val="tx1">
+                    <a:lumMod val="50000"/>
+                    <a:lumOff val="50000"/>
+                  </a:schemeClr>
+                </a:solidFill>
+                <a:latin typeface="Sitka Banner" pitchFamily="2" charset="0"/>
+              </a:rPr>
+              <a:t>satisfied</a:t>
+            </a:r>
+            <a:r>
+              <a:rPr lang="nl-NL" i="1" dirty="0">
+                <a:solidFill>
+                  <a:schemeClr val="tx1">
+                    <a:lumMod val="50000"/>
+                    <a:lumOff val="50000"/>
+                  </a:schemeClr>
+                </a:solidFill>
+                <a:latin typeface="Sitka Banner" pitchFamily="2" charset="0"/>
+              </a:rPr>
+              <a:t> he is </a:t>
+            </a:r>
+            <a:r>
+              <a:rPr lang="nl-NL" i="1" dirty="0" err="1">
+                <a:solidFill>
+                  <a:schemeClr val="tx1">
+                    <a:lumMod val="50000"/>
+                    <a:lumOff val="50000"/>
+                  </a:schemeClr>
+                </a:solidFill>
+                <a:latin typeface="Sitka Banner" pitchFamily="2" charset="0"/>
+              </a:rPr>
+              <a:t>with</a:t>
+            </a:r>
+            <a:r>
+              <a:rPr lang="nl-NL" i="1" dirty="0">
+                <a:solidFill>
+                  <a:schemeClr val="tx1">
+                    <a:lumMod val="50000"/>
+                    <a:lumOff val="50000"/>
+                  </a:schemeClr>
+                </a:solidFill>
+                <a:latin typeface="Sitka Banner" pitchFamily="2" charset="0"/>
+              </a:rPr>
+              <a:t> </a:t>
+            </a:r>
+            <a:r>
+              <a:rPr lang="nl-NL" i="1" dirty="0" err="1">
+                <a:solidFill>
+                  <a:schemeClr val="tx1">
+                    <a:lumMod val="50000"/>
+                    <a:lumOff val="50000"/>
+                  </a:schemeClr>
+                </a:solidFill>
+                <a:latin typeface="Sitka Banner" pitchFamily="2" charset="0"/>
+              </a:rPr>
+              <a:t>the</a:t>
+            </a:r>
+            <a:r>
+              <a:rPr lang="nl-NL" i="1" dirty="0">
+                <a:solidFill>
+                  <a:schemeClr val="tx1">
+                    <a:lumMod val="50000"/>
+                    <a:lumOff val="50000"/>
+                  </a:schemeClr>
+                </a:solidFill>
+                <a:latin typeface="Sitka Banner" pitchFamily="2" charset="0"/>
+              </a:rPr>
+              <a:t> solution.”</a:t>
+            </a:r>
           </a:p>
         </p:txBody>
       </p:sp>
       <p:pic>
         <p:nvPicPr>
-          <p:cNvPr id="2050" name="Picture 2" descr="C:\Users\Laurens\Documents\IntelliJ Projects\SWOP2016\Presentaties\Iteratie 2\Milestones.png"/>
+          <p:cNvPr id="3" name="Afbeelding 2"/>
           <p:cNvPicPr>
-            <a:picLocks noChangeAspect="1" noChangeArrowheads="1"/>
+            <a:picLocks noChangeAspect="1"/>
           </p:cNvPicPr>
           <p:nvPr/>
         </p:nvPicPr>
@@ -5268,39 +5243,28 @@
             </a:clrChange>
             <a:extLst>
               <a:ext uri="{28A0092B-C50C-407E-A947-70E740481C1C}">
-                <a14:useLocalDpi xmlns:a14="http://schemas.microsoft.com/office/drawing/2010/main" val="0"/>
+                <a14:useLocalDpi xmlns:a14="http://schemas.microsoft.com/office/drawing/2010/main" xmlns="" val="0"/>
               </a:ext>
             </a:extLst>
           </a:blip>
-          <a:srcRect/>
           <a:stretch>
             <a:fillRect/>
           </a:stretch>
         </p:blipFill>
-        <p:spPr bwMode="auto">
+        <p:spPr>
           <a:xfrm>
-            <a:off x="4572000" y="1772816"/>
-            <a:ext cx="4391025" cy="3657600"/>
+            <a:off x="107504" y="3403631"/>
+            <a:ext cx="8964488" cy="2617657"/>
           </a:xfrm>
           <a:prstGeom prst="rect">
             <a:avLst/>
           </a:prstGeom>
-          <a:noFill/>
-          <a:extLst>
-            <a:ext uri="{909E8E84-426E-40DD-AFC4-6F175D3DCCD1}">
-              <a14:hiddenFill xmlns:a14="http://schemas.microsoft.com/office/drawing/2010/main">
-                <a:solidFill>
-                  <a:srgbClr val="FFFFFF"/>
-                </a:solidFill>
-              </a14:hiddenFill>
-            </a:ext>
-          </a:extLst>
         </p:spPr>
       </p:pic>
     </p:spTree>
     <p:extLst>
       <p:ext uri="{BB962C8B-B14F-4D97-AF65-F5344CB8AC3E}">
-        <p14:creationId xmlns:p14="http://schemas.microsoft.com/office/powerpoint/2010/main" val="378156031"/>
+        <p14:creationId xmlns:p14="http://schemas.microsoft.com/office/powerpoint/2010/main" xmlns="" val="1938140659"/>
       </p:ext>
     </p:extLst>
   </p:cSld>
@@ -5332,60 +5296,244 @@
       </p:grpSpPr>
       <p:sp>
         <p:nvSpPr>
-          <p:cNvPr id="2" name="Titel 1"/>
+          <p:cNvPr id="5" name="Titel 1"/>
+          <p:cNvSpPr txBox="1">
+            <a:spLocks/>
+          </p:cNvSpPr>
+          <p:nvPr/>
+        </p:nvSpPr>
+        <p:spPr>
+          <a:xfrm>
+            <a:off x="609600" y="427038"/>
+            <a:ext cx="8229600" cy="1143000"/>
+          </a:xfrm>
+          <a:prstGeom prst="rect">
+            <a:avLst/>
+          </a:prstGeom>
+        </p:spPr>
+        <p:txBody>
+          <a:bodyPr vert="horz" lIns="91440" tIns="45720" rIns="91440" bIns="45720" rtlCol="0" anchor="ctr">
+            <a:normAutofit/>
+          </a:bodyPr>
+          <a:lstStyle>
+            <a:lvl1pPr algn="ctr" defTabSz="914400" rtl="0" eaLnBrk="1" latinLnBrk="0" hangingPunct="1">
+              <a:spcBef>
+                <a:spcPct val="0"/>
+              </a:spcBef>
+              <a:buNone/>
+              <a:defRPr sz="4400" kern="1200">
+                <a:solidFill>
+                  <a:schemeClr val="tx1"/>
+                </a:solidFill>
+                <a:latin typeface="+mj-lt"/>
+                <a:ea typeface="+mj-ea"/>
+                <a:cs typeface="+mj-cs"/>
+              </a:defRPr>
+            </a:lvl1pPr>
+          </a:lstStyle>
+          <a:p>
+            <a:r>
+              <a:rPr lang="nl-NL" sz="3600" cap="small" dirty="0" err="1" smtClean="0">
+                <a:ln w="18415" cmpd="sng">
+                  <a:solidFill>
+                    <a:schemeClr val="tx1">
+                      <a:alpha val="0"/>
+                    </a:schemeClr>
+                  </a:solidFill>
+                  <a:prstDash val="solid"/>
+                </a:ln>
+                <a:effectLst>
+                  <a:outerShdw blurRad="25400" dir="3600000" algn="tl" rotWithShape="0">
+                    <a:srgbClr val="000000">
+                      <a:alpha val="70000"/>
+                    </a:srgbClr>
+                  </a:outerShdw>
+                </a:effectLst>
+                <a:latin typeface="Sitka Text" pitchFamily="2" charset="0"/>
+              </a:rPr>
+              <a:t>Milestones</a:t>
+            </a:r>
+            <a:endParaRPr lang="nl-NL" sz="3600" cap="small" dirty="0">
+              <a:ln w="18415" cmpd="sng">
+                <a:solidFill>
+                  <a:schemeClr val="tx1">
+                    <a:alpha val="0"/>
+                  </a:schemeClr>
+                </a:solidFill>
+                <a:prstDash val="solid"/>
+              </a:ln>
+              <a:effectLst>
+                <a:outerShdw blurRad="25400" dir="3600000" algn="tl" rotWithShape="0">
+                  <a:srgbClr val="000000">
+                    <a:alpha val="70000"/>
+                  </a:srgbClr>
+                </a:outerShdw>
+              </a:effectLst>
+              <a:latin typeface="Sitka Text" pitchFamily="2" charset="0"/>
+            </a:endParaRPr>
+          </a:p>
+        </p:txBody>
+      </p:sp>
+      <p:sp>
+        <p:nvSpPr>
+          <p:cNvPr id="6" name="Tijdelijke aanduiding voor inhoud 2"/>
           <p:cNvSpPr>
             <a:spLocks noGrp="1"/>
           </p:cNvSpPr>
           <p:nvPr>
-            <p:ph type="title"/>
-          </p:nvPr>
-        </p:nvSpPr>
-        <p:spPr/>
-        <p:txBody>
-          <a:bodyPr/>
+            <p:ph idx="1"/>
+          </p:nvPr>
+        </p:nvSpPr>
+        <p:spPr>
+          <a:xfrm>
+            <a:off x="395536" y="2060848"/>
+            <a:ext cx="4186808" cy="3672408"/>
+          </a:xfrm>
+        </p:spPr>
+        <p:txBody>
+          <a:bodyPr>
+            <a:normAutofit/>
+          </a:bodyPr>
           <a:lstStyle/>
           <a:p>
-            <a:r>
-              <a:rPr lang="nl-BE" dirty="0" smtClean="0"/>
-              <a:t>Mailbox system</a:t>
-            </a:r>
-            <a:endParaRPr lang="nl-BE" dirty="0"/>
+            <a:pPr marL="0" indent="0">
+              <a:buNone/>
+            </a:pPr>
+            <a:r>
+              <a:rPr lang="nl-BE" sz="2000" dirty="0" smtClean="0">
+                <a:latin typeface="Sitka Banner" pitchFamily="2" charset="0"/>
+              </a:rPr>
+              <a:t>Milestone = apart object</a:t>
+            </a:r>
+            <a:br>
+              <a:rPr lang="nl-BE" sz="2000" dirty="0" smtClean="0">
+                <a:latin typeface="Sitka Banner" pitchFamily="2" charset="0"/>
+              </a:rPr>
+            </a:br>
+            <a:r>
+              <a:rPr lang="nl-BE" sz="2000" dirty="0" smtClean="0">
+                <a:latin typeface="Sitka Banner" pitchFamily="2" charset="0"/>
+              </a:rPr>
+              <a:t>Toegewezen aan project, subsystem of bug report (Target milestone)</a:t>
+            </a:r>
+          </a:p>
+          <a:p>
+            <a:pPr marL="0" indent="0">
+              <a:buNone/>
+            </a:pPr>
+            <a:r>
+              <a:rPr lang="nl-BE" sz="2000" dirty="0" smtClean="0">
+                <a:latin typeface="Sitka Banner" pitchFamily="2" charset="0"/>
+              </a:rPr>
+              <a:t>Apart object voor target milestone </a:t>
+            </a:r>
+          </a:p>
+          <a:p>
+            <a:pPr marL="0" indent="0">
+              <a:buNone/>
+            </a:pPr>
+            <a:r>
+              <a:rPr lang="nl-BE" sz="2000" dirty="0" smtClean="0">
+                <a:latin typeface="Sitka Banner" pitchFamily="2" charset="0"/>
+                <a:sym typeface="Wingdings" panose="05000000000000000000" pitchFamily="2" charset="2"/>
+              </a:rPr>
+              <a:t> is optioneel, wordt altijd geïnitialiseerd met gegeven milestone (</a:t>
+            </a:r>
+            <a:r>
+              <a:rPr lang="nl-BE" sz="2000" dirty="0" smtClean="0">
+                <a:latin typeface="Sitka Banner" pitchFamily="2" charset="0"/>
+                <a:ea typeface="Cambria Math"/>
+                <a:sym typeface="Wingdings" panose="05000000000000000000" pitchFamily="2" charset="2"/>
+              </a:rPr>
+              <a:t>≠ “M0”)</a:t>
+            </a:r>
+          </a:p>
+          <a:p>
+            <a:pPr marL="0" indent="0">
+              <a:buNone/>
+            </a:pPr>
+            <a:r>
+              <a:rPr lang="nl-BE" sz="2000" dirty="0" smtClean="0">
+                <a:latin typeface="Sitka Banner" pitchFamily="2" charset="0"/>
+                <a:ea typeface="Cambria Math"/>
+                <a:sym typeface="Wingdings" panose="05000000000000000000" pitchFamily="2" charset="2"/>
+              </a:rPr>
+              <a:t>Container  nodig voor constraints</a:t>
+            </a:r>
+          </a:p>
+          <a:p>
+            <a:pPr marL="0" indent="0">
+              <a:buNone/>
+            </a:pPr>
+            <a:r>
+              <a:rPr lang="nl-BE" sz="2000" dirty="0" smtClean="0">
+                <a:latin typeface="Sitka Banner" pitchFamily="2" charset="0"/>
+                <a:ea typeface="Cambria Math"/>
+                <a:sym typeface="Wingdings" panose="05000000000000000000" pitchFamily="2" charset="2"/>
+              </a:rPr>
+              <a:t>Helper  checken van constraints</a:t>
+            </a:r>
+            <a:endParaRPr lang="nl-BE" sz="2000" dirty="0" smtClean="0">
+              <a:latin typeface="Sitka Banner" pitchFamily="2" charset="0"/>
+            </a:endParaRPr>
           </a:p>
         </p:txBody>
       </p:sp>
       <p:pic>
         <p:nvPicPr>
-          <p:cNvPr id="6" name="Content Placeholder 5"/>
+          <p:cNvPr id="2050" name="Picture 2" descr="C:\Users\Laurens\Documents\IntelliJ Projects\SWOP2016\Presentaties\Iteratie 2\Milestones.png"/>
           <p:cNvPicPr>
-            <a:picLocks noGrp="1" noChangeAspect="1"/>
+            <a:picLocks noChangeAspect="1" noChangeArrowheads="1"/>
           </p:cNvPicPr>
-          <p:nvPr>
-            <p:ph idx="1"/>
-          </p:nvPr>
+          <p:nvPr/>
         </p:nvPicPr>
         <p:blipFill>
           <a:blip r:embed="rId2" cstate="print">
+            <a:clrChange>
+              <a:clrFrom>
+                <a:srgbClr val="FFFFFF"/>
+              </a:clrFrom>
+              <a:clrTo>
+                <a:srgbClr val="FFFFFF">
+                  <a:alpha val="0"/>
+                </a:srgbClr>
+              </a:clrTo>
+            </a:clrChange>
             <a:extLst>
               <a:ext uri="{28A0092B-C50C-407E-A947-70E740481C1C}">
-                <a14:useLocalDpi xmlns:a14="http://schemas.microsoft.com/office/drawing/2010/main" val="0"/>
+                <a14:useLocalDpi xmlns:a14="http://schemas.microsoft.com/office/drawing/2010/main" xmlns="" val="0"/>
               </a:ext>
             </a:extLst>
           </a:blip>
+          <a:srcRect/>
           <a:stretch>
             <a:fillRect/>
           </a:stretch>
         </p:blipFill>
-        <p:spPr>
+        <p:spPr bwMode="auto">
           <a:xfrm>
-            <a:off x="1043608" y="1268760"/>
-            <a:ext cx="6840760" cy="5555696"/>
+            <a:off x="4572000" y="1772816"/>
+            <a:ext cx="4391025" cy="3657600"/>
           </a:xfrm>
+          <a:prstGeom prst="rect">
+            <a:avLst/>
+          </a:prstGeom>
+          <a:noFill/>
+          <a:extLst>
+            <a:ext uri="{909E8E84-426E-40DD-AFC4-6F175D3DCCD1}">
+              <a14:hiddenFill xmlns:a14="http://schemas.microsoft.com/office/drawing/2010/main" xmlns="">
+                <a:solidFill>
+                  <a:srgbClr val="FFFFFF"/>
+                </a:solidFill>
+              </a14:hiddenFill>
+            </a:ext>
+          </a:extLst>
         </p:spPr>
       </p:pic>
     </p:spTree>
     <p:extLst>
       <p:ext uri="{BB962C8B-B14F-4D97-AF65-F5344CB8AC3E}">
-        <p14:creationId xmlns:p14="http://schemas.microsoft.com/office/powerpoint/2010/main" val="1319242908"/>
+        <p14:creationId xmlns:p14="http://schemas.microsoft.com/office/powerpoint/2010/main" xmlns="" val="378156031"/>
       </p:ext>
     </p:extLst>
   </p:cSld>
@@ -5432,7 +5580,7 @@
           <a:p>
             <a:r>
               <a:rPr lang="nl-BE" dirty="0" smtClean="0"/>
-              <a:t>Undo mechanism</a:t>
+              <a:t>Mailbox system</a:t>
             </a:r>
             <a:endParaRPr lang="nl-BE" dirty="0"/>
           </a:p>
@@ -5440,7 +5588,7 @@
       </p:sp>
       <p:pic>
         <p:nvPicPr>
-          <p:cNvPr id="4" name="Content Placeholder 3"/>
+          <p:cNvPr id="6" name="Content Placeholder 5"/>
           <p:cNvPicPr>
             <a:picLocks noGrp="1" noChangeAspect="1"/>
           </p:cNvPicPr>
@@ -5452,7 +5600,7 @@
           <a:blip r:embed="rId2" cstate="print">
             <a:extLst>
               <a:ext uri="{28A0092B-C50C-407E-A947-70E740481C1C}">
-                <a14:useLocalDpi xmlns:a14="http://schemas.microsoft.com/office/drawing/2010/main" val="0"/>
+                <a14:useLocalDpi xmlns:a14="http://schemas.microsoft.com/office/drawing/2010/main" xmlns="" val="0"/>
               </a:ext>
             </a:extLst>
           </a:blip>
@@ -5462,15 +5610,15 @@
         </p:blipFill>
         <p:spPr>
           <a:xfrm>
-            <a:off x="1259632" y="1196752"/>
-            <a:ext cx="6336704" cy="5553417"/>
+            <a:off x="1043608" y="1268760"/>
+            <a:ext cx="6840760" cy="5555696"/>
           </a:xfrm>
         </p:spPr>
       </p:pic>
     </p:spTree>
     <p:extLst>
       <p:ext uri="{BB962C8B-B14F-4D97-AF65-F5344CB8AC3E}">
-        <p14:creationId xmlns:p14="http://schemas.microsoft.com/office/powerpoint/2010/main" val="1968202226"/>
+        <p14:creationId xmlns:p14="http://schemas.microsoft.com/office/powerpoint/2010/main" xmlns="" val="1319242908"/>
       </p:ext>
     </p:extLst>
   </p:cSld>
@@ -5512,163 +5660,50 @@
         </p:nvSpPr>
         <p:spPr/>
         <p:txBody>
-          <a:bodyPr>
-            <a:normAutofit/>
-          </a:bodyPr>
+          <a:bodyPr/>
           <a:lstStyle/>
           <a:p>
             <a:r>
-              <a:rPr lang="nl-BE" sz="3600" cap="small" dirty="0" smtClean="0">
-                <a:ln w="18415" cmpd="sng">
-                  <a:solidFill>
-                    <a:schemeClr val="tx1">
-                      <a:alpha val="0"/>
-                    </a:schemeClr>
-                  </a:solidFill>
-                  <a:prstDash val="solid"/>
-                </a:ln>
-                <a:effectLst>
-                  <a:outerShdw blurRad="25400" dir="3600000" algn="tl" rotWithShape="0">
-                    <a:srgbClr val="000000">
-                      <a:alpha val="70000"/>
-                    </a:srgbClr>
-                  </a:outerShdw>
-                </a:effectLst>
-                <a:latin typeface="Sitka Text" pitchFamily="2" charset="0"/>
-              </a:rPr>
-              <a:t>Extensibility of the system:</a:t>
-            </a:r>
-            <a:endParaRPr lang="nl-BE" sz="3600" cap="small" dirty="0">
-              <a:ln w="18415" cmpd="sng">
-                <a:solidFill>
-                  <a:schemeClr val="tx1">
-                    <a:alpha val="0"/>
-                  </a:schemeClr>
-                </a:solidFill>
-                <a:prstDash val="solid"/>
-              </a:ln>
-              <a:effectLst>
-                <a:outerShdw blurRad="25400" dir="3600000" algn="tl" rotWithShape="0">
-                  <a:srgbClr val="000000">
-                    <a:alpha val="70000"/>
-                  </a:srgbClr>
-                </a:outerShdw>
-              </a:effectLst>
-              <a:latin typeface="Sitka Text" pitchFamily="2" charset="0"/>
-            </a:endParaRPr>
-          </a:p>
-        </p:txBody>
-      </p:sp>
-      <p:sp>
-        <p:nvSpPr>
-          <p:cNvPr id="3" name="Tijdelijke aanduiding voor inhoud 2"/>
-          <p:cNvSpPr>
-            <a:spLocks noGrp="1"/>
-          </p:cNvSpPr>
+              <a:rPr lang="nl-BE" dirty="0" smtClean="0"/>
+              <a:t>Undo mechanism</a:t>
+            </a:r>
+            <a:endParaRPr lang="nl-BE" dirty="0"/>
+          </a:p>
+        </p:txBody>
+      </p:sp>
+      <p:pic>
+        <p:nvPicPr>
+          <p:cNvPr id="4" name="Content Placeholder 3"/>
+          <p:cNvPicPr>
+            <a:picLocks noGrp="1" noChangeAspect="1"/>
+          </p:cNvPicPr>
           <p:nvPr>
             <p:ph idx="1"/>
           </p:nvPr>
-        </p:nvSpPr>
+        </p:nvPicPr>
+        <p:blipFill>
+          <a:blip r:embed="rId2" cstate="print">
+            <a:extLst>
+              <a:ext uri="{28A0092B-C50C-407E-A947-70E740481C1C}">
+                <a14:useLocalDpi xmlns:a14="http://schemas.microsoft.com/office/drawing/2010/main" xmlns="" val="0"/>
+              </a:ext>
+            </a:extLst>
+          </a:blip>
+          <a:stretch>
+            <a:fillRect/>
+          </a:stretch>
+        </p:blipFill>
         <p:spPr>
           <a:xfrm>
-            <a:off x="539552" y="1556792"/>
-            <a:ext cx="8229600" cy="4525963"/>
+            <a:off x="1259632" y="1196752"/>
+            <a:ext cx="6336704" cy="5553417"/>
           </a:xfrm>
         </p:spPr>
-        <p:txBody>
-          <a:bodyPr>
-            <a:normAutofit lnSpcReduction="10000"/>
-          </a:bodyPr>
-          <a:lstStyle/>
-          <a:p>
-            <a:r>
-              <a:rPr lang="en-US" sz="2400" dirty="0" smtClean="0">
-                <a:latin typeface="Sitka Banner" pitchFamily="2" charset="0"/>
-              </a:rPr>
-              <a:t>Adding use cases</a:t>
-            </a:r>
-          </a:p>
-          <a:p>
-            <a:r>
-              <a:rPr lang="en-US" sz="2400" dirty="0" smtClean="0">
-                <a:latin typeface="Sitka Banner" pitchFamily="2" charset="0"/>
-              </a:rPr>
-              <a:t>UI is still completely independent </a:t>
-            </a:r>
-          </a:p>
-          <a:p>
-            <a:r>
-              <a:rPr lang="en-US" sz="2400" dirty="0" smtClean="0">
-                <a:latin typeface="Sitka Banner" pitchFamily="2" charset="0"/>
-              </a:rPr>
-              <a:t>Interface for the </a:t>
-            </a:r>
-            <a:r>
-              <a:rPr lang="en-US" sz="2400" dirty="0" err="1" smtClean="0">
-                <a:latin typeface="Sitka Banner" pitchFamily="2" charset="0"/>
-              </a:rPr>
-              <a:t>Initializer</a:t>
-            </a:r>
-            <a:endParaRPr lang="en-US" sz="2400" dirty="0" smtClean="0">
-              <a:latin typeface="Sitka Banner" pitchFamily="2" charset="0"/>
-            </a:endParaRPr>
-          </a:p>
-          <a:p>
-            <a:r>
-              <a:rPr lang="en-US" sz="2400" dirty="0" smtClean="0">
-                <a:latin typeface="Sitka Banner" pitchFamily="2" charset="0"/>
-              </a:rPr>
-              <a:t>Adding constraints concerning tag</a:t>
-            </a:r>
-          </a:p>
-          <a:p>
-            <a:r>
-              <a:rPr lang="en-US" sz="2400" dirty="0" smtClean="0">
-                <a:latin typeface="Sitka Banner" pitchFamily="2" charset="0"/>
-              </a:rPr>
-              <a:t>Adding new registration types (for mailboxes) = adding new observers</a:t>
-            </a:r>
-          </a:p>
-          <a:p>
-            <a:r>
-              <a:rPr lang="en-US" sz="2400" dirty="0" smtClean="0">
-                <a:latin typeface="Sitka Banner" pitchFamily="2" charset="0"/>
-              </a:rPr>
-              <a:t>Search methods for bug reports</a:t>
-            </a:r>
-          </a:p>
-          <a:p>
-            <a:r>
-              <a:rPr lang="en-US" sz="2400" dirty="0" smtClean="0">
-                <a:latin typeface="Sitka Banner" pitchFamily="2" charset="0"/>
-              </a:rPr>
-              <a:t>Adding new objects that could be undone</a:t>
-            </a:r>
-          </a:p>
-          <a:p>
-            <a:endParaRPr lang="en-US" sz="2400" dirty="0" smtClean="0">
-              <a:latin typeface="Sitka Banner" pitchFamily="2" charset="0"/>
-            </a:endParaRPr>
-          </a:p>
-          <a:p>
-            <a:r>
-              <a:rPr lang="en-US" sz="2400" dirty="0" smtClean="0">
-                <a:latin typeface="Sitka Banner" pitchFamily="2" charset="0"/>
-              </a:rPr>
-              <a:t>It was easy to implement the changes from iteration 2 -&gt; great extensibility of our code from iteration 1</a:t>
-            </a:r>
-          </a:p>
-          <a:p>
-            <a:endParaRPr lang="en-US" sz="2400" dirty="0">
-              <a:latin typeface="Sitka Banner" pitchFamily="2" charset="0"/>
-            </a:endParaRPr>
-          </a:p>
-        </p:txBody>
-      </p:sp>
+      </p:pic>
     </p:spTree>
     <p:extLst>
       <p:ext uri="{BB962C8B-B14F-4D97-AF65-F5344CB8AC3E}">
-        <p14:creationId xmlns:p14="http://schemas.microsoft.com/office/powerpoint/2010/main" val="2444210159"/>
+        <p14:creationId xmlns:p14="http://schemas.microsoft.com/office/powerpoint/2010/main" xmlns="" val="1968202226"/>
       </p:ext>
     </p:extLst>
   </p:cSld>
@@ -5678,13 +5713,6 @@
   <p:transition>
     <p:fade/>
   </p:transition>
-  <p:timing>
-    <p:tnLst>
-      <p:par>
-        <p:cTn id="1" dur="indefinite" restart="never" nodeType="tmRoot"/>
-      </p:par>
-    </p:tnLst>
-  </p:timing>
 </p:sld>
 </file>
 
@@ -5723,27 +5751,6 @@
           <a:lstStyle/>
           <a:p>
             <a:r>
-              <a:rPr lang="nl-BE" sz="3600" cap="small" dirty="0" err="1" smtClean="0">
-                <a:ln w="18415" cmpd="sng">
-                  <a:solidFill>
-                    <a:schemeClr val="tx1">
-                      <a:alpha val="0"/>
-                    </a:schemeClr>
-                  </a:solidFill>
-                  <a:prstDash val="solid"/>
-                </a:ln>
-                <a:effectLst>
-                  <a:outerShdw blurRad="25400" dir="3600000" algn="tl" rotWithShape="0">
-                    <a:srgbClr val="000000">
-                      <a:alpha val="70000"/>
-                    </a:srgbClr>
-                  </a:outerShdw>
-                </a:effectLst>
-                <a:latin typeface="Sitka Text" pitchFamily="2" charset="0"/>
-              </a:rPr>
-              <a:t>Possible</a:t>
-            </a:r>
-            <a:r>
               <a:rPr lang="nl-BE" sz="3600" cap="small" dirty="0" smtClean="0">
                 <a:ln w="18415" cmpd="sng">
                   <a:solidFill>
@@ -5762,28 +5769,7 @@
                 </a:effectLst>
                 <a:latin typeface="Sitka Text" pitchFamily="2" charset="0"/>
               </a:rPr>
-              <a:t> </a:t>
-            </a:r>
-            <a:r>
-              <a:rPr lang="nl-BE" sz="3600" cap="small" dirty="0" err="1" smtClean="0">
-                <a:ln w="18415" cmpd="sng">
-                  <a:solidFill>
-                    <a:schemeClr val="tx1">
-                      <a:alpha val="0"/>
-                    </a:schemeClr>
-                  </a:solidFill>
-                  <a:prstDash val="solid"/>
-                </a:ln>
-                <a:effectLst>
-                  <a:outerShdw blurRad="25400" dir="3600000" algn="tl" rotWithShape="0">
-                    <a:srgbClr val="000000">
-                      <a:alpha val="70000"/>
-                    </a:srgbClr>
-                  </a:outerShdw>
-                </a:effectLst>
-                <a:latin typeface="Sitka Text" pitchFamily="2" charset="0"/>
-              </a:rPr>
-              <a:t>improvements</a:t>
+              <a:t>Extensibility of the system:</a:t>
             </a:r>
             <a:endParaRPr lang="nl-BE" sz="3600" cap="small" dirty="0">
               <a:ln w="18415" cmpd="sng">
@@ -5818,39 +5804,95 @@
         </p:nvSpPr>
         <p:spPr>
           <a:xfrm>
-            <a:off x="518864" y="1600200"/>
+            <a:off x="539552" y="1556792"/>
             <a:ext cx="8229600" cy="4525963"/>
           </a:xfrm>
         </p:spPr>
         <p:txBody>
           <a:bodyPr>
-            <a:normAutofit/>
+            <a:normAutofit lnSpcReduction="10000"/>
           </a:bodyPr>
           <a:lstStyle/>
           <a:p>
             <a:r>
-              <a:rPr lang="nl-BE" sz="2400" dirty="0" smtClean="0">
-                <a:latin typeface="Sitka Banner" pitchFamily="2" charset="0"/>
-              </a:rPr>
-              <a:t>Mailbox creates Observers, could be a task of the MailboxService</a:t>
-            </a:r>
-            <a:endParaRPr lang="nl-BE" sz="2000" dirty="0" smtClean="0">
+              <a:rPr lang="en-US" sz="2400" dirty="0" smtClean="0">
+                <a:latin typeface="Sitka Banner" pitchFamily="2" charset="0"/>
+              </a:rPr>
+              <a:t>Adding use cases</a:t>
+            </a:r>
+          </a:p>
+          <a:p>
+            <a:r>
+              <a:rPr lang="en-US" sz="2400" dirty="0" smtClean="0">
+                <a:latin typeface="Sitka Banner" pitchFamily="2" charset="0"/>
+              </a:rPr>
+              <a:t>UI is still completely independent </a:t>
+            </a:r>
+          </a:p>
+          <a:p>
+            <a:r>
+              <a:rPr lang="en-US" sz="2400" dirty="0" smtClean="0">
+                <a:latin typeface="Sitka Banner" pitchFamily="2" charset="0"/>
+              </a:rPr>
+              <a:t>Interface for the </a:t>
+            </a:r>
+            <a:r>
+              <a:rPr lang="en-US" sz="2400" dirty="0" err="1" smtClean="0">
+                <a:latin typeface="Sitka Banner" pitchFamily="2" charset="0"/>
+              </a:rPr>
+              <a:t>Initializer</a:t>
+            </a:r>
+            <a:endParaRPr lang="en-US" sz="2400" dirty="0" smtClean="0">
               <a:latin typeface="Sitka Banner" pitchFamily="2" charset="0"/>
             </a:endParaRPr>
           </a:p>
           <a:p>
-            <a:endParaRPr lang="nl-BE" sz="2400" dirty="0">
+            <a:r>
+              <a:rPr lang="en-US" sz="2400" dirty="0" smtClean="0">
+                <a:latin typeface="Sitka Banner" pitchFamily="2" charset="0"/>
+              </a:rPr>
+              <a:t>Adding constraints concerning tag</a:t>
+            </a:r>
+          </a:p>
+          <a:p>
+            <a:r>
+              <a:rPr lang="en-US" sz="2400" dirty="0" smtClean="0">
+                <a:latin typeface="Sitka Banner" pitchFamily="2" charset="0"/>
+              </a:rPr>
+              <a:t>Adding new registration types (for mailboxes) = adding new observers</a:t>
+            </a:r>
+          </a:p>
+          <a:p>
+            <a:r>
+              <a:rPr lang="en-US" sz="2400" dirty="0" smtClean="0">
+                <a:latin typeface="Sitka Banner" pitchFamily="2" charset="0"/>
+              </a:rPr>
+              <a:t>Search methods for bug reports</a:t>
+            </a:r>
+          </a:p>
+          <a:p>
+            <a:r>
+              <a:rPr lang="en-US" sz="2400" dirty="0" smtClean="0">
+                <a:latin typeface="Sitka Banner" pitchFamily="2" charset="0"/>
+              </a:rPr>
+              <a:t>Adding new objects that could be undone</a:t>
+            </a:r>
+          </a:p>
+          <a:p>
+            <a:endParaRPr lang="en-US" sz="2400" dirty="0" smtClean="0">
               <a:latin typeface="Sitka Banner" pitchFamily="2" charset="0"/>
             </a:endParaRPr>
           </a:p>
           <a:p>
             <a:r>
-              <a:rPr lang="nl-BE" sz="2400" dirty="0" smtClean="0">
-                <a:latin typeface="Sitka Banner" pitchFamily="2" charset="0"/>
-              </a:rPr>
-              <a:t>Milestone: improvements in the code and structure</a:t>
-            </a:r>
-            <a:endParaRPr lang="nl-BE" sz="2000" dirty="0" smtClean="0">
+              <a:rPr lang="en-US" sz="2400" dirty="0" smtClean="0">
+                <a:latin typeface="Sitka Banner" pitchFamily="2" charset="0"/>
+              </a:rPr>
+              <a:t>It was easy to implement the changes from iteration 2 -&gt; great extensibility of our code from iteration 1</a:t>
+            </a:r>
+          </a:p>
+          <a:p>
+            <a:endParaRPr lang="en-US" sz="2400" dirty="0">
               <a:latin typeface="Sitka Banner" pitchFamily="2" charset="0"/>
             </a:endParaRPr>
           </a:p>
@@ -5859,7 +5901,7 @@
     </p:spTree>
     <p:extLst>
       <p:ext uri="{BB962C8B-B14F-4D97-AF65-F5344CB8AC3E}">
-        <p14:creationId xmlns:p14="http://schemas.microsoft.com/office/powerpoint/2010/main" val="674970378"/>
+        <p14:creationId xmlns:p14="http://schemas.microsoft.com/office/powerpoint/2010/main" xmlns="" val="2444210159"/>
       </p:ext>
     </p:extLst>
   </p:cSld>
@@ -5932,7 +5974,7 @@
                 </a:effectLst>
                 <a:latin typeface="Sitka Text" pitchFamily="2" charset="0"/>
               </a:rPr>
-              <a:t>Testing</a:t>
+              <a:t>Possible</a:t>
             </a:r>
             <a:r>
               <a:rPr lang="nl-BE" sz="3600" cap="small" dirty="0" smtClean="0">
@@ -5953,7 +5995,28 @@
                 </a:effectLst>
                 <a:latin typeface="Sitka Text" pitchFamily="2" charset="0"/>
               </a:rPr>
-              <a:t> approach</a:t>
+              <a:t> </a:t>
+            </a:r>
+            <a:r>
+              <a:rPr lang="nl-BE" sz="3600" cap="small" dirty="0" err="1" smtClean="0">
+                <a:ln w="18415" cmpd="sng">
+                  <a:solidFill>
+                    <a:schemeClr val="tx1">
+                      <a:alpha val="0"/>
+                    </a:schemeClr>
+                  </a:solidFill>
+                  <a:prstDash val="solid"/>
+                </a:ln>
+                <a:effectLst>
+                  <a:outerShdw blurRad="25400" dir="3600000" algn="tl" rotWithShape="0">
+                    <a:srgbClr val="000000">
+                      <a:alpha val="70000"/>
+                    </a:srgbClr>
+                  </a:outerShdw>
+                </a:effectLst>
+                <a:latin typeface="Sitka Text" pitchFamily="2" charset="0"/>
+              </a:rPr>
+              <a:t>improvements</a:t>
             </a:r>
             <a:endParaRPr lang="nl-BE" sz="3600" cap="small" dirty="0">
               <a:ln w="18415" cmpd="sng">
@@ -5986,37 +6049,42 @@
             <p:ph idx="1"/>
           </p:nvPr>
         </p:nvSpPr>
-        <p:spPr/>
+        <p:spPr>
+          <a:xfrm>
+            <a:off x="518864" y="1600200"/>
+            <a:ext cx="8229600" cy="4525963"/>
+          </a:xfrm>
+        </p:spPr>
         <p:txBody>
           <a:bodyPr>
             <a:normAutofit/>
           </a:bodyPr>
           <a:lstStyle/>
           <a:p>
-            <a:pPr marL="0" indent="0">
-              <a:buNone/>
-            </a:pPr>
-            <a:r>
-              <a:rPr lang="nl-BE" sz="2800" b="1" cap="small" dirty="0" smtClean="0">
-                <a:latin typeface="Sitka Display" pitchFamily="2" charset="0"/>
-              </a:rPr>
-              <a:t>Geef </a:t>
-            </a:r>
-            <a:r>
-              <a:rPr lang="nl-BE" sz="2800" b="1" cap="small" dirty="0" err="1" smtClean="0">
-                <a:latin typeface="Sitka Display" pitchFamily="2" charset="0"/>
-              </a:rPr>
-              <a:t>coverage</a:t>
-            </a:r>
-            <a:r>
-              <a:rPr lang="nl-BE" sz="2800" b="1" cap="small" dirty="0" smtClean="0">
-                <a:latin typeface="Sitka Display" pitchFamily="2" charset="0"/>
-              </a:rPr>
-              <a:t> + korte samenvatting van werkwijze in iteratie 1</a:t>
-            </a:r>
+            <a:r>
+              <a:rPr lang="nl-BE" sz="2400" dirty="0" smtClean="0">
+                <a:latin typeface="Sitka Banner" pitchFamily="2" charset="0"/>
+              </a:rPr>
+              <a:t>Mailbox creates Observers, could be a task of the MailboxService</a:t>
+            </a:r>
+            <a:endParaRPr lang="nl-BE" sz="2000" dirty="0" smtClean="0">
+              <a:latin typeface="Sitka Banner" pitchFamily="2" charset="0"/>
+            </a:endParaRPr>
+          </a:p>
+          <a:p>
             <a:endParaRPr lang="nl-BE" sz="2400" dirty="0">
-              <a:latin typeface="Sitka Display" pitchFamily="2" charset="0"/>
-              <a:sym typeface="Wingdings" panose="05000000000000000000" pitchFamily="2" charset="2"/>
+              <a:latin typeface="Sitka Banner" pitchFamily="2" charset="0"/>
+            </a:endParaRPr>
+          </a:p>
+          <a:p>
+            <a:r>
+              <a:rPr lang="nl-BE" sz="2400" dirty="0" smtClean="0">
+                <a:latin typeface="Sitka Banner" pitchFamily="2" charset="0"/>
+              </a:rPr>
+              <a:t>Milestone: improvements in the code and structure</a:t>
+            </a:r>
+            <a:endParaRPr lang="nl-BE" sz="2000" dirty="0" smtClean="0">
+              <a:latin typeface="Sitka Banner" pitchFamily="2" charset="0"/>
             </a:endParaRPr>
           </a:p>
         </p:txBody>
@@ -6024,7 +6092,7 @@
     </p:spTree>
     <p:extLst>
       <p:ext uri="{BB962C8B-B14F-4D97-AF65-F5344CB8AC3E}">
-        <p14:creationId xmlns:p14="http://schemas.microsoft.com/office/powerpoint/2010/main" val="996989477"/>
+        <p14:creationId xmlns:p14="http://schemas.microsoft.com/office/powerpoint/2010/main" xmlns="" val="674970378"/>
       </p:ext>
     </p:extLst>
   </p:cSld>
@@ -6079,6 +6147,27 @@
           <a:lstStyle/>
           <a:p>
             <a:r>
+              <a:rPr lang="nl-BE" sz="3600" cap="small" dirty="0" err="1" smtClean="0">
+                <a:ln w="18415" cmpd="sng">
+                  <a:solidFill>
+                    <a:schemeClr val="tx1">
+                      <a:alpha val="0"/>
+                    </a:schemeClr>
+                  </a:solidFill>
+                  <a:prstDash val="solid"/>
+                </a:ln>
+                <a:effectLst>
+                  <a:outerShdw blurRad="25400" dir="3600000" algn="tl" rotWithShape="0">
+                    <a:srgbClr val="000000">
+                      <a:alpha val="70000"/>
+                    </a:srgbClr>
+                  </a:outerShdw>
+                </a:effectLst>
+                <a:latin typeface="Sitka Text" pitchFamily="2" charset="0"/>
+              </a:rPr>
+              <a:t>Testing</a:t>
+            </a:r>
+            <a:r>
               <a:rPr lang="nl-BE" sz="3600" cap="small" dirty="0" smtClean="0">
                 <a:ln w="18415" cmpd="sng">
                   <a:solidFill>
@@ -6097,7 +6186,7 @@
                 </a:effectLst>
                 <a:latin typeface="Sitka Text" pitchFamily="2" charset="0"/>
               </a:rPr>
-              <a:t>Testing approach</a:t>
+              <a:t> approach</a:t>
             </a:r>
             <a:endParaRPr lang="nl-BE" sz="3600" cap="small" dirty="0">
               <a:ln w="18415" cmpd="sng">
@@ -6120,39 +6209,55 @@
           </a:p>
         </p:txBody>
       </p:sp>
-      <p:pic>
-        <p:nvPicPr>
-          <p:cNvPr id="7" name="Content Placeholder 6"/>
-          <p:cNvPicPr>
-            <a:picLocks noGrp="1" noChangeAspect="1"/>
-          </p:cNvPicPr>
+      <p:sp>
+        <p:nvSpPr>
+          <p:cNvPr id="3" name="Tijdelijke aanduiding voor inhoud 2"/>
+          <p:cNvSpPr>
+            <a:spLocks noGrp="1"/>
+          </p:cNvSpPr>
           <p:nvPr>
             <p:ph idx="1"/>
           </p:nvPr>
-        </p:nvPicPr>
-        <p:blipFill>
-          <a:blip r:embed="rId2" cstate="print">
-            <a:extLst>
-              <a:ext uri="{28A0092B-C50C-407E-A947-70E740481C1C}">
-                <a14:useLocalDpi xmlns:a14="http://schemas.microsoft.com/office/drawing/2010/main" val="0"/>
-              </a:ext>
-            </a:extLst>
-          </a:blip>
-          <a:stretch>
-            <a:fillRect/>
-          </a:stretch>
-        </p:blipFill>
-        <p:spPr>
-          <a:xfrm>
-            <a:off x="324176" y="1484784"/>
-            <a:ext cx="8495647" cy="4896544"/>
-          </a:xfrm>
-        </p:spPr>
-      </p:pic>
+        </p:nvSpPr>
+        <p:spPr/>
+        <p:txBody>
+          <a:bodyPr>
+            <a:normAutofit/>
+          </a:bodyPr>
+          <a:lstStyle/>
+          <a:p>
+            <a:pPr marL="0" indent="0">
+              <a:buNone/>
+            </a:pPr>
+            <a:r>
+              <a:rPr lang="nl-BE" sz="2800" b="1" cap="small" dirty="0" smtClean="0">
+                <a:latin typeface="Sitka Display" pitchFamily="2" charset="0"/>
+              </a:rPr>
+              <a:t>Geef </a:t>
+            </a:r>
+            <a:r>
+              <a:rPr lang="nl-BE" sz="2800" b="1" cap="small" dirty="0" err="1" smtClean="0">
+                <a:latin typeface="Sitka Display" pitchFamily="2" charset="0"/>
+              </a:rPr>
+              <a:t>coverage</a:t>
+            </a:r>
+            <a:r>
+              <a:rPr lang="nl-BE" sz="2800" b="1" cap="small" dirty="0" smtClean="0">
+                <a:latin typeface="Sitka Display" pitchFamily="2" charset="0"/>
+              </a:rPr>
+              <a:t> + korte samenvatting van werkwijze in iteratie 1</a:t>
+            </a:r>
+            <a:endParaRPr lang="nl-BE" sz="2400" dirty="0">
+              <a:latin typeface="Sitka Display" pitchFamily="2" charset="0"/>
+              <a:sym typeface="Wingdings" panose="05000000000000000000" pitchFamily="2" charset="2"/>
+            </a:endParaRPr>
+          </a:p>
+        </p:txBody>
+      </p:sp>
     </p:spTree>
     <p:extLst>
       <p:ext uri="{BB962C8B-B14F-4D97-AF65-F5344CB8AC3E}">
-        <p14:creationId xmlns:p14="http://schemas.microsoft.com/office/powerpoint/2010/main" val="3176464878"/>
+        <p14:creationId xmlns:p14="http://schemas.microsoft.com/office/powerpoint/2010/main" xmlns="" val="996989477"/>
       </p:ext>
     </p:extLst>
   </p:cSld>
@@ -6225,7 +6330,7 @@
                 </a:effectLst>
                 <a:latin typeface="Sitka Text" pitchFamily="2" charset="0"/>
               </a:rPr>
-              <a:t>Vragen?</a:t>
+              <a:t>Testing approach</a:t>
             </a:r>
             <a:endParaRPr lang="nl-BE" sz="3600" cap="small" dirty="0">
               <a:ln w="18415" cmpd="sng">
@@ -6250,47 +6355,37 @@
       </p:sp>
       <p:pic>
         <p:nvPicPr>
-          <p:cNvPr id="2051" name="Picture 3" descr="C:\Users\Laurens\Desktop\Dumper\wut.jpg"/>
+          <p:cNvPr id="7" name="Content Placeholder 6"/>
           <p:cNvPicPr>
-            <a:picLocks noChangeAspect="1" noChangeArrowheads="1"/>
+            <a:picLocks noGrp="1" noChangeAspect="1"/>
           </p:cNvPicPr>
-          <p:nvPr/>
+          <p:nvPr>
+            <p:ph idx="1"/>
+          </p:nvPr>
         </p:nvPicPr>
-        <p:blipFill rotWithShape="1">
+        <p:blipFill>
           <a:blip r:embed="rId2" cstate="print">
             <a:extLst>
               <a:ext uri="{28A0092B-C50C-407E-A947-70E740481C1C}">
-                <a14:useLocalDpi xmlns:a14="http://schemas.microsoft.com/office/drawing/2010/main" val="0"/>
+                <a14:useLocalDpi xmlns:a14="http://schemas.microsoft.com/office/drawing/2010/main" xmlns="" val="0"/>
               </a:ext>
             </a:extLst>
           </a:blip>
-          <a:srcRect t="22771" r="1125" b="22800"/>
-          <a:stretch/>
+          <a:stretch>
+            <a:fillRect/>
+          </a:stretch>
         </p:blipFill>
-        <p:spPr bwMode="auto">
+        <p:spPr>
           <a:xfrm>
-            <a:off x="1597733" y="2420888"/>
-            <a:ext cx="5948535" cy="2455912"/>
+            <a:off x="324176" y="1484784"/>
+            <a:ext cx="8495647" cy="4896544"/>
           </a:xfrm>
-          <a:prstGeom prst="rect">
-            <a:avLst/>
-          </a:prstGeom>
-          <a:noFill/>
-          <a:extLst>
-            <a:ext uri="{909E8E84-426E-40DD-AFC4-6F175D3DCCD1}">
-              <a14:hiddenFill xmlns:a14="http://schemas.microsoft.com/office/drawing/2010/main">
-                <a:solidFill>
-                  <a:srgbClr val="FFFFFF"/>
-                </a:solidFill>
-              </a14:hiddenFill>
-            </a:ext>
-          </a:extLst>
         </p:spPr>
       </p:pic>
     </p:spTree>
     <p:extLst>
       <p:ext uri="{BB962C8B-B14F-4D97-AF65-F5344CB8AC3E}">
-        <p14:creationId xmlns:p14="http://schemas.microsoft.com/office/powerpoint/2010/main" val="3405605565"/>
+        <p14:creationId xmlns:p14="http://schemas.microsoft.com/office/powerpoint/2010/main" xmlns="" val="3176464878"/>
       </p:ext>
     </p:extLst>
   </p:cSld>
@@ -6413,7 +6508,7 @@
             </a:clrChange>
             <a:extLst>
               <a:ext uri="{28A0092B-C50C-407E-A947-70E740481C1C}">
-                <a14:useLocalDpi xmlns:a14="http://schemas.microsoft.com/office/drawing/2010/main" val="0"/>
+                <a14:useLocalDpi xmlns:a14="http://schemas.microsoft.com/office/drawing/2010/main" xmlns="" val="0"/>
               </a:ext>
             </a:extLst>
           </a:blip>
@@ -6433,7 +6528,7 @@
           <a:noFill/>
           <a:extLst>
             <a:ext uri="{909E8E84-426E-40DD-AFC4-6F175D3DCCD1}">
-              <a14:hiddenFill xmlns:a14="http://schemas.microsoft.com/office/drawing/2010/main">
+              <a14:hiddenFill xmlns:a14="http://schemas.microsoft.com/office/drawing/2010/main" xmlns="">
                 <a:solidFill>
                   <a:srgbClr val="FFFFFF"/>
                 </a:solidFill>
@@ -6445,7 +6540,7 @@
     </p:spTree>
     <p:extLst>
       <p:ext uri="{BB962C8B-B14F-4D97-AF65-F5344CB8AC3E}">
-        <p14:creationId xmlns:p14="http://schemas.microsoft.com/office/powerpoint/2010/main" val="597274065"/>
+        <p14:creationId xmlns:p14="http://schemas.microsoft.com/office/powerpoint/2010/main" xmlns="" val="597274065"/>
       </p:ext>
     </p:extLst>
   </p:cSld>
@@ -6488,7 +6583,7 @@
         <p:spPr/>
         <p:txBody>
           <a:bodyPr>
-            <a:normAutofit fontScale="90000"/>
+            <a:normAutofit/>
           </a:bodyPr>
           <a:lstStyle/>
           <a:p>
@@ -6511,7 +6606,7 @@
                 </a:effectLst>
                 <a:latin typeface="Sitka Text" pitchFamily="2" charset="0"/>
               </a:rPr>
-              <a:t>Project management (in uren) TODO UPDATE</a:t>
+              <a:t>Vragen?</a:t>
             </a:r>
             <a:endParaRPr lang="nl-BE" sz="3600" cap="small" dirty="0">
               <a:ln w="18415" cmpd="sng">
@@ -6534,356 +6629,49 @@
           </a:p>
         </p:txBody>
       </p:sp>
-      <p:sp>
-        <p:nvSpPr>
-          <p:cNvPr id="3" name="Tijdelijke aanduiding voor inhoud 2"/>
-          <p:cNvSpPr>
-            <a:spLocks noGrp="1"/>
-          </p:cNvSpPr>
-          <p:nvPr>
-            <p:ph idx="1"/>
-          </p:nvPr>
-        </p:nvSpPr>
-        <p:spPr/>
-        <p:txBody>
-          <a:bodyPr>
-            <a:normAutofit/>
-          </a:bodyPr>
-          <a:lstStyle/>
-          <a:p>
-            <a:pPr marL="0" indent="0">
-              <a:buNone/>
-            </a:pPr>
-            <a:r>
-              <a:rPr lang="nl-BE" sz="2700" b="1" cap="small" dirty="0" smtClean="0">
-                <a:latin typeface="Sitka Display" pitchFamily="2" charset="0"/>
-              </a:rPr>
-              <a:t>Karina </a:t>
-            </a:r>
-            <a:r>
-              <a:rPr lang="nl-BE" sz="2700" b="1" cap="small" dirty="0" err="1" smtClean="0">
-                <a:latin typeface="Sitka Display" pitchFamily="2" charset="0"/>
-              </a:rPr>
-              <a:t>Karapetyan</a:t>
-            </a:r>
-            <a:endParaRPr lang="nl-BE" sz="2700" b="1" cap="small" dirty="0" smtClean="0">
-              <a:latin typeface="Sitka Display" pitchFamily="2" charset="0"/>
-            </a:endParaRPr>
-          </a:p>
-          <a:p>
-            <a:pPr marL="0" indent="0">
-              <a:buNone/>
-            </a:pPr>
-            <a:r>
-              <a:rPr lang="nl-BE" sz="2400" dirty="0" smtClean="0">
-                <a:solidFill>
-                  <a:schemeClr val="accent4">
-                    <a:lumMod val="50000"/>
-                  </a:schemeClr>
-                </a:solidFill>
-                <a:effectLst>
-                  <a:outerShdw blurRad="76200" dist="38100" dir="5400000" algn="t" rotWithShape="0">
-                    <a:prstClr val="black">
-                      <a:alpha val="27000"/>
-                    </a:prstClr>
-                  </a:outerShdw>
-                </a:effectLst>
-                <a:latin typeface="Sitka Banner" pitchFamily="2" charset="0"/>
-              </a:rPr>
-              <a:t>Group work: </a:t>
-            </a:r>
-            <a:r>
-              <a:rPr lang="nl-BE" sz="2400" dirty="0">
-                <a:solidFill>
-                  <a:schemeClr val="accent4">
-                    <a:lumMod val="50000"/>
-                  </a:schemeClr>
-                </a:solidFill>
-                <a:effectLst>
-                  <a:outerShdw blurRad="76200" dist="38100" dir="5400000" algn="t" rotWithShape="0">
-                    <a:prstClr val="black">
-                      <a:alpha val="27000"/>
-                    </a:prstClr>
-                  </a:outerShdw>
-                </a:effectLst>
-                <a:latin typeface="Sitka Banner" pitchFamily="2" charset="0"/>
-              </a:rPr>
-              <a:t>	</a:t>
-            </a:r>
-            <a:r>
-              <a:rPr lang="nl-BE" sz="2400" dirty="0" smtClean="0">
-                <a:solidFill>
-                  <a:schemeClr val="accent4">
-                    <a:lumMod val="50000"/>
-                  </a:schemeClr>
-                </a:solidFill>
-                <a:effectLst>
-                  <a:outerShdw blurRad="76200" dist="38100" dir="5400000" algn="t" rotWithShape="0">
-                    <a:prstClr val="black">
-                      <a:alpha val="27000"/>
-                    </a:prstClr>
-                  </a:outerShdw>
-                </a:effectLst>
-                <a:latin typeface="Sitka Banner" pitchFamily="2" charset="0"/>
-              </a:rPr>
-              <a:t> 	Individual Work: 	Study: </a:t>
-            </a:r>
-            <a:endParaRPr lang="nl-BE" sz="2400" dirty="0">
-              <a:solidFill>
-                <a:schemeClr val="accent4">
-                  <a:lumMod val="50000"/>
-                </a:schemeClr>
-              </a:solidFill>
-              <a:effectLst>
-                <a:outerShdw blurRad="76200" dist="38100" dir="5400000" algn="t" rotWithShape="0">
-                  <a:prstClr val="black">
-                    <a:alpha val="27000"/>
-                  </a:prstClr>
-                </a:outerShdw>
-              </a:effectLst>
-              <a:latin typeface="Sitka Banner" pitchFamily="2" charset="0"/>
-            </a:endParaRPr>
-          </a:p>
-          <a:p>
-            <a:pPr marL="0" indent="0">
-              <a:buNone/>
-            </a:pPr>
-            <a:r>
-              <a:rPr lang="nl-BE" sz="2700" b="1" cap="small" dirty="0" smtClean="0">
-                <a:latin typeface="Sitka Display" pitchFamily="2" charset="0"/>
-              </a:rPr>
-              <a:t>Laurens </a:t>
-            </a:r>
-            <a:r>
-              <a:rPr lang="nl-BE" sz="2700" b="1" cap="small" dirty="0" err="1" smtClean="0">
-                <a:latin typeface="Sitka Display" pitchFamily="2" charset="0"/>
-              </a:rPr>
-              <a:t>Cleemput</a:t>
-            </a:r>
-            <a:endParaRPr lang="nl-BE" sz="2700" b="1" cap="small" dirty="0" smtClean="0">
-              <a:latin typeface="Sitka Display" pitchFamily="2" charset="0"/>
-            </a:endParaRPr>
-          </a:p>
-          <a:p>
-            <a:pPr marL="0" indent="0">
-              <a:buNone/>
-            </a:pPr>
-            <a:r>
-              <a:rPr lang="nl-BE" sz="2400" dirty="0" smtClean="0">
-                <a:solidFill>
-                  <a:schemeClr val="accent4">
-                    <a:lumMod val="50000"/>
-                  </a:schemeClr>
-                </a:solidFill>
-                <a:effectLst>
-                  <a:outerShdw blurRad="76200" dist="38100" dir="5400000" algn="t" rotWithShape="0">
-                    <a:prstClr val="black">
-                      <a:alpha val="27000"/>
-                    </a:prstClr>
-                  </a:outerShdw>
-                </a:effectLst>
-                <a:latin typeface="Sitka Banner" pitchFamily="2" charset="0"/>
-              </a:rPr>
-              <a:t>Group work: </a:t>
-            </a:r>
-            <a:r>
-              <a:rPr lang="nl-BE" sz="2400" dirty="0">
-                <a:solidFill>
-                  <a:schemeClr val="accent4">
-                    <a:lumMod val="50000"/>
-                  </a:schemeClr>
-                </a:solidFill>
-                <a:effectLst>
-                  <a:outerShdw blurRad="76200" dist="38100" dir="5400000" algn="t" rotWithShape="0">
-                    <a:prstClr val="black">
-                      <a:alpha val="27000"/>
-                    </a:prstClr>
-                  </a:outerShdw>
-                </a:effectLst>
-                <a:latin typeface="Sitka Banner" pitchFamily="2" charset="0"/>
-              </a:rPr>
-              <a:t>	</a:t>
-            </a:r>
-            <a:r>
-              <a:rPr lang="nl-BE" sz="2400" dirty="0" smtClean="0">
-                <a:solidFill>
-                  <a:schemeClr val="accent4">
-                    <a:lumMod val="50000"/>
-                  </a:schemeClr>
-                </a:solidFill>
-                <a:effectLst>
-                  <a:outerShdw blurRad="76200" dist="38100" dir="5400000" algn="t" rotWithShape="0">
-                    <a:prstClr val="black">
-                      <a:alpha val="27000"/>
-                    </a:prstClr>
-                  </a:outerShdw>
-                </a:effectLst>
-                <a:latin typeface="Sitka Banner" pitchFamily="2" charset="0"/>
-              </a:rPr>
-              <a:t> 	Individual Work: 	Study: </a:t>
-            </a:r>
-          </a:p>
-          <a:p>
-            <a:pPr marL="0" indent="0">
-              <a:buNone/>
-            </a:pPr>
-            <a:r>
-              <a:rPr lang="nl-BE" sz="2700" b="1" cap="small" dirty="0" smtClean="0">
-                <a:latin typeface="Sitka Display" pitchFamily="2" charset="0"/>
-              </a:rPr>
-              <a:t>Tom Houben</a:t>
-            </a:r>
-          </a:p>
-          <a:p>
-            <a:pPr marL="0" indent="0">
-              <a:buNone/>
-            </a:pPr>
-            <a:r>
-              <a:rPr lang="nl-BE" sz="2400" dirty="0" smtClean="0">
-                <a:solidFill>
-                  <a:schemeClr val="accent4">
-                    <a:lumMod val="50000"/>
-                  </a:schemeClr>
-                </a:solidFill>
-                <a:effectLst>
-                  <a:outerShdw blurRad="76200" dist="38100" dir="5400000" algn="t" rotWithShape="0">
-                    <a:prstClr val="black">
-                      <a:alpha val="27000"/>
-                    </a:prstClr>
-                  </a:outerShdw>
-                </a:effectLst>
-                <a:latin typeface="Sitka Banner" pitchFamily="2" charset="0"/>
-              </a:rPr>
-              <a:t>Group work:  </a:t>
-            </a:r>
-            <a:r>
-              <a:rPr lang="nl-BE" sz="2400" dirty="0">
-                <a:solidFill>
-                  <a:schemeClr val="accent4">
-                    <a:lumMod val="50000"/>
-                  </a:schemeClr>
-                </a:solidFill>
-                <a:effectLst>
-                  <a:outerShdw blurRad="76200" dist="38100" dir="5400000" algn="t" rotWithShape="0">
-                    <a:prstClr val="black">
-                      <a:alpha val="27000"/>
-                    </a:prstClr>
-                  </a:outerShdw>
-                </a:effectLst>
-                <a:latin typeface="Sitka Banner" pitchFamily="2" charset="0"/>
-              </a:rPr>
-              <a:t>	</a:t>
-            </a:r>
-            <a:r>
-              <a:rPr lang="nl-BE" sz="2400" dirty="0" smtClean="0">
-                <a:solidFill>
-                  <a:schemeClr val="accent4">
-                    <a:lumMod val="50000"/>
-                  </a:schemeClr>
-                </a:solidFill>
-                <a:effectLst>
-                  <a:outerShdw blurRad="76200" dist="38100" dir="5400000" algn="t" rotWithShape="0">
-                    <a:prstClr val="black">
-                      <a:alpha val="27000"/>
-                    </a:prstClr>
-                  </a:outerShdw>
-                </a:effectLst>
-                <a:latin typeface="Sitka Banner" pitchFamily="2" charset="0"/>
-              </a:rPr>
-              <a:t>	Individual Work: 	Study: </a:t>
-            </a:r>
-          </a:p>
-          <a:p>
-            <a:pPr marL="0" indent="0">
-              <a:buNone/>
-            </a:pPr>
-            <a:r>
-              <a:rPr lang="nl-BE" sz="2700" b="1" cap="small" dirty="0" smtClean="0">
-                <a:latin typeface="Sitka Display" pitchFamily="2" charset="0"/>
-              </a:rPr>
-              <a:t>Tri </a:t>
-            </a:r>
-            <a:r>
-              <a:rPr lang="nl-BE" sz="2700" b="1" cap="small" dirty="0" err="1" smtClean="0">
-                <a:latin typeface="Sitka Display" pitchFamily="2" charset="0"/>
-              </a:rPr>
-              <a:t>Tran</a:t>
-            </a:r>
-            <a:endParaRPr lang="nl-BE" sz="2700" b="1" cap="small" dirty="0" smtClean="0">
-              <a:latin typeface="Sitka Display" pitchFamily="2" charset="0"/>
-            </a:endParaRPr>
-          </a:p>
-          <a:p>
-            <a:pPr marL="0" indent="0">
-              <a:buNone/>
-            </a:pPr>
-            <a:r>
-              <a:rPr lang="nl-BE" sz="2400" dirty="0" smtClean="0">
-                <a:solidFill>
-                  <a:schemeClr val="accent4">
-                    <a:lumMod val="50000"/>
-                  </a:schemeClr>
-                </a:solidFill>
-                <a:effectLst>
-                  <a:outerShdw blurRad="76200" dist="38100" dir="5400000" algn="t" rotWithShape="0">
-                    <a:prstClr val="black">
-                      <a:alpha val="27000"/>
-                    </a:prstClr>
-                  </a:outerShdw>
-                </a:effectLst>
-                <a:latin typeface="Sitka Banner" pitchFamily="2" charset="0"/>
-              </a:rPr>
-              <a:t>Group work: </a:t>
-            </a:r>
-            <a:r>
-              <a:rPr lang="nl-BE" sz="2400" dirty="0">
-                <a:solidFill>
-                  <a:schemeClr val="accent4">
-                    <a:lumMod val="50000"/>
-                  </a:schemeClr>
-                </a:solidFill>
-                <a:effectLst>
-                  <a:outerShdw blurRad="76200" dist="38100" dir="5400000" algn="t" rotWithShape="0">
-                    <a:prstClr val="black">
-                      <a:alpha val="27000"/>
-                    </a:prstClr>
-                  </a:outerShdw>
-                </a:effectLst>
-                <a:latin typeface="Sitka Banner" pitchFamily="2" charset="0"/>
-              </a:rPr>
-              <a:t>	</a:t>
-            </a:r>
-            <a:r>
-              <a:rPr lang="nl-BE" sz="2400" dirty="0" smtClean="0">
-                <a:solidFill>
-                  <a:schemeClr val="accent4">
-                    <a:lumMod val="50000"/>
-                  </a:schemeClr>
-                </a:solidFill>
-                <a:effectLst>
-                  <a:outerShdw blurRad="76200" dist="38100" dir="5400000" algn="t" rotWithShape="0">
-                    <a:prstClr val="black">
-                      <a:alpha val="27000"/>
-                    </a:prstClr>
-                  </a:outerShdw>
-                </a:effectLst>
-                <a:latin typeface="Sitka Banner" pitchFamily="2" charset="0"/>
-              </a:rPr>
-              <a:t> 31h	Individual Work: 	Study:  </a:t>
-            </a:r>
-          </a:p>
-          <a:p>
-            <a:pPr marL="0" indent="0">
-              <a:buNone/>
-            </a:pPr>
-            <a:endParaRPr lang="nl-BE" b="1" dirty="0"/>
-          </a:p>
-        </p:txBody>
-      </p:sp>
+      <p:pic>
+        <p:nvPicPr>
+          <p:cNvPr id="2051" name="Picture 3" descr="C:\Users\Laurens\Desktop\Dumper\wut.jpg"/>
+          <p:cNvPicPr>
+            <a:picLocks noChangeAspect="1" noChangeArrowheads="1"/>
+          </p:cNvPicPr>
+          <p:nvPr/>
+        </p:nvPicPr>
+        <p:blipFill rotWithShape="1">
+          <a:blip r:embed="rId2" cstate="print">
+            <a:extLst>
+              <a:ext uri="{28A0092B-C50C-407E-A947-70E740481C1C}">
+                <a14:useLocalDpi xmlns:a14="http://schemas.microsoft.com/office/drawing/2010/main" xmlns="" val="0"/>
+              </a:ext>
+            </a:extLst>
+          </a:blip>
+          <a:srcRect t="22771" r="1125" b="22800"/>
+          <a:stretch/>
+        </p:blipFill>
+        <p:spPr bwMode="auto">
+          <a:xfrm>
+            <a:off x="1597733" y="2420888"/>
+            <a:ext cx="5948535" cy="2455912"/>
+          </a:xfrm>
+          <a:prstGeom prst="rect">
+            <a:avLst/>
+          </a:prstGeom>
+          <a:noFill/>
+          <a:extLst>
+            <a:ext uri="{909E8E84-426E-40DD-AFC4-6F175D3DCCD1}">
+              <a14:hiddenFill xmlns:a14="http://schemas.microsoft.com/office/drawing/2010/main" xmlns="">
+                <a:solidFill>
+                  <a:srgbClr val="FFFFFF"/>
+                </a:solidFill>
+              </a14:hiddenFill>
+            </a:ext>
+          </a:extLst>
+        </p:spPr>
+      </p:pic>
     </p:spTree>
     <p:extLst>
       <p:ext uri="{BB962C8B-B14F-4D97-AF65-F5344CB8AC3E}">
-        <p14:creationId xmlns:p14="http://schemas.microsoft.com/office/powerpoint/2010/main" val="1581702792"/>
+        <p14:creationId xmlns:p14="http://schemas.microsoft.com/office/powerpoint/2010/main" xmlns="" val="3405605565"/>
       </p:ext>
     </p:extLst>
   </p:cSld>
@@ -6920,6 +6708,451 @@
           <a:chExt cx="0" cy="0"/>
         </a:xfrm>
       </p:grpSpPr>
+      <p:sp>
+        <p:nvSpPr>
+          <p:cNvPr id="2" name="Titel 1"/>
+          <p:cNvSpPr>
+            <a:spLocks noGrp="1"/>
+          </p:cNvSpPr>
+          <p:nvPr>
+            <p:ph type="title"/>
+          </p:nvPr>
+        </p:nvSpPr>
+        <p:spPr/>
+        <p:txBody>
+          <a:bodyPr>
+            <a:normAutofit fontScale="90000"/>
+          </a:bodyPr>
+          <a:lstStyle/>
+          <a:p>
+            <a:r>
+              <a:rPr lang="nl-BE" sz="3600" cap="small" dirty="0" smtClean="0">
+                <a:ln w="18415" cmpd="sng">
+                  <a:solidFill>
+                    <a:schemeClr val="tx1">
+                      <a:alpha val="0"/>
+                    </a:schemeClr>
+                  </a:solidFill>
+                  <a:prstDash val="solid"/>
+                </a:ln>
+                <a:effectLst>
+                  <a:outerShdw blurRad="25400" dir="3600000" algn="tl" rotWithShape="0">
+                    <a:srgbClr val="000000">
+                      <a:alpha val="70000"/>
+                    </a:srgbClr>
+                  </a:outerShdw>
+                </a:effectLst>
+                <a:latin typeface="Sitka Text" pitchFamily="2" charset="0"/>
+              </a:rPr>
+              <a:t>Project management (in uren) TODO UPDATE</a:t>
+            </a:r>
+            <a:endParaRPr lang="nl-BE" sz="3600" cap="small" dirty="0">
+              <a:ln w="18415" cmpd="sng">
+                <a:solidFill>
+                  <a:schemeClr val="tx1">
+                    <a:alpha val="0"/>
+                  </a:schemeClr>
+                </a:solidFill>
+                <a:prstDash val="solid"/>
+              </a:ln>
+              <a:effectLst>
+                <a:outerShdw blurRad="25400" dir="3600000" algn="tl" rotWithShape="0">
+                  <a:srgbClr val="000000">
+                    <a:alpha val="70000"/>
+                  </a:srgbClr>
+                </a:outerShdw>
+              </a:effectLst>
+              <a:latin typeface="Sitka Text" pitchFamily="2" charset="0"/>
+            </a:endParaRPr>
+          </a:p>
+        </p:txBody>
+      </p:sp>
+      <p:sp>
+        <p:nvSpPr>
+          <p:cNvPr id="3" name="Tijdelijke aanduiding voor inhoud 2"/>
+          <p:cNvSpPr>
+            <a:spLocks noGrp="1"/>
+          </p:cNvSpPr>
+          <p:nvPr>
+            <p:ph idx="1"/>
+          </p:nvPr>
+        </p:nvSpPr>
+        <p:spPr/>
+        <p:txBody>
+          <a:bodyPr>
+            <a:normAutofit/>
+          </a:bodyPr>
+          <a:lstStyle/>
+          <a:p>
+            <a:pPr marL="0" indent="0">
+              <a:buNone/>
+            </a:pPr>
+            <a:r>
+              <a:rPr lang="nl-BE" sz="2700" b="1" cap="small" dirty="0" smtClean="0">
+                <a:latin typeface="Sitka Display" pitchFamily="2" charset="0"/>
+              </a:rPr>
+              <a:t>Karina </a:t>
+            </a:r>
+            <a:r>
+              <a:rPr lang="nl-BE" sz="2700" b="1" cap="small" dirty="0" err="1" smtClean="0">
+                <a:latin typeface="Sitka Display" pitchFamily="2" charset="0"/>
+              </a:rPr>
+              <a:t>Karapetyan</a:t>
+            </a:r>
+            <a:endParaRPr lang="nl-BE" sz="2700" b="1" cap="small" dirty="0" smtClean="0">
+              <a:latin typeface="Sitka Display" pitchFamily="2" charset="0"/>
+            </a:endParaRPr>
+          </a:p>
+          <a:p>
+            <a:pPr marL="0" indent="0">
+              <a:buNone/>
+            </a:pPr>
+            <a:r>
+              <a:rPr lang="nl-BE" sz="2400" dirty="0" smtClean="0">
+                <a:solidFill>
+                  <a:schemeClr val="accent4">
+                    <a:lumMod val="50000"/>
+                  </a:schemeClr>
+                </a:solidFill>
+                <a:effectLst>
+                  <a:outerShdw blurRad="76200" dist="38100" dir="5400000" algn="t" rotWithShape="0">
+                    <a:prstClr val="black">
+                      <a:alpha val="27000"/>
+                    </a:prstClr>
+                  </a:outerShdw>
+                </a:effectLst>
+                <a:latin typeface="Sitka Banner" pitchFamily="2" charset="0"/>
+              </a:rPr>
+              <a:t>Group work: </a:t>
+            </a:r>
+            <a:r>
+              <a:rPr lang="nl-BE" sz="2400" dirty="0">
+                <a:solidFill>
+                  <a:schemeClr val="accent4">
+                    <a:lumMod val="50000"/>
+                  </a:schemeClr>
+                </a:solidFill>
+                <a:effectLst>
+                  <a:outerShdw blurRad="76200" dist="38100" dir="5400000" algn="t" rotWithShape="0">
+                    <a:prstClr val="black">
+                      <a:alpha val="27000"/>
+                    </a:prstClr>
+                  </a:outerShdw>
+                </a:effectLst>
+                <a:latin typeface="Sitka Banner" pitchFamily="2" charset="0"/>
+              </a:rPr>
+              <a:t>	</a:t>
+            </a:r>
+            <a:r>
+              <a:rPr lang="nl-BE" sz="2400" dirty="0" smtClean="0">
+                <a:solidFill>
+                  <a:schemeClr val="accent4">
+                    <a:lumMod val="50000"/>
+                  </a:schemeClr>
+                </a:solidFill>
+                <a:effectLst>
+                  <a:outerShdw blurRad="76200" dist="38100" dir="5400000" algn="t" rotWithShape="0">
+                    <a:prstClr val="black">
+                      <a:alpha val="27000"/>
+                    </a:prstClr>
+                  </a:outerShdw>
+                </a:effectLst>
+                <a:latin typeface="Sitka Banner" pitchFamily="2" charset="0"/>
+              </a:rPr>
+              <a:t> 	Individual Work: 	Study: </a:t>
+            </a:r>
+            <a:endParaRPr lang="nl-BE" sz="2400" dirty="0">
+              <a:solidFill>
+                <a:schemeClr val="accent4">
+                  <a:lumMod val="50000"/>
+                </a:schemeClr>
+              </a:solidFill>
+              <a:effectLst>
+                <a:outerShdw blurRad="76200" dist="38100" dir="5400000" algn="t" rotWithShape="0">
+                  <a:prstClr val="black">
+                    <a:alpha val="27000"/>
+                  </a:prstClr>
+                </a:outerShdw>
+              </a:effectLst>
+              <a:latin typeface="Sitka Banner" pitchFamily="2" charset="0"/>
+            </a:endParaRPr>
+          </a:p>
+          <a:p>
+            <a:pPr marL="0" indent="0">
+              <a:buNone/>
+            </a:pPr>
+            <a:r>
+              <a:rPr lang="nl-BE" sz="2700" b="1" cap="small" dirty="0" smtClean="0">
+                <a:latin typeface="Sitka Display" pitchFamily="2" charset="0"/>
+              </a:rPr>
+              <a:t>Laurens </a:t>
+            </a:r>
+            <a:r>
+              <a:rPr lang="nl-BE" sz="2700" b="1" cap="small" dirty="0" err="1" smtClean="0">
+                <a:latin typeface="Sitka Display" pitchFamily="2" charset="0"/>
+              </a:rPr>
+              <a:t>Cleemput</a:t>
+            </a:r>
+            <a:endParaRPr lang="nl-BE" sz="2700" b="1" cap="small" dirty="0" smtClean="0">
+              <a:latin typeface="Sitka Display" pitchFamily="2" charset="0"/>
+            </a:endParaRPr>
+          </a:p>
+          <a:p>
+            <a:pPr marL="0" indent="0">
+              <a:buNone/>
+            </a:pPr>
+            <a:r>
+              <a:rPr lang="nl-BE" sz="2400" dirty="0" smtClean="0">
+                <a:solidFill>
+                  <a:schemeClr val="accent4">
+                    <a:lumMod val="50000"/>
+                  </a:schemeClr>
+                </a:solidFill>
+                <a:effectLst>
+                  <a:outerShdw blurRad="76200" dist="38100" dir="5400000" algn="t" rotWithShape="0">
+                    <a:prstClr val="black">
+                      <a:alpha val="27000"/>
+                    </a:prstClr>
+                  </a:outerShdw>
+                </a:effectLst>
+                <a:latin typeface="Sitka Banner" pitchFamily="2" charset="0"/>
+              </a:rPr>
+              <a:t>Group work: </a:t>
+            </a:r>
+            <a:r>
+              <a:rPr lang="nl-BE" sz="2400" dirty="0">
+                <a:solidFill>
+                  <a:schemeClr val="accent4">
+                    <a:lumMod val="50000"/>
+                  </a:schemeClr>
+                </a:solidFill>
+                <a:effectLst>
+                  <a:outerShdw blurRad="76200" dist="38100" dir="5400000" algn="t" rotWithShape="0">
+                    <a:prstClr val="black">
+                      <a:alpha val="27000"/>
+                    </a:prstClr>
+                  </a:outerShdw>
+                </a:effectLst>
+                <a:latin typeface="Sitka Banner" pitchFamily="2" charset="0"/>
+              </a:rPr>
+              <a:t>	</a:t>
+            </a:r>
+            <a:r>
+              <a:rPr lang="nl-BE" sz="2400" dirty="0" smtClean="0">
+                <a:solidFill>
+                  <a:schemeClr val="accent4">
+                    <a:lumMod val="50000"/>
+                  </a:schemeClr>
+                </a:solidFill>
+                <a:effectLst>
+                  <a:outerShdw blurRad="76200" dist="38100" dir="5400000" algn="t" rotWithShape="0">
+                    <a:prstClr val="black">
+                      <a:alpha val="27000"/>
+                    </a:prstClr>
+                  </a:outerShdw>
+                </a:effectLst>
+                <a:latin typeface="Sitka Banner" pitchFamily="2" charset="0"/>
+              </a:rPr>
+              <a:t> 	Individual Work: 	Study: </a:t>
+            </a:r>
+          </a:p>
+          <a:p>
+            <a:pPr marL="0" indent="0">
+              <a:buNone/>
+            </a:pPr>
+            <a:r>
+              <a:rPr lang="nl-BE" sz="2700" b="1" cap="small" dirty="0" smtClean="0">
+                <a:latin typeface="Sitka Display" pitchFamily="2" charset="0"/>
+              </a:rPr>
+              <a:t>Tom Houben</a:t>
+            </a:r>
+          </a:p>
+          <a:p>
+            <a:pPr marL="0" indent="0">
+              <a:buNone/>
+            </a:pPr>
+            <a:r>
+              <a:rPr lang="nl-BE" sz="2400" dirty="0" smtClean="0">
+                <a:solidFill>
+                  <a:schemeClr val="accent4">
+                    <a:lumMod val="50000"/>
+                  </a:schemeClr>
+                </a:solidFill>
+                <a:effectLst>
+                  <a:outerShdw blurRad="76200" dist="38100" dir="5400000" algn="t" rotWithShape="0">
+                    <a:prstClr val="black">
+                      <a:alpha val="27000"/>
+                    </a:prstClr>
+                  </a:outerShdw>
+                </a:effectLst>
+                <a:latin typeface="Sitka Banner" pitchFamily="2" charset="0"/>
+              </a:rPr>
+              <a:t>Group work:  </a:t>
+            </a:r>
+            <a:r>
+              <a:rPr lang="nl-BE" sz="2400" dirty="0">
+                <a:solidFill>
+                  <a:schemeClr val="accent4">
+                    <a:lumMod val="50000"/>
+                  </a:schemeClr>
+                </a:solidFill>
+                <a:effectLst>
+                  <a:outerShdw blurRad="76200" dist="38100" dir="5400000" algn="t" rotWithShape="0">
+                    <a:prstClr val="black">
+                      <a:alpha val="27000"/>
+                    </a:prstClr>
+                  </a:outerShdw>
+                </a:effectLst>
+                <a:latin typeface="Sitka Banner" pitchFamily="2" charset="0"/>
+              </a:rPr>
+              <a:t>	</a:t>
+            </a:r>
+            <a:r>
+              <a:rPr lang="nl-BE" sz="2400" dirty="0" smtClean="0">
+                <a:solidFill>
+                  <a:schemeClr val="accent4">
+                    <a:lumMod val="50000"/>
+                  </a:schemeClr>
+                </a:solidFill>
+                <a:effectLst>
+                  <a:outerShdw blurRad="76200" dist="38100" dir="5400000" algn="t" rotWithShape="0">
+                    <a:prstClr val="black">
+                      <a:alpha val="27000"/>
+                    </a:prstClr>
+                  </a:outerShdw>
+                </a:effectLst>
+                <a:latin typeface="Sitka Banner" pitchFamily="2" charset="0"/>
+              </a:rPr>
+              <a:t>	Individual Work: 	Study: </a:t>
+            </a:r>
+          </a:p>
+          <a:p>
+            <a:pPr marL="0" indent="0">
+              <a:buNone/>
+            </a:pPr>
+            <a:r>
+              <a:rPr lang="nl-BE" sz="2700" b="1" cap="small" dirty="0" smtClean="0">
+                <a:latin typeface="Sitka Display" pitchFamily="2" charset="0"/>
+              </a:rPr>
+              <a:t>Tri </a:t>
+            </a:r>
+            <a:r>
+              <a:rPr lang="nl-BE" sz="2700" b="1" cap="small" dirty="0" err="1" smtClean="0">
+                <a:latin typeface="Sitka Display" pitchFamily="2" charset="0"/>
+              </a:rPr>
+              <a:t>Tran</a:t>
+            </a:r>
+            <a:endParaRPr lang="nl-BE" sz="2700" b="1" cap="small" dirty="0" smtClean="0">
+              <a:latin typeface="Sitka Display" pitchFamily="2" charset="0"/>
+            </a:endParaRPr>
+          </a:p>
+          <a:p>
+            <a:pPr marL="0" indent="0">
+              <a:buNone/>
+            </a:pPr>
+            <a:r>
+              <a:rPr lang="nl-BE" sz="2400" dirty="0" smtClean="0">
+                <a:solidFill>
+                  <a:schemeClr val="accent4">
+                    <a:lumMod val="50000"/>
+                  </a:schemeClr>
+                </a:solidFill>
+                <a:effectLst>
+                  <a:outerShdw blurRad="76200" dist="38100" dir="5400000" algn="t" rotWithShape="0">
+                    <a:prstClr val="black">
+                      <a:alpha val="27000"/>
+                    </a:prstClr>
+                  </a:outerShdw>
+                </a:effectLst>
+                <a:latin typeface="Sitka Banner" pitchFamily="2" charset="0"/>
+              </a:rPr>
+              <a:t>Group work: </a:t>
+            </a:r>
+            <a:r>
+              <a:rPr lang="nl-BE" sz="2400" dirty="0">
+                <a:solidFill>
+                  <a:schemeClr val="accent4">
+                    <a:lumMod val="50000"/>
+                  </a:schemeClr>
+                </a:solidFill>
+                <a:effectLst>
+                  <a:outerShdw blurRad="76200" dist="38100" dir="5400000" algn="t" rotWithShape="0">
+                    <a:prstClr val="black">
+                      <a:alpha val="27000"/>
+                    </a:prstClr>
+                  </a:outerShdw>
+                </a:effectLst>
+                <a:latin typeface="Sitka Banner" pitchFamily="2" charset="0"/>
+              </a:rPr>
+              <a:t>	</a:t>
+            </a:r>
+            <a:r>
+              <a:rPr lang="nl-BE" sz="2400" dirty="0" smtClean="0">
+                <a:solidFill>
+                  <a:schemeClr val="accent4">
+                    <a:lumMod val="50000"/>
+                  </a:schemeClr>
+                </a:solidFill>
+                <a:effectLst>
+                  <a:outerShdw blurRad="76200" dist="38100" dir="5400000" algn="t" rotWithShape="0">
+                    <a:prstClr val="black">
+                      <a:alpha val="27000"/>
+                    </a:prstClr>
+                  </a:outerShdw>
+                </a:effectLst>
+                <a:latin typeface="Sitka Banner" pitchFamily="2" charset="0"/>
+              </a:rPr>
+              <a:t> 31h	Individual Work: 	Study:  </a:t>
+            </a:r>
+          </a:p>
+          <a:p>
+            <a:pPr marL="0" indent="0">
+              <a:buNone/>
+            </a:pPr>
+            <a:endParaRPr lang="nl-BE" b="1" dirty="0"/>
+          </a:p>
+        </p:txBody>
+      </p:sp>
+    </p:spTree>
+    <p:extLst>
+      <p:ext uri="{BB962C8B-B14F-4D97-AF65-F5344CB8AC3E}">
+        <p14:creationId xmlns:p14="http://schemas.microsoft.com/office/powerpoint/2010/main" xmlns="" val="1581702792"/>
+      </p:ext>
+    </p:extLst>
+  </p:cSld>
+  <p:clrMapOvr>
+    <a:masterClrMapping/>
+  </p:clrMapOvr>
+  <p:transition>
+    <p:fade/>
+  </p:transition>
+  <p:timing>
+    <p:tnLst>
+      <p:par>
+        <p:cTn id="1" dur="indefinite" restart="never" nodeType="tmRoot"/>
+      </p:par>
+    </p:tnLst>
+  </p:timing>
+</p:sld>
+</file>
+
+<file path=ppt/slides/slide22.xml><?xml version="1.0" encoding="utf-8"?>
+<p:sld xmlns:a="http://schemas.openxmlformats.org/drawingml/2006/main" xmlns:r="http://schemas.openxmlformats.org/officeDocument/2006/relationships" xmlns:p="http://schemas.openxmlformats.org/presentationml/2006/main">
+  <p:cSld>
+    <p:spTree>
+      <p:nvGrpSpPr>
+        <p:cNvPr id="1" name=""/>
+        <p:cNvGrpSpPr/>
+        <p:nvPr/>
+      </p:nvGrpSpPr>
+      <p:grpSpPr>
+        <a:xfrm>
+          <a:off x="0" y="0"/>
+          <a:ext cx="0" cy="0"/>
+          <a:chOff x="0" y="0"/>
+          <a:chExt cx="0" cy="0"/>
+        </a:xfrm>
+      </p:grpSpPr>
       <p:graphicFrame>
         <p:nvGraphicFramePr>
           <p:cNvPr id="7" name="Content Placeholder 6"/>
@@ -6930,7 +7163,7 @@
             <p:ph idx="1"/>
             <p:extLst>
               <p:ext uri="{D42A27DB-BD31-4B8C-83A1-F6EECF244321}">
-                <p14:modId xmlns:p14="http://schemas.microsoft.com/office/powerpoint/2010/main" val="3072315139"/>
+                <p14:modId xmlns:p14="http://schemas.microsoft.com/office/powerpoint/2010/main" xmlns="" val="3072315139"/>
               </p:ext>
             </p:extLst>
           </p:nvPr>
@@ -6949,28 +7182,28 @@
                 <a:gridCol w="2057400">
                   <a:extLst>
                     <a:ext uri="{9D8B030D-6E8A-4147-A177-3AD203B41FA5}">
-                      <a16:colId xmlns:a16="http://schemas.microsoft.com/office/drawing/2014/main" xmlns="" val="4022630451"/>
+                      <a16:colId xmlns="" xmlns:a16="http://schemas.microsoft.com/office/drawing/2014/main" val="4022630451"/>
                     </a:ext>
                   </a:extLst>
                 </a:gridCol>
                 <a:gridCol w="2057400">
                   <a:extLst>
                     <a:ext uri="{9D8B030D-6E8A-4147-A177-3AD203B41FA5}">
-                      <a16:colId xmlns:a16="http://schemas.microsoft.com/office/drawing/2014/main" xmlns="" val="1276862258"/>
+                      <a16:colId xmlns="" xmlns:a16="http://schemas.microsoft.com/office/drawing/2014/main" val="1276862258"/>
                     </a:ext>
                   </a:extLst>
                 </a:gridCol>
                 <a:gridCol w="2057400">
                   <a:extLst>
                     <a:ext uri="{9D8B030D-6E8A-4147-A177-3AD203B41FA5}">
-                      <a16:colId xmlns:a16="http://schemas.microsoft.com/office/drawing/2014/main" xmlns="" val="670422697"/>
+                      <a16:colId xmlns="" xmlns:a16="http://schemas.microsoft.com/office/drawing/2014/main" val="670422697"/>
                     </a:ext>
                   </a:extLst>
                 </a:gridCol>
                 <a:gridCol w="2057400">
                   <a:extLst>
                     <a:ext uri="{9D8B030D-6E8A-4147-A177-3AD203B41FA5}">
-                      <a16:colId xmlns:a16="http://schemas.microsoft.com/office/drawing/2014/main" xmlns="" val="3836214712"/>
+                      <a16:colId xmlns="" xmlns:a16="http://schemas.microsoft.com/office/drawing/2014/main" val="3836214712"/>
                     </a:ext>
                   </a:extLst>
                 </a:gridCol>
@@ -7042,7 +7275,7 @@
                 </a:tc>
                 <a:extLst>
                   <a:ext uri="{0D108BD9-81ED-4DB2-BD59-A6C34878D82A}">
-                    <a16:rowId xmlns:a16="http://schemas.microsoft.com/office/drawing/2014/main" xmlns="" val="2789307922"/>
+                    <a16:rowId xmlns="" xmlns:a16="http://schemas.microsoft.com/office/drawing/2014/main" val="2789307922"/>
                   </a:ext>
                 </a:extLst>
               </a:tr>
@@ -7158,7 +7391,7 @@
                 </a:tc>
                 <a:extLst>
                   <a:ext uri="{0D108BD9-81ED-4DB2-BD59-A6C34878D82A}">
-                    <a16:rowId xmlns:a16="http://schemas.microsoft.com/office/drawing/2014/main" xmlns="" val="3498730236"/>
+                    <a16:rowId xmlns="" xmlns:a16="http://schemas.microsoft.com/office/drawing/2014/main" val="3498730236"/>
                   </a:ext>
                 </a:extLst>
               </a:tr>
@@ -7229,7 +7462,7 @@
                 </a:tc>
                 <a:extLst>
                   <a:ext uri="{0D108BD9-81ED-4DB2-BD59-A6C34878D82A}">
-                    <a16:rowId xmlns:a16="http://schemas.microsoft.com/office/drawing/2014/main" xmlns="" val="4013628509"/>
+                    <a16:rowId xmlns="" xmlns:a16="http://schemas.microsoft.com/office/drawing/2014/main" val="4013628509"/>
                   </a:ext>
                 </a:extLst>
               </a:tr>
@@ -7304,7 +7537,7 @@
                 </a:tc>
                 <a:extLst>
                   <a:ext uri="{0D108BD9-81ED-4DB2-BD59-A6C34878D82A}">
-                    <a16:rowId xmlns:a16="http://schemas.microsoft.com/office/drawing/2014/main" xmlns="" val="1545046261"/>
+                    <a16:rowId xmlns="" xmlns:a16="http://schemas.microsoft.com/office/drawing/2014/main" val="1545046261"/>
                   </a:ext>
                 </a:extLst>
               </a:tr>
@@ -7395,7 +7628,7 @@
     </p:spTree>
     <p:extLst>
       <p:ext uri="{BB962C8B-B14F-4D97-AF65-F5344CB8AC3E}">
-        <p14:creationId xmlns:p14="http://schemas.microsoft.com/office/powerpoint/2010/main" val="152465229"/>
+        <p14:creationId xmlns:p14="http://schemas.microsoft.com/office/powerpoint/2010/main" xmlns="" val="152465229"/>
       </p:ext>
     </p:extLst>
   </p:cSld>
@@ -7518,7 +7751,7 @@
             </a:clrChange>
             <a:extLst>
               <a:ext uri="{28A0092B-C50C-407E-A947-70E740481C1C}">
-                <a14:useLocalDpi xmlns:a14="http://schemas.microsoft.com/office/drawing/2010/main" val="0"/>
+                <a14:useLocalDpi xmlns:a14="http://schemas.microsoft.com/office/drawing/2010/main" xmlns="" val="0"/>
               </a:ext>
             </a:extLst>
           </a:blip>
@@ -7538,7 +7771,7 @@
           <a:noFill/>
           <a:extLst>
             <a:ext uri="{909E8E84-426E-40DD-AFC4-6F175D3DCCD1}">
-              <a14:hiddenFill xmlns:a14="http://schemas.microsoft.com/office/drawing/2010/main">
+              <a14:hiddenFill xmlns:a14="http://schemas.microsoft.com/office/drawing/2010/main" xmlns="">
                 <a:solidFill>
                   <a:srgbClr val="FFFFFF"/>
                 </a:solidFill>
@@ -7627,7 +7860,7 @@
     </p:spTree>
     <p:extLst>
       <p:ext uri="{BB962C8B-B14F-4D97-AF65-F5344CB8AC3E}">
-        <p14:creationId xmlns:p14="http://schemas.microsoft.com/office/powerpoint/2010/main" val="4238244720"/>
+        <p14:creationId xmlns:p14="http://schemas.microsoft.com/office/powerpoint/2010/main" xmlns="" val="4238244720"/>
       </p:ext>
     </p:extLst>
   </p:cSld>
@@ -7808,8 +8041,23 @@
               <a:rPr lang="nl-BE" sz="2800" dirty="0" smtClean="0">
                 <a:latin typeface="Sitka Display" pitchFamily="2" charset="0"/>
               </a:rPr>
-              <a:t>Services niet meer uitleggen</a:t>
-            </a:r>
+              <a:t>(x) Services </a:t>
+            </a:r>
+            <a:r>
+              <a:rPr lang="nl-BE" sz="2800" dirty="0" smtClean="0">
+                <a:latin typeface="Sitka Display" pitchFamily="2" charset="0"/>
+              </a:rPr>
+              <a:t>niet meer </a:t>
+            </a:r>
+            <a:r>
+              <a:rPr lang="nl-BE" sz="2800" dirty="0" smtClean="0">
+                <a:latin typeface="Sitka Display" pitchFamily="2" charset="0"/>
+              </a:rPr>
+              <a:t>uitleggen </a:t>
+            </a:r>
+            <a:endParaRPr lang="nl-BE" sz="2800" dirty="0" smtClean="0">
+              <a:latin typeface="Sitka Display" pitchFamily="2" charset="0"/>
+            </a:endParaRPr>
           </a:p>
           <a:p>
             <a:pPr marL="0" indent="0">
@@ -7819,7 +8067,13 @@
               <a:rPr lang="nl-BE" sz="2800" dirty="0" smtClean="0">
                 <a:latin typeface="Sitka Display" pitchFamily="2" charset="0"/>
               </a:rPr>
-              <a:t>Uitleg over structuur van use cases (bij extensibility use case toevoegen op uml) + eerste deel van use case SD laten zien tot run()</a:t>
+              <a:t>(x) Uitleg </a:t>
+            </a:r>
+            <a:r>
+              <a:rPr lang="nl-BE" sz="2800" dirty="0" smtClean="0">
+                <a:latin typeface="Sitka Display" pitchFamily="2" charset="0"/>
+              </a:rPr>
+              <a:t>over structuur van use cases (bij extensibility use case toevoegen op uml) + eerste deel van use case SD laten zien tot run()</a:t>
             </a:r>
           </a:p>
           <a:p>
@@ -7830,7 +8084,13 @@
               <a:rPr lang="nl-BE" sz="2800" dirty="0" smtClean="0">
                 <a:latin typeface="Sitka Display" pitchFamily="2" charset="0"/>
               </a:rPr>
-              <a:t>Uitleg over design patterns: Observer, Memento, Stat + Strat ?</a:t>
+              <a:t>(x) Uitleg </a:t>
+            </a:r>
+            <a:r>
+              <a:rPr lang="nl-BE" sz="2800" dirty="0" smtClean="0">
+                <a:latin typeface="Sitka Display" pitchFamily="2" charset="0"/>
+              </a:rPr>
+              <a:t>over design patterns: Observer, Memento, Stat + Strat ?</a:t>
             </a:r>
           </a:p>
           <a:p>
@@ -7932,7 +8192,7 @@
     </p:spTree>
     <p:extLst>
       <p:ext uri="{BB962C8B-B14F-4D97-AF65-F5344CB8AC3E}">
-        <p14:creationId xmlns:p14="http://schemas.microsoft.com/office/powerpoint/2010/main" val="983478496"/>
+        <p14:creationId xmlns:p14="http://schemas.microsoft.com/office/powerpoint/2010/main" xmlns="" val="983478496"/>
       </p:ext>
     </p:extLst>
   </p:cSld>
@@ -8171,7 +8431,7 @@
           <a:lstStyle/>
           <a:p>
             <a:r>
-              <a:rPr lang="nl-BE" sz="3600" cap="small" smtClean="0">
+              <a:rPr lang="nl-BE" sz="3600" cap="small" dirty="0" smtClean="0">
                 <a:ln w="18415" cmpd="sng">
                   <a:solidFill>
                     <a:schemeClr val="tx1">
@@ -8276,7 +8536,7 @@
       </p:grpSpPr>
       <p:sp>
         <p:nvSpPr>
-          <p:cNvPr id="4" name="Titel 3"/>
+          <p:cNvPr id="2" name="Titel 1"/>
           <p:cNvSpPr>
             <a:spLocks noGrp="1"/>
           </p:cNvSpPr>
@@ -8286,21 +8546,22 @@
         </p:nvSpPr>
         <p:spPr/>
         <p:txBody>
-          <a:bodyPr>
-            <a:normAutofit/>
-          </a:bodyPr>
+          <a:bodyPr/>
           <a:lstStyle/>
           <a:p>
             <a:r>
-              <a:rPr lang="nl-NL" sz="3600" cap="small" dirty="0">
+              <a:rPr lang="nl-BE" sz="3600" cap="small" dirty="0" smtClean="0">
                 <a:ln w="18415" cmpd="sng">
                   <a:solidFill>
-                    <a:schemeClr val="tx1">
+                    <a:prstClr val="black">
                       <a:alpha val="0"/>
-                    </a:schemeClr>
+                    </a:prstClr>
                   </a:solidFill>
                   <a:prstDash val="solid"/>
                 </a:ln>
+                <a:solidFill>
+                  <a:prstClr val="black"/>
+                </a:solidFill>
                 <a:effectLst>
                   <a:outerShdw blurRad="25400" dir="3600000" algn="tl" rotWithShape="0">
                     <a:srgbClr val="000000">
@@ -8310,224 +8571,48 @@
                 </a:effectLst>
                 <a:latin typeface="Sitka Text" pitchFamily="2" charset="0"/>
               </a:rPr>
-              <a:t>State </a:t>
-            </a:r>
-            <a:r>
-              <a:rPr lang="nl-NL" sz="3600" cap="small" dirty="0" err="1">
-                <a:ln w="18415" cmpd="sng">
-                  <a:solidFill>
-                    <a:schemeClr val="tx1">
-                      <a:alpha val="0"/>
-                    </a:schemeClr>
-                  </a:solidFill>
-                  <a:prstDash val="solid"/>
-                </a:ln>
-                <a:effectLst>
-                  <a:outerShdw blurRad="25400" dir="3600000" algn="tl" rotWithShape="0">
-                    <a:srgbClr val="000000">
-                      <a:alpha val="70000"/>
-                    </a:srgbClr>
-                  </a:outerShdw>
-                </a:effectLst>
-                <a:latin typeface="Sitka Text" pitchFamily="2" charset="0"/>
-              </a:rPr>
-              <a:t>Pattern</a:t>
-            </a:r>
-            <a:endParaRPr lang="nl-NL" sz="3600" cap="small" dirty="0">
-              <a:ln w="18415" cmpd="sng">
-                <a:solidFill>
-                  <a:schemeClr val="tx1">
-                    <a:alpha val="0"/>
-                  </a:schemeClr>
-                </a:solidFill>
-                <a:prstDash val="solid"/>
-              </a:ln>
-              <a:effectLst>
-                <a:outerShdw blurRad="25400" dir="3600000" algn="tl" rotWithShape="0">
-                  <a:srgbClr val="000000">
-                    <a:alpha val="70000"/>
-                  </a:srgbClr>
-                </a:outerShdw>
-              </a:effectLst>
-              <a:latin typeface="Sitka Text" pitchFamily="2" charset="0"/>
-            </a:endParaRPr>
-          </a:p>
-        </p:txBody>
-      </p:sp>
-      <p:sp>
-        <p:nvSpPr>
-          <p:cNvPr id="6" name="Tekstvak 5"/>
-          <p:cNvSpPr txBox="1"/>
-          <p:nvPr/>
-        </p:nvSpPr>
+              <a:t>Use Cases: Example</a:t>
+            </a:r>
+            <a:endParaRPr lang="en-GB" dirty="0"/>
+          </a:p>
+        </p:txBody>
+      </p:sp>
+      <p:pic>
+        <p:nvPicPr>
+          <p:cNvPr id="4" name="Inhaltsplatzhalter 3" descr="SWOP2 Use Case 2.png"/>
+          <p:cNvPicPr>
+            <a:picLocks noGrp="1" noChangeAspect="1"/>
+          </p:cNvPicPr>
+          <p:nvPr>
+            <p:ph idx="1"/>
+          </p:nvPr>
+        </p:nvPicPr>
+        <p:blipFill>
+          <a:blip r:embed="rId2" cstate="print">
+            <a:clrChange>
+              <a:clrFrom>
+                <a:srgbClr val="FFFFFF"/>
+              </a:clrFrom>
+              <a:clrTo>
+                <a:srgbClr val="FFFFFF">
+                  <a:alpha val="0"/>
+                </a:srgbClr>
+              </a:clrTo>
+            </a:clrChange>
+          </a:blip>
+          <a:srcRect r="45726" b="58002"/>
+          <a:stretch>
+            <a:fillRect/>
+          </a:stretch>
+        </p:blipFill>
         <p:spPr>
           <a:xfrm>
-            <a:off x="3347864" y="2924944"/>
-            <a:ext cx="2520280" cy="461665"/>
+            <a:off x="934867" y="1881216"/>
+            <a:ext cx="7274266" cy="3780032"/>
           </a:xfrm>
-          <a:prstGeom prst="rect">
-            <a:avLst/>
-          </a:prstGeom>
-          <a:noFill/>
         </p:spPr>
-        <p:style>
-          <a:lnRef idx="2">
-            <a:schemeClr val="dk1"/>
-          </a:lnRef>
-          <a:fillRef idx="1">
-            <a:schemeClr val="lt1"/>
-          </a:fillRef>
-          <a:effectRef idx="0">
-            <a:schemeClr val="dk1"/>
-          </a:effectRef>
-          <a:fontRef idx="minor">
-            <a:schemeClr val="dk1"/>
-          </a:fontRef>
-        </p:style>
-        <p:txBody>
-          <a:bodyPr wrap="square" rtlCol="0">
-            <a:spAutoFit/>
-          </a:bodyPr>
-          <a:lstStyle/>
-          <a:p>
-            <a:pPr algn="ctr"/>
-            <a:r>
-              <a:rPr lang="nl-NL" sz="2400" b="1" dirty="0">
-                <a:latin typeface="Sitka Banner" pitchFamily="2" charset="0"/>
-              </a:rPr>
-              <a:t>Tags </a:t>
-            </a:r>
-            <a:r>
-              <a:rPr lang="nl-NL" sz="2400" b="1" dirty="0" smtClean="0">
-                <a:latin typeface="Sitka Banner" pitchFamily="2" charset="0"/>
-              </a:rPr>
-              <a:t>are STATES</a:t>
-            </a:r>
-            <a:endParaRPr lang="nl-NL" sz="2400" b="1" dirty="0">
-              <a:latin typeface="Sitka Banner" pitchFamily="2" charset="0"/>
-            </a:endParaRPr>
-          </a:p>
-        </p:txBody>
-      </p:sp>
-      <p:sp>
-        <p:nvSpPr>
-          <p:cNvPr id="7" name="Tekstvak 6"/>
-          <p:cNvSpPr txBox="1"/>
-          <p:nvPr/>
-        </p:nvSpPr>
-        <p:spPr>
-          <a:xfrm>
-            <a:off x="2487810" y="3861048"/>
-            <a:ext cx="4168378" cy="646331"/>
-          </a:xfrm>
-          <a:prstGeom prst="rect">
-            <a:avLst/>
-          </a:prstGeom>
-          <a:noFill/>
-        </p:spPr>
-        <p:txBody>
-          <a:bodyPr wrap="square" rtlCol="0">
-            <a:spAutoFit/>
-          </a:bodyPr>
-          <a:lstStyle/>
-          <a:p>
-            <a:pPr algn="ctr"/>
-            <a:r>
-              <a:rPr lang="nl-NL" dirty="0" smtClean="0">
-                <a:latin typeface="Sitka Banner" pitchFamily="2" charset="0"/>
-              </a:rPr>
-              <a:t>The </a:t>
-            </a:r>
-            <a:r>
-              <a:rPr lang="nl-NL" dirty="0" err="1" smtClean="0">
-                <a:latin typeface="Sitka Banner" pitchFamily="2" charset="0"/>
-              </a:rPr>
-              <a:t>behaviour</a:t>
-            </a:r>
-            <a:r>
-              <a:rPr lang="nl-NL" dirty="0" smtClean="0">
-                <a:latin typeface="Sitka Banner" pitchFamily="2" charset="0"/>
-              </a:rPr>
-              <a:t> of a </a:t>
-            </a:r>
-            <a:r>
-              <a:rPr lang="nl-NL" dirty="0" err="1" smtClean="0">
-                <a:latin typeface="Sitka Banner" pitchFamily="2" charset="0"/>
-              </a:rPr>
-              <a:t>bugreport</a:t>
-            </a:r>
-            <a:r>
-              <a:rPr lang="nl-NL" dirty="0" smtClean="0">
-                <a:latin typeface="Sitka Banner" pitchFamily="2" charset="0"/>
-              </a:rPr>
-              <a:t> </a:t>
-            </a:r>
-            <a:r>
-              <a:rPr lang="nl-NL" dirty="0" err="1" smtClean="0">
-                <a:latin typeface="Sitka Banner" pitchFamily="2" charset="0"/>
-              </a:rPr>
-              <a:t>depends</a:t>
-            </a:r>
-            <a:r>
-              <a:rPr lang="nl-NL" dirty="0" smtClean="0">
-                <a:latin typeface="Sitka Banner" pitchFamily="2" charset="0"/>
-              </a:rPr>
-              <a:t> on </a:t>
-            </a:r>
-            <a:r>
-              <a:rPr lang="nl-NL" dirty="0" err="1" smtClean="0">
-                <a:latin typeface="Sitka Banner" pitchFamily="2" charset="0"/>
-              </a:rPr>
-              <a:t>the</a:t>
-            </a:r>
-            <a:r>
-              <a:rPr lang="nl-NL" dirty="0" smtClean="0">
-                <a:latin typeface="Sitka Banner" pitchFamily="2" charset="0"/>
-              </a:rPr>
-              <a:t> tag </a:t>
-            </a:r>
-            <a:r>
-              <a:rPr lang="nl-NL" dirty="0" err="1" smtClean="0">
-                <a:latin typeface="Sitka Banner" pitchFamily="2" charset="0"/>
-              </a:rPr>
-              <a:t>assigned</a:t>
-            </a:r>
-            <a:r>
-              <a:rPr lang="nl-NL" dirty="0" smtClean="0">
-                <a:latin typeface="Sitka Banner" pitchFamily="2" charset="0"/>
-              </a:rPr>
-              <a:t> </a:t>
-            </a:r>
-            <a:r>
-              <a:rPr lang="nl-NL" dirty="0" err="1" smtClean="0">
-                <a:latin typeface="Sitka Banner" pitchFamily="2" charset="0"/>
-              </a:rPr>
-              <a:t>to</a:t>
-            </a:r>
-            <a:r>
-              <a:rPr lang="nl-NL" dirty="0" smtClean="0">
-                <a:latin typeface="Sitka Banner" pitchFamily="2" charset="0"/>
-              </a:rPr>
-              <a:t> </a:t>
-            </a:r>
-            <a:r>
-              <a:rPr lang="nl-NL" dirty="0" err="1" smtClean="0">
-                <a:latin typeface="Sitka Banner" pitchFamily="2" charset="0"/>
-              </a:rPr>
-              <a:t>it</a:t>
-            </a:r>
-            <a:endParaRPr lang="nl-NL" dirty="0">
-              <a:latin typeface="Sitka Banner" pitchFamily="2" charset="0"/>
-            </a:endParaRPr>
-          </a:p>
-        </p:txBody>
-      </p:sp>
+      </p:pic>
     </p:spTree>
-    <p:extLst>
-      <p:ext uri="{BB962C8B-B14F-4D97-AF65-F5344CB8AC3E}">
-        <p14:creationId xmlns:p14="http://schemas.microsoft.com/office/powerpoint/2010/main" val="467284758"/>
-      </p:ext>
-    </p:extLst>
   </p:cSld>
   <p:clrMapOvr>
     <a:masterClrMapping/>
@@ -8557,6 +8642,287 @@
       </p:grpSpPr>
       <p:sp>
         <p:nvSpPr>
+          <p:cNvPr id="4" name="Titel 3"/>
+          <p:cNvSpPr>
+            <a:spLocks noGrp="1"/>
+          </p:cNvSpPr>
+          <p:nvPr>
+            <p:ph type="title"/>
+          </p:nvPr>
+        </p:nvSpPr>
+        <p:spPr/>
+        <p:txBody>
+          <a:bodyPr>
+            <a:normAutofit/>
+          </a:bodyPr>
+          <a:lstStyle/>
+          <a:p>
+            <a:r>
+              <a:rPr lang="nl-NL" sz="3600" cap="small" dirty="0">
+                <a:ln w="18415" cmpd="sng">
+                  <a:solidFill>
+                    <a:schemeClr val="tx1">
+                      <a:alpha val="0"/>
+                    </a:schemeClr>
+                  </a:solidFill>
+                  <a:prstDash val="solid"/>
+                </a:ln>
+                <a:effectLst>
+                  <a:outerShdw blurRad="25400" dir="3600000" algn="tl" rotWithShape="0">
+                    <a:srgbClr val="000000">
+                      <a:alpha val="70000"/>
+                    </a:srgbClr>
+                  </a:outerShdw>
+                </a:effectLst>
+                <a:latin typeface="Sitka Text" pitchFamily="2" charset="0"/>
+              </a:rPr>
+              <a:t>State </a:t>
+            </a:r>
+            <a:r>
+              <a:rPr lang="nl-NL" sz="3600" cap="small" dirty="0" err="1">
+                <a:ln w="18415" cmpd="sng">
+                  <a:solidFill>
+                    <a:schemeClr val="tx1">
+                      <a:alpha val="0"/>
+                    </a:schemeClr>
+                  </a:solidFill>
+                  <a:prstDash val="solid"/>
+                </a:ln>
+                <a:effectLst>
+                  <a:outerShdw blurRad="25400" dir="3600000" algn="tl" rotWithShape="0">
+                    <a:srgbClr val="000000">
+                      <a:alpha val="70000"/>
+                    </a:srgbClr>
+                  </a:outerShdw>
+                </a:effectLst>
+                <a:latin typeface="Sitka Text" pitchFamily="2" charset="0"/>
+              </a:rPr>
+              <a:t>Pattern</a:t>
+            </a:r>
+            <a:endParaRPr lang="nl-NL" sz="3600" cap="small" dirty="0">
+              <a:ln w="18415" cmpd="sng">
+                <a:solidFill>
+                  <a:schemeClr val="tx1">
+                    <a:alpha val="0"/>
+                  </a:schemeClr>
+                </a:solidFill>
+                <a:prstDash val="solid"/>
+              </a:ln>
+              <a:effectLst>
+                <a:outerShdw blurRad="25400" dir="3600000" algn="tl" rotWithShape="0">
+                  <a:srgbClr val="000000">
+                    <a:alpha val="70000"/>
+                  </a:srgbClr>
+                </a:outerShdw>
+              </a:effectLst>
+              <a:latin typeface="Sitka Text" pitchFamily="2" charset="0"/>
+            </a:endParaRPr>
+          </a:p>
+        </p:txBody>
+      </p:sp>
+      <p:sp>
+        <p:nvSpPr>
+          <p:cNvPr id="6" name="Tekstvak 5"/>
+          <p:cNvSpPr txBox="1"/>
+          <p:nvPr/>
+        </p:nvSpPr>
+        <p:spPr>
+          <a:xfrm>
+            <a:off x="3347864" y="2924944"/>
+            <a:ext cx="2520280" cy="461665"/>
+          </a:xfrm>
+          <a:prstGeom prst="rect">
+            <a:avLst/>
+          </a:prstGeom>
+          <a:noFill/>
+        </p:spPr>
+        <p:style>
+          <a:lnRef idx="2">
+            <a:schemeClr val="dk1"/>
+          </a:lnRef>
+          <a:fillRef idx="1">
+            <a:schemeClr val="lt1"/>
+          </a:fillRef>
+          <a:effectRef idx="0">
+            <a:schemeClr val="dk1"/>
+          </a:effectRef>
+          <a:fontRef idx="minor">
+            <a:schemeClr val="dk1"/>
+          </a:fontRef>
+        </p:style>
+        <p:txBody>
+          <a:bodyPr wrap="square" rtlCol="0">
+            <a:spAutoFit/>
+          </a:bodyPr>
+          <a:lstStyle/>
+          <a:p>
+            <a:pPr algn="ctr"/>
+            <a:r>
+              <a:rPr lang="nl-NL" sz="2400" b="1" dirty="0">
+                <a:latin typeface="Sitka Banner" pitchFamily="2" charset="0"/>
+              </a:rPr>
+              <a:t>Tags </a:t>
+            </a:r>
+            <a:r>
+              <a:rPr lang="nl-NL" sz="2400" b="1" dirty="0" smtClean="0">
+                <a:latin typeface="Sitka Banner" pitchFamily="2" charset="0"/>
+              </a:rPr>
+              <a:t>are STATES</a:t>
+            </a:r>
+            <a:endParaRPr lang="nl-NL" sz="2400" b="1" dirty="0">
+              <a:latin typeface="Sitka Banner" pitchFamily="2" charset="0"/>
+            </a:endParaRPr>
+          </a:p>
+        </p:txBody>
+      </p:sp>
+      <p:sp>
+        <p:nvSpPr>
+          <p:cNvPr id="7" name="Tekstvak 6"/>
+          <p:cNvSpPr txBox="1"/>
+          <p:nvPr/>
+        </p:nvSpPr>
+        <p:spPr>
+          <a:xfrm>
+            <a:off x="2487810" y="3861048"/>
+            <a:ext cx="4168378" cy="646331"/>
+          </a:xfrm>
+          <a:prstGeom prst="rect">
+            <a:avLst/>
+          </a:prstGeom>
+          <a:noFill/>
+        </p:spPr>
+        <p:txBody>
+          <a:bodyPr wrap="square" rtlCol="0">
+            <a:spAutoFit/>
+          </a:bodyPr>
+          <a:lstStyle/>
+          <a:p>
+            <a:pPr algn="ctr"/>
+            <a:r>
+              <a:rPr lang="nl-NL" dirty="0" smtClean="0">
+                <a:latin typeface="Sitka Banner" pitchFamily="2" charset="0"/>
+              </a:rPr>
+              <a:t>The </a:t>
+            </a:r>
+            <a:r>
+              <a:rPr lang="nl-NL" dirty="0" err="1" smtClean="0">
+                <a:latin typeface="Sitka Banner" pitchFamily="2" charset="0"/>
+              </a:rPr>
+              <a:t>behaviour</a:t>
+            </a:r>
+            <a:r>
+              <a:rPr lang="nl-NL" dirty="0" smtClean="0">
+                <a:latin typeface="Sitka Banner" pitchFamily="2" charset="0"/>
+              </a:rPr>
+              <a:t> of a </a:t>
+            </a:r>
+            <a:r>
+              <a:rPr lang="nl-NL" dirty="0" err="1" smtClean="0">
+                <a:latin typeface="Sitka Banner" pitchFamily="2" charset="0"/>
+              </a:rPr>
+              <a:t>bugreport</a:t>
+            </a:r>
+            <a:r>
+              <a:rPr lang="nl-NL" dirty="0" smtClean="0">
+                <a:latin typeface="Sitka Banner" pitchFamily="2" charset="0"/>
+              </a:rPr>
+              <a:t> </a:t>
+            </a:r>
+            <a:r>
+              <a:rPr lang="nl-NL" dirty="0" err="1" smtClean="0">
+                <a:latin typeface="Sitka Banner" pitchFamily="2" charset="0"/>
+              </a:rPr>
+              <a:t>depends</a:t>
+            </a:r>
+            <a:r>
+              <a:rPr lang="nl-NL" dirty="0" smtClean="0">
+                <a:latin typeface="Sitka Banner" pitchFamily="2" charset="0"/>
+              </a:rPr>
+              <a:t> on </a:t>
+            </a:r>
+            <a:r>
+              <a:rPr lang="nl-NL" dirty="0" err="1" smtClean="0">
+                <a:latin typeface="Sitka Banner" pitchFamily="2" charset="0"/>
+              </a:rPr>
+              <a:t>the</a:t>
+            </a:r>
+            <a:r>
+              <a:rPr lang="nl-NL" dirty="0" smtClean="0">
+                <a:latin typeface="Sitka Banner" pitchFamily="2" charset="0"/>
+              </a:rPr>
+              <a:t> tag </a:t>
+            </a:r>
+            <a:r>
+              <a:rPr lang="nl-NL" dirty="0" err="1" smtClean="0">
+                <a:latin typeface="Sitka Banner" pitchFamily="2" charset="0"/>
+              </a:rPr>
+              <a:t>assigned</a:t>
+            </a:r>
+            <a:r>
+              <a:rPr lang="nl-NL" dirty="0" smtClean="0">
+                <a:latin typeface="Sitka Banner" pitchFamily="2" charset="0"/>
+              </a:rPr>
+              <a:t> </a:t>
+            </a:r>
+            <a:r>
+              <a:rPr lang="nl-NL" dirty="0" err="1" smtClean="0">
+                <a:latin typeface="Sitka Banner" pitchFamily="2" charset="0"/>
+              </a:rPr>
+              <a:t>to</a:t>
+            </a:r>
+            <a:r>
+              <a:rPr lang="nl-NL" dirty="0" smtClean="0">
+                <a:latin typeface="Sitka Banner" pitchFamily="2" charset="0"/>
+              </a:rPr>
+              <a:t> </a:t>
+            </a:r>
+            <a:r>
+              <a:rPr lang="nl-NL" dirty="0" err="1" smtClean="0">
+                <a:latin typeface="Sitka Banner" pitchFamily="2" charset="0"/>
+              </a:rPr>
+              <a:t>it</a:t>
+            </a:r>
+            <a:endParaRPr lang="nl-NL" dirty="0">
+              <a:latin typeface="Sitka Banner" pitchFamily="2" charset="0"/>
+            </a:endParaRPr>
+          </a:p>
+        </p:txBody>
+      </p:sp>
+    </p:spTree>
+    <p:extLst>
+      <p:ext uri="{BB962C8B-B14F-4D97-AF65-F5344CB8AC3E}">
+        <p14:creationId xmlns:p14="http://schemas.microsoft.com/office/powerpoint/2010/main" xmlns="" val="467284758"/>
+      </p:ext>
+    </p:extLst>
+  </p:cSld>
+  <p:clrMapOvr>
+    <a:masterClrMapping/>
+  </p:clrMapOvr>
+  <p:transition>
+    <p:fade/>
+  </p:transition>
+</p:sld>
+</file>
+
+<file path=ppt/slides/slide9.xml><?xml version="1.0" encoding="utf-8"?>
+<p:sld xmlns:a="http://schemas.openxmlformats.org/drawingml/2006/main" xmlns:r="http://schemas.openxmlformats.org/officeDocument/2006/relationships" xmlns:p="http://schemas.openxmlformats.org/presentationml/2006/main">
+  <p:cSld>
+    <p:spTree>
+      <p:nvGrpSpPr>
+        <p:cNvPr id="1" name=""/>
+        <p:cNvGrpSpPr/>
+        <p:nvPr/>
+      </p:nvGrpSpPr>
+      <p:grpSpPr>
+        <a:xfrm>
+          <a:off x="0" y="0"/>
+          <a:ext cx="0" cy="0"/>
+          <a:chOff x="0" y="0"/>
+          <a:chExt cx="0" cy="0"/>
+        </a:xfrm>
+      </p:grpSpPr>
+      <p:sp>
+        <p:nvSpPr>
           <p:cNvPr id="2" name="Titel 1"/>
           <p:cNvSpPr>
             <a:spLocks noGrp="1"/>
@@ -8636,7 +9002,7 @@
             </a:clrChange>
             <a:extLst>
               <a:ext uri="{28A0092B-C50C-407E-A947-70E740481C1C}">
-                <a14:useLocalDpi xmlns:a14="http://schemas.microsoft.com/office/drawing/2010/main" val="0"/>
+                <a14:useLocalDpi xmlns:a14="http://schemas.microsoft.com/office/drawing/2010/main" xmlns="" val="0"/>
               </a:ext>
             </a:extLst>
           </a:blip>
@@ -8703,7 +9069,7 @@
     </p:spTree>
     <p:extLst>
       <p:ext uri="{BB962C8B-B14F-4D97-AF65-F5344CB8AC3E}">
-        <p14:creationId xmlns:p14="http://schemas.microsoft.com/office/powerpoint/2010/main" val="307230627"/>
+        <p14:creationId xmlns:p14="http://schemas.microsoft.com/office/powerpoint/2010/main" xmlns="" val="307230627"/>
       </p:ext>
     </p:extLst>
   </p:cSld>
@@ -8720,238 +9086,6 @@
       </p:par>
     </p:tnLst>
   </p:timing>
-</p:sld>
-</file>
-
-<file path=ppt/slides/slide9.xml><?xml version="1.0" encoding="utf-8"?>
-<p:sld xmlns:a="http://schemas.openxmlformats.org/drawingml/2006/main" xmlns:r="http://schemas.openxmlformats.org/officeDocument/2006/relationships" xmlns:p="http://schemas.openxmlformats.org/presentationml/2006/main">
-  <p:cSld>
-    <p:spTree>
-      <p:nvGrpSpPr>
-        <p:cNvPr id="1" name=""/>
-        <p:cNvGrpSpPr/>
-        <p:nvPr/>
-      </p:nvGrpSpPr>
-      <p:grpSpPr>
-        <a:xfrm>
-          <a:off x="0" y="0"/>
-          <a:ext cx="0" cy="0"/>
-          <a:chOff x="0" y="0"/>
-          <a:chExt cx="0" cy="0"/>
-        </a:xfrm>
-      </p:grpSpPr>
-      <p:sp>
-        <p:nvSpPr>
-          <p:cNvPr id="2" name="Titel 1"/>
-          <p:cNvSpPr>
-            <a:spLocks noGrp="1"/>
-          </p:cNvSpPr>
-          <p:nvPr>
-            <p:ph type="title"/>
-          </p:nvPr>
-        </p:nvSpPr>
-        <p:spPr/>
-        <p:txBody>
-          <a:bodyPr/>
-          <a:lstStyle/>
-          <a:p>
-            <a:r>
-              <a:rPr lang="nl-BE" sz="3600" cap="small" dirty="0">
-                <a:ln w="18415" cmpd="sng">
-                  <a:solidFill>
-                    <a:schemeClr val="tx1">
-                      <a:alpha val="0"/>
-                    </a:schemeClr>
-                  </a:solidFill>
-                  <a:prstDash val="solid"/>
-                </a:ln>
-                <a:effectLst>
-                  <a:outerShdw blurRad="25400" dir="3600000" algn="tl" rotWithShape="0">
-                    <a:srgbClr val="000000">
-                      <a:alpha val="70000"/>
-                    </a:srgbClr>
-                  </a:outerShdw>
-                </a:effectLst>
-                <a:latin typeface="Sitka Text" pitchFamily="2" charset="0"/>
-              </a:rPr>
-              <a:t>State</a:t>
-            </a:r>
-            <a:r>
-              <a:rPr lang="nl-BE" dirty="0" smtClean="0"/>
-              <a:t> </a:t>
-            </a:r>
-            <a:r>
-              <a:rPr lang="nl-BE" sz="3600" cap="small" dirty="0">
-                <a:ln w="18415" cmpd="sng">
-                  <a:solidFill>
-                    <a:schemeClr val="tx1">
-                      <a:alpha val="0"/>
-                    </a:schemeClr>
-                  </a:solidFill>
-                  <a:prstDash val="solid"/>
-                </a:ln>
-                <a:effectLst>
-                  <a:outerShdw blurRad="25400" dir="3600000" algn="tl" rotWithShape="0">
-                    <a:srgbClr val="000000">
-                      <a:alpha val="70000"/>
-                    </a:srgbClr>
-                  </a:outerShdw>
-                </a:effectLst>
-                <a:latin typeface="Sitka Text" pitchFamily="2" charset="0"/>
-              </a:rPr>
-              <a:t>pattern: Abstract</a:t>
-            </a:r>
-          </a:p>
-        </p:txBody>
-      </p:sp>
-      <p:pic>
-        <p:nvPicPr>
-          <p:cNvPr id="4" name="Tijdelijke aanduiding voor inhoud 3"/>
-          <p:cNvPicPr>
-            <a:picLocks noGrp="1" noChangeAspect="1"/>
-          </p:cNvPicPr>
-          <p:nvPr>
-            <p:ph idx="1"/>
-          </p:nvPr>
-        </p:nvPicPr>
-        <p:blipFill>
-          <a:blip r:embed="rId2" cstate="print">
-            <a:clrChange>
-              <a:clrFrom>
-                <a:srgbClr val="FFFFFF"/>
-              </a:clrFrom>
-              <a:clrTo>
-                <a:srgbClr val="FFFFFF">
-                  <a:alpha val="0"/>
-                </a:srgbClr>
-              </a:clrTo>
-            </a:clrChange>
-            <a:extLst>
-              <a:ext uri="{28A0092B-C50C-407E-A947-70E740481C1C}">
-                <a14:useLocalDpi xmlns:a14="http://schemas.microsoft.com/office/drawing/2010/main" val="0"/>
-              </a:ext>
-            </a:extLst>
-          </a:blip>
-          <a:stretch>
-            <a:fillRect/>
-          </a:stretch>
-        </p:blipFill>
-        <p:spPr>
-          <a:xfrm>
-            <a:off x="99368" y="3626089"/>
-            <a:ext cx="8937128" cy="1819135"/>
-          </a:xfrm>
-        </p:spPr>
-      </p:pic>
-      <p:sp>
-        <p:nvSpPr>
-          <p:cNvPr id="5" name="Tekstvak 4"/>
-          <p:cNvSpPr txBox="1"/>
-          <p:nvPr/>
-        </p:nvSpPr>
-        <p:spPr>
-          <a:xfrm>
-            <a:off x="2577704" y="2420888"/>
-            <a:ext cx="3988592" cy="369332"/>
-          </a:xfrm>
-          <a:prstGeom prst="rect">
-            <a:avLst/>
-          </a:prstGeom>
-          <a:noFill/>
-        </p:spPr>
-        <p:style>
-          <a:lnRef idx="2">
-            <a:schemeClr val="dk1"/>
-          </a:lnRef>
-          <a:fillRef idx="1">
-            <a:schemeClr val="lt1"/>
-          </a:fillRef>
-          <a:effectRef idx="0">
-            <a:schemeClr val="dk1"/>
-          </a:effectRef>
-          <a:fontRef idx="minor">
-            <a:schemeClr val="dk1"/>
-          </a:fontRef>
-        </p:style>
-        <p:txBody>
-          <a:bodyPr wrap="none" rtlCol="0">
-            <a:spAutoFit/>
-          </a:bodyPr>
-          <a:lstStyle/>
-          <a:p>
-            <a:r>
-              <a:rPr lang="nl-NL" dirty="0" err="1" smtClean="0">
-                <a:latin typeface="Sitka Banner" pitchFamily="2" charset="0"/>
-              </a:rPr>
-              <a:t>BugReport</a:t>
-            </a:r>
-            <a:r>
-              <a:rPr lang="nl-NL" dirty="0" smtClean="0">
-                <a:latin typeface="Sitka Banner" pitchFamily="2" charset="0"/>
-              </a:rPr>
-              <a:t> calls Tag </a:t>
-            </a:r>
-            <a:r>
-              <a:rPr lang="nl-NL" dirty="0" err="1" smtClean="0">
-                <a:latin typeface="Sitka Banner" pitchFamily="2" charset="0"/>
-              </a:rPr>
-              <a:t>to</a:t>
-            </a:r>
-            <a:r>
-              <a:rPr lang="nl-NL" dirty="0" smtClean="0">
-                <a:latin typeface="Sitka Banner" pitchFamily="2" charset="0"/>
-              </a:rPr>
-              <a:t> </a:t>
-            </a:r>
-            <a:r>
-              <a:rPr lang="nl-NL" dirty="0" err="1" smtClean="0">
-                <a:latin typeface="Sitka Banner" pitchFamily="2" charset="0"/>
-              </a:rPr>
-              <a:t>execute</a:t>
-            </a:r>
-            <a:r>
-              <a:rPr lang="nl-NL" dirty="0" smtClean="0">
-                <a:latin typeface="Sitka Banner" pitchFamily="2" charset="0"/>
-              </a:rPr>
-              <a:t> </a:t>
-            </a:r>
-            <a:r>
-              <a:rPr lang="nl-NL" dirty="0" err="1" smtClean="0">
-                <a:latin typeface="Sitka Banner" pitchFamily="2" charset="0"/>
-              </a:rPr>
-              <a:t>the</a:t>
-            </a:r>
-            <a:r>
-              <a:rPr lang="nl-NL" dirty="0" smtClean="0">
-                <a:latin typeface="Sitka Banner" pitchFamily="2" charset="0"/>
-              </a:rPr>
-              <a:t> </a:t>
-            </a:r>
-            <a:r>
-              <a:rPr lang="nl-NL" dirty="0" err="1" smtClean="0">
-                <a:latin typeface="Sitka Banner" pitchFamily="2" charset="0"/>
-              </a:rPr>
-              <a:t>function</a:t>
-            </a:r>
-            <a:endParaRPr lang="nl-NL" dirty="0">
-              <a:latin typeface="Sitka Banner" pitchFamily="2" charset="0"/>
-            </a:endParaRPr>
-          </a:p>
-        </p:txBody>
-      </p:sp>
-    </p:spTree>
-    <p:extLst>
-      <p:ext uri="{BB962C8B-B14F-4D97-AF65-F5344CB8AC3E}">
-        <p14:creationId xmlns:p14="http://schemas.microsoft.com/office/powerpoint/2010/main" val="1074460601"/>
-      </p:ext>
-    </p:extLst>
-  </p:cSld>
-  <p:clrMapOvr>
-    <a:masterClrMapping/>
-  </p:clrMapOvr>
-  <p:transition>
-    <p:fade/>
-  </p:transition>
 </p:sld>
 </file>
 

--- a/Presentaties/Iteratie 2/SWOP Presentatie 2 Inhoud.pptx
+++ b/Presentaties/Iteratie 2/SWOP Presentatie 2 Inhoud.pptx
@@ -8,25 +8,24 @@
     <p:sldId id="256" r:id="rId2"/>
     <p:sldId id="287" r:id="rId3"/>
     <p:sldId id="288" r:id="rId4"/>
-    <p:sldId id="258" r:id="rId5"/>
-    <p:sldId id="285" r:id="rId6"/>
-    <p:sldId id="286" r:id="rId7"/>
-    <p:sldId id="289" r:id="rId8"/>
-    <p:sldId id="280" r:id="rId9"/>
-    <p:sldId id="281" r:id="rId10"/>
-    <p:sldId id="282" r:id="rId11"/>
-    <p:sldId id="283" r:id="rId12"/>
-    <p:sldId id="284" r:id="rId13"/>
-    <p:sldId id="277" r:id="rId14"/>
-    <p:sldId id="279" r:id="rId15"/>
-    <p:sldId id="278" r:id="rId16"/>
-    <p:sldId id="259" r:id="rId17"/>
-    <p:sldId id="270" r:id="rId18"/>
-    <p:sldId id="274" r:id="rId19"/>
-    <p:sldId id="260" r:id="rId20"/>
-    <p:sldId id="261" r:id="rId21"/>
-    <p:sldId id="262" r:id="rId22"/>
-    <p:sldId id="275" r:id="rId23"/>
+    <p:sldId id="285" r:id="rId5"/>
+    <p:sldId id="286" r:id="rId6"/>
+    <p:sldId id="289" r:id="rId7"/>
+    <p:sldId id="280" r:id="rId8"/>
+    <p:sldId id="281" r:id="rId9"/>
+    <p:sldId id="282" r:id="rId10"/>
+    <p:sldId id="283" r:id="rId11"/>
+    <p:sldId id="284" r:id="rId12"/>
+    <p:sldId id="277" r:id="rId13"/>
+    <p:sldId id="279" r:id="rId14"/>
+    <p:sldId id="278" r:id="rId15"/>
+    <p:sldId id="259" r:id="rId16"/>
+    <p:sldId id="270" r:id="rId17"/>
+    <p:sldId id="260" r:id="rId18"/>
+    <p:sldId id="261" r:id="rId19"/>
+    <p:sldId id="290" r:id="rId20"/>
+    <p:sldId id="262" r:id="rId21"/>
+    <p:sldId id="275" r:id="rId22"/>
   </p:sldIdLst>
   <p:sldSz cx="9144000" cy="6858000" type="screen4x3"/>
   <p:notesSz cx="6858000" cy="9144000"/>
@@ -127,7 +126,7 @@
   </p:defaultTextStyle>
   <p:extLst>
     <p:ext uri="{EFAFB233-063F-42B5-8137-9DF3F51BA10A}">
-      <p15:sldGuideLst xmlns:p15="http://schemas.microsoft.com/office/powerpoint/2012/main" xmlns="">
+      <p15:sldGuideLst xmlns="" xmlns:p15="http://schemas.microsoft.com/office/powerpoint/2012/main">
         <p15:guide id="1" orient="horz" pos="2160">
           <p15:clr>
             <a:srgbClr val="A4A3A4"/>
@@ -369,7 +368,7 @@
             <a:fld id="{91663F60-0288-4BD7-9F87-79CFFEA98662}" type="slidenum">
               <a:rPr lang="nl-BE" smtClean="0"/>
               <a:pPr/>
-              <a:t>‹Nr.›</a:t>
+              <a:t>‹nr.›</a:t>
             </a:fld>
             <a:endParaRPr lang="nl-BE"/>
           </a:p>
@@ -378,7 +377,7 @@
     </p:spTree>
     <p:extLst>
       <p:ext uri="{BB962C8B-B14F-4D97-AF65-F5344CB8AC3E}">
-        <p14:creationId xmlns:p14="http://schemas.microsoft.com/office/powerpoint/2010/main" xmlns="" val="3963083300"/>
+        <p14:creationId xmlns:p14="http://schemas.microsoft.com/office/powerpoint/2010/main" val="3963083300"/>
       </p:ext>
     </p:extLst>
   </p:cSld>
@@ -544,7 +543,7 @@
             <a:fld id="{91663F60-0288-4BD7-9F87-79CFFEA98662}" type="slidenum">
               <a:rPr lang="nl-BE" smtClean="0"/>
               <a:pPr/>
-              <a:t>‹Nr.›</a:t>
+              <a:t>‹nr.›</a:t>
             </a:fld>
             <a:endParaRPr lang="nl-BE"/>
           </a:p>
@@ -553,7 +552,7 @@
     </p:spTree>
     <p:extLst>
       <p:ext uri="{BB962C8B-B14F-4D97-AF65-F5344CB8AC3E}">
-        <p14:creationId xmlns:p14="http://schemas.microsoft.com/office/powerpoint/2010/main" xmlns="" val="1367293728"/>
+        <p14:creationId xmlns:p14="http://schemas.microsoft.com/office/powerpoint/2010/main" val="1367293728"/>
       </p:ext>
     </p:extLst>
   </p:cSld>
@@ -729,7 +728,7 @@
             <a:fld id="{91663F60-0288-4BD7-9F87-79CFFEA98662}" type="slidenum">
               <a:rPr lang="nl-BE" smtClean="0"/>
               <a:pPr/>
-              <a:t>‹Nr.›</a:t>
+              <a:t>‹nr.›</a:t>
             </a:fld>
             <a:endParaRPr lang="nl-BE"/>
           </a:p>
@@ -738,7 +737,7 @@
     </p:spTree>
     <p:extLst>
       <p:ext uri="{BB962C8B-B14F-4D97-AF65-F5344CB8AC3E}">
-        <p14:creationId xmlns:p14="http://schemas.microsoft.com/office/powerpoint/2010/main" xmlns="" val="3320721104"/>
+        <p14:creationId xmlns:p14="http://schemas.microsoft.com/office/powerpoint/2010/main" val="3320721104"/>
       </p:ext>
     </p:extLst>
   </p:cSld>
@@ -904,7 +903,7 @@
             <a:fld id="{91663F60-0288-4BD7-9F87-79CFFEA98662}" type="slidenum">
               <a:rPr lang="nl-BE" smtClean="0"/>
               <a:pPr/>
-              <a:t>‹Nr.›</a:t>
+              <a:t>‹nr.›</a:t>
             </a:fld>
             <a:endParaRPr lang="nl-BE"/>
           </a:p>
@@ -913,7 +912,7 @@
     </p:spTree>
     <p:extLst>
       <p:ext uri="{BB962C8B-B14F-4D97-AF65-F5344CB8AC3E}">
-        <p14:creationId xmlns:p14="http://schemas.microsoft.com/office/powerpoint/2010/main" xmlns="" val="1971972017"/>
+        <p14:creationId xmlns:p14="http://schemas.microsoft.com/office/powerpoint/2010/main" val="1971972017"/>
       </p:ext>
     </p:extLst>
   </p:cSld>
@@ -1155,7 +1154,7 @@
             <a:fld id="{91663F60-0288-4BD7-9F87-79CFFEA98662}" type="slidenum">
               <a:rPr lang="nl-BE" smtClean="0"/>
               <a:pPr/>
-              <a:t>‹Nr.›</a:t>
+              <a:t>‹nr.›</a:t>
             </a:fld>
             <a:endParaRPr lang="nl-BE"/>
           </a:p>
@@ -1164,7 +1163,7 @@
     </p:spTree>
     <p:extLst>
       <p:ext uri="{BB962C8B-B14F-4D97-AF65-F5344CB8AC3E}">
-        <p14:creationId xmlns:p14="http://schemas.microsoft.com/office/powerpoint/2010/main" xmlns="" val="1541596771"/>
+        <p14:creationId xmlns:p14="http://schemas.microsoft.com/office/powerpoint/2010/main" val="1541596771"/>
       </p:ext>
     </p:extLst>
   </p:cSld>
@@ -1448,7 +1447,7 @@
             <a:fld id="{91663F60-0288-4BD7-9F87-79CFFEA98662}" type="slidenum">
               <a:rPr lang="nl-BE" smtClean="0"/>
               <a:pPr/>
-              <a:t>‹Nr.›</a:t>
+              <a:t>‹nr.›</a:t>
             </a:fld>
             <a:endParaRPr lang="nl-BE"/>
           </a:p>
@@ -1457,7 +1456,7 @@
     </p:spTree>
     <p:extLst>
       <p:ext uri="{BB962C8B-B14F-4D97-AF65-F5344CB8AC3E}">
-        <p14:creationId xmlns:p14="http://schemas.microsoft.com/office/powerpoint/2010/main" xmlns="" val="1047982118"/>
+        <p14:creationId xmlns:p14="http://schemas.microsoft.com/office/powerpoint/2010/main" val="1047982118"/>
       </p:ext>
     </p:extLst>
   </p:cSld>
@@ -1875,7 +1874,7 @@
             <a:fld id="{91663F60-0288-4BD7-9F87-79CFFEA98662}" type="slidenum">
               <a:rPr lang="nl-BE" smtClean="0"/>
               <a:pPr/>
-              <a:t>‹Nr.›</a:t>
+              <a:t>‹nr.›</a:t>
             </a:fld>
             <a:endParaRPr lang="nl-BE"/>
           </a:p>
@@ -1884,7 +1883,7 @@
     </p:spTree>
     <p:extLst>
       <p:ext uri="{BB962C8B-B14F-4D97-AF65-F5344CB8AC3E}">
-        <p14:creationId xmlns:p14="http://schemas.microsoft.com/office/powerpoint/2010/main" xmlns="" val="2185725893"/>
+        <p14:creationId xmlns:p14="http://schemas.microsoft.com/office/powerpoint/2010/main" val="2185725893"/>
       </p:ext>
     </p:extLst>
   </p:cSld>
@@ -1998,7 +1997,7 @@
             <a:fld id="{91663F60-0288-4BD7-9F87-79CFFEA98662}" type="slidenum">
               <a:rPr lang="nl-BE" smtClean="0"/>
               <a:pPr/>
-              <a:t>‹Nr.›</a:t>
+              <a:t>‹nr.›</a:t>
             </a:fld>
             <a:endParaRPr lang="nl-BE"/>
           </a:p>
@@ -2007,7 +2006,7 @@
     </p:spTree>
     <p:extLst>
       <p:ext uri="{BB962C8B-B14F-4D97-AF65-F5344CB8AC3E}">
-        <p14:creationId xmlns:p14="http://schemas.microsoft.com/office/powerpoint/2010/main" xmlns="" val="1565659618"/>
+        <p14:creationId xmlns:p14="http://schemas.microsoft.com/office/powerpoint/2010/main" val="1565659618"/>
       </p:ext>
     </p:extLst>
   </p:cSld>
@@ -2098,7 +2097,7 @@
             <a:fld id="{91663F60-0288-4BD7-9F87-79CFFEA98662}" type="slidenum">
               <a:rPr lang="nl-BE" smtClean="0"/>
               <a:pPr/>
-              <a:t>‹Nr.›</a:t>
+              <a:t>‹nr.›</a:t>
             </a:fld>
             <a:endParaRPr lang="nl-BE"/>
           </a:p>
@@ -2107,7 +2106,7 @@
     </p:spTree>
     <p:extLst>
       <p:ext uri="{BB962C8B-B14F-4D97-AF65-F5344CB8AC3E}">
-        <p14:creationId xmlns:p14="http://schemas.microsoft.com/office/powerpoint/2010/main" xmlns="" val="2302775655"/>
+        <p14:creationId xmlns:p14="http://schemas.microsoft.com/office/powerpoint/2010/main" val="2302775655"/>
       </p:ext>
     </p:extLst>
   </p:cSld>
@@ -2380,7 +2379,7 @@
             <a:fld id="{91663F60-0288-4BD7-9F87-79CFFEA98662}" type="slidenum">
               <a:rPr lang="nl-BE" smtClean="0"/>
               <a:pPr/>
-              <a:t>‹Nr.›</a:t>
+              <a:t>‹nr.›</a:t>
             </a:fld>
             <a:endParaRPr lang="nl-BE"/>
           </a:p>
@@ -2389,7 +2388,7 @@
     </p:spTree>
     <p:extLst>
       <p:ext uri="{BB962C8B-B14F-4D97-AF65-F5344CB8AC3E}">
-        <p14:creationId xmlns:p14="http://schemas.microsoft.com/office/powerpoint/2010/main" xmlns="" val="2384358470"/>
+        <p14:creationId xmlns:p14="http://schemas.microsoft.com/office/powerpoint/2010/main" val="2384358470"/>
       </p:ext>
     </p:extLst>
   </p:cSld>
@@ -2638,7 +2637,7 @@
             <a:fld id="{91663F60-0288-4BD7-9F87-79CFFEA98662}" type="slidenum">
               <a:rPr lang="nl-BE" smtClean="0"/>
               <a:pPr/>
-              <a:t>‹Nr.›</a:t>
+              <a:t>‹nr.›</a:t>
             </a:fld>
             <a:endParaRPr lang="nl-BE"/>
           </a:p>
@@ -2647,7 +2646,7 @@
     </p:spTree>
     <p:extLst>
       <p:ext uri="{BB962C8B-B14F-4D97-AF65-F5344CB8AC3E}">
-        <p14:creationId xmlns:p14="http://schemas.microsoft.com/office/powerpoint/2010/main" xmlns="" val="221485852"/>
+        <p14:creationId xmlns:p14="http://schemas.microsoft.com/office/powerpoint/2010/main" val="221485852"/>
       </p:ext>
     </p:extLst>
   </p:cSld>
@@ -2916,7 +2915,7 @@
             <a:fld id="{91663F60-0288-4BD7-9F87-79CFFEA98662}" type="slidenum">
               <a:rPr lang="nl-BE" smtClean="0"/>
               <a:pPr/>
-              <a:t>‹Nr.›</a:t>
+              <a:t>‹nr.›</a:t>
             </a:fld>
             <a:endParaRPr lang="nl-BE"/>
           </a:p>
@@ -2925,7 +2924,7 @@
     </p:spTree>
     <p:extLst>
       <p:ext uri="{BB962C8B-B14F-4D97-AF65-F5344CB8AC3E}">
-        <p14:creationId xmlns:p14="http://schemas.microsoft.com/office/powerpoint/2010/main" xmlns="" val="2268232388"/>
+        <p14:creationId xmlns:p14="http://schemas.microsoft.com/office/powerpoint/2010/main" val="2268232388"/>
       </p:ext>
     </p:extLst>
   </p:cSld>
@@ -3554,7 +3553,7 @@
     </p:spTree>
     <p:extLst>
       <p:ext uri="{BB962C8B-B14F-4D97-AF65-F5344CB8AC3E}">
-        <p14:creationId xmlns:p14="http://schemas.microsoft.com/office/powerpoint/2010/main" xmlns="" val="1089514898"/>
+        <p14:creationId xmlns:p14="http://schemas.microsoft.com/office/powerpoint/2010/main" val="1089514898"/>
       </p:ext>
     </p:extLst>
   </p:cSld>
@@ -3603,238 +3602,6 @@
         </p:nvSpPr>
         <p:spPr/>
         <p:txBody>
-          <a:bodyPr/>
-          <a:lstStyle/>
-          <a:p>
-            <a:r>
-              <a:rPr lang="nl-BE" sz="3600" cap="small" dirty="0">
-                <a:ln w="18415" cmpd="sng">
-                  <a:solidFill>
-                    <a:schemeClr val="tx1">
-                      <a:alpha val="0"/>
-                    </a:schemeClr>
-                  </a:solidFill>
-                  <a:prstDash val="solid"/>
-                </a:ln>
-                <a:effectLst>
-                  <a:outerShdw blurRad="25400" dir="3600000" algn="tl" rotWithShape="0">
-                    <a:srgbClr val="000000">
-                      <a:alpha val="70000"/>
-                    </a:srgbClr>
-                  </a:outerShdw>
-                </a:effectLst>
-                <a:latin typeface="Sitka Text" pitchFamily="2" charset="0"/>
-              </a:rPr>
-              <a:t>State</a:t>
-            </a:r>
-            <a:r>
-              <a:rPr lang="nl-BE" dirty="0" smtClean="0"/>
-              <a:t> </a:t>
-            </a:r>
-            <a:r>
-              <a:rPr lang="nl-BE" sz="3600" cap="small" dirty="0">
-                <a:ln w="18415" cmpd="sng">
-                  <a:solidFill>
-                    <a:schemeClr val="tx1">
-                      <a:alpha val="0"/>
-                    </a:schemeClr>
-                  </a:solidFill>
-                  <a:prstDash val="solid"/>
-                </a:ln>
-                <a:effectLst>
-                  <a:outerShdw blurRad="25400" dir="3600000" algn="tl" rotWithShape="0">
-                    <a:srgbClr val="000000">
-                      <a:alpha val="70000"/>
-                    </a:srgbClr>
-                  </a:outerShdw>
-                </a:effectLst>
-                <a:latin typeface="Sitka Text" pitchFamily="2" charset="0"/>
-              </a:rPr>
-              <a:t>pattern: Abstract</a:t>
-            </a:r>
-          </a:p>
-        </p:txBody>
-      </p:sp>
-      <p:pic>
-        <p:nvPicPr>
-          <p:cNvPr id="4" name="Tijdelijke aanduiding voor inhoud 3"/>
-          <p:cNvPicPr>
-            <a:picLocks noGrp="1" noChangeAspect="1"/>
-          </p:cNvPicPr>
-          <p:nvPr>
-            <p:ph idx="1"/>
-          </p:nvPr>
-        </p:nvPicPr>
-        <p:blipFill>
-          <a:blip r:embed="rId2" cstate="print">
-            <a:clrChange>
-              <a:clrFrom>
-                <a:srgbClr val="FFFFFF"/>
-              </a:clrFrom>
-              <a:clrTo>
-                <a:srgbClr val="FFFFFF">
-                  <a:alpha val="0"/>
-                </a:srgbClr>
-              </a:clrTo>
-            </a:clrChange>
-            <a:extLst>
-              <a:ext uri="{28A0092B-C50C-407E-A947-70E740481C1C}">
-                <a14:useLocalDpi xmlns:a14="http://schemas.microsoft.com/office/drawing/2010/main" xmlns="" val="0"/>
-              </a:ext>
-            </a:extLst>
-          </a:blip>
-          <a:stretch>
-            <a:fillRect/>
-          </a:stretch>
-        </p:blipFill>
-        <p:spPr>
-          <a:xfrm>
-            <a:off x="99368" y="3626089"/>
-            <a:ext cx="8937128" cy="1819135"/>
-          </a:xfrm>
-        </p:spPr>
-      </p:pic>
-      <p:sp>
-        <p:nvSpPr>
-          <p:cNvPr id="5" name="Tekstvak 4"/>
-          <p:cNvSpPr txBox="1"/>
-          <p:nvPr/>
-        </p:nvSpPr>
-        <p:spPr>
-          <a:xfrm>
-            <a:off x="2577704" y="2420888"/>
-            <a:ext cx="3988592" cy="369332"/>
-          </a:xfrm>
-          <a:prstGeom prst="rect">
-            <a:avLst/>
-          </a:prstGeom>
-          <a:noFill/>
-        </p:spPr>
-        <p:style>
-          <a:lnRef idx="2">
-            <a:schemeClr val="dk1"/>
-          </a:lnRef>
-          <a:fillRef idx="1">
-            <a:schemeClr val="lt1"/>
-          </a:fillRef>
-          <a:effectRef idx="0">
-            <a:schemeClr val="dk1"/>
-          </a:effectRef>
-          <a:fontRef idx="minor">
-            <a:schemeClr val="dk1"/>
-          </a:fontRef>
-        </p:style>
-        <p:txBody>
-          <a:bodyPr wrap="none" rtlCol="0">
-            <a:spAutoFit/>
-          </a:bodyPr>
-          <a:lstStyle/>
-          <a:p>
-            <a:r>
-              <a:rPr lang="nl-NL" dirty="0" err="1" smtClean="0">
-                <a:latin typeface="Sitka Banner" pitchFamily="2" charset="0"/>
-              </a:rPr>
-              <a:t>BugReport</a:t>
-            </a:r>
-            <a:r>
-              <a:rPr lang="nl-NL" dirty="0" smtClean="0">
-                <a:latin typeface="Sitka Banner" pitchFamily="2" charset="0"/>
-              </a:rPr>
-              <a:t> calls Tag </a:t>
-            </a:r>
-            <a:r>
-              <a:rPr lang="nl-NL" dirty="0" err="1" smtClean="0">
-                <a:latin typeface="Sitka Banner" pitchFamily="2" charset="0"/>
-              </a:rPr>
-              <a:t>to</a:t>
-            </a:r>
-            <a:r>
-              <a:rPr lang="nl-NL" dirty="0" smtClean="0">
-                <a:latin typeface="Sitka Banner" pitchFamily="2" charset="0"/>
-              </a:rPr>
-              <a:t> </a:t>
-            </a:r>
-            <a:r>
-              <a:rPr lang="nl-NL" dirty="0" err="1" smtClean="0">
-                <a:latin typeface="Sitka Banner" pitchFamily="2" charset="0"/>
-              </a:rPr>
-              <a:t>execute</a:t>
-            </a:r>
-            <a:r>
-              <a:rPr lang="nl-NL" dirty="0" smtClean="0">
-                <a:latin typeface="Sitka Banner" pitchFamily="2" charset="0"/>
-              </a:rPr>
-              <a:t> </a:t>
-            </a:r>
-            <a:r>
-              <a:rPr lang="nl-NL" dirty="0" err="1" smtClean="0">
-                <a:latin typeface="Sitka Banner" pitchFamily="2" charset="0"/>
-              </a:rPr>
-              <a:t>the</a:t>
-            </a:r>
-            <a:r>
-              <a:rPr lang="nl-NL" dirty="0" smtClean="0">
-                <a:latin typeface="Sitka Banner" pitchFamily="2" charset="0"/>
-              </a:rPr>
-              <a:t> </a:t>
-            </a:r>
-            <a:r>
-              <a:rPr lang="nl-NL" dirty="0" err="1" smtClean="0">
-                <a:latin typeface="Sitka Banner" pitchFamily="2" charset="0"/>
-              </a:rPr>
-              <a:t>function</a:t>
-            </a:r>
-            <a:endParaRPr lang="nl-NL" dirty="0">
-              <a:latin typeface="Sitka Banner" pitchFamily="2" charset="0"/>
-            </a:endParaRPr>
-          </a:p>
-        </p:txBody>
-      </p:sp>
-    </p:spTree>
-    <p:extLst>
-      <p:ext uri="{BB962C8B-B14F-4D97-AF65-F5344CB8AC3E}">
-        <p14:creationId xmlns:p14="http://schemas.microsoft.com/office/powerpoint/2010/main" xmlns="" val="1074460601"/>
-      </p:ext>
-    </p:extLst>
-  </p:cSld>
-  <p:clrMapOvr>
-    <a:masterClrMapping/>
-  </p:clrMapOvr>
-  <p:transition>
-    <p:fade/>
-  </p:transition>
-</p:sld>
-</file>
-
-<file path=ppt/slides/slide11.xml><?xml version="1.0" encoding="utf-8"?>
-<p:sld xmlns:a="http://schemas.openxmlformats.org/drawingml/2006/main" xmlns:r="http://schemas.openxmlformats.org/officeDocument/2006/relationships" xmlns:p="http://schemas.openxmlformats.org/presentationml/2006/main">
-  <p:cSld>
-    <p:spTree>
-      <p:nvGrpSpPr>
-        <p:cNvPr id="1" name=""/>
-        <p:cNvGrpSpPr/>
-        <p:nvPr/>
-      </p:nvGrpSpPr>
-      <p:grpSpPr>
-        <a:xfrm>
-          <a:off x="0" y="0"/>
-          <a:ext cx="0" cy="0"/>
-          <a:chOff x="0" y="0"/>
-          <a:chExt cx="0" cy="0"/>
-        </a:xfrm>
-      </p:grpSpPr>
-      <p:sp>
-        <p:nvSpPr>
-          <p:cNvPr id="2" name="Titel 1"/>
-          <p:cNvSpPr>
-            <a:spLocks noGrp="1"/>
-          </p:cNvSpPr>
-          <p:nvPr>
-            <p:ph type="title"/>
-          </p:nvPr>
-        </p:nvSpPr>
-        <p:spPr/>
-        <p:txBody>
           <a:bodyPr>
             <a:normAutofit/>
           </a:bodyPr>
@@ -3907,20 +3674,20 @@
               <a:rPr lang="is-IS" i="1" dirty="0" smtClean="0">
                 <a:solidFill>
                   <a:schemeClr val="tx1">
-                    <a:lumMod val="50000"/>
-                    <a:lumOff val="50000"/>
-                  </a:schemeClr>
-                </a:solidFill>
-                <a:latin typeface="Sitka Banner" pitchFamily="2" charset="0"/>
-              </a:rPr>
-              <a:t>“…</a:t>
+                    <a:lumMod val="75000"/>
+                    <a:lumOff val="25000"/>
+                  </a:schemeClr>
+                </a:solidFill>
+                <a:latin typeface="Sitka Banner" pitchFamily="2" charset="0"/>
+              </a:rPr>
+              <a:t>“[…] </a:t>
             </a:r>
             <a:r>
               <a:rPr lang="nl-NL" i="1" dirty="0" err="1" smtClean="0">
                 <a:solidFill>
                   <a:schemeClr val="tx1">
-                    <a:lumMod val="50000"/>
-                    <a:lumOff val="50000"/>
+                    <a:lumMod val="75000"/>
+                    <a:lumOff val="25000"/>
                   </a:schemeClr>
                 </a:solidFill>
                 <a:latin typeface="Sitka Banner" pitchFamily="2" charset="0"/>
@@ -3931,8 +3698,8 @@
               <a:rPr lang="nl-NL" i="1" dirty="0" smtClean="0">
                 <a:solidFill>
                   <a:schemeClr val="tx1">
-                    <a:lumMod val="50000"/>
-                    <a:lumOff val="50000"/>
+                    <a:lumMod val="75000"/>
+                    <a:lumOff val="25000"/>
                   </a:schemeClr>
                 </a:solidFill>
                 <a:latin typeface="Sitka Banner" pitchFamily="2" charset="0"/>
@@ -3943,8 +3710,8 @@
               <a:rPr lang="nl-NL" i="1" dirty="0" err="1">
                 <a:solidFill>
                   <a:schemeClr val="tx1">
-                    <a:lumMod val="50000"/>
-                    <a:lumOff val="50000"/>
+                    <a:lumMod val="75000"/>
+                    <a:lumOff val="25000"/>
                   </a:schemeClr>
                 </a:solidFill>
                 <a:latin typeface="Sitka Banner" pitchFamily="2" charset="0"/>
@@ -3955,8 +3722,8 @@
               <a:rPr lang="nl-NL" i="1" dirty="0">
                 <a:solidFill>
                   <a:schemeClr val="tx1">
-                    <a:lumMod val="50000"/>
-                    <a:lumOff val="50000"/>
+                    <a:lumMod val="75000"/>
+                    <a:lumOff val="25000"/>
                   </a:schemeClr>
                 </a:solidFill>
                 <a:latin typeface="Sitka Banner" pitchFamily="2" charset="0"/>
@@ -3967,8 +3734,8 @@
               <a:rPr lang="nl-NL" i="1" dirty="0" err="1">
                 <a:solidFill>
                   <a:schemeClr val="tx1">
-                    <a:lumMod val="50000"/>
-                    <a:lumOff val="50000"/>
+                    <a:lumMod val="75000"/>
+                    <a:lumOff val="25000"/>
                   </a:schemeClr>
                 </a:solidFill>
                 <a:latin typeface="Sitka Banner" pitchFamily="2" charset="0"/>
@@ -3979,8 +3746,8 @@
               <a:rPr lang="nl-NL" i="1" dirty="0">
                 <a:solidFill>
                   <a:schemeClr val="tx1">
-                    <a:lumMod val="50000"/>
-                    <a:lumOff val="50000"/>
+                    <a:lumMod val="75000"/>
+                    <a:lumOff val="25000"/>
                   </a:schemeClr>
                 </a:solidFill>
                 <a:latin typeface="Sitka Banner" pitchFamily="2" charset="0"/>
@@ -3991,8 +3758,8 @@
               <a:rPr lang="nl-NL" i="1" dirty="0" err="1">
                 <a:solidFill>
                   <a:schemeClr val="tx1">
-                    <a:lumMod val="50000"/>
-                    <a:lumOff val="50000"/>
+                    <a:lumMod val="75000"/>
+                    <a:lumOff val="25000"/>
                   </a:schemeClr>
                 </a:solidFill>
                 <a:latin typeface="Sitka Banner" pitchFamily="2" charset="0"/>
@@ -4003,8 +3770,8 @@
               <a:rPr lang="nl-NL" i="1" dirty="0">
                 <a:solidFill>
                   <a:schemeClr val="tx1">
-                    <a:lumMod val="50000"/>
-                    <a:lumOff val="50000"/>
+                    <a:lumMod val="75000"/>
+                    <a:lumOff val="25000"/>
                   </a:schemeClr>
                 </a:solidFill>
                 <a:latin typeface="Sitka Banner" pitchFamily="2" charset="0"/>
@@ -4015,8 +3782,8 @@
               <a:rPr lang="nl-NL" i="1" dirty="0" err="1">
                 <a:solidFill>
                   <a:schemeClr val="tx1">
-                    <a:lumMod val="50000"/>
-                    <a:lumOff val="50000"/>
+                    <a:lumMod val="75000"/>
+                    <a:lumOff val="25000"/>
                   </a:schemeClr>
                 </a:solidFill>
                 <a:latin typeface="Sitka Banner" pitchFamily="2" charset="0"/>
@@ -4027,8 +3794,8 @@
               <a:rPr lang="nl-NL" i="1" dirty="0">
                 <a:solidFill>
                   <a:schemeClr val="tx1">
-                    <a:lumMod val="50000"/>
-                    <a:lumOff val="50000"/>
+                    <a:lumMod val="75000"/>
+                    <a:lumOff val="25000"/>
                   </a:schemeClr>
                 </a:solidFill>
                 <a:latin typeface="Sitka Banner" pitchFamily="2" charset="0"/>
@@ -4039,8 +3806,8 @@
               <a:rPr lang="nl-NL" i="1" dirty="0" err="1">
                 <a:solidFill>
                   <a:schemeClr val="tx1">
-                    <a:lumMod val="50000"/>
-                    <a:lumOff val="50000"/>
+                    <a:lumMod val="75000"/>
+                    <a:lumOff val="25000"/>
                   </a:schemeClr>
                 </a:solidFill>
                 <a:latin typeface="Sitka Banner" pitchFamily="2" charset="0"/>
@@ -4051,8 +3818,8 @@
               <a:rPr lang="nl-NL" i="1" dirty="0">
                 <a:solidFill>
                   <a:schemeClr val="tx1">
-                    <a:lumMod val="50000"/>
-                    <a:lumOff val="50000"/>
+                    <a:lumMod val="75000"/>
+                    <a:lumOff val="25000"/>
                   </a:schemeClr>
                 </a:solidFill>
                 <a:latin typeface="Sitka Banner" pitchFamily="2" charset="0"/>
@@ -4063,8 +3830,8 @@
               <a:rPr lang="nl-NL" i="1" dirty="0" err="1">
                 <a:solidFill>
                   <a:schemeClr val="tx1">
-                    <a:lumMod val="50000"/>
-                    <a:lumOff val="50000"/>
+                    <a:lumMod val="75000"/>
+                    <a:lumOff val="25000"/>
                   </a:schemeClr>
                 </a:solidFill>
                 <a:latin typeface="Sitka Banner" pitchFamily="2" charset="0"/>
@@ -4075,8 +3842,8 @@
               <a:rPr lang="nl-NL" i="1" dirty="0">
                 <a:solidFill>
                   <a:schemeClr val="tx1">
-                    <a:lumMod val="50000"/>
-                    <a:lumOff val="50000"/>
+                    <a:lumMod val="75000"/>
+                    <a:lumOff val="25000"/>
                   </a:schemeClr>
                 </a:solidFill>
                 <a:latin typeface="Sitka Banner" pitchFamily="2" charset="0"/>
@@ -4087,8 +3854,8 @@
               <a:rPr lang="nl-NL" i="1" dirty="0" err="1">
                 <a:solidFill>
                   <a:schemeClr val="tx1">
-                    <a:lumMod val="50000"/>
-                    <a:lumOff val="50000"/>
+                    <a:lumMod val="75000"/>
+                    <a:lumOff val="25000"/>
                   </a:schemeClr>
                 </a:solidFill>
                 <a:latin typeface="Sitka Banner" pitchFamily="2" charset="0"/>
@@ -4099,8 +3866,8 @@
               <a:rPr lang="nl-NL" i="1" dirty="0">
                 <a:solidFill>
                   <a:schemeClr val="tx1">
-                    <a:lumMod val="50000"/>
-                    <a:lumOff val="50000"/>
+                    <a:lumMod val="75000"/>
+                    <a:lumOff val="25000"/>
                   </a:schemeClr>
                 </a:solidFill>
                 <a:latin typeface="Sitka Banner" pitchFamily="2" charset="0"/>
@@ -4111,8 +3878,8 @@
               <a:rPr lang="nl-NL" i="1" dirty="0" err="1">
                 <a:solidFill>
                   <a:schemeClr val="tx1">
-                    <a:lumMod val="50000"/>
-                    <a:lumOff val="50000"/>
+                    <a:lumMod val="75000"/>
+                    <a:lumOff val="25000"/>
                   </a:schemeClr>
                 </a:solidFill>
                 <a:latin typeface="Sitka Banner" pitchFamily="2" charset="0"/>
@@ -4123,8 +3890,8 @@
               <a:rPr lang="nl-NL" i="1" dirty="0">
                 <a:solidFill>
                   <a:schemeClr val="tx1">
-                    <a:lumMod val="50000"/>
-                    <a:lumOff val="50000"/>
+                    <a:lumMod val="75000"/>
+                    <a:lumOff val="25000"/>
                   </a:schemeClr>
                 </a:solidFill>
                 <a:latin typeface="Sitka Banner" pitchFamily="2" charset="0"/>
@@ -4135,8 +3902,8 @@
               <a:rPr lang="nl-NL" i="1" dirty="0" err="1" smtClean="0">
                 <a:solidFill>
                   <a:schemeClr val="tx1">
-                    <a:lumMod val="50000"/>
-                    <a:lumOff val="50000"/>
+                    <a:lumMod val="75000"/>
+                    <a:lumOff val="25000"/>
                   </a:schemeClr>
                 </a:solidFill>
                 <a:latin typeface="Sitka Banner" pitchFamily="2" charset="0"/>
@@ -4147,8 +3914,8 @@
               <a:rPr lang="nl-NL" i="1" dirty="0" smtClean="0">
                 <a:solidFill>
                   <a:schemeClr val="tx1">
-                    <a:lumMod val="50000"/>
-                    <a:lumOff val="50000"/>
+                    <a:lumMod val="75000"/>
+                    <a:lumOff val="25000"/>
                   </a:schemeClr>
                 </a:solidFill>
                 <a:latin typeface="Sitka Banner" pitchFamily="2" charset="0"/>
@@ -4158,8 +3925,8 @@
             <a:endParaRPr lang="nl-NL" i="1" dirty="0">
               <a:solidFill>
                 <a:schemeClr val="tx1">
-                  <a:lumMod val="50000"/>
-                  <a:lumOff val="50000"/>
+                  <a:lumMod val="75000"/>
+                  <a:lumOff val="25000"/>
                 </a:schemeClr>
               </a:solidFill>
               <a:latin typeface="Sitka Banner" pitchFamily="2" charset="0"/>
@@ -4191,7 +3958,7 @@
             </a:clrChange>
             <a:extLst>
               <a:ext uri="{28A0092B-C50C-407E-A947-70E740481C1C}">
-                <a14:useLocalDpi xmlns:a14="http://schemas.microsoft.com/office/drawing/2010/main" xmlns="" val="0"/>
+                <a14:useLocalDpi xmlns:a14="http://schemas.microsoft.com/office/drawing/2010/main" val="0"/>
               </a:ext>
             </a:extLst>
           </a:blip>
@@ -4221,13 +3988,12 @@
             <a:avLst/>
           </a:prstGeom>
           <a:solidFill>
-            <a:schemeClr val="tx2">
-              <a:lumMod val="60000"/>
-              <a:lumOff val="40000"/>
-            </a:schemeClr>
+            <a:srgbClr val="46BBE4"/>
           </a:solidFill>
           <a:ln>
-            <a:noFill/>
+            <a:solidFill>
+              <a:schemeClr val="tx1"/>
+            </a:solidFill>
           </a:ln>
         </p:spPr>
         <p:txBody>
@@ -4254,7 +4020,7 @@
         <p:spPr>
           <a:xfrm>
             <a:off x="4860032" y="1339820"/>
-            <a:ext cx="3384377" cy="1477328"/>
+            <a:ext cx="3384377" cy="1200329"/>
           </a:xfrm>
           <a:prstGeom prst="rect">
             <a:avLst/>
@@ -4283,8 +4049,8 @@
               <a:rPr lang="nl-NL" i="1" dirty="0" err="1" smtClean="0">
                 <a:solidFill>
                   <a:schemeClr val="tx1">
-                    <a:lumMod val="50000"/>
-                    <a:lumOff val="50000"/>
+                    <a:lumMod val="75000"/>
+                    <a:lumOff val="25000"/>
                   </a:schemeClr>
                 </a:solidFill>
                 <a:latin typeface="Sitka Banner" pitchFamily="2" charset="0"/>
@@ -4295,8 +4061,8 @@
               <a:rPr lang="nl-NL" i="1" dirty="0" smtClean="0">
                 <a:solidFill>
                   <a:schemeClr val="tx1">
-                    <a:lumMod val="50000"/>
-                    <a:lumOff val="50000"/>
+                    <a:lumMod val="75000"/>
+                    <a:lumOff val="25000"/>
                   </a:schemeClr>
                 </a:solidFill>
                 <a:latin typeface="Sitka Banner" pitchFamily="2" charset="0"/>
@@ -4307,8 +4073,8 @@
               <a:rPr lang="nl-NL" i="1" dirty="0">
                 <a:solidFill>
                   <a:schemeClr val="tx1">
-                    <a:lumMod val="50000"/>
-                    <a:lumOff val="50000"/>
+                    <a:lumMod val="75000"/>
+                    <a:lumOff val="25000"/>
                   </a:schemeClr>
                 </a:solidFill>
                 <a:latin typeface="Sitka Banner" pitchFamily="2" charset="0"/>
@@ -4319,8 +4085,8 @@
               <a:rPr lang="nl-NL" i="1" dirty="0" err="1">
                 <a:solidFill>
                   <a:schemeClr val="tx1">
-                    <a:lumMod val="50000"/>
-                    <a:lumOff val="50000"/>
+                    <a:lumMod val="75000"/>
+                    <a:lumOff val="25000"/>
                   </a:schemeClr>
                 </a:solidFill>
                 <a:latin typeface="Sitka Banner" pitchFamily="2" charset="0"/>
@@ -4331,8 +4097,8 @@
               <a:rPr lang="nl-NL" i="1" dirty="0">
                 <a:solidFill>
                   <a:schemeClr val="tx1">
-                    <a:lumMod val="50000"/>
-                    <a:lumOff val="50000"/>
+                    <a:lumMod val="75000"/>
+                    <a:lumOff val="25000"/>
                   </a:schemeClr>
                 </a:solidFill>
                 <a:latin typeface="Sitka Banner" pitchFamily="2" charset="0"/>
@@ -4343,8 +4109,8 @@
               <a:rPr lang="nl-NL" i="1" dirty="0" err="1">
                 <a:solidFill>
                   <a:schemeClr val="tx1">
-                    <a:lumMod val="50000"/>
-                    <a:lumOff val="50000"/>
+                    <a:lumMod val="75000"/>
+                    <a:lumOff val="25000"/>
                   </a:schemeClr>
                 </a:solidFill>
                 <a:latin typeface="Sitka Banner" pitchFamily="2" charset="0"/>
@@ -4355,8 +4121,8 @@
               <a:rPr lang="nl-NL" i="1" dirty="0">
                 <a:solidFill>
                   <a:schemeClr val="tx1">
-                    <a:lumMod val="50000"/>
-                    <a:lumOff val="50000"/>
+                    <a:lumMod val="75000"/>
+                    <a:lumOff val="25000"/>
                   </a:schemeClr>
                 </a:solidFill>
                 <a:latin typeface="Sitka Banner" pitchFamily="2" charset="0"/>
@@ -4367,8 +4133,8 @@
               <a:rPr lang="nl-NL" i="1" dirty="0" err="1">
                 <a:solidFill>
                   <a:schemeClr val="tx1">
-                    <a:lumMod val="50000"/>
-                    <a:lumOff val="50000"/>
+                    <a:lumMod val="75000"/>
+                    <a:lumOff val="25000"/>
                   </a:schemeClr>
                 </a:solidFill>
                 <a:latin typeface="Sitka Banner" pitchFamily="2" charset="0"/>
@@ -4379,8 +4145,8 @@
               <a:rPr lang="nl-NL" i="1" dirty="0">
                 <a:solidFill>
                   <a:schemeClr val="tx1">
-                    <a:lumMod val="50000"/>
-                    <a:lumOff val="50000"/>
+                    <a:lumMod val="75000"/>
+                    <a:lumOff val="25000"/>
                   </a:schemeClr>
                 </a:solidFill>
                 <a:latin typeface="Sitka Banner" pitchFamily="2" charset="0"/>
@@ -4391,8 +4157,8 @@
               <a:rPr lang="nl-NL" i="1" dirty="0" err="1">
                 <a:solidFill>
                   <a:schemeClr val="tx1">
-                    <a:lumMod val="50000"/>
-                    <a:lumOff val="50000"/>
+                    <a:lumMod val="75000"/>
+                    <a:lumOff val="25000"/>
                   </a:schemeClr>
                 </a:solidFill>
                 <a:latin typeface="Sitka Banner" pitchFamily="2" charset="0"/>
@@ -4403,8 +4169,8 @@
               <a:rPr lang="nl-NL" i="1" dirty="0">
                 <a:solidFill>
                   <a:schemeClr val="tx1">
-                    <a:lumMod val="50000"/>
-                    <a:lumOff val="50000"/>
+                    <a:lumMod val="75000"/>
+                    <a:lumOff val="25000"/>
                   </a:schemeClr>
                 </a:solidFill>
                 <a:latin typeface="Sitka Banner" pitchFamily="2" charset="0"/>
@@ -4415,8 +4181,8 @@
               <a:rPr lang="nl-NL" i="1" dirty="0" err="1">
                 <a:solidFill>
                   <a:schemeClr val="tx1">
-                    <a:lumMod val="50000"/>
-                    <a:lumOff val="50000"/>
+                    <a:lumMod val="75000"/>
+                    <a:lumOff val="25000"/>
                   </a:schemeClr>
                 </a:solidFill>
                 <a:latin typeface="Sitka Banner" pitchFamily="2" charset="0"/>
@@ -4427,8 +4193,8 @@
               <a:rPr lang="nl-NL" i="1" dirty="0">
                 <a:solidFill>
                   <a:schemeClr val="tx1">
-                    <a:lumMod val="50000"/>
-                    <a:lumOff val="50000"/>
+                    <a:lumMod val="75000"/>
+                    <a:lumOff val="25000"/>
                   </a:schemeClr>
                 </a:solidFill>
                 <a:latin typeface="Sitka Banner" pitchFamily="2" charset="0"/>
@@ -4439,8 +4205,8 @@
               <a:rPr lang="nl-NL" i="1" dirty="0" smtClean="0">
                 <a:solidFill>
                   <a:schemeClr val="tx1">
-                    <a:lumMod val="50000"/>
-                    <a:lumOff val="50000"/>
+                    <a:lumMod val="75000"/>
+                    <a:lumOff val="25000"/>
                   </a:schemeClr>
                 </a:solidFill>
                 <a:latin typeface="Sitka Banner" pitchFamily="2" charset="0"/>
@@ -4448,23 +4214,35 @@
               <a:t>. </a:t>
             </a:r>
             <a:r>
+              <a:rPr lang="nl-NL" i="1" dirty="0" smtClean="0">
+                <a:solidFill>
+                  <a:schemeClr val="tx1">
+                    <a:lumMod val="75000"/>
+                    <a:lumOff val="25000"/>
+                  </a:schemeClr>
+                </a:solidFill>
+                <a:latin typeface="Sitka Banner" pitchFamily="2" charset="0"/>
+              </a:rPr>
+              <a:t>[</a:t>
+            </a:r>
+            <a:r>
               <a:rPr lang="is-IS" i="1" dirty="0" smtClean="0">
                 <a:solidFill>
                   <a:schemeClr val="tx1">
-                    <a:lumMod val="50000"/>
-                    <a:lumOff val="50000"/>
-                  </a:schemeClr>
-                </a:solidFill>
-                <a:latin typeface="Sitka Banner" pitchFamily="2" charset="0"/>
-              </a:rPr>
-              <a:t>… </a:t>
+                    <a:lumMod val="75000"/>
+                    <a:lumOff val="25000"/>
+                  </a:schemeClr>
+                </a:solidFill>
+                <a:latin typeface="Sitka Banner" pitchFamily="2" charset="0"/>
+              </a:rPr>
+              <a:t>…] </a:t>
             </a:r>
             <a:r>
               <a:rPr lang="nl-NL" i="1" dirty="0" err="1">
                 <a:solidFill>
                   <a:schemeClr val="tx1">
-                    <a:lumMod val="50000"/>
-                    <a:lumOff val="50000"/>
+                    <a:lumMod val="75000"/>
+                    <a:lumOff val="25000"/>
                   </a:schemeClr>
                 </a:solidFill>
                 <a:latin typeface="Sitka Banner" pitchFamily="2" charset="0"/>
@@ -4475,8 +4253,8 @@
               <a:rPr lang="nl-NL" i="1" dirty="0">
                 <a:solidFill>
                   <a:schemeClr val="tx1">
-                    <a:lumMod val="50000"/>
-                    <a:lumOff val="50000"/>
+                    <a:lumMod val="75000"/>
+                    <a:lumOff val="25000"/>
                   </a:schemeClr>
                 </a:solidFill>
                 <a:latin typeface="Sitka Banner" pitchFamily="2" charset="0"/>
@@ -4487,8 +4265,8 @@
               <a:rPr lang="nl-NL" i="1" dirty="0" err="1">
                 <a:solidFill>
                   <a:schemeClr val="tx1">
-                    <a:lumMod val="50000"/>
-                    <a:lumOff val="50000"/>
+                    <a:lumMod val="75000"/>
+                    <a:lumOff val="25000"/>
                   </a:schemeClr>
                 </a:solidFill>
                 <a:latin typeface="Sitka Banner" pitchFamily="2" charset="0"/>
@@ -4499,8 +4277,8 @@
               <a:rPr lang="nl-NL" i="1" dirty="0">
                 <a:solidFill>
                   <a:schemeClr val="tx1">
-                    <a:lumMod val="50000"/>
-                    <a:lumOff val="50000"/>
+                    <a:lumMod val="75000"/>
+                    <a:lumOff val="25000"/>
                   </a:schemeClr>
                 </a:solidFill>
                 <a:latin typeface="Sitka Banner" pitchFamily="2" charset="0"/>
@@ -4511,8 +4289,8 @@
               <a:rPr lang="nl-NL" i="1" dirty="0" err="1">
                 <a:solidFill>
                   <a:schemeClr val="tx1">
-                    <a:lumMod val="50000"/>
-                    <a:lumOff val="50000"/>
+                    <a:lumMod val="75000"/>
+                    <a:lumOff val="25000"/>
                   </a:schemeClr>
                 </a:solidFill>
                 <a:latin typeface="Sitka Banner" pitchFamily="2" charset="0"/>
@@ -4523,8 +4301,8 @@
               <a:rPr lang="nl-NL" i="1" dirty="0">
                 <a:solidFill>
                   <a:schemeClr val="tx1">
-                    <a:lumMod val="50000"/>
-                    <a:lumOff val="50000"/>
+                    <a:lumMod val="75000"/>
+                    <a:lumOff val="25000"/>
                   </a:schemeClr>
                 </a:solidFill>
                 <a:latin typeface="Sitka Banner" pitchFamily="2" charset="0"/>
@@ -4535,8 +4313,8 @@
               <a:rPr lang="nl-NL" i="1" dirty="0" err="1">
                 <a:solidFill>
                   <a:schemeClr val="tx1">
-                    <a:lumMod val="50000"/>
-                    <a:lumOff val="50000"/>
+                    <a:lumMod val="75000"/>
+                    <a:lumOff val="25000"/>
                   </a:schemeClr>
                 </a:solidFill>
                 <a:latin typeface="Sitka Banner" pitchFamily="2" charset="0"/>
@@ -4547,8 +4325,8 @@
               <a:rPr lang="nl-NL" i="1" dirty="0">
                 <a:solidFill>
                   <a:schemeClr val="tx1">
-                    <a:lumMod val="50000"/>
-                    <a:lumOff val="50000"/>
+                    <a:lumMod val="75000"/>
+                    <a:lumOff val="25000"/>
                   </a:schemeClr>
                 </a:solidFill>
                 <a:latin typeface="Sitka Banner" pitchFamily="2" charset="0"/>
@@ -4559,8 +4337,8 @@
               <a:rPr lang="nl-NL" i="1" dirty="0" err="1">
                 <a:solidFill>
                   <a:schemeClr val="tx1">
-                    <a:lumMod val="50000"/>
-                    <a:lumOff val="50000"/>
+                    <a:lumMod val="75000"/>
+                    <a:lumOff val="25000"/>
                   </a:schemeClr>
                 </a:solidFill>
                 <a:latin typeface="Sitka Banner" pitchFamily="2" charset="0"/>
@@ -4571,8 +4349,8 @@
               <a:rPr lang="nl-NL" i="1" dirty="0">
                 <a:solidFill>
                   <a:schemeClr val="tx1">
-                    <a:lumMod val="50000"/>
-                    <a:lumOff val="50000"/>
+                    <a:lumMod val="75000"/>
+                    <a:lumOff val="25000"/>
                   </a:schemeClr>
                 </a:solidFill>
                 <a:latin typeface="Sitka Banner" pitchFamily="2" charset="0"/>
@@ -4583,8 +4361,8 @@
               <a:rPr lang="nl-NL" i="1" dirty="0" err="1">
                 <a:solidFill>
                   <a:schemeClr val="tx1">
-                    <a:lumMod val="50000"/>
-                    <a:lumOff val="50000"/>
+                    <a:lumMod val="75000"/>
+                    <a:lumOff val="25000"/>
                   </a:schemeClr>
                 </a:solidFill>
                 <a:latin typeface="Sitka Banner" pitchFamily="2" charset="0"/>
@@ -4595,8 +4373,8 @@
               <a:rPr lang="nl-NL" i="1" dirty="0">
                 <a:solidFill>
                   <a:schemeClr val="tx1">
-                    <a:lumMod val="50000"/>
-                    <a:lumOff val="50000"/>
+                    <a:lumMod val="75000"/>
+                    <a:lumOff val="25000"/>
                   </a:schemeClr>
                 </a:solidFill>
                 <a:latin typeface="Sitka Banner" pitchFamily="2" charset="0"/>
@@ -4607,8 +4385,8 @@
               <a:rPr lang="nl-NL" i="1" dirty="0" err="1">
                 <a:solidFill>
                   <a:schemeClr val="tx1">
-                    <a:lumMod val="50000"/>
-                    <a:lumOff val="50000"/>
+                    <a:lumMod val="75000"/>
+                    <a:lumOff val="25000"/>
                   </a:schemeClr>
                 </a:solidFill>
                 <a:latin typeface="Sitka Banner" pitchFamily="2" charset="0"/>
@@ -4619,8 +4397,8 @@
               <a:rPr lang="nl-NL" i="1" dirty="0">
                 <a:solidFill>
                   <a:schemeClr val="tx1">
-                    <a:lumMod val="50000"/>
-                    <a:lumOff val="50000"/>
+                    <a:lumMod val="75000"/>
+                    <a:lumOff val="25000"/>
                   </a:schemeClr>
                 </a:solidFill>
                 <a:latin typeface="Sitka Banner" pitchFamily="2" charset="0"/>
@@ -4631,8 +4409,8 @@
               <a:rPr lang="nl-NL" i="1" dirty="0" err="1">
                 <a:solidFill>
                   <a:schemeClr val="tx1">
-                    <a:lumMod val="50000"/>
-                    <a:lumOff val="50000"/>
+                    <a:lumMod val="75000"/>
+                    <a:lumOff val="25000"/>
                   </a:schemeClr>
                 </a:solidFill>
                 <a:latin typeface="Sitka Banner" pitchFamily="2" charset="0"/>
@@ -4643,8 +4421,8 @@
               <a:rPr lang="nl-NL" i="1" dirty="0">
                 <a:solidFill>
                   <a:schemeClr val="tx1">
-                    <a:lumMod val="50000"/>
-                    <a:lumOff val="50000"/>
+                    <a:lumMod val="75000"/>
+                    <a:lumOff val="25000"/>
                   </a:schemeClr>
                 </a:solidFill>
                 <a:latin typeface="Sitka Banner" pitchFamily="2" charset="0"/>
@@ -4655,8 +4433,8 @@
               <a:rPr lang="nl-NL" i="1" dirty="0" err="1">
                 <a:solidFill>
                   <a:schemeClr val="tx1">
-                    <a:lumMod val="50000"/>
-                    <a:lumOff val="50000"/>
+                    <a:lumMod val="75000"/>
+                    <a:lumOff val="25000"/>
                   </a:schemeClr>
                 </a:solidFill>
                 <a:latin typeface="Sitka Banner" pitchFamily="2" charset="0"/>
@@ -4667,8 +4445,8 @@
               <a:rPr lang="nl-NL" i="1" dirty="0">
                 <a:solidFill>
                   <a:schemeClr val="tx1">
-                    <a:lumMod val="50000"/>
-                    <a:lumOff val="50000"/>
+                    <a:lumMod val="75000"/>
+                    <a:lumOff val="25000"/>
                   </a:schemeClr>
                 </a:solidFill>
                 <a:latin typeface="Sitka Banner" pitchFamily="2" charset="0"/>
@@ -4679,8 +4457,8 @@
               <a:rPr lang="nl-NL" i="1" dirty="0" err="1">
                 <a:solidFill>
                   <a:schemeClr val="tx1">
-                    <a:lumMod val="50000"/>
-                    <a:lumOff val="50000"/>
+                    <a:lumMod val="75000"/>
+                    <a:lumOff val="25000"/>
                   </a:schemeClr>
                 </a:solidFill>
                 <a:latin typeface="Sitka Banner" pitchFamily="2" charset="0"/>
@@ -4691,8 +4469,8 @@
               <a:rPr lang="nl-NL" i="1" dirty="0">
                 <a:solidFill>
                   <a:schemeClr val="tx1">
-                    <a:lumMod val="50000"/>
-                    <a:lumOff val="50000"/>
+                    <a:lumMod val="75000"/>
+                    <a:lumOff val="25000"/>
                   </a:schemeClr>
                 </a:solidFill>
                 <a:latin typeface="Sitka Banner" pitchFamily="2" charset="0"/>
@@ -4703,8 +4481,8 @@
               <a:rPr lang="nl-NL" i="1" dirty="0" err="1">
                 <a:solidFill>
                   <a:schemeClr val="tx1">
-                    <a:lumMod val="50000"/>
-                    <a:lumOff val="50000"/>
+                    <a:lumMod val="75000"/>
+                    <a:lumOff val="25000"/>
                   </a:schemeClr>
                 </a:solidFill>
                 <a:latin typeface="Sitka Banner" pitchFamily="2" charset="0"/>
@@ -4715,8 +4493,8 @@
               <a:rPr lang="nl-NL" i="1" dirty="0" smtClean="0">
                 <a:solidFill>
                   <a:schemeClr val="tx1">
-                    <a:lumMod val="50000"/>
-                    <a:lumOff val="50000"/>
+                    <a:lumMod val="75000"/>
+                    <a:lumOff val="25000"/>
                   </a:schemeClr>
                 </a:solidFill>
                 <a:latin typeface="Sitka Banner" pitchFamily="2" charset="0"/>
@@ -4726,8 +4504,8 @@
             <a:endParaRPr lang="nl-NL" i="1" dirty="0">
               <a:solidFill>
                 <a:schemeClr val="tx1">
-                  <a:lumMod val="50000"/>
-                  <a:lumOff val="50000"/>
+                  <a:lumMod val="75000"/>
+                  <a:lumOff val="25000"/>
                 </a:schemeClr>
               </a:solidFill>
               <a:latin typeface="Sitka Banner" pitchFamily="2" charset="0"/>
@@ -4738,7 +4516,7 @@
     </p:spTree>
     <p:extLst>
       <p:ext uri="{BB962C8B-B14F-4D97-AF65-F5344CB8AC3E}">
-        <p14:creationId xmlns:p14="http://schemas.microsoft.com/office/powerpoint/2010/main" xmlns="" val="269333384"/>
+        <p14:creationId xmlns:p14="http://schemas.microsoft.com/office/powerpoint/2010/main" val="269333384"/>
       </p:ext>
     </p:extLst>
   </p:cSld>
@@ -4748,10 +4526,17 @@
   <p:transition>
     <p:fade/>
   </p:transition>
+  <p:timing>
+    <p:tnLst>
+      <p:par>
+        <p:cTn id="1" dur="indefinite" restart="never" nodeType="tmRoot"/>
+      </p:par>
+    </p:tnLst>
+  </p:timing>
 </p:sld>
 </file>
 
-<file path=ppt/slides/slide12.xml><?xml version="1.0" encoding="utf-8"?>
+<file path=ppt/slides/slide11.xml><?xml version="1.0" encoding="utf-8"?>
 <p:sld xmlns:a="http://schemas.openxmlformats.org/drawingml/2006/main" xmlns:r="http://schemas.openxmlformats.org/officeDocument/2006/relationships" xmlns:p="http://schemas.openxmlformats.org/presentationml/2006/main">
   <p:cSld>
     <p:spTree>
@@ -4857,7 +4642,7 @@
         <p:spPr>
           <a:xfrm>
             <a:off x="2809280" y="1580599"/>
-            <a:ext cx="3525441" cy="1200329"/>
+            <a:ext cx="3525441" cy="923330"/>
           </a:xfrm>
           <a:prstGeom prst="rect">
             <a:avLst/>
@@ -4874,8 +4659,8 @@
               <a:rPr lang="nl-NL" i="1" dirty="0">
                 <a:solidFill>
                   <a:schemeClr val="tx1">
-                    <a:lumMod val="50000"/>
-                    <a:lumOff val="50000"/>
+                    <a:lumMod val="75000"/>
+                    <a:lumOff val="25000"/>
                   </a:schemeClr>
                 </a:solidFill>
                 <a:latin typeface="Sitka Banner" pitchFamily="2" charset="0"/>
@@ -4886,8 +4671,8 @@
               <a:rPr lang="nl-NL" i="1" dirty="0" err="1">
                 <a:solidFill>
                   <a:schemeClr val="tx1">
-                    <a:lumMod val="50000"/>
-                    <a:lumOff val="50000"/>
+                    <a:lumMod val="75000"/>
+                    <a:lumOff val="25000"/>
                   </a:schemeClr>
                 </a:solidFill>
                 <a:latin typeface="Sitka Banner" pitchFamily="2" charset="0"/>
@@ -4898,8 +4683,8 @@
               <a:rPr lang="nl-NL" i="1" dirty="0">
                 <a:solidFill>
                   <a:schemeClr val="tx1">
-                    <a:lumMod val="50000"/>
-                    <a:lumOff val="50000"/>
+                    <a:lumMod val="75000"/>
+                    <a:lumOff val="25000"/>
                   </a:schemeClr>
                 </a:solidFill>
                 <a:latin typeface="Sitka Banner" pitchFamily="2" charset="0"/>
@@ -4910,8 +4695,8 @@
               <a:rPr lang="nl-NL" i="1" dirty="0" err="1">
                 <a:solidFill>
                   <a:schemeClr val="tx1">
-                    <a:lumMod val="50000"/>
-                    <a:lumOff val="50000"/>
+                    <a:lumMod val="75000"/>
+                    <a:lumOff val="25000"/>
                   </a:schemeClr>
                 </a:solidFill>
                 <a:latin typeface="Sitka Banner" pitchFamily="2" charset="0"/>
@@ -4922,8 +4707,8 @@
               <a:rPr lang="nl-NL" i="1" dirty="0">
                 <a:solidFill>
                   <a:schemeClr val="tx1">
-                    <a:lumMod val="50000"/>
-                    <a:lumOff val="50000"/>
+                    <a:lumMod val="75000"/>
+                    <a:lumOff val="25000"/>
                   </a:schemeClr>
                 </a:solidFill>
                 <a:latin typeface="Sitka Banner" pitchFamily="2" charset="0"/>
@@ -4934,8 +4719,8 @@
               <a:rPr lang="nl-NL" i="1" dirty="0" err="1">
                 <a:solidFill>
                   <a:schemeClr val="tx1">
-                    <a:lumMod val="50000"/>
-                    <a:lumOff val="50000"/>
+                    <a:lumMod val="75000"/>
+                    <a:lumOff val="25000"/>
                   </a:schemeClr>
                 </a:solidFill>
                 <a:latin typeface="Sitka Banner" pitchFamily="2" charset="0"/>
@@ -4946,8 +4731,8 @@
               <a:rPr lang="nl-NL" i="1" dirty="0">
                 <a:solidFill>
                   <a:schemeClr val="tx1">
-                    <a:lumMod val="50000"/>
-                    <a:lumOff val="50000"/>
+                    <a:lumMod val="75000"/>
+                    <a:lumOff val="25000"/>
                   </a:schemeClr>
                 </a:solidFill>
                 <a:latin typeface="Sitka Banner" pitchFamily="2" charset="0"/>
@@ -4958,8 +4743,8 @@
               <a:rPr lang="nl-NL" i="1" dirty="0" err="1">
                 <a:solidFill>
                   <a:schemeClr val="tx1">
-                    <a:lumMod val="50000"/>
-                    <a:lumOff val="50000"/>
+                    <a:lumMod val="75000"/>
+                    <a:lumOff val="25000"/>
                   </a:schemeClr>
                 </a:solidFill>
                 <a:latin typeface="Sitka Banner" pitchFamily="2" charset="0"/>
@@ -4970,8 +4755,8 @@
               <a:rPr lang="nl-NL" i="1" dirty="0">
                 <a:solidFill>
                   <a:schemeClr val="tx1">
-                    <a:lumMod val="50000"/>
-                    <a:lumOff val="50000"/>
+                    <a:lumMod val="75000"/>
+                    <a:lumOff val="25000"/>
                   </a:schemeClr>
                 </a:solidFill>
                 <a:latin typeface="Sitka Banner" pitchFamily="2" charset="0"/>
@@ -4982,8 +4767,8 @@
               <a:rPr lang="nl-NL" i="1" dirty="0" err="1">
                 <a:solidFill>
                   <a:schemeClr val="tx1">
-                    <a:lumMod val="50000"/>
-                    <a:lumOff val="50000"/>
+                    <a:lumMod val="75000"/>
+                    <a:lumOff val="25000"/>
                   </a:schemeClr>
                 </a:solidFill>
                 <a:latin typeface="Sitka Banner" pitchFamily="2" charset="0"/>
@@ -4994,8 +4779,8 @@
               <a:rPr lang="nl-NL" i="1" dirty="0">
                 <a:solidFill>
                   <a:schemeClr val="tx1">
-                    <a:lumMod val="50000"/>
-                    <a:lumOff val="50000"/>
+                    <a:lumMod val="75000"/>
+                    <a:lumOff val="25000"/>
                   </a:schemeClr>
                 </a:solidFill>
                 <a:latin typeface="Sitka Banner" pitchFamily="2" charset="0"/>
@@ -5006,8 +4791,8 @@
               <a:rPr lang="nl-NL" i="1" dirty="0" err="1">
                 <a:solidFill>
                   <a:schemeClr val="tx1">
-                    <a:lumMod val="50000"/>
-                    <a:lumOff val="50000"/>
+                    <a:lumMod val="75000"/>
+                    <a:lumOff val="25000"/>
                   </a:schemeClr>
                 </a:solidFill>
                 <a:latin typeface="Sitka Banner" pitchFamily="2" charset="0"/>
@@ -5018,8 +4803,8 @@
               <a:rPr lang="nl-NL" i="1" dirty="0">
                 <a:solidFill>
                   <a:schemeClr val="tx1">
-                    <a:lumMod val="50000"/>
-                    <a:lumOff val="50000"/>
+                    <a:lumMod val="75000"/>
+                    <a:lumOff val="25000"/>
                   </a:schemeClr>
                 </a:solidFill>
                 <a:latin typeface="Sitka Banner" pitchFamily="2" charset="0"/>
@@ -5030,8 +4815,8 @@
               <a:rPr lang="nl-NL" i="1" dirty="0" err="1">
                 <a:solidFill>
                   <a:schemeClr val="tx1">
-                    <a:lumMod val="50000"/>
-                    <a:lumOff val="50000"/>
+                    <a:lumMod val="75000"/>
+                    <a:lumOff val="25000"/>
                   </a:schemeClr>
                 </a:solidFill>
                 <a:latin typeface="Sitka Banner" pitchFamily="2" charset="0"/>
@@ -5042,8 +4827,8 @@
               <a:rPr lang="nl-NL" i="1" dirty="0">
                 <a:solidFill>
                   <a:schemeClr val="tx1">
-                    <a:lumMod val="50000"/>
-                    <a:lumOff val="50000"/>
+                    <a:lumMod val="75000"/>
+                    <a:lumOff val="25000"/>
                   </a:schemeClr>
                 </a:solidFill>
                 <a:latin typeface="Sitka Banner" pitchFamily="2" charset="0"/>
@@ -5054,8 +4839,8 @@
               <a:rPr lang="nl-NL" i="1" dirty="0" err="1">
                 <a:solidFill>
                   <a:schemeClr val="tx1">
-                    <a:lumMod val="50000"/>
-                    <a:lumOff val="50000"/>
+                    <a:lumMod val="75000"/>
+                    <a:lumOff val="25000"/>
                   </a:schemeClr>
                 </a:solidFill>
                 <a:latin typeface="Sitka Banner" pitchFamily="2" charset="0"/>
@@ -5066,8 +4851,8 @@
               <a:rPr lang="nl-NL" i="1" dirty="0">
                 <a:solidFill>
                   <a:schemeClr val="tx1">
-                    <a:lumMod val="50000"/>
-                    <a:lumOff val="50000"/>
+                    <a:lumMod val="75000"/>
+                    <a:lumOff val="25000"/>
                   </a:schemeClr>
                 </a:solidFill>
                 <a:latin typeface="Sitka Banner" pitchFamily="2" charset="0"/>
@@ -5078,8 +4863,8 @@
               <a:rPr lang="nl-NL" i="1" dirty="0" err="1">
                 <a:solidFill>
                   <a:schemeClr val="tx1">
-                    <a:lumMod val="50000"/>
-                    <a:lumOff val="50000"/>
+                    <a:lumMod val="75000"/>
+                    <a:lumOff val="25000"/>
                   </a:schemeClr>
                 </a:solidFill>
                 <a:latin typeface="Sitka Banner" pitchFamily="2" charset="0"/>
@@ -5090,8 +4875,8 @@
               <a:rPr lang="nl-NL" i="1" dirty="0">
                 <a:solidFill>
                   <a:schemeClr val="tx1">
-                    <a:lumMod val="50000"/>
-                    <a:lumOff val="50000"/>
+                    <a:lumMod val="75000"/>
+                    <a:lumOff val="25000"/>
                   </a:schemeClr>
                 </a:solidFill>
                 <a:latin typeface="Sitka Banner" pitchFamily="2" charset="0"/>
@@ -5102,8 +4887,8 @@
               <a:rPr lang="nl-NL" i="1" dirty="0" err="1">
                 <a:solidFill>
                   <a:schemeClr val="tx1">
-                    <a:lumMod val="50000"/>
-                    <a:lumOff val="50000"/>
+                    <a:lumMod val="75000"/>
+                    <a:lumOff val="25000"/>
                   </a:schemeClr>
                 </a:solidFill>
                 <a:latin typeface="Sitka Banner" pitchFamily="2" charset="0"/>
@@ -5114,8 +4899,8 @@
               <a:rPr lang="nl-NL" i="1" dirty="0">
                 <a:solidFill>
                   <a:schemeClr val="tx1">
-                    <a:lumMod val="50000"/>
-                    <a:lumOff val="50000"/>
+                    <a:lumMod val="75000"/>
+                    <a:lumOff val="25000"/>
                   </a:schemeClr>
                 </a:solidFill>
                 <a:latin typeface="Sitka Banner" pitchFamily="2" charset="0"/>
@@ -5126,8 +4911,8 @@
               <a:rPr lang="nl-NL" i="1" dirty="0" err="1">
                 <a:solidFill>
                   <a:schemeClr val="tx1">
-                    <a:lumMod val="50000"/>
-                    <a:lumOff val="50000"/>
+                    <a:lumMod val="75000"/>
+                    <a:lumOff val="25000"/>
                   </a:schemeClr>
                 </a:solidFill>
                 <a:latin typeface="Sitka Banner" pitchFamily="2" charset="0"/>
@@ -5138,8 +4923,8 @@
               <a:rPr lang="nl-NL" i="1" dirty="0">
                 <a:solidFill>
                   <a:schemeClr val="tx1">
-                    <a:lumMod val="50000"/>
-                    <a:lumOff val="50000"/>
+                    <a:lumMod val="75000"/>
+                    <a:lumOff val="25000"/>
                   </a:schemeClr>
                 </a:solidFill>
                 <a:latin typeface="Sitka Banner" pitchFamily="2" charset="0"/>
@@ -5150,8 +4935,8 @@
               <a:rPr lang="nl-NL" i="1" dirty="0" err="1">
                 <a:solidFill>
                   <a:schemeClr val="tx1">
-                    <a:lumMod val="50000"/>
-                    <a:lumOff val="50000"/>
+                    <a:lumMod val="75000"/>
+                    <a:lumOff val="25000"/>
                   </a:schemeClr>
                 </a:solidFill>
                 <a:latin typeface="Sitka Banner" pitchFamily="2" charset="0"/>
@@ -5162,8 +4947,8 @@
               <a:rPr lang="nl-NL" i="1" dirty="0">
                 <a:solidFill>
                   <a:schemeClr val="tx1">
-                    <a:lumMod val="50000"/>
-                    <a:lumOff val="50000"/>
+                    <a:lumMod val="75000"/>
+                    <a:lumOff val="25000"/>
                   </a:schemeClr>
                 </a:solidFill>
                 <a:latin typeface="Sitka Banner" pitchFamily="2" charset="0"/>
@@ -5174,8 +4959,8 @@
               <a:rPr lang="nl-NL" i="1" dirty="0" err="1">
                 <a:solidFill>
                   <a:schemeClr val="tx1">
-                    <a:lumMod val="50000"/>
-                    <a:lumOff val="50000"/>
+                    <a:lumMod val="75000"/>
+                    <a:lumOff val="25000"/>
                   </a:schemeClr>
                 </a:solidFill>
                 <a:latin typeface="Sitka Banner" pitchFamily="2" charset="0"/>
@@ -5186,8 +4971,8 @@
               <a:rPr lang="nl-NL" i="1" dirty="0">
                 <a:solidFill>
                   <a:schemeClr val="tx1">
-                    <a:lumMod val="50000"/>
-                    <a:lumOff val="50000"/>
+                    <a:lumMod val="75000"/>
+                    <a:lumOff val="25000"/>
                   </a:schemeClr>
                 </a:solidFill>
                 <a:latin typeface="Sitka Banner" pitchFamily="2" charset="0"/>
@@ -5198,8 +4983,8 @@
               <a:rPr lang="nl-NL" i="1" dirty="0" err="1">
                 <a:solidFill>
                   <a:schemeClr val="tx1">
-                    <a:lumMod val="50000"/>
-                    <a:lumOff val="50000"/>
+                    <a:lumMod val="75000"/>
+                    <a:lumOff val="25000"/>
                   </a:schemeClr>
                 </a:solidFill>
                 <a:latin typeface="Sitka Banner" pitchFamily="2" charset="0"/>
@@ -5210,8 +4995,8 @@
               <a:rPr lang="nl-NL" i="1" dirty="0">
                 <a:solidFill>
                   <a:schemeClr val="tx1">
-                    <a:lumMod val="50000"/>
-                    <a:lumOff val="50000"/>
+                    <a:lumMod val="75000"/>
+                    <a:lumOff val="25000"/>
                   </a:schemeClr>
                 </a:solidFill>
                 <a:latin typeface="Sitka Banner" pitchFamily="2" charset="0"/>
@@ -5243,7 +5028,7 @@
             </a:clrChange>
             <a:extLst>
               <a:ext uri="{28A0092B-C50C-407E-A947-70E740481C1C}">
-                <a14:useLocalDpi xmlns:a14="http://schemas.microsoft.com/office/drawing/2010/main" xmlns="" val="0"/>
+                <a14:useLocalDpi xmlns:a14="http://schemas.microsoft.com/office/drawing/2010/main" val="0"/>
               </a:ext>
             </a:extLst>
           </a:blip>
@@ -5264,7 +5049,7 @@
     </p:spTree>
     <p:extLst>
       <p:ext uri="{BB962C8B-B14F-4D97-AF65-F5344CB8AC3E}">
-        <p14:creationId xmlns:p14="http://schemas.microsoft.com/office/powerpoint/2010/main" xmlns="" val="1938140659"/>
+        <p14:creationId xmlns:p14="http://schemas.microsoft.com/office/powerpoint/2010/main" val="1938140659"/>
       </p:ext>
     </p:extLst>
   </p:cSld>
@@ -5274,10 +5059,17 @@
   <p:transition>
     <p:fade/>
   </p:transition>
+  <p:timing>
+    <p:tnLst>
+      <p:par>
+        <p:cTn id="1" dur="indefinite" restart="never" nodeType="tmRoot"/>
+      </p:par>
+    </p:tnLst>
+  </p:timing>
 </p:sld>
 </file>
 
-<file path=ppt/slides/slide13.xml><?xml version="1.0" encoding="utf-8"?>
+<file path=ppt/slides/slide12.xml><?xml version="1.0" encoding="utf-8"?>
 <p:sld xmlns:a="http://schemas.openxmlformats.org/drawingml/2006/main" xmlns:r="http://schemas.openxmlformats.org/officeDocument/2006/relationships" xmlns:p="http://schemas.openxmlformats.org/presentationml/2006/main">
   <p:cSld>
     <p:spTree>
@@ -5396,51 +5188,58 @@
           </a:bodyPr>
           <a:lstStyle/>
           <a:p>
-            <a:pPr marL="0" indent="0">
-              <a:buNone/>
-            </a:pPr>
-            <a:r>
-              <a:rPr lang="nl-BE" sz="2000" dirty="0" smtClean="0">
-                <a:latin typeface="Sitka Banner" pitchFamily="2" charset="0"/>
-              </a:rPr>
-              <a:t>Milestone = apart object</a:t>
+            <a:r>
+              <a:rPr lang="en-US" sz="2000" dirty="0" smtClean="0">
+                <a:latin typeface="Sitka Banner" pitchFamily="2" charset="0"/>
+              </a:rPr>
+              <a:t>Milestone = separate object</a:t>
             </a:r>
             <a:br>
-              <a:rPr lang="nl-BE" sz="2000" dirty="0" smtClean="0">
+              <a:rPr lang="en-US" sz="2000" dirty="0" smtClean="0">
                 <a:latin typeface="Sitka Banner" pitchFamily="2" charset="0"/>
               </a:rPr>
             </a:br>
             <a:r>
-              <a:rPr lang="nl-BE" sz="2000" dirty="0" smtClean="0">
-                <a:latin typeface="Sitka Banner" pitchFamily="2" charset="0"/>
-              </a:rPr>
-              <a:t>Toegewezen aan project, subsystem of bug report (Target milestone)</a:t>
-            </a:r>
-          </a:p>
-          <a:p>
-            <a:pPr marL="0" indent="0">
-              <a:buNone/>
-            </a:pPr>
-            <a:r>
-              <a:rPr lang="nl-BE" sz="2000" dirty="0" smtClean="0">
-                <a:latin typeface="Sitka Banner" pitchFamily="2" charset="0"/>
-              </a:rPr>
-              <a:t>Apart object voor target milestone </a:t>
-            </a:r>
-          </a:p>
-          <a:p>
-            <a:pPr marL="0" indent="0">
-              <a:buNone/>
-            </a:pPr>
-            <a:r>
-              <a:rPr lang="nl-BE" sz="2000" dirty="0" smtClean="0">
+              <a:rPr lang="en-US" sz="2000" dirty="0" smtClean="0">
+                <a:latin typeface="Sitka Banner" pitchFamily="2" charset="0"/>
+              </a:rPr>
+              <a:t>Assigned to a project, subsystem or bug report (Target milestone)</a:t>
+            </a:r>
+          </a:p>
+          <a:p>
+            <a:r>
+              <a:rPr lang="en-US" sz="2000" dirty="0" smtClean="0">
+                <a:latin typeface="Sitka Banner" pitchFamily="2" charset="0"/>
+              </a:rPr>
+              <a:t>Separate class for target milestone</a:t>
+            </a:r>
+            <a:r>
+              <a:rPr lang="en-US" sz="2000" dirty="0" smtClean="0">
+                <a:latin typeface="Sitka Banner" pitchFamily="2" charset="0"/>
+              </a:rPr>
+              <a:t> </a:t>
+            </a:r>
+            <a:br>
+              <a:rPr lang="en-US" sz="2000" dirty="0" smtClean="0">
+                <a:latin typeface="Sitka Banner" pitchFamily="2" charset="0"/>
+              </a:rPr>
+            </a:br>
+            <a:r>
+              <a:rPr lang="en-US" sz="2000" dirty="0" smtClean="0">
                 <a:latin typeface="Sitka Banner" pitchFamily="2" charset="0"/>
                 <a:sym typeface="Wingdings" panose="05000000000000000000" pitchFamily="2" charset="2"/>
               </a:rPr>
-              <a:t> is optioneel, wordt altijd geïnitialiseerd met gegeven milestone (</a:t>
-            </a:r>
-            <a:r>
-              <a:rPr lang="nl-BE" sz="2000" dirty="0" smtClean="0">
+              <a:t> optional</a:t>
+            </a:r>
+            <a:r>
+              <a:rPr lang="en-US" sz="2000" dirty="0" smtClean="0">
+                <a:latin typeface="Sitka Banner" pitchFamily="2" charset="0"/>
+                <a:sym typeface="Wingdings" panose="05000000000000000000" pitchFamily="2" charset="2"/>
+              </a:rPr>
+              <a:t>, always initialized with a specific milestone (</a:t>
+            </a:r>
+            <a:r>
+              <a:rPr lang="en-US" sz="2000" dirty="0" smtClean="0">
                 <a:latin typeface="Sitka Banner" pitchFamily="2" charset="0"/>
                 <a:ea typeface="Cambria Math"/>
                 <a:sym typeface="Wingdings" panose="05000000000000000000" pitchFamily="2" charset="2"/>
@@ -5449,31 +5248,33 @@
             </a:r>
           </a:p>
           <a:p>
-            <a:pPr marL="0" indent="0">
-              <a:buNone/>
-            </a:pPr>
-            <a:r>
-              <a:rPr lang="nl-BE" sz="2000" dirty="0" smtClean="0">
+            <a:r>
+              <a:rPr lang="en-US" sz="2000" dirty="0" smtClean="0">
                 <a:latin typeface="Sitka Banner" pitchFamily="2" charset="0"/>
                 <a:ea typeface="Cambria Math"/>
                 <a:sym typeface="Wingdings" panose="05000000000000000000" pitchFamily="2" charset="2"/>
               </a:rPr>
-              <a:t>Container  nodig voor constraints</a:t>
-            </a:r>
-          </a:p>
-          <a:p>
-            <a:pPr marL="0" indent="0">
-              <a:buNone/>
-            </a:pPr>
-            <a:r>
-              <a:rPr lang="nl-BE" sz="2000" dirty="0" smtClean="0">
+              <a:t>Container  needed </a:t>
+            </a:r>
+            <a:r>
+              <a:rPr lang="en-US" sz="2000" dirty="0" smtClean="0">
                 <a:latin typeface="Sitka Banner" pitchFamily="2" charset="0"/>
                 <a:ea typeface="Cambria Math"/>
                 <a:sym typeface="Wingdings" panose="05000000000000000000" pitchFamily="2" charset="2"/>
               </a:rPr>
-              <a:t>Helper  checken van constraints</a:t>
-            </a:r>
-            <a:endParaRPr lang="nl-BE" sz="2000" dirty="0" smtClean="0">
+              <a:t>for checkers</a:t>
+            </a:r>
+          </a:p>
+          <a:p>
+            <a:r>
+              <a:rPr lang="en-US" sz="2000" dirty="0" smtClean="0">
+                <a:latin typeface="Sitka Banner" pitchFamily="2" charset="0"/>
+                <a:ea typeface="Cambria Math"/>
+                <a:sym typeface="Wingdings" panose="05000000000000000000" pitchFamily="2" charset="2"/>
+              </a:rPr>
+              <a:t>Helper  provides checkers for milestone</a:t>
+            </a:r>
+            <a:endParaRPr lang="en-US" sz="2000" dirty="0" smtClean="0">
               <a:latin typeface="Sitka Banner" pitchFamily="2" charset="0"/>
             </a:endParaRPr>
           </a:p>
@@ -5501,7 +5302,7 @@
             </a:clrChange>
             <a:extLst>
               <a:ext uri="{28A0092B-C50C-407E-A947-70E740481C1C}">
-                <a14:useLocalDpi xmlns:a14="http://schemas.microsoft.com/office/drawing/2010/main" xmlns="" val="0"/>
+                <a14:useLocalDpi xmlns:a14="http://schemas.microsoft.com/office/drawing/2010/main" val="0"/>
               </a:ext>
             </a:extLst>
           </a:blip>
@@ -5521,7 +5322,7 @@
           <a:noFill/>
           <a:extLst>
             <a:ext uri="{909E8E84-426E-40DD-AFC4-6F175D3DCCD1}">
-              <a14:hiddenFill xmlns:a14="http://schemas.microsoft.com/office/drawing/2010/main" xmlns="">
+              <a14:hiddenFill xmlns:a14="http://schemas.microsoft.com/office/drawing/2010/main">
                 <a:solidFill>
                   <a:srgbClr val="FFFFFF"/>
                 </a:solidFill>
@@ -5533,7 +5334,7 @@
     </p:spTree>
     <p:extLst>
       <p:ext uri="{BB962C8B-B14F-4D97-AF65-F5344CB8AC3E}">
-        <p14:creationId xmlns:p14="http://schemas.microsoft.com/office/powerpoint/2010/main" xmlns="" val="378156031"/>
+        <p14:creationId xmlns:p14="http://schemas.microsoft.com/office/powerpoint/2010/main" val="378156031"/>
       </p:ext>
     </p:extLst>
   </p:cSld>
@@ -5543,6 +5344,185 @@
   <p:transition>
     <p:fade/>
   </p:transition>
+  <p:timing>
+    <p:tnLst>
+      <p:par>
+        <p:cTn id="1" dur="indefinite" restart="never" nodeType="tmRoot"/>
+      </p:par>
+    </p:tnLst>
+  </p:timing>
+</p:sld>
+</file>
+
+<file path=ppt/slides/slide13.xml><?xml version="1.0" encoding="utf-8"?>
+<p:sld xmlns:a="http://schemas.openxmlformats.org/drawingml/2006/main" xmlns:r="http://schemas.openxmlformats.org/officeDocument/2006/relationships" xmlns:p="http://schemas.openxmlformats.org/presentationml/2006/main">
+  <p:cSld>
+    <p:spTree>
+      <p:nvGrpSpPr>
+        <p:cNvPr id="1" name=""/>
+        <p:cNvGrpSpPr/>
+        <p:nvPr/>
+      </p:nvGrpSpPr>
+      <p:grpSpPr>
+        <a:xfrm>
+          <a:off x="0" y="0"/>
+          <a:ext cx="0" cy="0"/>
+          <a:chOff x="0" y="0"/>
+          <a:chExt cx="0" cy="0"/>
+        </a:xfrm>
+      </p:grpSpPr>
+      <p:sp>
+        <p:nvSpPr>
+          <p:cNvPr id="2" name="Titel 1"/>
+          <p:cNvSpPr>
+            <a:spLocks noGrp="1"/>
+          </p:cNvSpPr>
+          <p:nvPr>
+            <p:ph type="title"/>
+          </p:nvPr>
+        </p:nvSpPr>
+        <p:spPr/>
+        <p:txBody>
+          <a:bodyPr/>
+          <a:lstStyle/>
+          <a:p>
+            <a:r>
+              <a:rPr lang="nl-BE" sz="3600" cap="small" dirty="0">
+                <a:ln w="18415" cmpd="sng">
+                  <a:solidFill>
+                    <a:schemeClr val="tx1">
+                      <a:alpha val="0"/>
+                    </a:schemeClr>
+                  </a:solidFill>
+                  <a:prstDash val="solid"/>
+                </a:ln>
+                <a:effectLst>
+                  <a:outerShdw blurRad="25400" dir="3600000" algn="tl" rotWithShape="0">
+                    <a:srgbClr val="000000">
+                      <a:alpha val="70000"/>
+                    </a:srgbClr>
+                  </a:outerShdw>
+                </a:effectLst>
+                <a:latin typeface="Sitka Text" pitchFamily="2" charset="0"/>
+              </a:rPr>
+              <a:t>Mailbox</a:t>
+            </a:r>
+            <a:r>
+              <a:rPr lang="nl-BE" dirty="0" smtClean="0"/>
+              <a:t> </a:t>
+            </a:r>
+            <a:r>
+              <a:rPr lang="nl-BE" sz="3600" cap="small" dirty="0" smtClean="0">
+                <a:ln w="18415" cmpd="sng">
+                  <a:solidFill>
+                    <a:schemeClr val="tx1">
+                      <a:alpha val="0"/>
+                    </a:schemeClr>
+                  </a:solidFill>
+                  <a:prstDash val="solid"/>
+                </a:ln>
+                <a:effectLst>
+                  <a:outerShdw blurRad="25400" dir="3600000" algn="tl" rotWithShape="0">
+                    <a:srgbClr val="000000">
+                      <a:alpha val="70000"/>
+                    </a:srgbClr>
+                  </a:outerShdw>
+                </a:effectLst>
+                <a:latin typeface="Sitka Text" pitchFamily="2" charset="0"/>
+              </a:rPr>
+              <a:t>S</a:t>
+            </a:r>
+            <a:r>
+              <a:rPr lang="nl-BE" sz="3600" cap="small" dirty="0" smtClean="0">
+                <a:ln w="18415" cmpd="sng">
+                  <a:solidFill>
+                    <a:schemeClr val="tx1">
+                      <a:alpha val="0"/>
+                    </a:schemeClr>
+                  </a:solidFill>
+                  <a:prstDash val="solid"/>
+                </a:ln>
+                <a:effectLst>
+                  <a:outerShdw blurRad="25400" dir="3600000" algn="tl" rotWithShape="0">
+                    <a:srgbClr val="000000">
+                      <a:alpha val="70000"/>
+                    </a:srgbClr>
+                  </a:outerShdw>
+                </a:effectLst>
+                <a:latin typeface="Sitka Text" pitchFamily="2" charset="0"/>
+              </a:rPr>
+              <a:t>ystem</a:t>
+            </a:r>
+            <a:endParaRPr lang="nl-BE" sz="3600" cap="small" dirty="0">
+              <a:ln w="18415" cmpd="sng">
+                <a:solidFill>
+                  <a:schemeClr val="tx1">
+                    <a:alpha val="0"/>
+                  </a:schemeClr>
+                </a:solidFill>
+                <a:prstDash val="solid"/>
+              </a:ln>
+              <a:effectLst>
+                <a:outerShdw blurRad="25400" dir="3600000" algn="tl" rotWithShape="0">
+                  <a:srgbClr val="000000">
+                    <a:alpha val="70000"/>
+                  </a:srgbClr>
+                </a:outerShdw>
+              </a:effectLst>
+              <a:latin typeface="Sitka Text" pitchFamily="2" charset="0"/>
+            </a:endParaRPr>
+          </a:p>
+        </p:txBody>
+      </p:sp>
+      <p:pic>
+        <p:nvPicPr>
+          <p:cNvPr id="6" name="Content Placeholder 5"/>
+          <p:cNvPicPr>
+            <a:picLocks noGrp="1" noChangeAspect="1"/>
+          </p:cNvPicPr>
+          <p:nvPr>
+            <p:ph idx="1"/>
+          </p:nvPr>
+        </p:nvPicPr>
+        <p:blipFill>
+          <a:blip r:embed="rId2" cstate="print">
+            <a:extLst>
+              <a:ext uri="{28A0092B-C50C-407E-A947-70E740481C1C}">
+                <a14:useLocalDpi xmlns:a14="http://schemas.microsoft.com/office/drawing/2010/main" val="0"/>
+              </a:ext>
+            </a:extLst>
+          </a:blip>
+          <a:stretch>
+            <a:fillRect/>
+          </a:stretch>
+        </p:blipFill>
+        <p:spPr>
+          <a:xfrm>
+            <a:off x="1043608" y="1268760"/>
+            <a:ext cx="6840760" cy="5555696"/>
+          </a:xfrm>
+        </p:spPr>
+      </p:pic>
+    </p:spTree>
+    <p:extLst>
+      <p:ext uri="{BB962C8B-B14F-4D97-AF65-F5344CB8AC3E}">
+        <p14:creationId xmlns:p14="http://schemas.microsoft.com/office/powerpoint/2010/main" val="1319242908"/>
+      </p:ext>
+    </p:extLst>
+  </p:cSld>
+  <p:clrMapOvr>
+    <a:masterClrMapping/>
+  </p:clrMapOvr>
+  <p:transition>
+    <p:fade/>
+  </p:transition>
+  <p:timing>
+    <p:tnLst>
+      <p:par>
+        <p:cTn id="1" dur="indefinite" restart="never" nodeType="tmRoot"/>
+      </p:par>
+    </p:tnLst>
+  </p:timing>
 </p:sld>
 </file>
 
@@ -5575,20 +5555,56 @@
         </p:nvSpPr>
         <p:spPr/>
         <p:txBody>
-          <a:bodyPr/>
+          <a:bodyPr>
+            <a:normAutofit/>
+          </a:bodyPr>
           <a:lstStyle/>
           <a:p>
             <a:r>
-              <a:rPr lang="nl-BE" dirty="0" smtClean="0"/>
-              <a:t>Mailbox system</a:t>
-            </a:r>
-            <a:endParaRPr lang="nl-BE" dirty="0"/>
+              <a:rPr lang="nl-BE" sz="3600" cap="small" dirty="0">
+                <a:ln w="18415" cmpd="sng">
+                  <a:solidFill>
+                    <a:schemeClr val="tx1">
+                      <a:alpha val="0"/>
+                    </a:schemeClr>
+                  </a:solidFill>
+                  <a:prstDash val="solid"/>
+                </a:ln>
+                <a:effectLst>
+                  <a:outerShdw blurRad="25400" dir="3600000" algn="tl" rotWithShape="0">
+                    <a:srgbClr val="000000">
+                      <a:alpha val="70000"/>
+                    </a:srgbClr>
+                  </a:outerShdw>
+                </a:effectLst>
+                <a:latin typeface="Sitka Text" pitchFamily="2" charset="0"/>
+              </a:rPr>
+              <a:t>Undo mechanism</a:t>
+            </a:r>
+            <a:endParaRPr lang="nl-BE" sz="3600" cap="small" dirty="0">
+              <a:ln w="18415" cmpd="sng">
+                <a:solidFill>
+                  <a:schemeClr val="tx1">
+                    <a:alpha val="0"/>
+                  </a:schemeClr>
+                </a:solidFill>
+                <a:prstDash val="solid"/>
+              </a:ln>
+              <a:effectLst>
+                <a:outerShdw blurRad="25400" dir="3600000" algn="tl" rotWithShape="0">
+                  <a:srgbClr val="000000">
+                    <a:alpha val="70000"/>
+                  </a:srgbClr>
+                </a:outerShdw>
+              </a:effectLst>
+              <a:latin typeface="Sitka Text" pitchFamily="2" charset="0"/>
+            </a:endParaRPr>
           </a:p>
         </p:txBody>
       </p:sp>
       <p:pic>
         <p:nvPicPr>
-          <p:cNvPr id="6" name="Content Placeholder 5"/>
+          <p:cNvPr id="4" name="Content Placeholder 3"/>
           <p:cNvPicPr>
             <a:picLocks noGrp="1" noChangeAspect="1"/>
           </p:cNvPicPr>
@@ -5600,7 +5616,7 @@
           <a:blip r:embed="rId2" cstate="print">
             <a:extLst>
               <a:ext uri="{28A0092B-C50C-407E-A947-70E740481C1C}">
-                <a14:useLocalDpi xmlns:a14="http://schemas.microsoft.com/office/drawing/2010/main" xmlns="" val="0"/>
+                <a14:useLocalDpi xmlns:a14="http://schemas.microsoft.com/office/drawing/2010/main" val="0"/>
               </a:ext>
             </a:extLst>
           </a:blip>
@@ -5610,15 +5626,15 @@
         </p:blipFill>
         <p:spPr>
           <a:xfrm>
-            <a:off x="1043608" y="1268760"/>
-            <a:ext cx="6840760" cy="5555696"/>
+            <a:off x="1259632" y="1196752"/>
+            <a:ext cx="6336704" cy="5553417"/>
           </a:xfrm>
         </p:spPr>
       </p:pic>
     </p:spTree>
     <p:extLst>
       <p:ext uri="{BB962C8B-B14F-4D97-AF65-F5344CB8AC3E}">
-        <p14:creationId xmlns:p14="http://schemas.microsoft.com/office/powerpoint/2010/main" xmlns="" val="1319242908"/>
+        <p14:creationId xmlns:p14="http://schemas.microsoft.com/office/powerpoint/2010/main" val="1968202226"/>
       </p:ext>
     </p:extLst>
   </p:cSld>
@@ -5628,6 +5644,13 @@
   <p:transition>
     <p:fade/>
   </p:transition>
+  <p:timing>
+    <p:tnLst>
+      <p:par>
+        <p:cTn id="1" dur="indefinite" restart="never" nodeType="tmRoot"/>
+      </p:par>
+    </p:tnLst>
+  </p:timing>
 </p:sld>
 </file>
 
@@ -5660,50 +5683,181 @@
         </p:nvSpPr>
         <p:spPr/>
         <p:txBody>
-          <a:bodyPr/>
+          <a:bodyPr>
+            <a:normAutofit/>
+          </a:bodyPr>
           <a:lstStyle/>
           <a:p>
             <a:r>
-              <a:rPr lang="nl-BE" dirty="0" smtClean="0"/>
-              <a:t>Undo mechanism</a:t>
-            </a:r>
-            <a:endParaRPr lang="nl-BE" dirty="0"/>
+              <a:rPr lang="nl-BE" sz="3600" cap="small" dirty="0" smtClean="0">
+                <a:ln w="18415" cmpd="sng">
+                  <a:solidFill>
+                    <a:schemeClr val="tx1">
+                      <a:alpha val="0"/>
+                    </a:schemeClr>
+                  </a:solidFill>
+                  <a:prstDash val="solid"/>
+                </a:ln>
+                <a:effectLst>
+                  <a:outerShdw blurRad="25400" dir="3600000" algn="tl" rotWithShape="0">
+                    <a:srgbClr val="000000">
+                      <a:alpha val="70000"/>
+                    </a:srgbClr>
+                  </a:outerShdw>
+                </a:effectLst>
+                <a:latin typeface="Sitka Text" pitchFamily="2" charset="0"/>
+              </a:rPr>
+              <a:t>Extensibility of the system:</a:t>
+            </a:r>
+            <a:endParaRPr lang="nl-BE" sz="3600" cap="small" dirty="0">
+              <a:ln w="18415" cmpd="sng">
+                <a:solidFill>
+                  <a:schemeClr val="tx1">
+                    <a:alpha val="0"/>
+                  </a:schemeClr>
+                </a:solidFill>
+                <a:prstDash val="solid"/>
+              </a:ln>
+              <a:effectLst>
+                <a:outerShdw blurRad="25400" dir="3600000" algn="tl" rotWithShape="0">
+                  <a:srgbClr val="000000">
+                    <a:alpha val="70000"/>
+                  </a:srgbClr>
+                </a:outerShdw>
+              </a:effectLst>
+              <a:latin typeface="Sitka Text" pitchFamily="2" charset="0"/>
+            </a:endParaRPr>
           </a:p>
         </p:txBody>
       </p:sp>
-      <p:pic>
-        <p:nvPicPr>
-          <p:cNvPr id="4" name="Content Placeholder 3"/>
-          <p:cNvPicPr>
-            <a:picLocks noGrp="1" noChangeAspect="1"/>
-          </p:cNvPicPr>
+      <p:sp>
+        <p:nvSpPr>
+          <p:cNvPr id="3" name="Tijdelijke aanduiding voor inhoud 2"/>
+          <p:cNvSpPr>
+            <a:spLocks noGrp="1"/>
+          </p:cNvSpPr>
           <p:nvPr>
             <p:ph idx="1"/>
           </p:nvPr>
-        </p:nvPicPr>
-        <p:blipFill>
-          <a:blip r:embed="rId2" cstate="print">
-            <a:extLst>
-              <a:ext uri="{28A0092B-C50C-407E-A947-70E740481C1C}">
-                <a14:useLocalDpi xmlns:a14="http://schemas.microsoft.com/office/drawing/2010/main" xmlns="" val="0"/>
-              </a:ext>
-            </a:extLst>
-          </a:blip>
-          <a:stretch>
-            <a:fillRect/>
-          </a:stretch>
-        </p:blipFill>
+        </p:nvSpPr>
         <p:spPr>
           <a:xfrm>
-            <a:off x="1259632" y="1196752"/>
-            <a:ext cx="6336704" cy="5553417"/>
+            <a:off x="539552" y="1556792"/>
+            <a:ext cx="8229600" cy="4525963"/>
           </a:xfrm>
         </p:spPr>
-      </p:pic>
+        <p:txBody>
+          <a:bodyPr>
+            <a:normAutofit/>
+          </a:bodyPr>
+          <a:lstStyle/>
+          <a:p>
+            <a:r>
+              <a:rPr lang="en-US" sz="2400" dirty="0" smtClean="0">
+                <a:latin typeface="Sitka Banner" pitchFamily="2" charset="0"/>
+              </a:rPr>
+              <a:t>Adding use cases</a:t>
+            </a:r>
+          </a:p>
+          <a:p>
+            <a:r>
+              <a:rPr lang="en-US" sz="2400" dirty="0" smtClean="0">
+                <a:latin typeface="Sitka Banner" pitchFamily="2" charset="0"/>
+              </a:rPr>
+              <a:t>UI is still completely independent </a:t>
+            </a:r>
+          </a:p>
+          <a:p>
+            <a:r>
+              <a:rPr lang="en-US" sz="2400" dirty="0" smtClean="0">
+                <a:latin typeface="Sitka Banner" pitchFamily="2" charset="0"/>
+              </a:rPr>
+              <a:t>Interface for the </a:t>
+            </a:r>
+            <a:r>
+              <a:rPr lang="en-US" sz="2400" dirty="0" err="1" smtClean="0">
+                <a:latin typeface="Sitka Banner" pitchFamily="2" charset="0"/>
+              </a:rPr>
+              <a:t>Initializer</a:t>
+            </a:r>
+            <a:endParaRPr lang="en-US" sz="2400" dirty="0" smtClean="0">
+              <a:latin typeface="Sitka Banner" pitchFamily="2" charset="0"/>
+            </a:endParaRPr>
+          </a:p>
+          <a:p>
+            <a:r>
+              <a:rPr lang="en-US" sz="2400" dirty="0" smtClean="0">
+                <a:latin typeface="Sitka Banner" pitchFamily="2" charset="0"/>
+              </a:rPr>
+              <a:t>Adding constraints concerning tag</a:t>
+            </a:r>
+          </a:p>
+          <a:p>
+            <a:r>
+              <a:rPr lang="en-US" sz="2400" dirty="0" smtClean="0">
+                <a:latin typeface="Sitka Banner" pitchFamily="2" charset="0"/>
+              </a:rPr>
+              <a:t>Adding new registration types (for mailboxes) = adding new observers</a:t>
+            </a:r>
+          </a:p>
+          <a:p>
+            <a:r>
+              <a:rPr lang="en-US" sz="2400" dirty="0" smtClean="0">
+                <a:latin typeface="Sitka Banner" pitchFamily="2" charset="0"/>
+              </a:rPr>
+              <a:t>Search methods for bug reports</a:t>
+            </a:r>
+          </a:p>
+          <a:p>
+            <a:r>
+              <a:rPr lang="en-US" sz="2400" dirty="0" smtClean="0">
+                <a:latin typeface="Sitka Banner" pitchFamily="2" charset="0"/>
+              </a:rPr>
+              <a:t>Adding new objects that could be undone</a:t>
+            </a:r>
+          </a:p>
+          <a:p>
+            <a:endParaRPr lang="en-US" sz="2400" dirty="0" smtClean="0">
+              <a:latin typeface="Sitka Banner" pitchFamily="2" charset="0"/>
+            </a:endParaRPr>
+          </a:p>
+          <a:p>
+            <a:r>
+              <a:rPr lang="en-US" sz="2400" dirty="0" smtClean="0">
+                <a:latin typeface="Sitka Banner" pitchFamily="2" charset="0"/>
+              </a:rPr>
+              <a:t>Little </a:t>
+            </a:r>
+            <a:r>
+              <a:rPr lang="en-US" sz="2400" dirty="0" smtClean="0">
+                <a:latin typeface="Sitka Banner" pitchFamily="2" charset="0"/>
+              </a:rPr>
+              <a:t>changes were needed to implement </a:t>
+            </a:r>
+            <a:r>
+              <a:rPr lang="en-US" sz="2400" dirty="0" smtClean="0">
+                <a:latin typeface="Sitka Banner" pitchFamily="2" charset="0"/>
+              </a:rPr>
+              <a:t>iteration </a:t>
+            </a:r>
+            <a:r>
+              <a:rPr lang="en-US" sz="2400" dirty="0" smtClean="0">
+                <a:latin typeface="Sitka Banner" pitchFamily="2" charset="0"/>
+              </a:rPr>
+              <a:t>2 -&gt; great extensibility of our code from iteration 1</a:t>
+            </a:r>
+          </a:p>
+          <a:p>
+            <a:endParaRPr lang="en-US" sz="2400" dirty="0">
+              <a:latin typeface="Sitka Banner" pitchFamily="2" charset="0"/>
+            </a:endParaRPr>
+          </a:p>
+        </p:txBody>
+      </p:sp>
     </p:spTree>
     <p:extLst>
       <p:ext uri="{BB962C8B-B14F-4D97-AF65-F5344CB8AC3E}">
-        <p14:creationId xmlns:p14="http://schemas.microsoft.com/office/powerpoint/2010/main" xmlns="" val="1968202226"/>
+        <p14:creationId xmlns:p14="http://schemas.microsoft.com/office/powerpoint/2010/main" val="2444210159"/>
       </p:ext>
     </p:extLst>
   </p:cSld>
@@ -5713,6 +5867,13 @@
   <p:transition>
     <p:fade/>
   </p:transition>
+  <p:timing>
+    <p:tnLst>
+      <p:par>
+        <p:cTn id="1" dur="indefinite" restart="never" nodeType="tmRoot"/>
+      </p:par>
+    </p:tnLst>
+  </p:timing>
 </p:sld>
 </file>
 
@@ -5751,6 +5912,27 @@
           <a:lstStyle/>
           <a:p>
             <a:r>
+              <a:rPr lang="nl-BE" sz="3600" cap="small" dirty="0" err="1" smtClean="0">
+                <a:ln w="18415" cmpd="sng">
+                  <a:solidFill>
+                    <a:schemeClr val="tx1">
+                      <a:alpha val="0"/>
+                    </a:schemeClr>
+                  </a:solidFill>
+                  <a:prstDash val="solid"/>
+                </a:ln>
+                <a:effectLst>
+                  <a:outerShdw blurRad="25400" dir="3600000" algn="tl" rotWithShape="0">
+                    <a:srgbClr val="000000">
+                      <a:alpha val="70000"/>
+                    </a:srgbClr>
+                  </a:outerShdw>
+                </a:effectLst>
+                <a:latin typeface="Sitka Text" pitchFamily="2" charset="0"/>
+              </a:rPr>
+              <a:t>Possible</a:t>
+            </a:r>
+            <a:r>
               <a:rPr lang="nl-BE" sz="3600" cap="small" dirty="0" smtClean="0">
                 <a:ln w="18415" cmpd="sng">
                   <a:solidFill>
@@ -5769,7 +5951,28 @@
                 </a:effectLst>
                 <a:latin typeface="Sitka Text" pitchFamily="2" charset="0"/>
               </a:rPr>
-              <a:t>Extensibility of the system:</a:t>
+              <a:t> </a:t>
+            </a:r>
+            <a:r>
+              <a:rPr lang="nl-BE" sz="3600" cap="small" dirty="0" err="1" smtClean="0">
+                <a:ln w="18415" cmpd="sng">
+                  <a:solidFill>
+                    <a:schemeClr val="tx1">
+                      <a:alpha val="0"/>
+                    </a:schemeClr>
+                  </a:solidFill>
+                  <a:prstDash val="solid"/>
+                </a:ln>
+                <a:effectLst>
+                  <a:outerShdw blurRad="25400" dir="3600000" algn="tl" rotWithShape="0">
+                    <a:srgbClr val="000000">
+                      <a:alpha val="70000"/>
+                    </a:srgbClr>
+                  </a:outerShdw>
+                </a:effectLst>
+                <a:latin typeface="Sitka Text" pitchFamily="2" charset="0"/>
+              </a:rPr>
+              <a:t>improvements</a:t>
             </a:r>
             <a:endParaRPr lang="nl-BE" sz="3600" cap="small" dirty="0">
               <a:ln w="18415" cmpd="sng">
@@ -5804,95 +6007,39 @@
         </p:nvSpPr>
         <p:spPr>
           <a:xfrm>
-            <a:off x="539552" y="1556792"/>
+            <a:off x="518864" y="1600200"/>
             <a:ext cx="8229600" cy="4525963"/>
           </a:xfrm>
         </p:spPr>
         <p:txBody>
           <a:bodyPr>
-            <a:normAutofit lnSpcReduction="10000"/>
+            <a:normAutofit/>
           </a:bodyPr>
           <a:lstStyle/>
           <a:p>
             <a:r>
-              <a:rPr lang="en-US" sz="2400" dirty="0" smtClean="0">
-                <a:latin typeface="Sitka Banner" pitchFamily="2" charset="0"/>
-              </a:rPr>
-              <a:t>Adding use cases</a:t>
-            </a:r>
-          </a:p>
-          <a:p>
-            <a:r>
-              <a:rPr lang="en-US" sz="2400" dirty="0" smtClean="0">
-                <a:latin typeface="Sitka Banner" pitchFamily="2" charset="0"/>
-              </a:rPr>
-              <a:t>UI is still completely independent </a:t>
-            </a:r>
-          </a:p>
-          <a:p>
-            <a:r>
-              <a:rPr lang="en-US" sz="2400" dirty="0" smtClean="0">
-                <a:latin typeface="Sitka Banner" pitchFamily="2" charset="0"/>
-              </a:rPr>
-              <a:t>Interface for the </a:t>
-            </a:r>
-            <a:r>
-              <a:rPr lang="en-US" sz="2400" dirty="0" err="1" smtClean="0">
-                <a:latin typeface="Sitka Banner" pitchFamily="2" charset="0"/>
-              </a:rPr>
-              <a:t>Initializer</a:t>
-            </a:r>
-            <a:endParaRPr lang="en-US" sz="2400" dirty="0" smtClean="0">
+              <a:rPr lang="nl-BE" sz="2400" dirty="0" smtClean="0">
+                <a:latin typeface="Sitka Banner" pitchFamily="2" charset="0"/>
+              </a:rPr>
+              <a:t>Mailbox creates Observers, could be a task of the MailboxService</a:t>
+            </a:r>
+            <a:endParaRPr lang="nl-BE" sz="2000" dirty="0" smtClean="0">
               <a:latin typeface="Sitka Banner" pitchFamily="2" charset="0"/>
             </a:endParaRPr>
           </a:p>
           <a:p>
-            <a:r>
-              <a:rPr lang="en-US" sz="2400" dirty="0" smtClean="0">
-                <a:latin typeface="Sitka Banner" pitchFamily="2" charset="0"/>
-              </a:rPr>
-              <a:t>Adding constraints concerning tag</a:t>
-            </a:r>
-          </a:p>
-          <a:p>
-            <a:r>
-              <a:rPr lang="en-US" sz="2400" dirty="0" smtClean="0">
-                <a:latin typeface="Sitka Banner" pitchFamily="2" charset="0"/>
-              </a:rPr>
-              <a:t>Adding new registration types (for mailboxes) = adding new observers</a:t>
-            </a:r>
-          </a:p>
-          <a:p>
-            <a:r>
-              <a:rPr lang="en-US" sz="2400" dirty="0" smtClean="0">
-                <a:latin typeface="Sitka Banner" pitchFamily="2" charset="0"/>
-              </a:rPr>
-              <a:t>Search methods for bug reports</a:t>
-            </a:r>
-          </a:p>
-          <a:p>
-            <a:r>
-              <a:rPr lang="en-US" sz="2400" dirty="0" smtClean="0">
-                <a:latin typeface="Sitka Banner" pitchFamily="2" charset="0"/>
-              </a:rPr>
-              <a:t>Adding new objects that could be undone</a:t>
-            </a:r>
-          </a:p>
-          <a:p>
-            <a:endParaRPr lang="en-US" sz="2400" dirty="0" smtClean="0">
+            <a:endParaRPr lang="nl-BE" sz="2400" dirty="0">
               <a:latin typeface="Sitka Banner" pitchFamily="2" charset="0"/>
             </a:endParaRPr>
           </a:p>
           <a:p>
             <a:r>
-              <a:rPr lang="en-US" sz="2400" dirty="0" smtClean="0">
-                <a:latin typeface="Sitka Banner" pitchFamily="2" charset="0"/>
-              </a:rPr>
-              <a:t>It was easy to implement the changes from iteration 2 -&gt; great extensibility of our code from iteration 1</a:t>
-            </a:r>
-          </a:p>
-          <a:p>
-            <a:endParaRPr lang="en-US" sz="2400" dirty="0">
+              <a:rPr lang="nl-BE" sz="2400" dirty="0" smtClean="0">
+                <a:latin typeface="Sitka Banner" pitchFamily="2" charset="0"/>
+              </a:rPr>
+              <a:t>Milestone: improvements in the code and structure</a:t>
+            </a:r>
+            <a:endParaRPr lang="nl-BE" sz="2000" dirty="0" smtClean="0">
               <a:latin typeface="Sitka Banner" pitchFamily="2" charset="0"/>
             </a:endParaRPr>
           </a:p>
@@ -5901,7 +6048,7 @@
     </p:spTree>
     <p:extLst>
       <p:ext uri="{BB962C8B-B14F-4D97-AF65-F5344CB8AC3E}">
-        <p14:creationId xmlns:p14="http://schemas.microsoft.com/office/powerpoint/2010/main" xmlns="" val="2444210159"/>
+        <p14:creationId xmlns:p14="http://schemas.microsoft.com/office/powerpoint/2010/main" val="674970378"/>
       </p:ext>
     </p:extLst>
   </p:cSld>
@@ -5956,27 +6103,6 @@
           <a:lstStyle/>
           <a:p>
             <a:r>
-              <a:rPr lang="nl-BE" sz="3600" cap="small" dirty="0" err="1" smtClean="0">
-                <a:ln w="18415" cmpd="sng">
-                  <a:solidFill>
-                    <a:schemeClr val="tx1">
-                      <a:alpha val="0"/>
-                    </a:schemeClr>
-                  </a:solidFill>
-                  <a:prstDash val="solid"/>
-                </a:ln>
-                <a:effectLst>
-                  <a:outerShdw blurRad="25400" dir="3600000" algn="tl" rotWithShape="0">
-                    <a:srgbClr val="000000">
-                      <a:alpha val="70000"/>
-                    </a:srgbClr>
-                  </a:outerShdw>
-                </a:effectLst>
-                <a:latin typeface="Sitka Text" pitchFamily="2" charset="0"/>
-              </a:rPr>
-              <a:t>Possible</a:t>
-            </a:r>
-            <a:r>
               <a:rPr lang="nl-BE" sz="3600" cap="small" dirty="0" smtClean="0">
                 <a:ln w="18415" cmpd="sng">
                   <a:solidFill>
@@ -5995,28 +6121,7 @@
                 </a:effectLst>
                 <a:latin typeface="Sitka Text" pitchFamily="2" charset="0"/>
               </a:rPr>
-              <a:t> </a:t>
-            </a:r>
-            <a:r>
-              <a:rPr lang="nl-BE" sz="3600" cap="small" dirty="0" err="1" smtClean="0">
-                <a:ln w="18415" cmpd="sng">
-                  <a:solidFill>
-                    <a:schemeClr val="tx1">
-                      <a:alpha val="0"/>
-                    </a:schemeClr>
-                  </a:solidFill>
-                  <a:prstDash val="solid"/>
-                </a:ln>
-                <a:effectLst>
-                  <a:outerShdw blurRad="25400" dir="3600000" algn="tl" rotWithShape="0">
-                    <a:srgbClr val="000000">
-                      <a:alpha val="70000"/>
-                    </a:srgbClr>
-                  </a:outerShdw>
-                </a:effectLst>
-                <a:latin typeface="Sitka Text" pitchFamily="2" charset="0"/>
-              </a:rPr>
-              <a:t>improvements</a:t>
+              <a:t>Testing approach</a:t>
             </a:r>
             <a:endParaRPr lang="nl-BE" sz="3600" cap="small" dirty="0">
               <a:ln w="18415" cmpd="sng">
@@ -6039,60 +6144,39 @@
           </a:p>
         </p:txBody>
       </p:sp>
-      <p:sp>
-        <p:nvSpPr>
-          <p:cNvPr id="3" name="Tijdelijke aanduiding voor inhoud 2"/>
-          <p:cNvSpPr>
-            <a:spLocks noGrp="1"/>
-          </p:cNvSpPr>
+      <p:pic>
+        <p:nvPicPr>
+          <p:cNvPr id="7" name="Content Placeholder 6"/>
+          <p:cNvPicPr>
+            <a:picLocks noGrp="1" noChangeAspect="1"/>
+          </p:cNvPicPr>
           <p:nvPr>
             <p:ph idx="1"/>
           </p:nvPr>
-        </p:nvSpPr>
+        </p:nvPicPr>
+        <p:blipFill>
+          <a:blip r:embed="rId2" cstate="print">
+            <a:extLst>
+              <a:ext uri="{28A0092B-C50C-407E-A947-70E740481C1C}">
+                <a14:useLocalDpi xmlns:a14="http://schemas.microsoft.com/office/drawing/2010/main" val="0"/>
+              </a:ext>
+            </a:extLst>
+          </a:blip>
+          <a:stretch>
+            <a:fillRect/>
+          </a:stretch>
+        </p:blipFill>
         <p:spPr>
           <a:xfrm>
-            <a:off x="518864" y="1600200"/>
-            <a:ext cx="8229600" cy="4525963"/>
+            <a:off x="324176" y="1484784"/>
+            <a:ext cx="8495647" cy="4896544"/>
           </a:xfrm>
         </p:spPr>
-        <p:txBody>
-          <a:bodyPr>
-            <a:normAutofit/>
-          </a:bodyPr>
-          <a:lstStyle/>
-          <a:p>
-            <a:r>
-              <a:rPr lang="nl-BE" sz="2400" dirty="0" smtClean="0">
-                <a:latin typeface="Sitka Banner" pitchFamily="2" charset="0"/>
-              </a:rPr>
-              <a:t>Mailbox creates Observers, could be a task of the MailboxService</a:t>
-            </a:r>
-            <a:endParaRPr lang="nl-BE" sz="2000" dirty="0" smtClean="0">
-              <a:latin typeface="Sitka Banner" pitchFamily="2" charset="0"/>
-            </a:endParaRPr>
-          </a:p>
-          <a:p>
-            <a:endParaRPr lang="nl-BE" sz="2400" dirty="0">
-              <a:latin typeface="Sitka Banner" pitchFamily="2" charset="0"/>
-            </a:endParaRPr>
-          </a:p>
-          <a:p>
-            <a:r>
-              <a:rPr lang="nl-BE" sz="2400" dirty="0" smtClean="0">
-                <a:latin typeface="Sitka Banner" pitchFamily="2" charset="0"/>
-              </a:rPr>
-              <a:t>Milestone: improvements in the code and structure</a:t>
-            </a:r>
-            <a:endParaRPr lang="nl-BE" sz="2000" dirty="0" smtClean="0">
-              <a:latin typeface="Sitka Banner" pitchFamily="2" charset="0"/>
-            </a:endParaRPr>
-          </a:p>
-        </p:txBody>
-      </p:sp>
+      </p:pic>
     </p:spTree>
     <p:extLst>
       <p:ext uri="{BB962C8B-B14F-4D97-AF65-F5344CB8AC3E}">
-        <p14:creationId xmlns:p14="http://schemas.microsoft.com/office/powerpoint/2010/main" xmlns="" val="674970378"/>
+        <p14:creationId xmlns:p14="http://schemas.microsoft.com/office/powerpoint/2010/main" val="3176464878"/>
       </p:ext>
     </p:extLst>
   </p:cSld>
@@ -6147,27 +6231,6 @@
           <a:lstStyle/>
           <a:p>
             <a:r>
-              <a:rPr lang="nl-BE" sz="3600" cap="small" dirty="0" err="1" smtClean="0">
-                <a:ln w="18415" cmpd="sng">
-                  <a:solidFill>
-                    <a:schemeClr val="tx1">
-                      <a:alpha val="0"/>
-                    </a:schemeClr>
-                  </a:solidFill>
-                  <a:prstDash val="solid"/>
-                </a:ln>
-                <a:effectLst>
-                  <a:outerShdw blurRad="25400" dir="3600000" algn="tl" rotWithShape="0">
-                    <a:srgbClr val="000000">
-                      <a:alpha val="70000"/>
-                    </a:srgbClr>
-                  </a:outerShdw>
-                </a:effectLst>
-                <a:latin typeface="Sitka Text" pitchFamily="2" charset="0"/>
-              </a:rPr>
-              <a:t>Testing</a:t>
-            </a:r>
-            <a:r>
               <a:rPr lang="nl-BE" sz="3600" cap="small" dirty="0" smtClean="0">
                 <a:ln w="18415" cmpd="sng">
                   <a:solidFill>
@@ -6186,7 +6249,7 @@
                 </a:effectLst>
                 <a:latin typeface="Sitka Text" pitchFamily="2" charset="0"/>
               </a:rPr>
-              <a:t> approach</a:t>
+              <a:t>Vragen?</a:t>
             </a:r>
             <a:endParaRPr lang="nl-BE" sz="3600" cap="small" dirty="0">
               <a:ln w="18415" cmpd="sng">
@@ -6209,55 +6272,80 @@
           </a:p>
         </p:txBody>
       </p:sp>
-      <p:sp>
-        <p:nvSpPr>
-          <p:cNvPr id="3" name="Tijdelijke aanduiding voor inhoud 2"/>
-          <p:cNvSpPr>
-            <a:spLocks noGrp="1"/>
-          </p:cNvSpPr>
-          <p:nvPr>
-            <p:ph idx="1"/>
-          </p:nvPr>
-        </p:nvSpPr>
-        <p:spPr/>
-        <p:txBody>
-          <a:bodyPr>
-            <a:normAutofit/>
-          </a:bodyPr>
-          <a:lstStyle/>
-          <a:p>
-            <a:pPr marL="0" indent="0">
-              <a:buNone/>
-            </a:pPr>
-            <a:r>
-              <a:rPr lang="nl-BE" sz="2800" b="1" cap="small" dirty="0" smtClean="0">
-                <a:latin typeface="Sitka Display" pitchFamily="2" charset="0"/>
-              </a:rPr>
-              <a:t>Geef </a:t>
-            </a:r>
-            <a:r>
-              <a:rPr lang="nl-BE" sz="2800" b="1" cap="small" dirty="0" err="1" smtClean="0">
-                <a:latin typeface="Sitka Display" pitchFamily="2" charset="0"/>
-              </a:rPr>
-              <a:t>coverage</a:t>
-            </a:r>
-            <a:r>
-              <a:rPr lang="nl-BE" sz="2800" b="1" cap="small" dirty="0" smtClean="0">
-                <a:latin typeface="Sitka Display" pitchFamily="2" charset="0"/>
-              </a:rPr>
-              <a:t> + korte samenvatting van werkwijze in iteratie 1</a:t>
-            </a:r>
-            <a:endParaRPr lang="nl-BE" sz="2400" dirty="0">
-              <a:latin typeface="Sitka Display" pitchFamily="2" charset="0"/>
-              <a:sym typeface="Wingdings" panose="05000000000000000000" pitchFamily="2" charset="2"/>
-            </a:endParaRPr>
-          </a:p>
-        </p:txBody>
-      </p:sp>
+      <p:pic>
+        <p:nvPicPr>
+          <p:cNvPr id="1026" name="Picture 2" descr="C:\Users\Laurens\Documents\IntelliJ Projects\SWOP2016\Presentaties\Iteratie 2\what.jpg"/>
+          <p:cNvPicPr>
+            <a:picLocks noChangeAspect="1" noChangeArrowheads="1"/>
+          </p:cNvPicPr>
+          <p:nvPr/>
+        </p:nvPicPr>
+        <p:blipFill>
+          <a:blip r:embed="rId2">
+            <a:extLst>
+              <a:ext uri="{28A0092B-C50C-407E-A947-70E740481C1C}">
+                <a14:useLocalDpi xmlns:a14="http://schemas.microsoft.com/office/drawing/2010/main" val="0"/>
+              </a:ext>
+            </a:extLst>
+          </a:blip>
+          <a:srcRect/>
+          <a:stretch>
+            <a:fillRect/>
+          </a:stretch>
+        </p:blipFill>
+        <p:spPr bwMode="auto">
+          <a:xfrm>
+            <a:off x="2876550" y="1628800"/>
+            <a:ext cx="3390900" cy="4324350"/>
+          </a:xfrm>
+          <a:prstGeom prst="rect">
+            <a:avLst/>
+          </a:prstGeom>
+          <a:solidFill>
+            <a:srgbClr val="FFFFFF">
+              <a:shade val="85000"/>
+            </a:srgbClr>
+          </a:solidFill>
+          <a:ln w="88900" cap="sq">
+            <a:solidFill>
+              <a:srgbClr val="FFFFFF"/>
+            </a:solidFill>
+            <a:miter lim="800000"/>
+          </a:ln>
+          <a:effectLst>
+            <a:outerShdw blurRad="55000" dist="18000" dir="5400000" algn="tl" rotWithShape="0">
+              <a:srgbClr val="000000">
+                <a:alpha val="40000"/>
+              </a:srgbClr>
+            </a:outerShdw>
+          </a:effectLst>
+          <a:scene3d>
+            <a:camera prst="orthographicFront"/>
+            <a:lightRig rig="twoPt" dir="t">
+              <a:rot lat="0" lon="0" rev="7200000"/>
+            </a:lightRig>
+          </a:scene3d>
+          <a:sp3d>
+            <a:bevelT w="25400" h="19050"/>
+            <a:contourClr>
+              <a:srgbClr val="FFFFFF"/>
+            </a:contourClr>
+          </a:sp3d>
+          <a:extLst>
+            <a:ext uri="{909E8E84-426E-40DD-AFC4-6F175D3DCCD1}">
+              <a14:hiddenFill xmlns:a14="http://schemas.microsoft.com/office/drawing/2010/main">
+                <a:solidFill>
+                  <a:srgbClr val="FFFFFF"/>
+                </a:solidFill>
+              </a14:hiddenFill>
+            </a:ext>
+          </a:extLst>
+        </p:spPr>
+      </p:pic>
     </p:spTree>
     <p:extLst>
       <p:ext uri="{BB962C8B-B14F-4D97-AF65-F5344CB8AC3E}">
-        <p14:creationId xmlns:p14="http://schemas.microsoft.com/office/powerpoint/2010/main" xmlns="" val="996989477"/>
+        <p14:creationId xmlns:p14="http://schemas.microsoft.com/office/powerpoint/2010/main" val="3405605565"/>
       </p:ext>
     </p:extLst>
   </p:cSld>
@@ -6280,6 +6368,14 @@
 <file path=ppt/slides/slide19.xml><?xml version="1.0" encoding="utf-8"?>
 <p:sld xmlns:a="http://schemas.openxmlformats.org/drawingml/2006/main" xmlns:r="http://schemas.openxmlformats.org/officeDocument/2006/relationships" xmlns:p="http://schemas.openxmlformats.org/presentationml/2006/main">
   <p:cSld>
+    <p:bg>
+      <p:bgPr>
+        <a:solidFill>
+          <a:schemeClr val="tx1"/>
+        </a:solidFill>
+        <a:effectLst/>
+      </p:bgPr>
+    </p:bg>
     <p:spTree>
       <p:nvGrpSpPr>
         <p:cNvPr id="1" name=""/>
@@ -6306,86 +6402,36 @@
         </p:nvSpPr>
         <p:spPr/>
         <p:txBody>
-          <a:bodyPr>
-            <a:normAutofit/>
-          </a:bodyPr>
+          <a:bodyPr/>
           <a:lstStyle/>
           <a:p>
-            <a:r>
-              <a:rPr lang="nl-BE" sz="3600" cap="small" dirty="0" smtClean="0">
-                <a:ln w="18415" cmpd="sng">
-                  <a:solidFill>
-                    <a:schemeClr val="tx1">
-                      <a:alpha val="0"/>
-                    </a:schemeClr>
-                  </a:solidFill>
-                  <a:prstDash val="solid"/>
-                </a:ln>
-                <a:effectLst>
-                  <a:outerShdw blurRad="25400" dir="3600000" algn="tl" rotWithShape="0">
-                    <a:srgbClr val="000000">
-                      <a:alpha val="70000"/>
-                    </a:srgbClr>
-                  </a:outerShdw>
-                </a:effectLst>
-                <a:latin typeface="Sitka Text" pitchFamily="2" charset="0"/>
-              </a:rPr>
-              <a:t>Testing approach</a:t>
-            </a:r>
-            <a:endParaRPr lang="nl-BE" sz="3600" cap="small" dirty="0">
-              <a:ln w="18415" cmpd="sng">
-                <a:solidFill>
-                  <a:schemeClr val="tx1">
-                    <a:alpha val="0"/>
-                  </a:schemeClr>
-                </a:solidFill>
-                <a:prstDash val="solid"/>
-              </a:ln>
-              <a:effectLst>
-                <a:outerShdw blurRad="25400" dir="3600000" algn="tl" rotWithShape="0">
-                  <a:srgbClr val="000000">
-                    <a:alpha val="70000"/>
-                  </a:srgbClr>
-                </a:outerShdw>
-              </a:effectLst>
-              <a:latin typeface="Sitka Text" pitchFamily="2" charset="0"/>
-            </a:endParaRPr>
+            <a:endParaRPr lang="nl-BE"/>
           </a:p>
         </p:txBody>
       </p:sp>
-      <p:pic>
-        <p:nvPicPr>
-          <p:cNvPr id="7" name="Content Placeholder 6"/>
-          <p:cNvPicPr>
-            <a:picLocks noGrp="1" noChangeAspect="1"/>
-          </p:cNvPicPr>
+      <p:sp>
+        <p:nvSpPr>
+          <p:cNvPr id="3" name="Tijdelijke aanduiding voor inhoud 2"/>
+          <p:cNvSpPr>
+            <a:spLocks noGrp="1"/>
+          </p:cNvSpPr>
           <p:nvPr>
             <p:ph idx="1"/>
           </p:nvPr>
-        </p:nvPicPr>
-        <p:blipFill>
-          <a:blip r:embed="rId2" cstate="print">
-            <a:extLst>
-              <a:ext uri="{28A0092B-C50C-407E-A947-70E740481C1C}">
-                <a14:useLocalDpi xmlns:a14="http://schemas.microsoft.com/office/drawing/2010/main" xmlns="" val="0"/>
-              </a:ext>
-            </a:extLst>
-          </a:blip>
-          <a:stretch>
-            <a:fillRect/>
-          </a:stretch>
-        </p:blipFill>
-        <p:spPr>
-          <a:xfrm>
-            <a:off x="324176" y="1484784"/>
-            <a:ext cx="8495647" cy="4896544"/>
-          </a:xfrm>
-        </p:spPr>
-      </p:pic>
+        </p:nvSpPr>
+        <p:spPr/>
+        <p:txBody>
+          <a:bodyPr/>
+          <a:lstStyle/>
+          <a:p>
+            <a:endParaRPr lang="nl-BE"/>
+          </a:p>
+        </p:txBody>
+      </p:sp>
     </p:spTree>
     <p:extLst>
       <p:ext uri="{BB962C8B-B14F-4D97-AF65-F5344CB8AC3E}">
-        <p14:creationId xmlns:p14="http://schemas.microsoft.com/office/powerpoint/2010/main" xmlns="" val="3176464878"/>
+        <p14:creationId xmlns:p14="http://schemas.microsoft.com/office/powerpoint/2010/main" val="4291228295"/>
       </p:ext>
     </p:extLst>
   </p:cSld>
@@ -6508,7 +6554,7 @@
             </a:clrChange>
             <a:extLst>
               <a:ext uri="{28A0092B-C50C-407E-A947-70E740481C1C}">
-                <a14:useLocalDpi xmlns:a14="http://schemas.microsoft.com/office/drawing/2010/main" xmlns="" val="0"/>
+                <a14:useLocalDpi xmlns:a14="http://schemas.microsoft.com/office/drawing/2010/main" val="0"/>
               </a:ext>
             </a:extLst>
           </a:blip>
@@ -6528,7 +6574,7 @@
           <a:noFill/>
           <a:extLst>
             <a:ext uri="{909E8E84-426E-40DD-AFC4-6F175D3DCCD1}">
-              <a14:hiddenFill xmlns:a14="http://schemas.microsoft.com/office/drawing/2010/main" xmlns="">
+              <a14:hiddenFill xmlns:a14="http://schemas.microsoft.com/office/drawing/2010/main">
                 <a:solidFill>
                   <a:srgbClr val="FFFFFF"/>
                 </a:solidFill>
@@ -6540,7 +6586,7 @@
     </p:spTree>
     <p:extLst>
       <p:ext uri="{BB962C8B-B14F-4D97-AF65-F5344CB8AC3E}">
-        <p14:creationId xmlns:p14="http://schemas.microsoft.com/office/powerpoint/2010/main" xmlns="" val="597274065"/>
+        <p14:creationId xmlns:p14="http://schemas.microsoft.com/office/powerpoint/2010/main" val="597274065"/>
       </p:ext>
     </p:extLst>
   </p:cSld>
@@ -6550,6 +6596,13 @@
   <p:transition>
     <p:fade/>
   </p:transition>
+  <p:timing>
+    <p:tnLst>
+      <p:par>
+        <p:cTn id="1" dur="indefinite" restart="never" nodeType="tmRoot"/>
+      </p:par>
+    </p:tnLst>
+  </p:timing>
 </p:sld>
 </file>
 
@@ -6606,7 +6659,49 @@
                 </a:effectLst>
                 <a:latin typeface="Sitka Text" pitchFamily="2" charset="0"/>
               </a:rPr>
-              <a:t>Vragen?</a:t>
+              <a:t>Project </a:t>
+            </a:r>
+            <a:r>
+              <a:rPr lang="nl-BE" sz="3600" cap="small" dirty="0">
+                <a:ln w="18415" cmpd="sng">
+                  <a:solidFill>
+                    <a:schemeClr val="tx1">
+                      <a:alpha val="0"/>
+                    </a:schemeClr>
+                  </a:solidFill>
+                  <a:prstDash val="solid"/>
+                </a:ln>
+                <a:effectLst>
+                  <a:outerShdw blurRad="25400" dir="3600000" algn="tl" rotWithShape="0">
+                    <a:srgbClr val="000000">
+                      <a:alpha val="70000"/>
+                    </a:srgbClr>
+                  </a:outerShdw>
+                </a:effectLst>
+                <a:latin typeface="Sitka Text" pitchFamily="2" charset="0"/>
+              </a:rPr>
+              <a:t>M</a:t>
+            </a:r>
+            <a:r>
+              <a:rPr lang="nl-BE" sz="3600" cap="small" dirty="0" smtClean="0">
+                <a:ln w="18415" cmpd="sng">
+                  <a:solidFill>
+                    <a:schemeClr val="tx1">
+                      <a:alpha val="0"/>
+                    </a:schemeClr>
+                  </a:solidFill>
+                  <a:prstDash val="solid"/>
+                </a:ln>
+                <a:effectLst>
+                  <a:outerShdw blurRad="25400" dir="3600000" algn="tl" rotWithShape="0">
+                    <a:srgbClr val="000000">
+                      <a:alpha val="70000"/>
+                    </a:srgbClr>
+                  </a:outerShdw>
+                </a:effectLst>
+                <a:latin typeface="Sitka Text" pitchFamily="2" charset="0"/>
+              </a:rPr>
+              <a:t>anagement</a:t>
             </a:r>
             <a:endParaRPr lang="nl-BE" sz="3600" cap="small" dirty="0">
               <a:ln w="18415" cmpd="sng">
@@ -6629,49 +6724,707 @@
           </a:p>
         </p:txBody>
       </p:sp>
-      <p:pic>
-        <p:nvPicPr>
-          <p:cNvPr id="2051" name="Picture 3" descr="C:\Users\Laurens\Desktop\Dumper\wut.jpg"/>
-          <p:cNvPicPr>
-            <a:picLocks noChangeAspect="1" noChangeArrowheads="1"/>
-          </p:cNvPicPr>
-          <p:nvPr/>
-        </p:nvPicPr>
-        <p:blipFill rotWithShape="1">
-          <a:blip r:embed="rId2" cstate="print">
-            <a:extLst>
-              <a:ext uri="{28A0092B-C50C-407E-A947-70E740481C1C}">
-                <a14:useLocalDpi xmlns:a14="http://schemas.microsoft.com/office/drawing/2010/main" xmlns="" val="0"/>
-              </a:ext>
-            </a:extLst>
-          </a:blip>
-          <a:srcRect t="22771" r="1125" b="22800"/>
-          <a:stretch/>
-        </p:blipFill>
-        <p:spPr bwMode="auto">
-          <a:xfrm>
-            <a:off x="1597733" y="2420888"/>
-            <a:ext cx="5948535" cy="2455912"/>
-          </a:xfrm>
-          <a:prstGeom prst="rect">
-            <a:avLst/>
-          </a:prstGeom>
-          <a:noFill/>
-          <a:extLst>
-            <a:ext uri="{909E8E84-426E-40DD-AFC4-6F175D3DCCD1}">
-              <a14:hiddenFill xmlns:a14="http://schemas.microsoft.com/office/drawing/2010/main" xmlns="">
-                <a:solidFill>
-                  <a:srgbClr val="FFFFFF"/>
-                </a:solidFill>
-              </a14:hiddenFill>
-            </a:ext>
-          </a:extLst>
-        </p:spPr>
-      </p:pic>
+      <p:sp>
+        <p:nvSpPr>
+          <p:cNvPr id="3" name="Tijdelijke aanduiding voor inhoud 2"/>
+          <p:cNvSpPr>
+            <a:spLocks noGrp="1"/>
+          </p:cNvSpPr>
+          <p:nvPr>
+            <p:ph idx="1"/>
+          </p:nvPr>
+        </p:nvSpPr>
+        <p:spPr/>
+        <p:txBody>
+          <a:bodyPr>
+            <a:normAutofit/>
+          </a:bodyPr>
+          <a:lstStyle/>
+          <a:p>
+            <a:pPr marL="0" indent="0">
+              <a:buNone/>
+            </a:pPr>
+            <a:r>
+              <a:rPr lang="nl-BE" sz="2700" b="1" cap="small" dirty="0" smtClean="0">
+                <a:latin typeface="Sitka Display" pitchFamily="2" charset="0"/>
+              </a:rPr>
+              <a:t>Karina </a:t>
+            </a:r>
+            <a:r>
+              <a:rPr lang="nl-BE" sz="2700" b="1" cap="small" dirty="0" err="1" smtClean="0">
+                <a:latin typeface="Sitka Display" pitchFamily="2" charset="0"/>
+              </a:rPr>
+              <a:t>Karapetyan</a:t>
+            </a:r>
+            <a:endParaRPr lang="nl-BE" sz="2700" b="1" cap="small" dirty="0" smtClean="0">
+              <a:latin typeface="Sitka Display" pitchFamily="2" charset="0"/>
+            </a:endParaRPr>
+          </a:p>
+          <a:p>
+            <a:pPr marL="0" indent="0">
+              <a:buNone/>
+            </a:pPr>
+            <a:r>
+              <a:rPr lang="nl-BE" sz="2400" dirty="0" smtClean="0">
+                <a:solidFill>
+                  <a:schemeClr val="accent4">
+                    <a:lumMod val="50000"/>
+                  </a:schemeClr>
+                </a:solidFill>
+                <a:effectLst>
+                  <a:outerShdw blurRad="76200" dist="38100" dir="5400000" algn="t" rotWithShape="0">
+                    <a:prstClr val="black">
+                      <a:alpha val="27000"/>
+                    </a:prstClr>
+                  </a:outerShdw>
+                </a:effectLst>
+                <a:latin typeface="Sitka Banner" pitchFamily="2" charset="0"/>
+              </a:rPr>
+              <a:t>Group work: </a:t>
+            </a:r>
+            <a:r>
+              <a:rPr lang="nl-BE" sz="2400" dirty="0">
+                <a:solidFill>
+                  <a:schemeClr val="accent4">
+                    <a:lumMod val="50000"/>
+                  </a:schemeClr>
+                </a:solidFill>
+                <a:effectLst>
+                  <a:outerShdw blurRad="76200" dist="38100" dir="5400000" algn="t" rotWithShape="0">
+                    <a:prstClr val="black">
+                      <a:alpha val="27000"/>
+                    </a:prstClr>
+                  </a:outerShdw>
+                </a:effectLst>
+                <a:latin typeface="Sitka Banner" pitchFamily="2" charset="0"/>
+              </a:rPr>
+              <a:t>	</a:t>
+            </a:r>
+            <a:r>
+              <a:rPr lang="nl-BE" sz="2400" dirty="0" smtClean="0">
+                <a:solidFill>
+                  <a:schemeClr val="accent4">
+                    <a:lumMod val="50000"/>
+                  </a:schemeClr>
+                </a:solidFill>
+                <a:effectLst>
+                  <a:outerShdw blurRad="76200" dist="38100" dir="5400000" algn="t" rotWithShape="0">
+                    <a:prstClr val="black">
+                      <a:alpha val="27000"/>
+                    </a:prstClr>
+                  </a:outerShdw>
+                </a:effectLst>
+                <a:latin typeface="Sitka Banner" pitchFamily="2" charset="0"/>
+              </a:rPr>
+              <a:t>31h</a:t>
+            </a:r>
+            <a:r>
+              <a:rPr lang="nl-BE" sz="2400" dirty="0" smtClean="0">
+                <a:solidFill>
+                  <a:schemeClr val="accent4">
+                    <a:lumMod val="50000"/>
+                  </a:schemeClr>
+                </a:solidFill>
+                <a:effectLst>
+                  <a:outerShdw blurRad="76200" dist="38100" dir="5400000" algn="t" rotWithShape="0">
+                    <a:prstClr val="black">
+                      <a:alpha val="27000"/>
+                    </a:prstClr>
+                  </a:outerShdw>
+                </a:effectLst>
+                <a:latin typeface="Sitka Banner" pitchFamily="2" charset="0"/>
+              </a:rPr>
+              <a:t>	Individual Work: 	</a:t>
+            </a:r>
+            <a:r>
+              <a:rPr lang="nl-BE" sz="2400" dirty="0" smtClean="0">
+                <a:solidFill>
+                  <a:schemeClr val="accent4">
+                    <a:lumMod val="50000"/>
+                  </a:schemeClr>
+                </a:solidFill>
+                <a:effectLst>
+                  <a:outerShdw blurRad="76200" dist="38100" dir="5400000" algn="t" rotWithShape="0">
+                    <a:prstClr val="black">
+                      <a:alpha val="27000"/>
+                    </a:prstClr>
+                  </a:outerShdw>
+                </a:effectLst>
+                <a:latin typeface="Sitka Banner" pitchFamily="2" charset="0"/>
+              </a:rPr>
+              <a:t>20h	</a:t>
+            </a:r>
+            <a:r>
+              <a:rPr lang="nl-BE" sz="2400" dirty="0" err="1" smtClean="0">
+                <a:solidFill>
+                  <a:schemeClr val="accent4">
+                    <a:lumMod val="50000"/>
+                  </a:schemeClr>
+                </a:solidFill>
+                <a:effectLst>
+                  <a:outerShdw blurRad="76200" dist="38100" dir="5400000" algn="t" rotWithShape="0">
+                    <a:prstClr val="black">
+                      <a:alpha val="27000"/>
+                    </a:prstClr>
+                  </a:outerShdw>
+                </a:effectLst>
+                <a:latin typeface="Sitka Banner" pitchFamily="2" charset="0"/>
+              </a:rPr>
+              <a:t>Study</a:t>
+            </a:r>
+            <a:r>
+              <a:rPr lang="nl-BE" sz="2400" dirty="0" smtClean="0">
+                <a:solidFill>
+                  <a:schemeClr val="accent4">
+                    <a:lumMod val="50000"/>
+                  </a:schemeClr>
+                </a:solidFill>
+                <a:effectLst>
+                  <a:outerShdw blurRad="76200" dist="38100" dir="5400000" algn="t" rotWithShape="0">
+                    <a:prstClr val="black">
+                      <a:alpha val="27000"/>
+                    </a:prstClr>
+                  </a:outerShdw>
+                </a:effectLst>
+                <a:latin typeface="Sitka Banner" pitchFamily="2" charset="0"/>
+              </a:rPr>
+              <a:t>:	7h</a:t>
+            </a:r>
+            <a:endParaRPr lang="nl-BE" sz="2400" dirty="0">
+              <a:solidFill>
+                <a:schemeClr val="accent4">
+                  <a:lumMod val="50000"/>
+                </a:schemeClr>
+              </a:solidFill>
+              <a:effectLst>
+                <a:outerShdw blurRad="76200" dist="38100" dir="5400000" algn="t" rotWithShape="0">
+                  <a:prstClr val="black">
+                    <a:alpha val="27000"/>
+                  </a:prstClr>
+                </a:outerShdw>
+              </a:effectLst>
+              <a:latin typeface="Sitka Banner" pitchFamily="2" charset="0"/>
+            </a:endParaRPr>
+          </a:p>
+          <a:p>
+            <a:pPr marL="0" indent="0">
+              <a:buNone/>
+            </a:pPr>
+            <a:r>
+              <a:rPr lang="nl-BE" sz="2700" b="1" cap="small" dirty="0" smtClean="0">
+                <a:latin typeface="Sitka Display" pitchFamily="2" charset="0"/>
+              </a:rPr>
+              <a:t>Laurens </a:t>
+            </a:r>
+            <a:r>
+              <a:rPr lang="nl-BE" sz="2700" b="1" cap="small" dirty="0" err="1" smtClean="0">
+                <a:latin typeface="Sitka Display" pitchFamily="2" charset="0"/>
+              </a:rPr>
+              <a:t>Cleemput</a:t>
+            </a:r>
+            <a:endParaRPr lang="nl-BE" sz="2700" b="1" cap="small" dirty="0" smtClean="0">
+              <a:latin typeface="Sitka Display" pitchFamily="2" charset="0"/>
+            </a:endParaRPr>
+          </a:p>
+          <a:p>
+            <a:pPr marL="0" indent="0">
+              <a:buNone/>
+            </a:pPr>
+            <a:r>
+              <a:rPr lang="nl-BE" sz="2400" dirty="0" smtClean="0">
+                <a:solidFill>
+                  <a:schemeClr val="accent4">
+                    <a:lumMod val="50000"/>
+                  </a:schemeClr>
+                </a:solidFill>
+                <a:effectLst>
+                  <a:outerShdw blurRad="76200" dist="38100" dir="5400000" algn="t" rotWithShape="0">
+                    <a:prstClr val="black">
+                      <a:alpha val="27000"/>
+                    </a:prstClr>
+                  </a:outerShdw>
+                </a:effectLst>
+                <a:latin typeface="Sitka Banner" pitchFamily="2" charset="0"/>
+              </a:rPr>
+              <a:t>Group work: </a:t>
+            </a:r>
+            <a:r>
+              <a:rPr lang="nl-BE" sz="2400" dirty="0">
+                <a:solidFill>
+                  <a:schemeClr val="accent4">
+                    <a:lumMod val="50000"/>
+                  </a:schemeClr>
+                </a:solidFill>
+                <a:effectLst>
+                  <a:outerShdw blurRad="76200" dist="38100" dir="5400000" algn="t" rotWithShape="0">
+                    <a:prstClr val="black">
+                      <a:alpha val="27000"/>
+                    </a:prstClr>
+                  </a:outerShdw>
+                </a:effectLst>
+                <a:latin typeface="Sitka Banner" pitchFamily="2" charset="0"/>
+              </a:rPr>
+              <a:t>	</a:t>
+            </a:r>
+            <a:r>
+              <a:rPr lang="nl-BE" sz="2400" dirty="0" smtClean="0">
+                <a:solidFill>
+                  <a:schemeClr val="accent4">
+                    <a:lumMod val="50000"/>
+                  </a:schemeClr>
+                </a:solidFill>
+                <a:effectLst>
+                  <a:outerShdw blurRad="76200" dist="38100" dir="5400000" algn="t" rotWithShape="0">
+                    <a:prstClr val="black">
+                      <a:alpha val="27000"/>
+                    </a:prstClr>
+                  </a:outerShdw>
+                </a:effectLst>
+                <a:latin typeface="Sitka Banner" pitchFamily="2" charset="0"/>
+              </a:rPr>
+              <a:t>31h</a:t>
+            </a:r>
+            <a:r>
+              <a:rPr lang="nl-BE" sz="2400" dirty="0" smtClean="0">
+                <a:solidFill>
+                  <a:schemeClr val="accent4">
+                    <a:lumMod val="50000"/>
+                  </a:schemeClr>
+                </a:solidFill>
+                <a:effectLst>
+                  <a:outerShdw blurRad="76200" dist="38100" dir="5400000" algn="t" rotWithShape="0">
+                    <a:prstClr val="black">
+                      <a:alpha val="27000"/>
+                    </a:prstClr>
+                  </a:outerShdw>
+                </a:effectLst>
+                <a:latin typeface="Sitka Banner" pitchFamily="2" charset="0"/>
+              </a:rPr>
+              <a:t>	Individual Work: 	</a:t>
+            </a:r>
+            <a:r>
+              <a:rPr lang="nl-BE" sz="2400" dirty="0" smtClean="0">
+                <a:solidFill>
+                  <a:schemeClr val="accent4">
+                    <a:lumMod val="50000"/>
+                  </a:schemeClr>
+                </a:solidFill>
+                <a:effectLst>
+                  <a:outerShdw blurRad="76200" dist="38100" dir="5400000" algn="t" rotWithShape="0">
+                    <a:prstClr val="black">
+                      <a:alpha val="27000"/>
+                    </a:prstClr>
+                  </a:outerShdw>
+                </a:effectLst>
+                <a:latin typeface="Sitka Banner" pitchFamily="2" charset="0"/>
+              </a:rPr>
+              <a:t>23h</a:t>
+            </a:r>
+            <a:r>
+              <a:rPr lang="nl-BE" sz="2400" dirty="0" smtClean="0">
+                <a:solidFill>
+                  <a:schemeClr val="accent4">
+                    <a:lumMod val="50000"/>
+                  </a:schemeClr>
+                </a:solidFill>
+                <a:effectLst>
+                  <a:outerShdw blurRad="76200" dist="38100" dir="5400000" algn="t" rotWithShape="0">
+                    <a:prstClr val="black">
+                      <a:alpha val="27000"/>
+                    </a:prstClr>
+                  </a:outerShdw>
+                </a:effectLst>
+                <a:latin typeface="Sitka Banner" pitchFamily="2" charset="0"/>
+              </a:rPr>
+              <a:t>	</a:t>
+            </a:r>
+            <a:r>
+              <a:rPr lang="nl-BE" sz="2400" dirty="0" err="1" smtClean="0">
+                <a:solidFill>
+                  <a:schemeClr val="accent4">
+                    <a:lumMod val="50000"/>
+                  </a:schemeClr>
+                </a:solidFill>
+                <a:effectLst>
+                  <a:outerShdw blurRad="76200" dist="38100" dir="5400000" algn="t" rotWithShape="0">
+                    <a:prstClr val="black">
+                      <a:alpha val="27000"/>
+                    </a:prstClr>
+                  </a:outerShdw>
+                </a:effectLst>
+                <a:latin typeface="Sitka Banner" pitchFamily="2" charset="0"/>
+              </a:rPr>
+              <a:t>Study</a:t>
+            </a:r>
+            <a:r>
+              <a:rPr lang="nl-BE" sz="2400" dirty="0" smtClean="0">
+                <a:solidFill>
+                  <a:schemeClr val="accent4">
+                    <a:lumMod val="50000"/>
+                  </a:schemeClr>
+                </a:solidFill>
+                <a:effectLst>
+                  <a:outerShdw blurRad="76200" dist="38100" dir="5400000" algn="t" rotWithShape="0">
+                    <a:prstClr val="black">
+                      <a:alpha val="27000"/>
+                    </a:prstClr>
+                  </a:outerShdw>
+                </a:effectLst>
+                <a:latin typeface="Sitka Banner" pitchFamily="2" charset="0"/>
+              </a:rPr>
+              <a:t>:	6h</a:t>
+            </a:r>
+            <a:endParaRPr lang="nl-BE" sz="2400" dirty="0" smtClean="0">
+              <a:solidFill>
+                <a:schemeClr val="accent4">
+                  <a:lumMod val="50000"/>
+                </a:schemeClr>
+              </a:solidFill>
+              <a:effectLst>
+                <a:outerShdw blurRad="76200" dist="38100" dir="5400000" algn="t" rotWithShape="0">
+                  <a:prstClr val="black">
+                    <a:alpha val="27000"/>
+                  </a:prstClr>
+                </a:outerShdw>
+              </a:effectLst>
+              <a:latin typeface="Sitka Banner" pitchFamily="2" charset="0"/>
+            </a:endParaRPr>
+          </a:p>
+          <a:p>
+            <a:pPr marL="0" indent="0">
+              <a:buNone/>
+            </a:pPr>
+            <a:r>
+              <a:rPr lang="nl-BE" sz="2700" b="1" cap="small" dirty="0" smtClean="0">
+                <a:latin typeface="Sitka Display" pitchFamily="2" charset="0"/>
+              </a:rPr>
+              <a:t>Tom Houben</a:t>
+            </a:r>
+          </a:p>
+          <a:p>
+            <a:pPr marL="0" indent="0">
+              <a:buNone/>
+            </a:pPr>
+            <a:r>
+              <a:rPr lang="nl-BE" sz="2400" dirty="0" smtClean="0">
+                <a:solidFill>
+                  <a:schemeClr val="accent4">
+                    <a:lumMod val="50000"/>
+                  </a:schemeClr>
+                </a:solidFill>
+                <a:effectLst>
+                  <a:outerShdw blurRad="76200" dist="38100" dir="5400000" algn="t" rotWithShape="0">
+                    <a:prstClr val="black">
+                      <a:alpha val="27000"/>
+                    </a:prstClr>
+                  </a:outerShdw>
+                </a:effectLst>
+                <a:latin typeface="Sitka Banner" pitchFamily="2" charset="0"/>
+              </a:rPr>
+              <a:t>Group work:  </a:t>
+            </a:r>
+            <a:r>
+              <a:rPr lang="nl-BE" sz="2400" dirty="0">
+                <a:solidFill>
+                  <a:schemeClr val="accent4">
+                    <a:lumMod val="50000"/>
+                  </a:schemeClr>
+                </a:solidFill>
+                <a:effectLst>
+                  <a:outerShdw blurRad="76200" dist="38100" dir="5400000" algn="t" rotWithShape="0">
+                    <a:prstClr val="black">
+                      <a:alpha val="27000"/>
+                    </a:prstClr>
+                  </a:outerShdw>
+                </a:effectLst>
+                <a:latin typeface="Sitka Banner" pitchFamily="2" charset="0"/>
+              </a:rPr>
+              <a:t>	</a:t>
+            </a:r>
+            <a:r>
+              <a:rPr lang="nl-BE" sz="2400" dirty="0" smtClean="0">
+                <a:solidFill>
+                  <a:schemeClr val="accent4">
+                    <a:lumMod val="50000"/>
+                  </a:schemeClr>
+                </a:solidFill>
+                <a:effectLst>
+                  <a:outerShdw blurRad="76200" dist="38100" dir="5400000" algn="t" rotWithShape="0">
+                    <a:prstClr val="black">
+                      <a:alpha val="27000"/>
+                    </a:prstClr>
+                  </a:outerShdw>
+                </a:effectLst>
+                <a:latin typeface="Sitka Banner" pitchFamily="2" charset="0"/>
+              </a:rPr>
+              <a:t>31h</a:t>
+            </a:r>
+            <a:r>
+              <a:rPr lang="nl-BE" sz="2400" dirty="0" smtClean="0">
+                <a:solidFill>
+                  <a:schemeClr val="accent4">
+                    <a:lumMod val="50000"/>
+                  </a:schemeClr>
+                </a:solidFill>
+                <a:effectLst>
+                  <a:outerShdw blurRad="76200" dist="38100" dir="5400000" algn="t" rotWithShape="0">
+                    <a:prstClr val="black">
+                      <a:alpha val="27000"/>
+                    </a:prstClr>
+                  </a:outerShdw>
+                </a:effectLst>
+                <a:latin typeface="Sitka Banner" pitchFamily="2" charset="0"/>
+              </a:rPr>
+              <a:t>	Individual Work: 	</a:t>
+            </a:r>
+            <a:r>
+              <a:rPr lang="nl-BE" sz="2400" dirty="0" smtClean="0">
+                <a:solidFill>
+                  <a:schemeClr val="accent4">
+                    <a:lumMod val="50000"/>
+                  </a:schemeClr>
+                </a:solidFill>
+                <a:effectLst>
+                  <a:outerShdw blurRad="76200" dist="38100" dir="5400000" algn="t" rotWithShape="0">
+                    <a:prstClr val="black">
+                      <a:alpha val="27000"/>
+                    </a:prstClr>
+                  </a:outerShdw>
+                </a:effectLst>
+                <a:latin typeface="Sitka Banner" pitchFamily="2" charset="0"/>
+              </a:rPr>
+              <a:t>15h	</a:t>
+            </a:r>
+            <a:r>
+              <a:rPr lang="nl-BE" sz="2400" dirty="0" err="1" smtClean="0">
+                <a:solidFill>
+                  <a:schemeClr val="accent4">
+                    <a:lumMod val="50000"/>
+                  </a:schemeClr>
+                </a:solidFill>
+                <a:effectLst>
+                  <a:outerShdw blurRad="76200" dist="38100" dir="5400000" algn="t" rotWithShape="0">
+                    <a:prstClr val="black">
+                      <a:alpha val="27000"/>
+                    </a:prstClr>
+                  </a:outerShdw>
+                </a:effectLst>
+                <a:latin typeface="Sitka Banner" pitchFamily="2" charset="0"/>
+              </a:rPr>
+              <a:t>Study</a:t>
+            </a:r>
+            <a:r>
+              <a:rPr lang="nl-BE" sz="2400" dirty="0" smtClean="0">
+                <a:solidFill>
+                  <a:schemeClr val="accent4">
+                    <a:lumMod val="50000"/>
+                  </a:schemeClr>
+                </a:solidFill>
+                <a:effectLst>
+                  <a:outerShdw blurRad="76200" dist="38100" dir="5400000" algn="t" rotWithShape="0">
+                    <a:prstClr val="black">
+                      <a:alpha val="27000"/>
+                    </a:prstClr>
+                  </a:outerShdw>
+                </a:effectLst>
+                <a:latin typeface="Sitka Banner" pitchFamily="2" charset="0"/>
+              </a:rPr>
+              <a:t>:	4h</a:t>
+            </a:r>
+            <a:endParaRPr lang="nl-BE" sz="2400" dirty="0" smtClean="0">
+              <a:solidFill>
+                <a:schemeClr val="accent4">
+                  <a:lumMod val="50000"/>
+                </a:schemeClr>
+              </a:solidFill>
+              <a:effectLst>
+                <a:outerShdw blurRad="76200" dist="38100" dir="5400000" algn="t" rotWithShape="0">
+                  <a:prstClr val="black">
+                    <a:alpha val="27000"/>
+                  </a:prstClr>
+                </a:outerShdw>
+              </a:effectLst>
+              <a:latin typeface="Sitka Banner" pitchFamily="2" charset="0"/>
+            </a:endParaRPr>
+          </a:p>
+          <a:p>
+            <a:pPr marL="0" indent="0">
+              <a:buNone/>
+            </a:pPr>
+            <a:r>
+              <a:rPr lang="nl-BE" sz="2700" b="1" cap="small" dirty="0" smtClean="0">
+                <a:latin typeface="Sitka Display" pitchFamily="2" charset="0"/>
+              </a:rPr>
+              <a:t>Tri </a:t>
+            </a:r>
+            <a:r>
+              <a:rPr lang="nl-BE" sz="2700" b="1" cap="small" dirty="0" err="1" smtClean="0">
+                <a:latin typeface="Sitka Display" pitchFamily="2" charset="0"/>
+              </a:rPr>
+              <a:t>Tran</a:t>
+            </a:r>
+            <a:endParaRPr lang="nl-BE" sz="2700" b="1" cap="small" dirty="0" smtClean="0">
+              <a:latin typeface="Sitka Display" pitchFamily="2" charset="0"/>
+            </a:endParaRPr>
+          </a:p>
+          <a:p>
+            <a:pPr marL="0" indent="0">
+              <a:buNone/>
+            </a:pPr>
+            <a:r>
+              <a:rPr lang="nl-BE" sz="2400" dirty="0" smtClean="0">
+                <a:solidFill>
+                  <a:schemeClr val="accent4">
+                    <a:lumMod val="50000"/>
+                  </a:schemeClr>
+                </a:solidFill>
+                <a:effectLst>
+                  <a:outerShdw blurRad="76200" dist="38100" dir="5400000" algn="t" rotWithShape="0">
+                    <a:prstClr val="black">
+                      <a:alpha val="27000"/>
+                    </a:prstClr>
+                  </a:outerShdw>
+                </a:effectLst>
+                <a:latin typeface="Sitka Banner" pitchFamily="2" charset="0"/>
+              </a:rPr>
+              <a:t>Group work: </a:t>
+            </a:r>
+            <a:r>
+              <a:rPr lang="nl-BE" sz="2400" dirty="0">
+                <a:solidFill>
+                  <a:schemeClr val="accent4">
+                    <a:lumMod val="50000"/>
+                  </a:schemeClr>
+                </a:solidFill>
+                <a:effectLst>
+                  <a:outerShdw blurRad="76200" dist="38100" dir="5400000" algn="t" rotWithShape="0">
+                    <a:prstClr val="black">
+                      <a:alpha val="27000"/>
+                    </a:prstClr>
+                  </a:outerShdw>
+                </a:effectLst>
+                <a:latin typeface="Sitka Banner" pitchFamily="2" charset="0"/>
+              </a:rPr>
+              <a:t>	</a:t>
+            </a:r>
+            <a:r>
+              <a:rPr lang="nl-BE" sz="2400" dirty="0" smtClean="0">
+                <a:solidFill>
+                  <a:schemeClr val="accent4">
+                    <a:lumMod val="50000"/>
+                  </a:schemeClr>
+                </a:solidFill>
+                <a:effectLst>
+                  <a:outerShdw blurRad="76200" dist="38100" dir="5400000" algn="t" rotWithShape="0">
+                    <a:prstClr val="black">
+                      <a:alpha val="27000"/>
+                    </a:prstClr>
+                  </a:outerShdw>
+                </a:effectLst>
+                <a:latin typeface="Sitka Banner" pitchFamily="2" charset="0"/>
+              </a:rPr>
+              <a:t>31h</a:t>
+            </a:r>
+            <a:r>
+              <a:rPr lang="nl-BE" sz="2400" dirty="0" smtClean="0">
+                <a:solidFill>
+                  <a:schemeClr val="accent4">
+                    <a:lumMod val="50000"/>
+                  </a:schemeClr>
+                </a:solidFill>
+                <a:effectLst>
+                  <a:outerShdw blurRad="76200" dist="38100" dir="5400000" algn="t" rotWithShape="0">
+                    <a:prstClr val="black">
+                      <a:alpha val="27000"/>
+                    </a:prstClr>
+                  </a:outerShdw>
+                </a:effectLst>
+                <a:latin typeface="Sitka Banner" pitchFamily="2" charset="0"/>
+              </a:rPr>
+              <a:t>	Individual Work: 	</a:t>
+            </a:r>
+            <a:r>
+              <a:rPr lang="nl-BE" sz="2400" dirty="0" smtClean="0">
+                <a:solidFill>
+                  <a:schemeClr val="accent4">
+                    <a:lumMod val="50000"/>
+                  </a:schemeClr>
+                </a:solidFill>
+                <a:effectLst>
+                  <a:outerShdw blurRad="76200" dist="38100" dir="5400000" algn="t" rotWithShape="0">
+                    <a:prstClr val="black">
+                      <a:alpha val="27000"/>
+                    </a:prstClr>
+                  </a:outerShdw>
+                </a:effectLst>
+                <a:latin typeface="Sitka Banner" pitchFamily="2" charset="0"/>
+              </a:rPr>
+              <a:t>51h	</a:t>
+            </a:r>
+            <a:r>
+              <a:rPr lang="nl-BE" sz="2400" dirty="0" err="1" smtClean="0">
+                <a:solidFill>
+                  <a:schemeClr val="accent4">
+                    <a:lumMod val="50000"/>
+                  </a:schemeClr>
+                </a:solidFill>
+                <a:effectLst>
+                  <a:outerShdw blurRad="76200" dist="38100" dir="5400000" algn="t" rotWithShape="0">
+                    <a:prstClr val="black">
+                      <a:alpha val="27000"/>
+                    </a:prstClr>
+                  </a:outerShdw>
+                </a:effectLst>
+                <a:latin typeface="Sitka Banner" pitchFamily="2" charset="0"/>
+              </a:rPr>
+              <a:t>Study</a:t>
+            </a:r>
+            <a:r>
+              <a:rPr lang="nl-BE" sz="2400" dirty="0" smtClean="0">
+                <a:solidFill>
+                  <a:schemeClr val="accent4">
+                    <a:lumMod val="50000"/>
+                  </a:schemeClr>
+                </a:solidFill>
+                <a:effectLst>
+                  <a:outerShdw blurRad="76200" dist="38100" dir="5400000" algn="t" rotWithShape="0">
+                    <a:prstClr val="black">
+                      <a:alpha val="27000"/>
+                    </a:prstClr>
+                  </a:outerShdw>
+                </a:effectLst>
+                <a:latin typeface="Sitka Banner" pitchFamily="2" charset="0"/>
+              </a:rPr>
+              <a:t>:	14h</a:t>
+            </a:r>
+            <a:endParaRPr lang="nl-BE" sz="2400" dirty="0" smtClean="0">
+              <a:solidFill>
+                <a:schemeClr val="accent4">
+                  <a:lumMod val="50000"/>
+                </a:schemeClr>
+              </a:solidFill>
+              <a:effectLst>
+                <a:outerShdw blurRad="76200" dist="38100" dir="5400000" algn="t" rotWithShape="0">
+                  <a:prstClr val="black">
+                    <a:alpha val="27000"/>
+                  </a:prstClr>
+                </a:outerShdw>
+              </a:effectLst>
+              <a:latin typeface="Sitka Banner" pitchFamily="2" charset="0"/>
+            </a:endParaRPr>
+          </a:p>
+          <a:p>
+            <a:pPr marL="0" indent="0">
+              <a:buNone/>
+            </a:pPr>
+            <a:endParaRPr lang="nl-BE" b="1" dirty="0"/>
+          </a:p>
+        </p:txBody>
+      </p:sp>
     </p:spTree>
     <p:extLst>
       <p:ext uri="{BB962C8B-B14F-4D97-AF65-F5344CB8AC3E}">
-        <p14:creationId xmlns:p14="http://schemas.microsoft.com/office/powerpoint/2010/main" xmlns="" val="3405605565"/>
+        <p14:creationId xmlns:p14="http://schemas.microsoft.com/office/powerpoint/2010/main" val="1581702792"/>
       </p:ext>
     </p:extLst>
   </p:cSld>
@@ -6708,451 +7461,6 @@
           <a:chExt cx="0" cy="0"/>
         </a:xfrm>
       </p:grpSpPr>
-      <p:sp>
-        <p:nvSpPr>
-          <p:cNvPr id="2" name="Titel 1"/>
-          <p:cNvSpPr>
-            <a:spLocks noGrp="1"/>
-          </p:cNvSpPr>
-          <p:nvPr>
-            <p:ph type="title"/>
-          </p:nvPr>
-        </p:nvSpPr>
-        <p:spPr/>
-        <p:txBody>
-          <a:bodyPr>
-            <a:normAutofit fontScale="90000"/>
-          </a:bodyPr>
-          <a:lstStyle/>
-          <a:p>
-            <a:r>
-              <a:rPr lang="nl-BE" sz="3600" cap="small" dirty="0" smtClean="0">
-                <a:ln w="18415" cmpd="sng">
-                  <a:solidFill>
-                    <a:schemeClr val="tx1">
-                      <a:alpha val="0"/>
-                    </a:schemeClr>
-                  </a:solidFill>
-                  <a:prstDash val="solid"/>
-                </a:ln>
-                <a:effectLst>
-                  <a:outerShdw blurRad="25400" dir="3600000" algn="tl" rotWithShape="0">
-                    <a:srgbClr val="000000">
-                      <a:alpha val="70000"/>
-                    </a:srgbClr>
-                  </a:outerShdw>
-                </a:effectLst>
-                <a:latin typeface="Sitka Text" pitchFamily="2" charset="0"/>
-              </a:rPr>
-              <a:t>Project management (in uren) TODO UPDATE</a:t>
-            </a:r>
-            <a:endParaRPr lang="nl-BE" sz="3600" cap="small" dirty="0">
-              <a:ln w="18415" cmpd="sng">
-                <a:solidFill>
-                  <a:schemeClr val="tx1">
-                    <a:alpha val="0"/>
-                  </a:schemeClr>
-                </a:solidFill>
-                <a:prstDash val="solid"/>
-              </a:ln>
-              <a:effectLst>
-                <a:outerShdw blurRad="25400" dir="3600000" algn="tl" rotWithShape="0">
-                  <a:srgbClr val="000000">
-                    <a:alpha val="70000"/>
-                  </a:srgbClr>
-                </a:outerShdw>
-              </a:effectLst>
-              <a:latin typeface="Sitka Text" pitchFamily="2" charset="0"/>
-            </a:endParaRPr>
-          </a:p>
-        </p:txBody>
-      </p:sp>
-      <p:sp>
-        <p:nvSpPr>
-          <p:cNvPr id="3" name="Tijdelijke aanduiding voor inhoud 2"/>
-          <p:cNvSpPr>
-            <a:spLocks noGrp="1"/>
-          </p:cNvSpPr>
-          <p:nvPr>
-            <p:ph idx="1"/>
-          </p:nvPr>
-        </p:nvSpPr>
-        <p:spPr/>
-        <p:txBody>
-          <a:bodyPr>
-            <a:normAutofit/>
-          </a:bodyPr>
-          <a:lstStyle/>
-          <a:p>
-            <a:pPr marL="0" indent="0">
-              <a:buNone/>
-            </a:pPr>
-            <a:r>
-              <a:rPr lang="nl-BE" sz="2700" b="1" cap="small" dirty="0" smtClean="0">
-                <a:latin typeface="Sitka Display" pitchFamily="2" charset="0"/>
-              </a:rPr>
-              <a:t>Karina </a:t>
-            </a:r>
-            <a:r>
-              <a:rPr lang="nl-BE" sz="2700" b="1" cap="small" dirty="0" err="1" smtClean="0">
-                <a:latin typeface="Sitka Display" pitchFamily="2" charset="0"/>
-              </a:rPr>
-              <a:t>Karapetyan</a:t>
-            </a:r>
-            <a:endParaRPr lang="nl-BE" sz="2700" b="1" cap="small" dirty="0" smtClean="0">
-              <a:latin typeface="Sitka Display" pitchFamily="2" charset="0"/>
-            </a:endParaRPr>
-          </a:p>
-          <a:p>
-            <a:pPr marL="0" indent="0">
-              <a:buNone/>
-            </a:pPr>
-            <a:r>
-              <a:rPr lang="nl-BE" sz="2400" dirty="0" smtClean="0">
-                <a:solidFill>
-                  <a:schemeClr val="accent4">
-                    <a:lumMod val="50000"/>
-                  </a:schemeClr>
-                </a:solidFill>
-                <a:effectLst>
-                  <a:outerShdw blurRad="76200" dist="38100" dir="5400000" algn="t" rotWithShape="0">
-                    <a:prstClr val="black">
-                      <a:alpha val="27000"/>
-                    </a:prstClr>
-                  </a:outerShdw>
-                </a:effectLst>
-                <a:latin typeface="Sitka Banner" pitchFamily="2" charset="0"/>
-              </a:rPr>
-              <a:t>Group work: </a:t>
-            </a:r>
-            <a:r>
-              <a:rPr lang="nl-BE" sz="2400" dirty="0">
-                <a:solidFill>
-                  <a:schemeClr val="accent4">
-                    <a:lumMod val="50000"/>
-                  </a:schemeClr>
-                </a:solidFill>
-                <a:effectLst>
-                  <a:outerShdw blurRad="76200" dist="38100" dir="5400000" algn="t" rotWithShape="0">
-                    <a:prstClr val="black">
-                      <a:alpha val="27000"/>
-                    </a:prstClr>
-                  </a:outerShdw>
-                </a:effectLst>
-                <a:latin typeface="Sitka Banner" pitchFamily="2" charset="0"/>
-              </a:rPr>
-              <a:t>	</a:t>
-            </a:r>
-            <a:r>
-              <a:rPr lang="nl-BE" sz="2400" dirty="0" smtClean="0">
-                <a:solidFill>
-                  <a:schemeClr val="accent4">
-                    <a:lumMod val="50000"/>
-                  </a:schemeClr>
-                </a:solidFill>
-                <a:effectLst>
-                  <a:outerShdw blurRad="76200" dist="38100" dir="5400000" algn="t" rotWithShape="0">
-                    <a:prstClr val="black">
-                      <a:alpha val="27000"/>
-                    </a:prstClr>
-                  </a:outerShdw>
-                </a:effectLst>
-                <a:latin typeface="Sitka Banner" pitchFamily="2" charset="0"/>
-              </a:rPr>
-              <a:t> 	Individual Work: 	Study: </a:t>
-            </a:r>
-            <a:endParaRPr lang="nl-BE" sz="2400" dirty="0">
-              <a:solidFill>
-                <a:schemeClr val="accent4">
-                  <a:lumMod val="50000"/>
-                </a:schemeClr>
-              </a:solidFill>
-              <a:effectLst>
-                <a:outerShdw blurRad="76200" dist="38100" dir="5400000" algn="t" rotWithShape="0">
-                  <a:prstClr val="black">
-                    <a:alpha val="27000"/>
-                  </a:prstClr>
-                </a:outerShdw>
-              </a:effectLst>
-              <a:latin typeface="Sitka Banner" pitchFamily="2" charset="0"/>
-            </a:endParaRPr>
-          </a:p>
-          <a:p>
-            <a:pPr marL="0" indent="0">
-              <a:buNone/>
-            </a:pPr>
-            <a:r>
-              <a:rPr lang="nl-BE" sz="2700" b="1" cap="small" dirty="0" smtClean="0">
-                <a:latin typeface="Sitka Display" pitchFamily="2" charset="0"/>
-              </a:rPr>
-              <a:t>Laurens </a:t>
-            </a:r>
-            <a:r>
-              <a:rPr lang="nl-BE" sz="2700" b="1" cap="small" dirty="0" err="1" smtClean="0">
-                <a:latin typeface="Sitka Display" pitchFamily="2" charset="0"/>
-              </a:rPr>
-              <a:t>Cleemput</a:t>
-            </a:r>
-            <a:endParaRPr lang="nl-BE" sz="2700" b="1" cap="small" dirty="0" smtClean="0">
-              <a:latin typeface="Sitka Display" pitchFamily="2" charset="0"/>
-            </a:endParaRPr>
-          </a:p>
-          <a:p>
-            <a:pPr marL="0" indent="0">
-              <a:buNone/>
-            </a:pPr>
-            <a:r>
-              <a:rPr lang="nl-BE" sz="2400" dirty="0" smtClean="0">
-                <a:solidFill>
-                  <a:schemeClr val="accent4">
-                    <a:lumMod val="50000"/>
-                  </a:schemeClr>
-                </a:solidFill>
-                <a:effectLst>
-                  <a:outerShdw blurRad="76200" dist="38100" dir="5400000" algn="t" rotWithShape="0">
-                    <a:prstClr val="black">
-                      <a:alpha val="27000"/>
-                    </a:prstClr>
-                  </a:outerShdw>
-                </a:effectLst>
-                <a:latin typeface="Sitka Banner" pitchFamily="2" charset="0"/>
-              </a:rPr>
-              <a:t>Group work: </a:t>
-            </a:r>
-            <a:r>
-              <a:rPr lang="nl-BE" sz="2400" dirty="0">
-                <a:solidFill>
-                  <a:schemeClr val="accent4">
-                    <a:lumMod val="50000"/>
-                  </a:schemeClr>
-                </a:solidFill>
-                <a:effectLst>
-                  <a:outerShdw blurRad="76200" dist="38100" dir="5400000" algn="t" rotWithShape="0">
-                    <a:prstClr val="black">
-                      <a:alpha val="27000"/>
-                    </a:prstClr>
-                  </a:outerShdw>
-                </a:effectLst>
-                <a:latin typeface="Sitka Banner" pitchFamily="2" charset="0"/>
-              </a:rPr>
-              <a:t>	</a:t>
-            </a:r>
-            <a:r>
-              <a:rPr lang="nl-BE" sz="2400" dirty="0" smtClean="0">
-                <a:solidFill>
-                  <a:schemeClr val="accent4">
-                    <a:lumMod val="50000"/>
-                  </a:schemeClr>
-                </a:solidFill>
-                <a:effectLst>
-                  <a:outerShdw blurRad="76200" dist="38100" dir="5400000" algn="t" rotWithShape="0">
-                    <a:prstClr val="black">
-                      <a:alpha val="27000"/>
-                    </a:prstClr>
-                  </a:outerShdw>
-                </a:effectLst>
-                <a:latin typeface="Sitka Banner" pitchFamily="2" charset="0"/>
-              </a:rPr>
-              <a:t> 	Individual Work: 	Study: </a:t>
-            </a:r>
-          </a:p>
-          <a:p>
-            <a:pPr marL="0" indent="0">
-              <a:buNone/>
-            </a:pPr>
-            <a:r>
-              <a:rPr lang="nl-BE" sz="2700" b="1" cap="small" dirty="0" smtClean="0">
-                <a:latin typeface="Sitka Display" pitchFamily="2" charset="0"/>
-              </a:rPr>
-              <a:t>Tom Houben</a:t>
-            </a:r>
-          </a:p>
-          <a:p>
-            <a:pPr marL="0" indent="0">
-              <a:buNone/>
-            </a:pPr>
-            <a:r>
-              <a:rPr lang="nl-BE" sz="2400" dirty="0" smtClean="0">
-                <a:solidFill>
-                  <a:schemeClr val="accent4">
-                    <a:lumMod val="50000"/>
-                  </a:schemeClr>
-                </a:solidFill>
-                <a:effectLst>
-                  <a:outerShdw blurRad="76200" dist="38100" dir="5400000" algn="t" rotWithShape="0">
-                    <a:prstClr val="black">
-                      <a:alpha val="27000"/>
-                    </a:prstClr>
-                  </a:outerShdw>
-                </a:effectLst>
-                <a:latin typeface="Sitka Banner" pitchFamily="2" charset="0"/>
-              </a:rPr>
-              <a:t>Group work:  </a:t>
-            </a:r>
-            <a:r>
-              <a:rPr lang="nl-BE" sz="2400" dirty="0">
-                <a:solidFill>
-                  <a:schemeClr val="accent4">
-                    <a:lumMod val="50000"/>
-                  </a:schemeClr>
-                </a:solidFill>
-                <a:effectLst>
-                  <a:outerShdw blurRad="76200" dist="38100" dir="5400000" algn="t" rotWithShape="0">
-                    <a:prstClr val="black">
-                      <a:alpha val="27000"/>
-                    </a:prstClr>
-                  </a:outerShdw>
-                </a:effectLst>
-                <a:latin typeface="Sitka Banner" pitchFamily="2" charset="0"/>
-              </a:rPr>
-              <a:t>	</a:t>
-            </a:r>
-            <a:r>
-              <a:rPr lang="nl-BE" sz="2400" dirty="0" smtClean="0">
-                <a:solidFill>
-                  <a:schemeClr val="accent4">
-                    <a:lumMod val="50000"/>
-                  </a:schemeClr>
-                </a:solidFill>
-                <a:effectLst>
-                  <a:outerShdw blurRad="76200" dist="38100" dir="5400000" algn="t" rotWithShape="0">
-                    <a:prstClr val="black">
-                      <a:alpha val="27000"/>
-                    </a:prstClr>
-                  </a:outerShdw>
-                </a:effectLst>
-                <a:latin typeface="Sitka Banner" pitchFamily="2" charset="0"/>
-              </a:rPr>
-              <a:t>	Individual Work: 	Study: </a:t>
-            </a:r>
-          </a:p>
-          <a:p>
-            <a:pPr marL="0" indent="0">
-              <a:buNone/>
-            </a:pPr>
-            <a:r>
-              <a:rPr lang="nl-BE" sz="2700" b="1" cap="small" dirty="0" smtClean="0">
-                <a:latin typeface="Sitka Display" pitchFamily="2" charset="0"/>
-              </a:rPr>
-              <a:t>Tri </a:t>
-            </a:r>
-            <a:r>
-              <a:rPr lang="nl-BE" sz="2700" b="1" cap="small" dirty="0" err="1" smtClean="0">
-                <a:latin typeface="Sitka Display" pitchFamily="2" charset="0"/>
-              </a:rPr>
-              <a:t>Tran</a:t>
-            </a:r>
-            <a:endParaRPr lang="nl-BE" sz="2700" b="1" cap="small" dirty="0" smtClean="0">
-              <a:latin typeface="Sitka Display" pitchFamily="2" charset="0"/>
-            </a:endParaRPr>
-          </a:p>
-          <a:p>
-            <a:pPr marL="0" indent="0">
-              <a:buNone/>
-            </a:pPr>
-            <a:r>
-              <a:rPr lang="nl-BE" sz="2400" dirty="0" smtClean="0">
-                <a:solidFill>
-                  <a:schemeClr val="accent4">
-                    <a:lumMod val="50000"/>
-                  </a:schemeClr>
-                </a:solidFill>
-                <a:effectLst>
-                  <a:outerShdw blurRad="76200" dist="38100" dir="5400000" algn="t" rotWithShape="0">
-                    <a:prstClr val="black">
-                      <a:alpha val="27000"/>
-                    </a:prstClr>
-                  </a:outerShdw>
-                </a:effectLst>
-                <a:latin typeface="Sitka Banner" pitchFamily="2" charset="0"/>
-              </a:rPr>
-              <a:t>Group work: </a:t>
-            </a:r>
-            <a:r>
-              <a:rPr lang="nl-BE" sz="2400" dirty="0">
-                <a:solidFill>
-                  <a:schemeClr val="accent4">
-                    <a:lumMod val="50000"/>
-                  </a:schemeClr>
-                </a:solidFill>
-                <a:effectLst>
-                  <a:outerShdw blurRad="76200" dist="38100" dir="5400000" algn="t" rotWithShape="0">
-                    <a:prstClr val="black">
-                      <a:alpha val="27000"/>
-                    </a:prstClr>
-                  </a:outerShdw>
-                </a:effectLst>
-                <a:latin typeface="Sitka Banner" pitchFamily="2" charset="0"/>
-              </a:rPr>
-              <a:t>	</a:t>
-            </a:r>
-            <a:r>
-              <a:rPr lang="nl-BE" sz="2400" dirty="0" smtClean="0">
-                <a:solidFill>
-                  <a:schemeClr val="accent4">
-                    <a:lumMod val="50000"/>
-                  </a:schemeClr>
-                </a:solidFill>
-                <a:effectLst>
-                  <a:outerShdw blurRad="76200" dist="38100" dir="5400000" algn="t" rotWithShape="0">
-                    <a:prstClr val="black">
-                      <a:alpha val="27000"/>
-                    </a:prstClr>
-                  </a:outerShdw>
-                </a:effectLst>
-                <a:latin typeface="Sitka Banner" pitchFamily="2" charset="0"/>
-              </a:rPr>
-              <a:t> 31h	Individual Work: 	Study:  </a:t>
-            </a:r>
-          </a:p>
-          <a:p>
-            <a:pPr marL="0" indent="0">
-              <a:buNone/>
-            </a:pPr>
-            <a:endParaRPr lang="nl-BE" b="1" dirty="0"/>
-          </a:p>
-        </p:txBody>
-      </p:sp>
-    </p:spTree>
-    <p:extLst>
-      <p:ext uri="{BB962C8B-B14F-4D97-AF65-F5344CB8AC3E}">
-        <p14:creationId xmlns:p14="http://schemas.microsoft.com/office/powerpoint/2010/main" xmlns="" val="1581702792"/>
-      </p:ext>
-    </p:extLst>
-  </p:cSld>
-  <p:clrMapOvr>
-    <a:masterClrMapping/>
-  </p:clrMapOvr>
-  <p:transition>
-    <p:fade/>
-  </p:transition>
-  <p:timing>
-    <p:tnLst>
-      <p:par>
-        <p:cTn id="1" dur="indefinite" restart="never" nodeType="tmRoot"/>
-      </p:par>
-    </p:tnLst>
-  </p:timing>
-</p:sld>
-</file>
-
-<file path=ppt/slides/slide22.xml><?xml version="1.0" encoding="utf-8"?>
-<p:sld xmlns:a="http://schemas.openxmlformats.org/drawingml/2006/main" xmlns:r="http://schemas.openxmlformats.org/officeDocument/2006/relationships" xmlns:p="http://schemas.openxmlformats.org/presentationml/2006/main">
-  <p:cSld>
-    <p:spTree>
-      <p:nvGrpSpPr>
-        <p:cNvPr id="1" name=""/>
-        <p:cNvGrpSpPr/>
-        <p:nvPr/>
-      </p:nvGrpSpPr>
-      <p:grpSpPr>
-        <a:xfrm>
-          <a:off x="0" y="0"/>
-          <a:ext cx="0" cy="0"/>
-          <a:chOff x="0" y="0"/>
-          <a:chExt cx="0" cy="0"/>
-        </a:xfrm>
-      </p:grpSpPr>
       <p:graphicFrame>
         <p:nvGraphicFramePr>
           <p:cNvPr id="7" name="Content Placeholder 6"/>
@@ -7163,7 +7471,7 @@
             <p:ph idx="1"/>
             <p:extLst>
               <p:ext uri="{D42A27DB-BD31-4B8C-83A1-F6EECF244321}">
-                <p14:modId xmlns:p14="http://schemas.microsoft.com/office/powerpoint/2010/main" xmlns="" val="3072315139"/>
+                <p14:modId xmlns:p14="http://schemas.microsoft.com/office/powerpoint/2010/main" val="4254010140"/>
               </p:ext>
             </p:extLst>
           </p:nvPr>
@@ -7182,28 +7490,28 @@
                 <a:gridCol w="2057400">
                   <a:extLst>
                     <a:ext uri="{9D8B030D-6E8A-4147-A177-3AD203B41FA5}">
-                      <a16:colId xmlns="" xmlns:a16="http://schemas.microsoft.com/office/drawing/2014/main" val="4022630451"/>
+                      <a16:colId xmlns:a16="http://schemas.microsoft.com/office/drawing/2014/main" xmlns="" val="4022630451"/>
                     </a:ext>
                   </a:extLst>
                 </a:gridCol>
                 <a:gridCol w="2057400">
                   <a:extLst>
                     <a:ext uri="{9D8B030D-6E8A-4147-A177-3AD203B41FA5}">
-                      <a16:colId xmlns="" xmlns:a16="http://schemas.microsoft.com/office/drawing/2014/main" val="1276862258"/>
+                      <a16:colId xmlns:a16="http://schemas.microsoft.com/office/drawing/2014/main" xmlns="" val="1276862258"/>
                     </a:ext>
                   </a:extLst>
                 </a:gridCol>
                 <a:gridCol w="2057400">
                   <a:extLst>
                     <a:ext uri="{9D8B030D-6E8A-4147-A177-3AD203B41FA5}">
-                      <a16:colId xmlns="" xmlns:a16="http://schemas.microsoft.com/office/drawing/2014/main" val="670422697"/>
+                      <a16:colId xmlns:a16="http://schemas.microsoft.com/office/drawing/2014/main" xmlns="" val="670422697"/>
                     </a:ext>
                   </a:extLst>
                 </a:gridCol>
                 <a:gridCol w="2057400">
                   <a:extLst>
                     <a:ext uri="{9D8B030D-6E8A-4147-A177-3AD203B41FA5}">
-                      <a16:colId xmlns="" xmlns:a16="http://schemas.microsoft.com/office/drawing/2014/main" val="3836214712"/>
+                      <a16:colId xmlns:a16="http://schemas.microsoft.com/office/drawing/2014/main" xmlns="" val="3836214712"/>
                     </a:ext>
                   </a:extLst>
                 </a:gridCol>
@@ -7275,7 +7583,7 @@
                 </a:tc>
                 <a:extLst>
                   <a:ext uri="{0D108BD9-81ED-4DB2-BD59-A6C34878D82A}">
-                    <a16:rowId xmlns="" xmlns:a16="http://schemas.microsoft.com/office/drawing/2014/main" val="2789307922"/>
+                    <a16:rowId xmlns:a16="http://schemas.microsoft.com/office/drawing/2014/main" xmlns="" val="2789307922"/>
                   </a:ext>
                 </a:extLst>
               </a:tr>
@@ -7369,29 +7677,53 @@
                     <a:bodyPr/>
                     <a:lstStyle/>
                     <a:p>
+                      <a:pPr marL="0" marR="0" indent="0" algn="l" defTabSz="914400" rtl="0" eaLnBrk="1" fontAlgn="auto" latinLnBrk="0" hangingPunct="1">
+                        <a:lnSpc>
+                          <a:spcPct val="100000"/>
+                        </a:lnSpc>
+                        <a:spcBef>
+                          <a:spcPts val="0"/>
+                        </a:spcBef>
+                        <a:spcAft>
+                          <a:spcPts val="0"/>
+                        </a:spcAft>
+                        <a:buClrTx/>
+                        <a:buSzTx/>
+                        <a:buFontTx/>
+                        <a:buNone/>
+                        <a:tabLst/>
+                        <a:defRPr/>
+                      </a:pPr>
                       <a:r>
                         <a:rPr lang="en-GB" cap="small" dirty="0" smtClean="0"/>
-                        <a:t>TODO</a:t>
+                        <a:t>Tri</a:t>
                       </a:r>
                       <a:r>
                         <a:rPr lang="en-GB" cap="small" baseline="0" dirty="0" smtClean="0"/>
-                        <a:t> INVULLEN (</a:t>
+                        <a:t> Tran</a:t>
+                      </a:r>
+                      <a:endParaRPr lang="en-GB" cap="small" dirty="0" smtClean="0"/>
+                    </a:p>
+                    <a:p>
+                      <a:r>
+                        <a:rPr lang="en-GB" cap="small" dirty="0" smtClean="0"/>
+                        <a:t>Tom </a:t>
                       </a:r>
                       <a:r>
-                        <a:rPr lang="en-GB" cap="small" baseline="0" dirty="0" err="1" smtClean="0"/>
-                        <a:t>Doorschuiven</a:t>
+                        <a:rPr lang="en-GB" cap="small" dirty="0" err="1" smtClean="0"/>
+                        <a:t>Houben</a:t>
                       </a:r>
-                      <a:r>
-                        <a:rPr lang="en-GB" cap="small" baseline="0" dirty="0" smtClean="0"/>
-                        <a:t>)</a:t>
-                      </a:r>
+                      <a:endParaRPr lang="en-GB" cap="small" dirty="0" smtClean="0"/>
+                    </a:p>
+                    <a:p>
+                      <a:endParaRPr lang="en-GB" cap="small" dirty="0" smtClean="0"/>
                     </a:p>
                   </a:txBody>
                   <a:tcPr/>
                 </a:tc>
                 <a:extLst>
                   <a:ext uri="{0D108BD9-81ED-4DB2-BD59-A6C34878D82A}">
-                    <a16:rowId xmlns="" xmlns:a16="http://schemas.microsoft.com/office/drawing/2014/main" val="3498730236"/>
+                    <a16:rowId xmlns:a16="http://schemas.microsoft.com/office/drawing/2014/main" xmlns="" val="3498730236"/>
                   </a:ext>
                 </a:extLst>
               </a:tr>
@@ -7455,6 +7787,38 @@
                     <a:bodyPr/>
                     <a:lstStyle/>
                     <a:p>
+                      <a:pPr marL="0" marR="0" indent="0" algn="l" defTabSz="914400" rtl="0" eaLnBrk="1" fontAlgn="auto" latinLnBrk="0" hangingPunct="1">
+                        <a:lnSpc>
+                          <a:spcPct val="100000"/>
+                        </a:lnSpc>
+                        <a:spcBef>
+                          <a:spcPts val="0"/>
+                        </a:spcBef>
+                        <a:spcAft>
+                          <a:spcPts val="0"/>
+                        </a:spcAft>
+                        <a:buClrTx/>
+                        <a:buSzTx/>
+                        <a:buFontTx/>
+                        <a:buNone/>
+                        <a:tabLst/>
+                        <a:defRPr/>
+                      </a:pPr>
+                      <a:r>
+                        <a:rPr lang="en-GB" cap="small" dirty="0" smtClean="0"/>
+                        <a:t>Karina</a:t>
+                      </a:r>
+                      <a:r>
+                        <a:rPr lang="en-GB" cap="small" baseline="0" dirty="0" smtClean="0"/>
+                        <a:t> </a:t>
+                      </a:r>
+                      <a:r>
+                        <a:rPr lang="en-GB" cap="small" baseline="0" dirty="0" err="1" smtClean="0"/>
+                        <a:t>Karapetyan</a:t>
+                      </a:r>
+                      <a:endParaRPr lang="en-GB" cap="small" dirty="0" smtClean="0"/>
+                    </a:p>
+                    <a:p>
                       <a:endParaRPr lang="en-GB" cap="small" dirty="0"/>
                     </a:p>
                   </a:txBody>
@@ -7462,7 +7826,7 @@
                 </a:tc>
                 <a:extLst>
                   <a:ext uri="{0D108BD9-81ED-4DB2-BD59-A6C34878D82A}">
-                    <a16:rowId xmlns="" xmlns:a16="http://schemas.microsoft.com/office/drawing/2014/main" val="4013628509"/>
+                    <a16:rowId xmlns:a16="http://schemas.microsoft.com/office/drawing/2014/main" xmlns="" val="4013628509"/>
                   </a:ext>
                 </a:extLst>
               </a:tr>
@@ -7530,6 +7894,38 @@
                     <a:bodyPr/>
                     <a:lstStyle/>
                     <a:p>
+                      <a:pPr marL="0" marR="0" indent="0" algn="l" defTabSz="914400" rtl="0" eaLnBrk="1" fontAlgn="auto" latinLnBrk="0" hangingPunct="1">
+                        <a:lnSpc>
+                          <a:spcPct val="100000"/>
+                        </a:lnSpc>
+                        <a:spcBef>
+                          <a:spcPts val="0"/>
+                        </a:spcBef>
+                        <a:spcAft>
+                          <a:spcPts val="0"/>
+                        </a:spcAft>
+                        <a:buClrTx/>
+                        <a:buSzTx/>
+                        <a:buFontTx/>
+                        <a:buNone/>
+                        <a:tabLst/>
+                        <a:defRPr/>
+                      </a:pPr>
+                      <a:r>
+                        <a:rPr lang="en-GB" cap="small" dirty="0" smtClean="0"/>
+                        <a:t>Laurens</a:t>
+                      </a:r>
+                      <a:r>
+                        <a:rPr lang="en-GB" cap="small" baseline="0" dirty="0" smtClean="0"/>
+                        <a:t> </a:t>
+                      </a:r>
+                      <a:r>
+                        <a:rPr lang="en-GB" cap="small" baseline="0" dirty="0" err="1" smtClean="0"/>
+                        <a:t>Cleemput</a:t>
+                      </a:r>
+                      <a:endParaRPr lang="en-GB" cap="small" dirty="0" smtClean="0"/>
+                    </a:p>
+                    <a:p>
                       <a:endParaRPr lang="en-GB" cap="small" dirty="0"/>
                     </a:p>
                   </a:txBody>
@@ -7537,7 +7933,7 @@
                 </a:tc>
                 <a:extLst>
                   <a:ext uri="{0D108BD9-81ED-4DB2-BD59-A6C34878D82A}">
-                    <a16:rowId xmlns="" xmlns:a16="http://schemas.microsoft.com/office/drawing/2014/main" val="1545046261"/>
+                    <a16:rowId xmlns:a16="http://schemas.microsoft.com/office/drawing/2014/main" xmlns="" val="1545046261"/>
                   </a:ext>
                 </a:extLst>
               </a:tr>
@@ -7628,7 +8024,7 @@
     </p:spTree>
     <p:extLst>
       <p:ext uri="{BB962C8B-B14F-4D97-AF65-F5344CB8AC3E}">
-        <p14:creationId xmlns:p14="http://schemas.microsoft.com/office/powerpoint/2010/main" xmlns="" val="152465229"/>
+        <p14:creationId xmlns:p14="http://schemas.microsoft.com/office/powerpoint/2010/main" val="152465229"/>
       </p:ext>
     </p:extLst>
   </p:cSld>
@@ -7751,7 +8147,7 @@
             </a:clrChange>
             <a:extLst>
               <a:ext uri="{28A0092B-C50C-407E-A947-70E740481C1C}">
-                <a14:useLocalDpi xmlns:a14="http://schemas.microsoft.com/office/drawing/2010/main" xmlns="" val="0"/>
+                <a14:useLocalDpi xmlns:a14="http://schemas.microsoft.com/office/drawing/2010/main" val="0"/>
               </a:ext>
             </a:extLst>
           </a:blip>
@@ -7771,7 +8167,7 @@
           <a:noFill/>
           <a:extLst>
             <a:ext uri="{909E8E84-426E-40DD-AFC4-6F175D3DCCD1}">
-              <a14:hiddenFill xmlns:a14="http://schemas.microsoft.com/office/drawing/2010/main" xmlns="">
+              <a14:hiddenFill xmlns:a14="http://schemas.microsoft.com/office/drawing/2010/main">
                 <a:solidFill>
                   <a:srgbClr val="FFFFFF"/>
                 </a:solidFill>
@@ -7788,8 +8184,8 @@
         </p:nvSpPr>
         <p:spPr>
           <a:xfrm>
-            <a:off x="5220072" y="1094834"/>
-            <a:ext cx="3744416" cy="2290227"/>
+            <a:off x="4355976" y="980728"/>
+            <a:ext cx="4536504" cy="2352973"/>
           </a:xfrm>
           <a:prstGeom prst="roundRect">
             <a:avLst>
@@ -7825,11 +8221,56 @@
               <a:buChar char="•"/>
             </a:pPr>
             <a:r>
-              <a:rPr lang="nl-BE" sz="2000" dirty="0" smtClean="0">
-                <a:latin typeface="Sitka Banner" pitchFamily="2" charset="0"/>
-              </a:rPr>
-              <a:t>Onderscheid van use cases in aparte packages</a:t>
-            </a:r>
+              <a:rPr lang="nl-BE" sz="2400" dirty="0" err="1" smtClean="0">
+                <a:latin typeface="Sitka Banner" pitchFamily="2" charset="0"/>
+              </a:rPr>
+              <a:t>Each</a:t>
+            </a:r>
+            <a:r>
+              <a:rPr lang="nl-BE" sz="2400" dirty="0" smtClean="0">
+                <a:latin typeface="Sitka Banner" pitchFamily="2" charset="0"/>
+              </a:rPr>
+              <a:t> </a:t>
+            </a:r>
+            <a:r>
+              <a:rPr lang="nl-BE" sz="2400" dirty="0" err="1" smtClean="0">
+                <a:latin typeface="Sitka Banner" pitchFamily="2" charset="0"/>
+              </a:rPr>
+              <a:t>use</a:t>
+            </a:r>
+            <a:r>
+              <a:rPr lang="nl-BE" sz="2400" dirty="0" smtClean="0">
+                <a:latin typeface="Sitka Banner" pitchFamily="2" charset="0"/>
+              </a:rPr>
+              <a:t> case in separate class, </a:t>
+            </a:r>
+            <a:r>
+              <a:rPr lang="nl-BE" sz="2400" dirty="0" err="1" smtClean="0">
+                <a:latin typeface="Sitka Banner" pitchFamily="2" charset="0"/>
+              </a:rPr>
+              <a:t>grouped</a:t>
+            </a:r>
+            <a:r>
+              <a:rPr lang="nl-BE" sz="2400" dirty="0" smtClean="0">
+                <a:latin typeface="Sitka Banner" pitchFamily="2" charset="0"/>
+              </a:rPr>
+              <a:t> </a:t>
+            </a:r>
+            <a:r>
+              <a:rPr lang="nl-BE" sz="2400" dirty="0" err="1" smtClean="0">
+                <a:latin typeface="Sitka Banner" pitchFamily="2" charset="0"/>
+              </a:rPr>
+              <a:t>by</a:t>
+            </a:r>
+            <a:r>
+              <a:rPr lang="nl-BE" sz="2400" dirty="0" smtClean="0">
+                <a:latin typeface="Sitka Banner" pitchFamily="2" charset="0"/>
+              </a:rPr>
+              <a:t> user type</a:t>
+            </a:r>
+            <a:endParaRPr lang="nl-BE" sz="2400" dirty="0" smtClean="0">
+              <a:latin typeface="Sitka Banner" pitchFamily="2" charset="0"/>
+            </a:endParaRPr>
           </a:p>
           <a:p>
             <a:pPr marL="285750" indent="-285750">
@@ -7837,11 +8278,38 @@
               <a:buChar char="•"/>
             </a:pPr>
             <a:r>
-              <a:rPr lang="nl-BE" sz="2000" dirty="0" smtClean="0">
-                <a:latin typeface="Sitka Banner" pitchFamily="2" charset="0"/>
-              </a:rPr>
-              <a:t>Uitbreiding van domeinlaag: Mailbox, Milestone</a:t>
-            </a:r>
+              <a:rPr lang="nl-BE" sz="2400" dirty="0" err="1" smtClean="0">
+                <a:latin typeface="Sitka Banner" pitchFamily="2" charset="0"/>
+              </a:rPr>
+              <a:t>Extensions</a:t>
+            </a:r>
+            <a:r>
+              <a:rPr lang="nl-BE" sz="2400" dirty="0" smtClean="0">
+                <a:latin typeface="Sitka Banner" pitchFamily="2" charset="0"/>
+              </a:rPr>
+              <a:t> in domain </a:t>
+            </a:r>
+            <a:r>
+              <a:rPr lang="nl-BE" sz="2400" dirty="0" err="1" smtClean="0">
+                <a:latin typeface="Sitka Banner" pitchFamily="2" charset="0"/>
+              </a:rPr>
+              <a:t>layer</a:t>
+            </a:r>
+            <a:r>
+              <a:rPr lang="nl-BE" sz="2400" dirty="0" smtClean="0">
+                <a:latin typeface="Sitka Banner" pitchFamily="2" charset="0"/>
+              </a:rPr>
+              <a:t>: Mailbox, </a:t>
+            </a:r>
+            <a:r>
+              <a:rPr lang="nl-BE" sz="2400" dirty="0" err="1" smtClean="0">
+                <a:latin typeface="Sitka Banner" pitchFamily="2" charset="0"/>
+              </a:rPr>
+              <a:t>Milestone</a:t>
+            </a:r>
+            <a:endParaRPr lang="nl-BE" sz="2400" dirty="0" smtClean="0">
+              <a:latin typeface="Sitka Banner" pitchFamily="2" charset="0"/>
+            </a:endParaRPr>
           </a:p>
           <a:p>
             <a:pPr marL="285750" indent="-285750">
@@ -7849,350 +8317,57 @@
               <a:buChar char="•"/>
             </a:pPr>
             <a:r>
-              <a:rPr lang="nl-BE" sz="2000" dirty="0" smtClean="0">
-                <a:latin typeface="Sitka Banner" pitchFamily="2" charset="0"/>
-              </a:rPr>
-              <a:t>Uitbreiding domeinlaag toegevoegd zoals in de eerste iteratie</a:t>
-            </a:r>
+              <a:rPr lang="nl-BE" sz="2400" dirty="0" smtClean="0">
+                <a:latin typeface="Sitka Banner" pitchFamily="2" charset="0"/>
+              </a:rPr>
+              <a:t>New classes </a:t>
+            </a:r>
+            <a:r>
+              <a:rPr lang="nl-BE" sz="2400" dirty="0" err="1" smtClean="0">
+                <a:latin typeface="Sitka Banner" pitchFamily="2" charset="0"/>
+              </a:rPr>
+              <a:t>added</a:t>
+            </a:r>
+            <a:r>
+              <a:rPr lang="nl-BE" sz="2400" dirty="0" smtClean="0">
+                <a:latin typeface="Sitka Banner" pitchFamily="2" charset="0"/>
+              </a:rPr>
+              <a:t> in </a:t>
+            </a:r>
+            <a:r>
+              <a:rPr lang="nl-BE" sz="2400" dirty="0" err="1" smtClean="0">
+                <a:latin typeface="Sitka Banner" pitchFamily="2" charset="0"/>
+              </a:rPr>
+              <a:t>similiar</a:t>
+            </a:r>
+            <a:r>
+              <a:rPr lang="nl-BE" sz="2400" dirty="0" smtClean="0">
+                <a:latin typeface="Sitka Banner" pitchFamily="2" charset="0"/>
+              </a:rPr>
+              <a:t> fashion </a:t>
+            </a:r>
+            <a:r>
+              <a:rPr lang="nl-BE" sz="2400" dirty="0" err="1" smtClean="0">
+                <a:latin typeface="Sitka Banner" pitchFamily="2" charset="0"/>
+              </a:rPr>
+              <a:t>to</a:t>
+            </a:r>
+            <a:r>
+              <a:rPr lang="nl-BE" sz="2400" dirty="0" smtClean="0">
+                <a:latin typeface="Sitka Banner" pitchFamily="2" charset="0"/>
+              </a:rPr>
+              <a:t> iteration 1</a:t>
+            </a:r>
+            <a:endParaRPr lang="nl-BE" sz="2400" dirty="0" smtClean="0">
+              <a:latin typeface="Sitka Banner" pitchFamily="2" charset="0"/>
+            </a:endParaRPr>
           </a:p>
         </p:txBody>
       </p:sp>
     </p:spTree>
     <p:extLst>
       <p:ext uri="{BB962C8B-B14F-4D97-AF65-F5344CB8AC3E}">
-        <p14:creationId xmlns:p14="http://schemas.microsoft.com/office/powerpoint/2010/main" xmlns="" val="4238244720"/>
-      </p:ext>
-    </p:extLst>
-  </p:cSld>
-  <p:clrMapOvr>
-    <a:masterClrMapping/>
-  </p:clrMapOvr>
-  <p:transition>
-    <p:fade/>
-  </p:transition>
-</p:sld>
-</file>
-
-<file path=ppt/slides/slide4.xml><?xml version="1.0" encoding="utf-8"?>
-<p:sld xmlns:a="http://schemas.openxmlformats.org/drawingml/2006/main" xmlns:r="http://schemas.openxmlformats.org/officeDocument/2006/relationships" xmlns:p="http://schemas.openxmlformats.org/presentationml/2006/main">
-  <p:cSld>
-    <p:spTree>
-      <p:nvGrpSpPr>
-        <p:cNvPr id="1" name=""/>
-        <p:cNvGrpSpPr/>
-        <p:nvPr/>
-      </p:nvGrpSpPr>
-      <p:grpSpPr>
-        <a:xfrm>
-          <a:off x="0" y="0"/>
-          <a:ext cx="0" cy="0"/>
-          <a:chOff x="0" y="0"/>
-          <a:chExt cx="0" cy="0"/>
-        </a:xfrm>
-      </p:grpSpPr>
-      <p:sp>
-        <p:nvSpPr>
-          <p:cNvPr id="2" name="Titel 1"/>
-          <p:cNvSpPr>
-            <a:spLocks noGrp="1"/>
-          </p:cNvSpPr>
-          <p:nvPr>
-            <p:ph type="title"/>
-          </p:nvPr>
-        </p:nvSpPr>
-        <p:spPr/>
-        <p:txBody>
-          <a:bodyPr>
-            <a:normAutofit/>
-          </a:bodyPr>
-          <a:lstStyle/>
-          <a:p>
-            <a:r>
-              <a:rPr lang="nl-BE" sz="3600" cap="small" dirty="0" smtClean="0">
-                <a:ln w="18415" cmpd="sng">
-                  <a:solidFill>
-                    <a:schemeClr val="tx1">
-                      <a:alpha val="0"/>
-                    </a:schemeClr>
-                  </a:solidFill>
-                  <a:prstDash val="solid"/>
-                </a:ln>
-                <a:effectLst>
-                  <a:outerShdw blurRad="25400" dir="3600000" algn="tl" rotWithShape="0">
-                    <a:srgbClr val="000000">
-                      <a:alpha val="70000"/>
-                    </a:srgbClr>
-                  </a:outerShdw>
-                </a:effectLst>
-                <a:latin typeface="Sitka Text" pitchFamily="2" charset="0"/>
-              </a:rPr>
-              <a:t>More </a:t>
-            </a:r>
-            <a:r>
-              <a:rPr lang="nl-BE" sz="3600" cap="small" dirty="0" err="1" smtClean="0">
-                <a:ln w="18415" cmpd="sng">
-                  <a:solidFill>
-                    <a:schemeClr val="tx1">
-                      <a:alpha val="0"/>
-                    </a:schemeClr>
-                  </a:solidFill>
-                  <a:prstDash val="solid"/>
-                </a:ln>
-                <a:effectLst>
-                  <a:outerShdw blurRad="25400" dir="3600000" algn="tl" rotWithShape="0">
-                    <a:srgbClr val="000000">
-                      <a:alpha val="70000"/>
-                    </a:srgbClr>
-                  </a:outerShdw>
-                </a:effectLst>
-                <a:latin typeface="Sitka Text" pitchFamily="2" charset="0"/>
-              </a:rPr>
-              <a:t>detailed</a:t>
-            </a:r>
-            <a:r>
-              <a:rPr lang="nl-BE" sz="3600" cap="small" dirty="0" smtClean="0">
-                <a:ln w="18415" cmpd="sng">
-                  <a:solidFill>
-                    <a:schemeClr val="tx1">
-                      <a:alpha val="0"/>
-                    </a:schemeClr>
-                  </a:solidFill>
-                  <a:prstDash val="solid"/>
-                </a:ln>
-                <a:effectLst>
-                  <a:outerShdw blurRad="25400" dir="3600000" algn="tl" rotWithShape="0">
-                    <a:srgbClr val="000000">
-                      <a:alpha val="70000"/>
-                    </a:srgbClr>
-                  </a:outerShdw>
-                </a:effectLst>
-                <a:latin typeface="Sitka Text" pitchFamily="2" charset="0"/>
-              </a:rPr>
-              <a:t> </a:t>
-            </a:r>
-            <a:r>
-              <a:rPr lang="nl-BE" sz="3600" cap="small" dirty="0" err="1" smtClean="0">
-                <a:ln w="18415" cmpd="sng">
-                  <a:solidFill>
-                    <a:schemeClr val="tx1">
-                      <a:alpha val="0"/>
-                    </a:schemeClr>
-                  </a:solidFill>
-                  <a:prstDash val="solid"/>
-                </a:ln>
-                <a:effectLst>
-                  <a:outerShdw blurRad="25400" dir="3600000" algn="tl" rotWithShape="0">
-                    <a:srgbClr val="000000">
-                      <a:alpha val="70000"/>
-                    </a:srgbClr>
-                  </a:outerShdw>
-                </a:effectLst>
-                <a:latin typeface="Sitka Text" pitchFamily="2" charset="0"/>
-              </a:rPr>
-              <a:t>parts</a:t>
-            </a:r>
-            <a:endParaRPr lang="nl-BE" sz="3600" cap="small" dirty="0">
-              <a:ln w="18415" cmpd="sng">
-                <a:solidFill>
-                  <a:schemeClr val="tx1">
-                    <a:alpha val="0"/>
-                  </a:schemeClr>
-                </a:solidFill>
-                <a:prstDash val="solid"/>
-              </a:ln>
-              <a:effectLst>
-                <a:outerShdw blurRad="25400" dir="3600000" algn="tl" rotWithShape="0">
-                  <a:srgbClr val="000000">
-                    <a:alpha val="70000"/>
-                  </a:srgbClr>
-                </a:outerShdw>
-              </a:effectLst>
-              <a:latin typeface="Sitka Text" pitchFamily="2" charset="0"/>
-            </a:endParaRPr>
-          </a:p>
-        </p:txBody>
-      </p:sp>
-      <p:sp>
-        <p:nvSpPr>
-          <p:cNvPr id="3" name="Tijdelijke aanduiding voor inhoud 2"/>
-          <p:cNvSpPr>
-            <a:spLocks noGrp="1"/>
-          </p:cNvSpPr>
-          <p:nvPr>
-            <p:ph idx="1"/>
-          </p:nvPr>
-        </p:nvSpPr>
-        <p:spPr>
-          <a:xfrm>
-            <a:off x="662880" y="1600200"/>
-            <a:ext cx="8229600" cy="4525963"/>
-          </a:xfrm>
-        </p:spPr>
-        <p:txBody>
-          <a:bodyPr>
-            <a:normAutofit lnSpcReduction="10000"/>
-          </a:bodyPr>
-          <a:lstStyle/>
-          <a:p>
-            <a:pPr marL="0" indent="0">
-              <a:buNone/>
-            </a:pPr>
-            <a:r>
-              <a:rPr lang="nl-BE" sz="2800" dirty="0" smtClean="0">
-                <a:latin typeface="Sitka Display" pitchFamily="2" charset="0"/>
-              </a:rPr>
-              <a:t>(x) Services </a:t>
-            </a:r>
-            <a:r>
-              <a:rPr lang="nl-BE" sz="2800" dirty="0" smtClean="0">
-                <a:latin typeface="Sitka Display" pitchFamily="2" charset="0"/>
-              </a:rPr>
-              <a:t>niet meer </a:t>
-            </a:r>
-            <a:r>
-              <a:rPr lang="nl-BE" sz="2800" dirty="0" smtClean="0">
-                <a:latin typeface="Sitka Display" pitchFamily="2" charset="0"/>
-              </a:rPr>
-              <a:t>uitleggen </a:t>
-            </a:r>
-            <a:endParaRPr lang="nl-BE" sz="2800" dirty="0" smtClean="0">
-              <a:latin typeface="Sitka Display" pitchFamily="2" charset="0"/>
-            </a:endParaRPr>
-          </a:p>
-          <a:p>
-            <a:pPr marL="0" indent="0">
-              <a:buNone/>
-            </a:pPr>
-            <a:r>
-              <a:rPr lang="nl-BE" sz="2800" dirty="0" smtClean="0">
-                <a:latin typeface="Sitka Display" pitchFamily="2" charset="0"/>
-              </a:rPr>
-              <a:t>(x) Uitleg </a:t>
-            </a:r>
-            <a:r>
-              <a:rPr lang="nl-BE" sz="2800" dirty="0" smtClean="0">
-                <a:latin typeface="Sitka Display" pitchFamily="2" charset="0"/>
-              </a:rPr>
-              <a:t>over structuur van use cases (bij extensibility use case toevoegen op uml) + eerste deel van use case SD laten zien tot run()</a:t>
-            </a:r>
-          </a:p>
-          <a:p>
-            <a:pPr marL="0" indent="0">
-              <a:buNone/>
-            </a:pPr>
-            <a:r>
-              <a:rPr lang="nl-BE" sz="2800" dirty="0" smtClean="0">
-                <a:latin typeface="Sitka Display" pitchFamily="2" charset="0"/>
-              </a:rPr>
-              <a:t>(x) Uitleg </a:t>
-            </a:r>
-            <a:r>
-              <a:rPr lang="nl-BE" sz="2800" dirty="0" smtClean="0">
-                <a:latin typeface="Sitka Display" pitchFamily="2" charset="0"/>
-              </a:rPr>
-              <a:t>over design patterns: Observer, Memento, Stat + Strat ?</a:t>
-            </a:r>
-          </a:p>
-          <a:p>
-            <a:pPr marL="0" indent="0">
-              <a:buNone/>
-            </a:pPr>
-            <a:endParaRPr lang="nl-BE" sz="2800" dirty="0">
-              <a:latin typeface="Sitka Display" pitchFamily="2" charset="0"/>
-            </a:endParaRPr>
-          </a:p>
-          <a:p>
-            <a:pPr marL="0" indent="0">
-              <a:buNone/>
-            </a:pPr>
-            <a:r>
-              <a:rPr lang="nl-BE" sz="2800" dirty="0" smtClean="0">
-                <a:latin typeface="Sitka Display" pitchFamily="2" charset="0"/>
-              </a:rPr>
-              <a:t>Tonen en uitleggen van </a:t>
-            </a:r>
-            <a:r>
-              <a:rPr lang="nl-BE" sz="2800" dirty="0" err="1" smtClean="0">
-                <a:latin typeface="Sitka Display" pitchFamily="2" charset="0"/>
-              </a:rPr>
-              <a:t>sequence</a:t>
-            </a:r>
-            <a:r>
-              <a:rPr lang="nl-BE" sz="2800" dirty="0" smtClean="0">
-                <a:latin typeface="Sitka Display" pitchFamily="2" charset="0"/>
-              </a:rPr>
-              <a:t> </a:t>
-            </a:r>
-            <a:r>
-              <a:rPr lang="nl-BE" sz="2800" dirty="0" err="1" smtClean="0">
-                <a:latin typeface="Sitka Display" pitchFamily="2" charset="0"/>
-              </a:rPr>
-              <a:t>diagrams</a:t>
-            </a:r>
-            <a:r>
-              <a:rPr lang="nl-BE" sz="2800" dirty="0" smtClean="0">
-                <a:latin typeface="Sitka Display" pitchFamily="2" charset="0"/>
-              </a:rPr>
-              <a:t> voor de meest complexe </a:t>
-            </a:r>
-            <a:r>
-              <a:rPr lang="nl-BE" sz="2800" dirty="0" err="1" smtClean="0">
-                <a:latin typeface="Sitka Display" pitchFamily="2" charset="0"/>
-              </a:rPr>
-              <a:t>use</a:t>
-            </a:r>
-            <a:r>
-              <a:rPr lang="nl-BE" sz="2800" dirty="0" smtClean="0">
-                <a:latin typeface="Sitka Display" pitchFamily="2" charset="0"/>
-              </a:rPr>
-              <a:t> cases, bij voorkeur met link voor design </a:t>
-            </a:r>
-            <a:r>
-              <a:rPr lang="nl-BE" sz="2800" dirty="0" err="1" smtClean="0">
-                <a:latin typeface="Sitka Display" pitchFamily="2" charset="0"/>
-              </a:rPr>
-              <a:t>patterns</a:t>
-            </a:r>
-            <a:endParaRPr lang="nl-BE" sz="2800" dirty="0" smtClean="0">
-              <a:latin typeface="Sitka Display" pitchFamily="2" charset="0"/>
-            </a:endParaRPr>
-          </a:p>
-          <a:p>
-            <a:pPr marL="0" indent="0">
-              <a:buNone/>
-            </a:pPr>
-            <a:endParaRPr lang="nl-BE" sz="2800" dirty="0" smtClean="0">
-              <a:latin typeface="Sitka Display" pitchFamily="2" charset="0"/>
-            </a:endParaRPr>
-          </a:p>
-          <a:p>
-            <a:pPr marL="0" indent="0">
-              <a:buNone/>
-            </a:pPr>
-            <a:endParaRPr lang="nl-BE" sz="2800" dirty="0">
-              <a:latin typeface="Sitka Display" pitchFamily="2" charset="0"/>
-            </a:endParaRPr>
-          </a:p>
-          <a:p>
-            <a:pPr marL="0" indent="0">
-              <a:buNone/>
-            </a:pPr>
-            <a:endParaRPr lang="nl-BE" sz="2400" dirty="0" smtClean="0">
-              <a:latin typeface="Sitka Display" pitchFamily="2" charset="0"/>
-            </a:endParaRPr>
-          </a:p>
-          <a:p>
-            <a:pPr marL="0" indent="0">
-              <a:buNone/>
-            </a:pPr>
-            <a:endParaRPr lang="nl-BE" sz="2800" dirty="0"/>
-          </a:p>
-        </p:txBody>
-      </p:sp>
-    </p:spTree>
-    <p:extLst>
-      <p:ext uri="{BB962C8B-B14F-4D97-AF65-F5344CB8AC3E}">
-        <p14:creationId xmlns:p14="http://schemas.microsoft.com/office/powerpoint/2010/main" xmlns="" val="983478496"/>
+        <p14:creationId xmlns:p14="http://schemas.microsoft.com/office/powerpoint/2010/main" val="4238244720"/>
       </p:ext>
     </p:extLst>
   </p:cSld>
@@ -8212,7 +8387,7 @@
 </p:sld>
 </file>
 
-<file path=ppt/slides/slide5.xml><?xml version="1.0" encoding="utf-8"?>
+<file path=ppt/slides/slide4.xml><?xml version="1.0" encoding="utf-8"?>
 <p:sld xmlns:a="http://schemas.openxmlformats.org/drawingml/2006/main" xmlns:r="http://schemas.openxmlformats.org/officeDocument/2006/relationships" xmlns:p="http://schemas.openxmlformats.org/presentationml/2006/main">
   <p:cSld>
     <p:bg>
@@ -8393,10 +8568,17 @@
   <p:transition>
     <p:fade/>
   </p:transition>
+  <p:timing>
+    <p:tnLst>
+      <p:par>
+        <p:cTn id="1" dur="indefinite" restart="never" nodeType="tmRoot"/>
+      </p:par>
+    </p:tnLst>
+  </p:timing>
 </p:sld>
 </file>
 
-<file path=ppt/slides/slide6.xml><?xml version="1.0" encoding="utf-8"?>
+<file path=ppt/slides/slide5.xml><?xml version="1.0" encoding="utf-8"?>
 <p:sld xmlns:a="http://schemas.openxmlformats.org/drawingml/2006/main" xmlns:r="http://schemas.openxmlformats.org/officeDocument/2006/relationships" xmlns:p="http://schemas.openxmlformats.org/presentationml/2006/main">
   <p:cSld>
     <p:spTree>
@@ -8514,10 +8696,17 @@
   <p:transition>
     <p:fade/>
   </p:transition>
+  <p:timing>
+    <p:tnLst>
+      <p:par>
+        <p:cTn id="1" dur="indefinite" restart="never" nodeType="tmRoot"/>
+      </p:par>
+    </p:tnLst>
+  </p:timing>
 </p:sld>
 </file>
 
-<file path=ppt/slides/slide7.xml><?xml version="1.0" encoding="utf-8"?>
+<file path=ppt/slides/slide6.xml><?xml version="1.0" encoding="utf-8"?>
 <p:sld xmlns:a="http://schemas.openxmlformats.org/drawingml/2006/main" xmlns:r="http://schemas.openxmlformats.org/officeDocument/2006/relationships" xmlns:p="http://schemas.openxmlformats.org/presentationml/2006/main">
   <p:cSld>
     <p:spTree>
@@ -8620,10 +8809,17 @@
   <p:transition>
     <p:fade/>
   </p:transition>
+  <p:timing>
+    <p:tnLst>
+      <p:par>
+        <p:cTn id="1" dur="indefinite" restart="never" nodeType="tmRoot"/>
+      </p:par>
+    </p:tnLst>
+  </p:timing>
 </p:sld>
 </file>
 
-<file path=ppt/slides/slide8.xml><?xml version="1.0" encoding="utf-8"?>
+<file path=ppt/slides/slide7.xml><?xml version="1.0" encoding="utf-8"?>
 <p:sld xmlns:a="http://schemas.openxmlformats.org/drawingml/2006/main" xmlns:r="http://schemas.openxmlformats.org/officeDocument/2006/relationships" xmlns:p="http://schemas.openxmlformats.org/presentationml/2006/main">
   <p:cSld>
     <p:spTree>
@@ -8891,7 +9087,7 @@
     </p:spTree>
     <p:extLst>
       <p:ext uri="{BB962C8B-B14F-4D97-AF65-F5344CB8AC3E}">
-        <p14:creationId xmlns:p14="http://schemas.microsoft.com/office/powerpoint/2010/main" xmlns="" val="467284758"/>
+        <p14:creationId xmlns:p14="http://schemas.microsoft.com/office/powerpoint/2010/main" val="467284758"/>
       </p:ext>
     </p:extLst>
   </p:cSld>
@@ -8901,6 +9097,273 @@
   <p:transition>
     <p:fade/>
   </p:transition>
+  <p:timing>
+    <p:tnLst>
+      <p:par>
+        <p:cTn id="1" dur="indefinite" restart="never" nodeType="tmRoot"/>
+      </p:par>
+    </p:tnLst>
+  </p:timing>
+</p:sld>
+</file>
+
+<file path=ppt/slides/slide8.xml><?xml version="1.0" encoding="utf-8"?>
+<p:sld xmlns:a="http://schemas.openxmlformats.org/drawingml/2006/main" xmlns:r="http://schemas.openxmlformats.org/officeDocument/2006/relationships" xmlns:p="http://schemas.openxmlformats.org/presentationml/2006/main">
+  <p:cSld>
+    <p:spTree>
+      <p:nvGrpSpPr>
+        <p:cNvPr id="1" name=""/>
+        <p:cNvGrpSpPr/>
+        <p:nvPr/>
+      </p:nvGrpSpPr>
+      <p:grpSpPr>
+        <a:xfrm>
+          <a:off x="0" y="0"/>
+          <a:ext cx="0" cy="0"/>
+          <a:chOff x="0" y="0"/>
+          <a:chExt cx="0" cy="0"/>
+        </a:xfrm>
+      </p:grpSpPr>
+      <p:sp>
+        <p:nvSpPr>
+          <p:cNvPr id="2" name="Titel 1"/>
+          <p:cNvSpPr>
+            <a:spLocks noGrp="1"/>
+          </p:cNvSpPr>
+          <p:nvPr>
+            <p:ph type="title"/>
+          </p:nvPr>
+        </p:nvSpPr>
+        <p:spPr/>
+        <p:txBody>
+          <a:bodyPr>
+            <a:normAutofit/>
+          </a:bodyPr>
+          <a:lstStyle/>
+          <a:p>
+            <a:r>
+              <a:rPr lang="nl-BE" sz="3600" cap="small" dirty="0" smtClean="0">
+                <a:ln w="18415" cmpd="sng">
+                  <a:solidFill>
+                    <a:schemeClr val="tx1">
+                      <a:alpha val="0"/>
+                    </a:schemeClr>
+                  </a:solidFill>
+                  <a:prstDash val="solid"/>
+                </a:ln>
+                <a:effectLst>
+                  <a:outerShdw blurRad="25400" dir="3600000" algn="tl" rotWithShape="0">
+                    <a:srgbClr val="000000">
+                      <a:alpha val="70000"/>
+                    </a:srgbClr>
+                  </a:outerShdw>
+                </a:effectLst>
+                <a:latin typeface="Sitka Text" pitchFamily="2" charset="0"/>
+              </a:rPr>
+              <a:t>Usage of the domain layer</a:t>
+            </a:r>
+            <a:endParaRPr lang="nl-BE" sz="3600" cap="small" dirty="0">
+              <a:ln w="18415" cmpd="sng">
+                <a:solidFill>
+                  <a:schemeClr val="tx1">
+                    <a:alpha val="0"/>
+                  </a:schemeClr>
+                </a:solidFill>
+                <a:prstDash val="solid"/>
+              </a:ln>
+              <a:effectLst>
+                <a:outerShdw blurRad="25400" dir="3600000" algn="tl" rotWithShape="0">
+                  <a:srgbClr val="000000">
+                    <a:alpha val="70000"/>
+                  </a:srgbClr>
+                </a:outerShdw>
+              </a:effectLst>
+              <a:latin typeface="Sitka Text" pitchFamily="2" charset="0"/>
+            </a:endParaRPr>
+          </a:p>
+        </p:txBody>
+      </p:sp>
+      <p:pic>
+        <p:nvPicPr>
+          <p:cNvPr id="6" name="Afbeelding 5"/>
+          <p:cNvPicPr>
+            <a:picLocks noChangeAspect="1"/>
+          </p:cNvPicPr>
+          <p:nvPr/>
+        </p:nvPicPr>
+        <p:blipFill>
+          <a:blip r:embed="rId2" cstate="print">
+            <a:clrChange>
+              <a:clrFrom>
+                <a:srgbClr val="FFFFFF"/>
+              </a:clrFrom>
+              <a:clrTo>
+                <a:srgbClr val="FFFFFF">
+                  <a:alpha val="0"/>
+                </a:srgbClr>
+              </a:clrTo>
+            </a:clrChange>
+            <a:extLst>
+              <a:ext uri="{28A0092B-C50C-407E-A947-70E740481C1C}">
+                <a14:useLocalDpi xmlns:a14="http://schemas.microsoft.com/office/drawing/2010/main" val="0"/>
+              </a:ext>
+            </a:extLst>
+          </a:blip>
+          <a:stretch>
+            <a:fillRect/>
+          </a:stretch>
+        </p:blipFill>
+        <p:spPr>
+          <a:xfrm>
+            <a:off x="2123728" y="1170722"/>
+            <a:ext cx="6165761" cy="5687278"/>
+          </a:xfrm>
+          <a:prstGeom prst="rect">
+            <a:avLst/>
+          </a:prstGeom>
+        </p:spPr>
+      </p:pic>
+      <p:sp>
+        <p:nvSpPr>
+          <p:cNvPr id="7" name="Rechthoek 6"/>
+          <p:cNvSpPr/>
+          <p:nvPr/>
+        </p:nvSpPr>
+        <p:spPr>
+          <a:xfrm>
+            <a:off x="2987824" y="3284984"/>
+            <a:ext cx="1584176" cy="576064"/>
+          </a:xfrm>
+          <a:prstGeom prst="rect">
+            <a:avLst/>
+          </a:prstGeom>
+          <a:noFill/>
+          <a:ln>
+            <a:solidFill>
+              <a:srgbClr val="FF0000"/>
+            </a:solidFill>
+          </a:ln>
+        </p:spPr>
+        <p:style>
+          <a:lnRef idx="2">
+            <a:schemeClr val="accent1">
+              <a:shade val="50000"/>
+            </a:schemeClr>
+          </a:lnRef>
+          <a:fillRef idx="1">
+            <a:schemeClr val="accent1"/>
+          </a:fillRef>
+          <a:effectRef idx="0">
+            <a:schemeClr val="accent1"/>
+          </a:effectRef>
+          <a:fontRef idx="minor">
+            <a:schemeClr val="lt1"/>
+          </a:fontRef>
+        </p:style>
+        <p:txBody>
+          <a:bodyPr rtlCol="0" anchor="ctr"/>
+          <a:lstStyle/>
+          <a:p>
+            <a:pPr algn="ctr"/>
+            <a:endParaRPr lang="nl-NL"/>
+          </a:p>
+        </p:txBody>
+      </p:sp>
+      <p:pic>
+        <p:nvPicPr>
+          <p:cNvPr id="5" name="Afbeelding 4"/>
+          <p:cNvPicPr>
+            <a:picLocks noChangeAspect="1"/>
+          </p:cNvPicPr>
+          <p:nvPr/>
+        </p:nvPicPr>
+        <p:blipFill rotWithShape="1">
+          <a:blip r:embed="rId2" cstate="print">
+            <a:clrChange>
+              <a:clrFrom>
+                <a:srgbClr val="FFFFFF"/>
+              </a:clrFrom>
+              <a:clrTo>
+                <a:srgbClr val="FFFFFF">
+                  <a:alpha val="0"/>
+                </a:srgbClr>
+              </a:clrTo>
+            </a:clrChange>
+            <a:extLst>
+              <a:ext uri="{28A0092B-C50C-407E-A947-70E740481C1C}">
+                <a14:useLocalDpi xmlns:a14="http://schemas.microsoft.com/office/drawing/2010/main" val="0"/>
+              </a:ext>
+            </a:extLst>
+          </a:blip>
+          <a:srcRect l="13851" t="33994" r="59869" b="52680"/>
+          <a:stretch/>
+        </p:blipFill>
+        <p:spPr>
+          <a:xfrm>
+            <a:off x="504825" y="4665518"/>
+            <a:ext cx="3297628" cy="1542441"/>
+          </a:xfrm>
+          <a:prstGeom prst="rect">
+            <a:avLst/>
+          </a:prstGeom>
+        </p:spPr>
+      </p:pic>
+      <p:cxnSp>
+        <p:nvCxnSpPr>
+          <p:cNvPr id="4" name="Rechte verbindingslijn met pijl 3"/>
+          <p:cNvCxnSpPr/>
+          <p:nvPr/>
+        </p:nvCxnSpPr>
+        <p:spPr>
+          <a:xfrm flipH="1">
+            <a:off x="2843808" y="4014361"/>
+            <a:ext cx="648072" cy="494759"/>
+          </a:xfrm>
+          <a:prstGeom prst="straightConnector1">
+            <a:avLst/>
+          </a:prstGeom>
+          <a:ln w="57150">
+            <a:solidFill>
+              <a:schemeClr val="tx1"/>
+            </a:solidFill>
+            <a:tailEnd type="arrow"/>
+          </a:ln>
+        </p:spPr>
+        <p:style>
+          <a:lnRef idx="1">
+            <a:schemeClr val="accent1"/>
+          </a:lnRef>
+          <a:fillRef idx="0">
+            <a:schemeClr val="accent1"/>
+          </a:fillRef>
+          <a:effectRef idx="0">
+            <a:schemeClr val="accent1"/>
+          </a:effectRef>
+          <a:fontRef idx="minor">
+            <a:schemeClr val="tx1"/>
+          </a:fontRef>
+        </p:style>
+      </p:cxnSp>
+    </p:spTree>
+    <p:extLst>
+      <p:ext uri="{BB962C8B-B14F-4D97-AF65-F5344CB8AC3E}">
+        <p14:creationId xmlns:p14="http://schemas.microsoft.com/office/powerpoint/2010/main" val="307230627"/>
+      </p:ext>
+    </p:extLst>
+  </p:cSld>
+  <p:clrMapOvr>
+    <a:masterClrMapping/>
+  </p:clrMapOvr>
+  <p:transition>
+    <p:fade/>
+  </p:transition>
+  <p:timing>
+    <p:tnLst>
+      <p:par>
+        <p:cTn id="1" dur="indefinite" restart="never" nodeType="tmRoot"/>
+      </p:par>
+    </p:tnLst>
+  </p:timing>
 </p:sld>
 </file>
 
@@ -8933,13 +9396,11 @@
         </p:nvSpPr>
         <p:spPr/>
         <p:txBody>
-          <a:bodyPr>
-            <a:normAutofit/>
-          </a:bodyPr>
+          <a:bodyPr/>
           <a:lstStyle/>
           <a:p>
             <a:r>
-              <a:rPr lang="nl-BE" sz="3600" cap="small" dirty="0" smtClean="0">
+              <a:rPr lang="nl-BE" sz="3600" cap="small" dirty="0">
                 <a:ln w="18415" cmpd="sng">
                   <a:solidFill>
                     <a:schemeClr val="tx1">
@@ -8957,36 +9418,45 @@
                 </a:effectLst>
                 <a:latin typeface="Sitka Text" pitchFamily="2" charset="0"/>
               </a:rPr>
-              <a:t>Usage of the domain layer</a:t>
-            </a:r>
-            <a:endParaRPr lang="nl-BE" sz="3600" cap="small" dirty="0">
-              <a:ln w="18415" cmpd="sng">
-                <a:solidFill>
-                  <a:schemeClr val="tx1">
-                    <a:alpha val="0"/>
-                  </a:schemeClr>
-                </a:solidFill>
-                <a:prstDash val="solid"/>
-              </a:ln>
-              <a:effectLst>
-                <a:outerShdw blurRad="25400" dir="3600000" algn="tl" rotWithShape="0">
-                  <a:srgbClr val="000000">
-                    <a:alpha val="70000"/>
-                  </a:srgbClr>
-                </a:outerShdw>
-              </a:effectLst>
-              <a:latin typeface="Sitka Text" pitchFamily="2" charset="0"/>
-            </a:endParaRPr>
+              <a:t>State</a:t>
+            </a:r>
+            <a:r>
+              <a:rPr lang="nl-BE" dirty="0" smtClean="0"/>
+              <a:t> </a:t>
+            </a:r>
+            <a:r>
+              <a:rPr lang="nl-BE" sz="3600" cap="small" dirty="0">
+                <a:ln w="18415" cmpd="sng">
+                  <a:solidFill>
+                    <a:schemeClr val="tx1">
+                      <a:alpha val="0"/>
+                    </a:schemeClr>
+                  </a:solidFill>
+                  <a:prstDash val="solid"/>
+                </a:ln>
+                <a:effectLst>
+                  <a:outerShdw blurRad="25400" dir="3600000" algn="tl" rotWithShape="0">
+                    <a:srgbClr val="000000">
+                      <a:alpha val="70000"/>
+                    </a:srgbClr>
+                  </a:outerShdw>
+                </a:effectLst>
+                <a:latin typeface="Sitka Text" pitchFamily="2" charset="0"/>
+              </a:rPr>
+              <a:t>pattern: Abstract</a:t>
+            </a:r>
           </a:p>
         </p:txBody>
       </p:sp>
       <p:pic>
         <p:nvPicPr>
-          <p:cNvPr id="6" name="Afbeelding 5"/>
+          <p:cNvPr id="4" name="Tijdelijke aanduiding voor inhoud 3"/>
           <p:cNvPicPr>
-            <a:picLocks noChangeAspect="1"/>
+            <a:picLocks noGrp="1" noChangeAspect="1"/>
           </p:cNvPicPr>
-          <p:nvPr/>
+          <p:nvPr>
+            <p:ph idx="1"/>
+          </p:nvPr>
         </p:nvPicPr>
         <p:blipFill>
           <a:blip r:embed="rId2" cstate="print">
@@ -9002,7 +9472,7 @@
             </a:clrChange>
             <a:extLst>
               <a:ext uri="{28A0092B-C50C-407E-A947-70E740481C1C}">
-                <a14:useLocalDpi xmlns:a14="http://schemas.microsoft.com/office/drawing/2010/main" xmlns="" val="0"/>
+                <a14:useLocalDpi xmlns:a14="http://schemas.microsoft.com/office/drawing/2010/main" val="0"/>
               </a:ext>
             </a:extLst>
           </a:blip>
@@ -9012,64 +9482,111 @@
         </p:blipFill>
         <p:spPr>
           <a:xfrm>
-            <a:off x="1489119" y="1170722"/>
-            <a:ext cx="6165761" cy="5687278"/>
+            <a:off x="99368" y="3626089"/>
+            <a:ext cx="8937128" cy="1819135"/>
           </a:xfrm>
-          <a:prstGeom prst="rect">
-            <a:avLst/>
-          </a:prstGeom>
         </p:spPr>
       </p:pic>
       <p:sp>
         <p:nvSpPr>
-          <p:cNvPr id="7" name="Rechthoek 6"/>
-          <p:cNvSpPr/>
+          <p:cNvPr id="5" name="Tekstvak 4"/>
+          <p:cNvSpPr txBox="1"/>
           <p:nvPr/>
         </p:nvSpPr>
         <p:spPr>
           <a:xfrm>
-            <a:off x="2339752" y="3284984"/>
-            <a:ext cx="1656184" cy="576064"/>
+            <a:off x="2857428" y="2420888"/>
+            <a:ext cx="3429144" cy="400110"/>
           </a:xfrm>
           <a:prstGeom prst="rect">
             <a:avLst/>
           </a:prstGeom>
           <a:noFill/>
-          <a:ln>
-            <a:solidFill>
-              <a:srgbClr val="FF0000"/>
-            </a:solidFill>
-          </a:ln>
         </p:spPr>
         <p:style>
           <a:lnRef idx="2">
-            <a:schemeClr val="accent1">
-              <a:shade val="50000"/>
-            </a:schemeClr>
+            <a:schemeClr val="dk1"/>
           </a:lnRef>
           <a:fillRef idx="1">
-            <a:schemeClr val="accent1"/>
+            <a:schemeClr val="lt1"/>
           </a:fillRef>
           <a:effectRef idx="0">
-            <a:schemeClr val="accent1"/>
+            <a:schemeClr val="dk1"/>
           </a:effectRef>
           <a:fontRef idx="minor">
-            <a:schemeClr val="lt1"/>
+            <a:schemeClr val="dk1"/>
           </a:fontRef>
         </p:style>
         <p:txBody>
-          <a:bodyPr rtlCol="0" anchor="ctr"/>
+          <a:bodyPr wrap="none" rtlCol="0">
+            <a:spAutoFit/>
+          </a:bodyPr>
           <a:lstStyle/>
           <a:p>
-            <a:pPr algn="ctr"/>
-            <a:endParaRPr lang="nl-NL"/>
+            <a:r>
+              <a:rPr lang="nl-NL" sz="2000" dirty="0" err="1" smtClean="0">
+                <a:latin typeface="Sitka Banner" pitchFamily="2" charset="0"/>
+              </a:rPr>
+              <a:t>BugReport</a:t>
+            </a:r>
+            <a:r>
+              <a:rPr lang="nl-NL" sz="2000" dirty="0" smtClean="0">
+                <a:latin typeface="Sitka Banner" pitchFamily="2" charset="0"/>
+              </a:rPr>
+              <a:t> calls Tag </a:t>
+            </a:r>
+            <a:r>
+              <a:rPr lang="nl-NL" sz="2000" dirty="0" err="1" smtClean="0">
+                <a:latin typeface="Sitka Banner" pitchFamily="2" charset="0"/>
+              </a:rPr>
+              <a:t>to</a:t>
+            </a:r>
+            <a:r>
+              <a:rPr lang="nl-NL" sz="2000" dirty="0" smtClean="0">
+                <a:latin typeface="Sitka Banner" pitchFamily="2" charset="0"/>
+              </a:rPr>
+              <a:t> </a:t>
+            </a:r>
+            <a:r>
+              <a:rPr lang="nl-NL" sz="2000" dirty="0" err="1" smtClean="0">
+                <a:latin typeface="Sitka Banner" pitchFamily="2" charset="0"/>
+              </a:rPr>
+              <a:t>execute</a:t>
+            </a:r>
+            <a:r>
+              <a:rPr lang="nl-NL" sz="2000" dirty="0" smtClean="0">
+                <a:latin typeface="Sitka Banner" pitchFamily="2" charset="0"/>
+              </a:rPr>
+              <a:t> </a:t>
+            </a:r>
+            <a:r>
+              <a:rPr lang="nl-NL" sz="2000" dirty="0" err="1" smtClean="0">
+                <a:latin typeface="Sitka Banner" pitchFamily="2" charset="0"/>
+              </a:rPr>
+              <a:t>the</a:t>
+            </a:r>
+            <a:r>
+              <a:rPr lang="nl-NL" sz="2000" dirty="0" smtClean="0">
+                <a:latin typeface="Sitka Banner" pitchFamily="2" charset="0"/>
+              </a:rPr>
+              <a:t> </a:t>
+            </a:r>
+            <a:r>
+              <a:rPr lang="nl-NL" sz="2000" dirty="0" err="1" smtClean="0">
+                <a:latin typeface="Sitka Banner" pitchFamily="2" charset="0"/>
+              </a:rPr>
+              <a:t>function</a:t>
+            </a:r>
+            <a:endParaRPr lang="nl-NL" sz="2000" dirty="0">
+              <a:latin typeface="Sitka Banner" pitchFamily="2" charset="0"/>
+            </a:endParaRPr>
           </a:p>
         </p:txBody>
       </p:sp>
     </p:spTree>
     <p:extLst>
       <p:ext uri="{BB962C8B-B14F-4D97-AF65-F5344CB8AC3E}">
-        <p14:creationId xmlns:p14="http://schemas.microsoft.com/office/powerpoint/2010/main" xmlns="" val="307230627"/>
+        <p14:creationId xmlns:p14="http://schemas.microsoft.com/office/powerpoint/2010/main" val="1074460601"/>
       </p:ext>
     </p:extLst>
   </p:cSld>

--- a/Presentaties/Iteratie 2/SWOP Presentatie 2 Inhoud.pptx
+++ b/Presentaties/Iteratie 2/SWOP Presentatie 2 Inhoud.pptx
@@ -126,7 +126,7 @@
   </p:defaultTextStyle>
   <p:extLst>
     <p:ext uri="{EFAFB233-063F-42B5-8137-9DF3F51BA10A}">
-      <p15:sldGuideLst xmlns="" xmlns:p15="http://schemas.microsoft.com/office/powerpoint/2012/main">
+      <p15:sldGuideLst xmlns:p15="http://schemas.microsoft.com/office/powerpoint/2012/main" xmlns="">
         <p15:guide id="1" orient="horz" pos="2160">
           <p15:clr>
             <a:srgbClr val="A4A3A4"/>
@@ -3256,7 +3256,7 @@
                 </a:effectLst>
                 <a:latin typeface="Sitka Text" pitchFamily="2" charset="0"/>
               </a:rPr>
-              <a:t>Software-ontwerp</a:t>
+              <a:t>Software-development</a:t>
             </a:r>
             <a:endParaRPr lang="nl-BE" sz="5400" cap="small" dirty="0">
               <a:ln w="18415" cmpd="sng">
@@ -3535,7 +3535,20 @@
                 </a:effectLst>
                 <a:latin typeface="Sitka Text" pitchFamily="2" charset="0"/>
               </a:rPr>
-              <a:t>Presentatie: Iteratie 2</a:t>
+              <a:t>Presentation: Iteration </a:t>
+            </a:r>
+            <a:r>
+              <a:rPr lang="nl-BE" sz="2700" cap="small" dirty="0" smtClean="0">
+                <a:effectLst>
+                  <a:outerShdw blurRad="50800" dist="38100" dir="5400000" algn="t" rotWithShape="0">
+                    <a:prstClr val="black">
+                      <a:alpha val="40000"/>
+                    </a:prstClr>
+                  </a:outerShdw>
+                </a:effectLst>
+                <a:latin typeface="Sitka Text" pitchFamily="2" charset="0"/>
+              </a:rPr>
+              <a:t>2</a:t>
             </a:r>
             <a:endParaRPr lang="en-GB" sz="2700" cap="small" dirty="0">
               <a:effectLst>
@@ -4211,19 +4224,7 @@
                 </a:solidFill>
                 <a:latin typeface="Sitka Banner" pitchFamily="2" charset="0"/>
               </a:rPr>
-              <a:t>. </a:t>
-            </a:r>
-            <a:r>
-              <a:rPr lang="nl-NL" i="1" dirty="0" smtClean="0">
-                <a:solidFill>
-                  <a:schemeClr val="tx1">
-                    <a:lumMod val="75000"/>
-                    <a:lumOff val="25000"/>
-                  </a:schemeClr>
-                </a:solidFill>
-                <a:latin typeface="Sitka Banner" pitchFamily="2" charset="0"/>
-              </a:rPr>
-              <a:t>[</a:t>
+              <a:t>. [</a:t>
             </a:r>
             <a:r>
               <a:rPr lang="is-IS" i="1" dirty="0" smtClean="0">
@@ -5211,13 +5212,7 @@
               <a:rPr lang="en-US" sz="2000" dirty="0" smtClean="0">
                 <a:latin typeface="Sitka Banner" pitchFamily="2" charset="0"/>
               </a:rPr>
-              <a:t>Separate class for target milestone</a:t>
-            </a:r>
-            <a:r>
-              <a:rPr lang="en-US" sz="2000" dirty="0" smtClean="0">
-                <a:latin typeface="Sitka Banner" pitchFamily="2" charset="0"/>
-              </a:rPr>
-              <a:t> </a:t>
+              <a:t>Separate class for target milestone </a:t>
             </a:r>
             <a:br>
               <a:rPr lang="en-US" sz="2000" dirty="0" smtClean="0">
@@ -5229,14 +5224,7 @@
                 <a:latin typeface="Sitka Banner" pitchFamily="2" charset="0"/>
                 <a:sym typeface="Wingdings" panose="05000000000000000000" pitchFamily="2" charset="2"/>
               </a:rPr>
-              <a:t> optional</a:t>
-            </a:r>
-            <a:r>
-              <a:rPr lang="en-US" sz="2000" dirty="0" smtClean="0">
-                <a:latin typeface="Sitka Banner" pitchFamily="2" charset="0"/>
-                <a:sym typeface="Wingdings" panose="05000000000000000000" pitchFamily="2" charset="2"/>
-              </a:rPr>
-              <a:t>, always initialized with a specific milestone (</a:t>
+              <a:t> optional, always initialized with a specific milestone (</a:t>
             </a:r>
             <a:r>
               <a:rPr lang="en-US" sz="2000" dirty="0" smtClean="0">
@@ -5254,15 +5242,7 @@
                 <a:ea typeface="Cambria Math"/>
                 <a:sym typeface="Wingdings" panose="05000000000000000000" pitchFamily="2" charset="2"/>
               </a:rPr>
-              <a:t>Container  needed </a:t>
-            </a:r>
-            <a:r>
-              <a:rPr lang="en-US" sz="2000" dirty="0" smtClean="0">
-                <a:latin typeface="Sitka Banner" pitchFamily="2" charset="0"/>
-                <a:ea typeface="Cambria Math"/>
-                <a:sym typeface="Wingdings" panose="05000000000000000000" pitchFamily="2" charset="2"/>
-              </a:rPr>
-              <a:t>for checkers</a:t>
+              <a:t>Container  needed for checkers</a:t>
             </a:r>
           </a:p>
           <a:p>
@@ -5430,28 +5410,7 @@
                 </a:effectLst>
                 <a:latin typeface="Sitka Text" pitchFamily="2" charset="0"/>
               </a:rPr>
-              <a:t>S</a:t>
-            </a:r>
-            <a:r>
-              <a:rPr lang="nl-BE" sz="3600" cap="small" dirty="0" smtClean="0">
-                <a:ln w="18415" cmpd="sng">
-                  <a:solidFill>
-                    <a:schemeClr val="tx1">
-                      <a:alpha val="0"/>
-                    </a:schemeClr>
-                  </a:solidFill>
-                  <a:prstDash val="solid"/>
-                </a:ln>
-                <a:effectLst>
-                  <a:outerShdw blurRad="25400" dir="3600000" algn="tl" rotWithShape="0">
-                    <a:srgbClr val="000000">
-                      <a:alpha val="70000"/>
-                    </a:srgbClr>
-                  </a:outerShdw>
-                </a:effectLst>
-                <a:latin typeface="Sitka Text" pitchFamily="2" charset="0"/>
-              </a:rPr>
-              <a:t>ystem</a:t>
+              <a:t>System</a:t>
             </a:r>
             <a:endParaRPr lang="nl-BE" sz="3600" cap="small" dirty="0">
               <a:ln w="18415" cmpd="sng">
@@ -5581,24 +5540,6 @@
               </a:rPr>
               <a:t>Undo mechanism</a:t>
             </a:r>
-            <a:endParaRPr lang="nl-BE" sz="3600" cap="small" dirty="0">
-              <a:ln w="18415" cmpd="sng">
-                <a:solidFill>
-                  <a:schemeClr val="tx1">
-                    <a:alpha val="0"/>
-                  </a:schemeClr>
-                </a:solidFill>
-                <a:prstDash val="solid"/>
-              </a:ln>
-              <a:effectLst>
-                <a:outerShdw blurRad="25400" dir="3600000" algn="tl" rotWithShape="0">
-                  <a:srgbClr val="000000">
-                    <a:alpha val="70000"/>
-                  </a:srgbClr>
-                </a:outerShdw>
-              </a:effectLst>
-              <a:latin typeface="Sitka Text" pitchFamily="2" charset="0"/>
-            </a:endParaRPr>
           </a:p>
         </p:txBody>
       </p:sp>
@@ -5789,14 +5730,26 @@
               <a:rPr lang="en-US" sz="2400" dirty="0" smtClean="0">
                 <a:latin typeface="Sitka Banner" pitchFamily="2" charset="0"/>
               </a:rPr>
-              <a:t>Adding constraints concerning tag</a:t>
-            </a:r>
-          </a:p>
-          <a:p>
+              <a:t>Adding constraints </a:t>
+            </a:r>
             <a:r>
               <a:rPr lang="en-US" sz="2400" dirty="0" smtClean="0">
                 <a:latin typeface="Sitka Banner" pitchFamily="2" charset="0"/>
               </a:rPr>
+              <a:t>to a specific </a:t>
+            </a:r>
+            <a:r>
+              <a:rPr lang="en-US" sz="2400" dirty="0" smtClean="0">
+                <a:latin typeface="Sitka Banner" pitchFamily="2" charset="0"/>
+              </a:rPr>
+              <a:t>tag</a:t>
+            </a:r>
+          </a:p>
+          <a:p>
+            <a:r>
+              <a:rPr lang="en-US" sz="2400" dirty="0" smtClean="0">
+                <a:latin typeface="Sitka Banner" pitchFamily="2" charset="0"/>
+              </a:rPr>
               <a:t>Adding new registration types (for mailboxes) = adding new observers</a:t>
             </a:r>
           </a:p>
@@ -5805,18 +5758,14 @@
               <a:rPr lang="en-US" sz="2400" dirty="0" smtClean="0">
                 <a:latin typeface="Sitka Banner" pitchFamily="2" charset="0"/>
               </a:rPr>
-              <a:t>Search methods for bug reports</a:t>
-            </a:r>
-          </a:p>
-          <a:p>
+              <a:t>Search methods for bug </a:t>
+            </a:r>
             <a:r>
               <a:rPr lang="en-US" sz="2400" dirty="0" smtClean="0">
                 <a:latin typeface="Sitka Banner" pitchFamily="2" charset="0"/>
               </a:rPr>
-              <a:t>Adding new objects that could be undone</a:t>
-            </a:r>
-          </a:p>
-          <a:p>
+              <a:t>reports = strategy pattern</a:t>
+            </a:r>
             <a:endParaRPr lang="en-US" sz="2400" dirty="0" smtClean="0">
               <a:latin typeface="Sitka Banner" pitchFamily="2" charset="0"/>
             </a:endParaRPr>
@@ -5826,25 +5775,20 @@
               <a:rPr lang="en-US" sz="2400" dirty="0" smtClean="0">
                 <a:latin typeface="Sitka Banner" pitchFamily="2" charset="0"/>
               </a:rPr>
-              <a:t>Little </a:t>
-            </a:r>
+              <a:t>Adding new objects that could be undone</a:t>
+            </a:r>
+          </a:p>
+          <a:p>
+            <a:endParaRPr lang="en-US" sz="2400" dirty="0" smtClean="0">
+              <a:latin typeface="Sitka Banner" pitchFamily="2" charset="0"/>
+            </a:endParaRPr>
+          </a:p>
+          <a:p>
             <a:r>
               <a:rPr lang="en-US" sz="2400" dirty="0" smtClean="0">
                 <a:latin typeface="Sitka Banner" pitchFamily="2" charset="0"/>
               </a:rPr>
-              <a:t>changes were needed to implement </a:t>
-            </a:r>
-            <a:r>
-              <a:rPr lang="en-US" sz="2400" dirty="0" smtClean="0">
-                <a:latin typeface="Sitka Banner" pitchFamily="2" charset="0"/>
-              </a:rPr>
-              <a:t>iteration </a:t>
-            </a:r>
-            <a:r>
-              <a:rPr lang="en-US" sz="2400" dirty="0" smtClean="0">
-                <a:latin typeface="Sitka Banner" pitchFamily="2" charset="0"/>
-              </a:rPr>
-              <a:t>2 -&gt; great extensibility of our code from iteration 1</a:t>
+              <a:t>Little changes were needed to implement iteration 2 -&gt; great extensibility of our code from iteration 1</a:t>
             </a:r>
           </a:p>
           <a:p>
@@ -6231,6 +6175,27 @@
           <a:lstStyle/>
           <a:p>
             <a:r>
+              <a:rPr lang="nl-BE" sz="3600" cap="small" dirty="0" err="1" smtClean="0">
+                <a:ln w="18415" cmpd="sng">
+                  <a:solidFill>
+                    <a:schemeClr val="tx1">
+                      <a:alpha val="0"/>
+                    </a:schemeClr>
+                  </a:solidFill>
+                  <a:prstDash val="solid"/>
+                </a:ln>
+                <a:effectLst>
+                  <a:outerShdw blurRad="25400" dir="3600000" algn="tl" rotWithShape="0">
+                    <a:srgbClr val="000000">
+                      <a:alpha val="70000"/>
+                    </a:srgbClr>
+                  </a:outerShdw>
+                </a:effectLst>
+                <a:latin typeface="Sitka Text" pitchFamily="2" charset="0"/>
+              </a:rPr>
+              <a:t>Questions</a:t>
+            </a:r>
+            <a:r>
               <a:rPr lang="nl-BE" sz="3600" cap="small" dirty="0" smtClean="0">
                 <a:ln w="18415" cmpd="sng">
                   <a:solidFill>
@@ -6249,7 +6214,7 @@
                 </a:effectLst>
                 <a:latin typeface="Sitka Text" pitchFamily="2" charset="0"/>
               </a:rPr>
-              <a:t>Vragen?</a:t>
+              <a:t>?</a:t>
             </a:r>
             <a:endParaRPr lang="nl-BE" sz="3600" cap="small" dirty="0">
               <a:ln w="18415" cmpd="sng">
@@ -6331,15 +6296,7 @@
               <a:srgbClr val="FFFFFF"/>
             </a:contourClr>
           </a:sp3d>
-          <a:extLst>
-            <a:ext uri="{909E8E84-426E-40DD-AFC4-6F175D3DCCD1}">
-              <a14:hiddenFill xmlns:a14="http://schemas.microsoft.com/office/drawing/2010/main">
-                <a:solidFill>
-                  <a:srgbClr val="FFFFFF"/>
-                </a:solidFill>
-              </a14:hiddenFill>
-            </a:ext>
-          </a:extLst>
+          <a:extLst/>
         </p:spPr>
       </p:pic>
     </p:spTree>
@@ -6816,43 +6773,7 @@
                 </a:effectLst>
                 <a:latin typeface="Sitka Banner" pitchFamily="2" charset="0"/>
               </a:rPr>
-              <a:t>31h</a:t>
-            </a:r>
-            <a:r>
-              <a:rPr lang="nl-BE" sz="2400" dirty="0" smtClean="0">
-                <a:solidFill>
-                  <a:schemeClr val="accent4">
-                    <a:lumMod val="50000"/>
-                  </a:schemeClr>
-                </a:solidFill>
-                <a:effectLst>
-                  <a:outerShdw blurRad="76200" dist="38100" dir="5400000" algn="t" rotWithShape="0">
-                    <a:prstClr val="black">
-                      <a:alpha val="27000"/>
-                    </a:prstClr>
-                  </a:outerShdw>
-                </a:effectLst>
-                <a:latin typeface="Sitka Banner" pitchFamily="2" charset="0"/>
-              </a:rPr>
-              <a:t>	Individual Work: 	</a:t>
-            </a:r>
-            <a:r>
-              <a:rPr lang="nl-BE" sz="2400" dirty="0" smtClean="0">
-                <a:solidFill>
-                  <a:schemeClr val="accent4">
-                    <a:lumMod val="50000"/>
-                  </a:schemeClr>
-                </a:solidFill>
-                <a:effectLst>
-                  <a:outerShdw blurRad="76200" dist="38100" dir="5400000" algn="t" rotWithShape="0">
-                    <a:prstClr val="black">
-                      <a:alpha val="27000"/>
-                    </a:prstClr>
-                  </a:outerShdw>
-                </a:effectLst>
-                <a:latin typeface="Sitka Banner" pitchFamily="2" charset="0"/>
-              </a:rPr>
-              <a:t>20h	</a:t>
+              <a:t>31h	Individual Work: 	20h	</a:t>
             </a:r>
             <a:r>
               <a:rPr lang="nl-BE" sz="2400" dirty="0" err="1" smtClean="0">
@@ -6982,10 +6903,10 @@
                 </a:effectLst>
                 <a:latin typeface="Sitka Banner" pitchFamily="2" charset="0"/>
               </a:rPr>
-              <a:t>31h</a:t>
-            </a:r>
-            <a:r>
-              <a:rPr lang="nl-BE" sz="2400" dirty="0" smtClean="0">
+              <a:t>31h	Individual Work: 	23h	</a:t>
+            </a:r>
+            <a:r>
+              <a:rPr lang="nl-BE" sz="2400" dirty="0" err="1" smtClean="0">
                 <a:solidFill>
                   <a:schemeClr val="accent4">
                     <a:lumMod val="50000"/>
@@ -7000,7 +6921,7 @@
                 </a:effectLst>
                 <a:latin typeface="Sitka Banner" pitchFamily="2" charset="0"/>
               </a:rPr>
-              <a:t>	Individual Work: 	</a:t>
+              <a:t>Study</a:t>
             </a:r>
             <a:r>
               <a:rPr lang="nl-BE" sz="2400" dirty="0" smtClean="0">
@@ -7018,8 +6939,24 @@
                 </a:effectLst>
                 <a:latin typeface="Sitka Banner" pitchFamily="2" charset="0"/>
               </a:rPr>
-              <a:t>23h</a:t>
-            </a:r>
+              <a:t>:	6h</a:t>
+            </a:r>
+          </a:p>
+          <a:p>
+            <a:pPr marL="0" indent="0">
+              <a:buNone/>
+            </a:pPr>
+            <a:r>
+              <a:rPr lang="nl-BE" sz="2700" b="1" cap="small" dirty="0" smtClean="0">
+                <a:latin typeface="Sitka Display" pitchFamily="2" charset="0"/>
+              </a:rPr>
+              <a:t>Tom Houben</a:t>
+            </a:r>
+          </a:p>
+          <a:p>
+            <a:pPr marL="0" indent="0">
+              <a:buNone/>
+            </a:pPr>
             <a:r>
               <a:rPr lang="nl-BE" sz="2400" dirty="0" smtClean="0">
                 <a:solidFill>
@@ -7036,10 +6973,10 @@
                 </a:effectLst>
                 <a:latin typeface="Sitka Banner" pitchFamily="2" charset="0"/>
               </a:rPr>
-              <a:t>	</a:t>
-            </a:r>
-            <a:r>
-              <a:rPr lang="nl-BE" sz="2400" dirty="0" err="1" smtClean="0">
+              <a:t>Group work:  </a:t>
+            </a:r>
+            <a:r>
+              <a:rPr lang="nl-BE" sz="2400" dirty="0">
                 <a:solidFill>
                   <a:schemeClr val="accent4">
                     <a:lumMod val="50000"/>
@@ -7054,7 +6991,7 @@
                 </a:effectLst>
                 <a:latin typeface="Sitka Banner" pitchFamily="2" charset="0"/>
               </a:rPr>
-              <a:t>Study</a:t>
+              <a:t>	</a:t>
             </a:r>
             <a:r>
               <a:rPr lang="nl-BE" sz="2400" dirty="0" smtClean="0">
@@ -7072,41 +7009,10 @@
                 </a:effectLst>
                 <a:latin typeface="Sitka Banner" pitchFamily="2" charset="0"/>
               </a:rPr>
-              <a:t>:	6h</a:t>
-            </a:r>
-            <a:endParaRPr lang="nl-BE" sz="2400" dirty="0" smtClean="0">
-              <a:solidFill>
-                <a:schemeClr val="accent4">
-                  <a:lumMod val="50000"/>
-                </a:schemeClr>
-              </a:solidFill>
-              <a:effectLst>
-                <a:outerShdw blurRad="76200" dist="38100" dir="5400000" algn="t" rotWithShape="0">
-                  <a:prstClr val="black">
-                    <a:alpha val="27000"/>
-                  </a:prstClr>
-                </a:outerShdw>
-              </a:effectLst>
-              <a:latin typeface="Sitka Banner" pitchFamily="2" charset="0"/>
-            </a:endParaRPr>
-          </a:p>
-          <a:p>
-            <a:pPr marL="0" indent="0">
-              <a:buNone/>
-            </a:pPr>
-            <a:r>
-              <a:rPr lang="nl-BE" sz="2700" b="1" cap="small" dirty="0" smtClean="0">
-                <a:latin typeface="Sitka Display" pitchFamily="2" charset="0"/>
-              </a:rPr>
-              <a:t>Tom Houben</a:t>
-            </a:r>
-          </a:p>
-          <a:p>
-            <a:pPr marL="0" indent="0">
-              <a:buNone/>
-            </a:pPr>
-            <a:r>
-              <a:rPr lang="nl-BE" sz="2400" dirty="0" smtClean="0">
+              <a:t>31h	Individual Work: 	15h	</a:t>
+            </a:r>
+            <a:r>
+              <a:rPr lang="nl-BE" sz="2400" dirty="0" err="1" smtClean="0">
                 <a:solidFill>
                   <a:schemeClr val="accent4">
                     <a:lumMod val="50000"/>
@@ -7121,10 +7027,10 @@
                 </a:effectLst>
                 <a:latin typeface="Sitka Banner" pitchFamily="2" charset="0"/>
               </a:rPr>
-              <a:t>Group work:  </a:t>
-            </a:r>
-            <a:r>
-              <a:rPr lang="nl-BE" sz="2400" dirty="0">
+              <a:t>Study</a:t>
+            </a:r>
+            <a:r>
+              <a:rPr lang="nl-BE" sz="2400" dirty="0" smtClean="0">
                 <a:solidFill>
                   <a:schemeClr val="accent4">
                     <a:lumMod val="50000"/>
@@ -7139,8 +7045,33 @@
                 </a:effectLst>
                 <a:latin typeface="Sitka Banner" pitchFamily="2" charset="0"/>
               </a:rPr>
-              <a:t>	</a:t>
-            </a:r>
+              <a:t>:	4h</a:t>
+            </a:r>
+          </a:p>
+          <a:p>
+            <a:pPr marL="0" indent="0">
+              <a:buNone/>
+            </a:pPr>
+            <a:r>
+              <a:rPr lang="nl-BE" sz="2700" b="1" cap="small" dirty="0" smtClean="0">
+                <a:latin typeface="Sitka Display" pitchFamily="2" charset="0"/>
+              </a:rPr>
+              <a:t>Tri </a:t>
+            </a:r>
+            <a:r>
+              <a:rPr lang="nl-BE" sz="2700" b="1" cap="small" dirty="0" err="1" smtClean="0">
+                <a:latin typeface="Sitka Display" pitchFamily="2" charset="0"/>
+              </a:rPr>
+              <a:t>Tran</a:t>
+            </a:r>
+            <a:endParaRPr lang="nl-BE" sz="2700" b="1" cap="small" dirty="0" smtClean="0">
+              <a:latin typeface="Sitka Display" pitchFamily="2" charset="0"/>
+            </a:endParaRPr>
+          </a:p>
+          <a:p>
+            <a:pPr marL="0" indent="0">
+              <a:buNone/>
+            </a:pPr>
             <a:r>
               <a:rPr lang="nl-BE" sz="2400" dirty="0" smtClean="0">
                 <a:solidFill>
@@ -7157,10 +7088,10 @@
                 </a:effectLst>
                 <a:latin typeface="Sitka Banner" pitchFamily="2" charset="0"/>
               </a:rPr>
-              <a:t>31h</a:t>
-            </a:r>
-            <a:r>
-              <a:rPr lang="nl-BE" sz="2400" dirty="0" smtClean="0">
+              <a:t>Group work: </a:t>
+            </a:r>
+            <a:r>
+              <a:rPr lang="nl-BE" sz="2400" dirty="0">
                 <a:solidFill>
                   <a:schemeClr val="accent4">
                     <a:lumMod val="50000"/>
@@ -7175,7 +7106,7 @@
                 </a:effectLst>
                 <a:latin typeface="Sitka Banner" pitchFamily="2" charset="0"/>
               </a:rPr>
-              <a:t>	Individual Work: 	</a:t>
+              <a:t>	</a:t>
             </a:r>
             <a:r>
               <a:rPr lang="nl-BE" sz="2400" dirty="0" smtClean="0">
@@ -7193,7 +7124,7 @@
                 </a:effectLst>
                 <a:latin typeface="Sitka Banner" pitchFamily="2" charset="0"/>
               </a:rPr>
-              <a:t>15h	</a:t>
+              <a:t>31h	Individual Work: 	51h	</a:t>
             </a:r>
             <a:r>
               <a:rPr lang="nl-BE" sz="2400" dirty="0" err="1" smtClean="0">
@@ -7229,189 +7160,8 @@
                 </a:effectLst>
                 <a:latin typeface="Sitka Banner" pitchFamily="2" charset="0"/>
               </a:rPr>
-              <a:t>:	4h</a:t>
-            </a:r>
-            <a:endParaRPr lang="nl-BE" sz="2400" dirty="0" smtClean="0">
-              <a:solidFill>
-                <a:schemeClr val="accent4">
-                  <a:lumMod val="50000"/>
-                </a:schemeClr>
-              </a:solidFill>
-              <a:effectLst>
-                <a:outerShdw blurRad="76200" dist="38100" dir="5400000" algn="t" rotWithShape="0">
-                  <a:prstClr val="black">
-                    <a:alpha val="27000"/>
-                  </a:prstClr>
-                </a:outerShdw>
-              </a:effectLst>
-              <a:latin typeface="Sitka Banner" pitchFamily="2" charset="0"/>
-            </a:endParaRPr>
-          </a:p>
-          <a:p>
-            <a:pPr marL="0" indent="0">
-              <a:buNone/>
-            </a:pPr>
-            <a:r>
-              <a:rPr lang="nl-BE" sz="2700" b="1" cap="small" dirty="0" smtClean="0">
-                <a:latin typeface="Sitka Display" pitchFamily="2" charset="0"/>
-              </a:rPr>
-              <a:t>Tri </a:t>
-            </a:r>
-            <a:r>
-              <a:rPr lang="nl-BE" sz="2700" b="1" cap="small" dirty="0" err="1" smtClean="0">
-                <a:latin typeface="Sitka Display" pitchFamily="2" charset="0"/>
-              </a:rPr>
-              <a:t>Tran</a:t>
-            </a:r>
-            <a:endParaRPr lang="nl-BE" sz="2700" b="1" cap="small" dirty="0" smtClean="0">
-              <a:latin typeface="Sitka Display" pitchFamily="2" charset="0"/>
-            </a:endParaRPr>
-          </a:p>
-          <a:p>
-            <a:pPr marL="0" indent="0">
-              <a:buNone/>
-            </a:pPr>
-            <a:r>
-              <a:rPr lang="nl-BE" sz="2400" dirty="0" smtClean="0">
-                <a:solidFill>
-                  <a:schemeClr val="accent4">
-                    <a:lumMod val="50000"/>
-                  </a:schemeClr>
-                </a:solidFill>
-                <a:effectLst>
-                  <a:outerShdw blurRad="76200" dist="38100" dir="5400000" algn="t" rotWithShape="0">
-                    <a:prstClr val="black">
-                      <a:alpha val="27000"/>
-                    </a:prstClr>
-                  </a:outerShdw>
-                </a:effectLst>
-                <a:latin typeface="Sitka Banner" pitchFamily="2" charset="0"/>
-              </a:rPr>
-              <a:t>Group work: </a:t>
-            </a:r>
-            <a:r>
-              <a:rPr lang="nl-BE" sz="2400" dirty="0">
-                <a:solidFill>
-                  <a:schemeClr val="accent4">
-                    <a:lumMod val="50000"/>
-                  </a:schemeClr>
-                </a:solidFill>
-                <a:effectLst>
-                  <a:outerShdw blurRad="76200" dist="38100" dir="5400000" algn="t" rotWithShape="0">
-                    <a:prstClr val="black">
-                      <a:alpha val="27000"/>
-                    </a:prstClr>
-                  </a:outerShdw>
-                </a:effectLst>
-                <a:latin typeface="Sitka Banner" pitchFamily="2" charset="0"/>
-              </a:rPr>
-              <a:t>	</a:t>
-            </a:r>
-            <a:r>
-              <a:rPr lang="nl-BE" sz="2400" dirty="0" smtClean="0">
-                <a:solidFill>
-                  <a:schemeClr val="accent4">
-                    <a:lumMod val="50000"/>
-                  </a:schemeClr>
-                </a:solidFill>
-                <a:effectLst>
-                  <a:outerShdw blurRad="76200" dist="38100" dir="5400000" algn="t" rotWithShape="0">
-                    <a:prstClr val="black">
-                      <a:alpha val="27000"/>
-                    </a:prstClr>
-                  </a:outerShdw>
-                </a:effectLst>
-                <a:latin typeface="Sitka Banner" pitchFamily="2" charset="0"/>
-              </a:rPr>
-              <a:t>31h</a:t>
-            </a:r>
-            <a:r>
-              <a:rPr lang="nl-BE" sz="2400" dirty="0" smtClean="0">
-                <a:solidFill>
-                  <a:schemeClr val="accent4">
-                    <a:lumMod val="50000"/>
-                  </a:schemeClr>
-                </a:solidFill>
-                <a:effectLst>
-                  <a:outerShdw blurRad="76200" dist="38100" dir="5400000" algn="t" rotWithShape="0">
-                    <a:prstClr val="black">
-                      <a:alpha val="27000"/>
-                    </a:prstClr>
-                  </a:outerShdw>
-                </a:effectLst>
-                <a:latin typeface="Sitka Banner" pitchFamily="2" charset="0"/>
-              </a:rPr>
-              <a:t>	Individual Work: 	</a:t>
-            </a:r>
-            <a:r>
-              <a:rPr lang="nl-BE" sz="2400" dirty="0" smtClean="0">
-                <a:solidFill>
-                  <a:schemeClr val="accent4">
-                    <a:lumMod val="50000"/>
-                  </a:schemeClr>
-                </a:solidFill>
-                <a:effectLst>
-                  <a:outerShdw blurRad="76200" dist="38100" dir="5400000" algn="t" rotWithShape="0">
-                    <a:prstClr val="black">
-                      <a:alpha val="27000"/>
-                    </a:prstClr>
-                  </a:outerShdw>
-                </a:effectLst>
-                <a:latin typeface="Sitka Banner" pitchFamily="2" charset="0"/>
-              </a:rPr>
-              <a:t>51h	</a:t>
-            </a:r>
-            <a:r>
-              <a:rPr lang="nl-BE" sz="2400" dirty="0" err="1" smtClean="0">
-                <a:solidFill>
-                  <a:schemeClr val="accent4">
-                    <a:lumMod val="50000"/>
-                  </a:schemeClr>
-                </a:solidFill>
-                <a:effectLst>
-                  <a:outerShdw blurRad="76200" dist="38100" dir="5400000" algn="t" rotWithShape="0">
-                    <a:prstClr val="black">
-                      <a:alpha val="27000"/>
-                    </a:prstClr>
-                  </a:outerShdw>
-                </a:effectLst>
-                <a:latin typeface="Sitka Banner" pitchFamily="2" charset="0"/>
-              </a:rPr>
-              <a:t>Study</a:t>
-            </a:r>
-            <a:r>
-              <a:rPr lang="nl-BE" sz="2400" dirty="0" smtClean="0">
-                <a:solidFill>
-                  <a:schemeClr val="accent4">
-                    <a:lumMod val="50000"/>
-                  </a:schemeClr>
-                </a:solidFill>
-                <a:effectLst>
-                  <a:outerShdw blurRad="76200" dist="38100" dir="5400000" algn="t" rotWithShape="0">
-                    <a:prstClr val="black">
-                      <a:alpha val="27000"/>
-                    </a:prstClr>
-                  </a:outerShdw>
-                </a:effectLst>
-                <a:latin typeface="Sitka Banner" pitchFamily="2" charset="0"/>
-              </a:rPr>
               <a:t>:	14h</a:t>
             </a:r>
-            <a:endParaRPr lang="nl-BE" sz="2400" dirty="0" smtClean="0">
-              <a:solidFill>
-                <a:schemeClr val="accent4">
-                  <a:lumMod val="50000"/>
-                </a:schemeClr>
-              </a:solidFill>
-              <a:effectLst>
-                <a:outerShdw blurRad="76200" dist="38100" dir="5400000" algn="t" rotWithShape="0">
-                  <a:prstClr val="black">
-                    <a:alpha val="27000"/>
-                  </a:prstClr>
-                </a:outerShdw>
-              </a:effectLst>
-              <a:latin typeface="Sitka Banner" pitchFamily="2" charset="0"/>
-            </a:endParaRPr>
           </a:p>
           <a:p>
             <a:pPr marL="0" indent="0">
@@ -7490,28 +7240,28 @@
                 <a:gridCol w="2057400">
                   <a:extLst>
                     <a:ext uri="{9D8B030D-6E8A-4147-A177-3AD203B41FA5}">
-                      <a16:colId xmlns:a16="http://schemas.microsoft.com/office/drawing/2014/main" xmlns="" val="4022630451"/>
+                      <a16:colId xmlns="" xmlns:a16="http://schemas.microsoft.com/office/drawing/2014/main" val="4022630451"/>
                     </a:ext>
                   </a:extLst>
                 </a:gridCol>
                 <a:gridCol w="2057400">
                   <a:extLst>
                     <a:ext uri="{9D8B030D-6E8A-4147-A177-3AD203B41FA5}">
-                      <a16:colId xmlns:a16="http://schemas.microsoft.com/office/drawing/2014/main" xmlns="" val="1276862258"/>
+                      <a16:colId xmlns="" xmlns:a16="http://schemas.microsoft.com/office/drawing/2014/main" val="1276862258"/>
                     </a:ext>
                   </a:extLst>
                 </a:gridCol>
                 <a:gridCol w="2057400">
                   <a:extLst>
                     <a:ext uri="{9D8B030D-6E8A-4147-A177-3AD203B41FA5}">
-                      <a16:colId xmlns:a16="http://schemas.microsoft.com/office/drawing/2014/main" xmlns="" val="670422697"/>
+                      <a16:colId xmlns="" xmlns:a16="http://schemas.microsoft.com/office/drawing/2014/main" val="670422697"/>
                     </a:ext>
                   </a:extLst>
                 </a:gridCol>
                 <a:gridCol w="2057400">
                   <a:extLst>
                     <a:ext uri="{9D8B030D-6E8A-4147-A177-3AD203B41FA5}">
-                      <a16:colId xmlns:a16="http://schemas.microsoft.com/office/drawing/2014/main" xmlns="" val="3836214712"/>
+                      <a16:colId xmlns="" xmlns:a16="http://schemas.microsoft.com/office/drawing/2014/main" val="3836214712"/>
                     </a:ext>
                   </a:extLst>
                 </a:gridCol>
@@ -7583,7 +7333,7 @@
                 </a:tc>
                 <a:extLst>
                   <a:ext uri="{0D108BD9-81ED-4DB2-BD59-A6C34878D82A}">
-                    <a16:rowId xmlns:a16="http://schemas.microsoft.com/office/drawing/2014/main" xmlns="" val="2789307922"/>
+                    <a16:rowId xmlns="" xmlns:a16="http://schemas.microsoft.com/office/drawing/2014/main" val="2789307922"/>
                   </a:ext>
                 </a:extLst>
               </a:tr>
@@ -7723,7 +7473,7 @@
                 </a:tc>
                 <a:extLst>
                   <a:ext uri="{0D108BD9-81ED-4DB2-BD59-A6C34878D82A}">
-                    <a16:rowId xmlns:a16="http://schemas.microsoft.com/office/drawing/2014/main" xmlns="" val="3498730236"/>
+                    <a16:rowId xmlns="" xmlns:a16="http://schemas.microsoft.com/office/drawing/2014/main" val="3498730236"/>
                   </a:ext>
                 </a:extLst>
               </a:tr>
@@ -7826,7 +7576,7 @@
                 </a:tc>
                 <a:extLst>
                   <a:ext uri="{0D108BD9-81ED-4DB2-BD59-A6C34878D82A}">
-                    <a16:rowId xmlns:a16="http://schemas.microsoft.com/office/drawing/2014/main" xmlns="" val="4013628509"/>
+                    <a16:rowId xmlns="" xmlns:a16="http://schemas.microsoft.com/office/drawing/2014/main" val="4013628509"/>
                   </a:ext>
                 </a:extLst>
               </a:tr>
@@ -7933,7 +7683,7 @@
                 </a:tc>
                 <a:extLst>
                   <a:ext uri="{0D108BD9-81ED-4DB2-BD59-A6C34878D82A}">
-                    <a16:rowId xmlns:a16="http://schemas.microsoft.com/office/drawing/2014/main" xmlns="" val="1545046261"/>
+                    <a16:rowId xmlns="" xmlns:a16="http://schemas.microsoft.com/office/drawing/2014/main" val="1545046261"/>
                   </a:ext>
                 </a:extLst>
               </a:tr>
@@ -8268,9 +8018,6 @@
               </a:rPr>
               <a:t> user type</a:t>
             </a:r>
-            <a:endParaRPr lang="nl-BE" sz="2400" dirty="0" smtClean="0">
-              <a:latin typeface="Sitka Banner" pitchFamily="2" charset="0"/>
-            </a:endParaRPr>
           </a:p>
           <a:p>
             <a:pPr marL="285750" indent="-285750">
@@ -8358,9 +8105,6 @@
               </a:rPr>
               <a:t> iteration 1</a:t>
             </a:r>
-            <a:endParaRPr lang="nl-BE" sz="2400" dirty="0" smtClean="0">
-              <a:latin typeface="Sitka Banner" pitchFamily="2" charset="0"/>
-            </a:endParaRPr>
           </a:p>
         </p:txBody>
       </p:sp>
